--- a/images/logo-multi-lang.pptx
+++ b/images/logo-multi-lang.pptx
@@ -5,20 +5,24 @@
     <p:sldMasterId id="2147483648" r:id="rId1"/>
   </p:sldMasterIdLst>
   <p:notesMasterIdLst>
-    <p:notesMasterId r:id="rId13"/>
+    <p:notesMasterId r:id="rId17"/>
   </p:notesMasterIdLst>
   <p:sldIdLst>
     <p:sldId id="256" r:id="rId2"/>
     <p:sldId id="258" r:id="rId3"/>
     <p:sldId id="259" r:id="rId4"/>
     <p:sldId id="261" r:id="rId5"/>
-    <p:sldId id="262" r:id="rId6"/>
-    <p:sldId id="263" r:id="rId7"/>
-    <p:sldId id="264" r:id="rId8"/>
+    <p:sldId id="268" r:id="rId6"/>
+    <p:sldId id="269" r:id="rId7"/>
+    <p:sldId id="270" r:id="rId8"/>
     <p:sldId id="265" r:id="rId9"/>
-    <p:sldId id="266" r:id="rId10"/>
-    <p:sldId id="267" r:id="rId11"/>
-    <p:sldId id="260" r:id="rId12"/>
+    <p:sldId id="271" r:id="rId10"/>
+    <p:sldId id="262" r:id="rId11"/>
+    <p:sldId id="263" r:id="rId12"/>
+    <p:sldId id="264" r:id="rId13"/>
+    <p:sldId id="266" r:id="rId14"/>
+    <p:sldId id="267" r:id="rId15"/>
+    <p:sldId id="260" r:id="rId16"/>
   </p:sldIdLst>
   <p:sldSz cx="12192000" cy="6858000"/>
   <p:notesSz cx="6858000" cy="9144000"/>
@@ -117,6 +121,38 @@
       </a:defRPr>
     </a:lvl9pPr>
   </p:defaultTextStyle>
+  <p:extLst>
+    <p:ext uri="{521415D9-36F7-43E2-AB2F-B90AF26B5E84}">
+      <p14:sectionLst xmlns:p14="http://schemas.microsoft.com/office/powerpoint/2010/main">
+        <p14:section name="Default Section" id="{CF4858EA-33A1-9C42-8457-919BB7D515E1}">
+          <p14:sldIdLst>
+            <p14:sldId id="256"/>
+            <p14:sldId id="258"/>
+            <p14:sldId id="259"/>
+            <p14:sldId id="261"/>
+            <p14:sldId id="268"/>
+            <p14:sldId id="269"/>
+            <p14:sldId id="270"/>
+            <p14:sldId id="265"/>
+            <p14:sldId id="271"/>
+          </p14:sldIdLst>
+        </p14:section>
+        <p14:section name="Untitled Section" id="{923BE9E4-8AB4-8B4F-8BA9-84C7F980A88A}">
+          <p14:sldIdLst>
+            <p14:sldId id="262"/>
+            <p14:sldId id="263"/>
+            <p14:sldId id="264"/>
+            <p14:sldId id="266"/>
+            <p14:sldId id="267"/>
+            <p14:sldId id="260"/>
+          </p14:sldIdLst>
+        </p14:section>
+      </p14:sectionLst>
+    </p:ext>
+    <p:ext uri="{EFAFB233-063F-42B5-8137-9DF3F51BA10A}">
+      <p15:sldGuideLst xmlns:p15="http://schemas.microsoft.com/office/powerpoint/2012/main"/>
+    </p:ext>
+  </p:extLst>
 </p:presentation>
 </file>
 
@@ -202,7 +238,7 @@
           <a:p>
             <a:fld id="{D2361194-542F-9F48-B3DB-F9C9D1635120}" type="datetimeFigureOut">
               <a:rPr lang="en-US" smtClean="0"/>
-              <a:t>1/11/25</a:t>
+              <a:t>1/17/25</a:t>
             </a:fld>
             <a:endParaRPr lang="en-US"/>
           </a:p>
@@ -553,6 +589,174 @@
 </p:notes>
 </file>
 
+<file path=ppt/notesSlides/notesSlide10.xml><?xml version="1.0" encoding="utf-8"?>
+<p:notes xmlns:a="http://schemas.openxmlformats.org/drawingml/2006/main" xmlns:r="http://schemas.openxmlformats.org/officeDocument/2006/relationships" xmlns:p="http://schemas.openxmlformats.org/presentationml/2006/main">
+  <p:cSld>
+    <p:spTree>
+      <p:nvGrpSpPr>
+        <p:cNvPr id="1" name=""/>
+        <p:cNvGrpSpPr/>
+        <p:nvPr/>
+      </p:nvGrpSpPr>
+      <p:grpSpPr>
+        <a:xfrm>
+          <a:off x="0" y="0"/>
+          <a:ext cx="0" cy="0"/>
+          <a:chOff x="0" y="0"/>
+          <a:chExt cx="0" cy="0"/>
+        </a:xfrm>
+      </p:grpSpPr>
+      <p:sp>
+        <p:nvSpPr>
+          <p:cNvPr id="2" name="Slide Image Placeholder 1"/>
+          <p:cNvSpPr>
+            <a:spLocks noGrp="1" noRot="1" noChangeAspect="1"/>
+          </p:cNvSpPr>
+          <p:nvPr>
+            <p:ph type="sldImg"/>
+          </p:nvPr>
+        </p:nvSpPr>
+        <p:spPr/>
+      </p:sp>
+      <p:sp>
+        <p:nvSpPr>
+          <p:cNvPr id="3" name="Notes Placeholder 2"/>
+          <p:cNvSpPr>
+            <a:spLocks noGrp="1"/>
+          </p:cNvSpPr>
+          <p:nvPr>
+            <p:ph type="body" idx="1"/>
+          </p:nvPr>
+        </p:nvSpPr>
+        <p:spPr/>
+        <p:txBody>
+          <a:bodyPr/>
+          <a:lstStyle/>
+          <a:p>
+            <a:endParaRPr lang="en-US" dirty="0"/>
+          </a:p>
+        </p:txBody>
+      </p:sp>
+      <p:sp>
+        <p:nvSpPr>
+          <p:cNvPr id="4" name="Slide Number Placeholder 3"/>
+          <p:cNvSpPr>
+            <a:spLocks noGrp="1"/>
+          </p:cNvSpPr>
+          <p:nvPr>
+            <p:ph type="sldNum" sz="quarter" idx="5"/>
+          </p:nvPr>
+        </p:nvSpPr>
+        <p:spPr/>
+        <p:txBody>
+          <a:bodyPr/>
+          <a:lstStyle/>
+          <a:p>
+            <a:fld id="{926BFB2E-ED9B-FE4A-A569-A62DBFBACDD7}" type="slidenum">
+              <a:rPr lang="en-US" smtClean="0"/>
+              <a:t>12</a:t>
+            </a:fld>
+            <a:endParaRPr lang="en-US"/>
+          </a:p>
+        </p:txBody>
+      </p:sp>
+    </p:spTree>
+    <p:extLst>
+      <p:ext uri="{BB962C8B-B14F-4D97-AF65-F5344CB8AC3E}">
+        <p14:creationId xmlns:p14="http://schemas.microsoft.com/office/powerpoint/2010/main" val="2562499369"/>
+      </p:ext>
+    </p:extLst>
+  </p:cSld>
+  <p:clrMapOvr>
+    <a:masterClrMapping/>
+  </p:clrMapOvr>
+</p:notes>
+</file>
+
+<file path=ppt/notesSlides/notesSlide11.xml><?xml version="1.0" encoding="utf-8"?>
+<p:notes xmlns:a="http://schemas.openxmlformats.org/drawingml/2006/main" xmlns:r="http://schemas.openxmlformats.org/officeDocument/2006/relationships" xmlns:p="http://schemas.openxmlformats.org/presentationml/2006/main">
+  <p:cSld>
+    <p:spTree>
+      <p:nvGrpSpPr>
+        <p:cNvPr id="1" name=""/>
+        <p:cNvGrpSpPr/>
+        <p:nvPr/>
+      </p:nvGrpSpPr>
+      <p:grpSpPr>
+        <a:xfrm>
+          <a:off x="0" y="0"/>
+          <a:ext cx="0" cy="0"/>
+          <a:chOff x="0" y="0"/>
+          <a:chExt cx="0" cy="0"/>
+        </a:xfrm>
+      </p:grpSpPr>
+      <p:sp>
+        <p:nvSpPr>
+          <p:cNvPr id="2" name="Slide Image Placeholder 1"/>
+          <p:cNvSpPr>
+            <a:spLocks noGrp="1" noRot="1" noChangeAspect="1"/>
+          </p:cNvSpPr>
+          <p:nvPr>
+            <p:ph type="sldImg"/>
+          </p:nvPr>
+        </p:nvSpPr>
+        <p:spPr/>
+      </p:sp>
+      <p:sp>
+        <p:nvSpPr>
+          <p:cNvPr id="3" name="Notes Placeholder 2"/>
+          <p:cNvSpPr>
+            <a:spLocks noGrp="1"/>
+          </p:cNvSpPr>
+          <p:nvPr>
+            <p:ph type="body" idx="1"/>
+          </p:nvPr>
+        </p:nvSpPr>
+        <p:spPr/>
+        <p:txBody>
+          <a:bodyPr/>
+          <a:lstStyle/>
+          <a:p>
+            <a:endParaRPr lang="en-US" dirty="0"/>
+          </a:p>
+        </p:txBody>
+      </p:sp>
+      <p:sp>
+        <p:nvSpPr>
+          <p:cNvPr id="4" name="Slide Number Placeholder 3"/>
+          <p:cNvSpPr>
+            <a:spLocks noGrp="1"/>
+          </p:cNvSpPr>
+          <p:nvPr>
+            <p:ph type="sldNum" sz="quarter" idx="5"/>
+          </p:nvPr>
+        </p:nvSpPr>
+        <p:spPr/>
+        <p:txBody>
+          <a:bodyPr/>
+          <a:lstStyle/>
+          <a:p>
+            <a:fld id="{926BFB2E-ED9B-FE4A-A569-A62DBFBACDD7}" type="slidenum">
+              <a:rPr lang="en-US" smtClean="0"/>
+              <a:t>13</a:t>
+            </a:fld>
+            <a:endParaRPr lang="en-US"/>
+          </a:p>
+        </p:txBody>
+      </p:sp>
+    </p:spTree>
+    <p:extLst>
+      <p:ext uri="{BB962C8B-B14F-4D97-AF65-F5344CB8AC3E}">
+        <p14:creationId xmlns:p14="http://schemas.microsoft.com/office/powerpoint/2010/main" val="1799164088"/>
+      </p:ext>
+    </p:extLst>
+  </p:cSld>
+  <p:clrMapOvr>
+    <a:masterClrMapping/>
+  </p:clrMapOvr>
+</p:notes>
+</file>
+
 <file path=ppt/notesSlides/notesSlide2.xml><?xml version="1.0" encoding="utf-8"?>
 <p:notes xmlns:a="http://schemas.openxmlformats.org/drawingml/2006/main" xmlns:r="http://schemas.openxmlformats.org/officeDocument/2006/relationships" xmlns:p="http://schemas.openxmlformats.org/presentationml/2006/main">
   <p:cSld>
@@ -711,7 +915,7 @@
     </p:spTree>
     <p:extLst>
       <p:ext uri="{BB962C8B-B14F-4D97-AF65-F5344CB8AC3E}">
-        <p14:creationId xmlns:p14="http://schemas.microsoft.com/office/powerpoint/2010/main" val="84484294"/>
+        <p14:creationId xmlns:p14="http://schemas.microsoft.com/office/powerpoint/2010/main" val="4091741740"/>
       </p:ext>
     </p:extLst>
   </p:cSld>
@@ -795,7 +999,7 @@
     </p:spTree>
     <p:extLst>
       <p:ext uri="{BB962C8B-B14F-4D97-AF65-F5344CB8AC3E}">
-        <p14:creationId xmlns:p14="http://schemas.microsoft.com/office/powerpoint/2010/main" val="3434539173"/>
+        <p14:creationId xmlns:p14="http://schemas.microsoft.com/office/powerpoint/2010/main" val="2430316426"/>
       </p:ext>
     </p:extLst>
   </p:cSld>
@@ -879,7 +1083,7 @@
     </p:spTree>
     <p:extLst>
       <p:ext uri="{BB962C8B-B14F-4D97-AF65-F5344CB8AC3E}">
-        <p14:creationId xmlns:p14="http://schemas.microsoft.com/office/powerpoint/2010/main" val="2562499369"/>
+        <p14:creationId xmlns:p14="http://schemas.microsoft.com/office/powerpoint/2010/main" val="4116571484"/>
       </p:ext>
     </p:extLst>
   </p:cSld>
@@ -932,6 +1136,35 @@
         <p:txBody>
           <a:bodyPr/>
           <a:lstStyle/>
+          <a:p>
+            <a:pPr marL="0" marR="0" lvl="0" indent="0" algn="l" defTabSz="914400" rtl="0" eaLnBrk="1" fontAlgn="auto" latinLnBrk="0" hangingPunct="1">
+              <a:lnSpc>
+                <a:spcPct val="100000"/>
+              </a:lnSpc>
+              <a:spcBef>
+                <a:spcPts val="0"/>
+              </a:spcBef>
+              <a:spcAft>
+                <a:spcPts val="0"/>
+              </a:spcAft>
+              <a:buClrTx/>
+              <a:buSzTx/>
+              <a:buFontTx/>
+              <a:buNone/>
+              <a:tabLst/>
+              <a:defRPr/>
+            </a:pPr>
+            <a:r>
+              <a:rPr lang="az-Cyrl-AZ" b="0" dirty="0">
+                <a:solidFill>
+                  <a:srgbClr val="CCCCCC"/>
+                </a:solidFill>
+                <a:effectLst/>
+                <a:latin typeface="Menlo" panose="020B0609030804020204" pitchFamily="49" charset="0"/>
+              </a:rPr>
+              <a:t>Хонг Сюй </a:t>
+            </a:r>
+          </a:p>
           <a:p>
             <a:endParaRPr lang="en-US" dirty="0"/>
           </a:p>
@@ -1047,7 +1280,175 @@
     </p:spTree>
     <p:extLst>
       <p:ext uri="{BB962C8B-B14F-4D97-AF65-F5344CB8AC3E}">
-        <p14:creationId xmlns:p14="http://schemas.microsoft.com/office/powerpoint/2010/main" val="1799164088"/>
+        <p14:creationId xmlns:p14="http://schemas.microsoft.com/office/powerpoint/2010/main" val="288223718"/>
+      </p:ext>
+    </p:extLst>
+  </p:cSld>
+  <p:clrMapOvr>
+    <a:masterClrMapping/>
+  </p:clrMapOvr>
+</p:notes>
+</file>
+
+<file path=ppt/notesSlides/notesSlide8.xml><?xml version="1.0" encoding="utf-8"?>
+<p:notes xmlns:a="http://schemas.openxmlformats.org/drawingml/2006/main" xmlns:r="http://schemas.openxmlformats.org/officeDocument/2006/relationships" xmlns:p="http://schemas.openxmlformats.org/presentationml/2006/main">
+  <p:cSld>
+    <p:spTree>
+      <p:nvGrpSpPr>
+        <p:cNvPr id="1" name=""/>
+        <p:cNvGrpSpPr/>
+        <p:nvPr/>
+      </p:nvGrpSpPr>
+      <p:grpSpPr>
+        <a:xfrm>
+          <a:off x="0" y="0"/>
+          <a:ext cx="0" cy="0"/>
+          <a:chOff x="0" y="0"/>
+          <a:chExt cx="0" cy="0"/>
+        </a:xfrm>
+      </p:grpSpPr>
+      <p:sp>
+        <p:nvSpPr>
+          <p:cNvPr id="2" name="Slide Image Placeholder 1"/>
+          <p:cNvSpPr>
+            <a:spLocks noGrp="1" noRot="1" noChangeAspect="1"/>
+          </p:cNvSpPr>
+          <p:nvPr>
+            <p:ph type="sldImg"/>
+          </p:nvPr>
+        </p:nvSpPr>
+        <p:spPr/>
+      </p:sp>
+      <p:sp>
+        <p:nvSpPr>
+          <p:cNvPr id="3" name="Notes Placeholder 2"/>
+          <p:cNvSpPr>
+            <a:spLocks noGrp="1"/>
+          </p:cNvSpPr>
+          <p:nvPr>
+            <p:ph type="body" idx="1"/>
+          </p:nvPr>
+        </p:nvSpPr>
+        <p:spPr/>
+        <p:txBody>
+          <a:bodyPr/>
+          <a:lstStyle/>
+          <a:p>
+            <a:endParaRPr lang="en-US" dirty="0"/>
+          </a:p>
+        </p:txBody>
+      </p:sp>
+      <p:sp>
+        <p:nvSpPr>
+          <p:cNvPr id="4" name="Slide Number Placeholder 3"/>
+          <p:cNvSpPr>
+            <a:spLocks noGrp="1"/>
+          </p:cNvSpPr>
+          <p:nvPr>
+            <p:ph type="sldNum" sz="quarter" idx="5"/>
+          </p:nvPr>
+        </p:nvSpPr>
+        <p:spPr/>
+        <p:txBody>
+          <a:bodyPr/>
+          <a:lstStyle/>
+          <a:p>
+            <a:fld id="{926BFB2E-ED9B-FE4A-A569-A62DBFBACDD7}" type="slidenum">
+              <a:rPr lang="en-US" smtClean="0"/>
+              <a:t>10</a:t>
+            </a:fld>
+            <a:endParaRPr lang="en-US"/>
+          </a:p>
+        </p:txBody>
+      </p:sp>
+    </p:spTree>
+    <p:extLst>
+      <p:ext uri="{BB962C8B-B14F-4D97-AF65-F5344CB8AC3E}">
+        <p14:creationId xmlns:p14="http://schemas.microsoft.com/office/powerpoint/2010/main" val="84484294"/>
+      </p:ext>
+    </p:extLst>
+  </p:cSld>
+  <p:clrMapOvr>
+    <a:masterClrMapping/>
+  </p:clrMapOvr>
+</p:notes>
+</file>
+
+<file path=ppt/notesSlides/notesSlide9.xml><?xml version="1.0" encoding="utf-8"?>
+<p:notes xmlns:a="http://schemas.openxmlformats.org/drawingml/2006/main" xmlns:r="http://schemas.openxmlformats.org/officeDocument/2006/relationships" xmlns:p="http://schemas.openxmlformats.org/presentationml/2006/main">
+  <p:cSld>
+    <p:spTree>
+      <p:nvGrpSpPr>
+        <p:cNvPr id="1" name=""/>
+        <p:cNvGrpSpPr/>
+        <p:nvPr/>
+      </p:nvGrpSpPr>
+      <p:grpSpPr>
+        <a:xfrm>
+          <a:off x="0" y="0"/>
+          <a:ext cx="0" cy="0"/>
+          <a:chOff x="0" y="0"/>
+          <a:chExt cx="0" cy="0"/>
+        </a:xfrm>
+      </p:grpSpPr>
+      <p:sp>
+        <p:nvSpPr>
+          <p:cNvPr id="2" name="Slide Image Placeholder 1"/>
+          <p:cNvSpPr>
+            <a:spLocks noGrp="1" noRot="1" noChangeAspect="1"/>
+          </p:cNvSpPr>
+          <p:nvPr>
+            <p:ph type="sldImg"/>
+          </p:nvPr>
+        </p:nvSpPr>
+        <p:spPr/>
+      </p:sp>
+      <p:sp>
+        <p:nvSpPr>
+          <p:cNvPr id="3" name="Notes Placeholder 2"/>
+          <p:cNvSpPr>
+            <a:spLocks noGrp="1"/>
+          </p:cNvSpPr>
+          <p:nvPr>
+            <p:ph type="body" idx="1"/>
+          </p:nvPr>
+        </p:nvSpPr>
+        <p:spPr/>
+        <p:txBody>
+          <a:bodyPr/>
+          <a:lstStyle/>
+          <a:p>
+            <a:endParaRPr lang="en-US" dirty="0"/>
+          </a:p>
+        </p:txBody>
+      </p:sp>
+      <p:sp>
+        <p:nvSpPr>
+          <p:cNvPr id="4" name="Slide Number Placeholder 3"/>
+          <p:cNvSpPr>
+            <a:spLocks noGrp="1"/>
+          </p:cNvSpPr>
+          <p:nvPr>
+            <p:ph type="sldNum" sz="quarter" idx="5"/>
+          </p:nvPr>
+        </p:nvSpPr>
+        <p:spPr/>
+        <p:txBody>
+          <a:bodyPr/>
+          <a:lstStyle/>
+          <a:p>
+            <a:fld id="{926BFB2E-ED9B-FE4A-A569-A62DBFBACDD7}" type="slidenum">
+              <a:rPr lang="en-US" smtClean="0"/>
+              <a:t>11</a:t>
+            </a:fld>
+            <a:endParaRPr lang="en-US"/>
+          </a:p>
+        </p:txBody>
+      </p:sp>
+    </p:spTree>
+    <p:extLst>
+      <p:ext uri="{BB962C8B-B14F-4D97-AF65-F5344CB8AC3E}">
+        <p14:creationId xmlns:p14="http://schemas.microsoft.com/office/powerpoint/2010/main" val="3434539173"/>
       </p:ext>
     </p:extLst>
   </p:cSld>
@@ -1204,7 +1605,7 @@
           <a:p>
             <a:fld id="{1E962392-3956-EF45-968A-E92073150B82}" type="datetimeFigureOut">
               <a:rPr lang="en-US" smtClean="0"/>
-              <a:t>1/11/25</a:t>
+              <a:t>1/17/25</a:t>
             </a:fld>
             <a:endParaRPr lang="en-US"/>
           </a:p>
@@ -1402,7 +1803,7 @@
           <a:p>
             <a:fld id="{1E962392-3956-EF45-968A-E92073150B82}" type="datetimeFigureOut">
               <a:rPr lang="en-US" smtClean="0"/>
-              <a:t>1/11/25</a:t>
+              <a:t>1/17/25</a:t>
             </a:fld>
             <a:endParaRPr lang="en-US"/>
           </a:p>
@@ -1610,7 +2011,7 @@
           <a:p>
             <a:fld id="{1E962392-3956-EF45-968A-E92073150B82}" type="datetimeFigureOut">
               <a:rPr lang="en-US" smtClean="0"/>
-              <a:t>1/11/25</a:t>
+              <a:t>1/17/25</a:t>
             </a:fld>
             <a:endParaRPr lang="en-US"/>
           </a:p>
@@ -1808,7 +2209,7 @@
           <a:p>
             <a:fld id="{1E962392-3956-EF45-968A-E92073150B82}" type="datetimeFigureOut">
               <a:rPr lang="en-US" smtClean="0"/>
-              <a:t>1/11/25</a:t>
+              <a:t>1/17/25</a:t>
             </a:fld>
             <a:endParaRPr lang="en-US"/>
           </a:p>
@@ -2083,7 +2484,7 @@
           <a:p>
             <a:fld id="{1E962392-3956-EF45-968A-E92073150B82}" type="datetimeFigureOut">
               <a:rPr lang="en-US" smtClean="0"/>
-              <a:t>1/11/25</a:t>
+              <a:t>1/17/25</a:t>
             </a:fld>
             <a:endParaRPr lang="en-US"/>
           </a:p>
@@ -2348,7 +2749,7 @@
           <a:p>
             <a:fld id="{1E962392-3956-EF45-968A-E92073150B82}" type="datetimeFigureOut">
               <a:rPr lang="en-US" smtClean="0"/>
-              <a:t>1/11/25</a:t>
+              <a:t>1/17/25</a:t>
             </a:fld>
             <a:endParaRPr lang="en-US"/>
           </a:p>
@@ -2760,7 +3161,7 @@
           <a:p>
             <a:fld id="{1E962392-3956-EF45-968A-E92073150B82}" type="datetimeFigureOut">
               <a:rPr lang="en-US" smtClean="0"/>
-              <a:t>1/11/25</a:t>
+              <a:t>1/17/25</a:t>
             </a:fld>
             <a:endParaRPr lang="en-US"/>
           </a:p>
@@ -2901,7 +3302,7 @@
           <a:p>
             <a:fld id="{1E962392-3956-EF45-968A-E92073150B82}" type="datetimeFigureOut">
               <a:rPr lang="en-US" smtClean="0"/>
-              <a:t>1/11/25</a:t>
+              <a:t>1/17/25</a:t>
             </a:fld>
             <a:endParaRPr lang="en-US"/>
           </a:p>
@@ -3014,7 +3415,7 @@
           <a:p>
             <a:fld id="{1E962392-3956-EF45-968A-E92073150B82}" type="datetimeFigureOut">
               <a:rPr lang="en-US" smtClean="0"/>
-              <a:t>1/11/25</a:t>
+              <a:t>1/17/25</a:t>
             </a:fld>
             <a:endParaRPr lang="en-US"/>
           </a:p>
@@ -3325,7 +3726,7 @@
           <a:p>
             <a:fld id="{1E962392-3956-EF45-968A-E92073150B82}" type="datetimeFigureOut">
               <a:rPr lang="en-US" smtClean="0"/>
-              <a:t>1/11/25</a:t>
+              <a:t>1/17/25</a:t>
             </a:fld>
             <a:endParaRPr lang="en-US"/>
           </a:p>
@@ -3613,7 +4014,7 @@
           <a:p>
             <a:fld id="{1E962392-3956-EF45-968A-E92073150B82}" type="datetimeFigureOut">
               <a:rPr lang="en-US" smtClean="0"/>
-              <a:t>1/11/25</a:t>
+              <a:t>1/17/25</a:t>
             </a:fld>
             <a:endParaRPr lang="en-US"/>
           </a:p>
@@ -3854,7 +4255,7 @@
           <a:p>
             <a:fld id="{1E962392-3956-EF45-968A-E92073150B82}" type="datetimeFigureOut">
               <a:rPr lang="en-US" smtClean="0"/>
-              <a:t>1/11/25</a:t>
+              <a:t>1/17/25</a:t>
             </a:fld>
             <a:endParaRPr lang="en-US"/>
           </a:p>
@@ -4586,6 +4987,978 @@
       </p:grpSpPr>
       <p:pic>
         <p:nvPicPr>
+          <p:cNvPr id="1026" name="Picture 2" descr="Image">
+            <a:extLst>
+              <a:ext uri="{FF2B5EF4-FFF2-40B4-BE49-F238E27FC236}">
+                <a16:creationId xmlns:a16="http://schemas.microsoft.com/office/drawing/2014/main" id="{36D76745-1717-2F81-B8A8-05514344CC77}"/>
+              </a:ext>
+            </a:extLst>
+          </p:cNvPr>
+          <p:cNvPicPr>
+            <a:picLocks noChangeAspect="1" noChangeArrowheads="1"/>
+          </p:cNvPicPr>
+          <p:nvPr/>
+        </p:nvPicPr>
+        <p:blipFill rotWithShape="1">
+          <a:blip r:embed="rId3">
+            <a:extLst>
+              <a:ext uri="{28A0092B-C50C-407E-A947-70E740481C1C}">
+                <a14:useLocalDpi xmlns:a14="http://schemas.microsoft.com/office/drawing/2010/main" val="0"/>
+              </a:ext>
+            </a:extLst>
+          </a:blip>
+          <a:srcRect r="63015"/>
+          <a:stretch/>
+        </p:blipFill>
+        <p:spPr bwMode="auto">
+          <a:xfrm>
+            <a:off x="345686" y="1115587"/>
+            <a:ext cx="3806766" cy="4469498"/>
+          </a:xfrm>
+          <a:prstGeom prst="rect">
+            <a:avLst/>
+          </a:prstGeom>
+          <a:noFill/>
+          <a:extLst>
+            <a:ext uri="{909E8E84-426E-40DD-AFC4-6F175D3DCCD1}">
+              <a14:hiddenFill xmlns:a14="http://schemas.microsoft.com/office/drawing/2010/main">
+                <a:solidFill>
+                  <a:srgbClr val="FFFFFF"/>
+                </a:solidFill>
+              </a14:hiddenFill>
+            </a:ext>
+          </a:extLst>
+        </p:spPr>
+      </p:pic>
+      <p:sp>
+        <p:nvSpPr>
+          <p:cNvPr id="5" name="TextBox 4">
+            <a:extLst>
+              <a:ext uri="{FF2B5EF4-FFF2-40B4-BE49-F238E27FC236}">
+                <a16:creationId xmlns:a16="http://schemas.microsoft.com/office/drawing/2014/main" id="{5ED4859C-2D53-8683-880F-0AF20554C879}"/>
+              </a:ext>
+            </a:extLst>
+          </p:cNvPr>
+          <p:cNvSpPr txBox="1"/>
+          <p:nvPr/>
+        </p:nvSpPr>
+        <p:spPr>
+          <a:xfrm>
+            <a:off x="4517929" y="1502404"/>
+            <a:ext cx="4378633" cy="1862048"/>
+          </a:xfrm>
+          <a:prstGeom prst="rect">
+            <a:avLst/>
+          </a:prstGeom>
+          <a:noFill/>
+        </p:spPr>
+        <p:txBody>
+          <a:bodyPr wrap="square" rtlCol="0">
+            <a:spAutoFit/>
+          </a:bodyPr>
+          <a:lstStyle/>
+          <a:p>
+            <a:r>
+              <a:rPr lang="en-US" sz="11500" spc="-300" dirty="0">
+                <a:solidFill>
+                  <a:srgbClr val="EE7D30"/>
+                </a:solidFill>
+                <a:latin typeface="Arial" panose="020B0604020202020204" pitchFamily="34" charset="0"/>
+                <a:cs typeface="Arial" panose="020B0604020202020204" pitchFamily="34" charset="0"/>
+              </a:rPr>
+              <a:t>Dr.</a:t>
+            </a:r>
+            <a:r>
+              <a:rPr lang="en-US" sz="6600" spc="-300" dirty="0">
+                <a:solidFill>
+                  <a:srgbClr val="EE7D30"/>
+                </a:solidFill>
+                <a:latin typeface="Arial" panose="020B0604020202020204" pitchFamily="34" charset="0"/>
+                <a:cs typeface="Arial" panose="020B0604020202020204" pitchFamily="34" charset="0"/>
+              </a:rPr>
+              <a:t> </a:t>
+            </a:r>
+            <a:r>
+              <a:rPr lang="en-US" sz="11500" spc="-300" dirty="0">
+                <a:solidFill>
+                  <a:srgbClr val="EE7D30"/>
+                </a:solidFill>
+                <a:latin typeface="Arial" panose="020B0604020202020204" pitchFamily="34" charset="0"/>
+                <a:cs typeface="Arial" panose="020B0604020202020204" pitchFamily="34" charset="0"/>
+              </a:rPr>
+              <a:t>X</a:t>
+            </a:r>
+            <a:r>
+              <a:rPr lang="en-US" sz="8800" spc="-300" dirty="0">
+                <a:solidFill>
+                  <a:srgbClr val="EE7D30"/>
+                </a:solidFill>
+                <a:latin typeface="Arial" panose="020B0604020202020204" pitchFamily="34" charset="0"/>
+                <a:cs typeface="Arial" panose="020B0604020202020204" pitchFamily="34" charset="0"/>
+              </a:rPr>
+              <a:t>Ü</a:t>
+            </a:r>
+            <a:endParaRPr lang="en-US" sz="9600" spc="-300" dirty="0">
+              <a:solidFill>
+                <a:srgbClr val="EE7D30"/>
+              </a:solidFill>
+              <a:latin typeface="Arial" panose="020B0604020202020204" pitchFamily="34" charset="0"/>
+              <a:cs typeface="Arial" panose="020B0604020202020204" pitchFamily="34" charset="0"/>
+            </a:endParaRPr>
+          </a:p>
+        </p:txBody>
+      </p:sp>
+      <p:sp>
+        <p:nvSpPr>
+          <p:cNvPr id="6" name="TextBox 5">
+            <a:extLst>
+              <a:ext uri="{FF2B5EF4-FFF2-40B4-BE49-F238E27FC236}">
+                <a16:creationId xmlns:a16="http://schemas.microsoft.com/office/drawing/2014/main" id="{4DFBD53B-29E4-A9DB-B886-CF96C0991B6D}"/>
+              </a:ext>
+            </a:extLst>
+          </p:cNvPr>
+          <p:cNvSpPr txBox="1"/>
+          <p:nvPr/>
+        </p:nvSpPr>
+        <p:spPr>
+          <a:xfrm>
+            <a:off x="4517928" y="3020161"/>
+            <a:ext cx="4378634" cy="1862048"/>
+          </a:xfrm>
+          <a:prstGeom prst="rect">
+            <a:avLst/>
+          </a:prstGeom>
+          <a:noFill/>
+        </p:spPr>
+        <p:txBody>
+          <a:bodyPr wrap="square" rtlCol="0">
+            <a:spAutoFit/>
+          </a:bodyPr>
+          <a:lstStyle/>
+          <a:p>
+            <a:r>
+              <a:rPr lang="en-US" sz="11500" spc="300" dirty="0">
+                <a:solidFill>
+                  <a:srgbClr val="193C7D"/>
+                </a:solidFill>
+                <a:latin typeface="Arial" panose="020B0604020202020204" pitchFamily="34" charset="0"/>
+                <a:cs typeface="Arial" panose="020B0604020202020204" pitchFamily="34" charset="0"/>
+              </a:rPr>
+              <a:t>H</a:t>
+            </a:r>
+            <a:r>
+              <a:rPr lang="en-US" sz="8800" spc="300" dirty="0">
+                <a:solidFill>
+                  <a:srgbClr val="193C7D"/>
+                </a:solidFill>
+                <a:latin typeface="Arial" panose="020B0604020202020204" pitchFamily="34" charset="0"/>
+                <a:cs typeface="Arial" panose="020B0604020202020204" pitchFamily="34" charset="0"/>
+              </a:rPr>
+              <a:t>ONG</a:t>
+            </a:r>
+            <a:r>
+              <a:rPr lang="zh-CN" altLang="en-US" sz="9600" spc="300" dirty="0">
+                <a:solidFill>
+                  <a:srgbClr val="193C7D"/>
+                </a:solidFill>
+                <a:latin typeface="Arial" panose="020B0604020202020204" pitchFamily="34" charset="0"/>
+                <a:cs typeface="Arial" panose="020B0604020202020204" pitchFamily="34" charset="0"/>
+              </a:rPr>
+              <a:t> </a:t>
+            </a:r>
+            <a:endParaRPr lang="en-US" altLang="zh-CN" sz="9600" spc="300" dirty="0">
+              <a:solidFill>
+                <a:srgbClr val="193C7D"/>
+              </a:solidFill>
+              <a:latin typeface="Arial" panose="020B0604020202020204" pitchFamily="34" charset="0"/>
+              <a:cs typeface="Arial" panose="020B0604020202020204" pitchFamily="34" charset="0"/>
+            </a:endParaRPr>
+          </a:p>
+        </p:txBody>
+      </p:sp>
+    </p:spTree>
+    <p:extLst>
+      <p:ext uri="{BB962C8B-B14F-4D97-AF65-F5344CB8AC3E}">
+        <p14:creationId xmlns:p14="http://schemas.microsoft.com/office/powerpoint/2010/main" val="2364077987"/>
+      </p:ext>
+    </p:extLst>
+  </p:cSld>
+  <p:clrMapOvr>
+    <a:masterClrMapping/>
+  </p:clrMapOvr>
+</p:sld>
+</file>
+
+<file path=ppt/slides/slide11.xml><?xml version="1.0" encoding="utf-8"?>
+<p:sld xmlns:a="http://schemas.openxmlformats.org/drawingml/2006/main" xmlns:r="http://schemas.openxmlformats.org/officeDocument/2006/relationships" xmlns:p="http://schemas.openxmlformats.org/presentationml/2006/main">
+  <p:cSld>
+    <p:spTree>
+      <p:nvGrpSpPr>
+        <p:cNvPr id="1" name=""/>
+        <p:cNvGrpSpPr/>
+        <p:nvPr/>
+      </p:nvGrpSpPr>
+      <p:grpSpPr>
+        <a:xfrm>
+          <a:off x="0" y="0"/>
+          <a:ext cx="0" cy="0"/>
+          <a:chOff x="0" y="0"/>
+          <a:chExt cx="0" cy="0"/>
+        </a:xfrm>
+      </p:grpSpPr>
+      <p:pic>
+        <p:nvPicPr>
+          <p:cNvPr id="1026" name="Picture 2" descr="Image">
+            <a:extLst>
+              <a:ext uri="{FF2B5EF4-FFF2-40B4-BE49-F238E27FC236}">
+                <a16:creationId xmlns:a16="http://schemas.microsoft.com/office/drawing/2014/main" id="{36D76745-1717-2F81-B8A8-05514344CC77}"/>
+              </a:ext>
+            </a:extLst>
+          </p:cNvPr>
+          <p:cNvPicPr>
+            <a:picLocks noChangeAspect="1" noChangeArrowheads="1"/>
+          </p:cNvPicPr>
+          <p:nvPr/>
+        </p:nvPicPr>
+        <p:blipFill rotWithShape="1">
+          <a:blip r:embed="rId3">
+            <a:extLst>
+              <a:ext uri="{28A0092B-C50C-407E-A947-70E740481C1C}">
+                <a14:useLocalDpi xmlns:a14="http://schemas.microsoft.com/office/drawing/2010/main" val="0"/>
+              </a:ext>
+            </a:extLst>
+          </a:blip>
+          <a:srcRect r="63015"/>
+          <a:stretch/>
+        </p:blipFill>
+        <p:spPr bwMode="auto">
+          <a:xfrm>
+            <a:off x="345686" y="1115587"/>
+            <a:ext cx="3806766" cy="4469498"/>
+          </a:xfrm>
+          <a:prstGeom prst="rect">
+            <a:avLst/>
+          </a:prstGeom>
+          <a:noFill/>
+          <a:extLst>
+            <a:ext uri="{909E8E84-426E-40DD-AFC4-6F175D3DCCD1}">
+              <a14:hiddenFill xmlns:a14="http://schemas.microsoft.com/office/drawing/2010/main">
+                <a:solidFill>
+                  <a:srgbClr val="FFFFFF"/>
+                </a:solidFill>
+              </a14:hiddenFill>
+            </a:ext>
+          </a:extLst>
+        </p:spPr>
+      </p:pic>
+      <p:sp>
+        <p:nvSpPr>
+          <p:cNvPr id="5" name="TextBox 4">
+            <a:extLst>
+              <a:ext uri="{FF2B5EF4-FFF2-40B4-BE49-F238E27FC236}">
+                <a16:creationId xmlns:a16="http://schemas.microsoft.com/office/drawing/2014/main" id="{5ED4859C-2D53-8683-880F-0AF20554C879}"/>
+              </a:ext>
+            </a:extLst>
+          </p:cNvPr>
+          <p:cNvSpPr txBox="1"/>
+          <p:nvPr/>
+        </p:nvSpPr>
+        <p:spPr>
+          <a:xfrm>
+            <a:off x="4517929" y="1502404"/>
+            <a:ext cx="4378633" cy="1862048"/>
+          </a:xfrm>
+          <a:prstGeom prst="rect">
+            <a:avLst/>
+          </a:prstGeom>
+          <a:noFill/>
+        </p:spPr>
+        <p:txBody>
+          <a:bodyPr wrap="square" rtlCol="0">
+            <a:spAutoFit/>
+          </a:bodyPr>
+          <a:lstStyle/>
+          <a:p>
+            <a:r>
+              <a:rPr lang="en-US" sz="11500" spc="-300" dirty="0">
+                <a:solidFill>
+                  <a:srgbClr val="EE7D30"/>
+                </a:solidFill>
+                <a:latin typeface="Arial" panose="020B0604020202020204" pitchFamily="34" charset="0"/>
+                <a:cs typeface="Arial" panose="020B0604020202020204" pitchFamily="34" charset="0"/>
+              </a:rPr>
+              <a:t>Dr.</a:t>
+            </a:r>
+            <a:r>
+              <a:rPr lang="en-US" sz="6600" spc="-300" dirty="0">
+                <a:solidFill>
+                  <a:srgbClr val="EE7D30"/>
+                </a:solidFill>
+                <a:latin typeface="Arial" panose="020B0604020202020204" pitchFamily="34" charset="0"/>
+                <a:cs typeface="Arial" panose="020B0604020202020204" pitchFamily="34" charset="0"/>
+              </a:rPr>
+              <a:t> </a:t>
+            </a:r>
+            <a:r>
+              <a:rPr lang="en-US" sz="11500" spc="-300" dirty="0">
+                <a:solidFill>
+                  <a:srgbClr val="EE7D30"/>
+                </a:solidFill>
+                <a:latin typeface="Arial" panose="020B0604020202020204" pitchFamily="34" charset="0"/>
+                <a:cs typeface="Arial" panose="020B0604020202020204" pitchFamily="34" charset="0"/>
+              </a:rPr>
+              <a:t>X</a:t>
+            </a:r>
+            <a:r>
+              <a:rPr lang="en-US" sz="8800" spc="-300" dirty="0">
+                <a:solidFill>
+                  <a:srgbClr val="EE7D30"/>
+                </a:solidFill>
+                <a:latin typeface="Arial" panose="020B0604020202020204" pitchFamily="34" charset="0"/>
+                <a:cs typeface="Arial" panose="020B0604020202020204" pitchFamily="34" charset="0"/>
+              </a:rPr>
+              <a:t>Ú</a:t>
+            </a:r>
+            <a:endParaRPr lang="en-US" sz="9600" spc="-300" dirty="0">
+              <a:solidFill>
+                <a:srgbClr val="EE7D30"/>
+              </a:solidFill>
+              <a:latin typeface="Arial" panose="020B0604020202020204" pitchFamily="34" charset="0"/>
+              <a:cs typeface="Arial" panose="020B0604020202020204" pitchFamily="34" charset="0"/>
+            </a:endParaRPr>
+          </a:p>
+        </p:txBody>
+      </p:sp>
+      <p:sp>
+        <p:nvSpPr>
+          <p:cNvPr id="6" name="TextBox 5">
+            <a:extLst>
+              <a:ext uri="{FF2B5EF4-FFF2-40B4-BE49-F238E27FC236}">
+                <a16:creationId xmlns:a16="http://schemas.microsoft.com/office/drawing/2014/main" id="{4DFBD53B-29E4-A9DB-B886-CF96C0991B6D}"/>
+              </a:ext>
+            </a:extLst>
+          </p:cNvPr>
+          <p:cNvSpPr txBox="1"/>
+          <p:nvPr/>
+        </p:nvSpPr>
+        <p:spPr>
+          <a:xfrm>
+            <a:off x="4517928" y="3020161"/>
+            <a:ext cx="4378633" cy="1862048"/>
+          </a:xfrm>
+          <a:prstGeom prst="rect">
+            <a:avLst/>
+          </a:prstGeom>
+          <a:noFill/>
+        </p:spPr>
+        <p:txBody>
+          <a:bodyPr wrap="square" rtlCol="0">
+            <a:spAutoFit/>
+          </a:bodyPr>
+          <a:lstStyle/>
+          <a:p>
+            <a:r>
+              <a:rPr lang="en-US" sz="11500" spc="300" dirty="0">
+                <a:solidFill>
+                  <a:srgbClr val="193C7D"/>
+                </a:solidFill>
+                <a:latin typeface="Arial" panose="020B0604020202020204" pitchFamily="34" charset="0"/>
+                <a:cs typeface="Arial" panose="020B0604020202020204" pitchFamily="34" charset="0"/>
+              </a:rPr>
+              <a:t>H</a:t>
+            </a:r>
+            <a:r>
+              <a:rPr lang="en-US" sz="8800" spc="300" dirty="0">
+                <a:solidFill>
+                  <a:srgbClr val="193C7D"/>
+                </a:solidFill>
+                <a:latin typeface="Arial" panose="020B0604020202020204" pitchFamily="34" charset="0"/>
+                <a:cs typeface="Arial" panose="020B0604020202020204" pitchFamily="34" charset="0"/>
+              </a:rPr>
+              <a:t>ÓNG</a:t>
+            </a:r>
+            <a:r>
+              <a:rPr lang="zh-CN" altLang="en-US" sz="9600" spc="300" dirty="0">
+                <a:solidFill>
+                  <a:srgbClr val="193C7D"/>
+                </a:solidFill>
+                <a:latin typeface="Arial" panose="020B0604020202020204" pitchFamily="34" charset="0"/>
+                <a:cs typeface="Arial" panose="020B0604020202020204" pitchFamily="34" charset="0"/>
+              </a:rPr>
+              <a:t> </a:t>
+            </a:r>
+            <a:endParaRPr lang="en-US" altLang="zh-CN" sz="9600" spc="300" dirty="0">
+              <a:solidFill>
+                <a:srgbClr val="193C7D"/>
+              </a:solidFill>
+              <a:latin typeface="Arial" panose="020B0604020202020204" pitchFamily="34" charset="0"/>
+              <a:cs typeface="Arial" panose="020B0604020202020204" pitchFamily="34" charset="0"/>
+            </a:endParaRPr>
+          </a:p>
+        </p:txBody>
+      </p:sp>
+    </p:spTree>
+    <p:extLst>
+      <p:ext uri="{BB962C8B-B14F-4D97-AF65-F5344CB8AC3E}">
+        <p14:creationId xmlns:p14="http://schemas.microsoft.com/office/powerpoint/2010/main" val="2453739998"/>
+      </p:ext>
+    </p:extLst>
+  </p:cSld>
+  <p:clrMapOvr>
+    <a:masterClrMapping/>
+  </p:clrMapOvr>
+</p:sld>
+</file>
+
+<file path=ppt/slides/slide12.xml><?xml version="1.0" encoding="utf-8"?>
+<p:sld xmlns:a="http://schemas.openxmlformats.org/drawingml/2006/main" xmlns:r="http://schemas.openxmlformats.org/officeDocument/2006/relationships" xmlns:p="http://schemas.openxmlformats.org/presentationml/2006/main">
+  <p:cSld>
+    <p:spTree>
+      <p:nvGrpSpPr>
+        <p:cNvPr id="1" name=""/>
+        <p:cNvGrpSpPr/>
+        <p:nvPr/>
+      </p:nvGrpSpPr>
+      <p:grpSpPr>
+        <a:xfrm>
+          <a:off x="0" y="0"/>
+          <a:ext cx="0" cy="0"/>
+          <a:chOff x="0" y="0"/>
+          <a:chExt cx="0" cy="0"/>
+        </a:xfrm>
+      </p:grpSpPr>
+      <p:pic>
+        <p:nvPicPr>
+          <p:cNvPr id="1026" name="Picture 2" descr="Image">
+            <a:extLst>
+              <a:ext uri="{FF2B5EF4-FFF2-40B4-BE49-F238E27FC236}">
+                <a16:creationId xmlns:a16="http://schemas.microsoft.com/office/drawing/2014/main" id="{36D76745-1717-2F81-B8A8-05514344CC77}"/>
+              </a:ext>
+            </a:extLst>
+          </p:cNvPr>
+          <p:cNvPicPr>
+            <a:picLocks noChangeAspect="1" noChangeArrowheads="1"/>
+          </p:cNvPicPr>
+          <p:nvPr/>
+        </p:nvPicPr>
+        <p:blipFill rotWithShape="1">
+          <a:blip r:embed="rId3">
+            <a:extLst>
+              <a:ext uri="{28A0092B-C50C-407E-A947-70E740481C1C}">
+                <a14:useLocalDpi xmlns:a14="http://schemas.microsoft.com/office/drawing/2010/main" val="0"/>
+              </a:ext>
+            </a:extLst>
+          </a:blip>
+          <a:srcRect r="63015"/>
+          <a:stretch/>
+        </p:blipFill>
+        <p:spPr bwMode="auto">
+          <a:xfrm>
+            <a:off x="345686" y="1115587"/>
+            <a:ext cx="3806766" cy="4469498"/>
+          </a:xfrm>
+          <a:prstGeom prst="rect">
+            <a:avLst/>
+          </a:prstGeom>
+          <a:noFill/>
+          <a:extLst>
+            <a:ext uri="{909E8E84-426E-40DD-AFC4-6F175D3DCCD1}">
+              <a14:hiddenFill xmlns:a14="http://schemas.microsoft.com/office/drawing/2010/main">
+                <a:solidFill>
+                  <a:srgbClr val="FFFFFF"/>
+                </a:solidFill>
+              </a14:hiddenFill>
+            </a:ext>
+          </a:extLst>
+        </p:spPr>
+      </p:pic>
+      <p:sp>
+        <p:nvSpPr>
+          <p:cNvPr id="5" name="TextBox 4">
+            <a:extLst>
+              <a:ext uri="{FF2B5EF4-FFF2-40B4-BE49-F238E27FC236}">
+                <a16:creationId xmlns:a16="http://schemas.microsoft.com/office/drawing/2014/main" id="{5ED4859C-2D53-8683-880F-0AF20554C879}"/>
+              </a:ext>
+            </a:extLst>
+          </p:cNvPr>
+          <p:cNvSpPr txBox="1"/>
+          <p:nvPr/>
+        </p:nvSpPr>
+        <p:spPr>
+          <a:xfrm>
+            <a:off x="4517929" y="1502404"/>
+            <a:ext cx="4378633" cy="1862048"/>
+          </a:xfrm>
+          <a:prstGeom prst="rect">
+            <a:avLst/>
+          </a:prstGeom>
+          <a:noFill/>
+        </p:spPr>
+        <p:txBody>
+          <a:bodyPr wrap="square" rtlCol="0">
+            <a:spAutoFit/>
+          </a:bodyPr>
+          <a:lstStyle/>
+          <a:p>
+            <a:r>
+              <a:rPr lang="en-US" sz="11500" spc="-300" dirty="0">
+                <a:solidFill>
+                  <a:srgbClr val="EE7D30"/>
+                </a:solidFill>
+                <a:latin typeface="Arial" panose="020B0604020202020204" pitchFamily="34" charset="0"/>
+                <a:cs typeface="Arial" panose="020B0604020202020204" pitchFamily="34" charset="0"/>
+              </a:rPr>
+              <a:t>Dr.</a:t>
+            </a:r>
+            <a:r>
+              <a:rPr lang="en-US" sz="6600" spc="-300" dirty="0">
+                <a:solidFill>
+                  <a:srgbClr val="EE7D30"/>
+                </a:solidFill>
+                <a:latin typeface="Arial" panose="020B0604020202020204" pitchFamily="34" charset="0"/>
+                <a:cs typeface="Arial" panose="020B0604020202020204" pitchFamily="34" charset="0"/>
+              </a:rPr>
+              <a:t> </a:t>
+            </a:r>
+            <a:r>
+              <a:rPr lang="en-US" sz="11500" spc="-300" dirty="0">
+                <a:solidFill>
+                  <a:srgbClr val="EE7D30"/>
+                </a:solidFill>
+                <a:latin typeface="Arial" panose="020B0604020202020204" pitchFamily="34" charset="0"/>
+                <a:cs typeface="Arial" panose="020B0604020202020204" pitchFamily="34" charset="0"/>
+              </a:rPr>
+              <a:t>X</a:t>
+            </a:r>
+            <a:r>
+              <a:rPr lang="en-US" sz="8800" spc="-300" dirty="0">
+                <a:solidFill>
+                  <a:srgbClr val="EE7D30"/>
+                </a:solidFill>
+                <a:latin typeface="Arial" panose="020B0604020202020204" pitchFamily="34" charset="0"/>
+                <a:cs typeface="Arial" panose="020B0604020202020204" pitchFamily="34" charset="0"/>
+              </a:rPr>
+              <a:t>Ú</a:t>
+            </a:r>
+            <a:endParaRPr lang="en-US" sz="9600" spc="-300" dirty="0">
+              <a:solidFill>
+                <a:srgbClr val="EE7D30"/>
+              </a:solidFill>
+              <a:latin typeface="Arial" panose="020B0604020202020204" pitchFamily="34" charset="0"/>
+              <a:cs typeface="Arial" panose="020B0604020202020204" pitchFamily="34" charset="0"/>
+            </a:endParaRPr>
+          </a:p>
+        </p:txBody>
+      </p:sp>
+      <p:sp>
+        <p:nvSpPr>
+          <p:cNvPr id="6" name="TextBox 5">
+            <a:extLst>
+              <a:ext uri="{FF2B5EF4-FFF2-40B4-BE49-F238E27FC236}">
+                <a16:creationId xmlns:a16="http://schemas.microsoft.com/office/drawing/2014/main" id="{4DFBD53B-29E4-A9DB-B886-CF96C0991B6D}"/>
+              </a:ext>
+            </a:extLst>
+          </p:cNvPr>
+          <p:cNvSpPr txBox="1"/>
+          <p:nvPr/>
+        </p:nvSpPr>
+        <p:spPr>
+          <a:xfrm>
+            <a:off x="4517928" y="3020161"/>
+            <a:ext cx="4378633" cy="1862048"/>
+          </a:xfrm>
+          <a:prstGeom prst="rect">
+            <a:avLst/>
+          </a:prstGeom>
+          <a:noFill/>
+        </p:spPr>
+        <p:txBody>
+          <a:bodyPr wrap="square" rtlCol="0">
+            <a:spAutoFit/>
+          </a:bodyPr>
+          <a:lstStyle/>
+          <a:p>
+            <a:r>
+              <a:rPr lang="en-US" sz="11500" spc="300" dirty="0">
+                <a:solidFill>
+                  <a:srgbClr val="193C7D"/>
+                </a:solidFill>
+                <a:latin typeface="Arial" panose="020B0604020202020204" pitchFamily="34" charset="0"/>
+                <a:cs typeface="Arial" panose="020B0604020202020204" pitchFamily="34" charset="0"/>
+              </a:rPr>
+              <a:t>H</a:t>
+            </a:r>
+            <a:r>
+              <a:rPr lang="en-US" sz="8800" spc="300" dirty="0">
+                <a:solidFill>
+                  <a:srgbClr val="193C7D"/>
+                </a:solidFill>
+                <a:latin typeface="Arial" panose="020B0604020202020204" pitchFamily="34" charset="0"/>
+                <a:cs typeface="Arial" panose="020B0604020202020204" pitchFamily="34" charset="0"/>
+              </a:rPr>
+              <a:t>ONG</a:t>
+            </a:r>
+            <a:r>
+              <a:rPr lang="zh-CN" altLang="en-US" sz="9600" spc="300" dirty="0">
+                <a:solidFill>
+                  <a:srgbClr val="193C7D"/>
+                </a:solidFill>
+                <a:latin typeface="Arial" panose="020B0604020202020204" pitchFamily="34" charset="0"/>
+                <a:cs typeface="Arial" panose="020B0604020202020204" pitchFamily="34" charset="0"/>
+              </a:rPr>
+              <a:t> </a:t>
+            </a:r>
+            <a:endParaRPr lang="en-US" altLang="zh-CN" sz="9600" spc="300" dirty="0">
+              <a:solidFill>
+                <a:srgbClr val="193C7D"/>
+              </a:solidFill>
+              <a:latin typeface="Arial" panose="020B0604020202020204" pitchFamily="34" charset="0"/>
+              <a:cs typeface="Arial" panose="020B0604020202020204" pitchFamily="34" charset="0"/>
+            </a:endParaRPr>
+          </a:p>
+        </p:txBody>
+      </p:sp>
+    </p:spTree>
+    <p:extLst>
+      <p:ext uri="{BB962C8B-B14F-4D97-AF65-F5344CB8AC3E}">
+        <p14:creationId xmlns:p14="http://schemas.microsoft.com/office/powerpoint/2010/main" val="2573971696"/>
+      </p:ext>
+    </p:extLst>
+  </p:cSld>
+  <p:clrMapOvr>
+    <a:masterClrMapping/>
+  </p:clrMapOvr>
+</p:sld>
+</file>
+
+<file path=ppt/slides/slide13.xml><?xml version="1.0" encoding="utf-8"?>
+<p:sld xmlns:a="http://schemas.openxmlformats.org/drawingml/2006/main" xmlns:r="http://schemas.openxmlformats.org/officeDocument/2006/relationships" xmlns:p="http://schemas.openxmlformats.org/presentationml/2006/main">
+  <p:cSld>
+    <p:spTree>
+      <p:nvGrpSpPr>
+        <p:cNvPr id="1" name=""/>
+        <p:cNvGrpSpPr/>
+        <p:nvPr/>
+      </p:nvGrpSpPr>
+      <p:grpSpPr>
+        <a:xfrm>
+          <a:off x="0" y="0"/>
+          <a:ext cx="0" cy="0"/>
+          <a:chOff x="0" y="0"/>
+          <a:chExt cx="0" cy="0"/>
+        </a:xfrm>
+      </p:grpSpPr>
+      <p:pic>
+        <p:nvPicPr>
+          <p:cNvPr id="1026" name="Picture 2" descr="Image">
+            <a:extLst>
+              <a:ext uri="{FF2B5EF4-FFF2-40B4-BE49-F238E27FC236}">
+                <a16:creationId xmlns:a16="http://schemas.microsoft.com/office/drawing/2014/main" id="{36D76745-1717-2F81-B8A8-05514344CC77}"/>
+              </a:ext>
+            </a:extLst>
+          </p:cNvPr>
+          <p:cNvPicPr>
+            <a:picLocks noChangeAspect="1" noChangeArrowheads="1"/>
+          </p:cNvPicPr>
+          <p:nvPr/>
+        </p:nvPicPr>
+        <p:blipFill rotWithShape="1">
+          <a:blip r:embed="rId3">
+            <a:extLst>
+              <a:ext uri="{28A0092B-C50C-407E-A947-70E740481C1C}">
+                <a14:useLocalDpi xmlns:a14="http://schemas.microsoft.com/office/drawing/2010/main" val="0"/>
+              </a:ext>
+            </a:extLst>
+          </a:blip>
+          <a:srcRect r="63015"/>
+          <a:stretch/>
+        </p:blipFill>
+        <p:spPr bwMode="auto">
+          <a:xfrm>
+            <a:off x="345686" y="1115587"/>
+            <a:ext cx="3806766" cy="4469498"/>
+          </a:xfrm>
+          <a:prstGeom prst="rect">
+            <a:avLst/>
+          </a:prstGeom>
+          <a:noFill/>
+          <a:extLst>
+            <a:ext uri="{909E8E84-426E-40DD-AFC4-6F175D3DCCD1}">
+              <a14:hiddenFill xmlns:a14="http://schemas.microsoft.com/office/drawing/2010/main">
+                <a:solidFill>
+                  <a:srgbClr val="FFFFFF"/>
+                </a:solidFill>
+              </a14:hiddenFill>
+            </a:ext>
+          </a:extLst>
+        </p:spPr>
+      </p:pic>
+      <p:sp>
+        <p:nvSpPr>
+          <p:cNvPr id="6" name="TextBox 5">
+            <a:extLst>
+              <a:ext uri="{FF2B5EF4-FFF2-40B4-BE49-F238E27FC236}">
+                <a16:creationId xmlns:a16="http://schemas.microsoft.com/office/drawing/2014/main" id="{4DFBD53B-29E4-A9DB-B886-CF96C0991B6D}"/>
+              </a:ext>
+            </a:extLst>
+          </p:cNvPr>
+          <p:cNvSpPr txBox="1"/>
+          <p:nvPr/>
+        </p:nvSpPr>
+        <p:spPr>
+          <a:xfrm>
+            <a:off x="8831735" y="1223633"/>
+            <a:ext cx="3360266" cy="2215991"/>
+          </a:xfrm>
+          <a:prstGeom prst="rect">
+            <a:avLst/>
+          </a:prstGeom>
+          <a:noFill/>
+        </p:spPr>
+        <p:txBody>
+          <a:bodyPr wrap="square" rtlCol="0">
+            <a:spAutoFit/>
+          </a:bodyPr>
+          <a:lstStyle/>
+          <a:p>
+            <a:r>
+              <a:rPr lang="ar-AE" sz="13800" spc="-300" dirty="0">
+                <a:solidFill>
+                  <a:srgbClr val="EE7D30"/>
+                </a:solidFill>
+                <a:latin typeface="Arial" panose="020B0604020202020204" pitchFamily="34" charset="0"/>
+                <a:ea typeface="Osaka" panose="020B0600000000000000" pitchFamily="34" charset="-128"/>
+                <a:cs typeface="Arial" panose="020B0604020202020204" pitchFamily="34" charset="0"/>
+              </a:rPr>
+              <a:t>د.شو</a:t>
+            </a:r>
+          </a:p>
+        </p:txBody>
+      </p:sp>
+      <p:sp>
+        <p:nvSpPr>
+          <p:cNvPr id="3" name="TextBox 2">
+            <a:extLst>
+              <a:ext uri="{FF2B5EF4-FFF2-40B4-BE49-F238E27FC236}">
+                <a16:creationId xmlns:a16="http://schemas.microsoft.com/office/drawing/2014/main" id="{2C070E27-2E91-F385-8BE6-8C4138778241}"/>
+              </a:ext>
+            </a:extLst>
+          </p:cNvPr>
+          <p:cNvSpPr txBox="1"/>
+          <p:nvPr/>
+        </p:nvSpPr>
+        <p:spPr>
+          <a:xfrm>
+            <a:off x="8933657" y="2707258"/>
+            <a:ext cx="3258343" cy="2215991"/>
+          </a:xfrm>
+          <a:prstGeom prst="rect">
+            <a:avLst/>
+          </a:prstGeom>
+          <a:noFill/>
+        </p:spPr>
+        <p:txBody>
+          <a:bodyPr wrap="square">
+            <a:spAutoFit/>
+          </a:bodyPr>
+          <a:lstStyle/>
+          <a:p>
+            <a:r>
+              <a:rPr lang="ar-AE" sz="13800" spc="-300" dirty="0">
+                <a:solidFill>
+                  <a:srgbClr val="193C7D"/>
+                </a:solidFill>
+                <a:latin typeface="Arial" panose="020B0604020202020204" pitchFamily="34" charset="0"/>
+                <a:cs typeface="Arial" panose="020B0604020202020204" pitchFamily="34" charset="0"/>
+              </a:rPr>
+              <a:t>هونغ</a:t>
+            </a:r>
+            <a:endParaRPr lang="en-US" sz="9600" spc="-300" dirty="0">
+              <a:solidFill>
+                <a:srgbClr val="193C7D"/>
+              </a:solidFill>
+            </a:endParaRPr>
+          </a:p>
+        </p:txBody>
+      </p:sp>
+      <p:sp>
+        <p:nvSpPr>
+          <p:cNvPr id="2" name="TextBox 1">
+            <a:extLst>
+              <a:ext uri="{FF2B5EF4-FFF2-40B4-BE49-F238E27FC236}">
+                <a16:creationId xmlns:a16="http://schemas.microsoft.com/office/drawing/2014/main" id="{D8CA99EA-F7FA-9D28-1B27-056CD7FD5044}"/>
+              </a:ext>
+            </a:extLst>
+          </p:cNvPr>
+          <p:cNvSpPr txBox="1"/>
+          <p:nvPr/>
+        </p:nvSpPr>
+        <p:spPr>
+          <a:xfrm>
+            <a:off x="4517929" y="1502404"/>
+            <a:ext cx="4378633" cy="1862048"/>
+          </a:xfrm>
+          <a:prstGeom prst="rect">
+            <a:avLst/>
+          </a:prstGeom>
+          <a:noFill/>
+        </p:spPr>
+        <p:txBody>
+          <a:bodyPr wrap="square" rtlCol="0">
+            <a:spAutoFit/>
+          </a:bodyPr>
+          <a:lstStyle/>
+          <a:p>
+            <a:r>
+              <a:rPr lang="en-US" sz="11500" spc="-300" dirty="0">
+                <a:solidFill>
+                  <a:srgbClr val="EE7D30"/>
+                </a:solidFill>
+                <a:latin typeface="Arial" panose="020B0604020202020204" pitchFamily="34" charset="0"/>
+                <a:cs typeface="Arial" panose="020B0604020202020204" pitchFamily="34" charset="0"/>
+              </a:rPr>
+              <a:t>Dr.</a:t>
+            </a:r>
+            <a:r>
+              <a:rPr lang="en-US" sz="6600" spc="-300" dirty="0">
+                <a:solidFill>
+                  <a:srgbClr val="EE7D30"/>
+                </a:solidFill>
+                <a:latin typeface="Arial" panose="020B0604020202020204" pitchFamily="34" charset="0"/>
+                <a:cs typeface="Arial" panose="020B0604020202020204" pitchFamily="34" charset="0"/>
+              </a:rPr>
+              <a:t> </a:t>
+            </a:r>
+            <a:r>
+              <a:rPr lang="en-US" sz="11500" spc="-300" dirty="0">
+                <a:solidFill>
+                  <a:srgbClr val="EE7D30"/>
+                </a:solidFill>
+                <a:latin typeface="Arial" panose="020B0604020202020204" pitchFamily="34" charset="0"/>
+                <a:cs typeface="Arial" panose="020B0604020202020204" pitchFamily="34" charset="0"/>
+              </a:rPr>
+              <a:t>X</a:t>
+            </a:r>
+            <a:r>
+              <a:rPr lang="en-US" sz="8800" spc="-300" dirty="0">
+                <a:solidFill>
+                  <a:srgbClr val="EE7D30"/>
+                </a:solidFill>
+                <a:latin typeface="Arial" panose="020B0604020202020204" pitchFamily="34" charset="0"/>
+                <a:cs typeface="Arial" panose="020B0604020202020204" pitchFamily="34" charset="0"/>
+              </a:rPr>
+              <a:t>U</a:t>
+            </a:r>
+            <a:endParaRPr lang="en-US" sz="9600" spc="-300" dirty="0">
+              <a:solidFill>
+                <a:srgbClr val="EE7D30"/>
+              </a:solidFill>
+              <a:latin typeface="Arial" panose="020B0604020202020204" pitchFamily="34" charset="0"/>
+              <a:cs typeface="Arial" panose="020B0604020202020204" pitchFamily="34" charset="0"/>
+            </a:endParaRPr>
+          </a:p>
+        </p:txBody>
+      </p:sp>
+      <p:sp>
+        <p:nvSpPr>
+          <p:cNvPr id="5" name="TextBox 4">
+            <a:extLst>
+              <a:ext uri="{FF2B5EF4-FFF2-40B4-BE49-F238E27FC236}">
+                <a16:creationId xmlns:a16="http://schemas.microsoft.com/office/drawing/2014/main" id="{B79BC6B3-47FB-5E60-599C-7D91CC2A8ED5}"/>
+              </a:ext>
+            </a:extLst>
+          </p:cNvPr>
+          <p:cNvSpPr txBox="1"/>
+          <p:nvPr/>
+        </p:nvSpPr>
+        <p:spPr>
+          <a:xfrm>
+            <a:off x="4517928" y="3020161"/>
+            <a:ext cx="4378634" cy="1862048"/>
+          </a:xfrm>
+          <a:prstGeom prst="rect">
+            <a:avLst/>
+          </a:prstGeom>
+          <a:noFill/>
+        </p:spPr>
+        <p:txBody>
+          <a:bodyPr wrap="square" rtlCol="0">
+            <a:spAutoFit/>
+          </a:bodyPr>
+          <a:lstStyle/>
+          <a:p>
+            <a:r>
+              <a:rPr lang="en-US" sz="11500" spc="300" dirty="0">
+                <a:solidFill>
+                  <a:srgbClr val="193C7D"/>
+                </a:solidFill>
+                <a:latin typeface="Arial" panose="020B0604020202020204" pitchFamily="34" charset="0"/>
+                <a:cs typeface="Arial" panose="020B0604020202020204" pitchFamily="34" charset="0"/>
+              </a:rPr>
+              <a:t>H</a:t>
+            </a:r>
+            <a:r>
+              <a:rPr lang="en-US" sz="8800" spc="300" dirty="0">
+                <a:solidFill>
+                  <a:srgbClr val="193C7D"/>
+                </a:solidFill>
+                <a:latin typeface="Arial" panose="020B0604020202020204" pitchFamily="34" charset="0"/>
+                <a:cs typeface="Arial" panose="020B0604020202020204" pitchFamily="34" charset="0"/>
+              </a:rPr>
+              <a:t>ONG</a:t>
+            </a:r>
+            <a:r>
+              <a:rPr lang="zh-CN" altLang="en-US" sz="9600" spc="300" dirty="0">
+                <a:solidFill>
+                  <a:srgbClr val="193C7D"/>
+                </a:solidFill>
+                <a:latin typeface="Arial" panose="020B0604020202020204" pitchFamily="34" charset="0"/>
+                <a:cs typeface="Arial" panose="020B0604020202020204" pitchFamily="34" charset="0"/>
+              </a:rPr>
+              <a:t> </a:t>
+            </a:r>
+            <a:endParaRPr lang="en-US" altLang="zh-CN" sz="9600" spc="300" dirty="0">
+              <a:solidFill>
+                <a:srgbClr val="193C7D"/>
+              </a:solidFill>
+              <a:latin typeface="Arial" panose="020B0604020202020204" pitchFamily="34" charset="0"/>
+              <a:cs typeface="Arial" panose="020B0604020202020204" pitchFamily="34" charset="0"/>
+            </a:endParaRPr>
+          </a:p>
+        </p:txBody>
+      </p:sp>
+    </p:spTree>
+    <p:extLst>
+      <p:ext uri="{BB962C8B-B14F-4D97-AF65-F5344CB8AC3E}">
+        <p14:creationId xmlns:p14="http://schemas.microsoft.com/office/powerpoint/2010/main" val="3587914855"/>
+      </p:ext>
+    </p:extLst>
+  </p:cSld>
+  <p:clrMapOvr>
+    <a:masterClrMapping/>
+  </p:clrMapOvr>
+</p:sld>
+</file>
+
+<file path=ppt/slides/slide14.xml><?xml version="1.0" encoding="utf-8"?>
+<p:sld xmlns:a="http://schemas.openxmlformats.org/drawingml/2006/main" xmlns:r="http://schemas.openxmlformats.org/officeDocument/2006/relationships" xmlns:p="http://schemas.openxmlformats.org/presentationml/2006/main">
+  <p:cSld>
+    <p:spTree>
+      <p:nvGrpSpPr>
+        <p:cNvPr id="1" name=""/>
+        <p:cNvGrpSpPr/>
+        <p:nvPr/>
+      </p:nvGrpSpPr>
+      <p:grpSpPr>
+        <a:xfrm>
+          <a:off x="0" y="0"/>
+          <a:ext cx="0" cy="0"/>
+          <a:chOff x="0" y="0"/>
+          <a:chExt cx="0" cy="0"/>
+        </a:xfrm>
+      </p:grpSpPr>
+      <p:pic>
+        <p:nvPicPr>
           <p:cNvPr id="12290" name="Picture 2" descr="Twelve Chinese zodiac stencils">
             <a:extLst>
               <a:ext uri="{FF2B5EF4-FFF2-40B4-BE49-F238E27FC236}">
@@ -5221,7 +6594,7 @@
 </p:sld>
 </file>
 
-<file path=ppt/slides/slide11.xml><?xml version="1.0" encoding="utf-8"?>
+<file path=ppt/slides/slide15.xml><?xml version="1.0" encoding="utf-8"?>
 <p:sld xmlns:a="http://schemas.openxmlformats.org/drawingml/2006/main" xmlns:r="http://schemas.openxmlformats.org/officeDocument/2006/relationships" xmlns:p="http://schemas.openxmlformats.org/presentationml/2006/main" show="0">
   <p:cSld>
     <p:spTree>
@@ -6176,7 +7549,7 @@
         </p:nvSpPr>
         <p:spPr>
           <a:xfrm>
-            <a:off x="4517929" y="1502404"/>
+            <a:off x="6067869" y="1502404"/>
             <a:ext cx="4378633" cy="1862048"/>
           </a:xfrm>
           <a:prstGeom prst="rect">
@@ -6254,7 +7627,7 @@
         </p:nvSpPr>
         <p:spPr>
           <a:xfrm>
-            <a:off x="4517928" y="3020161"/>
+            <a:off x="6067868" y="3020161"/>
             <a:ext cx="4378634" cy="1862048"/>
           </a:xfrm>
           <a:prstGeom prst="rect">
@@ -6308,6 +7681,214 @@
           </a:p>
         </p:txBody>
       </p:sp>
+      <p:sp>
+        <p:nvSpPr>
+          <p:cNvPr id="2" name="TextBox 1">
+            <a:extLst>
+              <a:ext uri="{FF2B5EF4-FFF2-40B4-BE49-F238E27FC236}">
+                <a16:creationId xmlns:a16="http://schemas.microsoft.com/office/drawing/2014/main" id="{8ACC2E12-BAF5-1435-CEC8-F161FAF7D8FB}"/>
+              </a:ext>
+            </a:extLst>
+          </p:cNvPr>
+          <p:cNvSpPr txBox="1"/>
+          <p:nvPr/>
+        </p:nvSpPr>
+        <p:spPr>
+          <a:xfrm>
+            <a:off x="10874673" y="1502404"/>
+            <a:ext cx="4378633" cy="1862048"/>
+          </a:xfrm>
+          <a:prstGeom prst="rect">
+            <a:avLst/>
+          </a:prstGeom>
+          <a:noFill/>
+        </p:spPr>
+        <p:txBody>
+          <a:bodyPr wrap="square" rtlCol="0">
+            <a:spAutoFit/>
+          </a:bodyPr>
+          <a:lstStyle/>
+          <a:p>
+            <a:r>
+              <a:rPr lang="en-US" sz="11500" spc="-300" dirty="0">
+                <a:solidFill>
+                  <a:srgbClr val="EE7D30"/>
+                </a:solidFill>
+                <a:latin typeface="Arial" panose="020B0604020202020204" pitchFamily="34" charset="0"/>
+                <a:ea typeface="Hiragino Sans W2" panose="020B0300000000000000" pitchFamily="34" charset="-128"/>
+                <a:cs typeface="Arial" panose="020B0604020202020204" pitchFamily="34" charset="0"/>
+              </a:rPr>
+              <a:t>Hsu</a:t>
+            </a:r>
+            <a:endParaRPr lang="en-US" sz="8800" spc="-300" dirty="0">
+              <a:solidFill>
+                <a:srgbClr val="EE7D30"/>
+              </a:solidFill>
+              <a:latin typeface="Arial" panose="020B0604020202020204" pitchFamily="34" charset="0"/>
+              <a:ea typeface="Hiragino Sans W2" panose="020B0300000000000000" pitchFamily="34" charset="-128"/>
+              <a:cs typeface="Arial" panose="020B0604020202020204" pitchFamily="34" charset="0"/>
+            </a:endParaRPr>
+          </a:p>
+        </p:txBody>
+      </p:sp>
+      <p:sp>
+        <p:nvSpPr>
+          <p:cNvPr id="3" name="TextBox 2">
+            <a:extLst>
+              <a:ext uri="{FF2B5EF4-FFF2-40B4-BE49-F238E27FC236}">
+                <a16:creationId xmlns:a16="http://schemas.microsoft.com/office/drawing/2014/main" id="{A216E084-5254-4252-8CEF-17262AB46251}"/>
+              </a:ext>
+            </a:extLst>
+          </p:cNvPr>
+          <p:cNvSpPr txBox="1"/>
+          <p:nvPr/>
+        </p:nvSpPr>
+        <p:spPr>
+          <a:xfrm>
+            <a:off x="10867414" y="3020161"/>
+            <a:ext cx="5849953" cy="1862048"/>
+          </a:xfrm>
+          <a:prstGeom prst="rect">
+            <a:avLst/>
+          </a:prstGeom>
+          <a:noFill/>
+        </p:spPr>
+        <p:txBody>
+          <a:bodyPr wrap="square" rtlCol="0">
+            <a:spAutoFit/>
+          </a:bodyPr>
+          <a:lstStyle/>
+          <a:p>
+            <a:r>
+              <a:rPr lang="en-US" sz="11500" spc="300" dirty="0">
+                <a:solidFill>
+                  <a:srgbClr val="193C7D"/>
+                </a:solidFill>
+                <a:latin typeface="Arial" panose="020B0604020202020204" pitchFamily="34" charset="0"/>
+                <a:ea typeface="Hiragino Sans W2" panose="020B0300000000000000" pitchFamily="34" charset="-128"/>
+                <a:cs typeface="Arial" panose="020B0604020202020204" pitchFamily="34" charset="0"/>
+              </a:rPr>
+              <a:t>H</a:t>
+            </a:r>
+            <a:r>
+              <a:rPr lang="en-US" sz="8800" spc="300" dirty="0">
+                <a:solidFill>
+                  <a:srgbClr val="193C7D"/>
+                </a:solidFill>
+                <a:latin typeface="Arial" panose="020B0604020202020204" pitchFamily="34" charset="0"/>
+                <a:ea typeface="Hiragino Sans W2" panose="020B0300000000000000" pitchFamily="34" charset="-128"/>
+                <a:cs typeface="Arial" panose="020B0604020202020204" pitchFamily="34" charset="0"/>
+              </a:rPr>
+              <a:t>ELIOS</a:t>
+            </a:r>
+            <a:r>
+              <a:rPr lang="zh-CN" altLang="en-US" sz="9600" spc="300" dirty="0">
+                <a:solidFill>
+                  <a:srgbClr val="193C7D"/>
+                </a:solidFill>
+                <a:latin typeface="Arial" panose="020B0604020202020204" pitchFamily="34" charset="0"/>
+                <a:cs typeface="Arial" panose="020B0604020202020204" pitchFamily="34" charset="0"/>
+              </a:rPr>
+              <a:t> </a:t>
+            </a:r>
+            <a:endParaRPr lang="en-US" altLang="zh-CN" sz="9600" spc="300" dirty="0">
+              <a:solidFill>
+                <a:srgbClr val="193C7D"/>
+              </a:solidFill>
+              <a:latin typeface="Arial" panose="020B0604020202020204" pitchFamily="34" charset="0"/>
+              <a:cs typeface="Arial" panose="020B0604020202020204" pitchFamily="34" charset="0"/>
+            </a:endParaRPr>
+          </a:p>
+        </p:txBody>
+      </p:sp>
+      <p:cxnSp>
+        <p:nvCxnSpPr>
+          <p:cNvPr id="5" name="Straight Connector 4">
+            <a:extLst>
+              <a:ext uri="{FF2B5EF4-FFF2-40B4-BE49-F238E27FC236}">
+                <a16:creationId xmlns:a16="http://schemas.microsoft.com/office/drawing/2014/main" id="{4A437575-06ED-BA35-2BD4-13DE33F5FD1C}"/>
+              </a:ext>
+            </a:extLst>
+          </p:cNvPr>
+          <p:cNvCxnSpPr/>
+          <p:nvPr/>
+        </p:nvCxnSpPr>
+        <p:spPr>
+          <a:xfrm>
+            <a:off x="10446502" y="1923142"/>
+            <a:ext cx="0" cy="2560320"/>
+          </a:xfrm>
+          <a:prstGeom prst="line">
+            <a:avLst/>
+          </a:prstGeom>
+          <a:ln w="19050">
+            <a:solidFill>
+              <a:schemeClr val="bg1">
+                <a:lumMod val="65000"/>
+              </a:schemeClr>
+            </a:solidFill>
+          </a:ln>
+        </p:spPr>
+        <p:style>
+          <a:lnRef idx="1">
+            <a:schemeClr val="accent1"/>
+          </a:lnRef>
+          <a:fillRef idx="0">
+            <a:schemeClr val="accent1"/>
+          </a:fillRef>
+          <a:effectRef idx="0">
+            <a:schemeClr val="accent1"/>
+          </a:effectRef>
+          <a:fontRef idx="minor">
+            <a:schemeClr val="tx1"/>
+          </a:fontRef>
+        </p:style>
+      </p:cxnSp>
+      <p:pic>
+        <p:nvPicPr>
+          <p:cNvPr id="7" name="Picture 2" descr="Image">
+            <a:extLst>
+              <a:ext uri="{FF2B5EF4-FFF2-40B4-BE49-F238E27FC236}">
+                <a16:creationId xmlns:a16="http://schemas.microsoft.com/office/drawing/2014/main" id="{23F2F615-820B-07C9-E672-5E46661DCF86}"/>
+              </a:ext>
+            </a:extLst>
+          </p:cNvPr>
+          <p:cNvPicPr>
+            <a:picLocks noChangeAspect="1" noChangeArrowheads="1"/>
+          </p:cNvPicPr>
+          <p:nvPr/>
+        </p:nvPicPr>
+        <p:blipFill rotWithShape="1">
+          <a:blip r:embed="rId3">
+            <a:extLst>
+              <a:ext uri="{28A0092B-C50C-407E-A947-70E740481C1C}">
+                <a14:useLocalDpi xmlns:a14="http://schemas.microsoft.com/office/drawing/2010/main" val="0"/>
+              </a:ext>
+            </a:extLst>
+          </a:blip>
+          <a:srcRect r="47237"/>
+          <a:stretch/>
+        </p:blipFill>
+        <p:spPr bwMode="auto">
+          <a:xfrm>
+            <a:off x="345686" y="1115587"/>
+            <a:ext cx="5430646" cy="4469498"/>
+          </a:xfrm>
+          <a:prstGeom prst="rect">
+            <a:avLst/>
+          </a:prstGeom>
+          <a:noFill/>
+          <a:extLst>
+            <a:ext uri="{909E8E84-426E-40DD-AFC4-6F175D3DCCD1}">
+              <a14:hiddenFill xmlns:a14="http://schemas.microsoft.com/office/drawing/2010/main">
+                <a:solidFill>
+                  <a:srgbClr val="FFFFFF"/>
+                </a:solidFill>
+              </a14:hiddenFill>
+            </a:ext>
+          </a:extLst>
+        </p:spPr>
+      </p:pic>
     </p:spTree>
     <p:extLst>
       <p:ext uri="{BB962C8B-B14F-4D97-AF65-F5344CB8AC3E}">
@@ -6385,10 +7966,10 @@
       </p:pic>
       <p:sp>
         <p:nvSpPr>
-          <p:cNvPr id="5" name="TextBox 4">
-            <a:extLst>
-              <a:ext uri="{FF2B5EF4-FFF2-40B4-BE49-F238E27FC236}">
-                <a16:creationId xmlns:a16="http://schemas.microsoft.com/office/drawing/2014/main" id="{5ED4859C-2D53-8683-880F-0AF20554C879}"/>
+          <p:cNvPr id="9" name="TextBox 8">
+            <a:extLst>
+              <a:ext uri="{FF2B5EF4-FFF2-40B4-BE49-F238E27FC236}">
+                <a16:creationId xmlns:a16="http://schemas.microsoft.com/office/drawing/2014/main" id="{839B7A6C-C6D3-32A6-0EDB-E88D8EFB371D}"/>
               </a:ext>
             </a:extLst>
           </p:cNvPr>
@@ -6397,7 +7978,7 @@
         </p:nvSpPr>
         <p:spPr>
           <a:xfrm>
-            <a:off x="4517929" y="1502404"/>
+            <a:off x="6067869" y="1502404"/>
             <a:ext cx="4378633" cy="1862048"/>
           </a:xfrm>
           <a:prstGeom prst="rect">
@@ -6463,10 +8044,10 @@
       </p:sp>
       <p:sp>
         <p:nvSpPr>
-          <p:cNvPr id="6" name="TextBox 5">
-            <a:extLst>
-              <a:ext uri="{FF2B5EF4-FFF2-40B4-BE49-F238E27FC236}">
-                <a16:creationId xmlns:a16="http://schemas.microsoft.com/office/drawing/2014/main" id="{4DFBD53B-29E4-A9DB-B886-CF96C0991B6D}"/>
+          <p:cNvPr id="10" name="TextBox 9">
+            <a:extLst>
+              <a:ext uri="{FF2B5EF4-FFF2-40B4-BE49-F238E27FC236}">
+                <a16:creationId xmlns:a16="http://schemas.microsoft.com/office/drawing/2014/main" id="{EF81F04B-E831-E708-9897-55FF13E576D7}"/>
               </a:ext>
             </a:extLst>
           </p:cNvPr>
@@ -6475,7 +8056,7 @@
         </p:nvSpPr>
         <p:spPr>
           <a:xfrm>
-            <a:off x="4517928" y="3020161"/>
+            <a:off x="6067868" y="3020161"/>
             <a:ext cx="4378634" cy="1862048"/>
           </a:xfrm>
           <a:prstGeom prst="rect">
@@ -6529,10 +8110,218 @@
           </a:p>
         </p:txBody>
       </p:sp>
+      <p:sp>
+        <p:nvSpPr>
+          <p:cNvPr id="2" name="TextBox 1">
+            <a:extLst>
+              <a:ext uri="{FF2B5EF4-FFF2-40B4-BE49-F238E27FC236}">
+                <a16:creationId xmlns:a16="http://schemas.microsoft.com/office/drawing/2014/main" id="{8ACC2E12-BAF5-1435-CEC8-F161FAF7D8FB}"/>
+              </a:ext>
+            </a:extLst>
+          </p:cNvPr>
+          <p:cNvSpPr txBox="1"/>
+          <p:nvPr/>
+        </p:nvSpPr>
+        <p:spPr>
+          <a:xfrm>
+            <a:off x="10874673" y="1502404"/>
+            <a:ext cx="4378633" cy="1862048"/>
+          </a:xfrm>
+          <a:prstGeom prst="rect">
+            <a:avLst/>
+          </a:prstGeom>
+          <a:noFill/>
+        </p:spPr>
+        <p:txBody>
+          <a:bodyPr wrap="square" rtlCol="0">
+            <a:spAutoFit/>
+          </a:bodyPr>
+          <a:lstStyle/>
+          <a:p>
+            <a:r>
+              <a:rPr lang="en-US" sz="11500" spc="-300" dirty="0">
+                <a:solidFill>
+                  <a:srgbClr val="EE7D30"/>
+                </a:solidFill>
+                <a:latin typeface="Arial" panose="020B0604020202020204" pitchFamily="34" charset="0"/>
+                <a:ea typeface="Hiragino Sans W2" panose="020B0300000000000000" pitchFamily="34" charset="-128"/>
+                <a:cs typeface="Arial" panose="020B0604020202020204" pitchFamily="34" charset="0"/>
+              </a:rPr>
+              <a:t>Hsu</a:t>
+            </a:r>
+            <a:endParaRPr lang="en-US" sz="8800" spc="-300" dirty="0">
+              <a:solidFill>
+                <a:srgbClr val="EE7D30"/>
+              </a:solidFill>
+              <a:latin typeface="Arial" panose="020B0604020202020204" pitchFamily="34" charset="0"/>
+              <a:ea typeface="Hiragino Sans W2" panose="020B0300000000000000" pitchFamily="34" charset="-128"/>
+              <a:cs typeface="Arial" panose="020B0604020202020204" pitchFamily="34" charset="0"/>
+            </a:endParaRPr>
+          </a:p>
+        </p:txBody>
+      </p:sp>
+      <p:sp>
+        <p:nvSpPr>
+          <p:cNvPr id="3" name="TextBox 2">
+            <a:extLst>
+              <a:ext uri="{FF2B5EF4-FFF2-40B4-BE49-F238E27FC236}">
+                <a16:creationId xmlns:a16="http://schemas.microsoft.com/office/drawing/2014/main" id="{A216E084-5254-4252-8CEF-17262AB46251}"/>
+              </a:ext>
+            </a:extLst>
+          </p:cNvPr>
+          <p:cNvSpPr txBox="1"/>
+          <p:nvPr/>
+        </p:nvSpPr>
+        <p:spPr>
+          <a:xfrm>
+            <a:off x="10867414" y="3020161"/>
+            <a:ext cx="5849953" cy="1862048"/>
+          </a:xfrm>
+          <a:prstGeom prst="rect">
+            <a:avLst/>
+          </a:prstGeom>
+          <a:noFill/>
+        </p:spPr>
+        <p:txBody>
+          <a:bodyPr wrap="square" rtlCol="0">
+            <a:spAutoFit/>
+          </a:bodyPr>
+          <a:lstStyle/>
+          <a:p>
+            <a:r>
+              <a:rPr lang="en-US" sz="11500" spc="300" dirty="0">
+                <a:solidFill>
+                  <a:srgbClr val="193C7D"/>
+                </a:solidFill>
+                <a:latin typeface="Arial" panose="020B0604020202020204" pitchFamily="34" charset="0"/>
+                <a:ea typeface="Hiragino Sans W2" panose="020B0300000000000000" pitchFamily="34" charset="-128"/>
+                <a:cs typeface="Arial" panose="020B0604020202020204" pitchFamily="34" charset="0"/>
+              </a:rPr>
+              <a:t>H</a:t>
+            </a:r>
+            <a:r>
+              <a:rPr lang="en-US" sz="8800" spc="300" dirty="0">
+                <a:solidFill>
+                  <a:srgbClr val="193C7D"/>
+                </a:solidFill>
+                <a:latin typeface="Arial" panose="020B0604020202020204" pitchFamily="34" charset="0"/>
+                <a:ea typeface="Hiragino Sans W2" panose="020B0300000000000000" pitchFamily="34" charset="-128"/>
+                <a:cs typeface="Arial" panose="020B0604020202020204" pitchFamily="34" charset="0"/>
+              </a:rPr>
+              <a:t>ELIOS</a:t>
+            </a:r>
+            <a:r>
+              <a:rPr lang="zh-CN" altLang="en-US" sz="9600" spc="300" dirty="0">
+                <a:solidFill>
+                  <a:srgbClr val="193C7D"/>
+                </a:solidFill>
+                <a:latin typeface="Arial" panose="020B0604020202020204" pitchFamily="34" charset="0"/>
+                <a:cs typeface="Arial" panose="020B0604020202020204" pitchFamily="34" charset="0"/>
+              </a:rPr>
+              <a:t> </a:t>
+            </a:r>
+            <a:endParaRPr lang="en-US" altLang="zh-CN" sz="9600" spc="300" dirty="0">
+              <a:solidFill>
+                <a:srgbClr val="193C7D"/>
+              </a:solidFill>
+              <a:latin typeface="Arial" panose="020B0604020202020204" pitchFamily="34" charset="0"/>
+              <a:cs typeface="Arial" panose="020B0604020202020204" pitchFamily="34" charset="0"/>
+            </a:endParaRPr>
+          </a:p>
+        </p:txBody>
+      </p:sp>
+      <p:cxnSp>
+        <p:nvCxnSpPr>
+          <p:cNvPr id="5" name="Straight Connector 4">
+            <a:extLst>
+              <a:ext uri="{FF2B5EF4-FFF2-40B4-BE49-F238E27FC236}">
+                <a16:creationId xmlns:a16="http://schemas.microsoft.com/office/drawing/2014/main" id="{4A437575-06ED-BA35-2BD4-13DE33F5FD1C}"/>
+              </a:ext>
+            </a:extLst>
+          </p:cNvPr>
+          <p:cNvCxnSpPr/>
+          <p:nvPr/>
+        </p:nvCxnSpPr>
+        <p:spPr>
+          <a:xfrm>
+            <a:off x="10446502" y="1923142"/>
+            <a:ext cx="0" cy="2560320"/>
+          </a:xfrm>
+          <a:prstGeom prst="line">
+            <a:avLst/>
+          </a:prstGeom>
+          <a:ln w="19050">
+            <a:solidFill>
+              <a:schemeClr val="bg1">
+                <a:lumMod val="65000"/>
+              </a:schemeClr>
+            </a:solidFill>
+          </a:ln>
+        </p:spPr>
+        <p:style>
+          <a:lnRef idx="1">
+            <a:schemeClr val="accent1"/>
+          </a:lnRef>
+          <a:fillRef idx="0">
+            <a:schemeClr val="accent1"/>
+          </a:fillRef>
+          <a:effectRef idx="0">
+            <a:schemeClr val="accent1"/>
+          </a:effectRef>
+          <a:fontRef idx="minor">
+            <a:schemeClr val="tx1"/>
+          </a:fontRef>
+        </p:style>
+      </p:cxnSp>
+      <p:pic>
+        <p:nvPicPr>
+          <p:cNvPr id="7" name="Picture 2" descr="Image">
+            <a:extLst>
+              <a:ext uri="{FF2B5EF4-FFF2-40B4-BE49-F238E27FC236}">
+                <a16:creationId xmlns:a16="http://schemas.microsoft.com/office/drawing/2014/main" id="{23F2F615-820B-07C9-E672-5E46661DCF86}"/>
+              </a:ext>
+            </a:extLst>
+          </p:cNvPr>
+          <p:cNvPicPr>
+            <a:picLocks noChangeAspect="1" noChangeArrowheads="1"/>
+          </p:cNvPicPr>
+          <p:nvPr/>
+        </p:nvPicPr>
+        <p:blipFill rotWithShape="1">
+          <a:blip r:embed="rId3">
+            <a:extLst>
+              <a:ext uri="{28A0092B-C50C-407E-A947-70E740481C1C}">
+                <a14:useLocalDpi xmlns:a14="http://schemas.microsoft.com/office/drawing/2010/main" val="0"/>
+              </a:ext>
+            </a:extLst>
+          </a:blip>
+          <a:srcRect r="47237"/>
+          <a:stretch/>
+        </p:blipFill>
+        <p:spPr bwMode="auto">
+          <a:xfrm>
+            <a:off x="345686" y="1115587"/>
+            <a:ext cx="5430646" cy="4469498"/>
+          </a:xfrm>
+          <a:prstGeom prst="rect">
+            <a:avLst/>
+          </a:prstGeom>
+          <a:noFill/>
+          <a:extLst>
+            <a:ext uri="{909E8E84-426E-40DD-AFC4-6F175D3DCCD1}">
+              <a14:hiddenFill xmlns:a14="http://schemas.microsoft.com/office/drawing/2010/main">
+                <a:solidFill>
+                  <a:srgbClr val="FFFFFF"/>
+                </a:solidFill>
+              </a14:hiddenFill>
+            </a:ext>
+          </a:extLst>
+        </p:spPr>
+      </p:pic>
     </p:spTree>
     <p:extLst>
       <p:ext uri="{BB962C8B-B14F-4D97-AF65-F5344CB8AC3E}">
-        <p14:creationId xmlns:p14="http://schemas.microsoft.com/office/powerpoint/2010/main" val="2364077987"/>
+        <p14:creationId xmlns:p14="http://schemas.microsoft.com/office/powerpoint/2010/main" val="3801521842"/>
       </p:ext>
     </p:extLst>
   </p:cSld>
@@ -6606,10 +8395,10 @@
       </p:pic>
       <p:sp>
         <p:nvSpPr>
-          <p:cNvPr id="5" name="TextBox 4">
-            <a:extLst>
-              <a:ext uri="{FF2B5EF4-FFF2-40B4-BE49-F238E27FC236}">
-                <a16:creationId xmlns:a16="http://schemas.microsoft.com/office/drawing/2014/main" id="{5ED4859C-2D53-8683-880F-0AF20554C879}"/>
+          <p:cNvPr id="9" name="TextBox 8">
+            <a:extLst>
+              <a:ext uri="{FF2B5EF4-FFF2-40B4-BE49-F238E27FC236}">
+                <a16:creationId xmlns:a16="http://schemas.microsoft.com/office/drawing/2014/main" id="{839B7A6C-C6D3-32A6-0EDB-E88D8EFB371D}"/>
               </a:ext>
             </a:extLst>
           </p:cNvPr>
@@ -6618,7 +8407,7 @@
         </p:nvSpPr>
         <p:spPr>
           <a:xfrm>
-            <a:off x="4517929" y="1502404"/>
+            <a:off x="6067869" y="1502404"/>
             <a:ext cx="4378633" cy="1862048"/>
           </a:xfrm>
           <a:prstGeom prst="rect">
@@ -6684,10 +8473,10 @@
       </p:sp>
       <p:sp>
         <p:nvSpPr>
-          <p:cNvPr id="6" name="TextBox 5">
-            <a:extLst>
-              <a:ext uri="{FF2B5EF4-FFF2-40B4-BE49-F238E27FC236}">
-                <a16:creationId xmlns:a16="http://schemas.microsoft.com/office/drawing/2014/main" id="{4DFBD53B-29E4-A9DB-B886-CF96C0991B6D}"/>
+          <p:cNvPr id="10" name="TextBox 9">
+            <a:extLst>
+              <a:ext uri="{FF2B5EF4-FFF2-40B4-BE49-F238E27FC236}">
+                <a16:creationId xmlns:a16="http://schemas.microsoft.com/office/drawing/2014/main" id="{EF81F04B-E831-E708-9897-55FF13E576D7}"/>
               </a:ext>
             </a:extLst>
           </p:cNvPr>
@@ -6696,8 +8485,8 @@
         </p:nvSpPr>
         <p:spPr>
           <a:xfrm>
-            <a:off x="4517928" y="3020161"/>
-            <a:ext cx="4378633" cy="1862048"/>
+            <a:off x="6067868" y="3020161"/>
+            <a:ext cx="4378634" cy="1862048"/>
           </a:xfrm>
           <a:prstGeom prst="rect">
             <a:avLst/>
@@ -6750,10 +8539,218 @@
           </a:p>
         </p:txBody>
       </p:sp>
+      <p:sp>
+        <p:nvSpPr>
+          <p:cNvPr id="2" name="TextBox 1">
+            <a:extLst>
+              <a:ext uri="{FF2B5EF4-FFF2-40B4-BE49-F238E27FC236}">
+                <a16:creationId xmlns:a16="http://schemas.microsoft.com/office/drawing/2014/main" id="{8ACC2E12-BAF5-1435-CEC8-F161FAF7D8FB}"/>
+              </a:ext>
+            </a:extLst>
+          </p:cNvPr>
+          <p:cNvSpPr txBox="1"/>
+          <p:nvPr/>
+        </p:nvSpPr>
+        <p:spPr>
+          <a:xfrm>
+            <a:off x="10874673" y="1502404"/>
+            <a:ext cx="4378633" cy="1862048"/>
+          </a:xfrm>
+          <a:prstGeom prst="rect">
+            <a:avLst/>
+          </a:prstGeom>
+          <a:noFill/>
+        </p:spPr>
+        <p:txBody>
+          <a:bodyPr wrap="square" rtlCol="0">
+            <a:spAutoFit/>
+          </a:bodyPr>
+          <a:lstStyle/>
+          <a:p>
+            <a:r>
+              <a:rPr lang="en-US" sz="11500" spc="-300" dirty="0">
+                <a:solidFill>
+                  <a:srgbClr val="EE7D30"/>
+                </a:solidFill>
+                <a:latin typeface="Arial" panose="020B0604020202020204" pitchFamily="34" charset="0"/>
+                <a:ea typeface="Hiragino Sans W2" panose="020B0300000000000000" pitchFamily="34" charset="-128"/>
+                <a:cs typeface="Arial" panose="020B0604020202020204" pitchFamily="34" charset="0"/>
+              </a:rPr>
+              <a:t>Hsu</a:t>
+            </a:r>
+            <a:endParaRPr lang="en-US" sz="8800" spc="-300" dirty="0">
+              <a:solidFill>
+                <a:srgbClr val="EE7D30"/>
+              </a:solidFill>
+              <a:latin typeface="Arial" panose="020B0604020202020204" pitchFamily="34" charset="0"/>
+              <a:ea typeface="Hiragino Sans W2" panose="020B0300000000000000" pitchFamily="34" charset="-128"/>
+              <a:cs typeface="Arial" panose="020B0604020202020204" pitchFamily="34" charset="0"/>
+            </a:endParaRPr>
+          </a:p>
+        </p:txBody>
+      </p:sp>
+      <p:sp>
+        <p:nvSpPr>
+          <p:cNvPr id="3" name="TextBox 2">
+            <a:extLst>
+              <a:ext uri="{FF2B5EF4-FFF2-40B4-BE49-F238E27FC236}">
+                <a16:creationId xmlns:a16="http://schemas.microsoft.com/office/drawing/2014/main" id="{A216E084-5254-4252-8CEF-17262AB46251}"/>
+              </a:ext>
+            </a:extLst>
+          </p:cNvPr>
+          <p:cNvSpPr txBox="1"/>
+          <p:nvPr/>
+        </p:nvSpPr>
+        <p:spPr>
+          <a:xfrm>
+            <a:off x="10867414" y="3020161"/>
+            <a:ext cx="5849953" cy="1862048"/>
+          </a:xfrm>
+          <a:prstGeom prst="rect">
+            <a:avLst/>
+          </a:prstGeom>
+          <a:noFill/>
+        </p:spPr>
+        <p:txBody>
+          <a:bodyPr wrap="square" rtlCol="0">
+            <a:spAutoFit/>
+          </a:bodyPr>
+          <a:lstStyle/>
+          <a:p>
+            <a:r>
+              <a:rPr lang="en-US" sz="11500" spc="300" dirty="0">
+                <a:solidFill>
+                  <a:srgbClr val="193C7D"/>
+                </a:solidFill>
+                <a:latin typeface="Arial" panose="020B0604020202020204" pitchFamily="34" charset="0"/>
+                <a:ea typeface="Hiragino Sans W2" panose="020B0300000000000000" pitchFamily="34" charset="-128"/>
+                <a:cs typeface="Arial" panose="020B0604020202020204" pitchFamily="34" charset="0"/>
+              </a:rPr>
+              <a:t>H</a:t>
+            </a:r>
+            <a:r>
+              <a:rPr lang="en-US" sz="8800" spc="300" dirty="0">
+                <a:solidFill>
+                  <a:srgbClr val="193C7D"/>
+                </a:solidFill>
+                <a:latin typeface="Arial" panose="020B0604020202020204" pitchFamily="34" charset="0"/>
+                <a:ea typeface="Hiragino Sans W2" panose="020B0300000000000000" pitchFamily="34" charset="-128"/>
+                <a:cs typeface="Arial" panose="020B0604020202020204" pitchFamily="34" charset="0"/>
+              </a:rPr>
+              <a:t>ELIOS</a:t>
+            </a:r>
+            <a:r>
+              <a:rPr lang="zh-CN" altLang="en-US" sz="9600" spc="300" dirty="0">
+                <a:solidFill>
+                  <a:srgbClr val="193C7D"/>
+                </a:solidFill>
+                <a:latin typeface="Arial" panose="020B0604020202020204" pitchFamily="34" charset="0"/>
+                <a:cs typeface="Arial" panose="020B0604020202020204" pitchFamily="34" charset="0"/>
+              </a:rPr>
+              <a:t> </a:t>
+            </a:r>
+            <a:endParaRPr lang="en-US" altLang="zh-CN" sz="9600" spc="300" dirty="0">
+              <a:solidFill>
+                <a:srgbClr val="193C7D"/>
+              </a:solidFill>
+              <a:latin typeface="Arial" panose="020B0604020202020204" pitchFamily="34" charset="0"/>
+              <a:cs typeface="Arial" panose="020B0604020202020204" pitchFamily="34" charset="0"/>
+            </a:endParaRPr>
+          </a:p>
+        </p:txBody>
+      </p:sp>
+      <p:cxnSp>
+        <p:nvCxnSpPr>
+          <p:cNvPr id="5" name="Straight Connector 4">
+            <a:extLst>
+              <a:ext uri="{FF2B5EF4-FFF2-40B4-BE49-F238E27FC236}">
+                <a16:creationId xmlns:a16="http://schemas.microsoft.com/office/drawing/2014/main" id="{4A437575-06ED-BA35-2BD4-13DE33F5FD1C}"/>
+              </a:ext>
+            </a:extLst>
+          </p:cNvPr>
+          <p:cNvCxnSpPr/>
+          <p:nvPr/>
+        </p:nvCxnSpPr>
+        <p:spPr>
+          <a:xfrm>
+            <a:off x="10446502" y="1923142"/>
+            <a:ext cx="0" cy="2560320"/>
+          </a:xfrm>
+          <a:prstGeom prst="line">
+            <a:avLst/>
+          </a:prstGeom>
+          <a:ln w="19050">
+            <a:solidFill>
+              <a:schemeClr val="bg1">
+                <a:lumMod val="65000"/>
+              </a:schemeClr>
+            </a:solidFill>
+          </a:ln>
+        </p:spPr>
+        <p:style>
+          <a:lnRef idx="1">
+            <a:schemeClr val="accent1"/>
+          </a:lnRef>
+          <a:fillRef idx="0">
+            <a:schemeClr val="accent1"/>
+          </a:fillRef>
+          <a:effectRef idx="0">
+            <a:schemeClr val="accent1"/>
+          </a:effectRef>
+          <a:fontRef idx="minor">
+            <a:schemeClr val="tx1"/>
+          </a:fontRef>
+        </p:style>
+      </p:cxnSp>
+      <p:pic>
+        <p:nvPicPr>
+          <p:cNvPr id="7" name="Picture 2" descr="Image">
+            <a:extLst>
+              <a:ext uri="{FF2B5EF4-FFF2-40B4-BE49-F238E27FC236}">
+                <a16:creationId xmlns:a16="http://schemas.microsoft.com/office/drawing/2014/main" id="{23F2F615-820B-07C9-E672-5E46661DCF86}"/>
+              </a:ext>
+            </a:extLst>
+          </p:cNvPr>
+          <p:cNvPicPr>
+            <a:picLocks noChangeAspect="1" noChangeArrowheads="1"/>
+          </p:cNvPicPr>
+          <p:nvPr/>
+        </p:nvPicPr>
+        <p:blipFill rotWithShape="1">
+          <a:blip r:embed="rId3">
+            <a:extLst>
+              <a:ext uri="{28A0092B-C50C-407E-A947-70E740481C1C}">
+                <a14:useLocalDpi xmlns:a14="http://schemas.microsoft.com/office/drawing/2010/main" val="0"/>
+              </a:ext>
+            </a:extLst>
+          </a:blip>
+          <a:srcRect r="47237"/>
+          <a:stretch/>
+        </p:blipFill>
+        <p:spPr bwMode="auto">
+          <a:xfrm>
+            <a:off x="345686" y="1115587"/>
+            <a:ext cx="5430646" cy="4469498"/>
+          </a:xfrm>
+          <a:prstGeom prst="rect">
+            <a:avLst/>
+          </a:prstGeom>
+          <a:noFill/>
+          <a:extLst>
+            <a:ext uri="{909E8E84-426E-40DD-AFC4-6F175D3DCCD1}">
+              <a14:hiddenFill xmlns:a14="http://schemas.microsoft.com/office/drawing/2010/main">
+                <a:solidFill>
+                  <a:srgbClr val="FFFFFF"/>
+                </a:solidFill>
+              </a14:hiddenFill>
+            </a:ext>
+          </a:extLst>
+        </p:spPr>
+      </p:pic>
     </p:spTree>
     <p:extLst>
       <p:ext uri="{BB962C8B-B14F-4D97-AF65-F5344CB8AC3E}">
-        <p14:creationId xmlns:p14="http://schemas.microsoft.com/office/powerpoint/2010/main" val="2453739998"/>
+        <p14:creationId xmlns:p14="http://schemas.microsoft.com/office/powerpoint/2010/main" val="2153822212"/>
       </p:ext>
     </p:extLst>
   </p:cSld>
@@ -6827,10 +8824,10 @@
       </p:pic>
       <p:sp>
         <p:nvSpPr>
-          <p:cNvPr id="5" name="TextBox 4">
-            <a:extLst>
-              <a:ext uri="{FF2B5EF4-FFF2-40B4-BE49-F238E27FC236}">
-                <a16:creationId xmlns:a16="http://schemas.microsoft.com/office/drawing/2014/main" id="{5ED4859C-2D53-8683-880F-0AF20554C879}"/>
+          <p:cNvPr id="9" name="TextBox 8">
+            <a:extLst>
+              <a:ext uri="{FF2B5EF4-FFF2-40B4-BE49-F238E27FC236}">
+                <a16:creationId xmlns:a16="http://schemas.microsoft.com/office/drawing/2014/main" id="{839B7A6C-C6D3-32A6-0EDB-E88D8EFB371D}"/>
               </a:ext>
             </a:extLst>
           </p:cNvPr>
@@ -6839,7 +8836,7 @@
         </p:nvSpPr>
         <p:spPr>
           <a:xfrm>
-            <a:off x="4517929" y="1502404"/>
+            <a:off x="6067869" y="1502404"/>
             <a:ext cx="4378633" cy="1862048"/>
           </a:xfrm>
           <a:prstGeom prst="rect">
@@ -6905,10 +8902,10 @@
       </p:sp>
       <p:sp>
         <p:nvSpPr>
-          <p:cNvPr id="6" name="TextBox 5">
-            <a:extLst>
-              <a:ext uri="{FF2B5EF4-FFF2-40B4-BE49-F238E27FC236}">
-                <a16:creationId xmlns:a16="http://schemas.microsoft.com/office/drawing/2014/main" id="{4DFBD53B-29E4-A9DB-B886-CF96C0991B6D}"/>
+          <p:cNvPr id="10" name="TextBox 9">
+            <a:extLst>
+              <a:ext uri="{FF2B5EF4-FFF2-40B4-BE49-F238E27FC236}">
+                <a16:creationId xmlns:a16="http://schemas.microsoft.com/office/drawing/2014/main" id="{EF81F04B-E831-E708-9897-55FF13E576D7}"/>
               </a:ext>
             </a:extLst>
           </p:cNvPr>
@@ -6917,8 +8914,8 @@
         </p:nvSpPr>
         <p:spPr>
           <a:xfrm>
-            <a:off x="4517928" y="3020161"/>
-            <a:ext cx="4378633" cy="1862048"/>
+            <a:off x="6067868" y="3020161"/>
+            <a:ext cx="4378634" cy="1862048"/>
           </a:xfrm>
           <a:prstGeom prst="rect">
             <a:avLst/>
@@ -6971,10 +8968,218 @@
           </a:p>
         </p:txBody>
       </p:sp>
+      <p:sp>
+        <p:nvSpPr>
+          <p:cNvPr id="2" name="TextBox 1">
+            <a:extLst>
+              <a:ext uri="{FF2B5EF4-FFF2-40B4-BE49-F238E27FC236}">
+                <a16:creationId xmlns:a16="http://schemas.microsoft.com/office/drawing/2014/main" id="{8ACC2E12-BAF5-1435-CEC8-F161FAF7D8FB}"/>
+              </a:ext>
+            </a:extLst>
+          </p:cNvPr>
+          <p:cNvSpPr txBox="1"/>
+          <p:nvPr/>
+        </p:nvSpPr>
+        <p:spPr>
+          <a:xfrm>
+            <a:off x="10874673" y="1502404"/>
+            <a:ext cx="4378633" cy="1862048"/>
+          </a:xfrm>
+          <a:prstGeom prst="rect">
+            <a:avLst/>
+          </a:prstGeom>
+          <a:noFill/>
+        </p:spPr>
+        <p:txBody>
+          <a:bodyPr wrap="square" rtlCol="0">
+            <a:spAutoFit/>
+          </a:bodyPr>
+          <a:lstStyle/>
+          <a:p>
+            <a:r>
+              <a:rPr lang="en-US" sz="11500" spc="-300" dirty="0">
+                <a:solidFill>
+                  <a:srgbClr val="EE7D30"/>
+                </a:solidFill>
+                <a:latin typeface="Arial" panose="020B0604020202020204" pitchFamily="34" charset="0"/>
+                <a:ea typeface="Hiragino Sans W2" panose="020B0300000000000000" pitchFamily="34" charset="-128"/>
+                <a:cs typeface="Arial" panose="020B0604020202020204" pitchFamily="34" charset="0"/>
+              </a:rPr>
+              <a:t>Hsu</a:t>
+            </a:r>
+            <a:endParaRPr lang="en-US" sz="8800" spc="-300" dirty="0">
+              <a:solidFill>
+                <a:srgbClr val="EE7D30"/>
+              </a:solidFill>
+              <a:latin typeface="Arial" panose="020B0604020202020204" pitchFamily="34" charset="0"/>
+              <a:ea typeface="Hiragino Sans W2" panose="020B0300000000000000" pitchFamily="34" charset="-128"/>
+              <a:cs typeface="Arial" panose="020B0604020202020204" pitchFamily="34" charset="0"/>
+            </a:endParaRPr>
+          </a:p>
+        </p:txBody>
+      </p:sp>
+      <p:sp>
+        <p:nvSpPr>
+          <p:cNvPr id="3" name="TextBox 2">
+            <a:extLst>
+              <a:ext uri="{FF2B5EF4-FFF2-40B4-BE49-F238E27FC236}">
+                <a16:creationId xmlns:a16="http://schemas.microsoft.com/office/drawing/2014/main" id="{A216E084-5254-4252-8CEF-17262AB46251}"/>
+              </a:ext>
+            </a:extLst>
+          </p:cNvPr>
+          <p:cNvSpPr txBox="1"/>
+          <p:nvPr/>
+        </p:nvSpPr>
+        <p:spPr>
+          <a:xfrm>
+            <a:off x="10867414" y="3020161"/>
+            <a:ext cx="5849953" cy="1862048"/>
+          </a:xfrm>
+          <a:prstGeom prst="rect">
+            <a:avLst/>
+          </a:prstGeom>
+          <a:noFill/>
+        </p:spPr>
+        <p:txBody>
+          <a:bodyPr wrap="square" rtlCol="0">
+            <a:spAutoFit/>
+          </a:bodyPr>
+          <a:lstStyle/>
+          <a:p>
+            <a:r>
+              <a:rPr lang="en-US" sz="11500" spc="300" dirty="0">
+                <a:solidFill>
+                  <a:srgbClr val="193C7D"/>
+                </a:solidFill>
+                <a:latin typeface="Arial" panose="020B0604020202020204" pitchFamily="34" charset="0"/>
+                <a:ea typeface="Hiragino Sans W2" panose="020B0300000000000000" pitchFamily="34" charset="-128"/>
+                <a:cs typeface="Arial" panose="020B0604020202020204" pitchFamily="34" charset="0"/>
+              </a:rPr>
+              <a:t>H</a:t>
+            </a:r>
+            <a:r>
+              <a:rPr lang="en-US" sz="8800" spc="300" dirty="0">
+                <a:solidFill>
+                  <a:srgbClr val="193C7D"/>
+                </a:solidFill>
+                <a:latin typeface="Arial" panose="020B0604020202020204" pitchFamily="34" charset="0"/>
+                <a:ea typeface="Hiragino Sans W2" panose="020B0300000000000000" pitchFamily="34" charset="-128"/>
+                <a:cs typeface="Arial" panose="020B0604020202020204" pitchFamily="34" charset="0"/>
+              </a:rPr>
+              <a:t>ELIOS</a:t>
+            </a:r>
+            <a:r>
+              <a:rPr lang="zh-CN" altLang="en-US" sz="9600" spc="300" dirty="0">
+                <a:solidFill>
+                  <a:srgbClr val="193C7D"/>
+                </a:solidFill>
+                <a:latin typeface="Arial" panose="020B0604020202020204" pitchFamily="34" charset="0"/>
+                <a:cs typeface="Arial" panose="020B0604020202020204" pitchFamily="34" charset="0"/>
+              </a:rPr>
+              <a:t> </a:t>
+            </a:r>
+            <a:endParaRPr lang="en-US" altLang="zh-CN" sz="9600" spc="300" dirty="0">
+              <a:solidFill>
+                <a:srgbClr val="193C7D"/>
+              </a:solidFill>
+              <a:latin typeface="Arial" panose="020B0604020202020204" pitchFamily="34" charset="0"/>
+              <a:cs typeface="Arial" panose="020B0604020202020204" pitchFamily="34" charset="0"/>
+            </a:endParaRPr>
+          </a:p>
+        </p:txBody>
+      </p:sp>
+      <p:cxnSp>
+        <p:nvCxnSpPr>
+          <p:cNvPr id="5" name="Straight Connector 4">
+            <a:extLst>
+              <a:ext uri="{FF2B5EF4-FFF2-40B4-BE49-F238E27FC236}">
+                <a16:creationId xmlns:a16="http://schemas.microsoft.com/office/drawing/2014/main" id="{4A437575-06ED-BA35-2BD4-13DE33F5FD1C}"/>
+              </a:ext>
+            </a:extLst>
+          </p:cNvPr>
+          <p:cNvCxnSpPr/>
+          <p:nvPr/>
+        </p:nvCxnSpPr>
+        <p:spPr>
+          <a:xfrm>
+            <a:off x="10446502" y="1923142"/>
+            <a:ext cx="0" cy="2560320"/>
+          </a:xfrm>
+          <a:prstGeom prst="line">
+            <a:avLst/>
+          </a:prstGeom>
+          <a:ln w="19050">
+            <a:solidFill>
+              <a:schemeClr val="bg1">
+                <a:lumMod val="65000"/>
+              </a:schemeClr>
+            </a:solidFill>
+          </a:ln>
+        </p:spPr>
+        <p:style>
+          <a:lnRef idx="1">
+            <a:schemeClr val="accent1"/>
+          </a:lnRef>
+          <a:fillRef idx="0">
+            <a:schemeClr val="accent1"/>
+          </a:fillRef>
+          <a:effectRef idx="0">
+            <a:schemeClr val="accent1"/>
+          </a:effectRef>
+          <a:fontRef idx="minor">
+            <a:schemeClr val="tx1"/>
+          </a:fontRef>
+        </p:style>
+      </p:cxnSp>
+      <p:pic>
+        <p:nvPicPr>
+          <p:cNvPr id="7" name="Picture 2" descr="Image">
+            <a:extLst>
+              <a:ext uri="{FF2B5EF4-FFF2-40B4-BE49-F238E27FC236}">
+                <a16:creationId xmlns:a16="http://schemas.microsoft.com/office/drawing/2014/main" id="{23F2F615-820B-07C9-E672-5E46661DCF86}"/>
+              </a:ext>
+            </a:extLst>
+          </p:cNvPr>
+          <p:cNvPicPr>
+            <a:picLocks noChangeAspect="1" noChangeArrowheads="1"/>
+          </p:cNvPicPr>
+          <p:nvPr/>
+        </p:nvPicPr>
+        <p:blipFill rotWithShape="1">
+          <a:blip r:embed="rId3">
+            <a:extLst>
+              <a:ext uri="{28A0092B-C50C-407E-A947-70E740481C1C}">
+                <a14:useLocalDpi xmlns:a14="http://schemas.microsoft.com/office/drawing/2010/main" val="0"/>
+              </a:ext>
+            </a:extLst>
+          </a:blip>
+          <a:srcRect r="47237"/>
+          <a:stretch/>
+        </p:blipFill>
+        <p:spPr bwMode="auto">
+          <a:xfrm>
+            <a:off x="345686" y="1115587"/>
+            <a:ext cx="5430646" cy="4469498"/>
+          </a:xfrm>
+          <a:prstGeom prst="rect">
+            <a:avLst/>
+          </a:prstGeom>
+          <a:noFill/>
+          <a:extLst>
+            <a:ext uri="{909E8E84-426E-40DD-AFC4-6F175D3DCCD1}">
+              <a14:hiddenFill xmlns:a14="http://schemas.microsoft.com/office/drawing/2010/main">
+                <a:solidFill>
+                  <a:srgbClr val="FFFFFF"/>
+                </a:solidFill>
+              </a14:hiddenFill>
+            </a:ext>
+          </a:extLst>
+        </p:spPr>
+      </p:pic>
     </p:spTree>
     <p:extLst>
       <p:ext uri="{BB962C8B-B14F-4D97-AF65-F5344CB8AC3E}">
-        <p14:creationId xmlns:p14="http://schemas.microsoft.com/office/powerpoint/2010/main" val="2573971696"/>
+        <p14:creationId xmlns:p14="http://schemas.microsoft.com/office/powerpoint/2010/main" val="84928426"/>
       </p:ext>
     </p:extLst>
   </p:cSld>
@@ -7001,12 +9206,136 @@
           <a:chExt cx="0" cy="0"/>
         </a:xfrm>
       </p:grpSpPr>
+      <p:sp>
+        <p:nvSpPr>
+          <p:cNvPr id="6" name="TextBox 5">
+            <a:extLst>
+              <a:ext uri="{FF2B5EF4-FFF2-40B4-BE49-F238E27FC236}">
+                <a16:creationId xmlns:a16="http://schemas.microsoft.com/office/drawing/2014/main" id="{4DFBD53B-29E4-A9DB-B886-CF96C0991B6D}"/>
+              </a:ext>
+            </a:extLst>
+          </p:cNvPr>
+          <p:cNvSpPr txBox="1"/>
+          <p:nvPr/>
+        </p:nvSpPr>
+        <p:spPr>
+          <a:xfrm>
+            <a:off x="10387865" y="1503332"/>
+            <a:ext cx="3916066" cy="1862048"/>
+          </a:xfrm>
+          <a:prstGeom prst="rect">
+            <a:avLst/>
+          </a:prstGeom>
+          <a:noFill/>
+        </p:spPr>
+        <p:txBody>
+          <a:bodyPr wrap="square" rtlCol="0">
+            <a:spAutoFit/>
+          </a:bodyPr>
+          <a:lstStyle/>
+          <a:p>
+            <a:r>
+              <a:rPr lang="az-Cyrl-AZ" sz="11500" spc="1300" dirty="0">
+                <a:solidFill>
+                  <a:srgbClr val="EE7D30"/>
+                </a:solidFill>
+                <a:latin typeface="Arial" panose="020B0604020202020204" pitchFamily="34" charset="0"/>
+                <a:cs typeface="Arial" panose="020B0604020202020204" pitchFamily="34" charset="0"/>
+              </a:rPr>
+              <a:t>С</a:t>
+            </a:r>
+            <a:r>
+              <a:rPr lang="az-Cyrl-AZ" sz="8800" spc="1300" dirty="0">
+                <a:solidFill>
+                  <a:srgbClr val="EE7D30"/>
+                </a:solidFill>
+                <a:latin typeface="Arial" panose="020B0604020202020204" pitchFamily="34" charset="0"/>
+                <a:cs typeface="Arial" panose="020B0604020202020204" pitchFamily="34" charset="0"/>
+              </a:rPr>
+              <a:t>ЮЙ</a:t>
+            </a:r>
+            <a:r>
+              <a:rPr lang="zh-CN" altLang="en-US" sz="9600" spc="1300" dirty="0">
+                <a:solidFill>
+                  <a:srgbClr val="EE7D30"/>
+                </a:solidFill>
+                <a:latin typeface="Arial" panose="020B0604020202020204" pitchFamily="34" charset="0"/>
+                <a:cs typeface="Arial" panose="020B0604020202020204" pitchFamily="34" charset="0"/>
+              </a:rPr>
+              <a:t> </a:t>
+            </a:r>
+            <a:endParaRPr lang="en-US" altLang="zh-CN" sz="9600" spc="1300" dirty="0">
+              <a:solidFill>
+                <a:srgbClr val="EE7D30"/>
+              </a:solidFill>
+              <a:latin typeface="Arial" panose="020B0604020202020204" pitchFamily="34" charset="0"/>
+              <a:cs typeface="Arial" panose="020B0604020202020204" pitchFamily="34" charset="0"/>
+            </a:endParaRPr>
+          </a:p>
+        </p:txBody>
+      </p:sp>
+      <p:sp>
+        <p:nvSpPr>
+          <p:cNvPr id="3" name="TextBox 2">
+            <a:extLst>
+              <a:ext uri="{FF2B5EF4-FFF2-40B4-BE49-F238E27FC236}">
+                <a16:creationId xmlns:a16="http://schemas.microsoft.com/office/drawing/2014/main" id="{2C070E27-2E91-F385-8BE6-8C4138778241}"/>
+              </a:ext>
+            </a:extLst>
+          </p:cNvPr>
+          <p:cNvSpPr txBox="1"/>
+          <p:nvPr/>
+        </p:nvSpPr>
+        <p:spPr>
+          <a:xfrm>
+            <a:off x="10489784" y="3008473"/>
+            <a:ext cx="3814147" cy="1862048"/>
+          </a:xfrm>
+          <a:prstGeom prst="rect">
+            <a:avLst/>
+          </a:prstGeom>
+          <a:noFill/>
+        </p:spPr>
+        <p:txBody>
+          <a:bodyPr wrap="square">
+            <a:spAutoFit/>
+          </a:bodyPr>
+          <a:lstStyle/>
+          <a:p>
+            <a:r>
+              <a:rPr lang="az-Cyrl-AZ" sz="11500" spc="-300" dirty="0">
+                <a:solidFill>
+                  <a:srgbClr val="193C7D"/>
+                </a:solidFill>
+                <a:latin typeface="Arial" panose="020B0604020202020204" pitchFamily="34" charset="0"/>
+                <a:cs typeface="Arial" panose="020B0604020202020204" pitchFamily="34" charset="0"/>
+              </a:rPr>
+              <a:t>Х</a:t>
+            </a:r>
+            <a:r>
+              <a:rPr lang="az-Cyrl-AZ" sz="8800" spc="-300" dirty="0">
+                <a:solidFill>
+                  <a:srgbClr val="193C7D"/>
+                </a:solidFill>
+                <a:latin typeface="Arial" panose="020B0604020202020204" pitchFamily="34" charset="0"/>
+                <a:cs typeface="Arial" panose="020B0604020202020204" pitchFamily="34" charset="0"/>
+              </a:rPr>
+              <a:t>ОНГ </a:t>
+            </a:r>
+            <a:endParaRPr lang="en-US" sz="8800" spc="-300" dirty="0">
+              <a:solidFill>
+                <a:srgbClr val="193C7D"/>
+              </a:solidFill>
+            </a:endParaRPr>
+          </a:p>
+        </p:txBody>
+      </p:sp>
       <p:pic>
         <p:nvPicPr>
-          <p:cNvPr id="1026" name="Picture 2" descr="Image">
-            <a:extLst>
-              <a:ext uri="{FF2B5EF4-FFF2-40B4-BE49-F238E27FC236}">
-                <a16:creationId xmlns:a16="http://schemas.microsoft.com/office/drawing/2014/main" id="{36D76745-1717-2F81-B8A8-05514344CC77}"/>
+          <p:cNvPr id="12" name="Picture 2" descr="Image">
+            <a:extLst>
+              <a:ext uri="{FF2B5EF4-FFF2-40B4-BE49-F238E27FC236}">
+                <a16:creationId xmlns:a16="http://schemas.microsoft.com/office/drawing/2014/main" id="{F9599693-38F7-3097-432A-776886EBB2B8}"/>
               </a:ext>
             </a:extLst>
           </p:cNvPr>
@@ -7048,10 +9377,10 @@
       </p:pic>
       <p:sp>
         <p:nvSpPr>
-          <p:cNvPr id="6" name="TextBox 5">
-            <a:extLst>
-              <a:ext uri="{FF2B5EF4-FFF2-40B4-BE49-F238E27FC236}">
-                <a16:creationId xmlns:a16="http://schemas.microsoft.com/office/drawing/2014/main" id="{4DFBD53B-29E4-A9DB-B886-CF96C0991B6D}"/>
+          <p:cNvPr id="13" name="TextBox 12">
+            <a:extLst>
+              <a:ext uri="{FF2B5EF4-FFF2-40B4-BE49-F238E27FC236}">
+                <a16:creationId xmlns:a16="http://schemas.microsoft.com/office/drawing/2014/main" id="{EAD0BB52-96E6-EE22-002F-B20C9858FF3E}"/>
               </a:ext>
             </a:extLst>
           </p:cNvPr>
@@ -7060,8 +9389,8 @@
         </p:nvSpPr>
         <p:spPr>
           <a:xfrm>
-            <a:off x="8896288" y="1503332"/>
-            <a:ext cx="3916066" cy="1862048"/>
+            <a:off x="6067869" y="1502404"/>
+            <a:ext cx="4378633" cy="1862048"/>
           </a:xfrm>
           <a:prstGeom prst="rect">
             <a:avLst/>
@@ -7075,168 +9404,44 @@
           <a:lstStyle/>
           <a:p>
             <a:r>
-              <a:rPr lang="az-Cyrl-AZ" sz="11500" spc="1300" dirty="0">
+              <a:rPr lang="en-US" sz="11500" spc="-300" dirty="0">
                 <a:solidFill>
                   <a:srgbClr val="EE7D30"/>
                 </a:solidFill>
                 <a:latin typeface="Arial" panose="020B0604020202020204" pitchFamily="34" charset="0"/>
                 <a:cs typeface="Arial" panose="020B0604020202020204" pitchFamily="34" charset="0"/>
               </a:rPr>
-              <a:t>С</a:t>
-            </a:r>
-            <a:r>
-              <a:rPr lang="az-Cyrl-AZ" sz="8800" spc="1300" dirty="0">
+              <a:t>Dr.</a:t>
+            </a:r>
+            <a:r>
+              <a:rPr lang="en-US" sz="6600" spc="-300" dirty="0">
                 <a:solidFill>
                   <a:srgbClr val="EE7D30"/>
                 </a:solidFill>
                 <a:latin typeface="Arial" panose="020B0604020202020204" pitchFamily="34" charset="0"/>
                 <a:cs typeface="Arial" panose="020B0604020202020204" pitchFamily="34" charset="0"/>
               </a:rPr>
-              <a:t>ЮЙ</a:t>
-            </a:r>
-            <a:r>
-              <a:rPr lang="zh-CN" altLang="en-US" sz="9600" spc="1300" dirty="0">
+              <a:t> </a:t>
+            </a:r>
+            <a:r>
+              <a:rPr lang="en-US" sz="11500" spc="-300" dirty="0">
                 <a:solidFill>
                   <a:srgbClr val="EE7D30"/>
                 </a:solidFill>
                 <a:latin typeface="Arial" panose="020B0604020202020204" pitchFamily="34" charset="0"/>
                 <a:cs typeface="Arial" panose="020B0604020202020204" pitchFamily="34" charset="0"/>
               </a:rPr>
-              <a:t> </a:t>
-            </a:r>
-            <a:endParaRPr lang="en-US" altLang="zh-CN" sz="9600" spc="1300" dirty="0">
-              <a:solidFill>
-                <a:srgbClr val="EE7D30"/>
-              </a:solidFill>
-              <a:latin typeface="Arial" panose="020B0604020202020204" pitchFamily="34" charset="0"/>
-              <a:cs typeface="Arial" panose="020B0604020202020204" pitchFamily="34" charset="0"/>
-            </a:endParaRPr>
-          </a:p>
-        </p:txBody>
-      </p:sp>
-      <p:sp>
-        <p:nvSpPr>
-          <p:cNvPr id="3" name="TextBox 2">
-            <a:extLst>
-              <a:ext uri="{FF2B5EF4-FFF2-40B4-BE49-F238E27FC236}">
-                <a16:creationId xmlns:a16="http://schemas.microsoft.com/office/drawing/2014/main" id="{2C070E27-2E91-F385-8BE6-8C4138778241}"/>
-              </a:ext>
-            </a:extLst>
-          </p:cNvPr>
-          <p:cNvSpPr txBox="1"/>
-          <p:nvPr/>
-        </p:nvSpPr>
-        <p:spPr>
-          <a:xfrm>
-            <a:off x="8998207" y="3008473"/>
-            <a:ext cx="3814147" cy="1862048"/>
-          </a:xfrm>
-          <a:prstGeom prst="rect">
-            <a:avLst/>
-          </a:prstGeom>
-          <a:noFill/>
-        </p:spPr>
-        <p:txBody>
-          <a:bodyPr wrap="square">
-            <a:spAutoFit/>
-          </a:bodyPr>
-          <a:lstStyle/>
-          <a:p>
-            <a:r>
-              <a:rPr lang="az-Cyrl-AZ" sz="11500" spc="-300" dirty="0">
-                <a:solidFill>
-                  <a:srgbClr val="193C7D"/>
-                </a:solidFill>
-                <a:latin typeface="Arial" panose="020B0604020202020204" pitchFamily="34" charset="0"/>
-                <a:cs typeface="Arial" panose="020B0604020202020204" pitchFamily="34" charset="0"/>
-              </a:rPr>
-              <a:t>Х</a:t>
-            </a:r>
-            <a:r>
-              <a:rPr lang="az-Cyrl-AZ" sz="8800" spc="-300" dirty="0">
-                <a:solidFill>
-                  <a:srgbClr val="193C7D"/>
-                </a:solidFill>
-                <a:latin typeface="Arial" panose="020B0604020202020204" pitchFamily="34" charset="0"/>
-                <a:cs typeface="Arial" panose="020B0604020202020204" pitchFamily="34" charset="0"/>
-              </a:rPr>
-              <a:t>ОНГ </a:t>
-            </a:r>
-            <a:endParaRPr lang="en-US" sz="8800" spc="-300" dirty="0">
-              <a:solidFill>
-                <a:srgbClr val="193C7D"/>
-              </a:solidFill>
-            </a:endParaRPr>
-          </a:p>
-        </p:txBody>
-      </p:sp>
-      <p:sp>
-        <p:nvSpPr>
-          <p:cNvPr id="8" name="TextBox 7">
-            <a:extLst>
-              <a:ext uri="{FF2B5EF4-FFF2-40B4-BE49-F238E27FC236}">
-                <a16:creationId xmlns:a16="http://schemas.microsoft.com/office/drawing/2014/main" id="{A8CAFB93-C9A2-1C82-2D08-663B525D11DE}"/>
-              </a:ext>
-            </a:extLst>
-          </p:cNvPr>
-          <p:cNvSpPr txBox="1"/>
-          <p:nvPr/>
-        </p:nvSpPr>
-        <p:spPr>
-          <a:xfrm>
-            <a:off x="4517929" y="1502404"/>
-            <a:ext cx="4378633" cy="1862048"/>
-          </a:xfrm>
-          <a:prstGeom prst="rect">
-            <a:avLst/>
-          </a:prstGeom>
-          <a:noFill/>
-        </p:spPr>
-        <p:txBody>
-          <a:bodyPr wrap="square" rtlCol="0">
-            <a:spAutoFit/>
-          </a:bodyPr>
-          <a:lstStyle/>
-          <a:p>
-            <a:r>
-              <a:rPr lang="en-US" sz="11500" spc="-300" dirty="0">
+              <a:t>X</a:t>
+            </a:r>
+            <a:r>
+              <a:rPr lang="en-US" sz="8800" spc="-300" dirty="0">
                 <a:solidFill>
                   <a:srgbClr val="EE7D30"/>
                 </a:solidFill>
                 <a:latin typeface="Arial" panose="020B0604020202020204" pitchFamily="34" charset="0"/>
                 <a:cs typeface="Arial" panose="020B0604020202020204" pitchFamily="34" charset="0"/>
               </a:rPr>
-              <a:t>Dr.</a:t>
-            </a:r>
-            <a:r>
-              <a:rPr lang="en-US" sz="6600" spc="-300" dirty="0">
-                <a:solidFill>
-                  <a:srgbClr val="EE7D30"/>
-                </a:solidFill>
-                <a:latin typeface="Arial" panose="020B0604020202020204" pitchFamily="34" charset="0"/>
-                <a:cs typeface="Arial" panose="020B0604020202020204" pitchFamily="34" charset="0"/>
-              </a:rPr>
-              <a:t> </a:t>
-            </a:r>
-            <a:r>
-              <a:rPr lang="en-US" sz="11500" spc="-300" dirty="0">
-                <a:solidFill>
-                  <a:srgbClr val="EE7D30"/>
-                </a:solidFill>
-                <a:latin typeface="Arial" panose="020B0604020202020204" pitchFamily="34" charset="0"/>
-                <a:cs typeface="Arial" panose="020B0604020202020204" pitchFamily="34" charset="0"/>
-              </a:rPr>
-              <a:t>X</a:t>
-            </a:r>
-            <a:r>
-              <a:rPr lang="en-US" sz="8800" spc="-300" dirty="0">
-                <a:solidFill>
-                  <a:srgbClr val="EE7D30"/>
-                </a:solidFill>
-                <a:latin typeface="Arial" panose="020B0604020202020204" pitchFamily="34" charset="0"/>
-                <a:cs typeface="Arial" panose="020B0604020202020204" pitchFamily="34" charset="0"/>
-              </a:rPr>
-              <a:t>U</a:t>
+              <a:t>Ú</a:t>
             </a:r>
             <a:endParaRPr lang="en-US" sz="9600" spc="-300" dirty="0">
               <a:solidFill>
@@ -7250,10 +9455,10 @@
       </p:sp>
       <p:sp>
         <p:nvSpPr>
-          <p:cNvPr id="9" name="TextBox 8">
-            <a:extLst>
-              <a:ext uri="{FF2B5EF4-FFF2-40B4-BE49-F238E27FC236}">
-                <a16:creationId xmlns:a16="http://schemas.microsoft.com/office/drawing/2014/main" id="{0F209C07-EB95-2A63-DCE3-65CD881038CE}"/>
+          <p:cNvPr id="14" name="TextBox 13">
+            <a:extLst>
+              <a:ext uri="{FF2B5EF4-FFF2-40B4-BE49-F238E27FC236}">
+                <a16:creationId xmlns:a16="http://schemas.microsoft.com/office/drawing/2014/main" id="{48EFC5A5-E14C-4F7C-B722-E1F9B0160532}"/>
               </a:ext>
             </a:extLst>
           </p:cNvPr>
@@ -7262,7 +9467,7 @@
         </p:nvSpPr>
         <p:spPr>
           <a:xfrm>
-            <a:off x="4517928" y="3020161"/>
+            <a:off x="6067868" y="3020161"/>
             <a:ext cx="4378634" cy="1862048"/>
           </a:xfrm>
           <a:prstGeom prst="rect">
@@ -7316,6 +9521,96 @@
           </a:p>
         </p:txBody>
       </p:sp>
+      <p:pic>
+        <p:nvPicPr>
+          <p:cNvPr id="15" name="Picture 2" descr="Image">
+            <a:extLst>
+              <a:ext uri="{FF2B5EF4-FFF2-40B4-BE49-F238E27FC236}">
+                <a16:creationId xmlns:a16="http://schemas.microsoft.com/office/drawing/2014/main" id="{8AF25FF2-3D53-F8B3-666A-101DC6E0FA78}"/>
+              </a:ext>
+            </a:extLst>
+          </p:cNvPr>
+          <p:cNvPicPr>
+            <a:picLocks noChangeAspect="1" noChangeArrowheads="1"/>
+          </p:cNvPicPr>
+          <p:nvPr/>
+        </p:nvPicPr>
+        <p:blipFill rotWithShape="1">
+          <a:blip r:embed="rId3">
+            <a:extLst>
+              <a:ext uri="{28A0092B-C50C-407E-A947-70E740481C1C}">
+                <a14:useLocalDpi xmlns:a14="http://schemas.microsoft.com/office/drawing/2010/main" val="0"/>
+              </a:ext>
+            </a:extLst>
+          </a:blip>
+          <a:srcRect r="47237"/>
+          <a:stretch/>
+        </p:blipFill>
+        <p:spPr bwMode="auto">
+          <a:xfrm>
+            <a:off x="345686" y="1115587"/>
+            <a:ext cx="5430646" cy="4469498"/>
+          </a:xfrm>
+          <a:prstGeom prst="rect">
+            <a:avLst/>
+          </a:prstGeom>
+          <a:noFill/>
+          <a:extLst>
+            <a:ext uri="{909E8E84-426E-40DD-AFC4-6F175D3DCCD1}">
+              <a14:hiddenFill xmlns:a14="http://schemas.microsoft.com/office/drawing/2010/main">
+                <a:solidFill>
+                  <a:srgbClr val="FFFFFF"/>
+                </a:solidFill>
+              </a14:hiddenFill>
+            </a:ext>
+          </a:extLst>
+        </p:spPr>
+      </p:pic>
+      <p:cxnSp>
+        <p:nvCxnSpPr>
+          <p:cNvPr id="16" name="Straight Connector 15">
+            <a:extLst>
+              <a:ext uri="{FF2B5EF4-FFF2-40B4-BE49-F238E27FC236}">
+                <a16:creationId xmlns:a16="http://schemas.microsoft.com/office/drawing/2014/main" id="{615D37EB-9AE2-048B-F668-F941A81EBED2}"/>
+              </a:ext>
+            </a:extLst>
+          </p:cNvPr>
+          <p:cNvCxnSpPr>
+            <a:cxnSpLocks/>
+          </p:cNvCxnSpPr>
+          <p:nvPr/>
+        </p:nvCxnSpPr>
+        <p:spPr>
+          <a:xfrm>
+            <a:off x="10187098" y="2178996"/>
+            <a:ext cx="0" cy="2191966"/>
+          </a:xfrm>
+          <a:prstGeom prst="line">
+            <a:avLst/>
+          </a:prstGeom>
+          <a:ln w="19050">
+            <a:solidFill>
+              <a:schemeClr val="bg1">
+                <a:lumMod val="65000"/>
+              </a:schemeClr>
+            </a:solidFill>
+          </a:ln>
+        </p:spPr>
+        <p:style>
+          <a:lnRef idx="1">
+            <a:schemeClr val="accent1"/>
+          </a:lnRef>
+          <a:fillRef idx="0">
+            <a:schemeClr val="accent1"/>
+          </a:fillRef>
+          <a:effectRef idx="0">
+            <a:schemeClr val="accent1"/>
+          </a:effectRef>
+          <a:fontRef idx="minor">
+            <a:schemeClr val="tx1"/>
+          </a:fontRef>
+        </p:style>
+      </p:cxnSp>
     </p:spTree>
     <p:extLst>
       <p:ext uri="{BB962C8B-B14F-4D97-AF65-F5344CB8AC3E}">
@@ -7346,12 +9641,100 @@
           <a:chExt cx="0" cy="0"/>
         </a:xfrm>
       </p:grpSpPr>
+      <p:sp>
+        <p:nvSpPr>
+          <p:cNvPr id="6" name="TextBox 5">
+            <a:extLst>
+              <a:ext uri="{FF2B5EF4-FFF2-40B4-BE49-F238E27FC236}">
+                <a16:creationId xmlns:a16="http://schemas.microsoft.com/office/drawing/2014/main" id="{4DFBD53B-29E4-A9DB-B886-CF96C0991B6D}"/>
+              </a:ext>
+            </a:extLst>
+          </p:cNvPr>
+          <p:cNvSpPr txBox="1"/>
+          <p:nvPr/>
+        </p:nvSpPr>
+        <p:spPr>
+          <a:xfrm>
+            <a:off x="6004234" y="1048538"/>
+            <a:ext cx="3360266" cy="2215991"/>
+          </a:xfrm>
+          <a:prstGeom prst="rect">
+            <a:avLst/>
+          </a:prstGeom>
+          <a:noFill/>
+        </p:spPr>
+        <p:txBody>
+          <a:bodyPr wrap="square" rtlCol="0">
+            <a:spAutoFit/>
+          </a:bodyPr>
+          <a:lstStyle/>
+          <a:p>
+            <a:r>
+              <a:rPr lang="ar-AE" sz="13800" spc="-300" dirty="0">
+                <a:solidFill>
+                  <a:srgbClr val="EE7D30"/>
+                </a:solidFill>
+                <a:latin typeface="Arial" panose="020B0604020202020204" pitchFamily="34" charset="0"/>
+                <a:ea typeface="Osaka" panose="020B0600000000000000" pitchFamily="34" charset="-128"/>
+                <a:cs typeface="Arial" panose="020B0604020202020204" pitchFamily="34" charset="0"/>
+              </a:rPr>
+              <a:t>د.شو</a:t>
+            </a:r>
+          </a:p>
+        </p:txBody>
+      </p:sp>
+      <p:sp>
+        <p:nvSpPr>
+          <p:cNvPr id="3" name="TextBox 2">
+            <a:extLst>
+              <a:ext uri="{FF2B5EF4-FFF2-40B4-BE49-F238E27FC236}">
+                <a16:creationId xmlns:a16="http://schemas.microsoft.com/office/drawing/2014/main" id="{2C070E27-2E91-F385-8BE6-8C4138778241}"/>
+              </a:ext>
+            </a:extLst>
+          </p:cNvPr>
+          <p:cNvSpPr txBox="1"/>
+          <p:nvPr/>
+        </p:nvSpPr>
+        <p:spPr>
+          <a:xfrm>
+            <a:off x="6106156" y="2674835"/>
+            <a:ext cx="3258343" cy="2215991"/>
+          </a:xfrm>
+          <a:prstGeom prst="rect">
+            <a:avLst/>
+          </a:prstGeom>
+          <a:noFill/>
+        </p:spPr>
+        <p:txBody>
+          <a:bodyPr wrap="square">
+            <a:spAutoFit/>
+          </a:bodyPr>
+          <a:lstStyle/>
+          <a:p>
+            <a:r>
+              <a:rPr lang="ar-AE" sz="13800" spc="-300" dirty="0">
+                <a:solidFill>
+                  <a:srgbClr val="193C7D"/>
+                </a:solidFill>
+                <a:latin typeface="Arial" panose="020B0604020202020204" pitchFamily="34" charset="0"/>
+                <a:cs typeface="Arial" panose="020B0604020202020204" pitchFamily="34" charset="0"/>
+              </a:rPr>
+              <a:t>هونغ</a:t>
+            </a:r>
+            <a:endParaRPr lang="en-US" sz="9600" spc="-300" dirty="0">
+              <a:solidFill>
+                <a:srgbClr val="193C7D"/>
+              </a:solidFill>
+            </a:endParaRPr>
+          </a:p>
+        </p:txBody>
+      </p:sp>
       <p:pic>
         <p:nvPicPr>
-          <p:cNvPr id="1026" name="Picture 2" descr="Image">
-            <a:extLst>
-              <a:ext uri="{FF2B5EF4-FFF2-40B4-BE49-F238E27FC236}">
-                <a16:creationId xmlns:a16="http://schemas.microsoft.com/office/drawing/2014/main" id="{36D76745-1717-2F81-B8A8-05514344CC77}"/>
+          <p:cNvPr id="7" name="Picture 2" descr="Image">
+            <a:extLst>
+              <a:ext uri="{FF2B5EF4-FFF2-40B4-BE49-F238E27FC236}">
+                <a16:creationId xmlns:a16="http://schemas.microsoft.com/office/drawing/2014/main" id="{D7F42F61-862D-136A-3403-BD13A452C006}"/>
               </a:ext>
             </a:extLst>
           </p:cNvPr>
@@ -7368,13 +9751,13 @@
               </a:ext>
             </a:extLst>
           </a:blip>
-          <a:srcRect r="63015"/>
+          <a:srcRect r="47237"/>
           <a:stretch/>
         </p:blipFill>
         <p:spPr bwMode="auto">
           <a:xfrm>
             <a:off x="345686" y="1115587"/>
-            <a:ext cx="3806766" cy="4469498"/>
+            <a:ext cx="5430646" cy="4469498"/>
           </a:xfrm>
           <a:prstGeom prst="rect">
             <a:avLst/>
@@ -7391,244 +9774,10 @@
           </a:extLst>
         </p:spPr>
       </p:pic>
-      <p:sp>
-        <p:nvSpPr>
-          <p:cNvPr id="6" name="TextBox 5">
-            <a:extLst>
-              <a:ext uri="{FF2B5EF4-FFF2-40B4-BE49-F238E27FC236}">
-                <a16:creationId xmlns:a16="http://schemas.microsoft.com/office/drawing/2014/main" id="{4DFBD53B-29E4-A9DB-B886-CF96C0991B6D}"/>
-              </a:ext>
-            </a:extLst>
-          </p:cNvPr>
-          <p:cNvSpPr txBox="1"/>
-          <p:nvPr/>
-        </p:nvSpPr>
-        <p:spPr>
-          <a:xfrm>
-            <a:off x="8831735" y="1223633"/>
-            <a:ext cx="3360266" cy="2215991"/>
-          </a:xfrm>
-          <a:prstGeom prst="rect">
-            <a:avLst/>
-          </a:prstGeom>
-          <a:noFill/>
-        </p:spPr>
-        <p:txBody>
-          <a:bodyPr wrap="square" rtlCol="0">
-            <a:spAutoFit/>
-          </a:bodyPr>
-          <a:lstStyle/>
-          <a:p>
-            <a:r>
-              <a:rPr lang="ar-AE" sz="13800" spc="-300" dirty="0">
-                <a:solidFill>
-                  <a:srgbClr val="EE7D30"/>
-                </a:solidFill>
-                <a:latin typeface="Arial" panose="020B0604020202020204" pitchFamily="34" charset="0"/>
-                <a:ea typeface="Osaka" panose="020B0600000000000000" pitchFamily="34" charset="-128"/>
-                <a:cs typeface="Arial" panose="020B0604020202020204" pitchFamily="34" charset="0"/>
-              </a:rPr>
-              <a:t>د.شو</a:t>
-            </a:r>
-          </a:p>
-        </p:txBody>
-      </p:sp>
-      <p:sp>
-        <p:nvSpPr>
-          <p:cNvPr id="3" name="TextBox 2">
-            <a:extLst>
-              <a:ext uri="{FF2B5EF4-FFF2-40B4-BE49-F238E27FC236}">
-                <a16:creationId xmlns:a16="http://schemas.microsoft.com/office/drawing/2014/main" id="{2C070E27-2E91-F385-8BE6-8C4138778241}"/>
-              </a:ext>
-            </a:extLst>
-          </p:cNvPr>
-          <p:cNvSpPr txBox="1"/>
-          <p:nvPr/>
-        </p:nvSpPr>
-        <p:spPr>
-          <a:xfrm>
-            <a:off x="8933657" y="2707258"/>
-            <a:ext cx="3258343" cy="2215991"/>
-          </a:xfrm>
-          <a:prstGeom prst="rect">
-            <a:avLst/>
-          </a:prstGeom>
-          <a:noFill/>
-        </p:spPr>
-        <p:txBody>
-          <a:bodyPr wrap="square">
-            <a:spAutoFit/>
-          </a:bodyPr>
-          <a:lstStyle/>
-          <a:p>
-            <a:r>
-              <a:rPr lang="ar-AE" sz="13800" spc="-300" dirty="0">
-                <a:solidFill>
-                  <a:srgbClr val="193C7D"/>
-                </a:solidFill>
-                <a:latin typeface="Arial" panose="020B0604020202020204" pitchFamily="34" charset="0"/>
-                <a:cs typeface="Arial" panose="020B0604020202020204" pitchFamily="34" charset="0"/>
-              </a:rPr>
-              <a:t>هونغ</a:t>
-            </a:r>
-            <a:endParaRPr lang="en-US" sz="9600" spc="-300" dirty="0">
-              <a:solidFill>
-                <a:srgbClr val="193C7D"/>
-              </a:solidFill>
-            </a:endParaRPr>
-          </a:p>
-        </p:txBody>
-      </p:sp>
-      <p:sp>
-        <p:nvSpPr>
-          <p:cNvPr id="2" name="TextBox 1">
-            <a:extLst>
-              <a:ext uri="{FF2B5EF4-FFF2-40B4-BE49-F238E27FC236}">
-                <a16:creationId xmlns:a16="http://schemas.microsoft.com/office/drawing/2014/main" id="{D8CA99EA-F7FA-9D28-1B27-056CD7FD5044}"/>
-              </a:ext>
-            </a:extLst>
-          </p:cNvPr>
-          <p:cNvSpPr txBox="1"/>
-          <p:nvPr/>
-        </p:nvSpPr>
-        <p:spPr>
-          <a:xfrm>
-            <a:off x="4517929" y="1502404"/>
-            <a:ext cx="4378633" cy="1862048"/>
-          </a:xfrm>
-          <a:prstGeom prst="rect">
-            <a:avLst/>
-          </a:prstGeom>
-          <a:noFill/>
-        </p:spPr>
-        <p:txBody>
-          <a:bodyPr wrap="square" rtlCol="0">
-            <a:spAutoFit/>
-          </a:bodyPr>
-          <a:lstStyle/>
-          <a:p>
-            <a:r>
-              <a:rPr lang="en-US" sz="11500" spc="-300" dirty="0">
-                <a:solidFill>
-                  <a:srgbClr val="EE7D30"/>
-                </a:solidFill>
-                <a:latin typeface="Arial" panose="020B0604020202020204" pitchFamily="34" charset="0"/>
-                <a:cs typeface="Arial" panose="020B0604020202020204" pitchFamily="34" charset="0"/>
-              </a:rPr>
-              <a:t>Dr.</a:t>
-            </a:r>
-            <a:r>
-              <a:rPr lang="en-US" sz="6600" spc="-300" dirty="0">
-                <a:solidFill>
-                  <a:srgbClr val="EE7D30"/>
-                </a:solidFill>
-                <a:latin typeface="Arial" panose="020B0604020202020204" pitchFamily="34" charset="0"/>
-                <a:cs typeface="Arial" panose="020B0604020202020204" pitchFamily="34" charset="0"/>
-              </a:rPr>
-              <a:t> </a:t>
-            </a:r>
-            <a:r>
-              <a:rPr lang="en-US" sz="11500" spc="-300" dirty="0">
-                <a:solidFill>
-                  <a:srgbClr val="EE7D30"/>
-                </a:solidFill>
-                <a:latin typeface="Arial" panose="020B0604020202020204" pitchFamily="34" charset="0"/>
-                <a:cs typeface="Arial" panose="020B0604020202020204" pitchFamily="34" charset="0"/>
-              </a:rPr>
-              <a:t>X</a:t>
-            </a:r>
-            <a:r>
-              <a:rPr lang="en-US" sz="8800" spc="-300" dirty="0">
-                <a:solidFill>
-                  <a:srgbClr val="EE7D30"/>
-                </a:solidFill>
-                <a:latin typeface="Arial" panose="020B0604020202020204" pitchFamily="34" charset="0"/>
-                <a:cs typeface="Arial" panose="020B0604020202020204" pitchFamily="34" charset="0"/>
-              </a:rPr>
-              <a:t>U</a:t>
-            </a:r>
-            <a:endParaRPr lang="en-US" sz="9600" spc="-300" dirty="0">
-              <a:solidFill>
-                <a:srgbClr val="EE7D30"/>
-              </a:solidFill>
-              <a:latin typeface="Arial" panose="020B0604020202020204" pitchFamily="34" charset="0"/>
-              <a:cs typeface="Arial" panose="020B0604020202020204" pitchFamily="34" charset="0"/>
-            </a:endParaRPr>
-          </a:p>
-        </p:txBody>
-      </p:sp>
-      <p:sp>
-        <p:nvSpPr>
-          <p:cNvPr id="5" name="TextBox 4">
-            <a:extLst>
-              <a:ext uri="{FF2B5EF4-FFF2-40B4-BE49-F238E27FC236}">
-                <a16:creationId xmlns:a16="http://schemas.microsoft.com/office/drawing/2014/main" id="{B79BC6B3-47FB-5E60-599C-7D91CC2A8ED5}"/>
-              </a:ext>
-            </a:extLst>
-          </p:cNvPr>
-          <p:cNvSpPr txBox="1"/>
-          <p:nvPr/>
-        </p:nvSpPr>
-        <p:spPr>
-          <a:xfrm>
-            <a:off x="4517928" y="3020161"/>
-            <a:ext cx="4378634" cy="1862048"/>
-          </a:xfrm>
-          <a:prstGeom prst="rect">
-            <a:avLst/>
-          </a:prstGeom>
-          <a:noFill/>
-        </p:spPr>
-        <p:txBody>
-          <a:bodyPr wrap="square" rtlCol="0">
-            <a:spAutoFit/>
-          </a:bodyPr>
-          <a:lstStyle/>
-          <a:p>
-            <a:r>
-              <a:rPr lang="en-US" sz="11500" spc="300" dirty="0">
-                <a:solidFill>
-                  <a:srgbClr val="193C7D"/>
-                </a:solidFill>
-                <a:latin typeface="Arial" panose="020B0604020202020204" pitchFamily="34" charset="0"/>
-                <a:cs typeface="Arial" panose="020B0604020202020204" pitchFamily="34" charset="0"/>
-              </a:rPr>
-              <a:t>H</a:t>
-            </a:r>
-            <a:r>
-              <a:rPr lang="en-US" sz="8800" spc="300" dirty="0">
-                <a:solidFill>
-                  <a:srgbClr val="193C7D"/>
-                </a:solidFill>
-                <a:latin typeface="Arial" panose="020B0604020202020204" pitchFamily="34" charset="0"/>
-                <a:cs typeface="Arial" panose="020B0604020202020204" pitchFamily="34" charset="0"/>
-              </a:rPr>
-              <a:t>ONG</a:t>
-            </a:r>
-            <a:r>
-              <a:rPr lang="zh-CN" altLang="en-US" sz="9600" spc="300" dirty="0">
-                <a:solidFill>
-                  <a:srgbClr val="193C7D"/>
-                </a:solidFill>
-                <a:latin typeface="Arial" panose="020B0604020202020204" pitchFamily="34" charset="0"/>
-                <a:cs typeface="Arial" panose="020B0604020202020204" pitchFamily="34" charset="0"/>
-              </a:rPr>
-              <a:t> </a:t>
-            </a:r>
-            <a:endParaRPr lang="en-US" altLang="zh-CN" sz="9600" spc="300" dirty="0">
-              <a:solidFill>
-                <a:srgbClr val="193C7D"/>
-              </a:solidFill>
-              <a:latin typeface="Arial" panose="020B0604020202020204" pitchFamily="34" charset="0"/>
-              <a:cs typeface="Arial" panose="020B0604020202020204" pitchFamily="34" charset="0"/>
-            </a:endParaRPr>
-          </a:p>
-        </p:txBody>
-      </p:sp>
     </p:spTree>
     <p:extLst>
       <p:ext uri="{BB962C8B-B14F-4D97-AF65-F5344CB8AC3E}">
-        <p14:creationId xmlns:p14="http://schemas.microsoft.com/office/powerpoint/2010/main" val="3587914855"/>
+        <p14:creationId xmlns:p14="http://schemas.microsoft.com/office/powerpoint/2010/main" val="3737181567"/>
       </p:ext>
     </p:extLst>
   </p:cSld>

--- a/images/logo-multi-lang.pptx
+++ b/images/logo-multi-lang.pptx
@@ -16,7 +16,7 @@
     <p:sldId id="269" r:id="rId7"/>
     <p:sldId id="270" r:id="rId8"/>
     <p:sldId id="265" r:id="rId9"/>
-    <p:sldId id="271" r:id="rId10"/>
+    <p:sldId id="272" r:id="rId10"/>
     <p:sldId id="262" r:id="rId11"/>
     <p:sldId id="263" r:id="rId12"/>
     <p:sldId id="264" r:id="rId13"/>
@@ -134,7 +134,7 @@
             <p14:sldId id="269"/>
             <p14:sldId id="270"/>
             <p14:sldId id="265"/>
-            <p14:sldId id="271"/>
+            <p14:sldId id="272"/>
           </p14:sldIdLst>
         </p14:section>
         <p14:section name="Untitled Section" id="{923BE9E4-8AB4-8B4F-8BA9-84C7F980A88A}">
@@ -238,7 +238,7 @@
           <a:p>
             <a:fld id="{D2361194-542F-9F48-B3DB-F9C9D1635120}" type="datetimeFigureOut">
               <a:rPr lang="en-US" smtClean="0"/>
-              <a:t>1/17/25</a:t>
+              <a:t>2/10/25</a:t>
             </a:fld>
             <a:endParaRPr lang="en-US"/>
           </a:p>
@@ -1250,6 +1250,35 @@
           <a:bodyPr/>
           <a:lstStyle/>
           <a:p>
+            <a:pPr marL="0" marR="0" lvl="0" indent="0" algn="l" defTabSz="914400" rtl="0" eaLnBrk="1" fontAlgn="auto" latinLnBrk="0" hangingPunct="1">
+              <a:lnSpc>
+                <a:spcPct val="100000"/>
+              </a:lnSpc>
+              <a:spcBef>
+                <a:spcPts val="0"/>
+              </a:spcBef>
+              <a:spcAft>
+                <a:spcPts val="0"/>
+              </a:spcAft>
+              <a:buClrTx/>
+              <a:buSzTx/>
+              <a:buFontTx/>
+              <a:buNone/>
+              <a:tabLst/>
+              <a:defRPr/>
+            </a:pPr>
+            <a:r>
+              <a:rPr lang="az-Cyrl-AZ" b="0" dirty="0">
+                <a:solidFill>
+                  <a:srgbClr val="CCCCCC"/>
+                </a:solidFill>
+                <a:effectLst/>
+                <a:latin typeface="Menlo" panose="020B0609030804020204" pitchFamily="49" charset="0"/>
+              </a:rPr>
+              <a:t>Хонг Сюй </a:t>
+            </a:r>
+          </a:p>
+          <a:p>
             <a:endParaRPr lang="en-US" dirty="0"/>
           </a:p>
         </p:txBody>
@@ -1280,7 +1309,7 @@
     </p:spTree>
     <p:extLst>
       <p:ext uri="{BB962C8B-B14F-4D97-AF65-F5344CB8AC3E}">
-        <p14:creationId xmlns:p14="http://schemas.microsoft.com/office/powerpoint/2010/main" val="288223718"/>
+        <p14:creationId xmlns:p14="http://schemas.microsoft.com/office/powerpoint/2010/main" val="3427386546"/>
       </p:ext>
     </p:extLst>
   </p:cSld>
@@ -1605,7 +1634,7 @@
           <a:p>
             <a:fld id="{1E962392-3956-EF45-968A-E92073150B82}" type="datetimeFigureOut">
               <a:rPr lang="en-US" smtClean="0"/>
-              <a:t>1/17/25</a:t>
+              <a:t>2/10/25</a:t>
             </a:fld>
             <a:endParaRPr lang="en-US"/>
           </a:p>
@@ -1803,7 +1832,7 @@
           <a:p>
             <a:fld id="{1E962392-3956-EF45-968A-E92073150B82}" type="datetimeFigureOut">
               <a:rPr lang="en-US" smtClean="0"/>
-              <a:t>1/17/25</a:t>
+              <a:t>2/10/25</a:t>
             </a:fld>
             <a:endParaRPr lang="en-US"/>
           </a:p>
@@ -2011,7 +2040,7 @@
           <a:p>
             <a:fld id="{1E962392-3956-EF45-968A-E92073150B82}" type="datetimeFigureOut">
               <a:rPr lang="en-US" smtClean="0"/>
-              <a:t>1/17/25</a:t>
+              <a:t>2/10/25</a:t>
             </a:fld>
             <a:endParaRPr lang="en-US"/>
           </a:p>
@@ -2209,7 +2238,7 @@
           <a:p>
             <a:fld id="{1E962392-3956-EF45-968A-E92073150B82}" type="datetimeFigureOut">
               <a:rPr lang="en-US" smtClean="0"/>
-              <a:t>1/17/25</a:t>
+              <a:t>2/10/25</a:t>
             </a:fld>
             <a:endParaRPr lang="en-US"/>
           </a:p>
@@ -2484,7 +2513,7 @@
           <a:p>
             <a:fld id="{1E962392-3956-EF45-968A-E92073150B82}" type="datetimeFigureOut">
               <a:rPr lang="en-US" smtClean="0"/>
-              <a:t>1/17/25</a:t>
+              <a:t>2/10/25</a:t>
             </a:fld>
             <a:endParaRPr lang="en-US"/>
           </a:p>
@@ -2749,7 +2778,7 @@
           <a:p>
             <a:fld id="{1E962392-3956-EF45-968A-E92073150B82}" type="datetimeFigureOut">
               <a:rPr lang="en-US" smtClean="0"/>
-              <a:t>1/17/25</a:t>
+              <a:t>2/10/25</a:t>
             </a:fld>
             <a:endParaRPr lang="en-US"/>
           </a:p>
@@ -3161,7 +3190,7 @@
           <a:p>
             <a:fld id="{1E962392-3956-EF45-968A-E92073150B82}" type="datetimeFigureOut">
               <a:rPr lang="en-US" smtClean="0"/>
-              <a:t>1/17/25</a:t>
+              <a:t>2/10/25</a:t>
             </a:fld>
             <a:endParaRPr lang="en-US"/>
           </a:p>
@@ -3302,7 +3331,7 @@
           <a:p>
             <a:fld id="{1E962392-3956-EF45-968A-E92073150B82}" type="datetimeFigureOut">
               <a:rPr lang="en-US" smtClean="0"/>
-              <a:t>1/17/25</a:t>
+              <a:t>2/10/25</a:t>
             </a:fld>
             <a:endParaRPr lang="en-US"/>
           </a:p>
@@ -3415,7 +3444,7 @@
           <a:p>
             <a:fld id="{1E962392-3956-EF45-968A-E92073150B82}" type="datetimeFigureOut">
               <a:rPr lang="en-US" smtClean="0"/>
-              <a:t>1/17/25</a:t>
+              <a:t>2/10/25</a:t>
             </a:fld>
             <a:endParaRPr lang="en-US"/>
           </a:p>
@@ -3726,7 +3755,7 @@
           <a:p>
             <a:fld id="{1E962392-3956-EF45-968A-E92073150B82}" type="datetimeFigureOut">
               <a:rPr lang="en-US" smtClean="0"/>
-              <a:t>1/17/25</a:t>
+              <a:t>2/10/25</a:t>
             </a:fld>
             <a:endParaRPr lang="en-US"/>
           </a:p>
@@ -4014,7 +4043,7 @@
           <a:p>
             <a:fld id="{1E962392-3956-EF45-968A-E92073150B82}" type="datetimeFigureOut">
               <a:rPr lang="en-US" smtClean="0"/>
-              <a:t>1/17/25</a:t>
+              <a:t>2/10/25</a:t>
             </a:fld>
             <a:endParaRPr lang="en-US"/>
           </a:p>
@@ -4255,7 +4284,7 @@
           <a:p>
             <a:fld id="{1E962392-3956-EF45-968A-E92073150B82}" type="datetimeFigureOut">
               <a:rPr lang="en-US" smtClean="0"/>
-              <a:t>1/17/25</a:t>
+              <a:t>2/10/25</a:t>
             </a:fld>
             <a:endParaRPr lang="en-US"/>
           </a:p>
@@ -4694,13 +4723,13 @@
               </a:ext>
             </a:extLst>
           </a:blip>
-          <a:srcRect r="47237"/>
+          <a:srcRect r="61982"/>
           <a:stretch/>
         </p:blipFill>
         <p:spPr bwMode="auto">
           <a:xfrm>
             <a:off x="345686" y="1115587"/>
-            <a:ext cx="5430646" cy="4469498"/>
+            <a:ext cx="3913020" cy="4469498"/>
           </a:xfrm>
           <a:prstGeom prst="rect">
             <a:avLst/>
@@ -4731,7 +4760,7 @@
         </p:nvSpPr>
         <p:spPr>
           <a:xfrm>
-            <a:off x="6094031" y="1681992"/>
+            <a:off x="4258707" y="1681992"/>
             <a:ext cx="1720078" cy="1569660"/>
           </a:xfrm>
           <a:prstGeom prst="rect">
@@ -4746,7 +4775,7 @@
           <a:lstStyle/>
           <a:p>
             <a:r>
-              <a:rPr lang="ko-KR" altLang="en-US" sz="9600" i="0" dirty="0">
+              <a:rPr lang="ko-KR" altLang="en-US" sz="9600" b="1" i="0" dirty="0">
                 <a:solidFill>
                   <a:srgbClr val="EE7D30"/>
                 </a:solidFill>
@@ -4755,7 +4784,7 @@
               </a:rPr>
               <a:t>서</a:t>
             </a:r>
-            <a:endParaRPr lang="en-US" sz="9600" dirty="0">
+            <a:endParaRPr lang="en-US" sz="9600" b="1" dirty="0">
               <a:solidFill>
                 <a:srgbClr val="EE7D30"/>
               </a:solidFill>
@@ -4777,7 +4806,7 @@
         </p:nvSpPr>
         <p:spPr>
           <a:xfrm>
-            <a:off x="5748345" y="3218592"/>
+            <a:off x="3913021" y="3218592"/>
             <a:ext cx="1943100" cy="1569660"/>
           </a:xfrm>
           <a:prstGeom prst="rect">
@@ -4792,7 +4821,7 @@
           <a:lstStyle/>
           <a:p>
             <a:r>
-              <a:rPr lang="ko-KR" altLang="en-US" sz="9600" i="0" dirty="0">
+              <a:rPr lang="ko-KR" altLang="en-US" sz="9600" b="1" i="0" dirty="0">
                 <a:solidFill>
                   <a:srgbClr val="193C7D"/>
                 </a:solidFill>
@@ -4801,7 +4830,7 @@
               </a:rPr>
               <a:t> 홍</a:t>
             </a:r>
-            <a:endParaRPr lang="en-US" sz="9600" dirty="0">
+            <a:endParaRPr lang="en-US" sz="9600" b="1" dirty="0">
               <a:solidFill>
                 <a:srgbClr val="193C7D"/>
               </a:solidFill>
@@ -4823,7 +4852,7 @@
         </p:nvSpPr>
         <p:spPr>
           <a:xfrm>
-            <a:off x="7863563" y="1502404"/>
+            <a:off x="6028239" y="1502404"/>
             <a:ext cx="4378633" cy="1862048"/>
           </a:xfrm>
           <a:prstGeom prst="rect">
@@ -4901,7 +4930,7 @@
         </p:nvSpPr>
         <p:spPr>
           <a:xfrm>
-            <a:off x="7863562" y="3020161"/>
+            <a:off x="6028238" y="3020161"/>
             <a:ext cx="4378634" cy="1862048"/>
           </a:xfrm>
           <a:prstGeom prst="rect">
@@ -9220,7 +9249,7 @@
         </p:nvSpPr>
         <p:spPr>
           <a:xfrm>
-            <a:off x="10387865" y="1503332"/>
+            <a:off x="6116328" y="1503332"/>
             <a:ext cx="3916066" cy="1862048"/>
           </a:xfrm>
           <a:prstGeom prst="rect">
@@ -9288,7 +9317,7 @@
         </p:nvSpPr>
         <p:spPr>
           <a:xfrm>
-            <a:off x="10489784" y="3008473"/>
+            <a:off x="6218247" y="3008473"/>
             <a:ext cx="3814147" cy="1862048"/>
           </a:xfrm>
           <a:prstGeom prst="rect">
@@ -9375,152 +9404,6 @@
           </a:extLst>
         </p:spPr>
       </p:pic>
-      <p:sp>
-        <p:nvSpPr>
-          <p:cNvPr id="13" name="TextBox 12">
-            <a:extLst>
-              <a:ext uri="{FF2B5EF4-FFF2-40B4-BE49-F238E27FC236}">
-                <a16:creationId xmlns:a16="http://schemas.microsoft.com/office/drawing/2014/main" id="{EAD0BB52-96E6-EE22-002F-B20C9858FF3E}"/>
-              </a:ext>
-            </a:extLst>
-          </p:cNvPr>
-          <p:cNvSpPr txBox="1"/>
-          <p:nvPr/>
-        </p:nvSpPr>
-        <p:spPr>
-          <a:xfrm>
-            <a:off x="6067869" y="1502404"/>
-            <a:ext cx="4378633" cy="1862048"/>
-          </a:xfrm>
-          <a:prstGeom prst="rect">
-            <a:avLst/>
-          </a:prstGeom>
-          <a:noFill/>
-        </p:spPr>
-        <p:txBody>
-          <a:bodyPr wrap="square" rtlCol="0">
-            <a:spAutoFit/>
-          </a:bodyPr>
-          <a:lstStyle/>
-          <a:p>
-            <a:r>
-              <a:rPr lang="en-US" sz="11500" spc="-300" dirty="0">
-                <a:solidFill>
-                  <a:srgbClr val="EE7D30"/>
-                </a:solidFill>
-                <a:latin typeface="Arial" panose="020B0604020202020204" pitchFamily="34" charset="0"/>
-                <a:cs typeface="Arial" panose="020B0604020202020204" pitchFamily="34" charset="0"/>
-              </a:rPr>
-              <a:t>Dr.</a:t>
-            </a:r>
-            <a:r>
-              <a:rPr lang="en-US" sz="6600" spc="-300" dirty="0">
-                <a:solidFill>
-                  <a:srgbClr val="EE7D30"/>
-                </a:solidFill>
-                <a:latin typeface="Arial" panose="020B0604020202020204" pitchFamily="34" charset="0"/>
-                <a:cs typeface="Arial" panose="020B0604020202020204" pitchFamily="34" charset="0"/>
-              </a:rPr>
-              <a:t> </a:t>
-            </a:r>
-            <a:r>
-              <a:rPr lang="en-US" sz="11500" spc="-300" dirty="0">
-                <a:solidFill>
-                  <a:srgbClr val="EE7D30"/>
-                </a:solidFill>
-                <a:latin typeface="Arial" panose="020B0604020202020204" pitchFamily="34" charset="0"/>
-                <a:cs typeface="Arial" panose="020B0604020202020204" pitchFamily="34" charset="0"/>
-              </a:rPr>
-              <a:t>X</a:t>
-            </a:r>
-            <a:r>
-              <a:rPr lang="en-US" sz="8800" spc="-300" dirty="0">
-                <a:solidFill>
-                  <a:srgbClr val="EE7D30"/>
-                </a:solidFill>
-                <a:latin typeface="Arial" panose="020B0604020202020204" pitchFamily="34" charset="0"/>
-                <a:cs typeface="Arial" panose="020B0604020202020204" pitchFamily="34" charset="0"/>
-              </a:rPr>
-              <a:t>Ú</a:t>
-            </a:r>
-            <a:endParaRPr lang="en-US" sz="9600" spc="-300" dirty="0">
-              <a:solidFill>
-                <a:srgbClr val="EE7D30"/>
-              </a:solidFill>
-              <a:latin typeface="Arial" panose="020B0604020202020204" pitchFamily="34" charset="0"/>
-              <a:cs typeface="Arial" panose="020B0604020202020204" pitchFamily="34" charset="0"/>
-            </a:endParaRPr>
-          </a:p>
-        </p:txBody>
-      </p:sp>
-      <p:sp>
-        <p:nvSpPr>
-          <p:cNvPr id="14" name="TextBox 13">
-            <a:extLst>
-              <a:ext uri="{FF2B5EF4-FFF2-40B4-BE49-F238E27FC236}">
-                <a16:creationId xmlns:a16="http://schemas.microsoft.com/office/drawing/2014/main" id="{48EFC5A5-E14C-4F7C-B722-E1F9B0160532}"/>
-              </a:ext>
-            </a:extLst>
-          </p:cNvPr>
-          <p:cNvSpPr txBox="1"/>
-          <p:nvPr/>
-        </p:nvSpPr>
-        <p:spPr>
-          <a:xfrm>
-            <a:off x="6067868" y="3020161"/>
-            <a:ext cx="4378634" cy="1862048"/>
-          </a:xfrm>
-          <a:prstGeom prst="rect">
-            <a:avLst/>
-          </a:prstGeom>
-          <a:noFill/>
-        </p:spPr>
-        <p:txBody>
-          <a:bodyPr wrap="square" rtlCol="0">
-            <a:spAutoFit/>
-          </a:bodyPr>
-          <a:lstStyle/>
-          <a:p>
-            <a:r>
-              <a:rPr lang="en-US" sz="11500" spc="300" dirty="0">
-                <a:solidFill>
-                  <a:srgbClr val="193C7D"/>
-                </a:solidFill>
-                <a:latin typeface="Arial" panose="020B0604020202020204" pitchFamily="34" charset="0"/>
-                <a:cs typeface="Arial" panose="020B0604020202020204" pitchFamily="34" charset="0"/>
-              </a:rPr>
-              <a:t>H</a:t>
-            </a:r>
-            <a:r>
-              <a:rPr lang="en-US" sz="8800" spc="300" dirty="0">
-                <a:solidFill>
-                  <a:srgbClr val="193C7D"/>
-                </a:solidFill>
-                <a:latin typeface="Arial" panose="020B0604020202020204" pitchFamily="34" charset="0"/>
-                <a:cs typeface="Arial" panose="020B0604020202020204" pitchFamily="34" charset="0"/>
-              </a:rPr>
-              <a:t>ONG</a:t>
-            </a:r>
-            <a:r>
-              <a:rPr lang="zh-CN" altLang="en-US" sz="9600" spc="300" dirty="0">
-                <a:solidFill>
-                  <a:srgbClr val="193C7D"/>
-                </a:solidFill>
-                <a:latin typeface="Arial" panose="020B0604020202020204" pitchFamily="34" charset="0"/>
-                <a:cs typeface="Arial" panose="020B0604020202020204" pitchFamily="34" charset="0"/>
-              </a:rPr>
-              <a:t> </a:t>
-            </a:r>
-            <a:endParaRPr lang="en-US" altLang="zh-CN" sz="9600" spc="300" dirty="0">
-              <a:solidFill>
-                <a:srgbClr val="193C7D"/>
-              </a:solidFill>
-              <a:latin typeface="Arial" panose="020B0604020202020204" pitchFamily="34" charset="0"/>
-              <a:cs typeface="Arial" panose="020B0604020202020204" pitchFamily="34" charset="0"/>
-            </a:endParaRPr>
-          </a:p>
-        </p:txBody>
-      </p:sp>
       <p:pic>
         <p:nvPicPr>
           <p:cNvPr id="15" name="Picture 2" descr="Image">
@@ -9566,51 +9449,6 @@
           </a:extLst>
         </p:spPr>
       </p:pic>
-      <p:cxnSp>
-        <p:nvCxnSpPr>
-          <p:cNvPr id="16" name="Straight Connector 15">
-            <a:extLst>
-              <a:ext uri="{FF2B5EF4-FFF2-40B4-BE49-F238E27FC236}">
-                <a16:creationId xmlns:a16="http://schemas.microsoft.com/office/drawing/2014/main" id="{615D37EB-9AE2-048B-F668-F941A81EBED2}"/>
-              </a:ext>
-            </a:extLst>
-          </p:cNvPr>
-          <p:cNvCxnSpPr>
-            <a:cxnSpLocks/>
-          </p:cNvCxnSpPr>
-          <p:nvPr/>
-        </p:nvCxnSpPr>
-        <p:spPr>
-          <a:xfrm>
-            <a:off x="10187098" y="2178996"/>
-            <a:ext cx="0" cy="2191966"/>
-          </a:xfrm>
-          <a:prstGeom prst="line">
-            <a:avLst/>
-          </a:prstGeom>
-          <a:ln w="19050">
-            <a:solidFill>
-              <a:schemeClr val="bg1">
-                <a:lumMod val="65000"/>
-              </a:schemeClr>
-            </a:solidFill>
-          </a:ln>
-        </p:spPr>
-        <p:style>
-          <a:lnRef idx="1">
-            <a:schemeClr val="accent1"/>
-          </a:lnRef>
-          <a:fillRef idx="0">
-            <a:schemeClr val="accent1"/>
-          </a:fillRef>
-          <a:effectRef idx="0">
-            <a:schemeClr val="accent1"/>
-          </a:effectRef>
-          <a:fontRef idx="minor">
-            <a:schemeClr val="tx1"/>
-          </a:fontRef>
-        </p:style>
-      </p:cxnSp>
     </p:spTree>
     <p:extLst>
       <p:ext uri="{BB962C8B-B14F-4D97-AF65-F5344CB8AC3E}">
@@ -9641,100 +9479,12 @@
           <a:chExt cx="0" cy="0"/>
         </a:xfrm>
       </p:grpSpPr>
-      <p:sp>
-        <p:nvSpPr>
-          <p:cNvPr id="6" name="TextBox 5">
-            <a:extLst>
-              <a:ext uri="{FF2B5EF4-FFF2-40B4-BE49-F238E27FC236}">
-                <a16:creationId xmlns:a16="http://schemas.microsoft.com/office/drawing/2014/main" id="{4DFBD53B-29E4-A9DB-B886-CF96C0991B6D}"/>
-              </a:ext>
-            </a:extLst>
-          </p:cNvPr>
-          <p:cNvSpPr txBox="1"/>
-          <p:nvPr/>
-        </p:nvSpPr>
-        <p:spPr>
-          <a:xfrm>
-            <a:off x="6004234" y="1048538"/>
-            <a:ext cx="3360266" cy="2215991"/>
-          </a:xfrm>
-          <a:prstGeom prst="rect">
-            <a:avLst/>
-          </a:prstGeom>
-          <a:noFill/>
-        </p:spPr>
-        <p:txBody>
-          <a:bodyPr wrap="square" rtlCol="0">
-            <a:spAutoFit/>
-          </a:bodyPr>
-          <a:lstStyle/>
-          <a:p>
-            <a:r>
-              <a:rPr lang="ar-AE" sz="13800" spc="-300" dirty="0">
-                <a:solidFill>
-                  <a:srgbClr val="EE7D30"/>
-                </a:solidFill>
-                <a:latin typeface="Arial" panose="020B0604020202020204" pitchFamily="34" charset="0"/>
-                <a:ea typeface="Osaka" panose="020B0600000000000000" pitchFamily="34" charset="-128"/>
-                <a:cs typeface="Arial" panose="020B0604020202020204" pitchFamily="34" charset="0"/>
-              </a:rPr>
-              <a:t>د.شو</a:t>
-            </a:r>
-          </a:p>
-        </p:txBody>
-      </p:sp>
-      <p:sp>
-        <p:nvSpPr>
-          <p:cNvPr id="3" name="TextBox 2">
-            <a:extLst>
-              <a:ext uri="{FF2B5EF4-FFF2-40B4-BE49-F238E27FC236}">
-                <a16:creationId xmlns:a16="http://schemas.microsoft.com/office/drawing/2014/main" id="{2C070E27-2E91-F385-8BE6-8C4138778241}"/>
-              </a:ext>
-            </a:extLst>
-          </p:cNvPr>
-          <p:cNvSpPr txBox="1"/>
-          <p:nvPr/>
-        </p:nvSpPr>
-        <p:spPr>
-          <a:xfrm>
-            <a:off x="6106156" y="2674835"/>
-            <a:ext cx="3258343" cy="2215991"/>
-          </a:xfrm>
-          <a:prstGeom prst="rect">
-            <a:avLst/>
-          </a:prstGeom>
-          <a:noFill/>
-        </p:spPr>
-        <p:txBody>
-          <a:bodyPr wrap="square">
-            <a:spAutoFit/>
-          </a:bodyPr>
-          <a:lstStyle/>
-          <a:p>
-            <a:r>
-              <a:rPr lang="ar-AE" sz="13800" spc="-300" dirty="0">
-                <a:solidFill>
-                  <a:srgbClr val="193C7D"/>
-                </a:solidFill>
-                <a:latin typeface="Arial" panose="020B0604020202020204" pitchFamily="34" charset="0"/>
-                <a:cs typeface="Arial" panose="020B0604020202020204" pitchFamily="34" charset="0"/>
-              </a:rPr>
-              <a:t>هونغ</a:t>
-            </a:r>
-            <a:endParaRPr lang="en-US" sz="9600" spc="-300" dirty="0">
-              <a:solidFill>
-                <a:srgbClr val="193C7D"/>
-              </a:solidFill>
-            </a:endParaRPr>
-          </a:p>
-        </p:txBody>
-      </p:sp>
       <p:pic>
         <p:nvPicPr>
-          <p:cNvPr id="7" name="Picture 2" descr="Image">
-            <a:extLst>
-              <a:ext uri="{FF2B5EF4-FFF2-40B4-BE49-F238E27FC236}">
-                <a16:creationId xmlns:a16="http://schemas.microsoft.com/office/drawing/2014/main" id="{D7F42F61-862D-136A-3403-BD13A452C006}"/>
+          <p:cNvPr id="12" name="Picture 2" descr="Image">
+            <a:extLst>
+              <a:ext uri="{FF2B5EF4-FFF2-40B4-BE49-F238E27FC236}">
+                <a16:creationId xmlns:a16="http://schemas.microsoft.com/office/drawing/2014/main" id="{F9599693-38F7-3097-432A-776886EBB2B8}"/>
               </a:ext>
             </a:extLst>
           </p:cNvPr>
@@ -9751,13 +9501,13 @@
               </a:ext>
             </a:extLst>
           </a:blip>
-          <a:srcRect r="47237"/>
+          <a:srcRect r="63015"/>
           <a:stretch/>
         </p:blipFill>
         <p:spPr bwMode="auto">
           <a:xfrm>
             <a:off x="345686" y="1115587"/>
-            <a:ext cx="5430646" cy="4469498"/>
+            <a:ext cx="3806766" cy="4469498"/>
           </a:xfrm>
           <a:prstGeom prst="rect">
             <a:avLst/>
@@ -9774,10 +9524,143 @@
           </a:extLst>
         </p:spPr>
       </p:pic>
+      <p:pic>
+        <p:nvPicPr>
+          <p:cNvPr id="15" name="Picture 2" descr="Image">
+            <a:extLst>
+              <a:ext uri="{FF2B5EF4-FFF2-40B4-BE49-F238E27FC236}">
+                <a16:creationId xmlns:a16="http://schemas.microsoft.com/office/drawing/2014/main" id="{8AF25FF2-3D53-F8B3-666A-101DC6E0FA78}"/>
+              </a:ext>
+            </a:extLst>
+          </p:cNvPr>
+          <p:cNvPicPr>
+            <a:picLocks noChangeAspect="1" noChangeArrowheads="1"/>
+          </p:cNvPicPr>
+          <p:nvPr/>
+        </p:nvPicPr>
+        <p:blipFill rotWithShape="1">
+          <a:blip r:embed="rId3">
+            <a:extLst>
+              <a:ext uri="{28A0092B-C50C-407E-A947-70E740481C1C}">
+                <a14:useLocalDpi xmlns:a14="http://schemas.microsoft.com/office/drawing/2010/main" val="0"/>
+              </a:ext>
+            </a:extLst>
+          </a:blip>
+          <a:srcRect r="47237"/>
+          <a:stretch/>
+        </p:blipFill>
+        <p:spPr bwMode="auto">
+          <a:xfrm>
+            <a:off x="345686" y="1115587"/>
+            <a:ext cx="5430646" cy="4469498"/>
+          </a:xfrm>
+          <a:prstGeom prst="rect">
+            <a:avLst/>
+          </a:prstGeom>
+          <a:noFill/>
+          <a:extLst>
+            <a:ext uri="{909E8E84-426E-40DD-AFC4-6F175D3DCCD1}">
+              <a14:hiddenFill xmlns:a14="http://schemas.microsoft.com/office/drawing/2010/main">
+                <a:solidFill>
+                  <a:srgbClr val="FFFFFF"/>
+                </a:solidFill>
+              </a14:hiddenFill>
+            </a:ext>
+          </a:extLst>
+        </p:spPr>
+      </p:pic>
+      <p:sp>
+        <p:nvSpPr>
+          <p:cNvPr id="2" name="TextBox 1">
+            <a:extLst>
+              <a:ext uri="{FF2B5EF4-FFF2-40B4-BE49-F238E27FC236}">
+                <a16:creationId xmlns:a16="http://schemas.microsoft.com/office/drawing/2014/main" id="{6E7A0945-1375-6A21-DC13-725911A750AF}"/>
+              </a:ext>
+            </a:extLst>
+          </p:cNvPr>
+          <p:cNvSpPr txBox="1"/>
+          <p:nvPr/>
+        </p:nvSpPr>
+        <p:spPr>
+          <a:xfrm>
+            <a:off x="5997703" y="1166099"/>
+            <a:ext cx="3360266" cy="2215991"/>
+          </a:xfrm>
+          <a:prstGeom prst="rect">
+            <a:avLst/>
+          </a:prstGeom>
+          <a:noFill/>
+        </p:spPr>
+        <p:txBody>
+          <a:bodyPr wrap="square" rtlCol="0">
+            <a:spAutoFit/>
+          </a:bodyPr>
+          <a:lstStyle/>
+          <a:p>
+            <a:r>
+              <a:rPr lang="ar-AE" sz="13800" spc="600" dirty="0">
+                <a:solidFill>
+                  <a:srgbClr val="EE7D30"/>
+                </a:solidFill>
+                <a:latin typeface="Arial" panose="020B0604020202020204" pitchFamily="34" charset="0"/>
+                <a:ea typeface="Osaka" panose="020B0600000000000000" pitchFamily="34" charset="-128"/>
+                <a:cs typeface="Arial" panose="020B0604020202020204" pitchFamily="34" charset="0"/>
+              </a:rPr>
+              <a:t>د.شو</a:t>
+            </a:r>
+          </a:p>
+        </p:txBody>
+      </p:sp>
+      <p:sp>
+        <p:nvSpPr>
+          <p:cNvPr id="4" name="TextBox 3">
+            <a:extLst>
+              <a:ext uri="{FF2B5EF4-FFF2-40B4-BE49-F238E27FC236}">
+                <a16:creationId xmlns:a16="http://schemas.microsoft.com/office/drawing/2014/main" id="{2298D7F6-770B-BDFD-A26F-D9F3BBB8B65E}"/>
+              </a:ext>
+            </a:extLst>
+          </p:cNvPr>
+          <p:cNvSpPr txBox="1"/>
+          <p:nvPr/>
+        </p:nvSpPr>
+        <p:spPr>
+          <a:xfrm>
+            <a:off x="6099625" y="2792396"/>
+            <a:ext cx="3258343" cy="2215991"/>
+          </a:xfrm>
+          <a:prstGeom prst="rect">
+            <a:avLst/>
+          </a:prstGeom>
+          <a:noFill/>
+        </p:spPr>
+        <p:txBody>
+          <a:bodyPr wrap="square">
+            <a:spAutoFit/>
+          </a:bodyPr>
+          <a:lstStyle/>
+          <a:p>
+            <a:r>
+              <a:rPr lang="ar-AE" sz="13800" spc="600" dirty="0">
+                <a:solidFill>
+                  <a:srgbClr val="193C7D"/>
+                </a:solidFill>
+                <a:latin typeface="Arial" panose="020B0604020202020204" pitchFamily="34" charset="0"/>
+                <a:cs typeface="Arial" panose="020B0604020202020204" pitchFamily="34" charset="0"/>
+              </a:rPr>
+              <a:t>هونغ</a:t>
+            </a:r>
+            <a:endParaRPr lang="en-US" sz="9600" spc="600" dirty="0">
+              <a:solidFill>
+                <a:srgbClr val="193C7D"/>
+              </a:solidFill>
+            </a:endParaRPr>
+          </a:p>
+        </p:txBody>
+      </p:sp>
     </p:spTree>
     <p:extLst>
       <p:ext uri="{BB962C8B-B14F-4D97-AF65-F5344CB8AC3E}">
-        <p14:creationId xmlns:p14="http://schemas.microsoft.com/office/powerpoint/2010/main" val="3737181567"/>
+        <p14:creationId xmlns:p14="http://schemas.microsoft.com/office/powerpoint/2010/main" val="3709372373"/>
       </p:ext>
     </p:extLst>
   </p:cSld>

--- a/images/logo-multi-lang.pptx
+++ b/images/logo-multi-lang.pptx
@@ -9571,10 +9571,10 @@
       </p:pic>
       <p:sp>
         <p:nvSpPr>
-          <p:cNvPr id="2" name="TextBox 1">
-            <a:extLst>
-              <a:ext uri="{FF2B5EF4-FFF2-40B4-BE49-F238E27FC236}">
-                <a16:creationId xmlns:a16="http://schemas.microsoft.com/office/drawing/2014/main" id="{6E7A0945-1375-6A21-DC13-725911A750AF}"/>
+          <p:cNvPr id="11" name="TextBox 10">
+            <a:extLst>
+              <a:ext uri="{FF2B5EF4-FFF2-40B4-BE49-F238E27FC236}">
+                <a16:creationId xmlns:a16="http://schemas.microsoft.com/office/drawing/2014/main" id="{B90CB2AB-23C2-CC33-E4E7-A0C19758A6C2}"/>
               </a:ext>
             </a:extLst>
           </p:cNvPr>
@@ -9583,7 +9583,7 @@
         </p:nvSpPr>
         <p:spPr>
           <a:xfrm>
-            <a:off x="5997703" y="1166099"/>
+            <a:off x="11042143" y="1115587"/>
             <a:ext cx="3360266" cy="2215991"/>
           </a:xfrm>
           <a:prstGeom prst="rect">
@@ -9613,10 +9613,10 @@
       </p:sp>
       <p:sp>
         <p:nvSpPr>
-          <p:cNvPr id="4" name="TextBox 3">
-            <a:extLst>
-              <a:ext uri="{FF2B5EF4-FFF2-40B4-BE49-F238E27FC236}">
-                <a16:creationId xmlns:a16="http://schemas.microsoft.com/office/drawing/2014/main" id="{2298D7F6-770B-BDFD-A26F-D9F3BBB8B65E}"/>
+          <p:cNvPr id="13" name="TextBox 12">
+            <a:extLst>
+              <a:ext uri="{FF2B5EF4-FFF2-40B4-BE49-F238E27FC236}">
+                <a16:creationId xmlns:a16="http://schemas.microsoft.com/office/drawing/2014/main" id="{D615DA0C-1478-EABF-606D-85BA2D32DE73}"/>
               </a:ext>
             </a:extLst>
           </p:cNvPr>
@@ -9625,7 +9625,7 @@
         </p:nvSpPr>
         <p:spPr>
           <a:xfrm>
-            <a:off x="6099625" y="2792396"/>
+            <a:off x="11144065" y="2741884"/>
             <a:ext cx="3258343" cy="2215991"/>
           </a:xfrm>
           <a:prstGeom prst="rect">
@@ -9657,6 +9657,35 @@
           </a:p>
         </p:txBody>
       </p:sp>
+      <p:pic>
+        <p:nvPicPr>
+          <p:cNvPr id="17" name="Picture 16">
+            <a:extLst>
+              <a:ext uri="{FF2B5EF4-FFF2-40B4-BE49-F238E27FC236}">
+                <a16:creationId xmlns:a16="http://schemas.microsoft.com/office/drawing/2014/main" id="{2BAF8D54-0234-AE59-E297-6F53B08F45BB}"/>
+              </a:ext>
+            </a:extLst>
+          </p:cNvPr>
+          <p:cNvPicPr>
+            <a:picLocks noChangeAspect="1"/>
+          </p:cNvPicPr>
+          <p:nvPr/>
+        </p:nvPicPr>
+        <p:blipFill rotWithShape="1">
+          <a:blip r:embed="rId4"/>
+          <a:srcRect l="14200" t="15198" r="25857" b="17307"/>
+          <a:stretch/>
+        </p:blipFill>
+        <p:spPr>
+          <a:xfrm>
+            <a:off x="5836626" y="1496780"/>
+            <a:ext cx="3448594" cy="3557328"/>
+          </a:xfrm>
+          <a:prstGeom prst="rect">
+            <a:avLst/>
+          </a:prstGeom>
+        </p:spPr>
+      </p:pic>
     </p:spTree>
     <p:extLst>
       <p:ext uri="{BB962C8B-B14F-4D97-AF65-F5344CB8AC3E}">

--- a/images/logo-multi-lang.pptx
+++ b/images/logo-multi-lang.pptx
@@ -5,24 +5,25 @@
     <p:sldMasterId id="2147483648" r:id="rId1"/>
   </p:sldMasterIdLst>
   <p:notesMasterIdLst>
-    <p:notesMasterId r:id="rId17"/>
+    <p:notesMasterId r:id="rId18"/>
   </p:notesMasterIdLst>
   <p:sldIdLst>
     <p:sldId id="256" r:id="rId2"/>
-    <p:sldId id="258" r:id="rId3"/>
-    <p:sldId id="259" r:id="rId4"/>
-    <p:sldId id="261" r:id="rId5"/>
-    <p:sldId id="268" r:id="rId6"/>
-    <p:sldId id="269" r:id="rId7"/>
-    <p:sldId id="270" r:id="rId8"/>
-    <p:sldId id="265" r:id="rId9"/>
-    <p:sldId id="272" r:id="rId10"/>
-    <p:sldId id="262" r:id="rId11"/>
-    <p:sldId id="263" r:id="rId12"/>
-    <p:sldId id="264" r:id="rId13"/>
-    <p:sldId id="266" r:id="rId14"/>
-    <p:sldId id="267" r:id="rId15"/>
-    <p:sldId id="260" r:id="rId16"/>
+    <p:sldId id="273" r:id="rId3"/>
+    <p:sldId id="258" r:id="rId4"/>
+    <p:sldId id="259" r:id="rId5"/>
+    <p:sldId id="261" r:id="rId6"/>
+    <p:sldId id="268" r:id="rId7"/>
+    <p:sldId id="269" r:id="rId8"/>
+    <p:sldId id="270" r:id="rId9"/>
+    <p:sldId id="265" r:id="rId10"/>
+    <p:sldId id="272" r:id="rId11"/>
+    <p:sldId id="262" r:id="rId12"/>
+    <p:sldId id="263" r:id="rId13"/>
+    <p:sldId id="264" r:id="rId14"/>
+    <p:sldId id="266" r:id="rId15"/>
+    <p:sldId id="267" r:id="rId16"/>
+    <p:sldId id="260" r:id="rId17"/>
   </p:sldIdLst>
   <p:sldSz cx="12192000" cy="6858000"/>
   <p:notesSz cx="6858000" cy="9144000"/>
@@ -127,6 +128,7 @@
         <p14:section name="Default Section" id="{CF4858EA-33A1-9C42-8457-919BB7D515E1}">
           <p14:sldIdLst>
             <p14:sldId id="256"/>
+            <p14:sldId id="273"/>
             <p14:sldId id="258"/>
             <p14:sldId id="259"/>
             <p14:sldId id="261"/>
@@ -570,7 +572,7 @@
           <a:p>
             <a:fld id="{926BFB2E-ED9B-FE4A-A569-A62DBFBACDD7}" type="slidenum">
               <a:rPr lang="en-US" smtClean="0"/>
-              <a:t>3</a:t>
+              <a:t>2</a:t>
             </a:fld>
             <a:endParaRPr lang="en-US"/>
           </a:p>
@@ -579,7 +581,7 @@
     </p:spTree>
     <p:extLst>
       <p:ext uri="{BB962C8B-B14F-4D97-AF65-F5344CB8AC3E}">
-        <p14:creationId xmlns:p14="http://schemas.microsoft.com/office/powerpoint/2010/main" val="2293920677"/>
+        <p14:creationId xmlns:p14="http://schemas.microsoft.com/office/powerpoint/2010/main" val="2771546854"/>
       </p:ext>
     </p:extLst>
   </p:cSld>
@@ -663,7 +665,7 @@
     </p:spTree>
     <p:extLst>
       <p:ext uri="{BB962C8B-B14F-4D97-AF65-F5344CB8AC3E}">
-        <p14:creationId xmlns:p14="http://schemas.microsoft.com/office/powerpoint/2010/main" val="2562499369"/>
+        <p14:creationId xmlns:p14="http://schemas.microsoft.com/office/powerpoint/2010/main" val="3434539173"/>
       </p:ext>
     </p:extLst>
   </p:cSld>
@@ -739,6 +741,90 @@
             <a:fld id="{926BFB2E-ED9B-FE4A-A569-A62DBFBACDD7}" type="slidenum">
               <a:rPr lang="en-US" smtClean="0"/>
               <a:t>13</a:t>
+            </a:fld>
+            <a:endParaRPr lang="en-US"/>
+          </a:p>
+        </p:txBody>
+      </p:sp>
+    </p:spTree>
+    <p:extLst>
+      <p:ext uri="{BB962C8B-B14F-4D97-AF65-F5344CB8AC3E}">
+        <p14:creationId xmlns:p14="http://schemas.microsoft.com/office/powerpoint/2010/main" val="2562499369"/>
+      </p:ext>
+    </p:extLst>
+  </p:cSld>
+  <p:clrMapOvr>
+    <a:masterClrMapping/>
+  </p:clrMapOvr>
+</p:notes>
+</file>
+
+<file path=ppt/notesSlides/notesSlide12.xml><?xml version="1.0" encoding="utf-8"?>
+<p:notes xmlns:a="http://schemas.openxmlformats.org/drawingml/2006/main" xmlns:r="http://schemas.openxmlformats.org/officeDocument/2006/relationships" xmlns:p="http://schemas.openxmlformats.org/presentationml/2006/main">
+  <p:cSld>
+    <p:spTree>
+      <p:nvGrpSpPr>
+        <p:cNvPr id="1" name=""/>
+        <p:cNvGrpSpPr/>
+        <p:nvPr/>
+      </p:nvGrpSpPr>
+      <p:grpSpPr>
+        <a:xfrm>
+          <a:off x="0" y="0"/>
+          <a:ext cx="0" cy="0"/>
+          <a:chOff x="0" y="0"/>
+          <a:chExt cx="0" cy="0"/>
+        </a:xfrm>
+      </p:grpSpPr>
+      <p:sp>
+        <p:nvSpPr>
+          <p:cNvPr id="2" name="Slide Image Placeholder 1"/>
+          <p:cNvSpPr>
+            <a:spLocks noGrp="1" noRot="1" noChangeAspect="1"/>
+          </p:cNvSpPr>
+          <p:nvPr>
+            <p:ph type="sldImg"/>
+          </p:nvPr>
+        </p:nvSpPr>
+        <p:spPr/>
+      </p:sp>
+      <p:sp>
+        <p:nvSpPr>
+          <p:cNvPr id="3" name="Notes Placeholder 2"/>
+          <p:cNvSpPr>
+            <a:spLocks noGrp="1"/>
+          </p:cNvSpPr>
+          <p:nvPr>
+            <p:ph type="body" idx="1"/>
+          </p:nvPr>
+        </p:nvSpPr>
+        <p:spPr/>
+        <p:txBody>
+          <a:bodyPr/>
+          <a:lstStyle/>
+          <a:p>
+            <a:endParaRPr lang="en-US" dirty="0"/>
+          </a:p>
+        </p:txBody>
+      </p:sp>
+      <p:sp>
+        <p:nvSpPr>
+          <p:cNvPr id="4" name="Slide Number Placeholder 3"/>
+          <p:cNvSpPr>
+            <a:spLocks noGrp="1"/>
+          </p:cNvSpPr>
+          <p:nvPr>
+            <p:ph type="sldNum" sz="quarter" idx="5"/>
+          </p:nvPr>
+        </p:nvSpPr>
+        <p:spPr/>
+        <p:txBody>
+          <a:bodyPr/>
+          <a:lstStyle/>
+          <a:p>
+            <a:fld id="{926BFB2E-ED9B-FE4A-A569-A62DBFBACDD7}" type="slidenum">
+              <a:rPr lang="en-US" smtClean="0"/>
+              <a:t>14</a:t>
             </a:fld>
             <a:endParaRPr lang="en-US"/>
           </a:p>
@@ -831,7 +917,7 @@
     </p:spTree>
     <p:extLst>
       <p:ext uri="{BB962C8B-B14F-4D97-AF65-F5344CB8AC3E}">
-        <p14:creationId xmlns:p14="http://schemas.microsoft.com/office/powerpoint/2010/main" val="1992019798"/>
+        <p14:creationId xmlns:p14="http://schemas.microsoft.com/office/powerpoint/2010/main" val="2293920677"/>
       </p:ext>
     </p:extLst>
   </p:cSld>
@@ -915,7 +1001,7 @@
     </p:spTree>
     <p:extLst>
       <p:ext uri="{BB962C8B-B14F-4D97-AF65-F5344CB8AC3E}">
-        <p14:creationId xmlns:p14="http://schemas.microsoft.com/office/powerpoint/2010/main" val="4091741740"/>
+        <p14:creationId xmlns:p14="http://schemas.microsoft.com/office/powerpoint/2010/main" val="1992019798"/>
       </p:ext>
     </p:extLst>
   </p:cSld>
@@ -999,7 +1085,7 @@
     </p:spTree>
     <p:extLst>
       <p:ext uri="{BB962C8B-B14F-4D97-AF65-F5344CB8AC3E}">
-        <p14:creationId xmlns:p14="http://schemas.microsoft.com/office/powerpoint/2010/main" val="2430316426"/>
+        <p14:creationId xmlns:p14="http://schemas.microsoft.com/office/powerpoint/2010/main" val="4091741740"/>
       </p:ext>
     </p:extLst>
   </p:cSld>
@@ -1083,7 +1169,7 @@
     </p:spTree>
     <p:extLst>
       <p:ext uri="{BB962C8B-B14F-4D97-AF65-F5344CB8AC3E}">
-        <p14:creationId xmlns:p14="http://schemas.microsoft.com/office/powerpoint/2010/main" val="4116571484"/>
+        <p14:creationId xmlns:p14="http://schemas.microsoft.com/office/powerpoint/2010/main" val="2430316426"/>
       </p:ext>
     </p:extLst>
   </p:cSld>
@@ -1137,35 +1223,6 @@
           <a:bodyPr/>
           <a:lstStyle/>
           <a:p>
-            <a:pPr marL="0" marR="0" lvl="0" indent="0" algn="l" defTabSz="914400" rtl="0" eaLnBrk="1" fontAlgn="auto" latinLnBrk="0" hangingPunct="1">
-              <a:lnSpc>
-                <a:spcPct val="100000"/>
-              </a:lnSpc>
-              <a:spcBef>
-                <a:spcPts val="0"/>
-              </a:spcBef>
-              <a:spcAft>
-                <a:spcPts val="0"/>
-              </a:spcAft>
-              <a:buClrTx/>
-              <a:buSzTx/>
-              <a:buFontTx/>
-              <a:buNone/>
-              <a:tabLst/>
-              <a:defRPr/>
-            </a:pPr>
-            <a:r>
-              <a:rPr lang="az-Cyrl-AZ" b="0" dirty="0">
-                <a:solidFill>
-                  <a:srgbClr val="CCCCCC"/>
-                </a:solidFill>
-                <a:effectLst/>
-                <a:latin typeface="Menlo" panose="020B0609030804020204" pitchFamily="49" charset="0"/>
-              </a:rPr>
-              <a:t>Хонг Сюй </a:t>
-            </a:r>
-          </a:p>
-          <a:p>
             <a:endParaRPr lang="en-US" dirty="0"/>
           </a:p>
         </p:txBody>
@@ -1196,7 +1253,7 @@
     </p:spTree>
     <p:extLst>
       <p:ext uri="{BB962C8B-B14F-4D97-AF65-F5344CB8AC3E}">
-        <p14:creationId xmlns:p14="http://schemas.microsoft.com/office/powerpoint/2010/main" val="252236471"/>
+        <p14:creationId xmlns:p14="http://schemas.microsoft.com/office/powerpoint/2010/main" val="4116571484"/>
       </p:ext>
     </p:extLst>
   </p:cSld>
@@ -1309,7 +1366,7 @@
     </p:spTree>
     <p:extLst>
       <p:ext uri="{BB962C8B-B14F-4D97-AF65-F5344CB8AC3E}">
-        <p14:creationId xmlns:p14="http://schemas.microsoft.com/office/powerpoint/2010/main" val="3427386546"/>
+        <p14:creationId xmlns:p14="http://schemas.microsoft.com/office/powerpoint/2010/main" val="252236471"/>
       </p:ext>
     </p:extLst>
   </p:cSld>
@@ -1363,6 +1420,35 @@
           <a:bodyPr/>
           <a:lstStyle/>
           <a:p>
+            <a:pPr marL="0" marR="0" lvl="0" indent="0" algn="l" defTabSz="914400" rtl="0" eaLnBrk="1" fontAlgn="auto" latinLnBrk="0" hangingPunct="1">
+              <a:lnSpc>
+                <a:spcPct val="100000"/>
+              </a:lnSpc>
+              <a:spcBef>
+                <a:spcPts val="0"/>
+              </a:spcBef>
+              <a:spcAft>
+                <a:spcPts val="0"/>
+              </a:spcAft>
+              <a:buClrTx/>
+              <a:buSzTx/>
+              <a:buFontTx/>
+              <a:buNone/>
+              <a:tabLst/>
+              <a:defRPr/>
+            </a:pPr>
+            <a:r>
+              <a:rPr lang="az-Cyrl-AZ" b="0" dirty="0">
+                <a:solidFill>
+                  <a:srgbClr val="CCCCCC"/>
+                </a:solidFill>
+                <a:effectLst/>
+                <a:latin typeface="Menlo" panose="020B0609030804020204" pitchFamily="49" charset="0"/>
+              </a:rPr>
+              <a:t>Хонг Сюй </a:t>
+            </a:r>
+          </a:p>
+          <a:p>
             <a:endParaRPr lang="en-US" dirty="0"/>
           </a:p>
         </p:txBody>
@@ -1393,7 +1479,7 @@
     </p:spTree>
     <p:extLst>
       <p:ext uri="{BB962C8B-B14F-4D97-AF65-F5344CB8AC3E}">
-        <p14:creationId xmlns:p14="http://schemas.microsoft.com/office/powerpoint/2010/main" val="84484294"/>
+        <p14:creationId xmlns:p14="http://schemas.microsoft.com/office/powerpoint/2010/main" val="3427386546"/>
       </p:ext>
     </p:extLst>
   </p:cSld>
@@ -1477,7 +1563,7 @@
     </p:spTree>
     <p:extLst>
       <p:ext uri="{BB962C8B-B14F-4D97-AF65-F5344CB8AC3E}">
-        <p14:creationId xmlns:p14="http://schemas.microsoft.com/office/powerpoint/2010/main" val="3434539173"/>
+        <p14:creationId xmlns:p14="http://schemas.microsoft.com/office/powerpoint/2010/main" val="84484294"/>
       </p:ext>
     </p:extLst>
   </p:cSld>
@@ -5016,10 +5102,10 @@
       </p:grpSpPr>
       <p:pic>
         <p:nvPicPr>
-          <p:cNvPr id="1026" name="Picture 2" descr="Image">
-            <a:extLst>
-              <a:ext uri="{FF2B5EF4-FFF2-40B4-BE49-F238E27FC236}">
-                <a16:creationId xmlns:a16="http://schemas.microsoft.com/office/drawing/2014/main" id="{36D76745-1717-2F81-B8A8-05514344CC77}"/>
+          <p:cNvPr id="12" name="Picture 2" descr="Image">
+            <a:extLst>
+              <a:ext uri="{FF2B5EF4-FFF2-40B4-BE49-F238E27FC236}">
+                <a16:creationId xmlns:a16="http://schemas.microsoft.com/office/drawing/2014/main" id="{F9599693-38F7-3097-432A-776886EBB2B8}"/>
               </a:ext>
             </a:extLst>
           </p:cNvPr>
@@ -5059,90 +5145,57 @@
           </a:extLst>
         </p:spPr>
       </p:pic>
-      <p:sp>
-        <p:nvSpPr>
-          <p:cNvPr id="5" name="TextBox 4">
-            <a:extLst>
-              <a:ext uri="{FF2B5EF4-FFF2-40B4-BE49-F238E27FC236}">
-                <a16:creationId xmlns:a16="http://schemas.microsoft.com/office/drawing/2014/main" id="{5ED4859C-2D53-8683-880F-0AF20554C879}"/>
-              </a:ext>
-            </a:extLst>
-          </p:cNvPr>
-          <p:cNvSpPr txBox="1"/>
+      <p:pic>
+        <p:nvPicPr>
+          <p:cNvPr id="15" name="Picture 2" descr="Image">
+            <a:extLst>
+              <a:ext uri="{FF2B5EF4-FFF2-40B4-BE49-F238E27FC236}">
+                <a16:creationId xmlns:a16="http://schemas.microsoft.com/office/drawing/2014/main" id="{8AF25FF2-3D53-F8B3-666A-101DC6E0FA78}"/>
+              </a:ext>
+            </a:extLst>
+          </p:cNvPr>
+          <p:cNvPicPr>
+            <a:picLocks noChangeAspect="1" noChangeArrowheads="1"/>
+          </p:cNvPicPr>
           <p:nvPr/>
-        </p:nvSpPr>
-        <p:spPr>
-          <a:xfrm>
-            <a:off x="4517929" y="1502404"/>
-            <a:ext cx="4378633" cy="1862048"/>
+        </p:nvPicPr>
+        <p:blipFill rotWithShape="1">
+          <a:blip r:embed="rId3">
+            <a:extLst>
+              <a:ext uri="{28A0092B-C50C-407E-A947-70E740481C1C}">
+                <a14:useLocalDpi xmlns:a14="http://schemas.microsoft.com/office/drawing/2010/main" val="0"/>
+              </a:ext>
+            </a:extLst>
+          </a:blip>
+          <a:srcRect r="47237"/>
+          <a:stretch/>
+        </p:blipFill>
+        <p:spPr bwMode="auto">
+          <a:xfrm>
+            <a:off x="345686" y="1115587"/>
+            <a:ext cx="5430646" cy="4469498"/>
           </a:xfrm>
           <a:prstGeom prst="rect">
             <a:avLst/>
           </a:prstGeom>
           <a:noFill/>
-        </p:spPr>
-        <p:txBody>
-          <a:bodyPr wrap="square" rtlCol="0">
-            <a:spAutoFit/>
-          </a:bodyPr>
-          <a:lstStyle/>
-          <a:p>
-            <a:r>
-              <a:rPr lang="en-US" sz="11500" spc="-300" dirty="0">
-                <a:solidFill>
-                  <a:srgbClr val="EE7D30"/>
-                </a:solidFill>
-                <a:latin typeface="Arial" panose="020B0604020202020204" pitchFamily="34" charset="0"/>
-                <a:cs typeface="Arial" panose="020B0604020202020204" pitchFamily="34" charset="0"/>
-              </a:rPr>
-              <a:t>Dr.</a:t>
-            </a:r>
-            <a:r>
-              <a:rPr lang="en-US" sz="6600" spc="-300" dirty="0">
-                <a:solidFill>
-                  <a:srgbClr val="EE7D30"/>
-                </a:solidFill>
-                <a:latin typeface="Arial" panose="020B0604020202020204" pitchFamily="34" charset="0"/>
-                <a:cs typeface="Arial" panose="020B0604020202020204" pitchFamily="34" charset="0"/>
-              </a:rPr>
-              <a:t> </a:t>
-            </a:r>
-            <a:r>
-              <a:rPr lang="en-US" sz="11500" spc="-300" dirty="0">
-                <a:solidFill>
-                  <a:srgbClr val="EE7D30"/>
-                </a:solidFill>
-                <a:latin typeface="Arial" panose="020B0604020202020204" pitchFamily="34" charset="0"/>
-                <a:cs typeface="Arial" panose="020B0604020202020204" pitchFamily="34" charset="0"/>
-              </a:rPr>
-              <a:t>X</a:t>
-            </a:r>
-            <a:r>
-              <a:rPr lang="en-US" sz="8800" spc="-300" dirty="0">
-                <a:solidFill>
-                  <a:srgbClr val="EE7D30"/>
-                </a:solidFill>
-                <a:latin typeface="Arial" panose="020B0604020202020204" pitchFamily="34" charset="0"/>
-                <a:cs typeface="Arial" panose="020B0604020202020204" pitchFamily="34" charset="0"/>
-              </a:rPr>
-              <a:t>Ü</a:t>
-            </a:r>
-            <a:endParaRPr lang="en-US" sz="9600" spc="-300" dirty="0">
-              <a:solidFill>
-                <a:srgbClr val="EE7D30"/>
-              </a:solidFill>
-              <a:latin typeface="Arial" panose="020B0604020202020204" pitchFamily="34" charset="0"/>
-              <a:cs typeface="Arial" panose="020B0604020202020204" pitchFamily="34" charset="0"/>
-            </a:endParaRPr>
-          </a:p>
-        </p:txBody>
-      </p:sp>
-      <p:sp>
-        <p:nvSpPr>
-          <p:cNvPr id="6" name="TextBox 5">
-            <a:extLst>
-              <a:ext uri="{FF2B5EF4-FFF2-40B4-BE49-F238E27FC236}">
-                <a16:creationId xmlns:a16="http://schemas.microsoft.com/office/drawing/2014/main" id="{4DFBD53B-29E4-A9DB-B886-CF96C0991B6D}"/>
+          <a:extLst>
+            <a:ext uri="{909E8E84-426E-40DD-AFC4-6F175D3DCCD1}">
+              <a14:hiddenFill xmlns:a14="http://schemas.microsoft.com/office/drawing/2010/main">
+                <a:solidFill>
+                  <a:srgbClr val="FFFFFF"/>
+                </a:solidFill>
+              </a14:hiddenFill>
+            </a:ext>
+          </a:extLst>
+        </p:spPr>
+      </p:pic>
+      <p:sp>
+        <p:nvSpPr>
+          <p:cNvPr id="11" name="TextBox 10">
+            <a:extLst>
+              <a:ext uri="{FF2B5EF4-FFF2-40B4-BE49-F238E27FC236}">
+                <a16:creationId xmlns:a16="http://schemas.microsoft.com/office/drawing/2014/main" id="{B90CB2AB-23C2-CC33-E4E7-A0C19758A6C2}"/>
               </a:ext>
             </a:extLst>
           </p:cNvPr>
@@ -5151,8 +5204,8 @@
         </p:nvSpPr>
         <p:spPr>
           <a:xfrm>
-            <a:off x="4517928" y="3020161"/>
-            <a:ext cx="4378634" cy="1862048"/>
+            <a:off x="11042143" y="1115587"/>
+            <a:ext cx="3360266" cy="2215991"/>
           </a:xfrm>
           <a:prstGeom prst="rect">
             <a:avLst/>
@@ -5166,49 +5219,98 @@
           <a:lstStyle/>
           <a:p>
             <a:r>
-              <a:rPr lang="en-US" sz="11500" spc="300" dirty="0">
+              <a:rPr lang="ar-AE" sz="13800" spc="600" dirty="0">
+                <a:solidFill>
+                  <a:srgbClr val="EE7D30"/>
+                </a:solidFill>
+                <a:latin typeface="Arial" panose="020B0604020202020204" pitchFamily="34" charset="0"/>
+                <a:ea typeface="Osaka" panose="020B0600000000000000" pitchFamily="34" charset="-128"/>
+                <a:cs typeface="Arial" panose="020B0604020202020204" pitchFamily="34" charset="0"/>
+              </a:rPr>
+              <a:t>د.شو</a:t>
+            </a:r>
+          </a:p>
+        </p:txBody>
+      </p:sp>
+      <p:sp>
+        <p:nvSpPr>
+          <p:cNvPr id="13" name="TextBox 12">
+            <a:extLst>
+              <a:ext uri="{FF2B5EF4-FFF2-40B4-BE49-F238E27FC236}">
+                <a16:creationId xmlns:a16="http://schemas.microsoft.com/office/drawing/2014/main" id="{D615DA0C-1478-EABF-606D-85BA2D32DE73}"/>
+              </a:ext>
+            </a:extLst>
+          </p:cNvPr>
+          <p:cNvSpPr txBox="1"/>
+          <p:nvPr/>
+        </p:nvSpPr>
+        <p:spPr>
+          <a:xfrm>
+            <a:off x="11144065" y="2741884"/>
+            <a:ext cx="3258343" cy="2215991"/>
+          </a:xfrm>
+          <a:prstGeom prst="rect">
+            <a:avLst/>
+          </a:prstGeom>
+          <a:noFill/>
+        </p:spPr>
+        <p:txBody>
+          <a:bodyPr wrap="square">
+            <a:spAutoFit/>
+          </a:bodyPr>
+          <a:lstStyle/>
+          <a:p>
+            <a:r>
+              <a:rPr lang="ar-AE" sz="13800" spc="600" dirty="0">
                 <a:solidFill>
                   <a:srgbClr val="193C7D"/>
                 </a:solidFill>
                 <a:latin typeface="Arial" panose="020B0604020202020204" pitchFamily="34" charset="0"/>
                 <a:cs typeface="Arial" panose="020B0604020202020204" pitchFamily="34" charset="0"/>
               </a:rPr>
-              <a:t>H</a:t>
-            </a:r>
-            <a:r>
-              <a:rPr lang="en-US" sz="8800" spc="300" dirty="0">
-                <a:solidFill>
-                  <a:srgbClr val="193C7D"/>
-                </a:solidFill>
-                <a:latin typeface="Arial" panose="020B0604020202020204" pitchFamily="34" charset="0"/>
-                <a:cs typeface="Arial" panose="020B0604020202020204" pitchFamily="34" charset="0"/>
-              </a:rPr>
-              <a:t>ONG</a:t>
-            </a:r>
-            <a:r>
-              <a:rPr lang="zh-CN" altLang="en-US" sz="9600" spc="300" dirty="0">
-                <a:solidFill>
-                  <a:srgbClr val="193C7D"/>
-                </a:solidFill>
-                <a:latin typeface="Arial" panose="020B0604020202020204" pitchFamily="34" charset="0"/>
-                <a:cs typeface="Arial" panose="020B0604020202020204" pitchFamily="34" charset="0"/>
-              </a:rPr>
-              <a:t> </a:t>
-            </a:r>
-            <a:endParaRPr lang="en-US" altLang="zh-CN" sz="9600" spc="300" dirty="0">
+              <a:t>هونغ</a:t>
+            </a:r>
+            <a:endParaRPr lang="en-US" sz="9600" spc="600" dirty="0">
               <a:solidFill>
                 <a:srgbClr val="193C7D"/>
               </a:solidFill>
-              <a:latin typeface="Arial" panose="020B0604020202020204" pitchFamily="34" charset="0"/>
-              <a:cs typeface="Arial" panose="020B0604020202020204" pitchFamily="34" charset="0"/>
             </a:endParaRPr>
           </a:p>
         </p:txBody>
       </p:sp>
+      <p:pic>
+        <p:nvPicPr>
+          <p:cNvPr id="17" name="Picture 16">
+            <a:extLst>
+              <a:ext uri="{FF2B5EF4-FFF2-40B4-BE49-F238E27FC236}">
+                <a16:creationId xmlns:a16="http://schemas.microsoft.com/office/drawing/2014/main" id="{2BAF8D54-0234-AE59-E297-6F53B08F45BB}"/>
+              </a:ext>
+            </a:extLst>
+          </p:cNvPr>
+          <p:cNvPicPr>
+            <a:picLocks noChangeAspect="1"/>
+          </p:cNvPicPr>
+          <p:nvPr/>
+        </p:nvPicPr>
+        <p:blipFill rotWithShape="1">
+          <a:blip r:embed="rId4"/>
+          <a:srcRect l="14200" t="15198" r="25857" b="17307"/>
+          <a:stretch/>
+        </p:blipFill>
+        <p:spPr>
+          <a:xfrm>
+            <a:off x="5836626" y="1496780"/>
+            <a:ext cx="3448594" cy="3557328"/>
+          </a:xfrm>
+          <a:prstGeom prst="rect">
+            <a:avLst/>
+          </a:prstGeom>
+        </p:spPr>
+      </p:pic>
     </p:spTree>
     <p:extLst>
       <p:ext uri="{BB962C8B-B14F-4D97-AF65-F5344CB8AC3E}">
-        <p14:creationId xmlns:p14="http://schemas.microsoft.com/office/powerpoint/2010/main" val="2364077987"/>
+        <p14:creationId xmlns:p14="http://schemas.microsoft.com/office/powerpoint/2010/main" val="3709372373"/>
       </p:ext>
     </p:extLst>
   </p:cSld>
@@ -5346,7 +5448,7 @@
                 <a:latin typeface="Arial" panose="020B0604020202020204" pitchFamily="34" charset="0"/>
                 <a:cs typeface="Arial" panose="020B0604020202020204" pitchFamily="34" charset="0"/>
               </a:rPr>
-              <a:t>Ú</a:t>
+              <a:t>Ü</a:t>
             </a:r>
             <a:endParaRPr lang="en-US" sz="9600" spc="-300" dirty="0">
               <a:solidFill>
@@ -5373,7 +5475,7 @@
         <p:spPr>
           <a:xfrm>
             <a:off x="4517928" y="3020161"/>
-            <a:ext cx="4378633" cy="1862048"/>
+            <a:ext cx="4378634" cy="1862048"/>
           </a:xfrm>
           <a:prstGeom prst="rect">
             <a:avLst/>
@@ -5404,7 +5506,7 @@
                 <a:latin typeface="Arial" panose="020B0604020202020204" pitchFamily="34" charset="0"/>
                 <a:cs typeface="Arial" panose="020B0604020202020204" pitchFamily="34" charset="0"/>
               </a:rPr>
-              <a:t>ÓNG</a:t>
+              <a:t>ONG</a:t>
             </a:r>
             <a:r>
               <a:rPr lang="zh-CN" altLang="en-US" sz="9600" spc="300" dirty="0">
@@ -5429,7 +5531,7 @@
     </p:spTree>
     <p:extLst>
       <p:ext uri="{BB962C8B-B14F-4D97-AF65-F5344CB8AC3E}">
-        <p14:creationId xmlns:p14="http://schemas.microsoft.com/office/powerpoint/2010/main" val="2453739998"/>
+        <p14:creationId xmlns:p14="http://schemas.microsoft.com/office/powerpoint/2010/main" val="2364077987"/>
       </p:ext>
     </p:extLst>
   </p:cSld>
@@ -5625,7 +5727,7 @@
                 <a:latin typeface="Arial" panose="020B0604020202020204" pitchFamily="34" charset="0"/>
                 <a:cs typeface="Arial" panose="020B0604020202020204" pitchFamily="34" charset="0"/>
               </a:rPr>
-              <a:t>ONG</a:t>
+              <a:t>ÓNG</a:t>
             </a:r>
             <a:r>
               <a:rPr lang="zh-CN" altLang="en-US" sz="9600" spc="300" dirty="0">
@@ -5650,7 +5752,7 @@
     </p:spTree>
     <p:extLst>
       <p:ext uri="{BB962C8B-B14F-4D97-AF65-F5344CB8AC3E}">
-        <p14:creationId xmlns:p14="http://schemas.microsoft.com/office/powerpoint/2010/main" val="2573971696"/>
+        <p14:creationId xmlns:p14="http://schemas.microsoft.com/office/powerpoint/2010/main" val="2453739998"/>
       </p:ext>
     </p:extLst>
   </p:cSld>
@@ -5724,10 +5826,10 @@
       </p:pic>
       <p:sp>
         <p:nvSpPr>
-          <p:cNvPr id="6" name="TextBox 5">
-            <a:extLst>
-              <a:ext uri="{FF2B5EF4-FFF2-40B4-BE49-F238E27FC236}">
-                <a16:creationId xmlns:a16="http://schemas.microsoft.com/office/drawing/2014/main" id="{4DFBD53B-29E4-A9DB-B886-CF96C0991B6D}"/>
+          <p:cNvPr id="5" name="TextBox 4">
+            <a:extLst>
+              <a:ext uri="{FF2B5EF4-FFF2-40B4-BE49-F238E27FC236}">
+                <a16:creationId xmlns:a16="http://schemas.microsoft.com/office/drawing/2014/main" id="{5ED4859C-2D53-8683-880F-0AF20554C879}"/>
               </a:ext>
             </a:extLst>
           </p:cNvPr>
@@ -5736,8 +5838,8 @@
         </p:nvSpPr>
         <p:spPr>
           <a:xfrm>
-            <a:off x="8831735" y="1223633"/>
-            <a:ext cx="3360266" cy="2215991"/>
+            <a:off x="4517929" y="1502404"/>
+            <a:ext cx="4378633" cy="1862048"/>
           </a:xfrm>
           <a:prstGeom prst="rect">
             <a:avLst/>
@@ -5751,93 +5853,25 @@
           <a:lstStyle/>
           <a:p>
             <a:r>
-              <a:rPr lang="ar-AE" sz="13800" spc="-300" dirty="0">
+              <a:rPr lang="en-US" sz="11500" spc="-300" dirty="0">
                 <a:solidFill>
                   <a:srgbClr val="EE7D30"/>
                 </a:solidFill>
                 <a:latin typeface="Arial" panose="020B0604020202020204" pitchFamily="34" charset="0"/>
-                <a:ea typeface="Osaka" panose="020B0600000000000000" pitchFamily="34" charset="-128"/>
-                <a:cs typeface="Arial" panose="020B0604020202020204" pitchFamily="34" charset="0"/>
-              </a:rPr>
-              <a:t>د.شو</a:t>
-            </a:r>
-          </a:p>
-        </p:txBody>
-      </p:sp>
-      <p:sp>
-        <p:nvSpPr>
-          <p:cNvPr id="3" name="TextBox 2">
-            <a:extLst>
-              <a:ext uri="{FF2B5EF4-FFF2-40B4-BE49-F238E27FC236}">
-                <a16:creationId xmlns:a16="http://schemas.microsoft.com/office/drawing/2014/main" id="{2C070E27-2E91-F385-8BE6-8C4138778241}"/>
-              </a:ext>
-            </a:extLst>
-          </p:cNvPr>
-          <p:cNvSpPr txBox="1"/>
-          <p:nvPr/>
-        </p:nvSpPr>
-        <p:spPr>
-          <a:xfrm>
-            <a:off x="8933657" y="2707258"/>
-            <a:ext cx="3258343" cy="2215991"/>
-          </a:xfrm>
-          <a:prstGeom prst="rect">
-            <a:avLst/>
-          </a:prstGeom>
-          <a:noFill/>
-        </p:spPr>
-        <p:txBody>
-          <a:bodyPr wrap="square">
-            <a:spAutoFit/>
-          </a:bodyPr>
-          <a:lstStyle/>
-          <a:p>
-            <a:r>
-              <a:rPr lang="ar-AE" sz="13800" spc="-300" dirty="0">
-                <a:solidFill>
-                  <a:srgbClr val="193C7D"/>
-                </a:solidFill>
-                <a:latin typeface="Arial" panose="020B0604020202020204" pitchFamily="34" charset="0"/>
-                <a:cs typeface="Arial" panose="020B0604020202020204" pitchFamily="34" charset="0"/>
-              </a:rPr>
-              <a:t>هونغ</a:t>
-            </a:r>
-            <a:endParaRPr lang="en-US" sz="9600" spc="-300" dirty="0">
-              <a:solidFill>
-                <a:srgbClr val="193C7D"/>
-              </a:solidFill>
-            </a:endParaRPr>
-          </a:p>
-        </p:txBody>
-      </p:sp>
-      <p:sp>
-        <p:nvSpPr>
-          <p:cNvPr id="2" name="TextBox 1">
-            <a:extLst>
-              <a:ext uri="{FF2B5EF4-FFF2-40B4-BE49-F238E27FC236}">
-                <a16:creationId xmlns:a16="http://schemas.microsoft.com/office/drawing/2014/main" id="{D8CA99EA-F7FA-9D28-1B27-056CD7FD5044}"/>
-              </a:ext>
-            </a:extLst>
-          </p:cNvPr>
-          <p:cNvSpPr txBox="1"/>
-          <p:nvPr/>
-        </p:nvSpPr>
-        <p:spPr>
-          <a:xfrm>
-            <a:off x="4517929" y="1502404"/>
-            <a:ext cx="4378633" cy="1862048"/>
-          </a:xfrm>
-          <a:prstGeom prst="rect">
-            <a:avLst/>
-          </a:prstGeom>
-          <a:noFill/>
-        </p:spPr>
-        <p:txBody>
-          <a:bodyPr wrap="square" rtlCol="0">
-            <a:spAutoFit/>
-          </a:bodyPr>
-          <a:lstStyle/>
-          <a:p>
+                <a:cs typeface="Arial" panose="020B0604020202020204" pitchFamily="34" charset="0"/>
+              </a:rPr>
+              <a:t>Dr.</a:t>
+            </a:r>
+            <a:r>
+              <a:rPr lang="en-US" sz="6600" spc="-300" dirty="0">
+                <a:solidFill>
+                  <a:srgbClr val="EE7D30"/>
+                </a:solidFill>
+                <a:latin typeface="Arial" panose="020B0604020202020204" pitchFamily="34" charset="0"/>
+                <a:cs typeface="Arial" panose="020B0604020202020204" pitchFamily="34" charset="0"/>
+              </a:rPr>
+              <a:t> </a:t>
+            </a:r>
             <a:r>
               <a:rPr lang="en-US" sz="11500" spc="-300" dirty="0">
                 <a:solidFill>
@@ -5846,37 +5880,17 @@
                 <a:latin typeface="Arial" panose="020B0604020202020204" pitchFamily="34" charset="0"/>
                 <a:cs typeface="Arial" panose="020B0604020202020204" pitchFamily="34" charset="0"/>
               </a:rPr>
-              <a:t>Dr.</a:t>
-            </a:r>
-            <a:r>
-              <a:rPr lang="en-US" sz="6600" spc="-300" dirty="0">
+              <a:t>X</a:t>
+            </a:r>
+            <a:r>
+              <a:rPr lang="en-US" sz="8800" spc="-300" dirty="0">
                 <a:solidFill>
                   <a:srgbClr val="EE7D30"/>
                 </a:solidFill>
                 <a:latin typeface="Arial" panose="020B0604020202020204" pitchFamily="34" charset="0"/>
                 <a:cs typeface="Arial" panose="020B0604020202020204" pitchFamily="34" charset="0"/>
               </a:rPr>
-              <a:t> </a:t>
-            </a:r>
-            <a:r>
-              <a:rPr lang="en-US" sz="11500" spc="-300" dirty="0">
-                <a:solidFill>
-                  <a:srgbClr val="EE7D30"/>
-                </a:solidFill>
-                <a:latin typeface="Arial" panose="020B0604020202020204" pitchFamily="34" charset="0"/>
-                <a:cs typeface="Arial" panose="020B0604020202020204" pitchFamily="34" charset="0"/>
-              </a:rPr>
-              <a:t>X</a:t>
-            </a:r>
-            <a:r>
-              <a:rPr lang="en-US" sz="8800" spc="-300" dirty="0">
-                <a:solidFill>
-                  <a:srgbClr val="EE7D30"/>
-                </a:solidFill>
-                <a:latin typeface="Arial" panose="020B0604020202020204" pitchFamily="34" charset="0"/>
-                <a:cs typeface="Arial" panose="020B0604020202020204" pitchFamily="34" charset="0"/>
-              </a:rPr>
-              <a:t>U</a:t>
+              <a:t>Ú</a:t>
             </a:r>
             <a:endParaRPr lang="en-US" sz="9600" spc="-300" dirty="0">
               <a:solidFill>
@@ -5890,10 +5904,10 @@
       </p:sp>
       <p:sp>
         <p:nvSpPr>
-          <p:cNvPr id="5" name="TextBox 4">
-            <a:extLst>
-              <a:ext uri="{FF2B5EF4-FFF2-40B4-BE49-F238E27FC236}">
-                <a16:creationId xmlns:a16="http://schemas.microsoft.com/office/drawing/2014/main" id="{B79BC6B3-47FB-5E60-599C-7D91CC2A8ED5}"/>
+          <p:cNvPr id="6" name="TextBox 5">
+            <a:extLst>
+              <a:ext uri="{FF2B5EF4-FFF2-40B4-BE49-F238E27FC236}">
+                <a16:creationId xmlns:a16="http://schemas.microsoft.com/office/drawing/2014/main" id="{4DFBD53B-29E4-A9DB-B886-CF96C0991B6D}"/>
               </a:ext>
             </a:extLst>
           </p:cNvPr>
@@ -5903,7 +5917,7 @@
         <p:spPr>
           <a:xfrm>
             <a:off x="4517928" y="3020161"/>
-            <a:ext cx="4378634" cy="1862048"/>
+            <a:ext cx="4378633" cy="1862048"/>
           </a:xfrm>
           <a:prstGeom prst="rect">
             <a:avLst/>
@@ -5959,7 +5973,7 @@
     </p:spTree>
     <p:extLst>
       <p:ext uri="{BB962C8B-B14F-4D97-AF65-F5344CB8AC3E}">
-        <p14:creationId xmlns:p14="http://schemas.microsoft.com/office/powerpoint/2010/main" val="3587914855"/>
+        <p14:creationId xmlns:p14="http://schemas.microsoft.com/office/powerpoint/2010/main" val="2573971696"/>
       </p:ext>
     </p:extLst>
   </p:cSld>
@@ -5988,6 +6002,315 @@
       </p:grpSpPr>
       <p:pic>
         <p:nvPicPr>
+          <p:cNvPr id="1026" name="Picture 2" descr="Image">
+            <a:extLst>
+              <a:ext uri="{FF2B5EF4-FFF2-40B4-BE49-F238E27FC236}">
+                <a16:creationId xmlns:a16="http://schemas.microsoft.com/office/drawing/2014/main" id="{36D76745-1717-2F81-B8A8-05514344CC77}"/>
+              </a:ext>
+            </a:extLst>
+          </p:cNvPr>
+          <p:cNvPicPr>
+            <a:picLocks noChangeAspect="1" noChangeArrowheads="1"/>
+          </p:cNvPicPr>
+          <p:nvPr/>
+        </p:nvPicPr>
+        <p:blipFill rotWithShape="1">
+          <a:blip r:embed="rId3">
+            <a:extLst>
+              <a:ext uri="{28A0092B-C50C-407E-A947-70E740481C1C}">
+                <a14:useLocalDpi xmlns:a14="http://schemas.microsoft.com/office/drawing/2010/main" val="0"/>
+              </a:ext>
+            </a:extLst>
+          </a:blip>
+          <a:srcRect r="63015"/>
+          <a:stretch/>
+        </p:blipFill>
+        <p:spPr bwMode="auto">
+          <a:xfrm>
+            <a:off x="345686" y="1115587"/>
+            <a:ext cx="3806766" cy="4469498"/>
+          </a:xfrm>
+          <a:prstGeom prst="rect">
+            <a:avLst/>
+          </a:prstGeom>
+          <a:noFill/>
+          <a:extLst>
+            <a:ext uri="{909E8E84-426E-40DD-AFC4-6F175D3DCCD1}">
+              <a14:hiddenFill xmlns:a14="http://schemas.microsoft.com/office/drawing/2010/main">
+                <a:solidFill>
+                  <a:srgbClr val="FFFFFF"/>
+                </a:solidFill>
+              </a14:hiddenFill>
+            </a:ext>
+          </a:extLst>
+        </p:spPr>
+      </p:pic>
+      <p:sp>
+        <p:nvSpPr>
+          <p:cNvPr id="6" name="TextBox 5">
+            <a:extLst>
+              <a:ext uri="{FF2B5EF4-FFF2-40B4-BE49-F238E27FC236}">
+                <a16:creationId xmlns:a16="http://schemas.microsoft.com/office/drawing/2014/main" id="{4DFBD53B-29E4-A9DB-B886-CF96C0991B6D}"/>
+              </a:ext>
+            </a:extLst>
+          </p:cNvPr>
+          <p:cNvSpPr txBox="1"/>
+          <p:nvPr/>
+        </p:nvSpPr>
+        <p:spPr>
+          <a:xfrm>
+            <a:off x="8831735" y="1223633"/>
+            <a:ext cx="3360266" cy="2215991"/>
+          </a:xfrm>
+          <a:prstGeom prst="rect">
+            <a:avLst/>
+          </a:prstGeom>
+          <a:noFill/>
+        </p:spPr>
+        <p:txBody>
+          <a:bodyPr wrap="square" rtlCol="0">
+            <a:spAutoFit/>
+          </a:bodyPr>
+          <a:lstStyle/>
+          <a:p>
+            <a:r>
+              <a:rPr lang="ar-AE" sz="13800" spc="-300" dirty="0">
+                <a:solidFill>
+                  <a:srgbClr val="EE7D30"/>
+                </a:solidFill>
+                <a:latin typeface="Arial" panose="020B0604020202020204" pitchFamily="34" charset="0"/>
+                <a:ea typeface="Osaka" panose="020B0600000000000000" pitchFamily="34" charset="-128"/>
+                <a:cs typeface="Arial" panose="020B0604020202020204" pitchFamily="34" charset="0"/>
+              </a:rPr>
+              <a:t>د.شو</a:t>
+            </a:r>
+          </a:p>
+        </p:txBody>
+      </p:sp>
+      <p:sp>
+        <p:nvSpPr>
+          <p:cNvPr id="3" name="TextBox 2">
+            <a:extLst>
+              <a:ext uri="{FF2B5EF4-FFF2-40B4-BE49-F238E27FC236}">
+                <a16:creationId xmlns:a16="http://schemas.microsoft.com/office/drawing/2014/main" id="{2C070E27-2E91-F385-8BE6-8C4138778241}"/>
+              </a:ext>
+            </a:extLst>
+          </p:cNvPr>
+          <p:cNvSpPr txBox="1"/>
+          <p:nvPr/>
+        </p:nvSpPr>
+        <p:spPr>
+          <a:xfrm>
+            <a:off x="8933657" y="2707258"/>
+            <a:ext cx="3258343" cy="2215991"/>
+          </a:xfrm>
+          <a:prstGeom prst="rect">
+            <a:avLst/>
+          </a:prstGeom>
+          <a:noFill/>
+        </p:spPr>
+        <p:txBody>
+          <a:bodyPr wrap="square">
+            <a:spAutoFit/>
+          </a:bodyPr>
+          <a:lstStyle/>
+          <a:p>
+            <a:r>
+              <a:rPr lang="ar-AE" sz="13800" spc="-300" dirty="0">
+                <a:solidFill>
+                  <a:srgbClr val="193C7D"/>
+                </a:solidFill>
+                <a:latin typeface="Arial" panose="020B0604020202020204" pitchFamily="34" charset="0"/>
+                <a:cs typeface="Arial" panose="020B0604020202020204" pitchFamily="34" charset="0"/>
+              </a:rPr>
+              <a:t>هونغ</a:t>
+            </a:r>
+            <a:endParaRPr lang="en-US" sz="9600" spc="-300" dirty="0">
+              <a:solidFill>
+                <a:srgbClr val="193C7D"/>
+              </a:solidFill>
+            </a:endParaRPr>
+          </a:p>
+        </p:txBody>
+      </p:sp>
+      <p:sp>
+        <p:nvSpPr>
+          <p:cNvPr id="2" name="TextBox 1">
+            <a:extLst>
+              <a:ext uri="{FF2B5EF4-FFF2-40B4-BE49-F238E27FC236}">
+                <a16:creationId xmlns:a16="http://schemas.microsoft.com/office/drawing/2014/main" id="{D8CA99EA-F7FA-9D28-1B27-056CD7FD5044}"/>
+              </a:ext>
+            </a:extLst>
+          </p:cNvPr>
+          <p:cNvSpPr txBox="1"/>
+          <p:nvPr/>
+        </p:nvSpPr>
+        <p:spPr>
+          <a:xfrm>
+            <a:off x="4517929" y="1502404"/>
+            <a:ext cx="4378633" cy="1862048"/>
+          </a:xfrm>
+          <a:prstGeom prst="rect">
+            <a:avLst/>
+          </a:prstGeom>
+          <a:noFill/>
+        </p:spPr>
+        <p:txBody>
+          <a:bodyPr wrap="square" rtlCol="0">
+            <a:spAutoFit/>
+          </a:bodyPr>
+          <a:lstStyle/>
+          <a:p>
+            <a:r>
+              <a:rPr lang="en-US" sz="11500" spc="-300" dirty="0">
+                <a:solidFill>
+                  <a:srgbClr val="EE7D30"/>
+                </a:solidFill>
+                <a:latin typeface="Arial" panose="020B0604020202020204" pitchFamily="34" charset="0"/>
+                <a:cs typeface="Arial" panose="020B0604020202020204" pitchFamily="34" charset="0"/>
+              </a:rPr>
+              <a:t>Dr.</a:t>
+            </a:r>
+            <a:r>
+              <a:rPr lang="en-US" sz="6600" spc="-300" dirty="0">
+                <a:solidFill>
+                  <a:srgbClr val="EE7D30"/>
+                </a:solidFill>
+                <a:latin typeface="Arial" panose="020B0604020202020204" pitchFamily="34" charset="0"/>
+                <a:cs typeface="Arial" panose="020B0604020202020204" pitchFamily="34" charset="0"/>
+              </a:rPr>
+              <a:t> </a:t>
+            </a:r>
+            <a:r>
+              <a:rPr lang="en-US" sz="11500" spc="-300" dirty="0">
+                <a:solidFill>
+                  <a:srgbClr val="EE7D30"/>
+                </a:solidFill>
+                <a:latin typeface="Arial" panose="020B0604020202020204" pitchFamily="34" charset="0"/>
+                <a:cs typeface="Arial" panose="020B0604020202020204" pitchFamily="34" charset="0"/>
+              </a:rPr>
+              <a:t>X</a:t>
+            </a:r>
+            <a:r>
+              <a:rPr lang="en-US" sz="8800" spc="-300" dirty="0">
+                <a:solidFill>
+                  <a:srgbClr val="EE7D30"/>
+                </a:solidFill>
+                <a:latin typeface="Arial" panose="020B0604020202020204" pitchFamily="34" charset="0"/>
+                <a:cs typeface="Arial" panose="020B0604020202020204" pitchFamily="34" charset="0"/>
+              </a:rPr>
+              <a:t>U</a:t>
+            </a:r>
+            <a:endParaRPr lang="en-US" sz="9600" spc="-300" dirty="0">
+              <a:solidFill>
+                <a:srgbClr val="EE7D30"/>
+              </a:solidFill>
+              <a:latin typeface="Arial" panose="020B0604020202020204" pitchFamily="34" charset="0"/>
+              <a:cs typeface="Arial" panose="020B0604020202020204" pitchFamily="34" charset="0"/>
+            </a:endParaRPr>
+          </a:p>
+        </p:txBody>
+      </p:sp>
+      <p:sp>
+        <p:nvSpPr>
+          <p:cNvPr id="5" name="TextBox 4">
+            <a:extLst>
+              <a:ext uri="{FF2B5EF4-FFF2-40B4-BE49-F238E27FC236}">
+                <a16:creationId xmlns:a16="http://schemas.microsoft.com/office/drawing/2014/main" id="{B79BC6B3-47FB-5E60-599C-7D91CC2A8ED5}"/>
+              </a:ext>
+            </a:extLst>
+          </p:cNvPr>
+          <p:cNvSpPr txBox="1"/>
+          <p:nvPr/>
+        </p:nvSpPr>
+        <p:spPr>
+          <a:xfrm>
+            <a:off x="4517928" y="3020161"/>
+            <a:ext cx="4378634" cy="1862048"/>
+          </a:xfrm>
+          <a:prstGeom prst="rect">
+            <a:avLst/>
+          </a:prstGeom>
+          <a:noFill/>
+        </p:spPr>
+        <p:txBody>
+          <a:bodyPr wrap="square" rtlCol="0">
+            <a:spAutoFit/>
+          </a:bodyPr>
+          <a:lstStyle/>
+          <a:p>
+            <a:r>
+              <a:rPr lang="en-US" sz="11500" spc="300" dirty="0">
+                <a:solidFill>
+                  <a:srgbClr val="193C7D"/>
+                </a:solidFill>
+                <a:latin typeface="Arial" panose="020B0604020202020204" pitchFamily="34" charset="0"/>
+                <a:cs typeface="Arial" panose="020B0604020202020204" pitchFamily="34" charset="0"/>
+              </a:rPr>
+              <a:t>H</a:t>
+            </a:r>
+            <a:r>
+              <a:rPr lang="en-US" sz="8800" spc="300" dirty="0">
+                <a:solidFill>
+                  <a:srgbClr val="193C7D"/>
+                </a:solidFill>
+                <a:latin typeface="Arial" panose="020B0604020202020204" pitchFamily="34" charset="0"/>
+                <a:cs typeface="Arial" panose="020B0604020202020204" pitchFamily="34" charset="0"/>
+              </a:rPr>
+              <a:t>ONG</a:t>
+            </a:r>
+            <a:r>
+              <a:rPr lang="zh-CN" altLang="en-US" sz="9600" spc="300" dirty="0">
+                <a:solidFill>
+                  <a:srgbClr val="193C7D"/>
+                </a:solidFill>
+                <a:latin typeface="Arial" panose="020B0604020202020204" pitchFamily="34" charset="0"/>
+                <a:cs typeface="Arial" panose="020B0604020202020204" pitchFamily="34" charset="0"/>
+              </a:rPr>
+              <a:t> </a:t>
+            </a:r>
+            <a:endParaRPr lang="en-US" altLang="zh-CN" sz="9600" spc="300" dirty="0">
+              <a:solidFill>
+                <a:srgbClr val="193C7D"/>
+              </a:solidFill>
+              <a:latin typeface="Arial" panose="020B0604020202020204" pitchFamily="34" charset="0"/>
+              <a:cs typeface="Arial" panose="020B0604020202020204" pitchFamily="34" charset="0"/>
+            </a:endParaRPr>
+          </a:p>
+        </p:txBody>
+      </p:sp>
+    </p:spTree>
+    <p:extLst>
+      <p:ext uri="{BB962C8B-B14F-4D97-AF65-F5344CB8AC3E}">
+        <p14:creationId xmlns:p14="http://schemas.microsoft.com/office/powerpoint/2010/main" val="3587914855"/>
+      </p:ext>
+    </p:extLst>
+  </p:cSld>
+  <p:clrMapOvr>
+    <a:masterClrMapping/>
+  </p:clrMapOvr>
+</p:sld>
+</file>
+
+<file path=ppt/slides/slide15.xml><?xml version="1.0" encoding="utf-8"?>
+<p:sld xmlns:a="http://schemas.openxmlformats.org/drawingml/2006/main" xmlns:r="http://schemas.openxmlformats.org/officeDocument/2006/relationships" xmlns:p="http://schemas.openxmlformats.org/presentationml/2006/main">
+  <p:cSld>
+    <p:spTree>
+      <p:nvGrpSpPr>
+        <p:cNvPr id="1" name=""/>
+        <p:cNvGrpSpPr/>
+        <p:nvPr/>
+      </p:nvGrpSpPr>
+      <p:grpSpPr>
+        <a:xfrm>
+          <a:off x="0" y="0"/>
+          <a:ext cx="0" cy="0"/>
+          <a:chOff x="0" y="0"/>
+          <a:chExt cx="0" cy="0"/>
+        </a:xfrm>
+      </p:grpSpPr>
+      <p:pic>
+        <p:nvPicPr>
           <p:cNvPr id="12290" name="Picture 2" descr="Twelve Chinese zodiac stencils">
             <a:extLst>
               <a:ext uri="{FF2B5EF4-FFF2-40B4-BE49-F238E27FC236}">
@@ -6623,7 +6946,7 @@
 </p:sld>
 </file>
 
-<file path=ppt/slides/slide15.xml><?xml version="1.0" encoding="utf-8"?>
+<file path=ppt/slides/slide16.xml><?xml version="1.0" encoding="utf-8"?>
 <p:sld xmlns:a="http://schemas.openxmlformats.org/drawingml/2006/main" xmlns:r="http://schemas.openxmlformats.org/officeDocument/2006/relationships" xmlns:p="http://schemas.openxmlformats.org/presentationml/2006/main" show="0">
   <p:cSld>
     <p:spTree>
@@ -6874,7 +7197,7 @@
           <p:nvPr/>
         </p:nvPicPr>
         <p:blipFill rotWithShape="1">
-          <a:blip r:embed="rId2">
+          <a:blip r:embed="rId3">
             <a:extLst>
               <a:ext uri="{28A0092B-C50C-407E-A947-70E740481C1C}">
                 <a14:useLocalDpi xmlns:a14="http://schemas.microsoft.com/office/drawing/2010/main" val="0"/>
@@ -6918,8 +7241,8 @@
         </p:nvSpPr>
         <p:spPr>
           <a:xfrm>
-            <a:off x="5657996" y="1821944"/>
-            <a:ext cx="1102834" cy="1295932"/>
+            <a:off x="5657996" y="2011350"/>
+            <a:ext cx="1102834" cy="830997"/>
           </a:xfrm>
           <a:prstGeom prst="rect">
             <a:avLst/>
@@ -6932,22 +7255,17 @@
           </a:bodyPr>
           <a:lstStyle/>
           <a:p>
-            <a:pPr>
-              <a:lnSpc>
-                <a:spcPct val="80000"/>
-              </a:lnSpc>
-            </a:pPr>
-            <a:r>
-              <a:rPr lang="ja-JP" altLang="en-US" sz="4800" b="1" i="0" spc="-300">
+            <a:r>
+              <a:rPr lang="ko-KR" altLang="en-US" sz="4800" b="1" i="0" dirty="0">
                 <a:solidFill>
                   <a:srgbClr val="EE7D30"/>
                 </a:solidFill>
                 <a:effectLst/>
                 <a:latin typeface="Segoe UI" panose="020B0502040204020203" pitchFamily="34" charset="0"/>
               </a:rPr>
-              <a:t>じょ</a:t>
-            </a:r>
-            <a:endParaRPr lang="en-US" sz="4800" b="1" spc="-300" dirty="0">
+              <a:t>서</a:t>
+            </a:r>
+            <a:endParaRPr lang="en-US" sz="4800" b="1" dirty="0">
               <a:solidFill>
                 <a:srgbClr val="EE7D30"/>
               </a:solidFill>
@@ -6969,8 +7287,8 @@
         </p:nvSpPr>
         <p:spPr>
           <a:xfrm>
-            <a:off x="5668754" y="3309077"/>
-            <a:ext cx="1102834" cy="2086725"/>
+            <a:off x="5689997" y="3382902"/>
+            <a:ext cx="1102834" cy="941733"/>
           </a:xfrm>
           <a:prstGeom prst="rect">
             <a:avLst/>
@@ -6985,27 +7303,10 @@
           <a:p>
             <a:pPr>
               <a:lnSpc>
-                <a:spcPct val="90000"/>
+                <a:spcPct val="55000"/>
               </a:lnSpc>
             </a:pPr>
-            <a:r>
-              <a:rPr lang="ja-JP" altLang="en-US" sz="4800" b="1" i="0" spc="-300">
-                <a:solidFill>
-                  <a:srgbClr val="193C7D"/>
-                </a:solidFill>
-                <a:effectLst/>
-                <a:latin typeface="Segoe UI" panose="020B0502040204020203" pitchFamily="34" charset="0"/>
-              </a:rPr>
-              <a:t>おう</a:t>
-            </a:r>
-          </a:p>
-          <a:p>
-            <a:pPr>
-              <a:lnSpc>
-                <a:spcPct val="90000"/>
-              </a:lnSpc>
-            </a:pPr>
-            <a:endParaRPr lang="ja-JP" altLang="en-US" sz="4800" b="1" i="0" spc="-300">
+            <a:endParaRPr lang="en-US" altLang="ko-KR" sz="4800" b="1" i="0" dirty="0">
               <a:solidFill>
                 <a:srgbClr val="193C7D"/>
               </a:solidFill>
@@ -7013,14 +7314,38 @@
               <a:latin typeface="Segoe UI" panose="020B0502040204020203" pitchFamily="34" charset="0"/>
             </a:endParaRPr>
           </a:p>
-        </p:txBody>
-      </p:sp>
-      <p:sp>
-        <p:nvSpPr>
-          <p:cNvPr id="11" name="TextBox 10">
-            <a:extLst>
-              <a:ext uri="{FF2B5EF4-FFF2-40B4-BE49-F238E27FC236}">
-                <a16:creationId xmlns:a16="http://schemas.microsoft.com/office/drawing/2014/main" id="{6434B2B9-3B60-1792-CE9E-195997CCB86D}"/>
+          <a:p>
+            <a:pPr>
+              <a:lnSpc>
+                <a:spcPct val="55000"/>
+              </a:lnSpc>
+            </a:pPr>
+            <a:r>
+              <a:rPr lang="ko-KR" altLang="en-US" sz="4800" b="1" i="0" dirty="0">
+                <a:solidFill>
+                  <a:srgbClr val="193C7D"/>
+                </a:solidFill>
+                <a:effectLst/>
+                <a:latin typeface="Segoe UI" panose="020B0502040204020203" pitchFamily="34" charset="0"/>
+              </a:rPr>
+              <a:t>홍</a:t>
+            </a:r>
+            <a:endParaRPr lang="en-US" altLang="ko-KR" sz="4800" b="1" i="0" dirty="0">
+              <a:solidFill>
+                <a:srgbClr val="193C7D"/>
+              </a:solidFill>
+              <a:effectLst/>
+              <a:latin typeface="Segoe UI" panose="020B0502040204020203" pitchFamily="34" charset="0"/>
+            </a:endParaRPr>
+          </a:p>
+        </p:txBody>
+      </p:sp>
+      <p:sp>
+        <p:nvSpPr>
+          <p:cNvPr id="12" name="TextBox 11">
+            <a:extLst>
+              <a:ext uri="{FF2B5EF4-FFF2-40B4-BE49-F238E27FC236}">
+                <a16:creationId xmlns:a16="http://schemas.microsoft.com/office/drawing/2014/main" id="{5FC7408A-0260-64E5-439A-A1C98490E462}"/>
               </a:ext>
             </a:extLst>
           </p:cNvPr>
@@ -7095,10 +7420,10 @@
       </p:sp>
       <p:sp>
         <p:nvSpPr>
-          <p:cNvPr id="12" name="TextBox 11">
-            <a:extLst>
-              <a:ext uri="{FF2B5EF4-FFF2-40B4-BE49-F238E27FC236}">
-                <a16:creationId xmlns:a16="http://schemas.microsoft.com/office/drawing/2014/main" id="{9E1EC201-C2BB-F998-9DE8-9B0AE80AFB63}"/>
+          <p:cNvPr id="13" name="TextBox 12">
+            <a:extLst>
+              <a:ext uri="{FF2B5EF4-FFF2-40B4-BE49-F238E27FC236}">
+                <a16:creationId xmlns:a16="http://schemas.microsoft.com/office/drawing/2014/main" id="{687F411B-8C15-EC6A-1823-23494F302137}"/>
               </a:ext>
             </a:extLst>
           </p:cNvPr>
@@ -7164,7 +7489,7 @@
     </p:spTree>
     <p:extLst>
       <p:ext uri="{BB962C8B-B14F-4D97-AF65-F5344CB8AC3E}">
-        <p14:creationId xmlns:p14="http://schemas.microsoft.com/office/powerpoint/2010/main" val="905723654"/>
+        <p14:creationId xmlns:p14="http://schemas.microsoft.com/office/powerpoint/2010/main" val="127244616"/>
       </p:ext>
     </p:extLst>
   </p:cSld>
@@ -7206,7 +7531,7 @@
           <p:nvPr/>
         </p:nvPicPr>
         <p:blipFill rotWithShape="1">
-          <a:blip r:embed="rId3">
+          <a:blip r:embed="rId2">
             <a:extLst>
               <a:ext uri="{28A0092B-C50C-407E-A947-70E740481C1C}">
                 <a14:useLocalDpi xmlns:a14="http://schemas.microsoft.com/office/drawing/2010/main" val="0"/>
@@ -7270,22 +7595,19 @@
               </a:lnSpc>
             </a:pPr>
             <a:r>
-              <a:rPr lang="zh-CN" altLang="en-US" sz="4800" b="1" i="0" spc="-300" dirty="0">
+              <a:rPr lang="ja-JP" altLang="en-US" sz="4800" b="1" i="0" spc="-300">
                 <a:solidFill>
                   <a:srgbClr val="EE7D30"/>
                 </a:solidFill>
                 <a:effectLst/>
-                <a:latin typeface="Hiragino Sans W4" panose="020B0400000000000000" pitchFamily="34" charset="-128"/>
-                <a:ea typeface="Hiragino Sans W4" panose="020B0400000000000000" pitchFamily="34" charset="-128"/>
-              </a:rPr>
-              <a:t>ㄒㄩˊ</a:t>
+                <a:latin typeface="Segoe UI" panose="020B0502040204020203" pitchFamily="34" charset="0"/>
+              </a:rPr>
+              <a:t>じょ</a:t>
             </a:r>
             <a:endParaRPr lang="en-US" sz="4800" b="1" spc="-300" dirty="0">
               <a:solidFill>
                 <a:srgbClr val="EE7D30"/>
               </a:solidFill>
-              <a:latin typeface="Hiragino Sans W4" panose="020B0400000000000000" pitchFamily="34" charset="-128"/>
-              <a:ea typeface="Hiragino Sans W4" panose="020B0400000000000000" pitchFamily="34" charset="-128"/>
             </a:endParaRPr>
           </a:p>
         </p:txBody>
@@ -7304,8 +7626,8 @@
         </p:nvSpPr>
         <p:spPr>
           <a:xfrm>
-            <a:off x="5689997" y="3461274"/>
-            <a:ext cx="1102834" cy="1351396"/>
+            <a:off x="5668754" y="3309077"/>
+            <a:ext cx="1102834" cy="2086725"/>
           </a:xfrm>
           <a:prstGeom prst="rect">
             <a:avLst/>
@@ -7320,35 +7642,42 @@
           <a:p>
             <a:pPr>
               <a:lnSpc>
-                <a:spcPct val="55000"/>
+                <a:spcPct val="90000"/>
               </a:lnSpc>
             </a:pPr>
             <a:r>
-              <a:rPr lang="zh-CN" altLang="en-US" sz="4800" b="1" spc="-300" dirty="0">
+              <a:rPr lang="ja-JP" altLang="en-US" sz="4800" b="1" i="0" spc="-300">
                 <a:solidFill>
                   <a:srgbClr val="193C7D"/>
                 </a:solidFill>
-                <a:latin typeface="Hiragino Sans W4" panose="020B0400000000000000" pitchFamily="34" charset="-128"/>
-                <a:ea typeface="Hiragino Sans W4" panose="020B0400000000000000" pitchFamily="34" charset="-128"/>
-              </a:rPr>
-              <a:t>ㄏㄨㄥˊ</a:t>
-            </a:r>
-            <a:endParaRPr lang="ja-JP" altLang="en-US" sz="4800" b="1" spc="-300">
+                <a:effectLst/>
+                <a:latin typeface="Segoe UI" panose="020B0502040204020203" pitchFamily="34" charset="0"/>
+              </a:rPr>
+              <a:t>おう</a:t>
+            </a:r>
+          </a:p>
+          <a:p>
+            <a:pPr>
+              <a:lnSpc>
+                <a:spcPct val="90000"/>
+              </a:lnSpc>
+            </a:pPr>
+            <a:endParaRPr lang="ja-JP" altLang="en-US" sz="4800" b="1" i="0" spc="-300">
               <a:solidFill>
                 <a:srgbClr val="193C7D"/>
               </a:solidFill>
-              <a:latin typeface="Hiragino Sans W4" panose="020B0400000000000000" pitchFamily="34" charset="-128"/>
-              <a:ea typeface="Hiragino Sans W4" panose="020B0400000000000000" pitchFamily="34" charset="-128"/>
+              <a:effectLst/>
+              <a:latin typeface="Segoe UI" panose="020B0502040204020203" pitchFamily="34" charset="0"/>
             </a:endParaRPr>
           </a:p>
         </p:txBody>
       </p:sp>
       <p:sp>
         <p:nvSpPr>
-          <p:cNvPr id="12" name="TextBox 11">
-            <a:extLst>
-              <a:ext uri="{FF2B5EF4-FFF2-40B4-BE49-F238E27FC236}">
-                <a16:creationId xmlns:a16="http://schemas.microsoft.com/office/drawing/2014/main" id="{5FC7408A-0260-64E5-439A-A1C98490E462}"/>
+          <p:cNvPr id="11" name="TextBox 10">
+            <a:extLst>
+              <a:ext uri="{FF2B5EF4-FFF2-40B4-BE49-F238E27FC236}">
+                <a16:creationId xmlns:a16="http://schemas.microsoft.com/office/drawing/2014/main" id="{6434B2B9-3B60-1792-CE9E-195997CCB86D}"/>
               </a:ext>
             </a:extLst>
           </p:cNvPr>
@@ -7409,7 +7738,7 @@
                 <a:latin typeface="Arial" panose="020B0604020202020204" pitchFamily="34" charset="0"/>
                 <a:cs typeface="Arial" panose="020B0604020202020204" pitchFamily="34" charset="0"/>
               </a:rPr>
-              <a:t>Ú</a:t>
+              <a:t>U</a:t>
             </a:r>
             <a:endParaRPr lang="en-US" sz="9600" spc="-300" dirty="0">
               <a:solidFill>
@@ -7423,10 +7752,10 @@
       </p:sp>
       <p:sp>
         <p:nvSpPr>
-          <p:cNvPr id="13" name="TextBox 12">
-            <a:extLst>
-              <a:ext uri="{FF2B5EF4-FFF2-40B4-BE49-F238E27FC236}">
-                <a16:creationId xmlns:a16="http://schemas.microsoft.com/office/drawing/2014/main" id="{687F411B-8C15-EC6A-1823-23494F302137}"/>
+          <p:cNvPr id="12" name="TextBox 11">
+            <a:extLst>
+              <a:ext uri="{FF2B5EF4-FFF2-40B4-BE49-F238E27FC236}">
+                <a16:creationId xmlns:a16="http://schemas.microsoft.com/office/drawing/2014/main" id="{9E1EC201-C2BB-F998-9DE8-9B0AE80AFB63}"/>
               </a:ext>
             </a:extLst>
           </p:cNvPr>
@@ -7467,7 +7796,7 @@
                 <a:latin typeface="Arial" panose="020B0604020202020204" pitchFamily="34" charset="0"/>
                 <a:cs typeface="Arial" panose="020B0604020202020204" pitchFamily="34" charset="0"/>
               </a:rPr>
-              <a:t>ÓNG</a:t>
+              <a:t>ONG</a:t>
             </a:r>
             <a:r>
               <a:rPr lang="zh-CN" altLang="en-US" sz="9600" spc="300" dirty="0">
@@ -7492,7 +7821,7 @@
     </p:spTree>
     <p:extLst>
       <p:ext uri="{BB962C8B-B14F-4D97-AF65-F5344CB8AC3E}">
-        <p14:creationId xmlns:p14="http://schemas.microsoft.com/office/powerpoint/2010/main" val="4287759508"/>
+        <p14:creationId xmlns:p14="http://schemas.microsoft.com/office/powerpoint/2010/main" val="905723654"/>
       </p:ext>
     </p:extLst>
   </p:cSld>
@@ -7541,13 +7870,13 @@
               </a:ext>
             </a:extLst>
           </a:blip>
-          <a:srcRect r="63015"/>
+          <a:srcRect r="47237"/>
           <a:stretch/>
         </p:blipFill>
         <p:spPr bwMode="auto">
           <a:xfrm>
             <a:off x="345686" y="1115587"/>
-            <a:ext cx="3806766" cy="4469498"/>
+            <a:ext cx="5430646" cy="4469498"/>
           </a:xfrm>
           <a:prstGeom prst="rect">
             <a:avLst/>
@@ -7566,10 +7895,10 @@
       </p:pic>
       <p:sp>
         <p:nvSpPr>
-          <p:cNvPr id="9" name="TextBox 8">
-            <a:extLst>
-              <a:ext uri="{FF2B5EF4-FFF2-40B4-BE49-F238E27FC236}">
-                <a16:creationId xmlns:a16="http://schemas.microsoft.com/office/drawing/2014/main" id="{839B7A6C-C6D3-32A6-0EDB-E88D8EFB371D}"/>
+          <p:cNvPr id="6" name="TextBox 5">
+            <a:extLst>
+              <a:ext uri="{FF2B5EF4-FFF2-40B4-BE49-F238E27FC236}">
+                <a16:creationId xmlns:a16="http://schemas.microsoft.com/office/drawing/2014/main" id="{F451CFEC-4921-39AC-4FDE-EB5D812E9EAA}"/>
               </a:ext>
             </a:extLst>
           </p:cNvPr>
@@ -7578,8 +7907,8 @@
         </p:nvSpPr>
         <p:spPr>
           <a:xfrm>
-            <a:off x="6067869" y="1502404"/>
-            <a:ext cx="4378633" cy="1862048"/>
+            <a:off x="5657996" y="1821944"/>
+            <a:ext cx="1102834" cy="1295932"/>
           </a:xfrm>
           <a:prstGeom prst="rect">
             <a:avLst/>
@@ -7592,6 +7921,113 @@
           </a:bodyPr>
           <a:lstStyle/>
           <a:p>
+            <a:pPr>
+              <a:lnSpc>
+                <a:spcPct val="80000"/>
+              </a:lnSpc>
+            </a:pPr>
+            <a:r>
+              <a:rPr lang="zh-CN" altLang="en-US" sz="4800" b="1" i="0" spc="-300" dirty="0">
+                <a:solidFill>
+                  <a:srgbClr val="EE7D30"/>
+                </a:solidFill>
+                <a:effectLst/>
+                <a:latin typeface="Hiragino Sans W4" panose="020B0400000000000000" pitchFamily="34" charset="-128"/>
+                <a:ea typeface="Hiragino Sans W4" panose="020B0400000000000000" pitchFamily="34" charset="-128"/>
+              </a:rPr>
+              <a:t>ㄒㄩˊ</a:t>
+            </a:r>
+            <a:endParaRPr lang="en-US" sz="4800" b="1" spc="-300" dirty="0">
+              <a:solidFill>
+                <a:srgbClr val="EE7D30"/>
+              </a:solidFill>
+              <a:latin typeface="Hiragino Sans W4" panose="020B0400000000000000" pitchFamily="34" charset="-128"/>
+              <a:ea typeface="Hiragino Sans W4" panose="020B0400000000000000" pitchFamily="34" charset="-128"/>
+            </a:endParaRPr>
+          </a:p>
+        </p:txBody>
+      </p:sp>
+      <p:sp>
+        <p:nvSpPr>
+          <p:cNvPr id="2" name="TextBox 1">
+            <a:extLst>
+              <a:ext uri="{FF2B5EF4-FFF2-40B4-BE49-F238E27FC236}">
+                <a16:creationId xmlns:a16="http://schemas.microsoft.com/office/drawing/2014/main" id="{9DEA104D-1DE7-5965-21DD-4F99C48DC2A5}"/>
+              </a:ext>
+            </a:extLst>
+          </p:cNvPr>
+          <p:cNvSpPr txBox="1"/>
+          <p:nvPr/>
+        </p:nvSpPr>
+        <p:spPr>
+          <a:xfrm>
+            <a:off x="5689997" y="3461274"/>
+            <a:ext cx="1102834" cy="1351396"/>
+          </a:xfrm>
+          <a:prstGeom prst="rect">
+            <a:avLst/>
+          </a:prstGeom>
+          <a:noFill/>
+        </p:spPr>
+        <p:txBody>
+          <a:bodyPr wrap="square" rtlCol="0">
+            <a:spAutoFit/>
+          </a:bodyPr>
+          <a:lstStyle/>
+          <a:p>
+            <a:pPr>
+              <a:lnSpc>
+                <a:spcPct val="55000"/>
+              </a:lnSpc>
+            </a:pPr>
+            <a:r>
+              <a:rPr lang="zh-CN" altLang="en-US" sz="4800" b="1" spc="-300" dirty="0">
+                <a:solidFill>
+                  <a:srgbClr val="193C7D"/>
+                </a:solidFill>
+                <a:latin typeface="Hiragino Sans W4" panose="020B0400000000000000" pitchFamily="34" charset="-128"/>
+                <a:ea typeface="Hiragino Sans W4" panose="020B0400000000000000" pitchFamily="34" charset="-128"/>
+              </a:rPr>
+              <a:t>ㄏㄨㄥˊ</a:t>
+            </a:r>
+            <a:endParaRPr lang="ja-JP" altLang="en-US" sz="4800" b="1" spc="-300">
+              <a:solidFill>
+                <a:srgbClr val="193C7D"/>
+              </a:solidFill>
+              <a:latin typeface="Hiragino Sans W4" panose="020B0400000000000000" pitchFamily="34" charset="-128"/>
+              <a:ea typeface="Hiragino Sans W4" panose="020B0400000000000000" pitchFamily="34" charset="-128"/>
+            </a:endParaRPr>
+          </a:p>
+        </p:txBody>
+      </p:sp>
+      <p:sp>
+        <p:nvSpPr>
+          <p:cNvPr id="12" name="TextBox 11">
+            <a:extLst>
+              <a:ext uri="{FF2B5EF4-FFF2-40B4-BE49-F238E27FC236}">
+                <a16:creationId xmlns:a16="http://schemas.microsoft.com/office/drawing/2014/main" id="{5FC7408A-0260-64E5-439A-A1C98490E462}"/>
+              </a:ext>
+            </a:extLst>
+          </p:cNvPr>
+          <p:cNvSpPr txBox="1"/>
+          <p:nvPr/>
+        </p:nvSpPr>
+        <p:spPr>
+          <a:xfrm>
+            <a:off x="6938402" y="1502404"/>
+            <a:ext cx="4378633" cy="1862048"/>
+          </a:xfrm>
+          <a:prstGeom prst="rect">
+            <a:avLst/>
+          </a:prstGeom>
+          <a:noFill/>
+        </p:spPr>
+        <p:txBody>
+          <a:bodyPr wrap="square" rtlCol="0">
+            <a:spAutoFit/>
+          </a:bodyPr>
+          <a:lstStyle/>
+          <a:p>
             <a:r>
               <a:rPr lang="en-US" sz="11500" spc="-300" dirty="0">
                 <a:solidFill>
@@ -7630,7 +8066,7 @@
                 <a:latin typeface="Arial" panose="020B0604020202020204" pitchFamily="34" charset="0"/>
                 <a:cs typeface="Arial" panose="020B0604020202020204" pitchFamily="34" charset="0"/>
               </a:rPr>
-              <a:t>U</a:t>
+              <a:t>Ú</a:t>
             </a:r>
             <a:endParaRPr lang="en-US" sz="9600" spc="-300" dirty="0">
               <a:solidFill>
@@ -7644,10 +8080,10 @@
       </p:sp>
       <p:sp>
         <p:nvSpPr>
-          <p:cNvPr id="10" name="TextBox 9">
-            <a:extLst>
-              <a:ext uri="{FF2B5EF4-FFF2-40B4-BE49-F238E27FC236}">
-                <a16:creationId xmlns:a16="http://schemas.microsoft.com/office/drawing/2014/main" id="{EF81F04B-E831-E708-9897-55FF13E576D7}"/>
+          <p:cNvPr id="13" name="TextBox 12">
+            <a:extLst>
+              <a:ext uri="{FF2B5EF4-FFF2-40B4-BE49-F238E27FC236}">
+                <a16:creationId xmlns:a16="http://schemas.microsoft.com/office/drawing/2014/main" id="{687F411B-8C15-EC6A-1823-23494F302137}"/>
               </a:ext>
             </a:extLst>
           </p:cNvPr>
@@ -7656,7 +8092,7 @@
         </p:nvSpPr>
         <p:spPr>
           <a:xfrm>
-            <a:off x="6067868" y="3020161"/>
+            <a:off x="6938401" y="3020161"/>
             <a:ext cx="4378634" cy="1862048"/>
           </a:xfrm>
           <a:prstGeom prst="rect">
@@ -7688,7 +8124,7 @@
                 <a:latin typeface="Arial" panose="020B0604020202020204" pitchFamily="34" charset="0"/>
                 <a:cs typeface="Arial" panose="020B0604020202020204" pitchFamily="34" charset="0"/>
               </a:rPr>
-              <a:t>ONG</a:t>
+              <a:t>ÓNG</a:t>
             </a:r>
             <a:r>
               <a:rPr lang="zh-CN" altLang="en-US" sz="9600" spc="300" dirty="0">
@@ -7710,218 +8146,10 @@
           </a:p>
         </p:txBody>
       </p:sp>
-      <p:sp>
-        <p:nvSpPr>
-          <p:cNvPr id="2" name="TextBox 1">
-            <a:extLst>
-              <a:ext uri="{FF2B5EF4-FFF2-40B4-BE49-F238E27FC236}">
-                <a16:creationId xmlns:a16="http://schemas.microsoft.com/office/drawing/2014/main" id="{8ACC2E12-BAF5-1435-CEC8-F161FAF7D8FB}"/>
-              </a:ext>
-            </a:extLst>
-          </p:cNvPr>
-          <p:cNvSpPr txBox="1"/>
-          <p:nvPr/>
-        </p:nvSpPr>
-        <p:spPr>
-          <a:xfrm>
-            <a:off x="10874673" y="1502404"/>
-            <a:ext cx="4378633" cy="1862048"/>
-          </a:xfrm>
-          <a:prstGeom prst="rect">
-            <a:avLst/>
-          </a:prstGeom>
-          <a:noFill/>
-        </p:spPr>
-        <p:txBody>
-          <a:bodyPr wrap="square" rtlCol="0">
-            <a:spAutoFit/>
-          </a:bodyPr>
-          <a:lstStyle/>
-          <a:p>
-            <a:r>
-              <a:rPr lang="en-US" sz="11500" spc="-300" dirty="0">
-                <a:solidFill>
-                  <a:srgbClr val="EE7D30"/>
-                </a:solidFill>
-                <a:latin typeface="Arial" panose="020B0604020202020204" pitchFamily="34" charset="0"/>
-                <a:ea typeface="Hiragino Sans W2" panose="020B0300000000000000" pitchFamily="34" charset="-128"/>
-                <a:cs typeface="Arial" panose="020B0604020202020204" pitchFamily="34" charset="0"/>
-              </a:rPr>
-              <a:t>Hsu</a:t>
-            </a:r>
-            <a:endParaRPr lang="en-US" sz="8800" spc="-300" dirty="0">
-              <a:solidFill>
-                <a:srgbClr val="EE7D30"/>
-              </a:solidFill>
-              <a:latin typeface="Arial" panose="020B0604020202020204" pitchFamily="34" charset="0"/>
-              <a:ea typeface="Hiragino Sans W2" panose="020B0300000000000000" pitchFamily="34" charset="-128"/>
-              <a:cs typeface="Arial" panose="020B0604020202020204" pitchFamily="34" charset="0"/>
-            </a:endParaRPr>
-          </a:p>
-        </p:txBody>
-      </p:sp>
-      <p:sp>
-        <p:nvSpPr>
-          <p:cNvPr id="3" name="TextBox 2">
-            <a:extLst>
-              <a:ext uri="{FF2B5EF4-FFF2-40B4-BE49-F238E27FC236}">
-                <a16:creationId xmlns:a16="http://schemas.microsoft.com/office/drawing/2014/main" id="{A216E084-5254-4252-8CEF-17262AB46251}"/>
-              </a:ext>
-            </a:extLst>
-          </p:cNvPr>
-          <p:cNvSpPr txBox="1"/>
-          <p:nvPr/>
-        </p:nvSpPr>
-        <p:spPr>
-          <a:xfrm>
-            <a:off x="10867414" y="3020161"/>
-            <a:ext cx="5849953" cy="1862048"/>
-          </a:xfrm>
-          <a:prstGeom prst="rect">
-            <a:avLst/>
-          </a:prstGeom>
-          <a:noFill/>
-        </p:spPr>
-        <p:txBody>
-          <a:bodyPr wrap="square" rtlCol="0">
-            <a:spAutoFit/>
-          </a:bodyPr>
-          <a:lstStyle/>
-          <a:p>
-            <a:r>
-              <a:rPr lang="en-US" sz="11500" spc="300" dirty="0">
-                <a:solidFill>
-                  <a:srgbClr val="193C7D"/>
-                </a:solidFill>
-                <a:latin typeface="Arial" panose="020B0604020202020204" pitchFamily="34" charset="0"/>
-                <a:ea typeface="Hiragino Sans W2" panose="020B0300000000000000" pitchFamily="34" charset="-128"/>
-                <a:cs typeface="Arial" panose="020B0604020202020204" pitchFamily="34" charset="0"/>
-              </a:rPr>
-              <a:t>H</a:t>
-            </a:r>
-            <a:r>
-              <a:rPr lang="en-US" sz="8800" spc="300" dirty="0">
-                <a:solidFill>
-                  <a:srgbClr val="193C7D"/>
-                </a:solidFill>
-                <a:latin typeface="Arial" panose="020B0604020202020204" pitchFamily="34" charset="0"/>
-                <a:ea typeface="Hiragino Sans W2" panose="020B0300000000000000" pitchFamily="34" charset="-128"/>
-                <a:cs typeface="Arial" panose="020B0604020202020204" pitchFamily="34" charset="0"/>
-              </a:rPr>
-              <a:t>ELIOS</a:t>
-            </a:r>
-            <a:r>
-              <a:rPr lang="zh-CN" altLang="en-US" sz="9600" spc="300" dirty="0">
-                <a:solidFill>
-                  <a:srgbClr val="193C7D"/>
-                </a:solidFill>
-                <a:latin typeface="Arial" panose="020B0604020202020204" pitchFamily="34" charset="0"/>
-                <a:cs typeface="Arial" panose="020B0604020202020204" pitchFamily="34" charset="0"/>
-              </a:rPr>
-              <a:t> </a:t>
-            </a:r>
-            <a:endParaRPr lang="en-US" altLang="zh-CN" sz="9600" spc="300" dirty="0">
-              <a:solidFill>
-                <a:srgbClr val="193C7D"/>
-              </a:solidFill>
-              <a:latin typeface="Arial" panose="020B0604020202020204" pitchFamily="34" charset="0"/>
-              <a:cs typeface="Arial" panose="020B0604020202020204" pitchFamily="34" charset="0"/>
-            </a:endParaRPr>
-          </a:p>
-        </p:txBody>
-      </p:sp>
-      <p:cxnSp>
-        <p:nvCxnSpPr>
-          <p:cNvPr id="5" name="Straight Connector 4">
-            <a:extLst>
-              <a:ext uri="{FF2B5EF4-FFF2-40B4-BE49-F238E27FC236}">
-                <a16:creationId xmlns:a16="http://schemas.microsoft.com/office/drawing/2014/main" id="{4A437575-06ED-BA35-2BD4-13DE33F5FD1C}"/>
-              </a:ext>
-            </a:extLst>
-          </p:cNvPr>
-          <p:cNvCxnSpPr/>
-          <p:nvPr/>
-        </p:nvCxnSpPr>
-        <p:spPr>
-          <a:xfrm>
-            <a:off x="10446502" y="1923142"/>
-            <a:ext cx="0" cy="2560320"/>
-          </a:xfrm>
-          <a:prstGeom prst="line">
-            <a:avLst/>
-          </a:prstGeom>
-          <a:ln w="19050">
-            <a:solidFill>
-              <a:schemeClr val="bg1">
-                <a:lumMod val="65000"/>
-              </a:schemeClr>
-            </a:solidFill>
-          </a:ln>
-        </p:spPr>
-        <p:style>
-          <a:lnRef idx="1">
-            <a:schemeClr val="accent1"/>
-          </a:lnRef>
-          <a:fillRef idx="0">
-            <a:schemeClr val="accent1"/>
-          </a:fillRef>
-          <a:effectRef idx="0">
-            <a:schemeClr val="accent1"/>
-          </a:effectRef>
-          <a:fontRef idx="minor">
-            <a:schemeClr val="tx1"/>
-          </a:fontRef>
-        </p:style>
-      </p:cxnSp>
-      <p:pic>
-        <p:nvPicPr>
-          <p:cNvPr id="7" name="Picture 2" descr="Image">
-            <a:extLst>
-              <a:ext uri="{FF2B5EF4-FFF2-40B4-BE49-F238E27FC236}">
-                <a16:creationId xmlns:a16="http://schemas.microsoft.com/office/drawing/2014/main" id="{23F2F615-820B-07C9-E672-5E46661DCF86}"/>
-              </a:ext>
-            </a:extLst>
-          </p:cNvPr>
-          <p:cNvPicPr>
-            <a:picLocks noChangeAspect="1" noChangeArrowheads="1"/>
-          </p:cNvPicPr>
-          <p:nvPr/>
-        </p:nvPicPr>
-        <p:blipFill rotWithShape="1">
-          <a:blip r:embed="rId3">
-            <a:extLst>
-              <a:ext uri="{28A0092B-C50C-407E-A947-70E740481C1C}">
-                <a14:useLocalDpi xmlns:a14="http://schemas.microsoft.com/office/drawing/2010/main" val="0"/>
-              </a:ext>
-            </a:extLst>
-          </a:blip>
-          <a:srcRect r="47237"/>
-          <a:stretch/>
-        </p:blipFill>
-        <p:spPr bwMode="auto">
-          <a:xfrm>
-            <a:off x="345686" y="1115587"/>
-            <a:ext cx="5430646" cy="4469498"/>
-          </a:xfrm>
-          <a:prstGeom prst="rect">
-            <a:avLst/>
-          </a:prstGeom>
-          <a:noFill/>
-          <a:extLst>
-            <a:ext uri="{909E8E84-426E-40DD-AFC4-6F175D3DCCD1}">
-              <a14:hiddenFill xmlns:a14="http://schemas.microsoft.com/office/drawing/2010/main">
-                <a:solidFill>
-                  <a:srgbClr val="FFFFFF"/>
-                </a:solidFill>
-              </a14:hiddenFill>
-            </a:ext>
-          </a:extLst>
-        </p:spPr>
-      </p:pic>
     </p:spTree>
     <p:extLst>
       <p:ext uri="{BB962C8B-B14F-4D97-AF65-F5344CB8AC3E}">
-        <p14:creationId xmlns:p14="http://schemas.microsoft.com/office/powerpoint/2010/main" val="3754308179"/>
+        <p14:creationId xmlns:p14="http://schemas.microsoft.com/office/powerpoint/2010/main" val="4287759508"/>
       </p:ext>
     </p:extLst>
   </p:cSld>
@@ -8059,7 +8287,7 @@
                 <a:latin typeface="Arial" panose="020B0604020202020204" pitchFamily="34" charset="0"/>
                 <a:cs typeface="Arial" panose="020B0604020202020204" pitchFamily="34" charset="0"/>
               </a:rPr>
-              <a:t>Ü</a:t>
+              <a:t>U</a:t>
             </a:r>
             <a:endParaRPr lang="en-US" sz="9600" spc="-300" dirty="0">
               <a:solidFill>
@@ -8350,7 +8578,7 @@
     </p:spTree>
     <p:extLst>
       <p:ext uri="{BB962C8B-B14F-4D97-AF65-F5344CB8AC3E}">
-        <p14:creationId xmlns:p14="http://schemas.microsoft.com/office/powerpoint/2010/main" val="3801521842"/>
+        <p14:creationId xmlns:p14="http://schemas.microsoft.com/office/powerpoint/2010/main" val="3754308179"/>
       </p:ext>
     </p:extLst>
   </p:cSld>
@@ -8488,7 +8716,7 @@
                 <a:latin typeface="Arial" panose="020B0604020202020204" pitchFamily="34" charset="0"/>
                 <a:cs typeface="Arial" panose="020B0604020202020204" pitchFamily="34" charset="0"/>
               </a:rPr>
-              <a:t>Ú</a:t>
+              <a:t>Ü</a:t>
             </a:r>
             <a:endParaRPr lang="en-US" sz="9600" spc="-300" dirty="0">
               <a:solidFill>
@@ -8546,7 +8774,7 @@
                 <a:latin typeface="Arial" panose="020B0604020202020204" pitchFamily="34" charset="0"/>
                 <a:cs typeface="Arial" panose="020B0604020202020204" pitchFamily="34" charset="0"/>
               </a:rPr>
-              <a:t>ÓNG</a:t>
+              <a:t>ONG</a:t>
             </a:r>
             <a:r>
               <a:rPr lang="zh-CN" altLang="en-US" sz="9600" spc="300" dirty="0">
@@ -8779,7 +9007,7 @@
     </p:spTree>
     <p:extLst>
       <p:ext uri="{BB962C8B-B14F-4D97-AF65-F5344CB8AC3E}">
-        <p14:creationId xmlns:p14="http://schemas.microsoft.com/office/powerpoint/2010/main" val="2153822212"/>
+        <p14:creationId xmlns:p14="http://schemas.microsoft.com/office/powerpoint/2010/main" val="3801521842"/>
       </p:ext>
     </p:extLst>
   </p:cSld>
@@ -8975,7 +9203,7 @@
                 <a:latin typeface="Arial" panose="020B0604020202020204" pitchFamily="34" charset="0"/>
                 <a:cs typeface="Arial" panose="020B0604020202020204" pitchFamily="34" charset="0"/>
               </a:rPr>
-              <a:t>ONG</a:t>
+              <a:t>ÓNG</a:t>
             </a:r>
             <a:r>
               <a:rPr lang="zh-CN" altLang="en-US" sz="9600" spc="300" dirty="0">
@@ -9208,7 +9436,7 @@
     </p:spTree>
     <p:extLst>
       <p:ext uri="{BB962C8B-B14F-4D97-AF65-F5344CB8AC3E}">
-        <p14:creationId xmlns:p14="http://schemas.microsoft.com/office/powerpoint/2010/main" val="84928426"/>
+        <p14:creationId xmlns:p14="http://schemas.microsoft.com/office/powerpoint/2010/main" val="2153822212"/>
       </p:ext>
     </p:extLst>
   </p:cSld>
@@ -9235,136 +9463,12 @@
           <a:chExt cx="0" cy="0"/>
         </a:xfrm>
       </p:grpSpPr>
-      <p:sp>
-        <p:nvSpPr>
-          <p:cNvPr id="6" name="TextBox 5">
-            <a:extLst>
-              <a:ext uri="{FF2B5EF4-FFF2-40B4-BE49-F238E27FC236}">
-                <a16:creationId xmlns:a16="http://schemas.microsoft.com/office/drawing/2014/main" id="{4DFBD53B-29E4-A9DB-B886-CF96C0991B6D}"/>
-              </a:ext>
-            </a:extLst>
-          </p:cNvPr>
-          <p:cNvSpPr txBox="1"/>
-          <p:nvPr/>
-        </p:nvSpPr>
-        <p:spPr>
-          <a:xfrm>
-            <a:off x="6116328" y="1503332"/>
-            <a:ext cx="3916066" cy="1862048"/>
-          </a:xfrm>
-          <a:prstGeom prst="rect">
-            <a:avLst/>
-          </a:prstGeom>
-          <a:noFill/>
-        </p:spPr>
-        <p:txBody>
-          <a:bodyPr wrap="square" rtlCol="0">
-            <a:spAutoFit/>
-          </a:bodyPr>
-          <a:lstStyle/>
-          <a:p>
-            <a:r>
-              <a:rPr lang="az-Cyrl-AZ" sz="11500" spc="1300" dirty="0">
-                <a:solidFill>
-                  <a:srgbClr val="EE7D30"/>
-                </a:solidFill>
-                <a:latin typeface="Arial" panose="020B0604020202020204" pitchFamily="34" charset="0"/>
-                <a:cs typeface="Arial" panose="020B0604020202020204" pitchFamily="34" charset="0"/>
-              </a:rPr>
-              <a:t>С</a:t>
-            </a:r>
-            <a:r>
-              <a:rPr lang="az-Cyrl-AZ" sz="8800" spc="1300" dirty="0">
-                <a:solidFill>
-                  <a:srgbClr val="EE7D30"/>
-                </a:solidFill>
-                <a:latin typeface="Arial" panose="020B0604020202020204" pitchFamily="34" charset="0"/>
-                <a:cs typeface="Arial" panose="020B0604020202020204" pitchFamily="34" charset="0"/>
-              </a:rPr>
-              <a:t>ЮЙ</a:t>
-            </a:r>
-            <a:r>
-              <a:rPr lang="zh-CN" altLang="en-US" sz="9600" spc="1300" dirty="0">
-                <a:solidFill>
-                  <a:srgbClr val="EE7D30"/>
-                </a:solidFill>
-                <a:latin typeface="Arial" panose="020B0604020202020204" pitchFamily="34" charset="0"/>
-                <a:cs typeface="Arial" panose="020B0604020202020204" pitchFamily="34" charset="0"/>
-              </a:rPr>
-              <a:t> </a:t>
-            </a:r>
-            <a:endParaRPr lang="en-US" altLang="zh-CN" sz="9600" spc="1300" dirty="0">
-              <a:solidFill>
-                <a:srgbClr val="EE7D30"/>
-              </a:solidFill>
-              <a:latin typeface="Arial" panose="020B0604020202020204" pitchFamily="34" charset="0"/>
-              <a:cs typeface="Arial" panose="020B0604020202020204" pitchFamily="34" charset="0"/>
-            </a:endParaRPr>
-          </a:p>
-        </p:txBody>
-      </p:sp>
-      <p:sp>
-        <p:nvSpPr>
-          <p:cNvPr id="3" name="TextBox 2">
-            <a:extLst>
-              <a:ext uri="{FF2B5EF4-FFF2-40B4-BE49-F238E27FC236}">
-                <a16:creationId xmlns:a16="http://schemas.microsoft.com/office/drawing/2014/main" id="{2C070E27-2E91-F385-8BE6-8C4138778241}"/>
-              </a:ext>
-            </a:extLst>
-          </p:cNvPr>
-          <p:cNvSpPr txBox="1"/>
-          <p:nvPr/>
-        </p:nvSpPr>
-        <p:spPr>
-          <a:xfrm>
-            <a:off x="6218247" y="3008473"/>
-            <a:ext cx="3814147" cy="1862048"/>
-          </a:xfrm>
-          <a:prstGeom prst="rect">
-            <a:avLst/>
-          </a:prstGeom>
-          <a:noFill/>
-        </p:spPr>
-        <p:txBody>
-          <a:bodyPr wrap="square">
-            <a:spAutoFit/>
-          </a:bodyPr>
-          <a:lstStyle/>
-          <a:p>
-            <a:r>
-              <a:rPr lang="az-Cyrl-AZ" sz="11500" spc="-300" dirty="0">
-                <a:solidFill>
-                  <a:srgbClr val="193C7D"/>
-                </a:solidFill>
-                <a:latin typeface="Arial" panose="020B0604020202020204" pitchFamily="34" charset="0"/>
-                <a:cs typeface="Arial" panose="020B0604020202020204" pitchFamily="34" charset="0"/>
-              </a:rPr>
-              <a:t>Х</a:t>
-            </a:r>
-            <a:r>
-              <a:rPr lang="az-Cyrl-AZ" sz="8800" spc="-300" dirty="0">
-                <a:solidFill>
-                  <a:srgbClr val="193C7D"/>
-                </a:solidFill>
-                <a:latin typeface="Arial" panose="020B0604020202020204" pitchFamily="34" charset="0"/>
-                <a:cs typeface="Arial" panose="020B0604020202020204" pitchFamily="34" charset="0"/>
-              </a:rPr>
-              <a:t>ОНГ </a:t>
-            </a:r>
-            <a:endParaRPr lang="en-US" sz="8800" spc="-300" dirty="0">
-              <a:solidFill>
-                <a:srgbClr val="193C7D"/>
-              </a:solidFill>
-            </a:endParaRPr>
-          </a:p>
-        </p:txBody>
-      </p:sp>
       <p:pic>
         <p:nvPicPr>
-          <p:cNvPr id="12" name="Picture 2" descr="Image">
-            <a:extLst>
-              <a:ext uri="{FF2B5EF4-FFF2-40B4-BE49-F238E27FC236}">
-                <a16:creationId xmlns:a16="http://schemas.microsoft.com/office/drawing/2014/main" id="{F9599693-38F7-3097-432A-776886EBB2B8}"/>
+          <p:cNvPr id="1026" name="Picture 2" descr="Image">
+            <a:extLst>
+              <a:ext uri="{FF2B5EF4-FFF2-40B4-BE49-F238E27FC236}">
+                <a16:creationId xmlns:a16="http://schemas.microsoft.com/office/drawing/2014/main" id="{36D76745-1717-2F81-B8A8-05514344CC77}"/>
               </a:ext>
             </a:extLst>
           </p:cNvPr>
@@ -9404,12 +9508,321 @@
           </a:extLst>
         </p:spPr>
       </p:pic>
+      <p:sp>
+        <p:nvSpPr>
+          <p:cNvPr id="9" name="TextBox 8">
+            <a:extLst>
+              <a:ext uri="{FF2B5EF4-FFF2-40B4-BE49-F238E27FC236}">
+                <a16:creationId xmlns:a16="http://schemas.microsoft.com/office/drawing/2014/main" id="{839B7A6C-C6D3-32A6-0EDB-E88D8EFB371D}"/>
+              </a:ext>
+            </a:extLst>
+          </p:cNvPr>
+          <p:cNvSpPr txBox="1"/>
+          <p:nvPr/>
+        </p:nvSpPr>
+        <p:spPr>
+          <a:xfrm>
+            <a:off x="6067869" y="1502404"/>
+            <a:ext cx="4378633" cy="1862048"/>
+          </a:xfrm>
+          <a:prstGeom prst="rect">
+            <a:avLst/>
+          </a:prstGeom>
+          <a:noFill/>
+        </p:spPr>
+        <p:txBody>
+          <a:bodyPr wrap="square" rtlCol="0">
+            <a:spAutoFit/>
+          </a:bodyPr>
+          <a:lstStyle/>
+          <a:p>
+            <a:r>
+              <a:rPr lang="en-US" sz="11500" spc="-300" dirty="0">
+                <a:solidFill>
+                  <a:srgbClr val="EE7D30"/>
+                </a:solidFill>
+                <a:latin typeface="Arial" panose="020B0604020202020204" pitchFamily="34" charset="0"/>
+                <a:cs typeface="Arial" panose="020B0604020202020204" pitchFamily="34" charset="0"/>
+              </a:rPr>
+              <a:t>Dr.</a:t>
+            </a:r>
+            <a:r>
+              <a:rPr lang="en-US" sz="6600" spc="-300" dirty="0">
+                <a:solidFill>
+                  <a:srgbClr val="EE7D30"/>
+                </a:solidFill>
+                <a:latin typeface="Arial" panose="020B0604020202020204" pitchFamily="34" charset="0"/>
+                <a:cs typeface="Arial" panose="020B0604020202020204" pitchFamily="34" charset="0"/>
+              </a:rPr>
+              <a:t> </a:t>
+            </a:r>
+            <a:r>
+              <a:rPr lang="en-US" sz="11500" spc="-300" dirty="0">
+                <a:solidFill>
+                  <a:srgbClr val="EE7D30"/>
+                </a:solidFill>
+                <a:latin typeface="Arial" panose="020B0604020202020204" pitchFamily="34" charset="0"/>
+                <a:cs typeface="Arial" panose="020B0604020202020204" pitchFamily="34" charset="0"/>
+              </a:rPr>
+              <a:t>X</a:t>
+            </a:r>
+            <a:r>
+              <a:rPr lang="en-US" sz="8800" spc="-300" dirty="0">
+                <a:solidFill>
+                  <a:srgbClr val="EE7D30"/>
+                </a:solidFill>
+                <a:latin typeface="Arial" panose="020B0604020202020204" pitchFamily="34" charset="0"/>
+                <a:cs typeface="Arial" panose="020B0604020202020204" pitchFamily="34" charset="0"/>
+              </a:rPr>
+              <a:t>Ú</a:t>
+            </a:r>
+            <a:endParaRPr lang="en-US" sz="9600" spc="-300" dirty="0">
+              <a:solidFill>
+                <a:srgbClr val="EE7D30"/>
+              </a:solidFill>
+              <a:latin typeface="Arial" panose="020B0604020202020204" pitchFamily="34" charset="0"/>
+              <a:cs typeface="Arial" panose="020B0604020202020204" pitchFamily="34" charset="0"/>
+            </a:endParaRPr>
+          </a:p>
+        </p:txBody>
+      </p:sp>
+      <p:sp>
+        <p:nvSpPr>
+          <p:cNvPr id="10" name="TextBox 9">
+            <a:extLst>
+              <a:ext uri="{FF2B5EF4-FFF2-40B4-BE49-F238E27FC236}">
+                <a16:creationId xmlns:a16="http://schemas.microsoft.com/office/drawing/2014/main" id="{EF81F04B-E831-E708-9897-55FF13E576D7}"/>
+              </a:ext>
+            </a:extLst>
+          </p:cNvPr>
+          <p:cNvSpPr txBox="1"/>
+          <p:nvPr/>
+        </p:nvSpPr>
+        <p:spPr>
+          <a:xfrm>
+            <a:off x="6067868" y="3020161"/>
+            <a:ext cx="4378634" cy="1862048"/>
+          </a:xfrm>
+          <a:prstGeom prst="rect">
+            <a:avLst/>
+          </a:prstGeom>
+          <a:noFill/>
+        </p:spPr>
+        <p:txBody>
+          <a:bodyPr wrap="square" rtlCol="0">
+            <a:spAutoFit/>
+          </a:bodyPr>
+          <a:lstStyle/>
+          <a:p>
+            <a:r>
+              <a:rPr lang="en-US" sz="11500" spc="300" dirty="0">
+                <a:solidFill>
+                  <a:srgbClr val="193C7D"/>
+                </a:solidFill>
+                <a:latin typeface="Arial" panose="020B0604020202020204" pitchFamily="34" charset="0"/>
+                <a:cs typeface="Arial" panose="020B0604020202020204" pitchFamily="34" charset="0"/>
+              </a:rPr>
+              <a:t>H</a:t>
+            </a:r>
+            <a:r>
+              <a:rPr lang="en-US" sz="8800" spc="300" dirty="0">
+                <a:solidFill>
+                  <a:srgbClr val="193C7D"/>
+                </a:solidFill>
+                <a:latin typeface="Arial" panose="020B0604020202020204" pitchFamily="34" charset="0"/>
+                <a:cs typeface="Arial" panose="020B0604020202020204" pitchFamily="34" charset="0"/>
+              </a:rPr>
+              <a:t>ONG</a:t>
+            </a:r>
+            <a:r>
+              <a:rPr lang="zh-CN" altLang="en-US" sz="9600" spc="300" dirty="0">
+                <a:solidFill>
+                  <a:srgbClr val="193C7D"/>
+                </a:solidFill>
+                <a:latin typeface="Arial" panose="020B0604020202020204" pitchFamily="34" charset="0"/>
+                <a:cs typeface="Arial" panose="020B0604020202020204" pitchFamily="34" charset="0"/>
+              </a:rPr>
+              <a:t> </a:t>
+            </a:r>
+            <a:endParaRPr lang="en-US" altLang="zh-CN" sz="9600" spc="300" dirty="0">
+              <a:solidFill>
+                <a:srgbClr val="193C7D"/>
+              </a:solidFill>
+              <a:latin typeface="Arial" panose="020B0604020202020204" pitchFamily="34" charset="0"/>
+              <a:cs typeface="Arial" panose="020B0604020202020204" pitchFamily="34" charset="0"/>
+            </a:endParaRPr>
+          </a:p>
+        </p:txBody>
+      </p:sp>
+      <p:sp>
+        <p:nvSpPr>
+          <p:cNvPr id="2" name="TextBox 1">
+            <a:extLst>
+              <a:ext uri="{FF2B5EF4-FFF2-40B4-BE49-F238E27FC236}">
+                <a16:creationId xmlns:a16="http://schemas.microsoft.com/office/drawing/2014/main" id="{8ACC2E12-BAF5-1435-CEC8-F161FAF7D8FB}"/>
+              </a:ext>
+            </a:extLst>
+          </p:cNvPr>
+          <p:cNvSpPr txBox="1"/>
+          <p:nvPr/>
+        </p:nvSpPr>
+        <p:spPr>
+          <a:xfrm>
+            <a:off x="10874673" y="1502404"/>
+            <a:ext cx="4378633" cy="1862048"/>
+          </a:xfrm>
+          <a:prstGeom prst="rect">
+            <a:avLst/>
+          </a:prstGeom>
+          <a:noFill/>
+        </p:spPr>
+        <p:txBody>
+          <a:bodyPr wrap="square" rtlCol="0">
+            <a:spAutoFit/>
+          </a:bodyPr>
+          <a:lstStyle/>
+          <a:p>
+            <a:r>
+              <a:rPr lang="en-US" sz="11500" spc="-300" dirty="0">
+                <a:solidFill>
+                  <a:srgbClr val="EE7D30"/>
+                </a:solidFill>
+                <a:latin typeface="Arial" panose="020B0604020202020204" pitchFamily="34" charset="0"/>
+                <a:ea typeface="Hiragino Sans W2" panose="020B0300000000000000" pitchFamily="34" charset="-128"/>
+                <a:cs typeface="Arial" panose="020B0604020202020204" pitchFamily="34" charset="0"/>
+              </a:rPr>
+              <a:t>Hsu</a:t>
+            </a:r>
+            <a:endParaRPr lang="en-US" sz="8800" spc="-300" dirty="0">
+              <a:solidFill>
+                <a:srgbClr val="EE7D30"/>
+              </a:solidFill>
+              <a:latin typeface="Arial" panose="020B0604020202020204" pitchFamily="34" charset="0"/>
+              <a:ea typeface="Hiragino Sans W2" panose="020B0300000000000000" pitchFamily="34" charset="-128"/>
+              <a:cs typeface="Arial" panose="020B0604020202020204" pitchFamily="34" charset="0"/>
+            </a:endParaRPr>
+          </a:p>
+        </p:txBody>
+      </p:sp>
+      <p:sp>
+        <p:nvSpPr>
+          <p:cNvPr id="3" name="TextBox 2">
+            <a:extLst>
+              <a:ext uri="{FF2B5EF4-FFF2-40B4-BE49-F238E27FC236}">
+                <a16:creationId xmlns:a16="http://schemas.microsoft.com/office/drawing/2014/main" id="{A216E084-5254-4252-8CEF-17262AB46251}"/>
+              </a:ext>
+            </a:extLst>
+          </p:cNvPr>
+          <p:cNvSpPr txBox="1"/>
+          <p:nvPr/>
+        </p:nvSpPr>
+        <p:spPr>
+          <a:xfrm>
+            <a:off x="10867414" y="3020161"/>
+            <a:ext cx="5849953" cy="1862048"/>
+          </a:xfrm>
+          <a:prstGeom prst="rect">
+            <a:avLst/>
+          </a:prstGeom>
+          <a:noFill/>
+        </p:spPr>
+        <p:txBody>
+          <a:bodyPr wrap="square" rtlCol="0">
+            <a:spAutoFit/>
+          </a:bodyPr>
+          <a:lstStyle/>
+          <a:p>
+            <a:r>
+              <a:rPr lang="en-US" sz="11500" spc="300" dirty="0">
+                <a:solidFill>
+                  <a:srgbClr val="193C7D"/>
+                </a:solidFill>
+                <a:latin typeface="Arial" panose="020B0604020202020204" pitchFamily="34" charset="0"/>
+                <a:ea typeface="Hiragino Sans W2" panose="020B0300000000000000" pitchFamily="34" charset="-128"/>
+                <a:cs typeface="Arial" panose="020B0604020202020204" pitchFamily="34" charset="0"/>
+              </a:rPr>
+              <a:t>H</a:t>
+            </a:r>
+            <a:r>
+              <a:rPr lang="en-US" sz="8800" spc="300" dirty="0">
+                <a:solidFill>
+                  <a:srgbClr val="193C7D"/>
+                </a:solidFill>
+                <a:latin typeface="Arial" panose="020B0604020202020204" pitchFamily="34" charset="0"/>
+                <a:ea typeface="Hiragino Sans W2" panose="020B0300000000000000" pitchFamily="34" charset="-128"/>
+                <a:cs typeface="Arial" panose="020B0604020202020204" pitchFamily="34" charset="0"/>
+              </a:rPr>
+              <a:t>ELIOS</a:t>
+            </a:r>
+            <a:r>
+              <a:rPr lang="zh-CN" altLang="en-US" sz="9600" spc="300" dirty="0">
+                <a:solidFill>
+                  <a:srgbClr val="193C7D"/>
+                </a:solidFill>
+                <a:latin typeface="Arial" panose="020B0604020202020204" pitchFamily="34" charset="0"/>
+                <a:cs typeface="Arial" panose="020B0604020202020204" pitchFamily="34" charset="0"/>
+              </a:rPr>
+              <a:t> </a:t>
+            </a:r>
+            <a:endParaRPr lang="en-US" altLang="zh-CN" sz="9600" spc="300" dirty="0">
+              <a:solidFill>
+                <a:srgbClr val="193C7D"/>
+              </a:solidFill>
+              <a:latin typeface="Arial" panose="020B0604020202020204" pitchFamily="34" charset="0"/>
+              <a:cs typeface="Arial" panose="020B0604020202020204" pitchFamily="34" charset="0"/>
+            </a:endParaRPr>
+          </a:p>
+        </p:txBody>
+      </p:sp>
+      <p:cxnSp>
+        <p:nvCxnSpPr>
+          <p:cNvPr id="5" name="Straight Connector 4">
+            <a:extLst>
+              <a:ext uri="{FF2B5EF4-FFF2-40B4-BE49-F238E27FC236}">
+                <a16:creationId xmlns:a16="http://schemas.microsoft.com/office/drawing/2014/main" id="{4A437575-06ED-BA35-2BD4-13DE33F5FD1C}"/>
+              </a:ext>
+            </a:extLst>
+          </p:cNvPr>
+          <p:cNvCxnSpPr/>
+          <p:nvPr/>
+        </p:nvCxnSpPr>
+        <p:spPr>
+          <a:xfrm>
+            <a:off x="10446502" y="1923142"/>
+            <a:ext cx="0" cy="2560320"/>
+          </a:xfrm>
+          <a:prstGeom prst="line">
+            <a:avLst/>
+          </a:prstGeom>
+          <a:ln w="19050">
+            <a:solidFill>
+              <a:schemeClr val="bg1">
+                <a:lumMod val="65000"/>
+              </a:schemeClr>
+            </a:solidFill>
+          </a:ln>
+        </p:spPr>
+        <p:style>
+          <a:lnRef idx="1">
+            <a:schemeClr val="accent1"/>
+          </a:lnRef>
+          <a:fillRef idx="0">
+            <a:schemeClr val="accent1"/>
+          </a:fillRef>
+          <a:effectRef idx="0">
+            <a:schemeClr val="accent1"/>
+          </a:effectRef>
+          <a:fontRef idx="minor">
+            <a:schemeClr val="tx1"/>
+          </a:fontRef>
+        </p:style>
+      </p:cxnSp>
       <p:pic>
         <p:nvPicPr>
-          <p:cNvPr id="15" name="Picture 2" descr="Image">
-            <a:extLst>
-              <a:ext uri="{FF2B5EF4-FFF2-40B4-BE49-F238E27FC236}">
-                <a16:creationId xmlns:a16="http://schemas.microsoft.com/office/drawing/2014/main" id="{8AF25FF2-3D53-F8B3-666A-101DC6E0FA78}"/>
+          <p:cNvPr id="7" name="Picture 2" descr="Image">
+            <a:extLst>
+              <a:ext uri="{FF2B5EF4-FFF2-40B4-BE49-F238E27FC236}">
+                <a16:creationId xmlns:a16="http://schemas.microsoft.com/office/drawing/2014/main" id="{23F2F615-820B-07C9-E672-5E46661DCF86}"/>
               </a:ext>
             </a:extLst>
           </p:cNvPr>
@@ -9452,7 +9865,7 @@
     </p:spTree>
     <p:extLst>
       <p:ext uri="{BB962C8B-B14F-4D97-AF65-F5344CB8AC3E}">
-        <p14:creationId xmlns:p14="http://schemas.microsoft.com/office/powerpoint/2010/main" val="1205243765"/>
+        <p14:creationId xmlns:p14="http://schemas.microsoft.com/office/powerpoint/2010/main" val="84928426"/>
       </p:ext>
     </p:extLst>
   </p:cSld>
@@ -9479,6 +9892,130 @@
           <a:chExt cx="0" cy="0"/>
         </a:xfrm>
       </p:grpSpPr>
+      <p:sp>
+        <p:nvSpPr>
+          <p:cNvPr id="6" name="TextBox 5">
+            <a:extLst>
+              <a:ext uri="{FF2B5EF4-FFF2-40B4-BE49-F238E27FC236}">
+                <a16:creationId xmlns:a16="http://schemas.microsoft.com/office/drawing/2014/main" id="{4DFBD53B-29E4-A9DB-B886-CF96C0991B6D}"/>
+              </a:ext>
+            </a:extLst>
+          </p:cNvPr>
+          <p:cNvSpPr txBox="1"/>
+          <p:nvPr/>
+        </p:nvSpPr>
+        <p:spPr>
+          <a:xfrm>
+            <a:off x="6116328" y="1503332"/>
+            <a:ext cx="3916066" cy="1862048"/>
+          </a:xfrm>
+          <a:prstGeom prst="rect">
+            <a:avLst/>
+          </a:prstGeom>
+          <a:noFill/>
+        </p:spPr>
+        <p:txBody>
+          <a:bodyPr wrap="square" rtlCol="0">
+            <a:spAutoFit/>
+          </a:bodyPr>
+          <a:lstStyle/>
+          <a:p>
+            <a:r>
+              <a:rPr lang="az-Cyrl-AZ" sz="11500" spc="1300" dirty="0">
+                <a:solidFill>
+                  <a:srgbClr val="EE7D30"/>
+                </a:solidFill>
+                <a:latin typeface="Arial" panose="020B0604020202020204" pitchFamily="34" charset="0"/>
+                <a:cs typeface="Arial" panose="020B0604020202020204" pitchFamily="34" charset="0"/>
+              </a:rPr>
+              <a:t>С</a:t>
+            </a:r>
+            <a:r>
+              <a:rPr lang="az-Cyrl-AZ" sz="8800" spc="1300" dirty="0">
+                <a:solidFill>
+                  <a:srgbClr val="EE7D30"/>
+                </a:solidFill>
+                <a:latin typeface="Arial" panose="020B0604020202020204" pitchFamily="34" charset="0"/>
+                <a:cs typeface="Arial" panose="020B0604020202020204" pitchFamily="34" charset="0"/>
+              </a:rPr>
+              <a:t>ЮЙ</a:t>
+            </a:r>
+            <a:r>
+              <a:rPr lang="zh-CN" altLang="en-US" sz="9600" spc="1300" dirty="0">
+                <a:solidFill>
+                  <a:srgbClr val="EE7D30"/>
+                </a:solidFill>
+                <a:latin typeface="Arial" panose="020B0604020202020204" pitchFamily="34" charset="0"/>
+                <a:cs typeface="Arial" panose="020B0604020202020204" pitchFamily="34" charset="0"/>
+              </a:rPr>
+              <a:t> </a:t>
+            </a:r>
+            <a:endParaRPr lang="en-US" altLang="zh-CN" sz="9600" spc="1300" dirty="0">
+              <a:solidFill>
+                <a:srgbClr val="EE7D30"/>
+              </a:solidFill>
+              <a:latin typeface="Arial" panose="020B0604020202020204" pitchFamily="34" charset="0"/>
+              <a:cs typeface="Arial" panose="020B0604020202020204" pitchFamily="34" charset="0"/>
+            </a:endParaRPr>
+          </a:p>
+        </p:txBody>
+      </p:sp>
+      <p:sp>
+        <p:nvSpPr>
+          <p:cNvPr id="3" name="TextBox 2">
+            <a:extLst>
+              <a:ext uri="{FF2B5EF4-FFF2-40B4-BE49-F238E27FC236}">
+                <a16:creationId xmlns:a16="http://schemas.microsoft.com/office/drawing/2014/main" id="{2C070E27-2E91-F385-8BE6-8C4138778241}"/>
+              </a:ext>
+            </a:extLst>
+          </p:cNvPr>
+          <p:cNvSpPr txBox="1"/>
+          <p:nvPr/>
+        </p:nvSpPr>
+        <p:spPr>
+          <a:xfrm>
+            <a:off x="6218247" y="3008473"/>
+            <a:ext cx="3814147" cy="1862048"/>
+          </a:xfrm>
+          <a:prstGeom prst="rect">
+            <a:avLst/>
+          </a:prstGeom>
+          <a:noFill/>
+        </p:spPr>
+        <p:txBody>
+          <a:bodyPr wrap="square">
+            <a:spAutoFit/>
+          </a:bodyPr>
+          <a:lstStyle/>
+          <a:p>
+            <a:r>
+              <a:rPr lang="az-Cyrl-AZ" sz="11500" spc="-300" dirty="0">
+                <a:solidFill>
+                  <a:srgbClr val="193C7D"/>
+                </a:solidFill>
+                <a:latin typeface="Arial" panose="020B0604020202020204" pitchFamily="34" charset="0"/>
+                <a:cs typeface="Arial" panose="020B0604020202020204" pitchFamily="34" charset="0"/>
+              </a:rPr>
+              <a:t>Х</a:t>
+            </a:r>
+            <a:r>
+              <a:rPr lang="az-Cyrl-AZ" sz="8800" spc="-300" dirty="0">
+                <a:solidFill>
+                  <a:srgbClr val="193C7D"/>
+                </a:solidFill>
+                <a:latin typeface="Arial" panose="020B0604020202020204" pitchFamily="34" charset="0"/>
+                <a:cs typeface="Arial" panose="020B0604020202020204" pitchFamily="34" charset="0"/>
+              </a:rPr>
+              <a:t>ОНГ </a:t>
+            </a:r>
+            <a:endParaRPr lang="en-US" sz="8800" spc="-300" dirty="0">
+              <a:solidFill>
+                <a:srgbClr val="193C7D"/>
+              </a:solidFill>
+            </a:endParaRPr>
+          </a:p>
+        </p:txBody>
+      </p:sp>
       <p:pic>
         <p:nvPicPr>
           <p:cNvPr id="12" name="Picture 2" descr="Image">
@@ -9569,127 +10106,10 @@
           </a:extLst>
         </p:spPr>
       </p:pic>
-      <p:sp>
-        <p:nvSpPr>
-          <p:cNvPr id="11" name="TextBox 10">
-            <a:extLst>
-              <a:ext uri="{FF2B5EF4-FFF2-40B4-BE49-F238E27FC236}">
-                <a16:creationId xmlns:a16="http://schemas.microsoft.com/office/drawing/2014/main" id="{B90CB2AB-23C2-CC33-E4E7-A0C19758A6C2}"/>
-              </a:ext>
-            </a:extLst>
-          </p:cNvPr>
-          <p:cNvSpPr txBox="1"/>
-          <p:nvPr/>
-        </p:nvSpPr>
-        <p:spPr>
-          <a:xfrm>
-            <a:off x="11042143" y="1115587"/>
-            <a:ext cx="3360266" cy="2215991"/>
-          </a:xfrm>
-          <a:prstGeom prst="rect">
-            <a:avLst/>
-          </a:prstGeom>
-          <a:noFill/>
-        </p:spPr>
-        <p:txBody>
-          <a:bodyPr wrap="square" rtlCol="0">
-            <a:spAutoFit/>
-          </a:bodyPr>
-          <a:lstStyle/>
-          <a:p>
-            <a:r>
-              <a:rPr lang="ar-AE" sz="13800" spc="600" dirty="0">
-                <a:solidFill>
-                  <a:srgbClr val="EE7D30"/>
-                </a:solidFill>
-                <a:latin typeface="Arial" panose="020B0604020202020204" pitchFamily="34" charset="0"/>
-                <a:ea typeface="Osaka" panose="020B0600000000000000" pitchFamily="34" charset="-128"/>
-                <a:cs typeface="Arial" panose="020B0604020202020204" pitchFamily="34" charset="0"/>
-              </a:rPr>
-              <a:t>د.شو</a:t>
-            </a:r>
-          </a:p>
-        </p:txBody>
-      </p:sp>
-      <p:sp>
-        <p:nvSpPr>
-          <p:cNvPr id="13" name="TextBox 12">
-            <a:extLst>
-              <a:ext uri="{FF2B5EF4-FFF2-40B4-BE49-F238E27FC236}">
-                <a16:creationId xmlns:a16="http://schemas.microsoft.com/office/drawing/2014/main" id="{D615DA0C-1478-EABF-606D-85BA2D32DE73}"/>
-              </a:ext>
-            </a:extLst>
-          </p:cNvPr>
-          <p:cNvSpPr txBox="1"/>
-          <p:nvPr/>
-        </p:nvSpPr>
-        <p:spPr>
-          <a:xfrm>
-            <a:off x="11144065" y="2741884"/>
-            <a:ext cx="3258343" cy="2215991"/>
-          </a:xfrm>
-          <a:prstGeom prst="rect">
-            <a:avLst/>
-          </a:prstGeom>
-          <a:noFill/>
-        </p:spPr>
-        <p:txBody>
-          <a:bodyPr wrap="square">
-            <a:spAutoFit/>
-          </a:bodyPr>
-          <a:lstStyle/>
-          <a:p>
-            <a:r>
-              <a:rPr lang="ar-AE" sz="13800" spc="600" dirty="0">
-                <a:solidFill>
-                  <a:srgbClr val="193C7D"/>
-                </a:solidFill>
-                <a:latin typeface="Arial" panose="020B0604020202020204" pitchFamily="34" charset="0"/>
-                <a:cs typeface="Arial" panose="020B0604020202020204" pitchFamily="34" charset="0"/>
-              </a:rPr>
-              <a:t>هونغ</a:t>
-            </a:r>
-            <a:endParaRPr lang="en-US" sz="9600" spc="600" dirty="0">
-              <a:solidFill>
-                <a:srgbClr val="193C7D"/>
-              </a:solidFill>
-            </a:endParaRPr>
-          </a:p>
-        </p:txBody>
-      </p:sp>
-      <p:pic>
-        <p:nvPicPr>
-          <p:cNvPr id="17" name="Picture 16">
-            <a:extLst>
-              <a:ext uri="{FF2B5EF4-FFF2-40B4-BE49-F238E27FC236}">
-                <a16:creationId xmlns:a16="http://schemas.microsoft.com/office/drawing/2014/main" id="{2BAF8D54-0234-AE59-E297-6F53B08F45BB}"/>
-              </a:ext>
-            </a:extLst>
-          </p:cNvPr>
-          <p:cNvPicPr>
-            <a:picLocks noChangeAspect="1"/>
-          </p:cNvPicPr>
-          <p:nvPr/>
-        </p:nvPicPr>
-        <p:blipFill rotWithShape="1">
-          <a:blip r:embed="rId4"/>
-          <a:srcRect l="14200" t="15198" r="25857" b="17307"/>
-          <a:stretch/>
-        </p:blipFill>
-        <p:spPr>
-          <a:xfrm>
-            <a:off x="5836626" y="1496780"/>
-            <a:ext cx="3448594" cy="3557328"/>
-          </a:xfrm>
-          <a:prstGeom prst="rect">
-            <a:avLst/>
-          </a:prstGeom>
-        </p:spPr>
-      </p:pic>
     </p:spTree>
     <p:extLst>
       <p:ext uri="{BB962C8B-B14F-4D97-AF65-F5344CB8AC3E}">
-        <p14:creationId xmlns:p14="http://schemas.microsoft.com/office/powerpoint/2010/main" val="3709372373"/>
+        <p14:creationId xmlns:p14="http://schemas.microsoft.com/office/powerpoint/2010/main" val="1205243765"/>
       </p:ext>
     </p:extLst>
   </p:cSld>

--- a/images/logo-multi-lang.pptx
+++ b/images/logo-multi-lang.pptx
@@ -5,25 +5,26 @@
     <p:sldMasterId id="2147483648" r:id="rId1"/>
   </p:sldMasterIdLst>
   <p:notesMasterIdLst>
-    <p:notesMasterId r:id="rId18"/>
+    <p:notesMasterId r:id="rId19"/>
   </p:notesMasterIdLst>
   <p:sldIdLst>
     <p:sldId id="256" r:id="rId2"/>
     <p:sldId id="273" r:id="rId3"/>
     <p:sldId id="258" r:id="rId4"/>
     <p:sldId id="259" r:id="rId5"/>
-    <p:sldId id="261" r:id="rId6"/>
-    <p:sldId id="268" r:id="rId7"/>
-    <p:sldId id="269" r:id="rId8"/>
-    <p:sldId id="270" r:id="rId9"/>
-    <p:sldId id="265" r:id="rId10"/>
-    <p:sldId id="272" r:id="rId11"/>
-    <p:sldId id="262" r:id="rId12"/>
-    <p:sldId id="263" r:id="rId13"/>
-    <p:sldId id="264" r:id="rId14"/>
-    <p:sldId id="266" r:id="rId15"/>
-    <p:sldId id="267" r:id="rId16"/>
-    <p:sldId id="260" r:id="rId17"/>
+    <p:sldId id="274" r:id="rId6"/>
+    <p:sldId id="261" r:id="rId7"/>
+    <p:sldId id="268" r:id="rId8"/>
+    <p:sldId id="269" r:id="rId9"/>
+    <p:sldId id="270" r:id="rId10"/>
+    <p:sldId id="265" r:id="rId11"/>
+    <p:sldId id="272" r:id="rId12"/>
+    <p:sldId id="262" r:id="rId13"/>
+    <p:sldId id="263" r:id="rId14"/>
+    <p:sldId id="264" r:id="rId15"/>
+    <p:sldId id="266" r:id="rId16"/>
+    <p:sldId id="267" r:id="rId17"/>
+    <p:sldId id="260" r:id="rId18"/>
   </p:sldIdLst>
   <p:sldSz cx="12192000" cy="6858000"/>
   <p:notesSz cx="6858000" cy="9144000"/>
@@ -131,6 +132,7 @@
             <p14:sldId id="273"/>
             <p14:sldId id="258"/>
             <p14:sldId id="259"/>
+            <p14:sldId id="274"/>
             <p14:sldId id="261"/>
             <p14:sldId id="268"/>
             <p14:sldId id="269"/>
@@ -665,7 +667,7 @@
     </p:spTree>
     <p:extLst>
       <p:ext uri="{BB962C8B-B14F-4D97-AF65-F5344CB8AC3E}">
-        <p14:creationId xmlns:p14="http://schemas.microsoft.com/office/powerpoint/2010/main" val="3434539173"/>
+        <p14:creationId xmlns:p14="http://schemas.microsoft.com/office/powerpoint/2010/main" val="84484294"/>
       </p:ext>
     </p:extLst>
   </p:cSld>
@@ -749,7 +751,7 @@
     </p:spTree>
     <p:extLst>
       <p:ext uri="{BB962C8B-B14F-4D97-AF65-F5344CB8AC3E}">
-        <p14:creationId xmlns:p14="http://schemas.microsoft.com/office/powerpoint/2010/main" val="2562499369"/>
+        <p14:creationId xmlns:p14="http://schemas.microsoft.com/office/powerpoint/2010/main" val="3434539173"/>
       </p:ext>
     </p:extLst>
   </p:cSld>
@@ -825,6 +827,90 @@
             <a:fld id="{926BFB2E-ED9B-FE4A-A569-A62DBFBACDD7}" type="slidenum">
               <a:rPr lang="en-US" smtClean="0"/>
               <a:t>14</a:t>
+            </a:fld>
+            <a:endParaRPr lang="en-US"/>
+          </a:p>
+        </p:txBody>
+      </p:sp>
+    </p:spTree>
+    <p:extLst>
+      <p:ext uri="{BB962C8B-B14F-4D97-AF65-F5344CB8AC3E}">
+        <p14:creationId xmlns:p14="http://schemas.microsoft.com/office/powerpoint/2010/main" val="2562499369"/>
+      </p:ext>
+    </p:extLst>
+  </p:cSld>
+  <p:clrMapOvr>
+    <a:masterClrMapping/>
+  </p:clrMapOvr>
+</p:notes>
+</file>
+
+<file path=ppt/notesSlides/notesSlide13.xml><?xml version="1.0" encoding="utf-8"?>
+<p:notes xmlns:a="http://schemas.openxmlformats.org/drawingml/2006/main" xmlns:r="http://schemas.openxmlformats.org/officeDocument/2006/relationships" xmlns:p="http://schemas.openxmlformats.org/presentationml/2006/main">
+  <p:cSld>
+    <p:spTree>
+      <p:nvGrpSpPr>
+        <p:cNvPr id="1" name=""/>
+        <p:cNvGrpSpPr/>
+        <p:nvPr/>
+      </p:nvGrpSpPr>
+      <p:grpSpPr>
+        <a:xfrm>
+          <a:off x="0" y="0"/>
+          <a:ext cx="0" cy="0"/>
+          <a:chOff x="0" y="0"/>
+          <a:chExt cx="0" cy="0"/>
+        </a:xfrm>
+      </p:grpSpPr>
+      <p:sp>
+        <p:nvSpPr>
+          <p:cNvPr id="2" name="Slide Image Placeholder 1"/>
+          <p:cNvSpPr>
+            <a:spLocks noGrp="1" noRot="1" noChangeAspect="1"/>
+          </p:cNvSpPr>
+          <p:nvPr>
+            <p:ph type="sldImg"/>
+          </p:nvPr>
+        </p:nvSpPr>
+        <p:spPr/>
+      </p:sp>
+      <p:sp>
+        <p:nvSpPr>
+          <p:cNvPr id="3" name="Notes Placeholder 2"/>
+          <p:cNvSpPr>
+            <a:spLocks noGrp="1"/>
+          </p:cNvSpPr>
+          <p:nvPr>
+            <p:ph type="body" idx="1"/>
+          </p:nvPr>
+        </p:nvSpPr>
+        <p:spPr/>
+        <p:txBody>
+          <a:bodyPr/>
+          <a:lstStyle/>
+          <a:p>
+            <a:endParaRPr lang="en-US" dirty="0"/>
+          </a:p>
+        </p:txBody>
+      </p:sp>
+      <p:sp>
+        <p:nvSpPr>
+          <p:cNvPr id="4" name="Slide Number Placeholder 3"/>
+          <p:cNvSpPr>
+            <a:spLocks noGrp="1"/>
+          </p:cNvSpPr>
+          <p:nvPr>
+            <p:ph type="sldNum" sz="quarter" idx="5"/>
+          </p:nvPr>
+        </p:nvSpPr>
+        <p:spPr/>
+        <p:txBody>
+          <a:bodyPr/>
+          <a:lstStyle/>
+          <a:p>
+            <a:fld id="{926BFB2E-ED9B-FE4A-A569-A62DBFBACDD7}" type="slidenum">
+              <a:rPr lang="en-US" smtClean="0"/>
+              <a:t>15</a:t>
             </a:fld>
             <a:endParaRPr lang="en-US"/>
           </a:p>
@@ -1001,7 +1087,7 @@
     </p:spTree>
     <p:extLst>
       <p:ext uri="{BB962C8B-B14F-4D97-AF65-F5344CB8AC3E}">
-        <p14:creationId xmlns:p14="http://schemas.microsoft.com/office/powerpoint/2010/main" val="1992019798"/>
+        <p14:creationId xmlns:p14="http://schemas.microsoft.com/office/powerpoint/2010/main" val="1334370267"/>
       </p:ext>
     </p:extLst>
   </p:cSld>
@@ -1085,7 +1171,7 @@
     </p:spTree>
     <p:extLst>
       <p:ext uri="{BB962C8B-B14F-4D97-AF65-F5344CB8AC3E}">
-        <p14:creationId xmlns:p14="http://schemas.microsoft.com/office/powerpoint/2010/main" val="4091741740"/>
+        <p14:creationId xmlns:p14="http://schemas.microsoft.com/office/powerpoint/2010/main" val="1992019798"/>
       </p:ext>
     </p:extLst>
   </p:cSld>
@@ -1169,7 +1255,7 @@
     </p:spTree>
     <p:extLst>
       <p:ext uri="{BB962C8B-B14F-4D97-AF65-F5344CB8AC3E}">
-        <p14:creationId xmlns:p14="http://schemas.microsoft.com/office/powerpoint/2010/main" val="2430316426"/>
+        <p14:creationId xmlns:p14="http://schemas.microsoft.com/office/powerpoint/2010/main" val="4091741740"/>
       </p:ext>
     </p:extLst>
   </p:cSld>
@@ -1253,7 +1339,7 @@
     </p:spTree>
     <p:extLst>
       <p:ext uri="{BB962C8B-B14F-4D97-AF65-F5344CB8AC3E}">
-        <p14:creationId xmlns:p14="http://schemas.microsoft.com/office/powerpoint/2010/main" val="4116571484"/>
+        <p14:creationId xmlns:p14="http://schemas.microsoft.com/office/powerpoint/2010/main" val="2430316426"/>
       </p:ext>
     </p:extLst>
   </p:cSld>
@@ -1307,35 +1393,6 @@
           <a:bodyPr/>
           <a:lstStyle/>
           <a:p>
-            <a:pPr marL="0" marR="0" lvl="0" indent="0" algn="l" defTabSz="914400" rtl="0" eaLnBrk="1" fontAlgn="auto" latinLnBrk="0" hangingPunct="1">
-              <a:lnSpc>
-                <a:spcPct val="100000"/>
-              </a:lnSpc>
-              <a:spcBef>
-                <a:spcPts val="0"/>
-              </a:spcBef>
-              <a:spcAft>
-                <a:spcPts val="0"/>
-              </a:spcAft>
-              <a:buClrTx/>
-              <a:buSzTx/>
-              <a:buFontTx/>
-              <a:buNone/>
-              <a:tabLst/>
-              <a:defRPr/>
-            </a:pPr>
-            <a:r>
-              <a:rPr lang="az-Cyrl-AZ" b="0" dirty="0">
-                <a:solidFill>
-                  <a:srgbClr val="CCCCCC"/>
-                </a:solidFill>
-                <a:effectLst/>
-                <a:latin typeface="Menlo" panose="020B0609030804020204" pitchFamily="49" charset="0"/>
-              </a:rPr>
-              <a:t>Хонг Сюй </a:t>
-            </a:r>
-          </a:p>
-          <a:p>
             <a:endParaRPr lang="en-US" dirty="0"/>
           </a:p>
         </p:txBody>
@@ -1366,7 +1423,7 @@
     </p:spTree>
     <p:extLst>
       <p:ext uri="{BB962C8B-B14F-4D97-AF65-F5344CB8AC3E}">
-        <p14:creationId xmlns:p14="http://schemas.microsoft.com/office/powerpoint/2010/main" val="252236471"/>
+        <p14:creationId xmlns:p14="http://schemas.microsoft.com/office/powerpoint/2010/main" val="4116571484"/>
       </p:ext>
     </p:extLst>
   </p:cSld>
@@ -1479,7 +1536,7 @@
     </p:spTree>
     <p:extLst>
       <p:ext uri="{BB962C8B-B14F-4D97-AF65-F5344CB8AC3E}">
-        <p14:creationId xmlns:p14="http://schemas.microsoft.com/office/powerpoint/2010/main" val="3427386546"/>
+        <p14:creationId xmlns:p14="http://schemas.microsoft.com/office/powerpoint/2010/main" val="252236471"/>
       </p:ext>
     </p:extLst>
   </p:cSld>
@@ -1533,6 +1590,35 @@
           <a:bodyPr/>
           <a:lstStyle/>
           <a:p>
+            <a:pPr marL="0" marR="0" lvl="0" indent="0" algn="l" defTabSz="914400" rtl="0" eaLnBrk="1" fontAlgn="auto" latinLnBrk="0" hangingPunct="1">
+              <a:lnSpc>
+                <a:spcPct val="100000"/>
+              </a:lnSpc>
+              <a:spcBef>
+                <a:spcPts val="0"/>
+              </a:spcBef>
+              <a:spcAft>
+                <a:spcPts val="0"/>
+              </a:spcAft>
+              <a:buClrTx/>
+              <a:buSzTx/>
+              <a:buFontTx/>
+              <a:buNone/>
+              <a:tabLst/>
+              <a:defRPr/>
+            </a:pPr>
+            <a:r>
+              <a:rPr lang="az-Cyrl-AZ" b="0" dirty="0">
+                <a:solidFill>
+                  <a:srgbClr val="CCCCCC"/>
+                </a:solidFill>
+                <a:effectLst/>
+                <a:latin typeface="Menlo" panose="020B0609030804020204" pitchFamily="49" charset="0"/>
+              </a:rPr>
+              <a:t>Хонг Сюй </a:t>
+            </a:r>
+          </a:p>
+          <a:p>
             <a:endParaRPr lang="en-US" dirty="0"/>
           </a:p>
         </p:txBody>
@@ -1563,7 +1649,7 @@
     </p:spTree>
     <p:extLst>
       <p:ext uri="{BB962C8B-B14F-4D97-AF65-F5344CB8AC3E}">
-        <p14:creationId xmlns:p14="http://schemas.microsoft.com/office/powerpoint/2010/main" val="84484294"/>
+        <p14:creationId xmlns:p14="http://schemas.microsoft.com/office/powerpoint/2010/main" val="3427386546"/>
       </p:ext>
     </p:extLst>
   </p:cSld>
@@ -5100,6 +5186,130 @@
           <a:chExt cx="0" cy="0"/>
         </a:xfrm>
       </p:grpSpPr>
+      <p:sp>
+        <p:nvSpPr>
+          <p:cNvPr id="6" name="TextBox 5">
+            <a:extLst>
+              <a:ext uri="{FF2B5EF4-FFF2-40B4-BE49-F238E27FC236}">
+                <a16:creationId xmlns:a16="http://schemas.microsoft.com/office/drawing/2014/main" id="{4DFBD53B-29E4-A9DB-B886-CF96C0991B6D}"/>
+              </a:ext>
+            </a:extLst>
+          </p:cNvPr>
+          <p:cNvSpPr txBox="1"/>
+          <p:nvPr/>
+        </p:nvSpPr>
+        <p:spPr>
+          <a:xfrm>
+            <a:off x="6116328" y="1503332"/>
+            <a:ext cx="3916066" cy="1862048"/>
+          </a:xfrm>
+          <a:prstGeom prst="rect">
+            <a:avLst/>
+          </a:prstGeom>
+          <a:noFill/>
+        </p:spPr>
+        <p:txBody>
+          <a:bodyPr wrap="square" rtlCol="0">
+            <a:spAutoFit/>
+          </a:bodyPr>
+          <a:lstStyle/>
+          <a:p>
+            <a:r>
+              <a:rPr lang="az-Cyrl-AZ" sz="11500" spc="1300" dirty="0">
+                <a:solidFill>
+                  <a:srgbClr val="EE7D30"/>
+                </a:solidFill>
+                <a:latin typeface="Arial" panose="020B0604020202020204" pitchFamily="34" charset="0"/>
+                <a:cs typeface="Arial" panose="020B0604020202020204" pitchFamily="34" charset="0"/>
+              </a:rPr>
+              <a:t>С</a:t>
+            </a:r>
+            <a:r>
+              <a:rPr lang="az-Cyrl-AZ" sz="8800" spc="1300" dirty="0">
+                <a:solidFill>
+                  <a:srgbClr val="EE7D30"/>
+                </a:solidFill>
+                <a:latin typeface="Arial" panose="020B0604020202020204" pitchFamily="34" charset="0"/>
+                <a:cs typeface="Arial" panose="020B0604020202020204" pitchFamily="34" charset="0"/>
+              </a:rPr>
+              <a:t>ЮЙ</a:t>
+            </a:r>
+            <a:r>
+              <a:rPr lang="zh-CN" altLang="en-US" sz="9600" spc="1300" dirty="0">
+                <a:solidFill>
+                  <a:srgbClr val="EE7D30"/>
+                </a:solidFill>
+                <a:latin typeface="Arial" panose="020B0604020202020204" pitchFamily="34" charset="0"/>
+                <a:cs typeface="Arial" panose="020B0604020202020204" pitchFamily="34" charset="0"/>
+              </a:rPr>
+              <a:t> </a:t>
+            </a:r>
+            <a:endParaRPr lang="en-US" altLang="zh-CN" sz="9600" spc="1300" dirty="0">
+              <a:solidFill>
+                <a:srgbClr val="EE7D30"/>
+              </a:solidFill>
+              <a:latin typeface="Arial" panose="020B0604020202020204" pitchFamily="34" charset="0"/>
+              <a:cs typeface="Arial" panose="020B0604020202020204" pitchFamily="34" charset="0"/>
+            </a:endParaRPr>
+          </a:p>
+        </p:txBody>
+      </p:sp>
+      <p:sp>
+        <p:nvSpPr>
+          <p:cNvPr id="3" name="TextBox 2">
+            <a:extLst>
+              <a:ext uri="{FF2B5EF4-FFF2-40B4-BE49-F238E27FC236}">
+                <a16:creationId xmlns:a16="http://schemas.microsoft.com/office/drawing/2014/main" id="{2C070E27-2E91-F385-8BE6-8C4138778241}"/>
+              </a:ext>
+            </a:extLst>
+          </p:cNvPr>
+          <p:cNvSpPr txBox="1"/>
+          <p:nvPr/>
+        </p:nvSpPr>
+        <p:spPr>
+          <a:xfrm>
+            <a:off x="6218247" y="3008473"/>
+            <a:ext cx="3814147" cy="1862048"/>
+          </a:xfrm>
+          <a:prstGeom prst="rect">
+            <a:avLst/>
+          </a:prstGeom>
+          <a:noFill/>
+        </p:spPr>
+        <p:txBody>
+          <a:bodyPr wrap="square">
+            <a:spAutoFit/>
+          </a:bodyPr>
+          <a:lstStyle/>
+          <a:p>
+            <a:r>
+              <a:rPr lang="az-Cyrl-AZ" sz="11500" spc="-300" dirty="0">
+                <a:solidFill>
+                  <a:srgbClr val="193C7D"/>
+                </a:solidFill>
+                <a:latin typeface="Arial" panose="020B0604020202020204" pitchFamily="34" charset="0"/>
+                <a:cs typeface="Arial" panose="020B0604020202020204" pitchFamily="34" charset="0"/>
+              </a:rPr>
+              <a:t>Х</a:t>
+            </a:r>
+            <a:r>
+              <a:rPr lang="az-Cyrl-AZ" sz="8800" spc="-300" dirty="0">
+                <a:solidFill>
+                  <a:srgbClr val="193C7D"/>
+                </a:solidFill>
+                <a:latin typeface="Arial" panose="020B0604020202020204" pitchFamily="34" charset="0"/>
+                <a:cs typeface="Arial" panose="020B0604020202020204" pitchFamily="34" charset="0"/>
+              </a:rPr>
+              <a:t>ОНГ </a:t>
+            </a:r>
+            <a:endParaRPr lang="en-US" sz="8800" spc="-300" dirty="0">
+              <a:solidFill>
+                <a:srgbClr val="193C7D"/>
+              </a:solidFill>
+            </a:endParaRPr>
+          </a:p>
+        </p:txBody>
+      </p:sp>
       <p:pic>
         <p:nvPicPr>
           <p:cNvPr id="12" name="Picture 2" descr="Image">
@@ -5190,127 +5400,10 @@
           </a:extLst>
         </p:spPr>
       </p:pic>
-      <p:sp>
-        <p:nvSpPr>
-          <p:cNvPr id="11" name="TextBox 10">
-            <a:extLst>
-              <a:ext uri="{FF2B5EF4-FFF2-40B4-BE49-F238E27FC236}">
-                <a16:creationId xmlns:a16="http://schemas.microsoft.com/office/drawing/2014/main" id="{B90CB2AB-23C2-CC33-E4E7-A0C19758A6C2}"/>
-              </a:ext>
-            </a:extLst>
-          </p:cNvPr>
-          <p:cNvSpPr txBox="1"/>
-          <p:nvPr/>
-        </p:nvSpPr>
-        <p:spPr>
-          <a:xfrm>
-            <a:off x="11042143" y="1115587"/>
-            <a:ext cx="3360266" cy="2215991"/>
-          </a:xfrm>
-          <a:prstGeom prst="rect">
-            <a:avLst/>
-          </a:prstGeom>
-          <a:noFill/>
-        </p:spPr>
-        <p:txBody>
-          <a:bodyPr wrap="square" rtlCol="0">
-            <a:spAutoFit/>
-          </a:bodyPr>
-          <a:lstStyle/>
-          <a:p>
-            <a:r>
-              <a:rPr lang="ar-AE" sz="13800" spc="600" dirty="0">
-                <a:solidFill>
-                  <a:srgbClr val="EE7D30"/>
-                </a:solidFill>
-                <a:latin typeface="Arial" panose="020B0604020202020204" pitchFamily="34" charset="0"/>
-                <a:ea typeface="Osaka" panose="020B0600000000000000" pitchFamily="34" charset="-128"/>
-                <a:cs typeface="Arial" panose="020B0604020202020204" pitchFamily="34" charset="0"/>
-              </a:rPr>
-              <a:t>د.شو</a:t>
-            </a:r>
-          </a:p>
-        </p:txBody>
-      </p:sp>
-      <p:sp>
-        <p:nvSpPr>
-          <p:cNvPr id="13" name="TextBox 12">
-            <a:extLst>
-              <a:ext uri="{FF2B5EF4-FFF2-40B4-BE49-F238E27FC236}">
-                <a16:creationId xmlns:a16="http://schemas.microsoft.com/office/drawing/2014/main" id="{D615DA0C-1478-EABF-606D-85BA2D32DE73}"/>
-              </a:ext>
-            </a:extLst>
-          </p:cNvPr>
-          <p:cNvSpPr txBox="1"/>
-          <p:nvPr/>
-        </p:nvSpPr>
-        <p:spPr>
-          <a:xfrm>
-            <a:off x="11144065" y="2741884"/>
-            <a:ext cx="3258343" cy="2215991"/>
-          </a:xfrm>
-          <a:prstGeom prst="rect">
-            <a:avLst/>
-          </a:prstGeom>
-          <a:noFill/>
-        </p:spPr>
-        <p:txBody>
-          <a:bodyPr wrap="square">
-            <a:spAutoFit/>
-          </a:bodyPr>
-          <a:lstStyle/>
-          <a:p>
-            <a:r>
-              <a:rPr lang="ar-AE" sz="13800" spc="600" dirty="0">
-                <a:solidFill>
-                  <a:srgbClr val="193C7D"/>
-                </a:solidFill>
-                <a:latin typeface="Arial" panose="020B0604020202020204" pitchFamily="34" charset="0"/>
-                <a:cs typeface="Arial" panose="020B0604020202020204" pitchFamily="34" charset="0"/>
-              </a:rPr>
-              <a:t>هونغ</a:t>
-            </a:r>
-            <a:endParaRPr lang="en-US" sz="9600" spc="600" dirty="0">
-              <a:solidFill>
-                <a:srgbClr val="193C7D"/>
-              </a:solidFill>
-            </a:endParaRPr>
-          </a:p>
-        </p:txBody>
-      </p:sp>
-      <p:pic>
-        <p:nvPicPr>
-          <p:cNvPr id="17" name="Picture 16">
-            <a:extLst>
-              <a:ext uri="{FF2B5EF4-FFF2-40B4-BE49-F238E27FC236}">
-                <a16:creationId xmlns:a16="http://schemas.microsoft.com/office/drawing/2014/main" id="{2BAF8D54-0234-AE59-E297-6F53B08F45BB}"/>
-              </a:ext>
-            </a:extLst>
-          </p:cNvPr>
-          <p:cNvPicPr>
-            <a:picLocks noChangeAspect="1"/>
-          </p:cNvPicPr>
-          <p:nvPr/>
-        </p:nvPicPr>
-        <p:blipFill rotWithShape="1">
-          <a:blip r:embed="rId4"/>
-          <a:srcRect l="14200" t="15198" r="25857" b="17307"/>
-          <a:stretch/>
-        </p:blipFill>
-        <p:spPr>
-          <a:xfrm>
-            <a:off x="5836626" y="1496780"/>
-            <a:ext cx="3448594" cy="3557328"/>
-          </a:xfrm>
-          <a:prstGeom prst="rect">
-            <a:avLst/>
-          </a:prstGeom>
-        </p:spPr>
-      </p:pic>
     </p:spTree>
     <p:extLst>
       <p:ext uri="{BB962C8B-B14F-4D97-AF65-F5344CB8AC3E}">
-        <p14:creationId xmlns:p14="http://schemas.microsoft.com/office/powerpoint/2010/main" val="3709372373"/>
+        <p14:creationId xmlns:p14="http://schemas.microsoft.com/office/powerpoint/2010/main" val="1205243765"/>
       </p:ext>
     </p:extLst>
   </p:cSld>
@@ -5339,10 +5432,10 @@
       </p:grpSpPr>
       <p:pic>
         <p:nvPicPr>
-          <p:cNvPr id="1026" name="Picture 2" descr="Image">
-            <a:extLst>
-              <a:ext uri="{FF2B5EF4-FFF2-40B4-BE49-F238E27FC236}">
-                <a16:creationId xmlns:a16="http://schemas.microsoft.com/office/drawing/2014/main" id="{36D76745-1717-2F81-B8A8-05514344CC77}"/>
+          <p:cNvPr id="12" name="Picture 2" descr="Image">
+            <a:extLst>
+              <a:ext uri="{FF2B5EF4-FFF2-40B4-BE49-F238E27FC236}">
+                <a16:creationId xmlns:a16="http://schemas.microsoft.com/office/drawing/2014/main" id="{F9599693-38F7-3097-432A-776886EBB2B8}"/>
               </a:ext>
             </a:extLst>
           </p:cNvPr>
@@ -5382,90 +5475,57 @@
           </a:extLst>
         </p:spPr>
       </p:pic>
-      <p:sp>
-        <p:nvSpPr>
-          <p:cNvPr id="5" name="TextBox 4">
-            <a:extLst>
-              <a:ext uri="{FF2B5EF4-FFF2-40B4-BE49-F238E27FC236}">
-                <a16:creationId xmlns:a16="http://schemas.microsoft.com/office/drawing/2014/main" id="{5ED4859C-2D53-8683-880F-0AF20554C879}"/>
-              </a:ext>
-            </a:extLst>
-          </p:cNvPr>
-          <p:cNvSpPr txBox="1"/>
+      <p:pic>
+        <p:nvPicPr>
+          <p:cNvPr id="15" name="Picture 2" descr="Image">
+            <a:extLst>
+              <a:ext uri="{FF2B5EF4-FFF2-40B4-BE49-F238E27FC236}">
+                <a16:creationId xmlns:a16="http://schemas.microsoft.com/office/drawing/2014/main" id="{8AF25FF2-3D53-F8B3-666A-101DC6E0FA78}"/>
+              </a:ext>
+            </a:extLst>
+          </p:cNvPr>
+          <p:cNvPicPr>
+            <a:picLocks noChangeAspect="1" noChangeArrowheads="1"/>
+          </p:cNvPicPr>
           <p:nvPr/>
-        </p:nvSpPr>
-        <p:spPr>
-          <a:xfrm>
-            <a:off x="4517929" y="1502404"/>
-            <a:ext cx="4378633" cy="1862048"/>
+        </p:nvPicPr>
+        <p:blipFill rotWithShape="1">
+          <a:blip r:embed="rId3">
+            <a:extLst>
+              <a:ext uri="{28A0092B-C50C-407E-A947-70E740481C1C}">
+                <a14:useLocalDpi xmlns:a14="http://schemas.microsoft.com/office/drawing/2010/main" val="0"/>
+              </a:ext>
+            </a:extLst>
+          </a:blip>
+          <a:srcRect r="47237"/>
+          <a:stretch/>
+        </p:blipFill>
+        <p:spPr bwMode="auto">
+          <a:xfrm>
+            <a:off x="345686" y="1115587"/>
+            <a:ext cx="5430646" cy="4469498"/>
           </a:xfrm>
           <a:prstGeom prst="rect">
             <a:avLst/>
           </a:prstGeom>
           <a:noFill/>
-        </p:spPr>
-        <p:txBody>
-          <a:bodyPr wrap="square" rtlCol="0">
-            <a:spAutoFit/>
-          </a:bodyPr>
-          <a:lstStyle/>
-          <a:p>
-            <a:r>
-              <a:rPr lang="en-US" sz="11500" spc="-300" dirty="0">
-                <a:solidFill>
-                  <a:srgbClr val="EE7D30"/>
-                </a:solidFill>
-                <a:latin typeface="Arial" panose="020B0604020202020204" pitchFamily="34" charset="0"/>
-                <a:cs typeface="Arial" panose="020B0604020202020204" pitchFamily="34" charset="0"/>
-              </a:rPr>
-              <a:t>Dr.</a:t>
-            </a:r>
-            <a:r>
-              <a:rPr lang="en-US" sz="6600" spc="-300" dirty="0">
-                <a:solidFill>
-                  <a:srgbClr val="EE7D30"/>
-                </a:solidFill>
-                <a:latin typeface="Arial" panose="020B0604020202020204" pitchFamily="34" charset="0"/>
-                <a:cs typeface="Arial" panose="020B0604020202020204" pitchFamily="34" charset="0"/>
-              </a:rPr>
-              <a:t> </a:t>
-            </a:r>
-            <a:r>
-              <a:rPr lang="en-US" sz="11500" spc="-300" dirty="0">
-                <a:solidFill>
-                  <a:srgbClr val="EE7D30"/>
-                </a:solidFill>
-                <a:latin typeface="Arial" panose="020B0604020202020204" pitchFamily="34" charset="0"/>
-                <a:cs typeface="Arial" panose="020B0604020202020204" pitchFamily="34" charset="0"/>
-              </a:rPr>
-              <a:t>X</a:t>
-            </a:r>
-            <a:r>
-              <a:rPr lang="en-US" sz="8800" spc="-300" dirty="0">
-                <a:solidFill>
-                  <a:srgbClr val="EE7D30"/>
-                </a:solidFill>
-                <a:latin typeface="Arial" panose="020B0604020202020204" pitchFamily="34" charset="0"/>
-                <a:cs typeface="Arial" panose="020B0604020202020204" pitchFamily="34" charset="0"/>
-              </a:rPr>
-              <a:t>Ü</a:t>
-            </a:r>
-            <a:endParaRPr lang="en-US" sz="9600" spc="-300" dirty="0">
-              <a:solidFill>
-                <a:srgbClr val="EE7D30"/>
-              </a:solidFill>
-              <a:latin typeface="Arial" panose="020B0604020202020204" pitchFamily="34" charset="0"/>
-              <a:cs typeface="Arial" panose="020B0604020202020204" pitchFamily="34" charset="0"/>
-            </a:endParaRPr>
-          </a:p>
-        </p:txBody>
-      </p:sp>
-      <p:sp>
-        <p:nvSpPr>
-          <p:cNvPr id="6" name="TextBox 5">
-            <a:extLst>
-              <a:ext uri="{FF2B5EF4-FFF2-40B4-BE49-F238E27FC236}">
-                <a16:creationId xmlns:a16="http://schemas.microsoft.com/office/drawing/2014/main" id="{4DFBD53B-29E4-A9DB-B886-CF96C0991B6D}"/>
+          <a:extLst>
+            <a:ext uri="{909E8E84-426E-40DD-AFC4-6F175D3DCCD1}">
+              <a14:hiddenFill xmlns:a14="http://schemas.microsoft.com/office/drawing/2010/main">
+                <a:solidFill>
+                  <a:srgbClr val="FFFFFF"/>
+                </a:solidFill>
+              </a14:hiddenFill>
+            </a:ext>
+          </a:extLst>
+        </p:spPr>
+      </p:pic>
+      <p:sp>
+        <p:nvSpPr>
+          <p:cNvPr id="11" name="TextBox 10">
+            <a:extLst>
+              <a:ext uri="{FF2B5EF4-FFF2-40B4-BE49-F238E27FC236}">
+                <a16:creationId xmlns:a16="http://schemas.microsoft.com/office/drawing/2014/main" id="{B90CB2AB-23C2-CC33-E4E7-A0C19758A6C2}"/>
               </a:ext>
             </a:extLst>
           </p:cNvPr>
@@ -5474,8 +5534,8 @@
         </p:nvSpPr>
         <p:spPr>
           <a:xfrm>
-            <a:off x="4517928" y="3020161"/>
-            <a:ext cx="4378634" cy="1862048"/>
+            <a:off x="11042143" y="1115587"/>
+            <a:ext cx="3360266" cy="2215991"/>
           </a:xfrm>
           <a:prstGeom prst="rect">
             <a:avLst/>
@@ -5489,49 +5549,98 @@
           <a:lstStyle/>
           <a:p>
             <a:r>
-              <a:rPr lang="en-US" sz="11500" spc="300" dirty="0">
+              <a:rPr lang="ar-AE" sz="13800" spc="600" dirty="0">
+                <a:solidFill>
+                  <a:srgbClr val="EE7D30"/>
+                </a:solidFill>
+                <a:latin typeface="Arial" panose="020B0604020202020204" pitchFamily="34" charset="0"/>
+                <a:ea typeface="Osaka" panose="020B0600000000000000" pitchFamily="34" charset="-128"/>
+                <a:cs typeface="Arial" panose="020B0604020202020204" pitchFamily="34" charset="0"/>
+              </a:rPr>
+              <a:t>د.شو</a:t>
+            </a:r>
+          </a:p>
+        </p:txBody>
+      </p:sp>
+      <p:sp>
+        <p:nvSpPr>
+          <p:cNvPr id="13" name="TextBox 12">
+            <a:extLst>
+              <a:ext uri="{FF2B5EF4-FFF2-40B4-BE49-F238E27FC236}">
+                <a16:creationId xmlns:a16="http://schemas.microsoft.com/office/drawing/2014/main" id="{D615DA0C-1478-EABF-606D-85BA2D32DE73}"/>
+              </a:ext>
+            </a:extLst>
+          </p:cNvPr>
+          <p:cNvSpPr txBox="1"/>
+          <p:nvPr/>
+        </p:nvSpPr>
+        <p:spPr>
+          <a:xfrm>
+            <a:off x="11144065" y="2741884"/>
+            <a:ext cx="3258343" cy="2215991"/>
+          </a:xfrm>
+          <a:prstGeom prst="rect">
+            <a:avLst/>
+          </a:prstGeom>
+          <a:noFill/>
+        </p:spPr>
+        <p:txBody>
+          <a:bodyPr wrap="square">
+            <a:spAutoFit/>
+          </a:bodyPr>
+          <a:lstStyle/>
+          <a:p>
+            <a:r>
+              <a:rPr lang="ar-AE" sz="13800" spc="600" dirty="0">
                 <a:solidFill>
                   <a:srgbClr val="193C7D"/>
                 </a:solidFill>
                 <a:latin typeface="Arial" panose="020B0604020202020204" pitchFamily="34" charset="0"/>
                 <a:cs typeface="Arial" panose="020B0604020202020204" pitchFamily="34" charset="0"/>
               </a:rPr>
-              <a:t>H</a:t>
-            </a:r>
-            <a:r>
-              <a:rPr lang="en-US" sz="8800" spc="300" dirty="0">
-                <a:solidFill>
-                  <a:srgbClr val="193C7D"/>
-                </a:solidFill>
-                <a:latin typeface="Arial" panose="020B0604020202020204" pitchFamily="34" charset="0"/>
-                <a:cs typeface="Arial" panose="020B0604020202020204" pitchFamily="34" charset="0"/>
-              </a:rPr>
-              <a:t>ONG</a:t>
-            </a:r>
-            <a:r>
-              <a:rPr lang="zh-CN" altLang="en-US" sz="9600" spc="300" dirty="0">
-                <a:solidFill>
-                  <a:srgbClr val="193C7D"/>
-                </a:solidFill>
-                <a:latin typeface="Arial" panose="020B0604020202020204" pitchFamily="34" charset="0"/>
-                <a:cs typeface="Arial" panose="020B0604020202020204" pitchFamily="34" charset="0"/>
-              </a:rPr>
-              <a:t> </a:t>
-            </a:r>
-            <a:endParaRPr lang="en-US" altLang="zh-CN" sz="9600" spc="300" dirty="0">
+              <a:t>هونغ</a:t>
+            </a:r>
+            <a:endParaRPr lang="en-US" sz="9600" spc="600" dirty="0">
               <a:solidFill>
                 <a:srgbClr val="193C7D"/>
               </a:solidFill>
-              <a:latin typeface="Arial" panose="020B0604020202020204" pitchFamily="34" charset="0"/>
-              <a:cs typeface="Arial" panose="020B0604020202020204" pitchFamily="34" charset="0"/>
             </a:endParaRPr>
           </a:p>
         </p:txBody>
       </p:sp>
+      <p:pic>
+        <p:nvPicPr>
+          <p:cNvPr id="17" name="Picture 16">
+            <a:extLst>
+              <a:ext uri="{FF2B5EF4-FFF2-40B4-BE49-F238E27FC236}">
+                <a16:creationId xmlns:a16="http://schemas.microsoft.com/office/drawing/2014/main" id="{2BAF8D54-0234-AE59-E297-6F53B08F45BB}"/>
+              </a:ext>
+            </a:extLst>
+          </p:cNvPr>
+          <p:cNvPicPr>
+            <a:picLocks noChangeAspect="1"/>
+          </p:cNvPicPr>
+          <p:nvPr/>
+        </p:nvPicPr>
+        <p:blipFill rotWithShape="1">
+          <a:blip r:embed="rId4"/>
+          <a:srcRect l="14200" t="15198" r="25857" b="17307"/>
+          <a:stretch/>
+        </p:blipFill>
+        <p:spPr>
+          <a:xfrm>
+            <a:off x="5836626" y="1496780"/>
+            <a:ext cx="3448594" cy="3557328"/>
+          </a:xfrm>
+          <a:prstGeom prst="rect">
+            <a:avLst/>
+          </a:prstGeom>
+        </p:spPr>
+      </p:pic>
     </p:spTree>
     <p:extLst>
       <p:ext uri="{BB962C8B-B14F-4D97-AF65-F5344CB8AC3E}">
-        <p14:creationId xmlns:p14="http://schemas.microsoft.com/office/powerpoint/2010/main" val="2364077987"/>
+        <p14:creationId xmlns:p14="http://schemas.microsoft.com/office/powerpoint/2010/main" val="3709372373"/>
       </p:ext>
     </p:extLst>
   </p:cSld>
@@ -5669,7 +5778,7 @@
                 <a:latin typeface="Arial" panose="020B0604020202020204" pitchFamily="34" charset="0"/>
                 <a:cs typeface="Arial" panose="020B0604020202020204" pitchFamily="34" charset="0"/>
               </a:rPr>
-              <a:t>Ú</a:t>
+              <a:t>Ü</a:t>
             </a:r>
             <a:endParaRPr lang="en-US" sz="9600" spc="-300" dirty="0">
               <a:solidFill>
@@ -5696,7 +5805,7 @@
         <p:spPr>
           <a:xfrm>
             <a:off x="4517928" y="3020161"/>
-            <a:ext cx="4378633" cy="1862048"/>
+            <a:ext cx="4378634" cy="1862048"/>
           </a:xfrm>
           <a:prstGeom prst="rect">
             <a:avLst/>
@@ -5727,7 +5836,7 @@
                 <a:latin typeface="Arial" panose="020B0604020202020204" pitchFamily="34" charset="0"/>
                 <a:cs typeface="Arial" panose="020B0604020202020204" pitchFamily="34" charset="0"/>
               </a:rPr>
-              <a:t>ÓNG</a:t>
+              <a:t>ONG</a:t>
             </a:r>
             <a:r>
               <a:rPr lang="zh-CN" altLang="en-US" sz="9600" spc="300" dirty="0">
@@ -5752,7 +5861,7 @@
     </p:spTree>
     <p:extLst>
       <p:ext uri="{BB962C8B-B14F-4D97-AF65-F5344CB8AC3E}">
-        <p14:creationId xmlns:p14="http://schemas.microsoft.com/office/powerpoint/2010/main" val="2453739998"/>
+        <p14:creationId xmlns:p14="http://schemas.microsoft.com/office/powerpoint/2010/main" val="2364077987"/>
       </p:ext>
     </p:extLst>
   </p:cSld>
@@ -5948,7 +6057,7 @@
                 <a:latin typeface="Arial" panose="020B0604020202020204" pitchFamily="34" charset="0"/>
                 <a:cs typeface="Arial" panose="020B0604020202020204" pitchFamily="34" charset="0"/>
               </a:rPr>
-              <a:t>ONG</a:t>
+              <a:t>ÓNG</a:t>
             </a:r>
             <a:r>
               <a:rPr lang="zh-CN" altLang="en-US" sz="9600" spc="300" dirty="0">
@@ -5973,7 +6082,7 @@
     </p:spTree>
     <p:extLst>
       <p:ext uri="{BB962C8B-B14F-4D97-AF65-F5344CB8AC3E}">
-        <p14:creationId xmlns:p14="http://schemas.microsoft.com/office/powerpoint/2010/main" val="2573971696"/>
+        <p14:creationId xmlns:p14="http://schemas.microsoft.com/office/powerpoint/2010/main" val="2453739998"/>
       </p:ext>
     </p:extLst>
   </p:cSld>
@@ -6047,10 +6156,10 @@
       </p:pic>
       <p:sp>
         <p:nvSpPr>
-          <p:cNvPr id="6" name="TextBox 5">
-            <a:extLst>
-              <a:ext uri="{FF2B5EF4-FFF2-40B4-BE49-F238E27FC236}">
-                <a16:creationId xmlns:a16="http://schemas.microsoft.com/office/drawing/2014/main" id="{4DFBD53B-29E4-A9DB-B886-CF96C0991B6D}"/>
+          <p:cNvPr id="5" name="TextBox 4">
+            <a:extLst>
+              <a:ext uri="{FF2B5EF4-FFF2-40B4-BE49-F238E27FC236}">
+                <a16:creationId xmlns:a16="http://schemas.microsoft.com/office/drawing/2014/main" id="{5ED4859C-2D53-8683-880F-0AF20554C879}"/>
               </a:ext>
             </a:extLst>
           </p:cNvPr>
@@ -6059,8 +6168,8 @@
         </p:nvSpPr>
         <p:spPr>
           <a:xfrm>
-            <a:off x="8831735" y="1223633"/>
-            <a:ext cx="3360266" cy="2215991"/>
+            <a:off x="4517929" y="1502404"/>
+            <a:ext cx="4378633" cy="1862048"/>
           </a:xfrm>
           <a:prstGeom prst="rect">
             <a:avLst/>
@@ -6074,93 +6183,25 @@
           <a:lstStyle/>
           <a:p>
             <a:r>
-              <a:rPr lang="ar-AE" sz="13800" spc="-300" dirty="0">
+              <a:rPr lang="en-US" sz="11500" spc="-300" dirty="0">
                 <a:solidFill>
                   <a:srgbClr val="EE7D30"/>
                 </a:solidFill>
                 <a:latin typeface="Arial" panose="020B0604020202020204" pitchFamily="34" charset="0"/>
-                <a:ea typeface="Osaka" panose="020B0600000000000000" pitchFamily="34" charset="-128"/>
-                <a:cs typeface="Arial" panose="020B0604020202020204" pitchFamily="34" charset="0"/>
-              </a:rPr>
-              <a:t>د.شو</a:t>
-            </a:r>
-          </a:p>
-        </p:txBody>
-      </p:sp>
-      <p:sp>
-        <p:nvSpPr>
-          <p:cNvPr id="3" name="TextBox 2">
-            <a:extLst>
-              <a:ext uri="{FF2B5EF4-FFF2-40B4-BE49-F238E27FC236}">
-                <a16:creationId xmlns:a16="http://schemas.microsoft.com/office/drawing/2014/main" id="{2C070E27-2E91-F385-8BE6-8C4138778241}"/>
-              </a:ext>
-            </a:extLst>
-          </p:cNvPr>
-          <p:cNvSpPr txBox="1"/>
-          <p:nvPr/>
-        </p:nvSpPr>
-        <p:spPr>
-          <a:xfrm>
-            <a:off x="8933657" y="2707258"/>
-            <a:ext cx="3258343" cy="2215991"/>
-          </a:xfrm>
-          <a:prstGeom prst="rect">
-            <a:avLst/>
-          </a:prstGeom>
-          <a:noFill/>
-        </p:spPr>
-        <p:txBody>
-          <a:bodyPr wrap="square">
-            <a:spAutoFit/>
-          </a:bodyPr>
-          <a:lstStyle/>
-          <a:p>
-            <a:r>
-              <a:rPr lang="ar-AE" sz="13800" spc="-300" dirty="0">
-                <a:solidFill>
-                  <a:srgbClr val="193C7D"/>
-                </a:solidFill>
-                <a:latin typeface="Arial" panose="020B0604020202020204" pitchFamily="34" charset="0"/>
-                <a:cs typeface="Arial" panose="020B0604020202020204" pitchFamily="34" charset="0"/>
-              </a:rPr>
-              <a:t>هونغ</a:t>
-            </a:r>
-            <a:endParaRPr lang="en-US" sz="9600" spc="-300" dirty="0">
-              <a:solidFill>
-                <a:srgbClr val="193C7D"/>
-              </a:solidFill>
-            </a:endParaRPr>
-          </a:p>
-        </p:txBody>
-      </p:sp>
-      <p:sp>
-        <p:nvSpPr>
-          <p:cNvPr id="2" name="TextBox 1">
-            <a:extLst>
-              <a:ext uri="{FF2B5EF4-FFF2-40B4-BE49-F238E27FC236}">
-                <a16:creationId xmlns:a16="http://schemas.microsoft.com/office/drawing/2014/main" id="{D8CA99EA-F7FA-9D28-1B27-056CD7FD5044}"/>
-              </a:ext>
-            </a:extLst>
-          </p:cNvPr>
-          <p:cNvSpPr txBox="1"/>
-          <p:nvPr/>
-        </p:nvSpPr>
-        <p:spPr>
-          <a:xfrm>
-            <a:off x="4517929" y="1502404"/>
-            <a:ext cx="4378633" cy="1862048"/>
-          </a:xfrm>
-          <a:prstGeom prst="rect">
-            <a:avLst/>
-          </a:prstGeom>
-          <a:noFill/>
-        </p:spPr>
-        <p:txBody>
-          <a:bodyPr wrap="square" rtlCol="0">
-            <a:spAutoFit/>
-          </a:bodyPr>
-          <a:lstStyle/>
-          <a:p>
+                <a:cs typeface="Arial" panose="020B0604020202020204" pitchFamily="34" charset="0"/>
+              </a:rPr>
+              <a:t>Dr.</a:t>
+            </a:r>
+            <a:r>
+              <a:rPr lang="en-US" sz="6600" spc="-300" dirty="0">
+                <a:solidFill>
+                  <a:srgbClr val="EE7D30"/>
+                </a:solidFill>
+                <a:latin typeface="Arial" panose="020B0604020202020204" pitchFamily="34" charset="0"/>
+                <a:cs typeface="Arial" panose="020B0604020202020204" pitchFamily="34" charset="0"/>
+              </a:rPr>
+              <a:t> </a:t>
+            </a:r>
             <a:r>
               <a:rPr lang="en-US" sz="11500" spc="-300" dirty="0">
                 <a:solidFill>
@@ -6169,37 +6210,17 @@
                 <a:latin typeface="Arial" panose="020B0604020202020204" pitchFamily="34" charset="0"/>
                 <a:cs typeface="Arial" panose="020B0604020202020204" pitchFamily="34" charset="0"/>
               </a:rPr>
-              <a:t>Dr.</a:t>
-            </a:r>
-            <a:r>
-              <a:rPr lang="en-US" sz="6600" spc="-300" dirty="0">
+              <a:t>X</a:t>
+            </a:r>
+            <a:r>
+              <a:rPr lang="en-US" sz="8800" spc="-300" dirty="0">
                 <a:solidFill>
                   <a:srgbClr val="EE7D30"/>
                 </a:solidFill>
                 <a:latin typeface="Arial" panose="020B0604020202020204" pitchFamily="34" charset="0"/>
                 <a:cs typeface="Arial" panose="020B0604020202020204" pitchFamily="34" charset="0"/>
               </a:rPr>
-              <a:t> </a:t>
-            </a:r>
-            <a:r>
-              <a:rPr lang="en-US" sz="11500" spc="-300" dirty="0">
-                <a:solidFill>
-                  <a:srgbClr val="EE7D30"/>
-                </a:solidFill>
-                <a:latin typeface="Arial" panose="020B0604020202020204" pitchFamily="34" charset="0"/>
-                <a:cs typeface="Arial" panose="020B0604020202020204" pitchFamily="34" charset="0"/>
-              </a:rPr>
-              <a:t>X</a:t>
-            </a:r>
-            <a:r>
-              <a:rPr lang="en-US" sz="8800" spc="-300" dirty="0">
-                <a:solidFill>
-                  <a:srgbClr val="EE7D30"/>
-                </a:solidFill>
-                <a:latin typeface="Arial" panose="020B0604020202020204" pitchFamily="34" charset="0"/>
-                <a:cs typeface="Arial" panose="020B0604020202020204" pitchFamily="34" charset="0"/>
-              </a:rPr>
-              <a:t>U</a:t>
+              <a:t>Ú</a:t>
             </a:r>
             <a:endParaRPr lang="en-US" sz="9600" spc="-300" dirty="0">
               <a:solidFill>
@@ -6213,10 +6234,10 @@
       </p:sp>
       <p:sp>
         <p:nvSpPr>
-          <p:cNvPr id="5" name="TextBox 4">
-            <a:extLst>
-              <a:ext uri="{FF2B5EF4-FFF2-40B4-BE49-F238E27FC236}">
-                <a16:creationId xmlns:a16="http://schemas.microsoft.com/office/drawing/2014/main" id="{B79BC6B3-47FB-5E60-599C-7D91CC2A8ED5}"/>
+          <p:cNvPr id="6" name="TextBox 5">
+            <a:extLst>
+              <a:ext uri="{FF2B5EF4-FFF2-40B4-BE49-F238E27FC236}">
+                <a16:creationId xmlns:a16="http://schemas.microsoft.com/office/drawing/2014/main" id="{4DFBD53B-29E4-A9DB-B886-CF96C0991B6D}"/>
               </a:ext>
             </a:extLst>
           </p:cNvPr>
@@ -6226,7 +6247,7 @@
         <p:spPr>
           <a:xfrm>
             <a:off x="4517928" y="3020161"/>
-            <a:ext cx="4378634" cy="1862048"/>
+            <a:ext cx="4378633" cy="1862048"/>
           </a:xfrm>
           <a:prstGeom prst="rect">
             <a:avLst/>
@@ -6282,7 +6303,7 @@
     </p:spTree>
     <p:extLst>
       <p:ext uri="{BB962C8B-B14F-4D97-AF65-F5344CB8AC3E}">
-        <p14:creationId xmlns:p14="http://schemas.microsoft.com/office/powerpoint/2010/main" val="3587914855"/>
+        <p14:creationId xmlns:p14="http://schemas.microsoft.com/office/powerpoint/2010/main" val="2573971696"/>
       </p:ext>
     </p:extLst>
   </p:cSld>
@@ -6311,6 +6332,315 @@
       </p:grpSpPr>
       <p:pic>
         <p:nvPicPr>
+          <p:cNvPr id="1026" name="Picture 2" descr="Image">
+            <a:extLst>
+              <a:ext uri="{FF2B5EF4-FFF2-40B4-BE49-F238E27FC236}">
+                <a16:creationId xmlns:a16="http://schemas.microsoft.com/office/drawing/2014/main" id="{36D76745-1717-2F81-B8A8-05514344CC77}"/>
+              </a:ext>
+            </a:extLst>
+          </p:cNvPr>
+          <p:cNvPicPr>
+            <a:picLocks noChangeAspect="1" noChangeArrowheads="1"/>
+          </p:cNvPicPr>
+          <p:nvPr/>
+        </p:nvPicPr>
+        <p:blipFill rotWithShape="1">
+          <a:blip r:embed="rId3">
+            <a:extLst>
+              <a:ext uri="{28A0092B-C50C-407E-A947-70E740481C1C}">
+                <a14:useLocalDpi xmlns:a14="http://schemas.microsoft.com/office/drawing/2010/main" val="0"/>
+              </a:ext>
+            </a:extLst>
+          </a:blip>
+          <a:srcRect r="63015"/>
+          <a:stretch/>
+        </p:blipFill>
+        <p:spPr bwMode="auto">
+          <a:xfrm>
+            <a:off x="345686" y="1115587"/>
+            <a:ext cx="3806766" cy="4469498"/>
+          </a:xfrm>
+          <a:prstGeom prst="rect">
+            <a:avLst/>
+          </a:prstGeom>
+          <a:noFill/>
+          <a:extLst>
+            <a:ext uri="{909E8E84-426E-40DD-AFC4-6F175D3DCCD1}">
+              <a14:hiddenFill xmlns:a14="http://schemas.microsoft.com/office/drawing/2010/main">
+                <a:solidFill>
+                  <a:srgbClr val="FFFFFF"/>
+                </a:solidFill>
+              </a14:hiddenFill>
+            </a:ext>
+          </a:extLst>
+        </p:spPr>
+      </p:pic>
+      <p:sp>
+        <p:nvSpPr>
+          <p:cNvPr id="6" name="TextBox 5">
+            <a:extLst>
+              <a:ext uri="{FF2B5EF4-FFF2-40B4-BE49-F238E27FC236}">
+                <a16:creationId xmlns:a16="http://schemas.microsoft.com/office/drawing/2014/main" id="{4DFBD53B-29E4-A9DB-B886-CF96C0991B6D}"/>
+              </a:ext>
+            </a:extLst>
+          </p:cNvPr>
+          <p:cNvSpPr txBox="1"/>
+          <p:nvPr/>
+        </p:nvSpPr>
+        <p:spPr>
+          <a:xfrm>
+            <a:off x="8831735" y="1223633"/>
+            <a:ext cx="3360266" cy="2215991"/>
+          </a:xfrm>
+          <a:prstGeom prst="rect">
+            <a:avLst/>
+          </a:prstGeom>
+          <a:noFill/>
+        </p:spPr>
+        <p:txBody>
+          <a:bodyPr wrap="square" rtlCol="0">
+            <a:spAutoFit/>
+          </a:bodyPr>
+          <a:lstStyle/>
+          <a:p>
+            <a:r>
+              <a:rPr lang="ar-AE" sz="13800" spc="-300" dirty="0">
+                <a:solidFill>
+                  <a:srgbClr val="EE7D30"/>
+                </a:solidFill>
+                <a:latin typeface="Arial" panose="020B0604020202020204" pitchFamily="34" charset="0"/>
+                <a:ea typeface="Osaka" panose="020B0600000000000000" pitchFamily="34" charset="-128"/>
+                <a:cs typeface="Arial" panose="020B0604020202020204" pitchFamily="34" charset="0"/>
+              </a:rPr>
+              <a:t>د.شو</a:t>
+            </a:r>
+          </a:p>
+        </p:txBody>
+      </p:sp>
+      <p:sp>
+        <p:nvSpPr>
+          <p:cNvPr id="3" name="TextBox 2">
+            <a:extLst>
+              <a:ext uri="{FF2B5EF4-FFF2-40B4-BE49-F238E27FC236}">
+                <a16:creationId xmlns:a16="http://schemas.microsoft.com/office/drawing/2014/main" id="{2C070E27-2E91-F385-8BE6-8C4138778241}"/>
+              </a:ext>
+            </a:extLst>
+          </p:cNvPr>
+          <p:cNvSpPr txBox="1"/>
+          <p:nvPr/>
+        </p:nvSpPr>
+        <p:spPr>
+          <a:xfrm>
+            <a:off x="8933657" y="2707258"/>
+            <a:ext cx="3258343" cy="2215991"/>
+          </a:xfrm>
+          <a:prstGeom prst="rect">
+            <a:avLst/>
+          </a:prstGeom>
+          <a:noFill/>
+        </p:spPr>
+        <p:txBody>
+          <a:bodyPr wrap="square">
+            <a:spAutoFit/>
+          </a:bodyPr>
+          <a:lstStyle/>
+          <a:p>
+            <a:r>
+              <a:rPr lang="ar-AE" sz="13800" spc="-300" dirty="0">
+                <a:solidFill>
+                  <a:srgbClr val="193C7D"/>
+                </a:solidFill>
+                <a:latin typeface="Arial" panose="020B0604020202020204" pitchFamily="34" charset="0"/>
+                <a:cs typeface="Arial" panose="020B0604020202020204" pitchFamily="34" charset="0"/>
+              </a:rPr>
+              <a:t>هونغ</a:t>
+            </a:r>
+            <a:endParaRPr lang="en-US" sz="9600" spc="-300" dirty="0">
+              <a:solidFill>
+                <a:srgbClr val="193C7D"/>
+              </a:solidFill>
+            </a:endParaRPr>
+          </a:p>
+        </p:txBody>
+      </p:sp>
+      <p:sp>
+        <p:nvSpPr>
+          <p:cNvPr id="2" name="TextBox 1">
+            <a:extLst>
+              <a:ext uri="{FF2B5EF4-FFF2-40B4-BE49-F238E27FC236}">
+                <a16:creationId xmlns:a16="http://schemas.microsoft.com/office/drawing/2014/main" id="{D8CA99EA-F7FA-9D28-1B27-056CD7FD5044}"/>
+              </a:ext>
+            </a:extLst>
+          </p:cNvPr>
+          <p:cNvSpPr txBox="1"/>
+          <p:nvPr/>
+        </p:nvSpPr>
+        <p:spPr>
+          <a:xfrm>
+            <a:off x="4517929" y="1502404"/>
+            <a:ext cx="4378633" cy="1862048"/>
+          </a:xfrm>
+          <a:prstGeom prst="rect">
+            <a:avLst/>
+          </a:prstGeom>
+          <a:noFill/>
+        </p:spPr>
+        <p:txBody>
+          <a:bodyPr wrap="square" rtlCol="0">
+            <a:spAutoFit/>
+          </a:bodyPr>
+          <a:lstStyle/>
+          <a:p>
+            <a:r>
+              <a:rPr lang="en-US" sz="11500" spc="-300" dirty="0">
+                <a:solidFill>
+                  <a:srgbClr val="EE7D30"/>
+                </a:solidFill>
+                <a:latin typeface="Arial" panose="020B0604020202020204" pitchFamily="34" charset="0"/>
+                <a:cs typeface="Arial" panose="020B0604020202020204" pitchFamily="34" charset="0"/>
+              </a:rPr>
+              <a:t>Dr.</a:t>
+            </a:r>
+            <a:r>
+              <a:rPr lang="en-US" sz="6600" spc="-300" dirty="0">
+                <a:solidFill>
+                  <a:srgbClr val="EE7D30"/>
+                </a:solidFill>
+                <a:latin typeface="Arial" panose="020B0604020202020204" pitchFamily="34" charset="0"/>
+                <a:cs typeface="Arial" panose="020B0604020202020204" pitchFamily="34" charset="0"/>
+              </a:rPr>
+              <a:t> </a:t>
+            </a:r>
+            <a:r>
+              <a:rPr lang="en-US" sz="11500" spc="-300" dirty="0">
+                <a:solidFill>
+                  <a:srgbClr val="EE7D30"/>
+                </a:solidFill>
+                <a:latin typeface="Arial" panose="020B0604020202020204" pitchFamily="34" charset="0"/>
+                <a:cs typeface="Arial" panose="020B0604020202020204" pitchFamily="34" charset="0"/>
+              </a:rPr>
+              <a:t>X</a:t>
+            </a:r>
+            <a:r>
+              <a:rPr lang="en-US" sz="8800" spc="-300" dirty="0">
+                <a:solidFill>
+                  <a:srgbClr val="EE7D30"/>
+                </a:solidFill>
+                <a:latin typeface="Arial" panose="020B0604020202020204" pitchFamily="34" charset="0"/>
+                <a:cs typeface="Arial" panose="020B0604020202020204" pitchFamily="34" charset="0"/>
+              </a:rPr>
+              <a:t>U</a:t>
+            </a:r>
+            <a:endParaRPr lang="en-US" sz="9600" spc="-300" dirty="0">
+              <a:solidFill>
+                <a:srgbClr val="EE7D30"/>
+              </a:solidFill>
+              <a:latin typeface="Arial" panose="020B0604020202020204" pitchFamily="34" charset="0"/>
+              <a:cs typeface="Arial" panose="020B0604020202020204" pitchFamily="34" charset="0"/>
+            </a:endParaRPr>
+          </a:p>
+        </p:txBody>
+      </p:sp>
+      <p:sp>
+        <p:nvSpPr>
+          <p:cNvPr id="5" name="TextBox 4">
+            <a:extLst>
+              <a:ext uri="{FF2B5EF4-FFF2-40B4-BE49-F238E27FC236}">
+                <a16:creationId xmlns:a16="http://schemas.microsoft.com/office/drawing/2014/main" id="{B79BC6B3-47FB-5E60-599C-7D91CC2A8ED5}"/>
+              </a:ext>
+            </a:extLst>
+          </p:cNvPr>
+          <p:cNvSpPr txBox="1"/>
+          <p:nvPr/>
+        </p:nvSpPr>
+        <p:spPr>
+          <a:xfrm>
+            <a:off x="4517928" y="3020161"/>
+            <a:ext cx="4378634" cy="1862048"/>
+          </a:xfrm>
+          <a:prstGeom prst="rect">
+            <a:avLst/>
+          </a:prstGeom>
+          <a:noFill/>
+        </p:spPr>
+        <p:txBody>
+          <a:bodyPr wrap="square" rtlCol="0">
+            <a:spAutoFit/>
+          </a:bodyPr>
+          <a:lstStyle/>
+          <a:p>
+            <a:r>
+              <a:rPr lang="en-US" sz="11500" spc="300" dirty="0">
+                <a:solidFill>
+                  <a:srgbClr val="193C7D"/>
+                </a:solidFill>
+                <a:latin typeface="Arial" panose="020B0604020202020204" pitchFamily="34" charset="0"/>
+                <a:cs typeface="Arial" panose="020B0604020202020204" pitchFamily="34" charset="0"/>
+              </a:rPr>
+              <a:t>H</a:t>
+            </a:r>
+            <a:r>
+              <a:rPr lang="en-US" sz="8800" spc="300" dirty="0">
+                <a:solidFill>
+                  <a:srgbClr val="193C7D"/>
+                </a:solidFill>
+                <a:latin typeface="Arial" panose="020B0604020202020204" pitchFamily="34" charset="0"/>
+                <a:cs typeface="Arial" panose="020B0604020202020204" pitchFamily="34" charset="0"/>
+              </a:rPr>
+              <a:t>ONG</a:t>
+            </a:r>
+            <a:r>
+              <a:rPr lang="zh-CN" altLang="en-US" sz="9600" spc="300" dirty="0">
+                <a:solidFill>
+                  <a:srgbClr val="193C7D"/>
+                </a:solidFill>
+                <a:latin typeface="Arial" panose="020B0604020202020204" pitchFamily="34" charset="0"/>
+                <a:cs typeface="Arial" panose="020B0604020202020204" pitchFamily="34" charset="0"/>
+              </a:rPr>
+              <a:t> </a:t>
+            </a:r>
+            <a:endParaRPr lang="en-US" altLang="zh-CN" sz="9600" spc="300" dirty="0">
+              <a:solidFill>
+                <a:srgbClr val="193C7D"/>
+              </a:solidFill>
+              <a:latin typeface="Arial" panose="020B0604020202020204" pitchFamily="34" charset="0"/>
+              <a:cs typeface="Arial" panose="020B0604020202020204" pitchFamily="34" charset="0"/>
+            </a:endParaRPr>
+          </a:p>
+        </p:txBody>
+      </p:sp>
+    </p:spTree>
+    <p:extLst>
+      <p:ext uri="{BB962C8B-B14F-4D97-AF65-F5344CB8AC3E}">
+        <p14:creationId xmlns:p14="http://schemas.microsoft.com/office/powerpoint/2010/main" val="3587914855"/>
+      </p:ext>
+    </p:extLst>
+  </p:cSld>
+  <p:clrMapOvr>
+    <a:masterClrMapping/>
+  </p:clrMapOvr>
+</p:sld>
+</file>
+
+<file path=ppt/slides/slide16.xml><?xml version="1.0" encoding="utf-8"?>
+<p:sld xmlns:a="http://schemas.openxmlformats.org/drawingml/2006/main" xmlns:r="http://schemas.openxmlformats.org/officeDocument/2006/relationships" xmlns:p="http://schemas.openxmlformats.org/presentationml/2006/main">
+  <p:cSld>
+    <p:spTree>
+      <p:nvGrpSpPr>
+        <p:cNvPr id="1" name=""/>
+        <p:cNvGrpSpPr/>
+        <p:nvPr/>
+      </p:nvGrpSpPr>
+      <p:grpSpPr>
+        <a:xfrm>
+          <a:off x="0" y="0"/>
+          <a:ext cx="0" cy="0"/>
+          <a:chOff x="0" y="0"/>
+          <a:chExt cx="0" cy="0"/>
+        </a:xfrm>
+      </p:grpSpPr>
+      <p:pic>
+        <p:nvPicPr>
           <p:cNvPr id="12290" name="Picture 2" descr="Twelve Chinese zodiac stencils">
             <a:extLst>
               <a:ext uri="{FF2B5EF4-FFF2-40B4-BE49-F238E27FC236}">
@@ -6946,7 +7276,7 @@
 </p:sld>
 </file>
 
-<file path=ppt/slides/slide16.xml><?xml version="1.0" encoding="utf-8"?>
+<file path=ppt/slides/slide17.xml><?xml version="1.0" encoding="utf-8"?>
 <p:sld xmlns:a="http://schemas.openxmlformats.org/drawingml/2006/main" xmlns:r="http://schemas.openxmlformats.org/officeDocument/2006/relationships" xmlns:p="http://schemas.openxmlformats.org/presentationml/2006/main" show="0">
   <p:cSld>
     <p:spTree>
@@ -8002,10 +8332,10 @@
       </p:sp>
       <p:sp>
         <p:nvSpPr>
-          <p:cNvPr id="12" name="TextBox 11">
-            <a:extLst>
-              <a:ext uri="{FF2B5EF4-FFF2-40B4-BE49-F238E27FC236}">
-                <a16:creationId xmlns:a16="http://schemas.microsoft.com/office/drawing/2014/main" id="{5FC7408A-0260-64E5-439A-A1C98490E462}"/>
+          <p:cNvPr id="3" name="TextBox 2">
+            <a:extLst>
+              <a:ext uri="{FF2B5EF4-FFF2-40B4-BE49-F238E27FC236}">
+                <a16:creationId xmlns:a16="http://schemas.microsoft.com/office/drawing/2014/main" id="{9D4119DE-545A-78C9-2E52-F9A5A7DAFB13}"/>
               </a:ext>
             </a:extLst>
           </p:cNvPr>
@@ -8014,7 +8344,7 @@
         </p:nvSpPr>
         <p:spPr>
           <a:xfrm>
-            <a:off x="6938402" y="1502404"/>
+            <a:off x="6825509" y="1502404"/>
             <a:ext cx="4378633" cy="1862048"/>
           </a:xfrm>
           <a:prstGeom prst="rect">
@@ -8080,10 +8410,10 @@
       </p:sp>
       <p:sp>
         <p:nvSpPr>
-          <p:cNvPr id="13" name="TextBox 12">
-            <a:extLst>
-              <a:ext uri="{FF2B5EF4-FFF2-40B4-BE49-F238E27FC236}">
-                <a16:creationId xmlns:a16="http://schemas.microsoft.com/office/drawing/2014/main" id="{687F411B-8C15-EC6A-1823-23494F302137}"/>
+          <p:cNvPr id="4" name="TextBox 3">
+            <a:extLst>
+              <a:ext uri="{FF2B5EF4-FFF2-40B4-BE49-F238E27FC236}">
+                <a16:creationId xmlns:a16="http://schemas.microsoft.com/office/drawing/2014/main" id="{144AE363-411A-F7E4-1098-15D99A84D2CD}"/>
               </a:ext>
             </a:extLst>
           </p:cNvPr>
@@ -8092,7 +8422,7 @@
         </p:nvSpPr>
         <p:spPr>
           <a:xfrm>
-            <a:off x="6938401" y="3020161"/>
+            <a:off x="6825508" y="3020161"/>
             <a:ext cx="4378634" cy="1862048"/>
           </a:xfrm>
           <a:prstGeom prst="rect">
@@ -8287,7 +8617,7 @@
                 <a:latin typeface="Arial" panose="020B0604020202020204" pitchFamily="34" charset="0"/>
                 <a:cs typeface="Arial" panose="020B0604020202020204" pitchFamily="34" charset="0"/>
               </a:rPr>
-              <a:t>U</a:t>
+              <a:t>Ú</a:t>
             </a:r>
             <a:endParaRPr lang="en-US" sz="9600" spc="-300" dirty="0">
               <a:solidFill>
@@ -8345,7 +8675,7 @@
                 <a:latin typeface="Arial" panose="020B0604020202020204" pitchFamily="34" charset="0"/>
                 <a:cs typeface="Arial" panose="020B0604020202020204" pitchFamily="34" charset="0"/>
               </a:rPr>
-              <a:t>ONG</a:t>
+              <a:t>ÓNG</a:t>
             </a:r>
             <a:r>
               <a:rPr lang="zh-CN" altLang="en-US" sz="9600" spc="300" dirty="0">
@@ -8578,7 +8908,7 @@
     </p:spTree>
     <p:extLst>
       <p:ext uri="{BB962C8B-B14F-4D97-AF65-F5344CB8AC3E}">
-        <p14:creationId xmlns:p14="http://schemas.microsoft.com/office/powerpoint/2010/main" val="3754308179"/>
+        <p14:creationId xmlns:p14="http://schemas.microsoft.com/office/powerpoint/2010/main" val="3604812959"/>
       </p:ext>
     </p:extLst>
   </p:cSld>
@@ -8716,7 +9046,7 @@
                 <a:latin typeface="Arial" panose="020B0604020202020204" pitchFamily="34" charset="0"/>
                 <a:cs typeface="Arial" panose="020B0604020202020204" pitchFamily="34" charset="0"/>
               </a:rPr>
-              <a:t>Ü</a:t>
+              <a:t>U</a:t>
             </a:r>
             <a:endParaRPr lang="en-US" sz="9600" spc="-300" dirty="0">
               <a:solidFill>
@@ -9007,7 +9337,7 @@
     </p:spTree>
     <p:extLst>
       <p:ext uri="{BB962C8B-B14F-4D97-AF65-F5344CB8AC3E}">
-        <p14:creationId xmlns:p14="http://schemas.microsoft.com/office/powerpoint/2010/main" val="3801521842"/>
+        <p14:creationId xmlns:p14="http://schemas.microsoft.com/office/powerpoint/2010/main" val="3754308179"/>
       </p:ext>
     </p:extLst>
   </p:cSld>
@@ -9145,7 +9475,7 @@
                 <a:latin typeface="Arial" panose="020B0604020202020204" pitchFamily="34" charset="0"/>
                 <a:cs typeface="Arial" panose="020B0604020202020204" pitchFamily="34" charset="0"/>
               </a:rPr>
-              <a:t>Ú</a:t>
+              <a:t>Ü</a:t>
             </a:r>
             <a:endParaRPr lang="en-US" sz="9600" spc="-300" dirty="0">
               <a:solidFill>
@@ -9203,7 +9533,7 @@
                 <a:latin typeface="Arial" panose="020B0604020202020204" pitchFamily="34" charset="0"/>
                 <a:cs typeface="Arial" panose="020B0604020202020204" pitchFamily="34" charset="0"/>
               </a:rPr>
-              <a:t>ÓNG</a:t>
+              <a:t>ONG</a:t>
             </a:r>
             <a:r>
               <a:rPr lang="zh-CN" altLang="en-US" sz="9600" spc="300" dirty="0">
@@ -9436,7 +9766,7 @@
     </p:spTree>
     <p:extLst>
       <p:ext uri="{BB962C8B-B14F-4D97-AF65-F5344CB8AC3E}">
-        <p14:creationId xmlns:p14="http://schemas.microsoft.com/office/powerpoint/2010/main" val="2153822212"/>
+        <p14:creationId xmlns:p14="http://schemas.microsoft.com/office/powerpoint/2010/main" val="3801521842"/>
       </p:ext>
     </p:extLst>
   </p:cSld>
@@ -9632,7 +9962,7 @@
                 <a:latin typeface="Arial" panose="020B0604020202020204" pitchFamily="34" charset="0"/>
                 <a:cs typeface="Arial" panose="020B0604020202020204" pitchFamily="34" charset="0"/>
               </a:rPr>
-              <a:t>ONG</a:t>
+              <a:t>ÓNG</a:t>
             </a:r>
             <a:r>
               <a:rPr lang="zh-CN" altLang="en-US" sz="9600" spc="300" dirty="0">
@@ -9865,7 +10195,7 @@
     </p:spTree>
     <p:extLst>
       <p:ext uri="{BB962C8B-B14F-4D97-AF65-F5344CB8AC3E}">
-        <p14:creationId xmlns:p14="http://schemas.microsoft.com/office/powerpoint/2010/main" val="84928426"/>
+        <p14:creationId xmlns:p14="http://schemas.microsoft.com/office/powerpoint/2010/main" val="2153822212"/>
       </p:ext>
     </p:extLst>
   </p:cSld>
@@ -9892,136 +10222,12 @@
           <a:chExt cx="0" cy="0"/>
         </a:xfrm>
       </p:grpSpPr>
-      <p:sp>
-        <p:nvSpPr>
-          <p:cNvPr id="6" name="TextBox 5">
-            <a:extLst>
-              <a:ext uri="{FF2B5EF4-FFF2-40B4-BE49-F238E27FC236}">
-                <a16:creationId xmlns:a16="http://schemas.microsoft.com/office/drawing/2014/main" id="{4DFBD53B-29E4-A9DB-B886-CF96C0991B6D}"/>
-              </a:ext>
-            </a:extLst>
-          </p:cNvPr>
-          <p:cNvSpPr txBox="1"/>
-          <p:nvPr/>
-        </p:nvSpPr>
-        <p:spPr>
-          <a:xfrm>
-            <a:off x="6116328" y="1503332"/>
-            <a:ext cx="3916066" cy="1862048"/>
-          </a:xfrm>
-          <a:prstGeom prst="rect">
-            <a:avLst/>
-          </a:prstGeom>
-          <a:noFill/>
-        </p:spPr>
-        <p:txBody>
-          <a:bodyPr wrap="square" rtlCol="0">
-            <a:spAutoFit/>
-          </a:bodyPr>
-          <a:lstStyle/>
-          <a:p>
-            <a:r>
-              <a:rPr lang="az-Cyrl-AZ" sz="11500" spc="1300" dirty="0">
-                <a:solidFill>
-                  <a:srgbClr val="EE7D30"/>
-                </a:solidFill>
-                <a:latin typeface="Arial" panose="020B0604020202020204" pitchFamily="34" charset="0"/>
-                <a:cs typeface="Arial" panose="020B0604020202020204" pitchFamily="34" charset="0"/>
-              </a:rPr>
-              <a:t>С</a:t>
-            </a:r>
-            <a:r>
-              <a:rPr lang="az-Cyrl-AZ" sz="8800" spc="1300" dirty="0">
-                <a:solidFill>
-                  <a:srgbClr val="EE7D30"/>
-                </a:solidFill>
-                <a:latin typeface="Arial" panose="020B0604020202020204" pitchFamily="34" charset="0"/>
-                <a:cs typeface="Arial" panose="020B0604020202020204" pitchFamily="34" charset="0"/>
-              </a:rPr>
-              <a:t>ЮЙ</a:t>
-            </a:r>
-            <a:r>
-              <a:rPr lang="zh-CN" altLang="en-US" sz="9600" spc="1300" dirty="0">
-                <a:solidFill>
-                  <a:srgbClr val="EE7D30"/>
-                </a:solidFill>
-                <a:latin typeface="Arial" panose="020B0604020202020204" pitchFamily="34" charset="0"/>
-                <a:cs typeface="Arial" panose="020B0604020202020204" pitchFamily="34" charset="0"/>
-              </a:rPr>
-              <a:t> </a:t>
-            </a:r>
-            <a:endParaRPr lang="en-US" altLang="zh-CN" sz="9600" spc="1300" dirty="0">
-              <a:solidFill>
-                <a:srgbClr val="EE7D30"/>
-              </a:solidFill>
-              <a:latin typeface="Arial" panose="020B0604020202020204" pitchFamily="34" charset="0"/>
-              <a:cs typeface="Arial" panose="020B0604020202020204" pitchFamily="34" charset="0"/>
-            </a:endParaRPr>
-          </a:p>
-        </p:txBody>
-      </p:sp>
-      <p:sp>
-        <p:nvSpPr>
-          <p:cNvPr id="3" name="TextBox 2">
-            <a:extLst>
-              <a:ext uri="{FF2B5EF4-FFF2-40B4-BE49-F238E27FC236}">
-                <a16:creationId xmlns:a16="http://schemas.microsoft.com/office/drawing/2014/main" id="{2C070E27-2E91-F385-8BE6-8C4138778241}"/>
-              </a:ext>
-            </a:extLst>
-          </p:cNvPr>
-          <p:cNvSpPr txBox="1"/>
-          <p:nvPr/>
-        </p:nvSpPr>
-        <p:spPr>
-          <a:xfrm>
-            <a:off x="6218247" y="3008473"/>
-            <a:ext cx="3814147" cy="1862048"/>
-          </a:xfrm>
-          <a:prstGeom prst="rect">
-            <a:avLst/>
-          </a:prstGeom>
-          <a:noFill/>
-        </p:spPr>
-        <p:txBody>
-          <a:bodyPr wrap="square">
-            <a:spAutoFit/>
-          </a:bodyPr>
-          <a:lstStyle/>
-          <a:p>
-            <a:r>
-              <a:rPr lang="az-Cyrl-AZ" sz="11500" spc="-300" dirty="0">
-                <a:solidFill>
-                  <a:srgbClr val="193C7D"/>
-                </a:solidFill>
-                <a:latin typeface="Arial" panose="020B0604020202020204" pitchFamily="34" charset="0"/>
-                <a:cs typeface="Arial" panose="020B0604020202020204" pitchFamily="34" charset="0"/>
-              </a:rPr>
-              <a:t>Х</a:t>
-            </a:r>
-            <a:r>
-              <a:rPr lang="az-Cyrl-AZ" sz="8800" spc="-300" dirty="0">
-                <a:solidFill>
-                  <a:srgbClr val="193C7D"/>
-                </a:solidFill>
-                <a:latin typeface="Arial" panose="020B0604020202020204" pitchFamily="34" charset="0"/>
-                <a:cs typeface="Arial" panose="020B0604020202020204" pitchFamily="34" charset="0"/>
-              </a:rPr>
-              <a:t>ОНГ </a:t>
-            </a:r>
-            <a:endParaRPr lang="en-US" sz="8800" spc="-300" dirty="0">
-              <a:solidFill>
-                <a:srgbClr val="193C7D"/>
-              </a:solidFill>
-            </a:endParaRPr>
-          </a:p>
-        </p:txBody>
-      </p:sp>
       <p:pic>
         <p:nvPicPr>
-          <p:cNvPr id="12" name="Picture 2" descr="Image">
-            <a:extLst>
-              <a:ext uri="{FF2B5EF4-FFF2-40B4-BE49-F238E27FC236}">
-                <a16:creationId xmlns:a16="http://schemas.microsoft.com/office/drawing/2014/main" id="{F9599693-38F7-3097-432A-776886EBB2B8}"/>
+          <p:cNvPr id="1026" name="Picture 2" descr="Image">
+            <a:extLst>
+              <a:ext uri="{FF2B5EF4-FFF2-40B4-BE49-F238E27FC236}">
+                <a16:creationId xmlns:a16="http://schemas.microsoft.com/office/drawing/2014/main" id="{36D76745-1717-2F81-B8A8-05514344CC77}"/>
               </a:ext>
             </a:extLst>
           </p:cNvPr>
@@ -10061,12 +10267,321 @@
           </a:extLst>
         </p:spPr>
       </p:pic>
+      <p:sp>
+        <p:nvSpPr>
+          <p:cNvPr id="9" name="TextBox 8">
+            <a:extLst>
+              <a:ext uri="{FF2B5EF4-FFF2-40B4-BE49-F238E27FC236}">
+                <a16:creationId xmlns:a16="http://schemas.microsoft.com/office/drawing/2014/main" id="{839B7A6C-C6D3-32A6-0EDB-E88D8EFB371D}"/>
+              </a:ext>
+            </a:extLst>
+          </p:cNvPr>
+          <p:cNvSpPr txBox="1"/>
+          <p:nvPr/>
+        </p:nvSpPr>
+        <p:spPr>
+          <a:xfrm>
+            <a:off x="6067869" y="1502404"/>
+            <a:ext cx="4378633" cy="1862048"/>
+          </a:xfrm>
+          <a:prstGeom prst="rect">
+            <a:avLst/>
+          </a:prstGeom>
+          <a:noFill/>
+        </p:spPr>
+        <p:txBody>
+          <a:bodyPr wrap="square" rtlCol="0">
+            <a:spAutoFit/>
+          </a:bodyPr>
+          <a:lstStyle/>
+          <a:p>
+            <a:r>
+              <a:rPr lang="en-US" sz="11500" spc="-300" dirty="0">
+                <a:solidFill>
+                  <a:srgbClr val="EE7D30"/>
+                </a:solidFill>
+                <a:latin typeface="Arial" panose="020B0604020202020204" pitchFamily="34" charset="0"/>
+                <a:cs typeface="Arial" panose="020B0604020202020204" pitchFamily="34" charset="0"/>
+              </a:rPr>
+              <a:t>Dr.</a:t>
+            </a:r>
+            <a:r>
+              <a:rPr lang="en-US" sz="6600" spc="-300" dirty="0">
+                <a:solidFill>
+                  <a:srgbClr val="EE7D30"/>
+                </a:solidFill>
+                <a:latin typeface="Arial" panose="020B0604020202020204" pitchFamily="34" charset="0"/>
+                <a:cs typeface="Arial" panose="020B0604020202020204" pitchFamily="34" charset="0"/>
+              </a:rPr>
+              <a:t> </a:t>
+            </a:r>
+            <a:r>
+              <a:rPr lang="en-US" sz="11500" spc="-300" dirty="0">
+                <a:solidFill>
+                  <a:srgbClr val="EE7D30"/>
+                </a:solidFill>
+                <a:latin typeface="Arial" panose="020B0604020202020204" pitchFamily="34" charset="0"/>
+                <a:cs typeface="Arial" panose="020B0604020202020204" pitchFamily="34" charset="0"/>
+              </a:rPr>
+              <a:t>X</a:t>
+            </a:r>
+            <a:r>
+              <a:rPr lang="en-US" sz="8800" spc="-300" dirty="0">
+                <a:solidFill>
+                  <a:srgbClr val="EE7D30"/>
+                </a:solidFill>
+                <a:latin typeface="Arial" panose="020B0604020202020204" pitchFamily="34" charset="0"/>
+                <a:cs typeface="Arial" panose="020B0604020202020204" pitchFamily="34" charset="0"/>
+              </a:rPr>
+              <a:t>Ú</a:t>
+            </a:r>
+            <a:endParaRPr lang="en-US" sz="9600" spc="-300" dirty="0">
+              <a:solidFill>
+                <a:srgbClr val="EE7D30"/>
+              </a:solidFill>
+              <a:latin typeface="Arial" panose="020B0604020202020204" pitchFamily="34" charset="0"/>
+              <a:cs typeface="Arial" panose="020B0604020202020204" pitchFamily="34" charset="0"/>
+            </a:endParaRPr>
+          </a:p>
+        </p:txBody>
+      </p:sp>
+      <p:sp>
+        <p:nvSpPr>
+          <p:cNvPr id="10" name="TextBox 9">
+            <a:extLst>
+              <a:ext uri="{FF2B5EF4-FFF2-40B4-BE49-F238E27FC236}">
+                <a16:creationId xmlns:a16="http://schemas.microsoft.com/office/drawing/2014/main" id="{EF81F04B-E831-E708-9897-55FF13E576D7}"/>
+              </a:ext>
+            </a:extLst>
+          </p:cNvPr>
+          <p:cNvSpPr txBox="1"/>
+          <p:nvPr/>
+        </p:nvSpPr>
+        <p:spPr>
+          <a:xfrm>
+            <a:off x="6067868" y="3020161"/>
+            <a:ext cx="4378634" cy="1862048"/>
+          </a:xfrm>
+          <a:prstGeom prst="rect">
+            <a:avLst/>
+          </a:prstGeom>
+          <a:noFill/>
+        </p:spPr>
+        <p:txBody>
+          <a:bodyPr wrap="square" rtlCol="0">
+            <a:spAutoFit/>
+          </a:bodyPr>
+          <a:lstStyle/>
+          <a:p>
+            <a:r>
+              <a:rPr lang="en-US" sz="11500" spc="300" dirty="0">
+                <a:solidFill>
+                  <a:srgbClr val="193C7D"/>
+                </a:solidFill>
+                <a:latin typeface="Arial" panose="020B0604020202020204" pitchFamily="34" charset="0"/>
+                <a:cs typeface="Arial" panose="020B0604020202020204" pitchFamily="34" charset="0"/>
+              </a:rPr>
+              <a:t>H</a:t>
+            </a:r>
+            <a:r>
+              <a:rPr lang="en-US" sz="8800" spc="300" dirty="0">
+                <a:solidFill>
+                  <a:srgbClr val="193C7D"/>
+                </a:solidFill>
+                <a:latin typeface="Arial" panose="020B0604020202020204" pitchFamily="34" charset="0"/>
+                <a:cs typeface="Arial" panose="020B0604020202020204" pitchFamily="34" charset="0"/>
+              </a:rPr>
+              <a:t>ONG</a:t>
+            </a:r>
+            <a:r>
+              <a:rPr lang="zh-CN" altLang="en-US" sz="9600" spc="300" dirty="0">
+                <a:solidFill>
+                  <a:srgbClr val="193C7D"/>
+                </a:solidFill>
+                <a:latin typeface="Arial" panose="020B0604020202020204" pitchFamily="34" charset="0"/>
+                <a:cs typeface="Arial" panose="020B0604020202020204" pitchFamily="34" charset="0"/>
+              </a:rPr>
+              <a:t> </a:t>
+            </a:r>
+            <a:endParaRPr lang="en-US" altLang="zh-CN" sz="9600" spc="300" dirty="0">
+              <a:solidFill>
+                <a:srgbClr val="193C7D"/>
+              </a:solidFill>
+              <a:latin typeface="Arial" panose="020B0604020202020204" pitchFamily="34" charset="0"/>
+              <a:cs typeface="Arial" panose="020B0604020202020204" pitchFamily="34" charset="0"/>
+            </a:endParaRPr>
+          </a:p>
+        </p:txBody>
+      </p:sp>
+      <p:sp>
+        <p:nvSpPr>
+          <p:cNvPr id="2" name="TextBox 1">
+            <a:extLst>
+              <a:ext uri="{FF2B5EF4-FFF2-40B4-BE49-F238E27FC236}">
+                <a16:creationId xmlns:a16="http://schemas.microsoft.com/office/drawing/2014/main" id="{8ACC2E12-BAF5-1435-CEC8-F161FAF7D8FB}"/>
+              </a:ext>
+            </a:extLst>
+          </p:cNvPr>
+          <p:cNvSpPr txBox="1"/>
+          <p:nvPr/>
+        </p:nvSpPr>
+        <p:spPr>
+          <a:xfrm>
+            <a:off x="10874673" y="1502404"/>
+            <a:ext cx="4378633" cy="1862048"/>
+          </a:xfrm>
+          <a:prstGeom prst="rect">
+            <a:avLst/>
+          </a:prstGeom>
+          <a:noFill/>
+        </p:spPr>
+        <p:txBody>
+          <a:bodyPr wrap="square" rtlCol="0">
+            <a:spAutoFit/>
+          </a:bodyPr>
+          <a:lstStyle/>
+          <a:p>
+            <a:r>
+              <a:rPr lang="en-US" sz="11500" spc="-300" dirty="0">
+                <a:solidFill>
+                  <a:srgbClr val="EE7D30"/>
+                </a:solidFill>
+                <a:latin typeface="Arial" panose="020B0604020202020204" pitchFamily="34" charset="0"/>
+                <a:ea typeface="Hiragino Sans W2" panose="020B0300000000000000" pitchFamily="34" charset="-128"/>
+                <a:cs typeface="Arial" panose="020B0604020202020204" pitchFamily="34" charset="0"/>
+              </a:rPr>
+              <a:t>Hsu</a:t>
+            </a:r>
+            <a:endParaRPr lang="en-US" sz="8800" spc="-300" dirty="0">
+              <a:solidFill>
+                <a:srgbClr val="EE7D30"/>
+              </a:solidFill>
+              <a:latin typeface="Arial" panose="020B0604020202020204" pitchFamily="34" charset="0"/>
+              <a:ea typeface="Hiragino Sans W2" panose="020B0300000000000000" pitchFamily="34" charset="-128"/>
+              <a:cs typeface="Arial" panose="020B0604020202020204" pitchFamily="34" charset="0"/>
+            </a:endParaRPr>
+          </a:p>
+        </p:txBody>
+      </p:sp>
+      <p:sp>
+        <p:nvSpPr>
+          <p:cNvPr id="3" name="TextBox 2">
+            <a:extLst>
+              <a:ext uri="{FF2B5EF4-FFF2-40B4-BE49-F238E27FC236}">
+                <a16:creationId xmlns:a16="http://schemas.microsoft.com/office/drawing/2014/main" id="{A216E084-5254-4252-8CEF-17262AB46251}"/>
+              </a:ext>
+            </a:extLst>
+          </p:cNvPr>
+          <p:cNvSpPr txBox="1"/>
+          <p:nvPr/>
+        </p:nvSpPr>
+        <p:spPr>
+          <a:xfrm>
+            <a:off x="10867414" y="3020161"/>
+            <a:ext cx="5849953" cy="1862048"/>
+          </a:xfrm>
+          <a:prstGeom prst="rect">
+            <a:avLst/>
+          </a:prstGeom>
+          <a:noFill/>
+        </p:spPr>
+        <p:txBody>
+          <a:bodyPr wrap="square" rtlCol="0">
+            <a:spAutoFit/>
+          </a:bodyPr>
+          <a:lstStyle/>
+          <a:p>
+            <a:r>
+              <a:rPr lang="en-US" sz="11500" spc="300" dirty="0">
+                <a:solidFill>
+                  <a:srgbClr val="193C7D"/>
+                </a:solidFill>
+                <a:latin typeface="Arial" panose="020B0604020202020204" pitchFamily="34" charset="0"/>
+                <a:ea typeface="Hiragino Sans W2" panose="020B0300000000000000" pitchFamily="34" charset="-128"/>
+                <a:cs typeface="Arial" panose="020B0604020202020204" pitchFamily="34" charset="0"/>
+              </a:rPr>
+              <a:t>H</a:t>
+            </a:r>
+            <a:r>
+              <a:rPr lang="en-US" sz="8800" spc="300" dirty="0">
+                <a:solidFill>
+                  <a:srgbClr val="193C7D"/>
+                </a:solidFill>
+                <a:latin typeface="Arial" panose="020B0604020202020204" pitchFamily="34" charset="0"/>
+                <a:ea typeface="Hiragino Sans W2" panose="020B0300000000000000" pitchFamily="34" charset="-128"/>
+                <a:cs typeface="Arial" panose="020B0604020202020204" pitchFamily="34" charset="0"/>
+              </a:rPr>
+              <a:t>ELIOS</a:t>
+            </a:r>
+            <a:r>
+              <a:rPr lang="zh-CN" altLang="en-US" sz="9600" spc="300" dirty="0">
+                <a:solidFill>
+                  <a:srgbClr val="193C7D"/>
+                </a:solidFill>
+                <a:latin typeface="Arial" panose="020B0604020202020204" pitchFamily="34" charset="0"/>
+                <a:cs typeface="Arial" panose="020B0604020202020204" pitchFamily="34" charset="0"/>
+              </a:rPr>
+              <a:t> </a:t>
+            </a:r>
+            <a:endParaRPr lang="en-US" altLang="zh-CN" sz="9600" spc="300" dirty="0">
+              <a:solidFill>
+                <a:srgbClr val="193C7D"/>
+              </a:solidFill>
+              <a:latin typeface="Arial" panose="020B0604020202020204" pitchFamily="34" charset="0"/>
+              <a:cs typeface="Arial" panose="020B0604020202020204" pitchFamily="34" charset="0"/>
+            </a:endParaRPr>
+          </a:p>
+        </p:txBody>
+      </p:sp>
+      <p:cxnSp>
+        <p:nvCxnSpPr>
+          <p:cNvPr id="5" name="Straight Connector 4">
+            <a:extLst>
+              <a:ext uri="{FF2B5EF4-FFF2-40B4-BE49-F238E27FC236}">
+                <a16:creationId xmlns:a16="http://schemas.microsoft.com/office/drawing/2014/main" id="{4A437575-06ED-BA35-2BD4-13DE33F5FD1C}"/>
+              </a:ext>
+            </a:extLst>
+          </p:cNvPr>
+          <p:cNvCxnSpPr/>
+          <p:nvPr/>
+        </p:nvCxnSpPr>
+        <p:spPr>
+          <a:xfrm>
+            <a:off x="10446502" y="1923142"/>
+            <a:ext cx="0" cy="2560320"/>
+          </a:xfrm>
+          <a:prstGeom prst="line">
+            <a:avLst/>
+          </a:prstGeom>
+          <a:ln w="19050">
+            <a:solidFill>
+              <a:schemeClr val="bg1">
+                <a:lumMod val="65000"/>
+              </a:schemeClr>
+            </a:solidFill>
+          </a:ln>
+        </p:spPr>
+        <p:style>
+          <a:lnRef idx="1">
+            <a:schemeClr val="accent1"/>
+          </a:lnRef>
+          <a:fillRef idx="0">
+            <a:schemeClr val="accent1"/>
+          </a:fillRef>
+          <a:effectRef idx="0">
+            <a:schemeClr val="accent1"/>
+          </a:effectRef>
+          <a:fontRef idx="minor">
+            <a:schemeClr val="tx1"/>
+          </a:fontRef>
+        </p:style>
+      </p:cxnSp>
       <p:pic>
         <p:nvPicPr>
-          <p:cNvPr id="15" name="Picture 2" descr="Image">
-            <a:extLst>
-              <a:ext uri="{FF2B5EF4-FFF2-40B4-BE49-F238E27FC236}">
-                <a16:creationId xmlns:a16="http://schemas.microsoft.com/office/drawing/2014/main" id="{8AF25FF2-3D53-F8B3-666A-101DC6E0FA78}"/>
+          <p:cNvPr id="7" name="Picture 2" descr="Image">
+            <a:extLst>
+              <a:ext uri="{FF2B5EF4-FFF2-40B4-BE49-F238E27FC236}">
+                <a16:creationId xmlns:a16="http://schemas.microsoft.com/office/drawing/2014/main" id="{23F2F615-820B-07C9-E672-5E46661DCF86}"/>
               </a:ext>
             </a:extLst>
           </p:cNvPr>
@@ -10109,7 +10624,7 @@
     </p:spTree>
     <p:extLst>
       <p:ext uri="{BB962C8B-B14F-4D97-AF65-F5344CB8AC3E}">
-        <p14:creationId xmlns:p14="http://schemas.microsoft.com/office/powerpoint/2010/main" val="1205243765"/>
+        <p14:creationId xmlns:p14="http://schemas.microsoft.com/office/powerpoint/2010/main" val="84928426"/>
       </p:ext>
     </p:extLst>
   </p:cSld>

--- a/images/logo-multi-lang.pptx
+++ b/images/logo-multi-lang.pptx
@@ -5,26 +5,27 @@
     <p:sldMasterId id="2147483648" r:id="rId1"/>
   </p:sldMasterIdLst>
   <p:notesMasterIdLst>
-    <p:notesMasterId r:id="rId19"/>
+    <p:notesMasterId r:id="rId20"/>
   </p:notesMasterIdLst>
   <p:sldIdLst>
     <p:sldId id="256" r:id="rId2"/>
     <p:sldId id="273" r:id="rId3"/>
     <p:sldId id="258" r:id="rId4"/>
     <p:sldId id="259" r:id="rId5"/>
-    <p:sldId id="274" r:id="rId6"/>
-    <p:sldId id="261" r:id="rId7"/>
-    <p:sldId id="268" r:id="rId8"/>
-    <p:sldId id="269" r:id="rId9"/>
-    <p:sldId id="270" r:id="rId10"/>
-    <p:sldId id="265" r:id="rId11"/>
-    <p:sldId id="272" r:id="rId12"/>
-    <p:sldId id="262" r:id="rId13"/>
-    <p:sldId id="263" r:id="rId14"/>
-    <p:sldId id="264" r:id="rId15"/>
-    <p:sldId id="266" r:id="rId16"/>
-    <p:sldId id="267" r:id="rId17"/>
-    <p:sldId id="260" r:id="rId18"/>
+    <p:sldId id="275" r:id="rId6"/>
+    <p:sldId id="274" r:id="rId7"/>
+    <p:sldId id="261" r:id="rId8"/>
+    <p:sldId id="268" r:id="rId9"/>
+    <p:sldId id="269" r:id="rId10"/>
+    <p:sldId id="270" r:id="rId11"/>
+    <p:sldId id="265" r:id="rId12"/>
+    <p:sldId id="272" r:id="rId13"/>
+    <p:sldId id="262" r:id="rId14"/>
+    <p:sldId id="263" r:id="rId15"/>
+    <p:sldId id="264" r:id="rId16"/>
+    <p:sldId id="266" r:id="rId17"/>
+    <p:sldId id="267" r:id="rId18"/>
+    <p:sldId id="260" r:id="rId19"/>
   </p:sldIdLst>
   <p:sldSz cx="12192000" cy="6858000"/>
   <p:notesSz cx="6858000" cy="9144000"/>
@@ -132,6 +133,7 @@
             <p14:sldId id="273"/>
             <p14:sldId id="258"/>
             <p14:sldId id="259"/>
+            <p14:sldId id="275"/>
             <p14:sldId id="274"/>
             <p14:sldId id="261"/>
             <p14:sldId id="268"/>
@@ -637,6 +639,35 @@
           <a:bodyPr/>
           <a:lstStyle/>
           <a:p>
+            <a:pPr marL="0" marR="0" lvl="0" indent="0" algn="l" defTabSz="914400" rtl="0" eaLnBrk="1" fontAlgn="auto" latinLnBrk="0" hangingPunct="1">
+              <a:lnSpc>
+                <a:spcPct val="100000"/>
+              </a:lnSpc>
+              <a:spcBef>
+                <a:spcPts val="0"/>
+              </a:spcBef>
+              <a:spcAft>
+                <a:spcPts val="0"/>
+              </a:spcAft>
+              <a:buClrTx/>
+              <a:buSzTx/>
+              <a:buFontTx/>
+              <a:buNone/>
+              <a:tabLst/>
+              <a:defRPr/>
+            </a:pPr>
+            <a:r>
+              <a:rPr lang="az-Cyrl-AZ" b="0" dirty="0">
+                <a:solidFill>
+                  <a:srgbClr val="CCCCCC"/>
+                </a:solidFill>
+                <a:effectLst/>
+                <a:latin typeface="Menlo" panose="020B0609030804020204" pitchFamily="49" charset="0"/>
+              </a:rPr>
+              <a:t>Хонг Сюй </a:t>
+            </a:r>
+          </a:p>
+          <a:p>
             <a:endParaRPr lang="en-US" dirty="0"/>
           </a:p>
         </p:txBody>
@@ -667,7 +698,7 @@
     </p:spTree>
     <p:extLst>
       <p:ext uri="{BB962C8B-B14F-4D97-AF65-F5344CB8AC3E}">
-        <p14:creationId xmlns:p14="http://schemas.microsoft.com/office/powerpoint/2010/main" val="84484294"/>
+        <p14:creationId xmlns:p14="http://schemas.microsoft.com/office/powerpoint/2010/main" val="3427386546"/>
       </p:ext>
     </p:extLst>
   </p:cSld>
@@ -751,7 +782,7 @@
     </p:spTree>
     <p:extLst>
       <p:ext uri="{BB962C8B-B14F-4D97-AF65-F5344CB8AC3E}">
-        <p14:creationId xmlns:p14="http://schemas.microsoft.com/office/powerpoint/2010/main" val="3434539173"/>
+        <p14:creationId xmlns:p14="http://schemas.microsoft.com/office/powerpoint/2010/main" val="84484294"/>
       </p:ext>
     </p:extLst>
   </p:cSld>
@@ -835,7 +866,7 @@
     </p:spTree>
     <p:extLst>
       <p:ext uri="{BB962C8B-B14F-4D97-AF65-F5344CB8AC3E}">
-        <p14:creationId xmlns:p14="http://schemas.microsoft.com/office/powerpoint/2010/main" val="2562499369"/>
+        <p14:creationId xmlns:p14="http://schemas.microsoft.com/office/powerpoint/2010/main" val="3434539173"/>
       </p:ext>
     </p:extLst>
   </p:cSld>
@@ -911,6 +942,90 @@
             <a:fld id="{926BFB2E-ED9B-FE4A-A569-A62DBFBACDD7}" type="slidenum">
               <a:rPr lang="en-US" smtClean="0"/>
               <a:t>15</a:t>
+            </a:fld>
+            <a:endParaRPr lang="en-US"/>
+          </a:p>
+        </p:txBody>
+      </p:sp>
+    </p:spTree>
+    <p:extLst>
+      <p:ext uri="{BB962C8B-B14F-4D97-AF65-F5344CB8AC3E}">
+        <p14:creationId xmlns:p14="http://schemas.microsoft.com/office/powerpoint/2010/main" val="2562499369"/>
+      </p:ext>
+    </p:extLst>
+  </p:cSld>
+  <p:clrMapOvr>
+    <a:masterClrMapping/>
+  </p:clrMapOvr>
+</p:notes>
+</file>
+
+<file path=ppt/notesSlides/notesSlide14.xml><?xml version="1.0" encoding="utf-8"?>
+<p:notes xmlns:a="http://schemas.openxmlformats.org/drawingml/2006/main" xmlns:r="http://schemas.openxmlformats.org/officeDocument/2006/relationships" xmlns:p="http://schemas.openxmlformats.org/presentationml/2006/main">
+  <p:cSld>
+    <p:spTree>
+      <p:nvGrpSpPr>
+        <p:cNvPr id="1" name=""/>
+        <p:cNvGrpSpPr/>
+        <p:nvPr/>
+      </p:nvGrpSpPr>
+      <p:grpSpPr>
+        <a:xfrm>
+          <a:off x="0" y="0"/>
+          <a:ext cx="0" cy="0"/>
+          <a:chOff x="0" y="0"/>
+          <a:chExt cx="0" cy="0"/>
+        </a:xfrm>
+      </p:grpSpPr>
+      <p:sp>
+        <p:nvSpPr>
+          <p:cNvPr id="2" name="Slide Image Placeholder 1"/>
+          <p:cNvSpPr>
+            <a:spLocks noGrp="1" noRot="1" noChangeAspect="1"/>
+          </p:cNvSpPr>
+          <p:nvPr>
+            <p:ph type="sldImg"/>
+          </p:nvPr>
+        </p:nvSpPr>
+        <p:spPr/>
+      </p:sp>
+      <p:sp>
+        <p:nvSpPr>
+          <p:cNvPr id="3" name="Notes Placeholder 2"/>
+          <p:cNvSpPr>
+            <a:spLocks noGrp="1"/>
+          </p:cNvSpPr>
+          <p:nvPr>
+            <p:ph type="body" idx="1"/>
+          </p:nvPr>
+        </p:nvSpPr>
+        <p:spPr/>
+        <p:txBody>
+          <a:bodyPr/>
+          <a:lstStyle/>
+          <a:p>
+            <a:endParaRPr lang="en-US" dirty="0"/>
+          </a:p>
+        </p:txBody>
+      </p:sp>
+      <p:sp>
+        <p:nvSpPr>
+          <p:cNvPr id="4" name="Slide Number Placeholder 3"/>
+          <p:cNvSpPr>
+            <a:spLocks noGrp="1"/>
+          </p:cNvSpPr>
+          <p:nvPr>
+            <p:ph type="sldNum" sz="quarter" idx="5"/>
+          </p:nvPr>
+        </p:nvSpPr>
+        <p:spPr/>
+        <p:txBody>
+          <a:bodyPr/>
+          <a:lstStyle/>
+          <a:p>
+            <a:fld id="{926BFB2E-ED9B-FE4A-A569-A62DBFBACDD7}" type="slidenum">
+              <a:rPr lang="en-US" smtClean="0"/>
+              <a:t>16</a:t>
             </a:fld>
             <a:endParaRPr lang="en-US"/>
           </a:p>
@@ -1087,7 +1202,7 @@
     </p:spTree>
     <p:extLst>
       <p:ext uri="{BB962C8B-B14F-4D97-AF65-F5344CB8AC3E}">
-        <p14:creationId xmlns:p14="http://schemas.microsoft.com/office/powerpoint/2010/main" val="1334370267"/>
+        <p14:creationId xmlns:p14="http://schemas.microsoft.com/office/powerpoint/2010/main" val="343773621"/>
       </p:ext>
     </p:extLst>
   </p:cSld>
@@ -1171,7 +1286,7 @@
     </p:spTree>
     <p:extLst>
       <p:ext uri="{BB962C8B-B14F-4D97-AF65-F5344CB8AC3E}">
-        <p14:creationId xmlns:p14="http://schemas.microsoft.com/office/powerpoint/2010/main" val="1992019798"/>
+        <p14:creationId xmlns:p14="http://schemas.microsoft.com/office/powerpoint/2010/main" val="1334370267"/>
       </p:ext>
     </p:extLst>
   </p:cSld>
@@ -1255,7 +1370,7 @@
     </p:spTree>
     <p:extLst>
       <p:ext uri="{BB962C8B-B14F-4D97-AF65-F5344CB8AC3E}">
-        <p14:creationId xmlns:p14="http://schemas.microsoft.com/office/powerpoint/2010/main" val="4091741740"/>
+        <p14:creationId xmlns:p14="http://schemas.microsoft.com/office/powerpoint/2010/main" val="1992019798"/>
       </p:ext>
     </p:extLst>
   </p:cSld>
@@ -1339,7 +1454,7 @@
     </p:spTree>
     <p:extLst>
       <p:ext uri="{BB962C8B-B14F-4D97-AF65-F5344CB8AC3E}">
-        <p14:creationId xmlns:p14="http://schemas.microsoft.com/office/powerpoint/2010/main" val="2430316426"/>
+        <p14:creationId xmlns:p14="http://schemas.microsoft.com/office/powerpoint/2010/main" val="4091741740"/>
       </p:ext>
     </p:extLst>
   </p:cSld>
@@ -1423,7 +1538,7 @@
     </p:spTree>
     <p:extLst>
       <p:ext uri="{BB962C8B-B14F-4D97-AF65-F5344CB8AC3E}">
-        <p14:creationId xmlns:p14="http://schemas.microsoft.com/office/powerpoint/2010/main" val="4116571484"/>
+        <p14:creationId xmlns:p14="http://schemas.microsoft.com/office/powerpoint/2010/main" val="2430316426"/>
       </p:ext>
     </p:extLst>
   </p:cSld>
@@ -1477,35 +1592,6 @@
           <a:bodyPr/>
           <a:lstStyle/>
           <a:p>
-            <a:pPr marL="0" marR="0" lvl="0" indent="0" algn="l" defTabSz="914400" rtl="0" eaLnBrk="1" fontAlgn="auto" latinLnBrk="0" hangingPunct="1">
-              <a:lnSpc>
-                <a:spcPct val="100000"/>
-              </a:lnSpc>
-              <a:spcBef>
-                <a:spcPts val="0"/>
-              </a:spcBef>
-              <a:spcAft>
-                <a:spcPts val="0"/>
-              </a:spcAft>
-              <a:buClrTx/>
-              <a:buSzTx/>
-              <a:buFontTx/>
-              <a:buNone/>
-              <a:tabLst/>
-              <a:defRPr/>
-            </a:pPr>
-            <a:r>
-              <a:rPr lang="az-Cyrl-AZ" b="0" dirty="0">
-                <a:solidFill>
-                  <a:srgbClr val="CCCCCC"/>
-                </a:solidFill>
-                <a:effectLst/>
-                <a:latin typeface="Menlo" panose="020B0609030804020204" pitchFamily="49" charset="0"/>
-              </a:rPr>
-              <a:t>Хонг Сюй </a:t>
-            </a:r>
-          </a:p>
-          <a:p>
             <a:endParaRPr lang="en-US" dirty="0"/>
           </a:p>
         </p:txBody>
@@ -1536,7 +1622,7 @@
     </p:spTree>
     <p:extLst>
       <p:ext uri="{BB962C8B-B14F-4D97-AF65-F5344CB8AC3E}">
-        <p14:creationId xmlns:p14="http://schemas.microsoft.com/office/powerpoint/2010/main" val="252236471"/>
+        <p14:creationId xmlns:p14="http://schemas.microsoft.com/office/powerpoint/2010/main" val="4116571484"/>
       </p:ext>
     </p:extLst>
   </p:cSld>
@@ -1649,7 +1735,7 @@
     </p:spTree>
     <p:extLst>
       <p:ext uri="{BB962C8B-B14F-4D97-AF65-F5344CB8AC3E}">
-        <p14:creationId xmlns:p14="http://schemas.microsoft.com/office/powerpoint/2010/main" val="3427386546"/>
+        <p14:creationId xmlns:p14="http://schemas.microsoft.com/office/powerpoint/2010/main" val="252236471"/>
       </p:ext>
     </p:extLst>
   </p:cSld>
@@ -5186,136 +5272,12 @@
           <a:chExt cx="0" cy="0"/>
         </a:xfrm>
       </p:grpSpPr>
-      <p:sp>
-        <p:nvSpPr>
-          <p:cNvPr id="6" name="TextBox 5">
-            <a:extLst>
-              <a:ext uri="{FF2B5EF4-FFF2-40B4-BE49-F238E27FC236}">
-                <a16:creationId xmlns:a16="http://schemas.microsoft.com/office/drawing/2014/main" id="{4DFBD53B-29E4-A9DB-B886-CF96C0991B6D}"/>
-              </a:ext>
-            </a:extLst>
-          </p:cNvPr>
-          <p:cNvSpPr txBox="1"/>
-          <p:nvPr/>
-        </p:nvSpPr>
-        <p:spPr>
-          <a:xfrm>
-            <a:off x="6116328" y="1503332"/>
-            <a:ext cx="3916066" cy="1862048"/>
-          </a:xfrm>
-          <a:prstGeom prst="rect">
-            <a:avLst/>
-          </a:prstGeom>
-          <a:noFill/>
-        </p:spPr>
-        <p:txBody>
-          <a:bodyPr wrap="square" rtlCol="0">
-            <a:spAutoFit/>
-          </a:bodyPr>
-          <a:lstStyle/>
-          <a:p>
-            <a:r>
-              <a:rPr lang="az-Cyrl-AZ" sz="11500" spc="1300" dirty="0">
-                <a:solidFill>
-                  <a:srgbClr val="EE7D30"/>
-                </a:solidFill>
-                <a:latin typeface="Arial" panose="020B0604020202020204" pitchFamily="34" charset="0"/>
-                <a:cs typeface="Arial" panose="020B0604020202020204" pitchFamily="34" charset="0"/>
-              </a:rPr>
-              <a:t>С</a:t>
-            </a:r>
-            <a:r>
-              <a:rPr lang="az-Cyrl-AZ" sz="8800" spc="1300" dirty="0">
-                <a:solidFill>
-                  <a:srgbClr val="EE7D30"/>
-                </a:solidFill>
-                <a:latin typeface="Arial" panose="020B0604020202020204" pitchFamily="34" charset="0"/>
-                <a:cs typeface="Arial" panose="020B0604020202020204" pitchFamily="34" charset="0"/>
-              </a:rPr>
-              <a:t>ЮЙ</a:t>
-            </a:r>
-            <a:r>
-              <a:rPr lang="zh-CN" altLang="en-US" sz="9600" spc="1300" dirty="0">
-                <a:solidFill>
-                  <a:srgbClr val="EE7D30"/>
-                </a:solidFill>
-                <a:latin typeface="Arial" panose="020B0604020202020204" pitchFamily="34" charset="0"/>
-                <a:cs typeface="Arial" panose="020B0604020202020204" pitchFamily="34" charset="0"/>
-              </a:rPr>
-              <a:t> </a:t>
-            </a:r>
-            <a:endParaRPr lang="en-US" altLang="zh-CN" sz="9600" spc="1300" dirty="0">
-              <a:solidFill>
-                <a:srgbClr val="EE7D30"/>
-              </a:solidFill>
-              <a:latin typeface="Arial" panose="020B0604020202020204" pitchFamily="34" charset="0"/>
-              <a:cs typeface="Arial" panose="020B0604020202020204" pitchFamily="34" charset="0"/>
-            </a:endParaRPr>
-          </a:p>
-        </p:txBody>
-      </p:sp>
-      <p:sp>
-        <p:nvSpPr>
-          <p:cNvPr id="3" name="TextBox 2">
-            <a:extLst>
-              <a:ext uri="{FF2B5EF4-FFF2-40B4-BE49-F238E27FC236}">
-                <a16:creationId xmlns:a16="http://schemas.microsoft.com/office/drawing/2014/main" id="{2C070E27-2E91-F385-8BE6-8C4138778241}"/>
-              </a:ext>
-            </a:extLst>
-          </p:cNvPr>
-          <p:cNvSpPr txBox="1"/>
-          <p:nvPr/>
-        </p:nvSpPr>
-        <p:spPr>
-          <a:xfrm>
-            <a:off x="6218247" y="3008473"/>
-            <a:ext cx="3814147" cy="1862048"/>
-          </a:xfrm>
-          <a:prstGeom prst="rect">
-            <a:avLst/>
-          </a:prstGeom>
-          <a:noFill/>
-        </p:spPr>
-        <p:txBody>
-          <a:bodyPr wrap="square">
-            <a:spAutoFit/>
-          </a:bodyPr>
-          <a:lstStyle/>
-          <a:p>
-            <a:r>
-              <a:rPr lang="az-Cyrl-AZ" sz="11500" spc="-300" dirty="0">
-                <a:solidFill>
-                  <a:srgbClr val="193C7D"/>
-                </a:solidFill>
-                <a:latin typeface="Arial" panose="020B0604020202020204" pitchFamily="34" charset="0"/>
-                <a:cs typeface="Arial" panose="020B0604020202020204" pitchFamily="34" charset="0"/>
-              </a:rPr>
-              <a:t>Х</a:t>
-            </a:r>
-            <a:r>
-              <a:rPr lang="az-Cyrl-AZ" sz="8800" spc="-300" dirty="0">
-                <a:solidFill>
-                  <a:srgbClr val="193C7D"/>
-                </a:solidFill>
-                <a:latin typeface="Arial" panose="020B0604020202020204" pitchFamily="34" charset="0"/>
-                <a:cs typeface="Arial" panose="020B0604020202020204" pitchFamily="34" charset="0"/>
-              </a:rPr>
-              <a:t>ОНГ </a:t>
-            </a:r>
-            <a:endParaRPr lang="en-US" sz="8800" spc="-300" dirty="0">
-              <a:solidFill>
-                <a:srgbClr val="193C7D"/>
-              </a:solidFill>
-            </a:endParaRPr>
-          </a:p>
-        </p:txBody>
-      </p:sp>
       <p:pic>
         <p:nvPicPr>
-          <p:cNvPr id="12" name="Picture 2" descr="Image">
-            <a:extLst>
-              <a:ext uri="{FF2B5EF4-FFF2-40B4-BE49-F238E27FC236}">
-                <a16:creationId xmlns:a16="http://schemas.microsoft.com/office/drawing/2014/main" id="{F9599693-38F7-3097-432A-776886EBB2B8}"/>
+          <p:cNvPr id="1026" name="Picture 2" descr="Image">
+            <a:extLst>
+              <a:ext uri="{FF2B5EF4-FFF2-40B4-BE49-F238E27FC236}">
+                <a16:creationId xmlns:a16="http://schemas.microsoft.com/office/drawing/2014/main" id="{36D76745-1717-2F81-B8A8-05514344CC77}"/>
               </a:ext>
             </a:extLst>
           </p:cNvPr>
@@ -5355,12 +5317,321 @@
           </a:extLst>
         </p:spPr>
       </p:pic>
+      <p:sp>
+        <p:nvSpPr>
+          <p:cNvPr id="9" name="TextBox 8">
+            <a:extLst>
+              <a:ext uri="{FF2B5EF4-FFF2-40B4-BE49-F238E27FC236}">
+                <a16:creationId xmlns:a16="http://schemas.microsoft.com/office/drawing/2014/main" id="{839B7A6C-C6D3-32A6-0EDB-E88D8EFB371D}"/>
+              </a:ext>
+            </a:extLst>
+          </p:cNvPr>
+          <p:cNvSpPr txBox="1"/>
+          <p:nvPr/>
+        </p:nvSpPr>
+        <p:spPr>
+          <a:xfrm>
+            <a:off x="6067869" y="1502404"/>
+            <a:ext cx="4378633" cy="1862048"/>
+          </a:xfrm>
+          <a:prstGeom prst="rect">
+            <a:avLst/>
+          </a:prstGeom>
+          <a:noFill/>
+        </p:spPr>
+        <p:txBody>
+          <a:bodyPr wrap="square" rtlCol="0">
+            <a:spAutoFit/>
+          </a:bodyPr>
+          <a:lstStyle/>
+          <a:p>
+            <a:r>
+              <a:rPr lang="en-US" sz="11500" spc="-300" dirty="0">
+                <a:solidFill>
+                  <a:srgbClr val="EE7D30"/>
+                </a:solidFill>
+                <a:latin typeface="Arial" panose="020B0604020202020204" pitchFamily="34" charset="0"/>
+                <a:cs typeface="Arial" panose="020B0604020202020204" pitchFamily="34" charset="0"/>
+              </a:rPr>
+              <a:t>Dr.</a:t>
+            </a:r>
+            <a:r>
+              <a:rPr lang="en-US" sz="6600" spc="-300" dirty="0">
+                <a:solidFill>
+                  <a:srgbClr val="EE7D30"/>
+                </a:solidFill>
+                <a:latin typeface="Arial" panose="020B0604020202020204" pitchFamily="34" charset="0"/>
+                <a:cs typeface="Arial" panose="020B0604020202020204" pitchFamily="34" charset="0"/>
+              </a:rPr>
+              <a:t> </a:t>
+            </a:r>
+            <a:r>
+              <a:rPr lang="en-US" sz="11500" spc="-300" dirty="0">
+                <a:solidFill>
+                  <a:srgbClr val="EE7D30"/>
+                </a:solidFill>
+                <a:latin typeface="Arial" panose="020B0604020202020204" pitchFamily="34" charset="0"/>
+                <a:cs typeface="Arial" panose="020B0604020202020204" pitchFamily="34" charset="0"/>
+              </a:rPr>
+              <a:t>X</a:t>
+            </a:r>
+            <a:r>
+              <a:rPr lang="en-US" sz="8800" spc="-300" dirty="0">
+                <a:solidFill>
+                  <a:srgbClr val="EE7D30"/>
+                </a:solidFill>
+                <a:latin typeface="Arial" panose="020B0604020202020204" pitchFamily="34" charset="0"/>
+                <a:cs typeface="Arial" panose="020B0604020202020204" pitchFamily="34" charset="0"/>
+              </a:rPr>
+              <a:t>Ú</a:t>
+            </a:r>
+            <a:endParaRPr lang="en-US" sz="9600" spc="-300" dirty="0">
+              <a:solidFill>
+                <a:srgbClr val="EE7D30"/>
+              </a:solidFill>
+              <a:latin typeface="Arial" panose="020B0604020202020204" pitchFamily="34" charset="0"/>
+              <a:cs typeface="Arial" panose="020B0604020202020204" pitchFamily="34" charset="0"/>
+            </a:endParaRPr>
+          </a:p>
+        </p:txBody>
+      </p:sp>
+      <p:sp>
+        <p:nvSpPr>
+          <p:cNvPr id="10" name="TextBox 9">
+            <a:extLst>
+              <a:ext uri="{FF2B5EF4-FFF2-40B4-BE49-F238E27FC236}">
+                <a16:creationId xmlns:a16="http://schemas.microsoft.com/office/drawing/2014/main" id="{EF81F04B-E831-E708-9897-55FF13E576D7}"/>
+              </a:ext>
+            </a:extLst>
+          </p:cNvPr>
+          <p:cNvSpPr txBox="1"/>
+          <p:nvPr/>
+        </p:nvSpPr>
+        <p:spPr>
+          <a:xfrm>
+            <a:off x="6067868" y="3020161"/>
+            <a:ext cx="4378634" cy="1862048"/>
+          </a:xfrm>
+          <a:prstGeom prst="rect">
+            <a:avLst/>
+          </a:prstGeom>
+          <a:noFill/>
+        </p:spPr>
+        <p:txBody>
+          <a:bodyPr wrap="square" rtlCol="0">
+            <a:spAutoFit/>
+          </a:bodyPr>
+          <a:lstStyle/>
+          <a:p>
+            <a:r>
+              <a:rPr lang="en-US" sz="11500" spc="300" dirty="0">
+                <a:solidFill>
+                  <a:srgbClr val="193C7D"/>
+                </a:solidFill>
+                <a:latin typeface="Arial" panose="020B0604020202020204" pitchFamily="34" charset="0"/>
+                <a:cs typeface="Arial" panose="020B0604020202020204" pitchFamily="34" charset="0"/>
+              </a:rPr>
+              <a:t>H</a:t>
+            </a:r>
+            <a:r>
+              <a:rPr lang="en-US" sz="8800" spc="300" dirty="0">
+                <a:solidFill>
+                  <a:srgbClr val="193C7D"/>
+                </a:solidFill>
+                <a:latin typeface="Arial" panose="020B0604020202020204" pitchFamily="34" charset="0"/>
+                <a:cs typeface="Arial" panose="020B0604020202020204" pitchFamily="34" charset="0"/>
+              </a:rPr>
+              <a:t>ONG</a:t>
+            </a:r>
+            <a:r>
+              <a:rPr lang="zh-CN" altLang="en-US" sz="9600" spc="300" dirty="0">
+                <a:solidFill>
+                  <a:srgbClr val="193C7D"/>
+                </a:solidFill>
+                <a:latin typeface="Arial" panose="020B0604020202020204" pitchFamily="34" charset="0"/>
+                <a:cs typeface="Arial" panose="020B0604020202020204" pitchFamily="34" charset="0"/>
+              </a:rPr>
+              <a:t> </a:t>
+            </a:r>
+            <a:endParaRPr lang="en-US" altLang="zh-CN" sz="9600" spc="300" dirty="0">
+              <a:solidFill>
+                <a:srgbClr val="193C7D"/>
+              </a:solidFill>
+              <a:latin typeface="Arial" panose="020B0604020202020204" pitchFamily="34" charset="0"/>
+              <a:cs typeface="Arial" panose="020B0604020202020204" pitchFamily="34" charset="0"/>
+            </a:endParaRPr>
+          </a:p>
+        </p:txBody>
+      </p:sp>
+      <p:sp>
+        <p:nvSpPr>
+          <p:cNvPr id="2" name="TextBox 1">
+            <a:extLst>
+              <a:ext uri="{FF2B5EF4-FFF2-40B4-BE49-F238E27FC236}">
+                <a16:creationId xmlns:a16="http://schemas.microsoft.com/office/drawing/2014/main" id="{8ACC2E12-BAF5-1435-CEC8-F161FAF7D8FB}"/>
+              </a:ext>
+            </a:extLst>
+          </p:cNvPr>
+          <p:cNvSpPr txBox="1"/>
+          <p:nvPr/>
+        </p:nvSpPr>
+        <p:spPr>
+          <a:xfrm>
+            <a:off x="10874673" y="1502404"/>
+            <a:ext cx="4378633" cy="1862048"/>
+          </a:xfrm>
+          <a:prstGeom prst="rect">
+            <a:avLst/>
+          </a:prstGeom>
+          <a:noFill/>
+        </p:spPr>
+        <p:txBody>
+          <a:bodyPr wrap="square" rtlCol="0">
+            <a:spAutoFit/>
+          </a:bodyPr>
+          <a:lstStyle/>
+          <a:p>
+            <a:r>
+              <a:rPr lang="en-US" sz="11500" spc="-300" dirty="0">
+                <a:solidFill>
+                  <a:srgbClr val="EE7D30"/>
+                </a:solidFill>
+                <a:latin typeface="Arial" panose="020B0604020202020204" pitchFamily="34" charset="0"/>
+                <a:ea typeface="Hiragino Sans W2" panose="020B0300000000000000" pitchFamily="34" charset="-128"/>
+                <a:cs typeface="Arial" panose="020B0604020202020204" pitchFamily="34" charset="0"/>
+              </a:rPr>
+              <a:t>Hsu</a:t>
+            </a:r>
+            <a:endParaRPr lang="en-US" sz="8800" spc="-300" dirty="0">
+              <a:solidFill>
+                <a:srgbClr val="EE7D30"/>
+              </a:solidFill>
+              <a:latin typeface="Arial" panose="020B0604020202020204" pitchFamily="34" charset="0"/>
+              <a:ea typeface="Hiragino Sans W2" panose="020B0300000000000000" pitchFamily="34" charset="-128"/>
+              <a:cs typeface="Arial" panose="020B0604020202020204" pitchFamily="34" charset="0"/>
+            </a:endParaRPr>
+          </a:p>
+        </p:txBody>
+      </p:sp>
+      <p:sp>
+        <p:nvSpPr>
+          <p:cNvPr id="3" name="TextBox 2">
+            <a:extLst>
+              <a:ext uri="{FF2B5EF4-FFF2-40B4-BE49-F238E27FC236}">
+                <a16:creationId xmlns:a16="http://schemas.microsoft.com/office/drawing/2014/main" id="{A216E084-5254-4252-8CEF-17262AB46251}"/>
+              </a:ext>
+            </a:extLst>
+          </p:cNvPr>
+          <p:cNvSpPr txBox="1"/>
+          <p:nvPr/>
+        </p:nvSpPr>
+        <p:spPr>
+          <a:xfrm>
+            <a:off x="10867414" y="3020161"/>
+            <a:ext cx="5849953" cy="1862048"/>
+          </a:xfrm>
+          <a:prstGeom prst="rect">
+            <a:avLst/>
+          </a:prstGeom>
+          <a:noFill/>
+        </p:spPr>
+        <p:txBody>
+          <a:bodyPr wrap="square" rtlCol="0">
+            <a:spAutoFit/>
+          </a:bodyPr>
+          <a:lstStyle/>
+          <a:p>
+            <a:r>
+              <a:rPr lang="en-US" sz="11500" spc="300" dirty="0">
+                <a:solidFill>
+                  <a:srgbClr val="193C7D"/>
+                </a:solidFill>
+                <a:latin typeface="Arial" panose="020B0604020202020204" pitchFamily="34" charset="0"/>
+                <a:ea typeface="Hiragino Sans W2" panose="020B0300000000000000" pitchFamily="34" charset="-128"/>
+                <a:cs typeface="Arial" panose="020B0604020202020204" pitchFamily="34" charset="0"/>
+              </a:rPr>
+              <a:t>H</a:t>
+            </a:r>
+            <a:r>
+              <a:rPr lang="en-US" sz="8800" spc="300" dirty="0">
+                <a:solidFill>
+                  <a:srgbClr val="193C7D"/>
+                </a:solidFill>
+                <a:latin typeface="Arial" panose="020B0604020202020204" pitchFamily="34" charset="0"/>
+                <a:ea typeface="Hiragino Sans W2" panose="020B0300000000000000" pitchFamily="34" charset="-128"/>
+                <a:cs typeface="Arial" panose="020B0604020202020204" pitchFamily="34" charset="0"/>
+              </a:rPr>
+              <a:t>ELIOS</a:t>
+            </a:r>
+            <a:r>
+              <a:rPr lang="zh-CN" altLang="en-US" sz="9600" spc="300" dirty="0">
+                <a:solidFill>
+                  <a:srgbClr val="193C7D"/>
+                </a:solidFill>
+                <a:latin typeface="Arial" panose="020B0604020202020204" pitchFamily="34" charset="0"/>
+                <a:cs typeface="Arial" panose="020B0604020202020204" pitchFamily="34" charset="0"/>
+              </a:rPr>
+              <a:t> </a:t>
+            </a:r>
+            <a:endParaRPr lang="en-US" altLang="zh-CN" sz="9600" spc="300" dirty="0">
+              <a:solidFill>
+                <a:srgbClr val="193C7D"/>
+              </a:solidFill>
+              <a:latin typeface="Arial" panose="020B0604020202020204" pitchFamily="34" charset="0"/>
+              <a:cs typeface="Arial" panose="020B0604020202020204" pitchFamily="34" charset="0"/>
+            </a:endParaRPr>
+          </a:p>
+        </p:txBody>
+      </p:sp>
+      <p:cxnSp>
+        <p:nvCxnSpPr>
+          <p:cNvPr id="5" name="Straight Connector 4">
+            <a:extLst>
+              <a:ext uri="{FF2B5EF4-FFF2-40B4-BE49-F238E27FC236}">
+                <a16:creationId xmlns:a16="http://schemas.microsoft.com/office/drawing/2014/main" id="{4A437575-06ED-BA35-2BD4-13DE33F5FD1C}"/>
+              </a:ext>
+            </a:extLst>
+          </p:cNvPr>
+          <p:cNvCxnSpPr/>
+          <p:nvPr/>
+        </p:nvCxnSpPr>
+        <p:spPr>
+          <a:xfrm>
+            <a:off x="10446502" y="1923142"/>
+            <a:ext cx="0" cy="2560320"/>
+          </a:xfrm>
+          <a:prstGeom prst="line">
+            <a:avLst/>
+          </a:prstGeom>
+          <a:ln w="19050">
+            <a:solidFill>
+              <a:schemeClr val="bg1">
+                <a:lumMod val="65000"/>
+              </a:schemeClr>
+            </a:solidFill>
+          </a:ln>
+        </p:spPr>
+        <p:style>
+          <a:lnRef idx="1">
+            <a:schemeClr val="accent1"/>
+          </a:lnRef>
+          <a:fillRef idx="0">
+            <a:schemeClr val="accent1"/>
+          </a:fillRef>
+          <a:effectRef idx="0">
+            <a:schemeClr val="accent1"/>
+          </a:effectRef>
+          <a:fontRef idx="minor">
+            <a:schemeClr val="tx1"/>
+          </a:fontRef>
+        </p:style>
+      </p:cxnSp>
       <p:pic>
         <p:nvPicPr>
-          <p:cNvPr id="15" name="Picture 2" descr="Image">
-            <a:extLst>
-              <a:ext uri="{FF2B5EF4-FFF2-40B4-BE49-F238E27FC236}">
-                <a16:creationId xmlns:a16="http://schemas.microsoft.com/office/drawing/2014/main" id="{8AF25FF2-3D53-F8B3-666A-101DC6E0FA78}"/>
+          <p:cNvPr id="7" name="Picture 2" descr="Image">
+            <a:extLst>
+              <a:ext uri="{FF2B5EF4-FFF2-40B4-BE49-F238E27FC236}">
+                <a16:creationId xmlns:a16="http://schemas.microsoft.com/office/drawing/2014/main" id="{23F2F615-820B-07C9-E672-5E46661DCF86}"/>
               </a:ext>
             </a:extLst>
           </p:cNvPr>
@@ -5403,7 +5674,7 @@
     </p:spTree>
     <p:extLst>
       <p:ext uri="{BB962C8B-B14F-4D97-AF65-F5344CB8AC3E}">
-        <p14:creationId xmlns:p14="http://schemas.microsoft.com/office/powerpoint/2010/main" val="1205243765"/>
+        <p14:creationId xmlns:p14="http://schemas.microsoft.com/office/powerpoint/2010/main" val="84928426"/>
       </p:ext>
     </p:extLst>
   </p:cSld>
@@ -5430,6 +5701,130 @@
           <a:chExt cx="0" cy="0"/>
         </a:xfrm>
       </p:grpSpPr>
+      <p:sp>
+        <p:nvSpPr>
+          <p:cNvPr id="6" name="TextBox 5">
+            <a:extLst>
+              <a:ext uri="{FF2B5EF4-FFF2-40B4-BE49-F238E27FC236}">
+                <a16:creationId xmlns:a16="http://schemas.microsoft.com/office/drawing/2014/main" id="{4DFBD53B-29E4-A9DB-B886-CF96C0991B6D}"/>
+              </a:ext>
+            </a:extLst>
+          </p:cNvPr>
+          <p:cNvSpPr txBox="1"/>
+          <p:nvPr/>
+        </p:nvSpPr>
+        <p:spPr>
+          <a:xfrm>
+            <a:off x="6116328" y="1503332"/>
+            <a:ext cx="3916066" cy="1862048"/>
+          </a:xfrm>
+          <a:prstGeom prst="rect">
+            <a:avLst/>
+          </a:prstGeom>
+          <a:noFill/>
+        </p:spPr>
+        <p:txBody>
+          <a:bodyPr wrap="square" rtlCol="0">
+            <a:spAutoFit/>
+          </a:bodyPr>
+          <a:lstStyle/>
+          <a:p>
+            <a:r>
+              <a:rPr lang="az-Cyrl-AZ" sz="11500" spc="1300" dirty="0">
+                <a:solidFill>
+                  <a:srgbClr val="EE7D30"/>
+                </a:solidFill>
+                <a:latin typeface="Arial" panose="020B0604020202020204" pitchFamily="34" charset="0"/>
+                <a:cs typeface="Arial" panose="020B0604020202020204" pitchFamily="34" charset="0"/>
+              </a:rPr>
+              <a:t>С</a:t>
+            </a:r>
+            <a:r>
+              <a:rPr lang="az-Cyrl-AZ" sz="8800" spc="1300" dirty="0">
+                <a:solidFill>
+                  <a:srgbClr val="EE7D30"/>
+                </a:solidFill>
+                <a:latin typeface="Arial" panose="020B0604020202020204" pitchFamily="34" charset="0"/>
+                <a:cs typeface="Arial" panose="020B0604020202020204" pitchFamily="34" charset="0"/>
+              </a:rPr>
+              <a:t>ЮЙ</a:t>
+            </a:r>
+            <a:r>
+              <a:rPr lang="zh-CN" altLang="en-US" sz="9600" spc="1300" dirty="0">
+                <a:solidFill>
+                  <a:srgbClr val="EE7D30"/>
+                </a:solidFill>
+                <a:latin typeface="Arial" panose="020B0604020202020204" pitchFamily="34" charset="0"/>
+                <a:cs typeface="Arial" panose="020B0604020202020204" pitchFamily="34" charset="0"/>
+              </a:rPr>
+              <a:t> </a:t>
+            </a:r>
+            <a:endParaRPr lang="en-US" altLang="zh-CN" sz="9600" spc="1300" dirty="0">
+              <a:solidFill>
+                <a:srgbClr val="EE7D30"/>
+              </a:solidFill>
+              <a:latin typeface="Arial" panose="020B0604020202020204" pitchFamily="34" charset="0"/>
+              <a:cs typeface="Arial" panose="020B0604020202020204" pitchFamily="34" charset="0"/>
+            </a:endParaRPr>
+          </a:p>
+        </p:txBody>
+      </p:sp>
+      <p:sp>
+        <p:nvSpPr>
+          <p:cNvPr id="3" name="TextBox 2">
+            <a:extLst>
+              <a:ext uri="{FF2B5EF4-FFF2-40B4-BE49-F238E27FC236}">
+                <a16:creationId xmlns:a16="http://schemas.microsoft.com/office/drawing/2014/main" id="{2C070E27-2E91-F385-8BE6-8C4138778241}"/>
+              </a:ext>
+            </a:extLst>
+          </p:cNvPr>
+          <p:cNvSpPr txBox="1"/>
+          <p:nvPr/>
+        </p:nvSpPr>
+        <p:spPr>
+          <a:xfrm>
+            <a:off x="6218247" y="3008473"/>
+            <a:ext cx="3814147" cy="1862048"/>
+          </a:xfrm>
+          <a:prstGeom prst="rect">
+            <a:avLst/>
+          </a:prstGeom>
+          <a:noFill/>
+        </p:spPr>
+        <p:txBody>
+          <a:bodyPr wrap="square">
+            <a:spAutoFit/>
+          </a:bodyPr>
+          <a:lstStyle/>
+          <a:p>
+            <a:r>
+              <a:rPr lang="az-Cyrl-AZ" sz="11500" spc="-300" dirty="0">
+                <a:solidFill>
+                  <a:srgbClr val="193C7D"/>
+                </a:solidFill>
+                <a:latin typeface="Arial" panose="020B0604020202020204" pitchFamily="34" charset="0"/>
+                <a:cs typeface="Arial" panose="020B0604020202020204" pitchFamily="34" charset="0"/>
+              </a:rPr>
+              <a:t>Х</a:t>
+            </a:r>
+            <a:r>
+              <a:rPr lang="az-Cyrl-AZ" sz="8800" spc="-300" dirty="0">
+                <a:solidFill>
+                  <a:srgbClr val="193C7D"/>
+                </a:solidFill>
+                <a:latin typeface="Arial" panose="020B0604020202020204" pitchFamily="34" charset="0"/>
+                <a:cs typeface="Arial" panose="020B0604020202020204" pitchFamily="34" charset="0"/>
+              </a:rPr>
+              <a:t>ОНГ </a:t>
+            </a:r>
+            <a:endParaRPr lang="en-US" sz="8800" spc="-300" dirty="0">
+              <a:solidFill>
+                <a:srgbClr val="193C7D"/>
+              </a:solidFill>
+            </a:endParaRPr>
+          </a:p>
+        </p:txBody>
+      </p:sp>
       <p:pic>
         <p:nvPicPr>
           <p:cNvPr id="12" name="Picture 2" descr="Image">
@@ -5520,127 +5915,10 @@
           </a:extLst>
         </p:spPr>
       </p:pic>
-      <p:sp>
-        <p:nvSpPr>
-          <p:cNvPr id="11" name="TextBox 10">
-            <a:extLst>
-              <a:ext uri="{FF2B5EF4-FFF2-40B4-BE49-F238E27FC236}">
-                <a16:creationId xmlns:a16="http://schemas.microsoft.com/office/drawing/2014/main" id="{B90CB2AB-23C2-CC33-E4E7-A0C19758A6C2}"/>
-              </a:ext>
-            </a:extLst>
-          </p:cNvPr>
-          <p:cNvSpPr txBox="1"/>
-          <p:nvPr/>
-        </p:nvSpPr>
-        <p:spPr>
-          <a:xfrm>
-            <a:off x="11042143" y="1115587"/>
-            <a:ext cx="3360266" cy="2215991"/>
-          </a:xfrm>
-          <a:prstGeom prst="rect">
-            <a:avLst/>
-          </a:prstGeom>
-          <a:noFill/>
-        </p:spPr>
-        <p:txBody>
-          <a:bodyPr wrap="square" rtlCol="0">
-            <a:spAutoFit/>
-          </a:bodyPr>
-          <a:lstStyle/>
-          <a:p>
-            <a:r>
-              <a:rPr lang="ar-AE" sz="13800" spc="600" dirty="0">
-                <a:solidFill>
-                  <a:srgbClr val="EE7D30"/>
-                </a:solidFill>
-                <a:latin typeface="Arial" panose="020B0604020202020204" pitchFamily="34" charset="0"/>
-                <a:ea typeface="Osaka" panose="020B0600000000000000" pitchFamily="34" charset="-128"/>
-                <a:cs typeface="Arial" panose="020B0604020202020204" pitchFamily="34" charset="0"/>
-              </a:rPr>
-              <a:t>د.شو</a:t>
-            </a:r>
-          </a:p>
-        </p:txBody>
-      </p:sp>
-      <p:sp>
-        <p:nvSpPr>
-          <p:cNvPr id="13" name="TextBox 12">
-            <a:extLst>
-              <a:ext uri="{FF2B5EF4-FFF2-40B4-BE49-F238E27FC236}">
-                <a16:creationId xmlns:a16="http://schemas.microsoft.com/office/drawing/2014/main" id="{D615DA0C-1478-EABF-606D-85BA2D32DE73}"/>
-              </a:ext>
-            </a:extLst>
-          </p:cNvPr>
-          <p:cNvSpPr txBox="1"/>
-          <p:nvPr/>
-        </p:nvSpPr>
-        <p:spPr>
-          <a:xfrm>
-            <a:off x="11144065" y="2741884"/>
-            <a:ext cx="3258343" cy="2215991"/>
-          </a:xfrm>
-          <a:prstGeom prst="rect">
-            <a:avLst/>
-          </a:prstGeom>
-          <a:noFill/>
-        </p:spPr>
-        <p:txBody>
-          <a:bodyPr wrap="square">
-            <a:spAutoFit/>
-          </a:bodyPr>
-          <a:lstStyle/>
-          <a:p>
-            <a:r>
-              <a:rPr lang="ar-AE" sz="13800" spc="600" dirty="0">
-                <a:solidFill>
-                  <a:srgbClr val="193C7D"/>
-                </a:solidFill>
-                <a:latin typeface="Arial" panose="020B0604020202020204" pitchFamily="34" charset="0"/>
-                <a:cs typeface="Arial" panose="020B0604020202020204" pitchFamily="34" charset="0"/>
-              </a:rPr>
-              <a:t>هونغ</a:t>
-            </a:r>
-            <a:endParaRPr lang="en-US" sz="9600" spc="600" dirty="0">
-              <a:solidFill>
-                <a:srgbClr val="193C7D"/>
-              </a:solidFill>
-            </a:endParaRPr>
-          </a:p>
-        </p:txBody>
-      </p:sp>
-      <p:pic>
-        <p:nvPicPr>
-          <p:cNvPr id="17" name="Picture 16">
-            <a:extLst>
-              <a:ext uri="{FF2B5EF4-FFF2-40B4-BE49-F238E27FC236}">
-                <a16:creationId xmlns:a16="http://schemas.microsoft.com/office/drawing/2014/main" id="{2BAF8D54-0234-AE59-E297-6F53B08F45BB}"/>
-              </a:ext>
-            </a:extLst>
-          </p:cNvPr>
-          <p:cNvPicPr>
-            <a:picLocks noChangeAspect="1"/>
-          </p:cNvPicPr>
-          <p:nvPr/>
-        </p:nvPicPr>
-        <p:blipFill rotWithShape="1">
-          <a:blip r:embed="rId4"/>
-          <a:srcRect l="14200" t="15198" r="25857" b="17307"/>
-          <a:stretch/>
-        </p:blipFill>
-        <p:spPr>
-          <a:xfrm>
-            <a:off x="5836626" y="1496780"/>
-            <a:ext cx="3448594" cy="3557328"/>
-          </a:xfrm>
-          <a:prstGeom prst="rect">
-            <a:avLst/>
-          </a:prstGeom>
-        </p:spPr>
-      </p:pic>
     </p:spTree>
     <p:extLst>
       <p:ext uri="{BB962C8B-B14F-4D97-AF65-F5344CB8AC3E}">
-        <p14:creationId xmlns:p14="http://schemas.microsoft.com/office/powerpoint/2010/main" val="3709372373"/>
+        <p14:creationId xmlns:p14="http://schemas.microsoft.com/office/powerpoint/2010/main" val="1205243765"/>
       </p:ext>
     </p:extLst>
   </p:cSld>
@@ -5669,10 +5947,10 @@
       </p:grpSpPr>
       <p:pic>
         <p:nvPicPr>
-          <p:cNvPr id="1026" name="Picture 2" descr="Image">
-            <a:extLst>
-              <a:ext uri="{FF2B5EF4-FFF2-40B4-BE49-F238E27FC236}">
-                <a16:creationId xmlns:a16="http://schemas.microsoft.com/office/drawing/2014/main" id="{36D76745-1717-2F81-B8A8-05514344CC77}"/>
+          <p:cNvPr id="12" name="Picture 2" descr="Image">
+            <a:extLst>
+              <a:ext uri="{FF2B5EF4-FFF2-40B4-BE49-F238E27FC236}">
+                <a16:creationId xmlns:a16="http://schemas.microsoft.com/office/drawing/2014/main" id="{F9599693-38F7-3097-432A-776886EBB2B8}"/>
               </a:ext>
             </a:extLst>
           </p:cNvPr>
@@ -5712,90 +5990,57 @@
           </a:extLst>
         </p:spPr>
       </p:pic>
-      <p:sp>
-        <p:nvSpPr>
-          <p:cNvPr id="5" name="TextBox 4">
-            <a:extLst>
-              <a:ext uri="{FF2B5EF4-FFF2-40B4-BE49-F238E27FC236}">
-                <a16:creationId xmlns:a16="http://schemas.microsoft.com/office/drawing/2014/main" id="{5ED4859C-2D53-8683-880F-0AF20554C879}"/>
-              </a:ext>
-            </a:extLst>
-          </p:cNvPr>
-          <p:cNvSpPr txBox="1"/>
+      <p:pic>
+        <p:nvPicPr>
+          <p:cNvPr id="15" name="Picture 2" descr="Image">
+            <a:extLst>
+              <a:ext uri="{FF2B5EF4-FFF2-40B4-BE49-F238E27FC236}">
+                <a16:creationId xmlns:a16="http://schemas.microsoft.com/office/drawing/2014/main" id="{8AF25FF2-3D53-F8B3-666A-101DC6E0FA78}"/>
+              </a:ext>
+            </a:extLst>
+          </p:cNvPr>
+          <p:cNvPicPr>
+            <a:picLocks noChangeAspect="1" noChangeArrowheads="1"/>
+          </p:cNvPicPr>
           <p:nvPr/>
-        </p:nvSpPr>
-        <p:spPr>
-          <a:xfrm>
-            <a:off x="4517929" y="1502404"/>
-            <a:ext cx="4378633" cy="1862048"/>
+        </p:nvPicPr>
+        <p:blipFill rotWithShape="1">
+          <a:blip r:embed="rId3">
+            <a:extLst>
+              <a:ext uri="{28A0092B-C50C-407E-A947-70E740481C1C}">
+                <a14:useLocalDpi xmlns:a14="http://schemas.microsoft.com/office/drawing/2010/main" val="0"/>
+              </a:ext>
+            </a:extLst>
+          </a:blip>
+          <a:srcRect r="47237"/>
+          <a:stretch/>
+        </p:blipFill>
+        <p:spPr bwMode="auto">
+          <a:xfrm>
+            <a:off x="345686" y="1115587"/>
+            <a:ext cx="5430646" cy="4469498"/>
           </a:xfrm>
           <a:prstGeom prst="rect">
             <a:avLst/>
           </a:prstGeom>
           <a:noFill/>
-        </p:spPr>
-        <p:txBody>
-          <a:bodyPr wrap="square" rtlCol="0">
-            <a:spAutoFit/>
-          </a:bodyPr>
-          <a:lstStyle/>
-          <a:p>
-            <a:r>
-              <a:rPr lang="en-US" sz="11500" spc="-300" dirty="0">
-                <a:solidFill>
-                  <a:srgbClr val="EE7D30"/>
-                </a:solidFill>
-                <a:latin typeface="Arial" panose="020B0604020202020204" pitchFamily="34" charset="0"/>
-                <a:cs typeface="Arial" panose="020B0604020202020204" pitchFamily="34" charset="0"/>
-              </a:rPr>
-              <a:t>Dr.</a:t>
-            </a:r>
-            <a:r>
-              <a:rPr lang="en-US" sz="6600" spc="-300" dirty="0">
-                <a:solidFill>
-                  <a:srgbClr val="EE7D30"/>
-                </a:solidFill>
-                <a:latin typeface="Arial" panose="020B0604020202020204" pitchFamily="34" charset="0"/>
-                <a:cs typeface="Arial" panose="020B0604020202020204" pitchFamily="34" charset="0"/>
-              </a:rPr>
-              <a:t> </a:t>
-            </a:r>
-            <a:r>
-              <a:rPr lang="en-US" sz="11500" spc="-300" dirty="0">
-                <a:solidFill>
-                  <a:srgbClr val="EE7D30"/>
-                </a:solidFill>
-                <a:latin typeface="Arial" panose="020B0604020202020204" pitchFamily="34" charset="0"/>
-                <a:cs typeface="Arial" panose="020B0604020202020204" pitchFamily="34" charset="0"/>
-              </a:rPr>
-              <a:t>X</a:t>
-            </a:r>
-            <a:r>
-              <a:rPr lang="en-US" sz="8800" spc="-300" dirty="0">
-                <a:solidFill>
-                  <a:srgbClr val="EE7D30"/>
-                </a:solidFill>
-                <a:latin typeface="Arial" panose="020B0604020202020204" pitchFamily="34" charset="0"/>
-                <a:cs typeface="Arial" panose="020B0604020202020204" pitchFamily="34" charset="0"/>
-              </a:rPr>
-              <a:t>Ü</a:t>
-            </a:r>
-            <a:endParaRPr lang="en-US" sz="9600" spc="-300" dirty="0">
-              <a:solidFill>
-                <a:srgbClr val="EE7D30"/>
-              </a:solidFill>
-              <a:latin typeface="Arial" panose="020B0604020202020204" pitchFamily="34" charset="0"/>
-              <a:cs typeface="Arial" panose="020B0604020202020204" pitchFamily="34" charset="0"/>
-            </a:endParaRPr>
-          </a:p>
-        </p:txBody>
-      </p:sp>
-      <p:sp>
-        <p:nvSpPr>
-          <p:cNvPr id="6" name="TextBox 5">
-            <a:extLst>
-              <a:ext uri="{FF2B5EF4-FFF2-40B4-BE49-F238E27FC236}">
-                <a16:creationId xmlns:a16="http://schemas.microsoft.com/office/drawing/2014/main" id="{4DFBD53B-29E4-A9DB-B886-CF96C0991B6D}"/>
+          <a:extLst>
+            <a:ext uri="{909E8E84-426E-40DD-AFC4-6F175D3DCCD1}">
+              <a14:hiddenFill xmlns:a14="http://schemas.microsoft.com/office/drawing/2010/main">
+                <a:solidFill>
+                  <a:srgbClr val="FFFFFF"/>
+                </a:solidFill>
+              </a14:hiddenFill>
+            </a:ext>
+          </a:extLst>
+        </p:spPr>
+      </p:pic>
+      <p:sp>
+        <p:nvSpPr>
+          <p:cNvPr id="11" name="TextBox 10">
+            <a:extLst>
+              <a:ext uri="{FF2B5EF4-FFF2-40B4-BE49-F238E27FC236}">
+                <a16:creationId xmlns:a16="http://schemas.microsoft.com/office/drawing/2014/main" id="{B90CB2AB-23C2-CC33-E4E7-A0C19758A6C2}"/>
               </a:ext>
             </a:extLst>
           </p:cNvPr>
@@ -5804,8 +6049,8 @@
         </p:nvSpPr>
         <p:spPr>
           <a:xfrm>
-            <a:off x="4517928" y="3020161"/>
-            <a:ext cx="4378634" cy="1862048"/>
+            <a:off x="11042143" y="1115587"/>
+            <a:ext cx="3360266" cy="2215991"/>
           </a:xfrm>
           <a:prstGeom prst="rect">
             <a:avLst/>
@@ -5819,49 +6064,98 @@
           <a:lstStyle/>
           <a:p>
             <a:r>
-              <a:rPr lang="en-US" sz="11500" spc="300" dirty="0">
+              <a:rPr lang="ar-AE" sz="13800" spc="600" dirty="0">
+                <a:solidFill>
+                  <a:srgbClr val="EE7D30"/>
+                </a:solidFill>
+                <a:latin typeface="Arial" panose="020B0604020202020204" pitchFamily="34" charset="0"/>
+                <a:ea typeface="Osaka" panose="020B0600000000000000" pitchFamily="34" charset="-128"/>
+                <a:cs typeface="Arial" panose="020B0604020202020204" pitchFamily="34" charset="0"/>
+              </a:rPr>
+              <a:t>د.شو</a:t>
+            </a:r>
+          </a:p>
+        </p:txBody>
+      </p:sp>
+      <p:sp>
+        <p:nvSpPr>
+          <p:cNvPr id="13" name="TextBox 12">
+            <a:extLst>
+              <a:ext uri="{FF2B5EF4-FFF2-40B4-BE49-F238E27FC236}">
+                <a16:creationId xmlns:a16="http://schemas.microsoft.com/office/drawing/2014/main" id="{D615DA0C-1478-EABF-606D-85BA2D32DE73}"/>
+              </a:ext>
+            </a:extLst>
+          </p:cNvPr>
+          <p:cNvSpPr txBox="1"/>
+          <p:nvPr/>
+        </p:nvSpPr>
+        <p:spPr>
+          <a:xfrm>
+            <a:off x="11144065" y="2741884"/>
+            <a:ext cx="3258343" cy="2215991"/>
+          </a:xfrm>
+          <a:prstGeom prst="rect">
+            <a:avLst/>
+          </a:prstGeom>
+          <a:noFill/>
+        </p:spPr>
+        <p:txBody>
+          <a:bodyPr wrap="square">
+            <a:spAutoFit/>
+          </a:bodyPr>
+          <a:lstStyle/>
+          <a:p>
+            <a:r>
+              <a:rPr lang="ar-AE" sz="13800" spc="600" dirty="0">
                 <a:solidFill>
                   <a:srgbClr val="193C7D"/>
                 </a:solidFill>
                 <a:latin typeface="Arial" panose="020B0604020202020204" pitchFamily="34" charset="0"/>
                 <a:cs typeface="Arial" panose="020B0604020202020204" pitchFamily="34" charset="0"/>
               </a:rPr>
-              <a:t>H</a:t>
-            </a:r>
-            <a:r>
-              <a:rPr lang="en-US" sz="8800" spc="300" dirty="0">
-                <a:solidFill>
-                  <a:srgbClr val="193C7D"/>
-                </a:solidFill>
-                <a:latin typeface="Arial" panose="020B0604020202020204" pitchFamily="34" charset="0"/>
-                <a:cs typeface="Arial" panose="020B0604020202020204" pitchFamily="34" charset="0"/>
-              </a:rPr>
-              <a:t>ONG</a:t>
-            </a:r>
-            <a:r>
-              <a:rPr lang="zh-CN" altLang="en-US" sz="9600" spc="300" dirty="0">
-                <a:solidFill>
-                  <a:srgbClr val="193C7D"/>
-                </a:solidFill>
-                <a:latin typeface="Arial" panose="020B0604020202020204" pitchFamily="34" charset="0"/>
-                <a:cs typeface="Arial" panose="020B0604020202020204" pitchFamily="34" charset="0"/>
-              </a:rPr>
-              <a:t> </a:t>
-            </a:r>
-            <a:endParaRPr lang="en-US" altLang="zh-CN" sz="9600" spc="300" dirty="0">
+              <a:t>هونغ</a:t>
+            </a:r>
+            <a:endParaRPr lang="en-US" sz="9600" spc="600" dirty="0">
               <a:solidFill>
                 <a:srgbClr val="193C7D"/>
               </a:solidFill>
-              <a:latin typeface="Arial" panose="020B0604020202020204" pitchFamily="34" charset="0"/>
-              <a:cs typeface="Arial" panose="020B0604020202020204" pitchFamily="34" charset="0"/>
             </a:endParaRPr>
           </a:p>
         </p:txBody>
       </p:sp>
+      <p:pic>
+        <p:nvPicPr>
+          <p:cNvPr id="17" name="Picture 16">
+            <a:extLst>
+              <a:ext uri="{FF2B5EF4-FFF2-40B4-BE49-F238E27FC236}">
+                <a16:creationId xmlns:a16="http://schemas.microsoft.com/office/drawing/2014/main" id="{2BAF8D54-0234-AE59-E297-6F53B08F45BB}"/>
+              </a:ext>
+            </a:extLst>
+          </p:cNvPr>
+          <p:cNvPicPr>
+            <a:picLocks noChangeAspect="1"/>
+          </p:cNvPicPr>
+          <p:nvPr/>
+        </p:nvPicPr>
+        <p:blipFill rotWithShape="1">
+          <a:blip r:embed="rId4"/>
+          <a:srcRect l="14200" t="15198" r="25857" b="17307"/>
+          <a:stretch/>
+        </p:blipFill>
+        <p:spPr>
+          <a:xfrm>
+            <a:off x="5836626" y="1496780"/>
+            <a:ext cx="3448594" cy="3557328"/>
+          </a:xfrm>
+          <a:prstGeom prst="rect">
+            <a:avLst/>
+          </a:prstGeom>
+        </p:spPr>
+      </p:pic>
     </p:spTree>
     <p:extLst>
       <p:ext uri="{BB962C8B-B14F-4D97-AF65-F5344CB8AC3E}">
-        <p14:creationId xmlns:p14="http://schemas.microsoft.com/office/powerpoint/2010/main" val="2364077987"/>
+        <p14:creationId xmlns:p14="http://schemas.microsoft.com/office/powerpoint/2010/main" val="3709372373"/>
       </p:ext>
     </p:extLst>
   </p:cSld>
@@ -5999,7 +6293,7 @@
                 <a:latin typeface="Arial" panose="020B0604020202020204" pitchFamily="34" charset="0"/>
                 <a:cs typeface="Arial" panose="020B0604020202020204" pitchFamily="34" charset="0"/>
               </a:rPr>
-              <a:t>Ú</a:t>
+              <a:t>Ü</a:t>
             </a:r>
             <a:endParaRPr lang="en-US" sz="9600" spc="-300" dirty="0">
               <a:solidFill>
@@ -6026,7 +6320,7 @@
         <p:spPr>
           <a:xfrm>
             <a:off x="4517928" y="3020161"/>
-            <a:ext cx="4378633" cy="1862048"/>
+            <a:ext cx="4378634" cy="1862048"/>
           </a:xfrm>
           <a:prstGeom prst="rect">
             <a:avLst/>
@@ -6057,7 +6351,7 @@
                 <a:latin typeface="Arial" panose="020B0604020202020204" pitchFamily="34" charset="0"/>
                 <a:cs typeface="Arial" panose="020B0604020202020204" pitchFamily="34" charset="0"/>
               </a:rPr>
-              <a:t>ÓNG</a:t>
+              <a:t>ONG</a:t>
             </a:r>
             <a:r>
               <a:rPr lang="zh-CN" altLang="en-US" sz="9600" spc="300" dirty="0">
@@ -6082,7 +6376,7 @@
     </p:spTree>
     <p:extLst>
       <p:ext uri="{BB962C8B-B14F-4D97-AF65-F5344CB8AC3E}">
-        <p14:creationId xmlns:p14="http://schemas.microsoft.com/office/powerpoint/2010/main" val="2453739998"/>
+        <p14:creationId xmlns:p14="http://schemas.microsoft.com/office/powerpoint/2010/main" val="2364077987"/>
       </p:ext>
     </p:extLst>
   </p:cSld>
@@ -6278,7 +6572,7 @@
                 <a:latin typeface="Arial" panose="020B0604020202020204" pitchFamily="34" charset="0"/>
                 <a:cs typeface="Arial" panose="020B0604020202020204" pitchFamily="34" charset="0"/>
               </a:rPr>
-              <a:t>ONG</a:t>
+              <a:t>ÓNG</a:t>
             </a:r>
             <a:r>
               <a:rPr lang="zh-CN" altLang="en-US" sz="9600" spc="300" dirty="0">
@@ -6303,7 +6597,7 @@
     </p:spTree>
     <p:extLst>
       <p:ext uri="{BB962C8B-B14F-4D97-AF65-F5344CB8AC3E}">
-        <p14:creationId xmlns:p14="http://schemas.microsoft.com/office/powerpoint/2010/main" val="2573971696"/>
+        <p14:creationId xmlns:p14="http://schemas.microsoft.com/office/powerpoint/2010/main" val="2453739998"/>
       </p:ext>
     </p:extLst>
   </p:cSld>
@@ -6377,10 +6671,10 @@
       </p:pic>
       <p:sp>
         <p:nvSpPr>
-          <p:cNvPr id="6" name="TextBox 5">
-            <a:extLst>
-              <a:ext uri="{FF2B5EF4-FFF2-40B4-BE49-F238E27FC236}">
-                <a16:creationId xmlns:a16="http://schemas.microsoft.com/office/drawing/2014/main" id="{4DFBD53B-29E4-A9DB-B886-CF96C0991B6D}"/>
+          <p:cNvPr id="5" name="TextBox 4">
+            <a:extLst>
+              <a:ext uri="{FF2B5EF4-FFF2-40B4-BE49-F238E27FC236}">
+                <a16:creationId xmlns:a16="http://schemas.microsoft.com/office/drawing/2014/main" id="{5ED4859C-2D53-8683-880F-0AF20554C879}"/>
               </a:ext>
             </a:extLst>
           </p:cNvPr>
@@ -6389,8 +6683,8 @@
         </p:nvSpPr>
         <p:spPr>
           <a:xfrm>
-            <a:off x="8831735" y="1223633"/>
-            <a:ext cx="3360266" cy="2215991"/>
+            <a:off x="4517929" y="1502404"/>
+            <a:ext cx="4378633" cy="1862048"/>
           </a:xfrm>
           <a:prstGeom prst="rect">
             <a:avLst/>
@@ -6404,93 +6698,25 @@
           <a:lstStyle/>
           <a:p>
             <a:r>
-              <a:rPr lang="ar-AE" sz="13800" spc="-300" dirty="0">
+              <a:rPr lang="en-US" sz="11500" spc="-300" dirty="0">
                 <a:solidFill>
                   <a:srgbClr val="EE7D30"/>
                 </a:solidFill>
                 <a:latin typeface="Arial" panose="020B0604020202020204" pitchFamily="34" charset="0"/>
-                <a:ea typeface="Osaka" panose="020B0600000000000000" pitchFamily="34" charset="-128"/>
-                <a:cs typeface="Arial" panose="020B0604020202020204" pitchFamily="34" charset="0"/>
-              </a:rPr>
-              <a:t>د.شو</a:t>
-            </a:r>
-          </a:p>
-        </p:txBody>
-      </p:sp>
-      <p:sp>
-        <p:nvSpPr>
-          <p:cNvPr id="3" name="TextBox 2">
-            <a:extLst>
-              <a:ext uri="{FF2B5EF4-FFF2-40B4-BE49-F238E27FC236}">
-                <a16:creationId xmlns:a16="http://schemas.microsoft.com/office/drawing/2014/main" id="{2C070E27-2E91-F385-8BE6-8C4138778241}"/>
-              </a:ext>
-            </a:extLst>
-          </p:cNvPr>
-          <p:cNvSpPr txBox="1"/>
-          <p:nvPr/>
-        </p:nvSpPr>
-        <p:spPr>
-          <a:xfrm>
-            <a:off x="8933657" y="2707258"/>
-            <a:ext cx="3258343" cy="2215991"/>
-          </a:xfrm>
-          <a:prstGeom prst="rect">
-            <a:avLst/>
-          </a:prstGeom>
-          <a:noFill/>
-        </p:spPr>
-        <p:txBody>
-          <a:bodyPr wrap="square">
-            <a:spAutoFit/>
-          </a:bodyPr>
-          <a:lstStyle/>
-          <a:p>
-            <a:r>
-              <a:rPr lang="ar-AE" sz="13800" spc="-300" dirty="0">
-                <a:solidFill>
-                  <a:srgbClr val="193C7D"/>
-                </a:solidFill>
-                <a:latin typeface="Arial" panose="020B0604020202020204" pitchFamily="34" charset="0"/>
-                <a:cs typeface="Arial" panose="020B0604020202020204" pitchFamily="34" charset="0"/>
-              </a:rPr>
-              <a:t>هونغ</a:t>
-            </a:r>
-            <a:endParaRPr lang="en-US" sz="9600" spc="-300" dirty="0">
-              <a:solidFill>
-                <a:srgbClr val="193C7D"/>
-              </a:solidFill>
-            </a:endParaRPr>
-          </a:p>
-        </p:txBody>
-      </p:sp>
-      <p:sp>
-        <p:nvSpPr>
-          <p:cNvPr id="2" name="TextBox 1">
-            <a:extLst>
-              <a:ext uri="{FF2B5EF4-FFF2-40B4-BE49-F238E27FC236}">
-                <a16:creationId xmlns:a16="http://schemas.microsoft.com/office/drawing/2014/main" id="{D8CA99EA-F7FA-9D28-1B27-056CD7FD5044}"/>
-              </a:ext>
-            </a:extLst>
-          </p:cNvPr>
-          <p:cNvSpPr txBox="1"/>
-          <p:nvPr/>
-        </p:nvSpPr>
-        <p:spPr>
-          <a:xfrm>
-            <a:off x="4517929" y="1502404"/>
-            <a:ext cx="4378633" cy="1862048"/>
-          </a:xfrm>
-          <a:prstGeom prst="rect">
-            <a:avLst/>
-          </a:prstGeom>
-          <a:noFill/>
-        </p:spPr>
-        <p:txBody>
-          <a:bodyPr wrap="square" rtlCol="0">
-            <a:spAutoFit/>
-          </a:bodyPr>
-          <a:lstStyle/>
-          <a:p>
+                <a:cs typeface="Arial" panose="020B0604020202020204" pitchFamily="34" charset="0"/>
+              </a:rPr>
+              <a:t>Dr.</a:t>
+            </a:r>
+            <a:r>
+              <a:rPr lang="en-US" sz="6600" spc="-300" dirty="0">
+                <a:solidFill>
+                  <a:srgbClr val="EE7D30"/>
+                </a:solidFill>
+                <a:latin typeface="Arial" panose="020B0604020202020204" pitchFamily="34" charset="0"/>
+                <a:cs typeface="Arial" panose="020B0604020202020204" pitchFamily="34" charset="0"/>
+              </a:rPr>
+              <a:t> </a:t>
+            </a:r>
             <a:r>
               <a:rPr lang="en-US" sz="11500" spc="-300" dirty="0">
                 <a:solidFill>
@@ -6499,37 +6725,17 @@
                 <a:latin typeface="Arial" panose="020B0604020202020204" pitchFamily="34" charset="0"/>
                 <a:cs typeface="Arial" panose="020B0604020202020204" pitchFamily="34" charset="0"/>
               </a:rPr>
-              <a:t>Dr.</a:t>
-            </a:r>
-            <a:r>
-              <a:rPr lang="en-US" sz="6600" spc="-300" dirty="0">
+              <a:t>X</a:t>
+            </a:r>
+            <a:r>
+              <a:rPr lang="en-US" sz="8800" spc="-300" dirty="0">
                 <a:solidFill>
                   <a:srgbClr val="EE7D30"/>
                 </a:solidFill>
                 <a:latin typeface="Arial" panose="020B0604020202020204" pitchFamily="34" charset="0"/>
                 <a:cs typeface="Arial" panose="020B0604020202020204" pitchFamily="34" charset="0"/>
               </a:rPr>
-              <a:t> </a:t>
-            </a:r>
-            <a:r>
-              <a:rPr lang="en-US" sz="11500" spc="-300" dirty="0">
-                <a:solidFill>
-                  <a:srgbClr val="EE7D30"/>
-                </a:solidFill>
-                <a:latin typeface="Arial" panose="020B0604020202020204" pitchFamily="34" charset="0"/>
-                <a:cs typeface="Arial" panose="020B0604020202020204" pitchFamily="34" charset="0"/>
-              </a:rPr>
-              <a:t>X</a:t>
-            </a:r>
-            <a:r>
-              <a:rPr lang="en-US" sz="8800" spc="-300" dirty="0">
-                <a:solidFill>
-                  <a:srgbClr val="EE7D30"/>
-                </a:solidFill>
-                <a:latin typeface="Arial" panose="020B0604020202020204" pitchFamily="34" charset="0"/>
-                <a:cs typeface="Arial" panose="020B0604020202020204" pitchFamily="34" charset="0"/>
-              </a:rPr>
-              <a:t>U</a:t>
+              <a:t>Ú</a:t>
             </a:r>
             <a:endParaRPr lang="en-US" sz="9600" spc="-300" dirty="0">
               <a:solidFill>
@@ -6543,10 +6749,10 @@
       </p:sp>
       <p:sp>
         <p:nvSpPr>
-          <p:cNvPr id="5" name="TextBox 4">
-            <a:extLst>
-              <a:ext uri="{FF2B5EF4-FFF2-40B4-BE49-F238E27FC236}">
-                <a16:creationId xmlns:a16="http://schemas.microsoft.com/office/drawing/2014/main" id="{B79BC6B3-47FB-5E60-599C-7D91CC2A8ED5}"/>
+          <p:cNvPr id="6" name="TextBox 5">
+            <a:extLst>
+              <a:ext uri="{FF2B5EF4-FFF2-40B4-BE49-F238E27FC236}">
+                <a16:creationId xmlns:a16="http://schemas.microsoft.com/office/drawing/2014/main" id="{4DFBD53B-29E4-A9DB-B886-CF96C0991B6D}"/>
               </a:ext>
             </a:extLst>
           </p:cNvPr>
@@ -6556,7 +6762,7 @@
         <p:spPr>
           <a:xfrm>
             <a:off x="4517928" y="3020161"/>
-            <a:ext cx="4378634" cy="1862048"/>
+            <a:ext cx="4378633" cy="1862048"/>
           </a:xfrm>
           <a:prstGeom prst="rect">
             <a:avLst/>
@@ -6612,7 +6818,7 @@
     </p:spTree>
     <p:extLst>
       <p:ext uri="{BB962C8B-B14F-4D97-AF65-F5344CB8AC3E}">
-        <p14:creationId xmlns:p14="http://schemas.microsoft.com/office/powerpoint/2010/main" val="3587914855"/>
+        <p14:creationId xmlns:p14="http://schemas.microsoft.com/office/powerpoint/2010/main" val="2573971696"/>
       </p:ext>
     </p:extLst>
   </p:cSld>
@@ -6641,6 +6847,315 @@
       </p:grpSpPr>
       <p:pic>
         <p:nvPicPr>
+          <p:cNvPr id="1026" name="Picture 2" descr="Image">
+            <a:extLst>
+              <a:ext uri="{FF2B5EF4-FFF2-40B4-BE49-F238E27FC236}">
+                <a16:creationId xmlns:a16="http://schemas.microsoft.com/office/drawing/2014/main" id="{36D76745-1717-2F81-B8A8-05514344CC77}"/>
+              </a:ext>
+            </a:extLst>
+          </p:cNvPr>
+          <p:cNvPicPr>
+            <a:picLocks noChangeAspect="1" noChangeArrowheads="1"/>
+          </p:cNvPicPr>
+          <p:nvPr/>
+        </p:nvPicPr>
+        <p:blipFill rotWithShape="1">
+          <a:blip r:embed="rId3">
+            <a:extLst>
+              <a:ext uri="{28A0092B-C50C-407E-A947-70E740481C1C}">
+                <a14:useLocalDpi xmlns:a14="http://schemas.microsoft.com/office/drawing/2010/main" val="0"/>
+              </a:ext>
+            </a:extLst>
+          </a:blip>
+          <a:srcRect r="63015"/>
+          <a:stretch/>
+        </p:blipFill>
+        <p:spPr bwMode="auto">
+          <a:xfrm>
+            <a:off x="345686" y="1115587"/>
+            <a:ext cx="3806766" cy="4469498"/>
+          </a:xfrm>
+          <a:prstGeom prst="rect">
+            <a:avLst/>
+          </a:prstGeom>
+          <a:noFill/>
+          <a:extLst>
+            <a:ext uri="{909E8E84-426E-40DD-AFC4-6F175D3DCCD1}">
+              <a14:hiddenFill xmlns:a14="http://schemas.microsoft.com/office/drawing/2010/main">
+                <a:solidFill>
+                  <a:srgbClr val="FFFFFF"/>
+                </a:solidFill>
+              </a14:hiddenFill>
+            </a:ext>
+          </a:extLst>
+        </p:spPr>
+      </p:pic>
+      <p:sp>
+        <p:nvSpPr>
+          <p:cNvPr id="6" name="TextBox 5">
+            <a:extLst>
+              <a:ext uri="{FF2B5EF4-FFF2-40B4-BE49-F238E27FC236}">
+                <a16:creationId xmlns:a16="http://schemas.microsoft.com/office/drawing/2014/main" id="{4DFBD53B-29E4-A9DB-B886-CF96C0991B6D}"/>
+              </a:ext>
+            </a:extLst>
+          </p:cNvPr>
+          <p:cNvSpPr txBox="1"/>
+          <p:nvPr/>
+        </p:nvSpPr>
+        <p:spPr>
+          <a:xfrm>
+            <a:off x="8831735" y="1223633"/>
+            <a:ext cx="3360266" cy="2215991"/>
+          </a:xfrm>
+          <a:prstGeom prst="rect">
+            <a:avLst/>
+          </a:prstGeom>
+          <a:noFill/>
+        </p:spPr>
+        <p:txBody>
+          <a:bodyPr wrap="square" rtlCol="0">
+            <a:spAutoFit/>
+          </a:bodyPr>
+          <a:lstStyle/>
+          <a:p>
+            <a:r>
+              <a:rPr lang="ar-AE" sz="13800" spc="-300" dirty="0">
+                <a:solidFill>
+                  <a:srgbClr val="EE7D30"/>
+                </a:solidFill>
+                <a:latin typeface="Arial" panose="020B0604020202020204" pitchFamily="34" charset="0"/>
+                <a:ea typeface="Osaka" panose="020B0600000000000000" pitchFamily="34" charset="-128"/>
+                <a:cs typeface="Arial" panose="020B0604020202020204" pitchFamily="34" charset="0"/>
+              </a:rPr>
+              <a:t>د.شو</a:t>
+            </a:r>
+          </a:p>
+        </p:txBody>
+      </p:sp>
+      <p:sp>
+        <p:nvSpPr>
+          <p:cNvPr id="3" name="TextBox 2">
+            <a:extLst>
+              <a:ext uri="{FF2B5EF4-FFF2-40B4-BE49-F238E27FC236}">
+                <a16:creationId xmlns:a16="http://schemas.microsoft.com/office/drawing/2014/main" id="{2C070E27-2E91-F385-8BE6-8C4138778241}"/>
+              </a:ext>
+            </a:extLst>
+          </p:cNvPr>
+          <p:cNvSpPr txBox="1"/>
+          <p:nvPr/>
+        </p:nvSpPr>
+        <p:spPr>
+          <a:xfrm>
+            <a:off x="8933657" y="2707258"/>
+            <a:ext cx="3258343" cy="2215991"/>
+          </a:xfrm>
+          <a:prstGeom prst="rect">
+            <a:avLst/>
+          </a:prstGeom>
+          <a:noFill/>
+        </p:spPr>
+        <p:txBody>
+          <a:bodyPr wrap="square">
+            <a:spAutoFit/>
+          </a:bodyPr>
+          <a:lstStyle/>
+          <a:p>
+            <a:r>
+              <a:rPr lang="ar-AE" sz="13800" spc="-300" dirty="0">
+                <a:solidFill>
+                  <a:srgbClr val="193C7D"/>
+                </a:solidFill>
+                <a:latin typeface="Arial" panose="020B0604020202020204" pitchFamily="34" charset="0"/>
+                <a:cs typeface="Arial" panose="020B0604020202020204" pitchFamily="34" charset="0"/>
+              </a:rPr>
+              <a:t>هونغ</a:t>
+            </a:r>
+            <a:endParaRPr lang="en-US" sz="9600" spc="-300" dirty="0">
+              <a:solidFill>
+                <a:srgbClr val="193C7D"/>
+              </a:solidFill>
+            </a:endParaRPr>
+          </a:p>
+        </p:txBody>
+      </p:sp>
+      <p:sp>
+        <p:nvSpPr>
+          <p:cNvPr id="2" name="TextBox 1">
+            <a:extLst>
+              <a:ext uri="{FF2B5EF4-FFF2-40B4-BE49-F238E27FC236}">
+                <a16:creationId xmlns:a16="http://schemas.microsoft.com/office/drawing/2014/main" id="{D8CA99EA-F7FA-9D28-1B27-056CD7FD5044}"/>
+              </a:ext>
+            </a:extLst>
+          </p:cNvPr>
+          <p:cNvSpPr txBox="1"/>
+          <p:nvPr/>
+        </p:nvSpPr>
+        <p:spPr>
+          <a:xfrm>
+            <a:off x="4517929" y="1502404"/>
+            <a:ext cx="4378633" cy="1862048"/>
+          </a:xfrm>
+          <a:prstGeom prst="rect">
+            <a:avLst/>
+          </a:prstGeom>
+          <a:noFill/>
+        </p:spPr>
+        <p:txBody>
+          <a:bodyPr wrap="square" rtlCol="0">
+            <a:spAutoFit/>
+          </a:bodyPr>
+          <a:lstStyle/>
+          <a:p>
+            <a:r>
+              <a:rPr lang="en-US" sz="11500" spc="-300" dirty="0">
+                <a:solidFill>
+                  <a:srgbClr val="EE7D30"/>
+                </a:solidFill>
+                <a:latin typeface="Arial" panose="020B0604020202020204" pitchFamily="34" charset="0"/>
+                <a:cs typeface="Arial" panose="020B0604020202020204" pitchFamily="34" charset="0"/>
+              </a:rPr>
+              <a:t>Dr.</a:t>
+            </a:r>
+            <a:r>
+              <a:rPr lang="en-US" sz="6600" spc="-300" dirty="0">
+                <a:solidFill>
+                  <a:srgbClr val="EE7D30"/>
+                </a:solidFill>
+                <a:latin typeface="Arial" panose="020B0604020202020204" pitchFamily="34" charset="0"/>
+                <a:cs typeface="Arial" panose="020B0604020202020204" pitchFamily="34" charset="0"/>
+              </a:rPr>
+              <a:t> </a:t>
+            </a:r>
+            <a:r>
+              <a:rPr lang="en-US" sz="11500" spc="-300" dirty="0">
+                <a:solidFill>
+                  <a:srgbClr val="EE7D30"/>
+                </a:solidFill>
+                <a:latin typeface="Arial" panose="020B0604020202020204" pitchFamily="34" charset="0"/>
+                <a:cs typeface="Arial" panose="020B0604020202020204" pitchFamily="34" charset="0"/>
+              </a:rPr>
+              <a:t>X</a:t>
+            </a:r>
+            <a:r>
+              <a:rPr lang="en-US" sz="8800" spc="-300" dirty="0">
+                <a:solidFill>
+                  <a:srgbClr val="EE7D30"/>
+                </a:solidFill>
+                <a:latin typeface="Arial" panose="020B0604020202020204" pitchFamily="34" charset="0"/>
+                <a:cs typeface="Arial" panose="020B0604020202020204" pitchFamily="34" charset="0"/>
+              </a:rPr>
+              <a:t>U</a:t>
+            </a:r>
+            <a:endParaRPr lang="en-US" sz="9600" spc="-300" dirty="0">
+              <a:solidFill>
+                <a:srgbClr val="EE7D30"/>
+              </a:solidFill>
+              <a:latin typeface="Arial" panose="020B0604020202020204" pitchFamily="34" charset="0"/>
+              <a:cs typeface="Arial" panose="020B0604020202020204" pitchFamily="34" charset="0"/>
+            </a:endParaRPr>
+          </a:p>
+        </p:txBody>
+      </p:sp>
+      <p:sp>
+        <p:nvSpPr>
+          <p:cNvPr id="5" name="TextBox 4">
+            <a:extLst>
+              <a:ext uri="{FF2B5EF4-FFF2-40B4-BE49-F238E27FC236}">
+                <a16:creationId xmlns:a16="http://schemas.microsoft.com/office/drawing/2014/main" id="{B79BC6B3-47FB-5E60-599C-7D91CC2A8ED5}"/>
+              </a:ext>
+            </a:extLst>
+          </p:cNvPr>
+          <p:cNvSpPr txBox="1"/>
+          <p:nvPr/>
+        </p:nvSpPr>
+        <p:spPr>
+          <a:xfrm>
+            <a:off x="4517928" y="3020161"/>
+            <a:ext cx="4378634" cy="1862048"/>
+          </a:xfrm>
+          <a:prstGeom prst="rect">
+            <a:avLst/>
+          </a:prstGeom>
+          <a:noFill/>
+        </p:spPr>
+        <p:txBody>
+          <a:bodyPr wrap="square" rtlCol="0">
+            <a:spAutoFit/>
+          </a:bodyPr>
+          <a:lstStyle/>
+          <a:p>
+            <a:r>
+              <a:rPr lang="en-US" sz="11500" spc="300" dirty="0">
+                <a:solidFill>
+                  <a:srgbClr val="193C7D"/>
+                </a:solidFill>
+                <a:latin typeface="Arial" panose="020B0604020202020204" pitchFamily="34" charset="0"/>
+                <a:cs typeface="Arial" panose="020B0604020202020204" pitchFamily="34" charset="0"/>
+              </a:rPr>
+              <a:t>H</a:t>
+            </a:r>
+            <a:r>
+              <a:rPr lang="en-US" sz="8800" spc="300" dirty="0">
+                <a:solidFill>
+                  <a:srgbClr val="193C7D"/>
+                </a:solidFill>
+                <a:latin typeface="Arial" panose="020B0604020202020204" pitchFamily="34" charset="0"/>
+                <a:cs typeface="Arial" panose="020B0604020202020204" pitchFamily="34" charset="0"/>
+              </a:rPr>
+              <a:t>ONG</a:t>
+            </a:r>
+            <a:r>
+              <a:rPr lang="zh-CN" altLang="en-US" sz="9600" spc="300" dirty="0">
+                <a:solidFill>
+                  <a:srgbClr val="193C7D"/>
+                </a:solidFill>
+                <a:latin typeface="Arial" panose="020B0604020202020204" pitchFamily="34" charset="0"/>
+                <a:cs typeface="Arial" panose="020B0604020202020204" pitchFamily="34" charset="0"/>
+              </a:rPr>
+              <a:t> </a:t>
+            </a:r>
+            <a:endParaRPr lang="en-US" altLang="zh-CN" sz="9600" spc="300" dirty="0">
+              <a:solidFill>
+                <a:srgbClr val="193C7D"/>
+              </a:solidFill>
+              <a:latin typeface="Arial" panose="020B0604020202020204" pitchFamily="34" charset="0"/>
+              <a:cs typeface="Arial" panose="020B0604020202020204" pitchFamily="34" charset="0"/>
+            </a:endParaRPr>
+          </a:p>
+        </p:txBody>
+      </p:sp>
+    </p:spTree>
+    <p:extLst>
+      <p:ext uri="{BB962C8B-B14F-4D97-AF65-F5344CB8AC3E}">
+        <p14:creationId xmlns:p14="http://schemas.microsoft.com/office/powerpoint/2010/main" val="3587914855"/>
+      </p:ext>
+    </p:extLst>
+  </p:cSld>
+  <p:clrMapOvr>
+    <a:masterClrMapping/>
+  </p:clrMapOvr>
+</p:sld>
+</file>
+
+<file path=ppt/slides/slide17.xml><?xml version="1.0" encoding="utf-8"?>
+<p:sld xmlns:a="http://schemas.openxmlformats.org/drawingml/2006/main" xmlns:r="http://schemas.openxmlformats.org/officeDocument/2006/relationships" xmlns:p="http://schemas.openxmlformats.org/presentationml/2006/main">
+  <p:cSld>
+    <p:spTree>
+      <p:nvGrpSpPr>
+        <p:cNvPr id="1" name=""/>
+        <p:cNvGrpSpPr/>
+        <p:nvPr/>
+      </p:nvGrpSpPr>
+      <p:grpSpPr>
+        <a:xfrm>
+          <a:off x="0" y="0"/>
+          <a:ext cx="0" cy="0"/>
+          <a:chOff x="0" y="0"/>
+          <a:chExt cx="0" cy="0"/>
+        </a:xfrm>
+      </p:grpSpPr>
+      <p:pic>
+        <p:nvPicPr>
           <p:cNvPr id="12290" name="Picture 2" descr="Twelve Chinese zodiac stencils">
             <a:extLst>
               <a:ext uri="{FF2B5EF4-FFF2-40B4-BE49-F238E27FC236}">
@@ -7276,7 +7791,7 @@
 </p:sld>
 </file>
 
-<file path=ppt/slides/slide17.xml><?xml version="1.0" encoding="utf-8"?>
+<file path=ppt/slides/slide18.xml><?xml version="1.0" encoding="utf-8"?>
 <p:sld xmlns:a="http://schemas.openxmlformats.org/drawingml/2006/main" xmlns:r="http://schemas.openxmlformats.org/officeDocument/2006/relationships" xmlns:p="http://schemas.openxmlformats.org/presentationml/2006/main" show="0">
   <p:cSld>
     <p:spTree>
@@ -8528,13 +9043,13 @@
               </a:ext>
             </a:extLst>
           </a:blip>
-          <a:srcRect r="63015"/>
+          <a:srcRect r="47237"/>
           <a:stretch/>
         </p:blipFill>
         <p:spPr bwMode="auto">
           <a:xfrm>
             <a:off x="345686" y="1115587"/>
-            <a:ext cx="3806766" cy="4469498"/>
+            <a:ext cx="5430646" cy="4469498"/>
           </a:xfrm>
           <a:prstGeom prst="rect">
             <a:avLst/>
@@ -8553,10 +9068,10 @@
       </p:pic>
       <p:sp>
         <p:nvSpPr>
-          <p:cNvPr id="9" name="TextBox 8">
-            <a:extLst>
-              <a:ext uri="{FF2B5EF4-FFF2-40B4-BE49-F238E27FC236}">
-                <a16:creationId xmlns:a16="http://schemas.microsoft.com/office/drawing/2014/main" id="{839B7A6C-C6D3-32A6-0EDB-E88D8EFB371D}"/>
+          <p:cNvPr id="6" name="TextBox 5">
+            <a:extLst>
+              <a:ext uri="{FF2B5EF4-FFF2-40B4-BE49-F238E27FC236}">
+                <a16:creationId xmlns:a16="http://schemas.microsoft.com/office/drawing/2014/main" id="{F451CFEC-4921-39AC-4FDE-EB5D812E9EAA}"/>
               </a:ext>
             </a:extLst>
           </p:cNvPr>
@@ -8565,8 +9080,8 @@
         </p:nvSpPr>
         <p:spPr>
           <a:xfrm>
-            <a:off x="6067869" y="1502404"/>
-            <a:ext cx="4378633" cy="1862048"/>
+            <a:off x="5657996" y="1821944"/>
+            <a:ext cx="1102834" cy="1295932"/>
           </a:xfrm>
           <a:prstGeom prst="rect">
             <a:avLst/>
@@ -8579,47 +9094,134 @@
           </a:bodyPr>
           <a:lstStyle/>
           <a:p>
-            <a:r>
-              <a:rPr lang="en-US" sz="11500" spc="-300" dirty="0">
+            <a:pPr>
+              <a:lnSpc>
+                <a:spcPct val="80000"/>
+              </a:lnSpc>
+            </a:pPr>
+            <a:r>
+              <a:rPr lang="zh-CN" altLang="en-US" sz="4800" b="1" i="0" spc="-300" dirty="0">
                 <a:solidFill>
                   <a:srgbClr val="EE7D30"/>
                 </a:solidFill>
-                <a:latin typeface="Arial" panose="020B0604020202020204" pitchFamily="34" charset="0"/>
-                <a:cs typeface="Arial" panose="020B0604020202020204" pitchFamily="34" charset="0"/>
-              </a:rPr>
-              <a:t>Dr.</a:t>
-            </a:r>
-            <a:r>
-              <a:rPr lang="en-US" sz="6600" spc="-300" dirty="0">
+                <a:effectLst/>
+                <a:latin typeface="Hiragino Sans W4" panose="020B0400000000000000" pitchFamily="34" charset="-128"/>
+                <a:ea typeface="Hiragino Sans W4" panose="020B0400000000000000" pitchFamily="34" charset="-128"/>
+              </a:rPr>
+              <a:t>ㄒㄩˊ</a:t>
+            </a:r>
+            <a:endParaRPr lang="en-US" sz="4800" b="1" spc="-300" dirty="0">
+              <a:solidFill>
+                <a:srgbClr val="EE7D30"/>
+              </a:solidFill>
+              <a:latin typeface="Hiragino Sans W4" panose="020B0400000000000000" pitchFamily="34" charset="-128"/>
+              <a:ea typeface="Hiragino Sans W4" panose="020B0400000000000000" pitchFamily="34" charset="-128"/>
+            </a:endParaRPr>
+          </a:p>
+        </p:txBody>
+      </p:sp>
+      <p:sp>
+        <p:nvSpPr>
+          <p:cNvPr id="2" name="TextBox 1">
+            <a:extLst>
+              <a:ext uri="{FF2B5EF4-FFF2-40B4-BE49-F238E27FC236}">
+                <a16:creationId xmlns:a16="http://schemas.microsoft.com/office/drawing/2014/main" id="{9DEA104D-1DE7-5965-21DD-4F99C48DC2A5}"/>
+              </a:ext>
+            </a:extLst>
+          </p:cNvPr>
+          <p:cNvSpPr txBox="1"/>
+          <p:nvPr/>
+        </p:nvSpPr>
+        <p:spPr>
+          <a:xfrm>
+            <a:off x="5689997" y="3461274"/>
+            <a:ext cx="1102834" cy="1351396"/>
+          </a:xfrm>
+          <a:prstGeom prst="rect">
+            <a:avLst/>
+          </a:prstGeom>
+          <a:noFill/>
+        </p:spPr>
+        <p:txBody>
+          <a:bodyPr wrap="square" rtlCol="0">
+            <a:spAutoFit/>
+          </a:bodyPr>
+          <a:lstStyle/>
+          <a:p>
+            <a:pPr>
+              <a:lnSpc>
+                <a:spcPct val="55000"/>
+              </a:lnSpc>
+            </a:pPr>
+            <a:r>
+              <a:rPr lang="zh-CN" altLang="en-US" sz="4800" b="1" spc="-300" dirty="0">
+                <a:solidFill>
+                  <a:srgbClr val="193C7D"/>
+                </a:solidFill>
+                <a:latin typeface="Hiragino Sans W4" panose="020B0400000000000000" pitchFamily="34" charset="-128"/>
+                <a:ea typeface="Hiragino Sans W4" panose="020B0400000000000000" pitchFamily="34" charset="-128"/>
+              </a:rPr>
+              <a:t>ㄏㄨㄥˊ</a:t>
+            </a:r>
+            <a:endParaRPr lang="ja-JP" altLang="en-US" sz="4800" b="1" spc="-300">
+              <a:solidFill>
+                <a:srgbClr val="193C7D"/>
+              </a:solidFill>
+              <a:latin typeface="Hiragino Sans W4" panose="020B0400000000000000" pitchFamily="34" charset="-128"/>
+              <a:ea typeface="Hiragino Sans W4" panose="020B0400000000000000" pitchFamily="34" charset="-128"/>
+            </a:endParaRPr>
+          </a:p>
+        </p:txBody>
+      </p:sp>
+      <p:sp>
+        <p:nvSpPr>
+          <p:cNvPr id="3" name="TextBox 2">
+            <a:extLst>
+              <a:ext uri="{FF2B5EF4-FFF2-40B4-BE49-F238E27FC236}">
+                <a16:creationId xmlns:a16="http://schemas.microsoft.com/office/drawing/2014/main" id="{9D4119DE-545A-78C9-2E52-F9A5A7DAFB13}"/>
+              </a:ext>
+            </a:extLst>
+          </p:cNvPr>
+          <p:cNvSpPr txBox="1"/>
+          <p:nvPr/>
+        </p:nvSpPr>
+        <p:spPr>
+          <a:xfrm>
+            <a:off x="6825509" y="1502404"/>
+            <a:ext cx="3860290" cy="1862048"/>
+          </a:xfrm>
+          <a:prstGeom prst="rect">
+            <a:avLst/>
+          </a:prstGeom>
+          <a:noFill/>
+        </p:spPr>
+        <p:txBody>
+          <a:bodyPr wrap="square" rtlCol="0">
+            <a:spAutoFit/>
+          </a:bodyPr>
+          <a:lstStyle/>
+          <a:p>
+            <a:r>
+              <a:rPr lang="en-US" sz="11500" spc="300" dirty="0">
                 <a:solidFill>
                   <a:srgbClr val="EE7D30"/>
                 </a:solidFill>
                 <a:latin typeface="Arial" panose="020B0604020202020204" pitchFamily="34" charset="0"/>
                 <a:cs typeface="Arial" panose="020B0604020202020204" pitchFamily="34" charset="0"/>
               </a:rPr>
-              <a:t> </a:t>
-            </a:r>
-            <a:r>
-              <a:rPr lang="en-US" sz="11500" spc="-300" dirty="0">
+              <a:t>S</a:t>
+            </a:r>
+            <a:r>
+              <a:rPr lang="en-US" sz="8800" spc="300" dirty="0">
                 <a:solidFill>
                   <a:srgbClr val="EE7D30"/>
                 </a:solidFill>
                 <a:latin typeface="Arial" panose="020B0604020202020204" pitchFamily="34" charset="0"/>
                 <a:cs typeface="Arial" panose="020B0604020202020204" pitchFamily="34" charset="0"/>
               </a:rPr>
-              <a:t>X</a:t>
-            </a:r>
-            <a:r>
-              <a:rPr lang="en-US" sz="8800" spc="-300" dirty="0">
-                <a:solidFill>
-                  <a:srgbClr val="EE7D30"/>
-                </a:solidFill>
-                <a:latin typeface="Arial" panose="020B0604020202020204" pitchFamily="34" charset="0"/>
-                <a:cs typeface="Arial" panose="020B0604020202020204" pitchFamily="34" charset="0"/>
-              </a:rPr>
-              <a:t>Ú</a:t>
-            </a:r>
-            <a:endParaRPr lang="en-US" sz="9600" spc="-300" dirty="0">
+              <a:t>HYÚ</a:t>
+            </a:r>
+            <a:endParaRPr lang="en-US" sz="9600" spc="300" dirty="0">
               <a:solidFill>
                 <a:srgbClr val="EE7D30"/>
               </a:solidFill>
@@ -8631,10 +9233,10 @@
       </p:sp>
       <p:sp>
         <p:nvSpPr>
-          <p:cNvPr id="10" name="TextBox 9">
-            <a:extLst>
-              <a:ext uri="{FF2B5EF4-FFF2-40B4-BE49-F238E27FC236}">
-                <a16:creationId xmlns:a16="http://schemas.microsoft.com/office/drawing/2014/main" id="{EF81F04B-E831-E708-9897-55FF13E576D7}"/>
+          <p:cNvPr id="4" name="TextBox 3">
+            <a:extLst>
+              <a:ext uri="{FF2B5EF4-FFF2-40B4-BE49-F238E27FC236}">
+                <a16:creationId xmlns:a16="http://schemas.microsoft.com/office/drawing/2014/main" id="{144AE363-411A-F7E4-1098-15D99A84D2CD}"/>
               </a:ext>
             </a:extLst>
           </p:cNvPr>
@@ -8643,8 +9245,8 @@
         </p:nvSpPr>
         <p:spPr>
           <a:xfrm>
-            <a:off x="6067868" y="3020161"/>
-            <a:ext cx="4378634" cy="1862048"/>
+            <a:off x="6825508" y="3020161"/>
+            <a:ext cx="3907012" cy="1862048"/>
           </a:xfrm>
           <a:prstGeom prst="rect">
             <a:avLst/>
@@ -8658,7 +9260,7 @@
           <a:lstStyle/>
           <a:p>
             <a:r>
-              <a:rPr lang="en-US" sz="11500" spc="300" dirty="0">
+              <a:rPr lang="en-US" sz="11500" dirty="0">
                 <a:solidFill>
                   <a:srgbClr val="193C7D"/>
                 </a:solidFill>
@@ -8668,17 +9270,17 @@
               <a:t>H</a:t>
             </a:r>
             <a:r>
-              <a:rPr lang="en-US" sz="8800" spc="300" dirty="0">
+              <a:rPr lang="en-US" sz="8800" dirty="0">
                 <a:solidFill>
                   <a:srgbClr val="193C7D"/>
                 </a:solidFill>
                 <a:latin typeface="Arial" panose="020B0604020202020204" pitchFamily="34" charset="0"/>
                 <a:cs typeface="Arial" panose="020B0604020202020204" pitchFamily="34" charset="0"/>
               </a:rPr>
-              <a:t>ÓNG</a:t>
-            </a:r>
-            <a:r>
-              <a:rPr lang="zh-CN" altLang="en-US" sz="9600" spc="300" dirty="0">
+              <a:t>ÚNG</a:t>
+            </a:r>
+            <a:r>
+              <a:rPr lang="zh-CN" altLang="en-US" sz="9600" dirty="0">
                 <a:solidFill>
                   <a:srgbClr val="193C7D"/>
                 </a:solidFill>
@@ -8687,7 +9289,7 @@
               </a:rPr>
               <a:t> </a:t>
             </a:r>
-            <a:endParaRPr lang="en-US" altLang="zh-CN" sz="9600" spc="300" dirty="0">
+            <a:endParaRPr lang="en-US" altLang="zh-CN" sz="9600" dirty="0">
               <a:solidFill>
                 <a:srgbClr val="193C7D"/>
               </a:solidFill>
@@ -8697,218 +9299,10 @@
           </a:p>
         </p:txBody>
       </p:sp>
-      <p:sp>
-        <p:nvSpPr>
-          <p:cNvPr id="2" name="TextBox 1">
-            <a:extLst>
-              <a:ext uri="{FF2B5EF4-FFF2-40B4-BE49-F238E27FC236}">
-                <a16:creationId xmlns:a16="http://schemas.microsoft.com/office/drawing/2014/main" id="{8ACC2E12-BAF5-1435-CEC8-F161FAF7D8FB}"/>
-              </a:ext>
-            </a:extLst>
-          </p:cNvPr>
-          <p:cNvSpPr txBox="1"/>
-          <p:nvPr/>
-        </p:nvSpPr>
-        <p:spPr>
-          <a:xfrm>
-            <a:off x="10874673" y="1502404"/>
-            <a:ext cx="4378633" cy="1862048"/>
-          </a:xfrm>
-          <a:prstGeom prst="rect">
-            <a:avLst/>
-          </a:prstGeom>
-          <a:noFill/>
-        </p:spPr>
-        <p:txBody>
-          <a:bodyPr wrap="square" rtlCol="0">
-            <a:spAutoFit/>
-          </a:bodyPr>
-          <a:lstStyle/>
-          <a:p>
-            <a:r>
-              <a:rPr lang="en-US" sz="11500" spc="-300" dirty="0">
-                <a:solidFill>
-                  <a:srgbClr val="EE7D30"/>
-                </a:solidFill>
-                <a:latin typeface="Arial" panose="020B0604020202020204" pitchFamily="34" charset="0"/>
-                <a:ea typeface="Hiragino Sans W2" panose="020B0300000000000000" pitchFamily="34" charset="-128"/>
-                <a:cs typeface="Arial" panose="020B0604020202020204" pitchFamily="34" charset="0"/>
-              </a:rPr>
-              <a:t>Hsu</a:t>
-            </a:r>
-            <a:endParaRPr lang="en-US" sz="8800" spc="-300" dirty="0">
-              <a:solidFill>
-                <a:srgbClr val="EE7D30"/>
-              </a:solidFill>
-              <a:latin typeface="Arial" panose="020B0604020202020204" pitchFamily="34" charset="0"/>
-              <a:ea typeface="Hiragino Sans W2" panose="020B0300000000000000" pitchFamily="34" charset="-128"/>
-              <a:cs typeface="Arial" panose="020B0604020202020204" pitchFamily="34" charset="0"/>
-            </a:endParaRPr>
-          </a:p>
-        </p:txBody>
-      </p:sp>
-      <p:sp>
-        <p:nvSpPr>
-          <p:cNvPr id="3" name="TextBox 2">
-            <a:extLst>
-              <a:ext uri="{FF2B5EF4-FFF2-40B4-BE49-F238E27FC236}">
-                <a16:creationId xmlns:a16="http://schemas.microsoft.com/office/drawing/2014/main" id="{A216E084-5254-4252-8CEF-17262AB46251}"/>
-              </a:ext>
-            </a:extLst>
-          </p:cNvPr>
-          <p:cNvSpPr txBox="1"/>
-          <p:nvPr/>
-        </p:nvSpPr>
-        <p:spPr>
-          <a:xfrm>
-            <a:off x="10867414" y="3020161"/>
-            <a:ext cx="5849953" cy="1862048"/>
-          </a:xfrm>
-          <a:prstGeom prst="rect">
-            <a:avLst/>
-          </a:prstGeom>
-          <a:noFill/>
-        </p:spPr>
-        <p:txBody>
-          <a:bodyPr wrap="square" rtlCol="0">
-            <a:spAutoFit/>
-          </a:bodyPr>
-          <a:lstStyle/>
-          <a:p>
-            <a:r>
-              <a:rPr lang="en-US" sz="11500" spc="300" dirty="0">
-                <a:solidFill>
-                  <a:srgbClr val="193C7D"/>
-                </a:solidFill>
-                <a:latin typeface="Arial" panose="020B0604020202020204" pitchFamily="34" charset="0"/>
-                <a:ea typeface="Hiragino Sans W2" panose="020B0300000000000000" pitchFamily="34" charset="-128"/>
-                <a:cs typeface="Arial" panose="020B0604020202020204" pitchFamily="34" charset="0"/>
-              </a:rPr>
-              <a:t>H</a:t>
-            </a:r>
-            <a:r>
-              <a:rPr lang="en-US" sz="8800" spc="300" dirty="0">
-                <a:solidFill>
-                  <a:srgbClr val="193C7D"/>
-                </a:solidFill>
-                <a:latin typeface="Arial" panose="020B0604020202020204" pitchFamily="34" charset="0"/>
-                <a:ea typeface="Hiragino Sans W2" panose="020B0300000000000000" pitchFamily="34" charset="-128"/>
-                <a:cs typeface="Arial" panose="020B0604020202020204" pitchFamily="34" charset="0"/>
-              </a:rPr>
-              <a:t>ELIOS</a:t>
-            </a:r>
-            <a:r>
-              <a:rPr lang="zh-CN" altLang="en-US" sz="9600" spc="300" dirty="0">
-                <a:solidFill>
-                  <a:srgbClr val="193C7D"/>
-                </a:solidFill>
-                <a:latin typeface="Arial" panose="020B0604020202020204" pitchFamily="34" charset="0"/>
-                <a:cs typeface="Arial" panose="020B0604020202020204" pitchFamily="34" charset="0"/>
-              </a:rPr>
-              <a:t> </a:t>
-            </a:r>
-            <a:endParaRPr lang="en-US" altLang="zh-CN" sz="9600" spc="300" dirty="0">
-              <a:solidFill>
-                <a:srgbClr val="193C7D"/>
-              </a:solidFill>
-              <a:latin typeface="Arial" panose="020B0604020202020204" pitchFamily="34" charset="0"/>
-              <a:cs typeface="Arial" panose="020B0604020202020204" pitchFamily="34" charset="0"/>
-            </a:endParaRPr>
-          </a:p>
-        </p:txBody>
-      </p:sp>
-      <p:cxnSp>
-        <p:nvCxnSpPr>
-          <p:cNvPr id="5" name="Straight Connector 4">
-            <a:extLst>
-              <a:ext uri="{FF2B5EF4-FFF2-40B4-BE49-F238E27FC236}">
-                <a16:creationId xmlns:a16="http://schemas.microsoft.com/office/drawing/2014/main" id="{4A437575-06ED-BA35-2BD4-13DE33F5FD1C}"/>
-              </a:ext>
-            </a:extLst>
-          </p:cNvPr>
-          <p:cNvCxnSpPr/>
-          <p:nvPr/>
-        </p:nvCxnSpPr>
-        <p:spPr>
-          <a:xfrm>
-            <a:off x="10446502" y="1923142"/>
-            <a:ext cx="0" cy="2560320"/>
-          </a:xfrm>
-          <a:prstGeom prst="line">
-            <a:avLst/>
-          </a:prstGeom>
-          <a:ln w="19050">
-            <a:solidFill>
-              <a:schemeClr val="bg1">
-                <a:lumMod val="65000"/>
-              </a:schemeClr>
-            </a:solidFill>
-          </a:ln>
-        </p:spPr>
-        <p:style>
-          <a:lnRef idx="1">
-            <a:schemeClr val="accent1"/>
-          </a:lnRef>
-          <a:fillRef idx="0">
-            <a:schemeClr val="accent1"/>
-          </a:fillRef>
-          <a:effectRef idx="0">
-            <a:schemeClr val="accent1"/>
-          </a:effectRef>
-          <a:fontRef idx="minor">
-            <a:schemeClr val="tx1"/>
-          </a:fontRef>
-        </p:style>
-      </p:cxnSp>
-      <p:pic>
-        <p:nvPicPr>
-          <p:cNvPr id="7" name="Picture 2" descr="Image">
-            <a:extLst>
-              <a:ext uri="{FF2B5EF4-FFF2-40B4-BE49-F238E27FC236}">
-                <a16:creationId xmlns:a16="http://schemas.microsoft.com/office/drawing/2014/main" id="{23F2F615-820B-07C9-E672-5E46661DCF86}"/>
-              </a:ext>
-            </a:extLst>
-          </p:cNvPr>
-          <p:cNvPicPr>
-            <a:picLocks noChangeAspect="1" noChangeArrowheads="1"/>
-          </p:cNvPicPr>
-          <p:nvPr/>
-        </p:nvPicPr>
-        <p:blipFill rotWithShape="1">
-          <a:blip r:embed="rId3">
-            <a:extLst>
-              <a:ext uri="{28A0092B-C50C-407E-A947-70E740481C1C}">
-                <a14:useLocalDpi xmlns:a14="http://schemas.microsoft.com/office/drawing/2010/main" val="0"/>
-              </a:ext>
-            </a:extLst>
-          </a:blip>
-          <a:srcRect r="47237"/>
-          <a:stretch/>
-        </p:blipFill>
-        <p:spPr bwMode="auto">
-          <a:xfrm>
-            <a:off x="345686" y="1115587"/>
-            <a:ext cx="5430646" cy="4469498"/>
-          </a:xfrm>
-          <a:prstGeom prst="rect">
-            <a:avLst/>
-          </a:prstGeom>
-          <a:noFill/>
-          <a:extLst>
-            <a:ext uri="{909E8E84-426E-40DD-AFC4-6F175D3DCCD1}">
-              <a14:hiddenFill xmlns:a14="http://schemas.microsoft.com/office/drawing/2010/main">
-                <a:solidFill>
-                  <a:srgbClr val="FFFFFF"/>
-                </a:solidFill>
-              </a14:hiddenFill>
-            </a:ext>
-          </a:extLst>
-        </p:spPr>
-      </p:pic>
     </p:spTree>
     <p:extLst>
       <p:ext uri="{BB962C8B-B14F-4D97-AF65-F5344CB8AC3E}">
-        <p14:creationId xmlns:p14="http://schemas.microsoft.com/office/powerpoint/2010/main" val="3604812959"/>
+        <p14:creationId xmlns:p14="http://schemas.microsoft.com/office/powerpoint/2010/main" val="1397035240"/>
       </p:ext>
     </p:extLst>
   </p:cSld>
@@ -9046,7 +9440,7 @@
                 <a:latin typeface="Arial" panose="020B0604020202020204" pitchFamily="34" charset="0"/>
                 <a:cs typeface="Arial" panose="020B0604020202020204" pitchFamily="34" charset="0"/>
               </a:rPr>
-              <a:t>U</a:t>
+              <a:t>Ú</a:t>
             </a:r>
             <a:endParaRPr lang="en-US" sz="9600" spc="-300" dirty="0">
               <a:solidFill>
@@ -9104,7 +9498,7 @@
                 <a:latin typeface="Arial" panose="020B0604020202020204" pitchFamily="34" charset="0"/>
                 <a:cs typeface="Arial" panose="020B0604020202020204" pitchFamily="34" charset="0"/>
               </a:rPr>
-              <a:t>ONG</a:t>
+              <a:t>ÓNG</a:t>
             </a:r>
             <a:r>
               <a:rPr lang="zh-CN" altLang="en-US" sz="9600" spc="300" dirty="0">
@@ -9337,7 +9731,7 @@
     </p:spTree>
     <p:extLst>
       <p:ext uri="{BB962C8B-B14F-4D97-AF65-F5344CB8AC3E}">
-        <p14:creationId xmlns:p14="http://schemas.microsoft.com/office/powerpoint/2010/main" val="3754308179"/>
+        <p14:creationId xmlns:p14="http://schemas.microsoft.com/office/powerpoint/2010/main" val="3604812959"/>
       </p:ext>
     </p:extLst>
   </p:cSld>
@@ -9475,7 +9869,7 @@
                 <a:latin typeface="Arial" panose="020B0604020202020204" pitchFamily="34" charset="0"/>
                 <a:cs typeface="Arial" panose="020B0604020202020204" pitchFamily="34" charset="0"/>
               </a:rPr>
-              <a:t>Ü</a:t>
+              <a:t>U</a:t>
             </a:r>
             <a:endParaRPr lang="en-US" sz="9600" spc="-300" dirty="0">
               <a:solidFill>
@@ -9766,7 +10160,7 @@
     </p:spTree>
     <p:extLst>
       <p:ext uri="{BB962C8B-B14F-4D97-AF65-F5344CB8AC3E}">
-        <p14:creationId xmlns:p14="http://schemas.microsoft.com/office/powerpoint/2010/main" val="3801521842"/>
+        <p14:creationId xmlns:p14="http://schemas.microsoft.com/office/powerpoint/2010/main" val="3754308179"/>
       </p:ext>
     </p:extLst>
   </p:cSld>
@@ -9904,7 +10298,7 @@
                 <a:latin typeface="Arial" panose="020B0604020202020204" pitchFamily="34" charset="0"/>
                 <a:cs typeface="Arial" panose="020B0604020202020204" pitchFamily="34" charset="0"/>
               </a:rPr>
-              <a:t>Ú</a:t>
+              <a:t>Ü</a:t>
             </a:r>
             <a:endParaRPr lang="en-US" sz="9600" spc="-300" dirty="0">
               <a:solidFill>
@@ -9962,7 +10356,7 @@
                 <a:latin typeface="Arial" panose="020B0604020202020204" pitchFamily="34" charset="0"/>
                 <a:cs typeface="Arial" panose="020B0604020202020204" pitchFamily="34" charset="0"/>
               </a:rPr>
-              <a:t>ÓNG</a:t>
+              <a:t>ONG</a:t>
             </a:r>
             <a:r>
               <a:rPr lang="zh-CN" altLang="en-US" sz="9600" spc="300" dirty="0">
@@ -10195,7 +10589,7 @@
     </p:spTree>
     <p:extLst>
       <p:ext uri="{BB962C8B-B14F-4D97-AF65-F5344CB8AC3E}">
-        <p14:creationId xmlns:p14="http://schemas.microsoft.com/office/powerpoint/2010/main" val="2153822212"/>
+        <p14:creationId xmlns:p14="http://schemas.microsoft.com/office/powerpoint/2010/main" val="3801521842"/>
       </p:ext>
     </p:extLst>
   </p:cSld>
@@ -10391,7 +10785,7 @@
                 <a:latin typeface="Arial" panose="020B0604020202020204" pitchFamily="34" charset="0"/>
                 <a:cs typeface="Arial" panose="020B0604020202020204" pitchFamily="34" charset="0"/>
               </a:rPr>
-              <a:t>ONG</a:t>
+              <a:t>ÓNG</a:t>
             </a:r>
             <a:r>
               <a:rPr lang="zh-CN" altLang="en-US" sz="9600" spc="300" dirty="0">
@@ -10624,7 +11018,7 @@
     </p:spTree>
     <p:extLst>
       <p:ext uri="{BB962C8B-B14F-4D97-AF65-F5344CB8AC3E}">
-        <p14:creationId xmlns:p14="http://schemas.microsoft.com/office/powerpoint/2010/main" val="84928426"/>
+        <p14:creationId xmlns:p14="http://schemas.microsoft.com/office/powerpoint/2010/main" val="2153822212"/>
       </p:ext>
     </p:extLst>
   </p:cSld>

--- a/images/logo-multi-lang.pptx
+++ b/images/logo-multi-lang.pptx
@@ -5,27 +5,32 @@
     <p:sldMasterId id="2147483648" r:id="rId1"/>
   </p:sldMasterIdLst>
   <p:notesMasterIdLst>
-    <p:notesMasterId r:id="rId20"/>
+    <p:notesMasterId r:id="rId25"/>
   </p:notesMasterIdLst>
   <p:sldIdLst>
     <p:sldId id="256" r:id="rId2"/>
     <p:sldId id="273" r:id="rId3"/>
-    <p:sldId id="258" r:id="rId4"/>
-    <p:sldId id="259" r:id="rId5"/>
-    <p:sldId id="275" r:id="rId6"/>
-    <p:sldId id="274" r:id="rId7"/>
-    <p:sldId id="261" r:id="rId8"/>
-    <p:sldId id="268" r:id="rId9"/>
-    <p:sldId id="269" r:id="rId10"/>
-    <p:sldId id="270" r:id="rId11"/>
-    <p:sldId id="265" r:id="rId12"/>
-    <p:sldId id="272" r:id="rId13"/>
-    <p:sldId id="262" r:id="rId14"/>
-    <p:sldId id="263" r:id="rId15"/>
-    <p:sldId id="264" r:id="rId16"/>
-    <p:sldId id="266" r:id="rId17"/>
-    <p:sldId id="267" r:id="rId18"/>
-    <p:sldId id="260" r:id="rId19"/>
+    <p:sldId id="278" r:id="rId4"/>
+    <p:sldId id="258" r:id="rId5"/>
+    <p:sldId id="277" r:id="rId6"/>
+    <p:sldId id="259" r:id="rId7"/>
+    <p:sldId id="275" r:id="rId8"/>
+    <p:sldId id="274" r:id="rId9"/>
+    <p:sldId id="276" r:id="rId10"/>
+    <p:sldId id="261" r:id="rId11"/>
+    <p:sldId id="279" r:id="rId12"/>
+    <p:sldId id="280" r:id="rId13"/>
+    <p:sldId id="268" r:id="rId14"/>
+    <p:sldId id="269" r:id="rId15"/>
+    <p:sldId id="270" r:id="rId16"/>
+    <p:sldId id="265" r:id="rId17"/>
+    <p:sldId id="272" r:id="rId18"/>
+    <p:sldId id="262" r:id="rId19"/>
+    <p:sldId id="263" r:id="rId20"/>
+    <p:sldId id="264" r:id="rId21"/>
+    <p:sldId id="266" r:id="rId22"/>
+    <p:sldId id="267" r:id="rId23"/>
+    <p:sldId id="260" r:id="rId24"/>
   </p:sldIdLst>
   <p:sldSz cx="12192000" cy="6858000"/>
   <p:notesSz cx="6858000" cy="9144000"/>
@@ -131,11 +136,16 @@
           <p14:sldIdLst>
             <p14:sldId id="256"/>
             <p14:sldId id="273"/>
+            <p14:sldId id="278"/>
             <p14:sldId id="258"/>
+            <p14:sldId id="277"/>
             <p14:sldId id="259"/>
             <p14:sldId id="275"/>
             <p14:sldId id="274"/>
+            <p14:sldId id="276"/>
             <p14:sldId id="261"/>
+            <p14:sldId id="279"/>
+            <p14:sldId id="280"/>
             <p14:sldId id="268"/>
             <p14:sldId id="269"/>
             <p14:sldId id="270"/>
@@ -244,7 +254,7 @@
           <a:p>
             <a:fld id="{D2361194-542F-9F48-B3DB-F9C9D1635120}" type="datetimeFigureOut">
               <a:rPr lang="en-US" smtClean="0"/>
-              <a:t>2/10/25</a:t>
+              <a:t>3/20/25</a:t>
             </a:fld>
             <a:endParaRPr lang="en-US"/>
           </a:p>
@@ -689,7 +699,7 @@
           <a:p>
             <a:fld id="{926BFB2E-ED9B-FE4A-A569-A62DBFBACDD7}" type="slidenum">
               <a:rPr lang="en-US" smtClean="0"/>
-              <a:t>12</a:t>
+              <a:t>17</a:t>
             </a:fld>
             <a:endParaRPr lang="en-US"/>
           </a:p>
@@ -773,7 +783,7 @@
           <a:p>
             <a:fld id="{926BFB2E-ED9B-FE4A-A569-A62DBFBACDD7}" type="slidenum">
               <a:rPr lang="en-US" smtClean="0"/>
-              <a:t>13</a:t>
+              <a:t>18</a:t>
             </a:fld>
             <a:endParaRPr lang="en-US"/>
           </a:p>
@@ -857,7 +867,7 @@
           <a:p>
             <a:fld id="{926BFB2E-ED9B-FE4A-A569-A62DBFBACDD7}" type="slidenum">
               <a:rPr lang="en-US" smtClean="0"/>
-              <a:t>14</a:t>
+              <a:t>19</a:t>
             </a:fld>
             <a:endParaRPr lang="en-US"/>
           </a:p>
@@ -941,7 +951,7 @@
           <a:p>
             <a:fld id="{926BFB2E-ED9B-FE4A-A569-A62DBFBACDD7}" type="slidenum">
               <a:rPr lang="en-US" smtClean="0"/>
-              <a:t>15</a:t>
+              <a:t>20</a:t>
             </a:fld>
             <a:endParaRPr lang="en-US"/>
           </a:p>
@@ -1025,7 +1035,7 @@
           <a:p>
             <a:fld id="{926BFB2E-ED9B-FE4A-A569-A62DBFBACDD7}" type="slidenum">
               <a:rPr lang="en-US" smtClean="0"/>
-              <a:t>16</a:t>
+              <a:t>21</a:t>
             </a:fld>
             <a:endParaRPr lang="en-US"/>
           </a:p>
@@ -1109,7 +1119,7 @@
           <a:p>
             <a:fld id="{926BFB2E-ED9B-FE4A-A569-A62DBFBACDD7}" type="slidenum">
               <a:rPr lang="en-US" smtClean="0"/>
-              <a:t>4</a:t>
+              <a:t>6</a:t>
             </a:fld>
             <a:endParaRPr lang="en-US"/>
           </a:p>
@@ -1193,7 +1203,7 @@
           <a:p>
             <a:fld id="{926BFB2E-ED9B-FE4A-A569-A62DBFBACDD7}" type="slidenum">
               <a:rPr lang="en-US" smtClean="0"/>
-              <a:t>5</a:t>
+              <a:t>7</a:t>
             </a:fld>
             <a:endParaRPr lang="en-US"/>
           </a:p>
@@ -1277,7 +1287,7 @@
           <a:p>
             <a:fld id="{926BFB2E-ED9B-FE4A-A569-A62DBFBACDD7}" type="slidenum">
               <a:rPr lang="en-US" smtClean="0"/>
-              <a:t>6</a:t>
+              <a:t>8</a:t>
             </a:fld>
             <a:endParaRPr lang="en-US"/>
           </a:p>
@@ -1361,7 +1371,7 @@
           <a:p>
             <a:fld id="{926BFB2E-ED9B-FE4A-A569-A62DBFBACDD7}" type="slidenum">
               <a:rPr lang="en-US" smtClean="0"/>
-              <a:t>7</a:t>
+              <a:t>10</a:t>
             </a:fld>
             <a:endParaRPr lang="en-US"/>
           </a:p>
@@ -1445,7 +1455,7 @@
           <a:p>
             <a:fld id="{926BFB2E-ED9B-FE4A-A569-A62DBFBACDD7}" type="slidenum">
               <a:rPr lang="en-US" smtClean="0"/>
-              <a:t>8</a:t>
+              <a:t>13</a:t>
             </a:fld>
             <a:endParaRPr lang="en-US"/>
           </a:p>
@@ -1529,7 +1539,7 @@
           <a:p>
             <a:fld id="{926BFB2E-ED9B-FE4A-A569-A62DBFBACDD7}" type="slidenum">
               <a:rPr lang="en-US" smtClean="0"/>
-              <a:t>9</a:t>
+              <a:t>14</a:t>
             </a:fld>
             <a:endParaRPr lang="en-US"/>
           </a:p>
@@ -1613,7 +1623,7 @@
           <a:p>
             <a:fld id="{926BFB2E-ED9B-FE4A-A569-A62DBFBACDD7}" type="slidenum">
               <a:rPr lang="en-US" smtClean="0"/>
-              <a:t>10</a:t>
+              <a:t>15</a:t>
             </a:fld>
             <a:endParaRPr lang="en-US"/>
           </a:p>
@@ -1726,7 +1736,7 @@
           <a:p>
             <a:fld id="{926BFB2E-ED9B-FE4A-A569-A62DBFBACDD7}" type="slidenum">
               <a:rPr lang="en-US" smtClean="0"/>
-              <a:t>11</a:t>
+              <a:t>16</a:t>
             </a:fld>
             <a:endParaRPr lang="en-US"/>
           </a:p>
@@ -1892,7 +1902,7 @@
           <a:p>
             <a:fld id="{1E962392-3956-EF45-968A-E92073150B82}" type="datetimeFigureOut">
               <a:rPr lang="en-US" smtClean="0"/>
-              <a:t>2/10/25</a:t>
+              <a:t>3/20/25</a:t>
             </a:fld>
             <a:endParaRPr lang="en-US"/>
           </a:p>
@@ -2090,7 +2100,7 @@
           <a:p>
             <a:fld id="{1E962392-3956-EF45-968A-E92073150B82}" type="datetimeFigureOut">
               <a:rPr lang="en-US" smtClean="0"/>
-              <a:t>2/10/25</a:t>
+              <a:t>3/20/25</a:t>
             </a:fld>
             <a:endParaRPr lang="en-US"/>
           </a:p>
@@ -2298,7 +2308,7 @@
           <a:p>
             <a:fld id="{1E962392-3956-EF45-968A-E92073150B82}" type="datetimeFigureOut">
               <a:rPr lang="en-US" smtClean="0"/>
-              <a:t>2/10/25</a:t>
+              <a:t>3/20/25</a:t>
             </a:fld>
             <a:endParaRPr lang="en-US"/>
           </a:p>
@@ -2496,7 +2506,7 @@
           <a:p>
             <a:fld id="{1E962392-3956-EF45-968A-E92073150B82}" type="datetimeFigureOut">
               <a:rPr lang="en-US" smtClean="0"/>
-              <a:t>2/10/25</a:t>
+              <a:t>3/20/25</a:t>
             </a:fld>
             <a:endParaRPr lang="en-US"/>
           </a:p>
@@ -2771,7 +2781,7 @@
           <a:p>
             <a:fld id="{1E962392-3956-EF45-968A-E92073150B82}" type="datetimeFigureOut">
               <a:rPr lang="en-US" smtClean="0"/>
-              <a:t>2/10/25</a:t>
+              <a:t>3/20/25</a:t>
             </a:fld>
             <a:endParaRPr lang="en-US"/>
           </a:p>
@@ -3036,7 +3046,7 @@
           <a:p>
             <a:fld id="{1E962392-3956-EF45-968A-E92073150B82}" type="datetimeFigureOut">
               <a:rPr lang="en-US" smtClean="0"/>
-              <a:t>2/10/25</a:t>
+              <a:t>3/20/25</a:t>
             </a:fld>
             <a:endParaRPr lang="en-US"/>
           </a:p>
@@ -3448,7 +3458,7 @@
           <a:p>
             <a:fld id="{1E962392-3956-EF45-968A-E92073150B82}" type="datetimeFigureOut">
               <a:rPr lang="en-US" smtClean="0"/>
-              <a:t>2/10/25</a:t>
+              <a:t>3/20/25</a:t>
             </a:fld>
             <a:endParaRPr lang="en-US"/>
           </a:p>
@@ -3589,7 +3599,7 @@
           <a:p>
             <a:fld id="{1E962392-3956-EF45-968A-E92073150B82}" type="datetimeFigureOut">
               <a:rPr lang="en-US" smtClean="0"/>
-              <a:t>2/10/25</a:t>
+              <a:t>3/20/25</a:t>
             </a:fld>
             <a:endParaRPr lang="en-US"/>
           </a:p>
@@ -3702,7 +3712,7 @@
           <a:p>
             <a:fld id="{1E962392-3956-EF45-968A-E92073150B82}" type="datetimeFigureOut">
               <a:rPr lang="en-US" smtClean="0"/>
-              <a:t>2/10/25</a:t>
+              <a:t>3/20/25</a:t>
             </a:fld>
             <a:endParaRPr lang="en-US"/>
           </a:p>
@@ -4013,7 +4023,7 @@
           <a:p>
             <a:fld id="{1E962392-3956-EF45-968A-E92073150B82}" type="datetimeFigureOut">
               <a:rPr lang="en-US" smtClean="0"/>
-              <a:t>2/10/25</a:t>
+              <a:t>3/20/25</a:t>
             </a:fld>
             <a:endParaRPr lang="en-US"/>
           </a:p>
@@ -4301,7 +4311,7 @@
           <a:p>
             <a:fld id="{1E962392-3956-EF45-968A-E92073150B82}" type="datetimeFigureOut">
               <a:rPr lang="en-US" smtClean="0"/>
-              <a:t>2/10/25</a:t>
+              <a:t>3/20/25</a:t>
             </a:fld>
             <a:endParaRPr lang="en-US"/>
           </a:p>
@@ -4542,7 +4552,7 @@
           <a:p>
             <a:fld id="{1E962392-3956-EF45-968A-E92073150B82}" type="datetimeFigureOut">
               <a:rPr lang="en-US" smtClean="0"/>
-              <a:t>2/10/25</a:t>
+              <a:t>3/20/25</a:t>
             </a:fld>
             <a:endParaRPr lang="en-US"/>
           </a:p>
@@ -5383,7 +5393,7 @@
                 <a:latin typeface="Arial" panose="020B0604020202020204" pitchFamily="34" charset="0"/>
                 <a:cs typeface="Arial" panose="020B0604020202020204" pitchFamily="34" charset="0"/>
               </a:rPr>
-              <a:t>Ú</a:t>
+              <a:t>U</a:t>
             </a:r>
             <a:endParaRPr lang="en-US" sz="9600" spc="-300" dirty="0">
               <a:solidFill>
@@ -5674,7 +5684,7 @@
     </p:spTree>
     <p:extLst>
       <p:ext uri="{BB962C8B-B14F-4D97-AF65-F5344CB8AC3E}">
-        <p14:creationId xmlns:p14="http://schemas.microsoft.com/office/powerpoint/2010/main" val="84928426"/>
+        <p14:creationId xmlns:p14="http://schemas.microsoft.com/office/powerpoint/2010/main" val="3754308179"/>
       </p:ext>
     </p:extLst>
   </p:cSld>
@@ -5703,10 +5713,10 @@
       </p:grpSpPr>
       <p:sp>
         <p:nvSpPr>
-          <p:cNvPr id="6" name="TextBox 5">
-            <a:extLst>
-              <a:ext uri="{FF2B5EF4-FFF2-40B4-BE49-F238E27FC236}">
-                <a16:creationId xmlns:a16="http://schemas.microsoft.com/office/drawing/2014/main" id="{4DFBD53B-29E4-A9DB-B886-CF96C0991B6D}"/>
+          <p:cNvPr id="5" name="TextBox 4">
+            <a:extLst>
+              <a:ext uri="{FF2B5EF4-FFF2-40B4-BE49-F238E27FC236}">
+                <a16:creationId xmlns:a16="http://schemas.microsoft.com/office/drawing/2014/main" id="{DEB225F0-2AF5-BE19-A089-6DFD4F73FC7A}"/>
               </a:ext>
             </a:extLst>
           </p:cNvPr>
@@ -5715,8 +5725,8 @@
         </p:nvSpPr>
         <p:spPr>
           <a:xfrm>
-            <a:off x="6116328" y="1503332"/>
-            <a:ext cx="3916066" cy="1862048"/>
+            <a:off x="761552" y="1515637"/>
+            <a:ext cx="10268398" cy="3770263"/>
           </a:xfrm>
           <a:prstGeom prst="rect">
             <a:avLst/>
@@ -5730,36 +5740,26 @@
           <a:lstStyle/>
           <a:p>
             <a:r>
-              <a:rPr lang="az-Cyrl-AZ" sz="11500" spc="1300" dirty="0">
+              <a:rPr lang="en-US" sz="23900" spc="-300" dirty="0" err="1">
                 <a:solidFill>
                   <a:srgbClr val="EE7D30"/>
                 </a:solidFill>
                 <a:latin typeface="Arial" panose="020B0604020202020204" pitchFamily="34" charset="0"/>
                 <a:cs typeface="Arial" panose="020B0604020202020204" pitchFamily="34" charset="0"/>
               </a:rPr>
-              <a:t>С</a:t>
-            </a:r>
-            <a:r>
-              <a:rPr lang="az-Cyrl-AZ" sz="8800" spc="1300" dirty="0">
+              <a:t>Dr.X</a:t>
+            </a:r>
+            <a:r>
+              <a:rPr lang="en-US" sz="16600" spc="-300" dirty="0" err="1">
                 <a:solidFill>
                   <a:srgbClr val="EE7D30"/>
                 </a:solidFill>
                 <a:latin typeface="Arial" panose="020B0604020202020204" pitchFamily="34" charset="0"/>
                 <a:cs typeface="Arial" panose="020B0604020202020204" pitchFamily="34" charset="0"/>
               </a:rPr>
-              <a:t>ЮЙ</a:t>
-            </a:r>
-            <a:r>
-              <a:rPr lang="zh-CN" altLang="en-US" sz="9600" spc="1300" dirty="0">
-                <a:solidFill>
-                  <a:srgbClr val="EE7D30"/>
-                </a:solidFill>
-                <a:latin typeface="Arial" panose="020B0604020202020204" pitchFamily="34" charset="0"/>
-                <a:cs typeface="Arial" panose="020B0604020202020204" pitchFamily="34" charset="0"/>
-              </a:rPr>
-              <a:t> </a:t>
-            </a:r>
-            <a:endParaRPr lang="en-US" altLang="zh-CN" sz="9600" spc="1300" dirty="0">
+              <a:t>U</a:t>
+            </a:r>
+            <a:endParaRPr lang="en-US" sz="19900" spc="-300" dirty="0">
               <a:solidFill>
                 <a:srgbClr val="EE7D30"/>
               </a:solidFill>
@@ -5771,10 +5771,10 @@
       </p:sp>
       <p:sp>
         <p:nvSpPr>
-          <p:cNvPr id="3" name="TextBox 2">
-            <a:extLst>
-              <a:ext uri="{FF2B5EF4-FFF2-40B4-BE49-F238E27FC236}">
-                <a16:creationId xmlns:a16="http://schemas.microsoft.com/office/drawing/2014/main" id="{2C070E27-2E91-F385-8BE6-8C4138778241}"/>
+          <p:cNvPr id="6" name="TextBox 5">
+            <a:extLst>
+              <a:ext uri="{FF2B5EF4-FFF2-40B4-BE49-F238E27FC236}">
+                <a16:creationId xmlns:a16="http://schemas.microsoft.com/office/drawing/2014/main" id="{8BD305F6-2AB0-9A69-26E1-8DFAA823BF9A}"/>
               </a:ext>
             </a:extLst>
           </p:cNvPr>
@@ -5783,8 +5783,8 @@
         </p:nvSpPr>
         <p:spPr>
           <a:xfrm>
-            <a:off x="6218247" y="3008473"/>
-            <a:ext cx="3814147" cy="1862048"/>
+            <a:off x="8353420" y="1477536"/>
+            <a:ext cx="8848730" cy="3770263"/>
           </a:xfrm>
           <a:prstGeom prst="rect">
             <a:avLst/>
@@ -5792,45 +5792,57 @@
           <a:noFill/>
         </p:spPr>
         <p:txBody>
-          <a:bodyPr wrap="square">
+          <a:bodyPr wrap="square" rtlCol="0">
             <a:spAutoFit/>
           </a:bodyPr>
           <a:lstStyle/>
           <a:p>
             <a:r>
-              <a:rPr lang="az-Cyrl-AZ" sz="11500" spc="-300" dirty="0">
+              <a:rPr lang="en-US" sz="23900" spc="-300" dirty="0">
                 <a:solidFill>
                   <a:srgbClr val="193C7D"/>
                 </a:solidFill>
                 <a:latin typeface="Arial" panose="020B0604020202020204" pitchFamily="34" charset="0"/>
                 <a:cs typeface="Arial" panose="020B0604020202020204" pitchFamily="34" charset="0"/>
               </a:rPr>
-              <a:t>Х</a:t>
-            </a:r>
-            <a:r>
-              <a:rPr lang="az-Cyrl-AZ" sz="8800" spc="-300" dirty="0">
+              <a:t>H</a:t>
+            </a:r>
+            <a:r>
+              <a:rPr lang="en-US" sz="16600" spc="-300" dirty="0">
                 <a:solidFill>
                   <a:srgbClr val="193C7D"/>
                 </a:solidFill>
                 <a:latin typeface="Arial" panose="020B0604020202020204" pitchFamily="34" charset="0"/>
                 <a:cs typeface="Arial" panose="020B0604020202020204" pitchFamily="34" charset="0"/>
               </a:rPr>
-              <a:t>ОНГ </a:t>
-            </a:r>
-            <a:endParaRPr lang="en-US" sz="8800" spc="-300" dirty="0">
+              <a:t>ONG</a:t>
+            </a:r>
+            <a:r>
+              <a:rPr lang="zh-CN" altLang="en-US" sz="19900" spc="-300" dirty="0">
+                <a:solidFill>
+                  <a:srgbClr val="193C7D"/>
+                </a:solidFill>
+                <a:latin typeface="Arial" panose="020B0604020202020204" pitchFamily="34" charset="0"/>
+                <a:cs typeface="Arial" panose="020B0604020202020204" pitchFamily="34" charset="0"/>
+              </a:rPr>
+              <a:t> </a:t>
+            </a:r>
+            <a:endParaRPr lang="en-US" altLang="zh-CN" sz="19900" spc="-300" dirty="0">
               <a:solidFill>
                 <a:srgbClr val="193C7D"/>
               </a:solidFill>
+              <a:latin typeface="Arial" panose="020B0604020202020204" pitchFamily="34" charset="0"/>
+              <a:cs typeface="Arial" panose="020B0604020202020204" pitchFamily="34" charset="0"/>
             </a:endParaRPr>
           </a:p>
         </p:txBody>
       </p:sp>
       <p:pic>
         <p:nvPicPr>
-          <p:cNvPr id="12" name="Picture 2" descr="Image">
-            <a:extLst>
-              <a:ext uri="{FF2B5EF4-FFF2-40B4-BE49-F238E27FC236}">
-                <a16:creationId xmlns:a16="http://schemas.microsoft.com/office/drawing/2014/main" id="{F9599693-38F7-3097-432A-776886EBB2B8}"/>
+          <p:cNvPr id="8" name="Picture 2" descr="Image">
+            <a:extLst>
+              <a:ext uri="{FF2B5EF4-FFF2-40B4-BE49-F238E27FC236}">
+                <a16:creationId xmlns:a16="http://schemas.microsoft.com/office/drawing/2014/main" id="{9FC0D0DB-DAF1-8B77-6DD7-4DFE0172322F}"/>
               </a:ext>
             </a:extLst>
           </p:cNvPr>
@@ -5840,20 +5852,20 @@
           <p:nvPr/>
         </p:nvPicPr>
         <p:blipFill rotWithShape="1">
-          <a:blip r:embed="rId3">
+          <a:blip r:embed="rId2">
             <a:extLst>
               <a:ext uri="{28A0092B-C50C-407E-A947-70E740481C1C}">
                 <a14:useLocalDpi xmlns:a14="http://schemas.microsoft.com/office/drawing/2010/main" val="0"/>
               </a:ext>
             </a:extLst>
           </a:blip>
-          <a:srcRect r="63015"/>
+          <a:srcRect r="63015" b="6044"/>
           <a:stretch/>
         </p:blipFill>
         <p:spPr bwMode="auto">
           <a:xfrm>
-            <a:off x="345686" y="1115587"/>
-            <a:ext cx="3806766" cy="4469498"/>
+            <a:off x="-3026164" y="1704500"/>
+            <a:ext cx="3246576" cy="3581400"/>
           </a:xfrm>
           <a:prstGeom prst="rect">
             <a:avLst/>
@@ -5872,53 +5884,66 @@
       </p:pic>
       <p:pic>
         <p:nvPicPr>
-          <p:cNvPr id="15" name="Picture 2" descr="Image">
-            <a:extLst>
-              <a:ext uri="{FF2B5EF4-FFF2-40B4-BE49-F238E27FC236}">
-                <a16:creationId xmlns:a16="http://schemas.microsoft.com/office/drawing/2014/main" id="{8AF25FF2-3D53-F8B3-666A-101DC6E0FA78}"/>
+          <p:cNvPr id="15" name="Picture 14">
+            <a:extLst>
+              <a:ext uri="{FF2B5EF4-FFF2-40B4-BE49-F238E27FC236}">
+                <a16:creationId xmlns:a16="http://schemas.microsoft.com/office/drawing/2014/main" id="{240511B9-0FDC-1001-7A67-2CE9CEEA431F}"/>
               </a:ext>
             </a:extLst>
           </p:cNvPr>
           <p:cNvPicPr>
-            <a:picLocks noChangeAspect="1" noChangeArrowheads="1"/>
+            <a:picLocks noChangeAspect="1"/>
           </p:cNvPicPr>
           <p:nvPr/>
         </p:nvPicPr>
         <p:blipFill rotWithShape="1">
-          <a:blip r:embed="rId3">
-            <a:extLst>
-              <a:ext uri="{28A0092B-C50C-407E-A947-70E740481C1C}">
-                <a14:useLocalDpi xmlns:a14="http://schemas.microsoft.com/office/drawing/2010/main" val="0"/>
-              </a:ext>
-            </a:extLst>
-          </a:blip>
-          <a:srcRect r="47237"/>
+          <a:blip r:embed="rId3"/>
+          <a:srcRect t="16177" r="9456" b="26287"/>
           <a:stretch/>
         </p:blipFill>
-        <p:spPr bwMode="auto">
-          <a:xfrm>
-            <a:off x="345686" y="1115587"/>
-            <a:ext cx="5430646" cy="4469498"/>
-          </a:xfrm>
-          <a:prstGeom prst="rect">
-            <a:avLst/>
-          </a:prstGeom>
-          <a:noFill/>
-          <a:extLst>
-            <a:ext uri="{909E8E84-426E-40DD-AFC4-6F175D3DCCD1}">
-              <a14:hiddenFill xmlns:a14="http://schemas.microsoft.com/office/drawing/2010/main">
-                <a:solidFill>
-                  <a:srgbClr val="FFFFFF"/>
-                </a:solidFill>
-              </a14:hiddenFill>
-            </a:ext>
-          </a:extLst>
+        <p:spPr>
+          <a:xfrm>
+            <a:off x="1038784" y="5247799"/>
+            <a:ext cx="7037405" cy="1417655"/>
+          </a:xfrm>
+          <a:prstGeom prst="rect">
+            <a:avLst/>
+          </a:prstGeom>
+        </p:spPr>
+      </p:pic>
+      <p:pic>
+        <p:nvPicPr>
+          <p:cNvPr id="16" name="Picture 15">
+            <a:extLst>
+              <a:ext uri="{FF2B5EF4-FFF2-40B4-BE49-F238E27FC236}">
+                <a16:creationId xmlns:a16="http://schemas.microsoft.com/office/drawing/2014/main" id="{E79CDBDA-0BEF-D43C-BFB8-98E1BBEFD81D}"/>
+              </a:ext>
+            </a:extLst>
+          </p:cNvPr>
+          <p:cNvPicPr>
+            <a:picLocks noChangeAspect="1"/>
+          </p:cNvPicPr>
+          <p:nvPr/>
+        </p:nvPicPr>
+        <p:blipFill rotWithShape="1">
+          <a:blip r:embed="rId3"/>
+          <a:srcRect t="16177" r="45282" b="27660"/>
+          <a:stretch/>
+        </p:blipFill>
+        <p:spPr>
+          <a:xfrm>
+            <a:off x="8988128" y="5247798"/>
+            <a:ext cx="4252917" cy="1383821"/>
+          </a:xfrm>
+          <a:prstGeom prst="rect">
+            <a:avLst/>
+          </a:prstGeom>
         </p:spPr>
       </p:pic>
     </p:spTree>
     <p:extLst>
       <p:ext uri="{BB962C8B-B14F-4D97-AF65-F5344CB8AC3E}">
-        <p14:creationId xmlns:p14="http://schemas.microsoft.com/office/powerpoint/2010/main" val="1205243765"/>
+        <p14:creationId xmlns:p14="http://schemas.microsoft.com/office/powerpoint/2010/main" val="2292678597"/>
       </p:ext>
     </p:extLst>
   </p:cSld>
@@ -5945,12 +5970,138 @@
           <a:chExt cx="0" cy="0"/>
         </a:xfrm>
       </p:grpSpPr>
+      <p:sp>
+        <p:nvSpPr>
+          <p:cNvPr id="5" name="TextBox 4">
+            <a:extLst>
+              <a:ext uri="{FF2B5EF4-FFF2-40B4-BE49-F238E27FC236}">
+                <a16:creationId xmlns:a16="http://schemas.microsoft.com/office/drawing/2014/main" id="{DEB225F0-2AF5-BE19-A089-6DFD4F73FC7A}"/>
+              </a:ext>
+            </a:extLst>
+          </p:cNvPr>
+          <p:cNvSpPr txBox="1"/>
+          <p:nvPr/>
+        </p:nvSpPr>
+        <p:spPr>
+          <a:xfrm>
+            <a:off x="761552" y="1515637"/>
+            <a:ext cx="10268398" cy="3770263"/>
+          </a:xfrm>
+          <a:prstGeom prst="rect">
+            <a:avLst/>
+          </a:prstGeom>
+          <a:noFill/>
+        </p:spPr>
+        <p:txBody>
+          <a:bodyPr wrap="square" rtlCol="0">
+            <a:spAutoFit/>
+          </a:bodyPr>
+          <a:lstStyle/>
+          <a:p>
+            <a:r>
+              <a:rPr lang="en-US" sz="23900" spc="-300" dirty="0" err="1">
+                <a:solidFill>
+                  <a:srgbClr val="EE7D30"/>
+                </a:solidFill>
+                <a:latin typeface="Arial" panose="020B0604020202020204" pitchFamily="34" charset="0"/>
+                <a:cs typeface="Arial" panose="020B0604020202020204" pitchFamily="34" charset="0"/>
+              </a:rPr>
+              <a:t>Dr.X</a:t>
+            </a:r>
+            <a:r>
+              <a:rPr lang="en-US" sz="16600" spc="-300" dirty="0" err="1">
+                <a:solidFill>
+                  <a:srgbClr val="EE7D30"/>
+                </a:solidFill>
+                <a:latin typeface="Arial" panose="020B0604020202020204" pitchFamily="34" charset="0"/>
+                <a:cs typeface="Arial" panose="020B0604020202020204" pitchFamily="34" charset="0"/>
+              </a:rPr>
+              <a:t>Ü</a:t>
+            </a:r>
+            <a:endParaRPr lang="en-US" sz="19900" spc="-300" dirty="0">
+              <a:solidFill>
+                <a:srgbClr val="EE7D30"/>
+              </a:solidFill>
+              <a:latin typeface="Arial" panose="020B0604020202020204" pitchFamily="34" charset="0"/>
+              <a:cs typeface="Arial" panose="020B0604020202020204" pitchFamily="34" charset="0"/>
+            </a:endParaRPr>
+          </a:p>
+        </p:txBody>
+      </p:sp>
+      <p:sp>
+        <p:nvSpPr>
+          <p:cNvPr id="6" name="TextBox 5">
+            <a:extLst>
+              <a:ext uri="{FF2B5EF4-FFF2-40B4-BE49-F238E27FC236}">
+                <a16:creationId xmlns:a16="http://schemas.microsoft.com/office/drawing/2014/main" id="{8BD305F6-2AB0-9A69-26E1-8DFAA823BF9A}"/>
+              </a:ext>
+            </a:extLst>
+          </p:cNvPr>
+          <p:cNvSpPr txBox="1"/>
+          <p:nvPr/>
+        </p:nvSpPr>
+        <p:spPr>
+          <a:xfrm>
+            <a:off x="8353420" y="1477536"/>
+            <a:ext cx="8848730" cy="3770263"/>
+          </a:xfrm>
+          <a:prstGeom prst="rect">
+            <a:avLst/>
+          </a:prstGeom>
+          <a:noFill/>
+        </p:spPr>
+        <p:txBody>
+          <a:bodyPr wrap="square" rtlCol="0">
+            <a:spAutoFit/>
+          </a:bodyPr>
+          <a:lstStyle/>
+          <a:p>
+            <a:r>
+              <a:rPr lang="en-US" sz="23900" spc="-300" dirty="0">
+                <a:solidFill>
+                  <a:srgbClr val="193C7D"/>
+                </a:solidFill>
+                <a:latin typeface="Arial" panose="020B0604020202020204" pitchFamily="34" charset="0"/>
+                <a:cs typeface="Arial" panose="020B0604020202020204" pitchFamily="34" charset="0"/>
+              </a:rPr>
+              <a:t>H</a:t>
+            </a:r>
+            <a:r>
+              <a:rPr lang="en-US" sz="16600" spc="-300" dirty="0">
+                <a:solidFill>
+                  <a:srgbClr val="193C7D"/>
+                </a:solidFill>
+                <a:latin typeface="Arial" panose="020B0604020202020204" pitchFamily="34" charset="0"/>
+                <a:cs typeface="Arial" panose="020B0604020202020204" pitchFamily="34" charset="0"/>
+              </a:rPr>
+              <a:t>ONG</a:t>
+            </a:r>
+            <a:r>
+              <a:rPr lang="zh-CN" altLang="en-US" sz="19900" spc="-300" dirty="0">
+                <a:solidFill>
+                  <a:srgbClr val="193C7D"/>
+                </a:solidFill>
+                <a:latin typeface="Arial" panose="020B0604020202020204" pitchFamily="34" charset="0"/>
+                <a:cs typeface="Arial" panose="020B0604020202020204" pitchFamily="34" charset="0"/>
+              </a:rPr>
+              <a:t> </a:t>
+            </a:r>
+            <a:endParaRPr lang="en-US" altLang="zh-CN" sz="19900" spc="-300" dirty="0">
+              <a:solidFill>
+                <a:srgbClr val="193C7D"/>
+              </a:solidFill>
+              <a:latin typeface="Arial" panose="020B0604020202020204" pitchFamily="34" charset="0"/>
+              <a:cs typeface="Arial" panose="020B0604020202020204" pitchFamily="34" charset="0"/>
+            </a:endParaRPr>
+          </a:p>
+        </p:txBody>
+      </p:sp>
       <p:pic>
         <p:nvPicPr>
-          <p:cNvPr id="12" name="Picture 2" descr="Image">
-            <a:extLst>
-              <a:ext uri="{FF2B5EF4-FFF2-40B4-BE49-F238E27FC236}">
-                <a16:creationId xmlns:a16="http://schemas.microsoft.com/office/drawing/2014/main" id="{F9599693-38F7-3097-432A-776886EBB2B8}"/>
+          <p:cNvPr id="8" name="Picture 2" descr="Image">
+            <a:extLst>
+              <a:ext uri="{FF2B5EF4-FFF2-40B4-BE49-F238E27FC236}">
+                <a16:creationId xmlns:a16="http://schemas.microsoft.com/office/drawing/2014/main" id="{9FC0D0DB-DAF1-8B77-6DD7-4DFE0172322F}"/>
               </a:ext>
             </a:extLst>
           </p:cNvPr>
@@ -5960,20 +6111,20 @@
           <p:nvPr/>
         </p:nvPicPr>
         <p:blipFill rotWithShape="1">
-          <a:blip r:embed="rId3">
+          <a:blip r:embed="rId2">
             <a:extLst>
               <a:ext uri="{28A0092B-C50C-407E-A947-70E740481C1C}">
                 <a14:useLocalDpi xmlns:a14="http://schemas.microsoft.com/office/drawing/2010/main" val="0"/>
               </a:ext>
             </a:extLst>
           </a:blip>
-          <a:srcRect r="63015"/>
+          <a:srcRect r="63015" b="6044"/>
           <a:stretch/>
         </p:blipFill>
         <p:spPr bwMode="auto">
           <a:xfrm>
-            <a:off x="345686" y="1115587"/>
-            <a:ext cx="3806766" cy="4469498"/>
+            <a:off x="-3026164" y="1704500"/>
+            <a:ext cx="3246576" cy="3581400"/>
           </a:xfrm>
           <a:prstGeom prst="rect">
             <a:avLst/>
@@ -5992,143 +6143,10 @@
       </p:pic>
       <p:pic>
         <p:nvPicPr>
-          <p:cNvPr id="15" name="Picture 2" descr="Image">
-            <a:extLst>
-              <a:ext uri="{FF2B5EF4-FFF2-40B4-BE49-F238E27FC236}">
-                <a16:creationId xmlns:a16="http://schemas.microsoft.com/office/drawing/2014/main" id="{8AF25FF2-3D53-F8B3-666A-101DC6E0FA78}"/>
-              </a:ext>
-            </a:extLst>
-          </p:cNvPr>
-          <p:cNvPicPr>
-            <a:picLocks noChangeAspect="1" noChangeArrowheads="1"/>
-          </p:cNvPicPr>
-          <p:nvPr/>
-        </p:nvPicPr>
-        <p:blipFill rotWithShape="1">
-          <a:blip r:embed="rId3">
-            <a:extLst>
-              <a:ext uri="{28A0092B-C50C-407E-A947-70E740481C1C}">
-                <a14:useLocalDpi xmlns:a14="http://schemas.microsoft.com/office/drawing/2010/main" val="0"/>
-              </a:ext>
-            </a:extLst>
-          </a:blip>
-          <a:srcRect r="47237"/>
-          <a:stretch/>
-        </p:blipFill>
-        <p:spPr bwMode="auto">
-          <a:xfrm>
-            <a:off x="345686" y="1115587"/>
-            <a:ext cx="5430646" cy="4469498"/>
-          </a:xfrm>
-          <a:prstGeom prst="rect">
-            <a:avLst/>
-          </a:prstGeom>
-          <a:noFill/>
-          <a:extLst>
-            <a:ext uri="{909E8E84-426E-40DD-AFC4-6F175D3DCCD1}">
-              <a14:hiddenFill xmlns:a14="http://schemas.microsoft.com/office/drawing/2010/main">
-                <a:solidFill>
-                  <a:srgbClr val="FFFFFF"/>
-                </a:solidFill>
-              </a14:hiddenFill>
-            </a:ext>
-          </a:extLst>
-        </p:spPr>
-      </p:pic>
-      <p:sp>
-        <p:nvSpPr>
-          <p:cNvPr id="11" name="TextBox 10">
-            <a:extLst>
-              <a:ext uri="{FF2B5EF4-FFF2-40B4-BE49-F238E27FC236}">
-                <a16:creationId xmlns:a16="http://schemas.microsoft.com/office/drawing/2014/main" id="{B90CB2AB-23C2-CC33-E4E7-A0C19758A6C2}"/>
-              </a:ext>
-            </a:extLst>
-          </p:cNvPr>
-          <p:cNvSpPr txBox="1"/>
-          <p:nvPr/>
-        </p:nvSpPr>
-        <p:spPr>
-          <a:xfrm>
-            <a:off x="11042143" y="1115587"/>
-            <a:ext cx="3360266" cy="2215991"/>
-          </a:xfrm>
-          <a:prstGeom prst="rect">
-            <a:avLst/>
-          </a:prstGeom>
-          <a:noFill/>
-        </p:spPr>
-        <p:txBody>
-          <a:bodyPr wrap="square" rtlCol="0">
-            <a:spAutoFit/>
-          </a:bodyPr>
-          <a:lstStyle/>
-          <a:p>
-            <a:r>
-              <a:rPr lang="ar-AE" sz="13800" spc="600" dirty="0">
-                <a:solidFill>
-                  <a:srgbClr val="EE7D30"/>
-                </a:solidFill>
-                <a:latin typeface="Arial" panose="020B0604020202020204" pitchFamily="34" charset="0"/>
-                <a:ea typeface="Osaka" panose="020B0600000000000000" pitchFamily="34" charset="-128"/>
-                <a:cs typeface="Arial" panose="020B0604020202020204" pitchFamily="34" charset="0"/>
-              </a:rPr>
-              <a:t>د.شو</a:t>
-            </a:r>
-          </a:p>
-        </p:txBody>
-      </p:sp>
-      <p:sp>
-        <p:nvSpPr>
-          <p:cNvPr id="13" name="TextBox 12">
-            <a:extLst>
-              <a:ext uri="{FF2B5EF4-FFF2-40B4-BE49-F238E27FC236}">
-                <a16:creationId xmlns:a16="http://schemas.microsoft.com/office/drawing/2014/main" id="{D615DA0C-1478-EABF-606D-85BA2D32DE73}"/>
-              </a:ext>
-            </a:extLst>
-          </p:cNvPr>
-          <p:cNvSpPr txBox="1"/>
-          <p:nvPr/>
-        </p:nvSpPr>
-        <p:spPr>
-          <a:xfrm>
-            <a:off x="11144065" y="2741884"/>
-            <a:ext cx="3258343" cy="2215991"/>
-          </a:xfrm>
-          <a:prstGeom prst="rect">
-            <a:avLst/>
-          </a:prstGeom>
-          <a:noFill/>
-        </p:spPr>
-        <p:txBody>
-          <a:bodyPr wrap="square">
-            <a:spAutoFit/>
-          </a:bodyPr>
-          <a:lstStyle/>
-          <a:p>
-            <a:r>
-              <a:rPr lang="ar-AE" sz="13800" spc="600" dirty="0">
-                <a:solidFill>
-                  <a:srgbClr val="193C7D"/>
-                </a:solidFill>
-                <a:latin typeface="Arial" panose="020B0604020202020204" pitchFamily="34" charset="0"/>
-                <a:cs typeface="Arial" panose="020B0604020202020204" pitchFamily="34" charset="0"/>
-              </a:rPr>
-              <a:t>هونغ</a:t>
-            </a:r>
-            <a:endParaRPr lang="en-US" sz="9600" spc="600" dirty="0">
-              <a:solidFill>
-                <a:srgbClr val="193C7D"/>
-              </a:solidFill>
-            </a:endParaRPr>
-          </a:p>
-        </p:txBody>
-      </p:sp>
-      <p:pic>
-        <p:nvPicPr>
-          <p:cNvPr id="17" name="Picture 16">
-            <a:extLst>
-              <a:ext uri="{FF2B5EF4-FFF2-40B4-BE49-F238E27FC236}">
-                <a16:creationId xmlns:a16="http://schemas.microsoft.com/office/drawing/2014/main" id="{2BAF8D54-0234-AE59-E297-6F53B08F45BB}"/>
+          <p:cNvPr id="2" name="Picture 1">
+            <a:extLst>
+              <a:ext uri="{FF2B5EF4-FFF2-40B4-BE49-F238E27FC236}">
+                <a16:creationId xmlns:a16="http://schemas.microsoft.com/office/drawing/2014/main" id="{BE7938D0-A7D8-DEFF-A8CF-5AD4934A8124}"/>
               </a:ext>
             </a:extLst>
           </p:cNvPr>
@@ -6138,14 +6156,43 @@
           <p:nvPr/>
         </p:nvPicPr>
         <p:blipFill rotWithShape="1">
-          <a:blip r:embed="rId4"/>
-          <a:srcRect l="14200" t="15198" r="25857" b="17307"/>
+          <a:blip r:embed="rId3"/>
+          <a:srcRect t="16422" r="9469" b="27499"/>
           <a:stretch/>
         </p:blipFill>
         <p:spPr>
           <a:xfrm>
-            <a:off x="5836626" y="1496780"/>
-            <a:ext cx="3448594" cy="3557328"/>
+            <a:off x="2112681" y="5054601"/>
+            <a:ext cx="7036399" cy="1381760"/>
+          </a:xfrm>
+          <a:prstGeom prst="rect">
+            <a:avLst/>
+          </a:prstGeom>
+        </p:spPr>
+      </p:pic>
+      <p:pic>
+        <p:nvPicPr>
+          <p:cNvPr id="3" name="Picture 2">
+            <a:extLst>
+              <a:ext uri="{FF2B5EF4-FFF2-40B4-BE49-F238E27FC236}">
+                <a16:creationId xmlns:a16="http://schemas.microsoft.com/office/drawing/2014/main" id="{855FEFBD-D94B-E2E5-89B0-96B576178E40}"/>
+              </a:ext>
+            </a:extLst>
+          </p:cNvPr>
+          <p:cNvPicPr>
+            <a:picLocks noChangeAspect="1"/>
+          </p:cNvPicPr>
+          <p:nvPr/>
+        </p:nvPicPr>
+        <p:blipFill rotWithShape="1">
+          <a:blip r:embed="rId3"/>
+          <a:srcRect l="-1" t="16422" r="43542" b="27499"/>
+          <a:stretch/>
+        </p:blipFill>
+        <p:spPr>
+          <a:xfrm>
+            <a:off x="10187012" y="5054601"/>
+            <a:ext cx="4388133" cy="1381760"/>
           </a:xfrm>
           <a:prstGeom prst="rect">
             <a:avLst/>
@@ -6155,7 +6202,7 @@
     </p:spTree>
     <p:extLst>
       <p:ext uri="{BB962C8B-B14F-4D97-AF65-F5344CB8AC3E}">
-        <p14:creationId xmlns:p14="http://schemas.microsoft.com/office/powerpoint/2010/main" val="3709372373"/>
+        <p14:creationId xmlns:p14="http://schemas.microsoft.com/office/powerpoint/2010/main" val="3736391086"/>
       </p:ext>
     </p:extLst>
   </p:cSld>
@@ -6229,10 +6276,10 @@
       </p:pic>
       <p:sp>
         <p:nvSpPr>
-          <p:cNvPr id="5" name="TextBox 4">
-            <a:extLst>
-              <a:ext uri="{FF2B5EF4-FFF2-40B4-BE49-F238E27FC236}">
-                <a16:creationId xmlns:a16="http://schemas.microsoft.com/office/drawing/2014/main" id="{5ED4859C-2D53-8683-880F-0AF20554C879}"/>
+          <p:cNvPr id="9" name="TextBox 8">
+            <a:extLst>
+              <a:ext uri="{FF2B5EF4-FFF2-40B4-BE49-F238E27FC236}">
+                <a16:creationId xmlns:a16="http://schemas.microsoft.com/office/drawing/2014/main" id="{839B7A6C-C6D3-32A6-0EDB-E88D8EFB371D}"/>
               </a:ext>
             </a:extLst>
           </p:cNvPr>
@@ -6241,7 +6288,7 @@
         </p:nvSpPr>
         <p:spPr>
           <a:xfrm>
-            <a:off x="4517929" y="1502404"/>
+            <a:off x="6067869" y="1502404"/>
             <a:ext cx="4378633" cy="1862048"/>
           </a:xfrm>
           <a:prstGeom prst="rect">
@@ -6307,10 +6354,10 @@
       </p:sp>
       <p:sp>
         <p:nvSpPr>
-          <p:cNvPr id="6" name="TextBox 5">
-            <a:extLst>
-              <a:ext uri="{FF2B5EF4-FFF2-40B4-BE49-F238E27FC236}">
-                <a16:creationId xmlns:a16="http://schemas.microsoft.com/office/drawing/2014/main" id="{4DFBD53B-29E4-A9DB-B886-CF96C0991B6D}"/>
+          <p:cNvPr id="10" name="TextBox 9">
+            <a:extLst>
+              <a:ext uri="{FF2B5EF4-FFF2-40B4-BE49-F238E27FC236}">
+                <a16:creationId xmlns:a16="http://schemas.microsoft.com/office/drawing/2014/main" id="{EF81F04B-E831-E708-9897-55FF13E576D7}"/>
               </a:ext>
             </a:extLst>
           </p:cNvPr>
@@ -6319,7 +6366,7 @@
         </p:nvSpPr>
         <p:spPr>
           <a:xfrm>
-            <a:off x="4517928" y="3020161"/>
+            <a:off x="6067868" y="3020161"/>
             <a:ext cx="4378634" cy="1862048"/>
           </a:xfrm>
           <a:prstGeom prst="rect">
@@ -6373,10 +6420,218 @@
           </a:p>
         </p:txBody>
       </p:sp>
+      <p:sp>
+        <p:nvSpPr>
+          <p:cNvPr id="2" name="TextBox 1">
+            <a:extLst>
+              <a:ext uri="{FF2B5EF4-FFF2-40B4-BE49-F238E27FC236}">
+                <a16:creationId xmlns:a16="http://schemas.microsoft.com/office/drawing/2014/main" id="{8ACC2E12-BAF5-1435-CEC8-F161FAF7D8FB}"/>
+              </a:ext>
+            </a:extLst>
+          </p:cNvPr>
+          <p:cNvSpPr txBox="1"/>
+          <p:nvPr/>
+        </p:nvSpPr>
+        <p:spPr>
+          <a:xfrm>
+            <a:off x="10874673" y="1502404"/>
+            <a:ext cx="4378633" cy="1862048"/>
+          </a:xfrm>
+          <a:prstGeom prst="rect">
+            <a:avLst/>
+          </a:prstGeom>
+          <a:noFill/>
+        </p:spPr>
+        <p:txBody>
+          <a:bodyPr wrap="square" rtlCol="0">
+            <a:spAutoFit/>
+          </a:bodyPr>
+          <a:lstStyle/>
+          <a:p>
+            <a:r>
+              <a:rPr lang="en-US" sz="11500" spc="-300" dirty="0">
+                <a:solidFill>
+                  <a:srgbClr val="EE7D30"/>
+                </a:solidFill>
+                <a:latin typeface="Arial" panose="020B0604020202020204" pitchFamily="34" charset="0"/>
+                <a:ea typeface="Hiragino Sans W2" panose="020B0300000000000000" pitchFamily="34" charset="-128"/>
+                <a:cs typeface="Arial" panose="020B0604020202020204" pitchFamily="34" charset="0"/>
+              </a:rPr>
+              <a:t>Hsu</a:t>
+            </a:r>
+            <a:endParaRPr lang="en-US" sz="8800" spc="-300" dirty="0">
+              <a:solidFill>
+                <a:srgbClr val="EE7D30"/>
+              </a:solidFill>
+              <a:latin typeface="Arial" panose="020B0604020202020204" pitchFamily="34" charset="0"/>
+              <a:ea typeface="Hiragino Sans W2" panose="020B0300000000000000" pitchFamily="34" charset="-128"/>
+              <a:cs typeface="Arial" panose="020B0604020202020204" pitchFamily="34" charset="0"/>
+            </a:endParaRPr>
+          </a:p>
+        </p:txBody>
+      </p:sp>
+      <p:sp>
+        <p:nvSpPr>
+          <p:cNvPr id="3" name="TextBox 2">
+            <a:extLst>
+              <a:ext uri="{FF2B5EF4-FFF2-40B4-BE49-F238E27FC236}">
+                <a16:creationId xmlns:a16="http://schemas.microsoft.com/office/drawing/2014/main" id="{A216E084-5254-4252-8CEF-17262AB46251}"/>
+              </a:ext>
+            </a:extLst>
+          </p:cNvPr>
+          <p:cNvSpPr txBox="1"/>
+          <p:nvPr/>
+        </p:nvSpPr>
+        <p:spPr>
+          <a:xfrm>
+            <a:off x="10867414" y="3020161"/>
+            <a:ext cx="5849953" cy="1862048"/>
+          </a:xfrm>
+          <a:prstGeom prst="rect">
+            <a:avLst/>
+          </a:prstGeom>
+          <a:noFill/>
+        </p:spPr>
+        <p:txBody>
+          <a:bodyPr wrap="square" rtlCol="0">
+            <a:spAutoFit/>
+          </a:bodyPr>
+          <a:lstStyle/>
+          <a:p>
+            <a:r>
+              <a:rPr lang="en-US" sz="11500" spc="300" dirty="0">
+                <a:solidFill>
+                  <a:srgbClr val="193C7D"/>
+                </a:solidFill>
+                <a:latin typeface="Arial" panose="020B0604020202020204" pitchFamily="34" charset="0"/>
+                <a:ea typeface="Hiragino Sans W2" panose="020B0300000000000000" pitchFamily="34" charset="-128"/>
+                <a:cs typeface="Arial" panose="020B0604020202020204" pitchFamily="34" charset="0"/>
+              </a:rPr>
+              <a:t>H</a:t>
+            </a:r>
+            <a:r>
+              <a:rPr lang="en-US" sz="8800" spc="300" dirty="0">
+                <a:solidFill>
+                  <a:srgbClr val="193C7D"/>
+                </a:solidFill>
+                <a:latin typeface="Arial" panose="020B0604020202020204" pitchFamily="34" charset="0"/>
+                <a:ea typeface="Hiragino Sans W2" panose="020B0300000000000000" pitchFamily="34" charset="-128"/>
+                <a:cs typeface="Arial" panose="020B0604020202020204" pitchFamily="34" charset="0"/>
+              </a:rPr>
+              <a:t>ELIOS</a:t>
+            </a:r>
+            <a:r>
+              <a:rPr lang="zh-CN" altLang="en-US" sz="9600" spc="300" dirty="0">
+                <a:solidFill>
+                  <a:srgbClr val="193C7D"/>
+                </a:solidFill>
+                <a:latin typeface="Arial" panose="020B0604020202020204" pitchFamily="34" charset="0"/>
+                <a:cs typeface="Arial" panose="020B0604020202020204" pitchFamily="34" charset="0"/>
+              </a:rPr>
+              <a:t> </a:t>
+            </a:r>
+            <a:endParaRPr lang="en-US" altLang="zh-CN" sz="9600" spc="300" dirty="0">
+              <a:solidFill>
+                <a:srgbClr val="193C7D"/>
+              </a:solidFill>
+              <a:latin typeface="Arial" panose="020B0604020202020204" pitchFamily="34" charset="0"/>
+              <a:cs typeface="Arial" panose="020B0604020202020204" pitchFamily="34" charset="0"/>
+            </a:endParaRPr>
+          </a:p>
+        </p:txBody>
+      </p:sp>
+      <p:cxnSp>
+        <p:nvCxnSpPr>
+          <p:cNvPr id="5" name="Straight Connector 4">
+            <a:extLst>
+              <a:ext uri="{FF2B5EF4-FFF2-40B4-BE49-F238E27FC236}">
+                <a16:creationId xmlns:a16="http://schemas.microsoft.com/office/drawing/2014/main" id="{4A437575-06ED-BA35-2BD4-13DE33F5FD1C}"/>
+              </a:ext>
+            </a:extLst>
+          </p:cNvPr>
+          <p:cNvCxnSpPr/>
+          <p:nvPr/>
+        </p:nvCxnSpPr>
+        <p:spPr>
+          <a:xfrm>
+            <a:off x="10446502" y="1923142"/>
+            <a:ext cx="0" cy="2560320"/>
+          </a:xfrm>
+          <a:prstGeom prst="line">
+            <a:avLst/>
+          </a:prstGeom>
+          <a:ln w="19050">
+            <a:solidFill>
+              <a:schemeClr val="bg1">
+                <a:lumMod val="65000"/>
+              </a:schemeClr>
+            </a:solidFill>
+          </a:ln>
+        </p:spPr>
+        <p:style>
+          <a:lnRef idx="1">
+            <a:schemeClr val="accent1"/>
+          </a:lnRef>
+          <a:fillRef idx="0">
+            <a:schemeClr val="accent1"/>
+          </a:fillRef>
+          <a:effectRef idx="0">
+            <a:schemeClr val="accent1"/>
+          </a:effectRef>
+          <a:fontRef idx="minor">
+            <a:schemeClr val="tx1"/>
+          </a:fontRef>
+        </p:style>
+      </p:cxnSp>
+      <p:pic>
+        <p:nvPicPr>
+          <p:cNvPr id="7" name="Picture 2" descr="Image">
+            <a:extLst>
+              <a:ext uri="{FF2B5EF4-FFF2-40B4-BE49-F238E27FC236}">
+                <a16:creationId xmlns:a16="http://schemas.microsoft.com/office/drawing/2014/main" id="{23F2F615-820B-07C9-E672-5E46661DCF86}"/>
+              </a:ext>
+            </a:extLst>
+          </p:cNvPr>
+          <p:cNvPicPr>
+            <a:picLocks noChangeAspect="1" noChangeArrowheads="1"/>
+          </p:cNvPicPr>
+          <p:nvPr/>
+        </p:nvPicPr>
+        <p:blipFill rotWithShape="1">
+          <a:blip r:embed="rId3">
+            <a:extLst>
+              <a:ext uri="{28A0092B-C50C-407E-A947-70E740481C1C}">
+                <a14:useLocalDpi xmlns:a14="http://schemas.microsoft.com/office/drawing/2010/main" val="0"/>
+              </a:ext>
+            </a:extLst>
+          </a:blip>
+          <a:srcRect r="47237"/>
+          <a:stretch/>
+        </p:blipFill>
+        <p:spPr bwMode="auto">
+          <a:xfrm>
+            <a:off x="345686" y="1115587"/>
+            <a:ext cx="5430646" cy="4469498"/>
+          </a:xfrm>
+          <a:prstGeom prst="rect">
+            <a:avLst/>
+          </a:prstGeom>
+          <a:noFill/>
+          <a:extLst>
+            <a:ext uri="{909E8E84-426E-40DD-AFC4-6F175D3DCCD1}">
+              <a14:hiddenFill xmlns:a14="http://schemas.microsoft.com/office/drawing/2010/main">
+                <a:solidFill>
+                  <a:srgbClr val="FFFFFF"/>
+                </a:solidFill>
+              </a14:hiddenFill>
+            </a:ext>
+          </a:extLst>
+        </p:spPr>
+      </p:pic>
     </p:spTree>
     <p:extLst>
       <p:ext uri="{BB962C8B-B14F-4D97-AF65-F5344CB8AC3E}">
-        <p14:creationId xmlns:p14="http://schemas.microsoft.com/office/powerpoint/2010/main" val="2364077987"/>
+        <p14:creationId xmlns:p14="http://schemas.microsoft.com/office/powerpoint/2010/main" val="3801521842"/>
       </p:ext>
     </p:extLst>
   </p:cSld>
@@ -6450,10 +6705,10 @@
       </p:pic>
       <p:sp>
         <p:nvSpPr>
-          <p:cNvPr id="5" name="TextBox 4">
-            <a:extLst>
-              <a:ext uri="{FF2B5EF4-FFF2-40B4-BE49-F238E27FC236}">
-                <a16:creationId xmlns:a16="http://schemas.microsoft.com/office/drawing/2014/main" id="{5ED4859C-2D53-8683-880F-0AF20554C879}"/>
+          <p:cNvPr id="9" name="TextBox 8">
+            <a:extLst>
+              <a:ext uri="{FF2B5EF4-FFF2-40B4-BE49-F238E27FC236}">
+                <a16:creationId xmlns:a16="http://schemas.microsoft.com/office/drawing/2014/main" id="{839B7A6C-C6D3-32A6-0EDB-E88D8EFB371D}"/>
               </a:ext>
             </a:extLst>
           </p:cNvPr>
@@ -6462,7 +6717,7 @@
         </p:nvSpPr>
         <p:spPr>
           <a:xfrm>
-            <a:off x="4517929" y="1502404"/>
+            <a:off x="6067869" y="1502404"/>
             <a:ext cx="4378633" cy="1862048"/>
           </a:xfrm>
           <a:prstGeom prst="rect">
@@ -6528,10 +6783,10 @@
       </p:sp>
       <p:sp>
         <p:nvSpPr>
-          <p:cNvPr id="6" name="TextBox 5">
-            <a:extLst>
-              <a:ext uri="{FF2B5EF4-FFF2-40B4-BE49-F238E27FC236}">
-                <a16:creationId xmlns:a16="http://schemas.microsoft.com/office/drawing/2014/main" id="{4DFBD53B-29E4-A9DB-B886-CF96C0991B6D}"/>
+          <p:cNvPr id="10" name="TextBox 9">
+            <a:extLst>
+              <a:ext uri="{FF2B5EF4-FFF2-40B4-BE49-F238E27FC236}">
+                <a16:creationId xmlns:a16="http://schemas.microsoft.com/office/drawing/2014/main" id="{EF81F04B-E831-E708-9897-55FF13E576D7}"/>
               </a:ext>
             </a:extLst>
           </p:cNvPr>
@@ -6540,8 +6795,8 @@
         </p:nvSpPr>
         <p:spPr>
           <a:xfrm>
-            <a:off x="4517928" y="3020161"/>
-            <a:ext cx="4378633" cy="1862048"/>
+            <a:off x="6067868" y="3020161"/>
+            <a:ext cx="4378634" cy="1862048"/>
           </a:xfrm>
           <a:prstGeom prst="rect">
             <a:avLst/>
@@ -6594,10 +6849,218 @@
           </a:p>
         </p:txBody>
       </p:sp>
+      <p:sp>
+        <p:nvSpPr>
+          <p:cNvPr id="2" name="TextBox 1">
+            <a:extLst>
+              <a:ext uri="{FF2B5EF4-FFF2-40B4-BE49-F238E27FC236}">
+                <a16:creationId xmlns:a16="http://schemas.microsoft.com/office/drawing/2014/main" id="{8ACC2E12-BAF5-1435-CEC8-F161FAF7D8FB}"/>
+              </a:ext>
+            </a:extLst>
+          </p:cNvPr>
+          <p:cNvSpPr txBox="1"/>
+          <p:nvPr/>
+        </p:nvSpPr>
+        <p:spPr>
+          <a:xfrm>
+            <a:off x="10874673" y="1502404"/>
+            <a:ext cx="4378633" cy="1862048"/>
+          </a:xfrm>
+          <a:prstGeom prst="rect">
+            <a:avLst/>
+          </a:prstGeom>
+          <a:noFill/>
+        </p:spPr>
+        <p:txBody>
+          <a:bodyPr wrap="square" rtlCol="0">
+            <a:spAutoFit/>
+          </a:bodyPr>
+          <a:lstStyle/>
+          <a:p>
+            <a:r>
+              <a:rPr lang="en-US" sz="11500" spc="-300" dirty="0">
+                <a:solidFill>
+                  <a:srgbClr val="EE7D30"/>
+                </a:solidFill>
+                <a:latin typeface="Arial" panose="020B0604020202020204" pitchFamily="34" charset="0"/>
+                <a:ea typeface="Hiragino Sans W2" panose="020B0300000000000000" pitchFamily="34" charset="-128"/>
+                <a:cs typeface="Arial" panose="020B0604020202020204" pitchFamily="34" charset="0"/>
+              </a:rPr>
+              <a:t>Hsu</a:t>
+            </a:r>
+            <a:endParaRPr lang="en-US" sz="8800" spc="-300" dirty="0">
+              <a:solidFill>
+                <a:srgbClr val="EE7D30"/>
+              </a:solidFill>
+              <a:latin typeface="Arial" panose="020B0604020202020204" pitchFamily="34" charset="0"/>
+              <a:ea typeface="Hiragino Sans W2" panose="020B0300000000000000" pitchFamily="34" charset="-128"/>
+              <a:cs typeface="Arial" panose="020B0604020202020204" pitchFamily="34" charset="0"/>
+            </a:endParaRPr>
+          </a:p>
+        </p:txBody>
+      </p:sp>
+      <p:sp>
+        <p:nvSpPr>
+          <p:cNvPr id="3" name="TextBox 2">
+            <a:extLst>
+              <a:ext uri="{FF2B5EF4-FFF2-40B4-BE49-F238E27FC236}">
+                <a16:creationId xmlns:a16="http://schemas.microsoft.com/office/drawing/2014/main" id="{A216E084-5254-4252-8CEF-17262AB46251}"/>
+              </a:ext>
+            </a:extLst>
+          </p:cNvPr>
+          <p:cNvSpPr txBox="1"/>
+          <p:nvPr/>
+        </p:nvSpPr>
+        <p:spPr>
+          <a:xfrm>
+            <a:off x="10867414" y="3020161"/>
+            <a:ext cx="5849953" cy="1862048"/>
+          </a:xfrm>
+          <a:prstGeom prst="rect">
+            <a:avLst/>
+          </a:prstGeom>
+          <a:noFill/>
+        </p:spPr>
+        <p:txBody>
+          <a:bodyPr wrap="square" rtlCol="0">
+            <a:spAutoFit/>
+          </a:bodyPr>
+          <a:lstStyle/>
+          <a:p>
+            <a:r>
+              <a:rPr lang="en-US" sz="11500" spc="300" dirty="0">
+                <a:solidFill>
+                  <a:srgbClr val="193C7D"/>
+                </a:solidFill>
+                <a:latin typeface="Arial" panose="020B0604020202020204" pitchFamily="34" charset="0"/>
+                <a:ea typeface="Hiragino Sans W2" panose="020B0300000000000000" pitchFamily="34" charset="-128"/>
+                <a:cs typeface="Arial" panose="020B0604020202020204" pitchFamily="34" charset="0"/>
+              </a:rPr>
+              <a:t>H</a:t>
+            </a:r>
+            <a:r>
+              <a:rPr lang="en-US" sz="8800" spc="300" dirty="0">
+                <a:solidFill>
+                  <a:srgbClr val="193C7D"/>
+                </a:solidFill>
+                <a:latin typeface="Arial" panose="020B0604020202020204" pitchFamily="34" charset="0"/>
+                <a:ea typeface="Hiragino Sans W2" panose="020B0300000000000000" pitchFamily="34" charset="-128"/>
+                <a:cs typeface="Arial" panose="020B0604020202020204" pitchFamily="34" charset="0"/>
+              </a:rPr>
+              <a:t>ELIOS</a:t>
+            </a:r>
+            <a:r>
+              <a:rPr lang="zh-CN" altLang="en-US" sz="9600" spc="300" dirty="0">
+                <a:solidFill>
+                  <a:srgbClr val="193C7D"/>
+                </a:solidFill>
+                <a:latin typeface="Arial" panose="020B0604020202020204" pitchFamily="34" charset="0"/>
+                <a:cs typeface="Arial" panose="020B0604020202020204" pitchFamily="34" charset="0"/>
+              </a:rPr>
+              <a:t> </a:t>
+            </a:r>
+            <a:endParaRPr lang="en-US" altLang="zh-CN" sz="9600" spc="300" dirty="0">
+              <a:solidFill>
+                <a:srgbClr val="193C7D"/>
+              </a:solidFill>
+              <a:latin typeface="Arial" panose="020B0604020202020204" pitchFamily="34" charset="0"/>
+              <a:cs typeface="Arial" panose="020B0604020202020204" pitchFamily="34" charset="0"/>
+            </a:endParaRPr>
+          </a:p>
+        </p:txBody>
+      </p:sp>
+      <p:cxnSp>
+        <p:nvCxnSpPr>
+          <p:cNvPr id="5" name="Straight Connector 4">
+            <a:extLst>
+              <a:ext uri="{FF2B5EF4-FFF2-40B4-BE49-F238E27FC236}">
+                <a16:creationId xmlns:a16="http://schemas.microsoft.com/office/drawing/2014/main" id="{4A437575-06ED-BA35-2BD4-13DE33F5FD1C}"/>
+              </a:ext>
+            </a:extLst>
+          </p:cNvPr>
+          <p:cNvCxnSpPr/>
+          <p:nvPr/>
+        </p:nvCxnSpPr>
+        <p:spPr>
+          <a:xfrm>
+            <a:off x="10446502" y="1923142"/>
+            <a:ext cx="0" cy="2560320"/>
+          </a:xfrm>
+          <a:prstGeom prst="line">
+            <a:avLst/>
+          </a:prstGeom>
+          <a:ln w="19050">
+            <a:solidFill>
+              <a:schemeClr val="bg1">
+                <a:lumMod val="65000"/>
+              </a:schemeClr>
+            </a:solidFill>
+          </a:ln>
+        </p:spPr>
+        <p:style>
+          <a:lnRef idx="1">
+            <a:schemeClr val="accent1"/>
+          </a:lnRef>
+          <a:fillRef idx="0">
+            <a:schemeClr val="accent1"/>
+          </a:fillRef>
+          <a:effectRef idx="0">
+            <a:schemeClr val="accent1"/>
+          </a:effectRef>
+          <a:fontRef idx="minor">
+            <a:schemeClr val="tx1"/>
+          </a:fontRef>
+        </p:style>
+      </p:cxnSp>
+      <p:pic>
+        <p:nvPicPr>
+          <p:cNvPr id="7" name="Picture 2" descr="Image">
+            <a:extLst>
+              <a:ext uri="{FF2B5EF4-FFF2-40B4-BE49-F238E27FC236}">
+                <a16:creationId xmlns:a16="http://schemas.microsoft.com/office/drawing/2014/main" id="{23F2F615-820B-07C9-E672-5E46661DCF86}"/>
+              </a:ext>
+            </a:extLst>
+          </p:cNvPr>
+          <p:cNvPicPr>
+            <a:picLocks noChangeAspect="1" noChangeArrowheads="1"/>
+          </p:cNvPicPr>
+          <p:nvPr/>
+        </p:nvPicPr>
+        <p:blipFill rotWithShape="1">
+          <a:blip r:embed="rId3">
+            <a:extLst>
+              <a:ext uri="{28A0092B-C50C-407E-A947-70E740481C1C}">
+                <a14:useLocalDpi xmlns:a14="http://schemas.microsoft.com/office/drawing/2010/main" val="0"/>
+              </a:ext>
+            </a:extLst>
+          </a:blip>
+          <a:srcRect r="47237"/>
+          <a:stretch/>
+        </p:blipFill>
+        <p:spPr bwMode="auto">
+          <a:xfrm>
+            <a:off x="345686" y="1115587"/>
+            <a:ext cx="5430646" cy="4469498"/>
+          </a:xfrm>
+          <a:prstGeom prst="rect">
+            <a:avLst/>
+          </a:prstGeom>
+          <a:noFill/>
+          <a:extLst>
+            <a:ext uri="{909E8E84-426E-40DD-AFC4-6F175D3DCCD1}">
+              <a14:hiddenFill xmlns:a14="http://schemas.microsoft.com/office/drawing/2010/main">
+                <a:solidFill>
+                  <a:srgbClr val="FFFFFF"/>
+                </a:solidFill>
+              </a14:hiddenFill>
+            </a:ext>
+          </a:extLst>
+        </p:spPr>
+      </p:pic>
     </p:spTree>
     <p:extLst>
       <p:ext uri="{BB962C8B-B14F-4D97-AF65-F5344CB8AC3E}">
-        <p14:creationId xmlns:p14="http://schemas.microsoft.com/office/powerpoint/2010/main" val="2453739998"/>
+        <p14:creationId xmlns:p14="http://schemas.microsoft.com/office/powerpoint/2010/main" val="2153822212"/>
       </p:ext>
     </p:extLst>
   </p:cSld>
@@ -6671,10 +7134,10 @@
       </p:pic>
       <p:sp>
         <p:nvSpPr>
-          <p:cNvPr id="5" name="TextBox 4">
-            <a:extLst>
-              <a:ext uri="{FF2B5EF4-FFF2-40B4-BE49-F238E27FC236}">
-                <a16:creationId xmlns:a16="http://schemas.microsoft.com/office/drawing/2014/main" id="{5ED4859C-2D53-8683-880F-0AF20554C879}"/>
+          <p:cNvPr id="9" name="TextBox 8">
+            <a:extLst>
+              <a:ext uri="{FF2B5EF4-FFF2-40B4-BE49-F238E27FC236}">
+                <a16:creationId xmlns:a16="http://schemas.microsoft.com/office/drawing/2014/main" id="{839B7A6C-C6D3-32A6-0EDB-E88D8EFB371D}"/>
               </a:ext>
             </a:extLst>
           </p:cNvPr>
@@ -6683,7 +7146,7 @@
         </p:nvSpPr>
         <p:spPr>
           <a:xfrm>
-            <a:off x="4517929" y="1502404"/>
+            <a:off x="6067869" y="1502404"/>
             <a:ext cx="4378633" cy="1862048"/>
           </a:xfrm>
           <a:prstGeom prst="rect">
@@ -6749,10 +7212,10 @@
       </p:sp>
       <p:sp>
         <p:nvSpPr>
-          <p:cNvPr id="6" name="TextBox 5">
-            <a:extLst>
-              <a:ext uri="{FF2B5EF4-FFF2-40B4-BE49-F238E27FC236}">
-                <a16:creationId xmlns:a16="http://schemas.microsoft.com/office/drawing/2014/main" id="{4DFBD53B-29E4-A9DB-B886-CF96C0991B6D}"/>
+          <p:cNvPr id="10" name="TextBox 9">
+            <a:extLst>
+              <a:ext uri="{FF2B5EF4-FFF2-40B4-BE49-F238E27FC236}">
+                <a16:creationId xmlns:a16="http://schemas.microsoft.com/office/drawing/2014/main" id="{EF81F04B-E831-E708-9897-55FF13E576D7}"/>
               </a:ext>
             </a:extLst>
           </p:cNvPr>
@@ -6761,8 +7224,8 @@
         </p:nvSpPr>
         <p:spPr>
           <a:xfrm>
-            <a:off x="4517928" y="3020161"/>
-            <a:ext cx="4378633" cy="1862048"/>
+            <a:off x="6067868" y="3020161"/>
+            <a:ext cx="4378634" cy="1862048"/>
           </a:xfrm>
           <a:prstGeom prst="rect">
             <a:avLst/>
@@ -6815,10 +7278,218 @@
           </a:p>
         </p:txBody>
       </p:sp>
+      <p:sp>
+        <p:nvSpPr>
+          <p:cNvPr id="2" name="TextBox 1">
+            <a:extLst>
+              <a:ext uri="{FF2B5EF4-FFF2-40B4-BE49-F238E27FC236}">
+                <a16:creationId xmlns:a16="http://schemas.microsoft.com/office/drawing/2014/main" id="{8ACC2E12-BAF5-1435-CEC8-F161FAF7D8FB}"/>
+              </a:ext>
+            </a:extLst>
+          </p:cNvPr>
+          <p:cNvSpPr txBox="1"/>
+          <p:nvPr/>
+        </p:nvSpPr>
+        <p:spPr>
+          <a:xfrm>
+            <a:off x="10874673" y="1502404"/>
+            <a:ext cx="4378633" cy="1862048"/>
+          </a:xfrm>
+          <a:prstGeom prst="rect">
+            <a:avLst/>
+          </a:prstGeom>
+          <a:noFill/>
+        </p:spPr>
+        <p:txBody>
+          <a:bodyPr wrap="square" rtlCol="0">
+            <a:spAutoFit/>
+          </a:bodyPr>
+          <a:lstStyle/>
+          <a:p>
+            <a:r>
+              <a:rPr lang="en-US" sz="11500" spc="-300" dirty="0">
+                <a:solidFill>
+                  <a:srgbClr val="EE7D30"/>
+                </a:solidFill>
+                <a:latin typeface="Arial" panose="020B0604020202020204" pitchFamily="34" charset="0"/>
+                <a:ea typeface="Hiragino Sans W2" panose="020B0300000000000000" pitchFamily="34" charset="-128"/>
+                <a:cs typeface="Arial" panose="020B0604020202020204" pitchFamily="34" charset="0"/>
+              </a:rPr>
+              <a:t>Hsu</a:t>
+            </a:r>
+            <a:endParaRPr lang="en-US" sz="8800" spc="-300" dirty="0">
+              <a:solidFill>
+                <a:srgbClr val="EE7D30"/>
+              </a:solidFill>
+              <a:latin typeface="Arial" panose="020B0604020202020204" pitchFamily="34" charset="0"/>
+              <a:ea typeface="Hiragino Sans W2" panose="020B0300000000000000" pitchFamily="34" charset="-128"/>
+              <a:cs typeface="Arial" panose="020B0604020202020204" pitchFamily="34" charset="0"/>
+            </a:endParaRPr>
+          </a:p>
+        </p:txBody>
+      </p:sp>
+      <p:sp>
+        <p:nvSpPr>
+          <p:cNvPr id="3" name="TextBox 2">
+            <a:extLst>
+              <a:ext uri="{FF2B5EF4-FFF2-40B4-BE49-F238E27FC236}">
+                <a16:creationId xmlns:a16="http://schemas.microsoft.com/office/drawing/2014/main" id="{A216E084-5254-4252-8CEF-17262AB46251}"/>
+              </a:ext>
+            </a:extLst>
+          </p:cNvPr>
+          <p:cNvSpPr txBox="1"/>
+          <p:nvPr/>
+        </p:nvSpPr>
+        <p:spPr>
+          <a:xfrm>
+            <a:off x="10867414" y="3020161"/>
+            <a:ext cx="5849953" cy="1862048"/>
+          </a:xfrm>
+          <a:prstGeom prst="rect">
+            <a:avLst/>
+          </a:prstGeom>
+          <a:noFill/>
+        </p:spPr>
+        <p:txBody>
+          <a:bodyPr wrap="square" rtlCol="0">
+            <a:spAutoFit/>
+          </a:bodyPr>
+          <a:lstStyle/>
+          <a:p>
+            <a:r>
+              <a:rPr lang="en-US" sz="11500" spc="300" dirty="0">
+                <a:solidFill>
+                  <a:srgbClr val="193C7D"/>
+                </a:solidFill>
+                <a:latin typeface="Arial" panose="020B0604020202020204" pitchFamily="34" charset="0"/>
+                <a:ea typeface="Hiragino Sans W2" panose="020B0300000000000000" pitchFamily="34" charset="-128"/>
+                <a:cs typeface="Arial" panose="020B0604020202020204" pitchFamily="34" charset="0"/>
+              </a:rPr>
+              <a:t>H</a:t>
+            </a:r>
+            <a:r>
+              <a:rPr lang="en-US" sz="8800" spc="300" dirty="0">
+                <a:solidFill>
+                  <a:srgbClr val="193C7D"/>
+                </a:solidFill>
+                <a:latin typeface="Arial" panose="020B0604020202020204" pitchFamily="34" charset="0"/>
+                <a:ea typeface="Hiragino Sans W2" panose="020B0300000000000000" pitchFamily="34" charset="-128"/>
+                <a:cs typeface="Arial" panose="020B0604020202020204" pitchFamily="34" charset="0"/>
+              </a:rPr>
+              <a:t>ELIOS</a:t>
+            </a:r>
+            <a:r>
+              <a:rPr lang="zh-CN" altLang="en-US" sz="9600" spc="300" dirty="0">
+                <a:solidFill>
+                  <a:srgbClr val="193C7D"/>
+                </a:solidFill>
+                <a:latin typeface="Arial" panose="020B0604020202020204" pitchFamily="34" charset="0"/>
+                <a:cs typeface="Arial" panose="020B0604020202020204" pitchFamily="34" charset="0"/>
+              </a:rPr>
+              <a:t> </a:t>
+            </a:r>
+            <a:endParaRPr lang="en-US" altLang="zh-CN" sz="9600" spc="300" dirty="0">
+              <a:solidFill>
+                <a:srgbClr val="193C7D"/>
+              </a:solidFill>
+              <a:latin typeface="Arial" panose="020B0604020202020204" pitchFamily="34" charset="0"/>
+              <a:cs typeface="Arial" panose="020B0604020202020204" pitchFamily="34" charset="0"/>
+            </a:endParaRPr>
+          </a:p>
+        </p:txBody>
+      </p:sp>
+      <p:cxnSp>
+        <p:nvCxnSpPr>
+          <p:cNvPr id="5" name="Straight Connector 4">
+            <a:extLst>
+              <a:ext uri="{FF2B5EF4-FFF2-40B4-BE49-F238E27FC236}">
+                <a16:creationId xmlns:a16="http://schemas.microsoft.com/office/drawing/2014/main" id="{4A437575-06ED-BA35-2BD4-13DE33F5FD1C}"/>
+              </a:ext>
+            </a:extLst>
+          </p:cNvPr>
+          <p:cNvCxnSpPr/>
+          <p:nvPr/>
+        </p:nvCxnSpPr>
+        <p:spPr>
+          <a:xfrm>
+            <a:off x="10446502" y="1923142"/>
+            <a:ext cx="0" cy="2560320"/>
+          </a:xfrm>
+          <a:prstGeom prst="line">
+            <a:avLst/>
+          </a:prstGeom>
+          <a:ln w="19050">
+            <a:solidFill>
+              <a:schemeClr val="bg1">
+                <a:lumMod val="65000"/>
+              </a:schemeClr>
+            </a:solidFill>
+          </a:ln>
+        </p:spPr>
+        <p:style>
+          <a:lnRef idx="1">
+            <a:schemeClr val="accent1"/>
+          </a:lnRef>
+          <a:fillRef idx="0">
+            <a:schemeClr val="accent1"/>
+          </a:fillRef>
+          <a:effectRef idx="0">
+            <a:schemeClr val="accent1"/>
+          </a:effectRef>
+          <a:fontRef idx="minor">
+            <a:schemeClr val="tx1"/>
+          </a:fontRef>
+        </p:style>
+      </p:cxnSp>
+      <p:pic>
+        <p:nvPicPr>
+          <p:cNvPr id="7" name="Picture 2" descr="Image">
+            <a:extLst>
+              <a:ext uri="{FF2B5EF4-FFF2-40B4-BE49-F238E27FC236}">
+                <a16:creationId xmlns:a16="http://schemas.microsoft.com/office/drawing/2014/main" id="{23F2F615-820B-07C9-E672-5E46661DCF86}"/>
+              </a:ext>
+            </a:extLst>
+          </p:cNvPr>
+          <p:cNvPicPr>
+            <a:picLocks noChangeAspect="1" noChangeArrowheads="1"/>
+          </p:cNvPicPr>
+          <p:nvPr/>
+        </p:nvPicPr>
+        <p:blipFill rotWithShape="1">
+          <a:blip r:embed="rId3">
+            <a:extLst>
+              <a:ext uri="{28A0092B-C50C-407E-A947-70E740481C1C}">
+                <a14:useLocalDpi xmlns:a14="http://schemas.microsoft.com/office/drawing/2010/main" val="0"/>
+              </a:ext>
+            </a:extLst>
+          </a:blip>
+          <a:srcRect r="47237"/>
+          <a:stretch/>
+        </p:blipFill>
+        <p:spPr bwMode="auto">
+          <a:xfrm>
+            <a:off x="345686" y="1115587"/>
+            <a:ext cx="5430646" cy="4469498"/>
+          </a:xfrm>
+          <a:prstGeom prst="rect">
+            <a:avLst/>
+          </a:prstGeom>
+          <a:noFill/>
+          <a:extLst>
+            <a:ext uri="{909E8E84-426E-40DD-AFC4-6F175D3DCCD1}">
+              <a14:hiddenFill xmlns:a14="http://schemas.microsoft.com/office/drawing/2010/main">
+                <a:solidFill>
+                  <a:srgbClr val="FFFFFF"/>
+                </a:solidFill>
+              </a14:hiddenFill>
+            </a:ext>
+          </a:extLst>
+        </p:spPr>
+      </p:pic>
     </p:spTree>
     <p:extLst>
       <p:ext uri="{BB962C8B-B14F-4D97-AF65-F5344CB8AC3E}">
-        <p14:creationId xmlns:p14="http://schemas.microsoft.com/office/powerpoint/2010/main" val="2573971696"/>
+        <p14:creationId xmlns:p14="http://schemas.microsoft.com/office/powerpoint/2010/main" val="84928426"/>
       </p:ext>
     </p:extLst>
   </p:cSld>
@@ -6845,12 +7516,136 @@
           <a:chExt cx="0" cy="0"/>
         </a:xfrm>
       </p:grpSpPr>
+      <p:sp>
+        <p:nvSpPr>
+          <p:cNvPr id="6" name="TextBox 5">
+            <a:extLst>
+              <a:ext uri="{FF2B5EF4-FFF2-40B4-BE49-F238E27FC236}">
+                <a16:creationId xmlns:a16="http://schemas.microsoft.com/office/drawing/2014/main" id="{4DFBD53B-29E4-A9DB-B886-CF96C0991B6D}"/>
+              </a:ext>
+            </a:extLst>
+          </p:cNvPr>
+          <p:cNvSpPr txBox="1"/>
+          <p:nvPr/>
+        </p:nvSpPr>
+        <p:spPr>
+          <a:xfrm>
+            <a:off x="6116328" y="1503332"/>
+            <a:ext cx="3916066" cy="1862048"/>
+          </a:xfrm>
+          <a:prstGeom prst="rect">
+            <a:avLst/>
+          </a:prstGeom>
+          <a:noFill/>
+        </p:spPr>
+        <p:txBody>
+          <a:bodyPr wrap="square" rtlCol="0">
+            <a:spAutoFit/>
+          </a:bodyPr>
+          <a:lstStyle/>
+          <a:p>
+            <a:r>
+              <a:rPr lang="az-Cyrl-AZ" sz="11500" spc="1300" dirty="0">
+                <a:solidFill>
+                  <a:srgbClr val="EE7D30"/>
+                </a:solidFill>
+                <a:latin typeface="Arial" panose="020B0604020202020204" pitchFamily="34" charset="0"/>
+                <a:cs typeface="Arial" panose="020B0604020202020204" pitchFamily="34" charset="0"/>
+              </a:rPr>
+              <a:t>С</a:t>
+            </a:r>
+            <a:r>
+              <a:rPr lang="az-Cyrl-AZ" sz="8800" spc="1300" dirty="0">
+                <a:solidFill>
+                  <a:srgbClr val="EE7D30"/>
+                </a:solidFill>
+                <a:latin typeface="Arial" panose="020B0604020202020204" pitchFamily="34" charset="0"/>
+                <a:cs typeface="Arial" panose="020B0604020202020204" pitchFamily="34" charset="0"/>
+              </a:rPr>
+              <a:t>ЮЙ</a:t>
+            </a:r>
+            <a:r>
+              <a:rPr lang="zh-CN" altLang="en-US" sz="9600" spc="1300" dirty="0">
+                <a:solidFill>
+                  <a:srgbClr val="EE7D30"/>
+                </a:solidFill>
+                <a:latin typeface="Arial" panose="020B0604020202020204" pitchFamily="34" charset="0"/>
+                <a:cs typeface="Arial" panose="020B0604020202020204" pitchFamily="34" charset="0"/>
+              </a:rPr>
+              <a:t> </a:t>
+            </a:r>
+            <a:endParaRPr lang="en-US" altLang="zh-CN" sz="9600" spc="1300" dirty="0">
+              <a:solidFill>
+                <a:srgbClr val="EE7D30"/>
+              </a:solidFill>
+              <a:latin typeface="Arial" panose="020B0604020202020204" pitchFamily="34" charset="0"/>
+              <a:cs typeface="Arial" panose="020B0604020202020204" pitchFamily="34" charset="0"/>
+            </a:endParaRPr>
+          </a:p>
+        </p:txBody>
+      </p:sp>
+      <p:sp>
+        <p:nvSpPr>
+          <p:cNvPr id="3" name="TextBox 2">
+            <a:extLst>
+              <a:ext uri="{FF2B5EF4-FFF2-40B4-BE49-F238E27FC236}">
+                <a16:creationId xmlns:a16="http://schemas.microsoft.com/office/drawing/2014/main" id="{2C070E27-2E91-F385-8BE6-8C4138778241}"/>
+              </a:ext>
+            </a:extLst>
+          </p:cNvPr>
+          <p:cNvSpPr txBox="1"/>
+          <p:nvPr/>
+        </p:nvSpPr>
+        <p:spPr>
+          <a:xfrm>
+            <a:off x="6218247" y="3008473"/>
+            <a:ext cx="3814147" cy="1862048"/>
+          </a:xfrm>
+          <a:prstGeom prst="rect">
+            <a:avLst/>
+          </a:prstGeom>
+          <a:noFill/>
+        </p:spPr>
+        <p:txBody>
+          <a:bodyPr wrap="square">
+            <a:spAutoFit/>
+          </a:bodyPr>
+          <a:lstStyle/>
+          <a:p>
+            <a:r>
+              <a:rPr lang="az-Cyrl-AZ" sz="11500" spc="-300" dirty="0">
+                <a:solidFill>
+                  <a:srgbClr val="193C7D"/>
+                </a:solidFill>
+                <a:latin typeface="Arial" panose="020B0604020202020204" pitchFamily="34" charset="0"/>
+                <a:cs typeface="Arial" panose="020B0604020202020204" pitchFamily="34" charset="0"/>
+              </a:rPr>
+              <a:t>Х</a:t>
+            </a:r>
+            <a:r>
+              <a:rPr lang="az-Cyrl-AZ" sz="8800" spc="-300" dirty="0">
+                <a:solidFill>
+                  <a:srgbClr val="193C7D"/>
+                </a:solidFill>
+                <a:latin typeface="Arial" panose="020B0604020202020204" pitchFamily="34" charset="0"/>
+                <a:cs typeface="Arial" panose="020B0604020202020204" pitchFamily="34" charset="0"/>
+              </a:rPr>
+              <a:t>ОНГ </a:t>
+            </a:r>
+            <a:endParaRPr lang="en-US" sz="8800" spc="-300" dirty="0">
+              <a:solidFill>
+                <a:srgbClr val="193C7D"/>
+              </a:solidFill>
+            </a:endParaRPr>
+          </a:p>
+        </p:txBody>
+      </p:sp>
       <p:pic>
         <p:nvPicPr>
-          <p:cNvPr id="1026" name="Picture 2" descr="Image">
-            <a:extLst>
-              <a:ext uri="{FF2B5EF4-FFF2-40B4-BE49-F238E27FC236}">
-                <a16:creationId xmlns:a16="http://schemas.microsoft.com/office/drawing/2014/main" id="{36D76745-1717-2F81-B8A8-05514344CC77}"/>
+          <p:cNvPr id="12" name="Picture 2" descr="Image">
+            <a:extLst>
+              <a:ext uri="{FF2B5EF4-FFF2-40B4-BE49-F238E27FC236}">
+                <a16:creationId xmlns:a16="http://schemas.microsoft.com/office/drawing/2014/main" id="{F9599693-38F7-3097-432A-776886EBB2B8}"/>
               </a:ext>
             </a:extLst>
           </p:cNvPr>
@@ -6890,244 +7685,55 @@
           </a:extLst>
         </p:spPr>
       </p:pic>
-      <p:sp>
-        <p:nvSpPr>
-          <p:cNvPr id="6" name="TextBox 5">
-            <a:extLst>
-              <a:ext uri="{FF2B5EF4-FFF2-40B4-BE49-F238E27FC236}">
-                <a16:creationId xmlns:a16="http://schemas.microsoft.com/office/drawing/2014/main" id="{4DFBD53B-29E4-A9DB-B886-CF96C0991B6D}"/>
-              </a:ext>
-            </a:extLst>
-          </p:cNvPr>
-          <p:cNvSpPr txBox="1"/>
+      <p:pic>
+        <p:nvPicPr>
+          <p:cNvPr id="15" name="Picture 2" descr="Image">
+            <a:extLst>
+              <a:ext uri="{FF2B5EF4-FFF2-40B4-BE49-F238E27FC236}">
+                <a16:creationId xmlns:a16="http://schemas.microsoft.com/office/drawing/2014/main" id="{8AF25FF2-3D53-F8B3-666A-101DC6E0FA78}"/>
+              </a:ext>
+            </a:extLst>
+          </p:cNvPr>
+          <p:cNvPicPr>
+            <a:picLocks noChangeAspect="1" noChangeArrowheads="1"/>
+          </p:cNvPicPr>
           <p:nvPr/>
-        </p:nvSpPr>
-        <p:spPr>
-          <a:xfrm>
-            <a:off x="8831735" y="1223633"/>
-            <a:ext cx="3360266" cy="2215991"/>
+        </p:nvPicPr>
+        <p:blipFill rotWithShape="1">
+          <a:blip r:embed="rId3">
+            <a:extLst>
+              <a:ext uri="{28A0092B-C50C-407E-A947-70E740481C1C}">
+                <a14:useLocalDpi xmlns:a14="http://schemas.microsoft.com/office/drawing/2010/main" val="0"/>
+              </a:ext>
+            </a:extLst>
+          </a:blip>
+          <a:srcRect r="47237"/>
+          <a:stretch/>
+        </p:blipFill>
+        <p:spPr bwMode="auto">
+          <a:xfrm>
+            <a:off x="345686" y="1115587"/>
+            <a:ext cx="5430646" cy="4469498"/>
           </a:xfrm>
           <a:prstGeom prst="rect">
             <a:avLst/>
           </a:prstGeom>
           <a:noFill/>
-        </p:spPr>
-        <p:txBody>
-          <a:bodyPr wrap="square" rtlCol="0">
-            <a:spAutoFit/>
-          </a:bodyPr>
-          <a:lstStyle/>
-          <a:p>
-            <a:r>
-              <a:rPr lang="ar-AE" sz="13800" spc="-300" dirty="0">
-                <a:solidFill>
-                  <a:srgbClr val="EE7D30"/>
-                </a:solidFill>
-                <a:latin typeface="Arial" panose="020B0604020202020204" pitchFamily="34" charset="0"/>
-                <a:ea typeface="Osaka" panose="020B0600000000000000" pitchFamily="34" charset="-128"/>
-                <a:cs typeface="Arial" panose="020B0604020202020204" pitchFamily="34" charset="0"/>
-              </a:rPr>
-              <a:t>د.شو</a:t>
-            </a:r>
-          </a:p>
-        </p:txBody>
-      </p:sp>
-      <p:sp>
-        <p:nvSpPr>
-          <p:cNvPr id="3" name="TextBox 2">
-            <a:extLst>
-              <a:ext uri="{FF2B5EF4-FFF2-40B4-BE49-F238E27FC236}">
-                <a16:creationId xmlns:a16="http://schemas.microsoft.com/office/drawing/2014/main" id="{2C070E27-2E91-F385-8BE6-8C4138778241}"/>
-              </a:ext>
-            </a:extLst>
-          </p:cNvPr>
-          <p:cNvSpPr txBox="1"/>
-          <p:nvPr/>
-        </p:nvSpPr>
-        <p:spPr>
-          <a:xfrm>
-            <a:off x="8933657" y="2707258"/>
-            <a:ext cx="3258343" cy="2215991"/>
-          </a:xfrm>
-          <a:prstGeom prst="rect">
-            <a:avLst/>
-          </a:prstGeom>
-          <a:noFill/>
-        </p:spPr>
-        <p:txBody>
-          <a:bodyPr wrap="square">
-            <a:spAutoFit/>
-          </a:bodyPr>
-          <a:lstStyle/>
-          <a:p>
-            <a:r>
-              <a:rPr lang="ar-AE" sz="13800" spc="-300" dirty="0">
-                <a:solidFill>
-                  <a:srgbClr val="193C7D"/>
-                </a:solidFill>
-                <a:latin typeface="Arial" panose="020B0604020202020204" pitchFamily="34" charset="0"/>
-                <a:cs typeface="Arial" panose="020B0604020202020204" pitchFamily="34" charset="0"/>
-              </a:rPr>
-              <a:t>هونغ</a:t>
-            </a:r>
-            <a:endParaRPr lang="en-US" sz="9600" spc="-300" dirty="0">
-              <a:solidFill>
-                <a:srgbClr val="193C7D"/>
-              </a:solidFill>
-            </a:endParaRPr>
-          </a:p>
-        </p:txBody>
-      </p:sp>
-      <p:sp>
-        <p:nvSpPr>
-          <p:cNvPr id="2" name="TextBox 1">
-            <a:extLst>
-              <a:ext uri="{FF2B5EF4-FFF2-40B4-BE49-F238E27FC236}">
-                <a16:creationId xmlns:a16="http://schemas.microsoft.com/office/drawing/2014/main" id="{D8CA99EA-F7FA-9D28-1B27-056CD7FD5044}"/>
-              </a:ext>
-            </a:extLst>
-          </p:cNvPr>
-          <p:cNvSpPr txBox="1"/>
-          <p:nvPr/>
-        </p:nvSpPr>
-        <p:spPr>
-          <a:xfrm>
-            <a:off x="4517929" y="1502404"/>
-            <a:ext cx="4378633" cy="1862048"/>
-          </a:xfrm>
-          <a:prstGeom prst="rect">
-            <a:avLst/>
-          </a:prstGeom>
-          <a:noFill/>
-        </p:spPr>
-        <p:txBody>
-          <a:bodyPr wrap="square" rtlCol="0">
-            <a:spAutoFit/>
-          </a:bodyPr>
-          <a:lstStyle/>
-          <a:p>
-            <a:r>
-              <a:rPr lang="en-US" sz="11500" spc="-300" dirty="0">
-                <a:solidFill>
-                  <a:srgbClr val="EE7D30"/>
-                </a:solidFill>
-                <a:latin typeface="Arial" panose="020B0604020202020204" pitchFamily="34" charset="0"/>
-                <a:cs typeface="Arial" panose="020B0604020202020204" pitchFamily="34" charset="0"/>
-              </a:rPr>
-              <a:t>Dr.</a:t>
-            </a:r>
-            <a:r>
-              <a:rPr lang="en-US" sz="6600" spc="-300" dirty="0">
-                <a:solidFill>
-                  <a:srgbClr val="EE7D30"/>
-                </a:solidFill>
-                <a:latin typeface="Arial" panose="020B0604020202020204" pitchFamily="34" charset="0"/>
-                <a:cs typeface="Arial" panose="020B0604020202020204" pitchFamily="34" charset="0"/>
-              </a:rPr>
-              <a:t> </a:t>
-            </a:r>
-            <a:r>
-              <a:rPr lang="en-US" sz="11500" spc="-300" dirty="0">
-                <a:solidFill>
-                  <a:srgbClr val="EE7D30"/>
-                </a:solidFill>
-                <a:latin typeface="Arial" panose="020B0604020202020204" pitchFamily="34" charset="0"/>
-                <a:cs typeface="Arial" panose="020B0604020202020204" pitchFamily="34" charset="0"/>
-              </a:rPr>
-              <a:t>X</a:t>
-            </a:r>
-            <a:r>
-              <a:rPr lang="en-US" sz="8800" spc="-300" dirty="0">
-                <a:solidFill>
-                  <a:srgbClr val="EE7D30"/>
-                </a:solidFill>
-                <a:latin typeface="Arial" panose="020B0604020202020204" pitchFamily="34" charset="0"/>
-                <a:cs typeface="Arial" panose="020B0604020202020204" pitchFamily="34" charset="0"/>
-              </a:rPr>
-              <a:t>U</a:t>
-            </a:r>
-            <a:endParaRPr lang="en-US" sz="9600" spc="-300" dirty="0">
-              <a:solidFill>
-                <a:srgbClr val="EE7D30"/>
-              </a:solidFill>
-              <a:latin typeface="Arial" panose="020B0604020202020204" pitchFamily="34" charset="0"/>
-              <a:cs typeface="Arial" panose="020B0604020202020204" pitchFamily="34" charset="0"/>
-            </a:endParaRPr>
-          </a:p>
-        </p:txBody>
-      </p:sp>
-      <p:sp>
-        <p:nvSpPr>
-          <p:cNvPr id="5" name="TextBox 4">
-            <a:extLst>
-              <a:ext uri="{FF2B5EF4-FFF2-40B4-BE49-F238E27FC236}">
-                <a16:creationId xmlns:a16="http://schemas.microsoft.com/office/drawing/2014/main" id="{B79BC6B3-47FB-5E60-599C-7D91CC2A8ED5}"/>
-              </a:ext>
-            </a:extLst>
-          </p:cNvPr>
-          <p:cNvSpPr txBox="1"/>
-          <p:nvPr/>
-        </p:nvSpPr>
-        <p:spPr>
-          <a:xfrm>
-            <a:off x="4517928" y="3020161"/>
-            <a:ext cx="4378634" cy="1862048"/>
-          </a:xfrm>
-          <a:prstGeom prst="rect">
-            <a:avLst/>
-          </a:prstGeom>
-          <a:noFill/>
-        </p:spPr>
-        <p:txBody>
-          <a:bodyPr wrap="square" rtlCol="0">
-            <a:spAutoFit/>
-          </a:bodyPr>
-          <a:lstStyle/>
-          <a:p>
-            <a:r>
-              <a:rPr lang="en-US" sz="11500" spc="300" dirty="0">
-                <a:solidFill>
-                  <a:srgbClr val="193C7D"/>
-                </a:solidFill>
-                <a:latin typeface="Arial" panose="020B0604020202020204" pitchFamily="34" charset="0"/>
-                <a:cs typeface="Arial" panose="020B0604020202020204" pitchFamily="34" charset="0"/>
-              </a:rPr>
-              <a:t>H</a:t>
-            </a:r>
-            <a:r>
-              <a:rPr lang="en-US" sz="8800" spc="300" dirty="0">
-                <a:solidFill>
-                  <a:srgbClr val="193C7D"/>
-                </a:solidFill>
-                <a:latin typeface="Arial" panose="020B0604020202020204" pitchFamily="34" charset="0"/>
-                <a:cs typeface="Arial" panose="020B0604020202020204" pitchFamily="34" charset="0"/>
-              </a:rPr>
-              <a:t>ONG</a:t>
-            </a:r>
-            <a:r>
-              <a:rPr lang="zh-CN" altLang="en-US" sz="9600" spc="300" dirty="0">
-                <a:solidFill>
-                  <a:srgbClr val="193C7D"/>
-                </a:solidFill>
-                <a:latin typeface="Arial" panose="020B0604020202020204" pitchFamily="34" charset="0"/>
-                <a:cs typeface="Arial" panose="020B0604020202020204" pitchFamily="34" charset="0"/>
-              </a:rPr>
-              <a:t> </a:t>
-            </a:r>
-            <a:endParaRPr lang="en-US" altLang="zh-CN" sz="9600" spc="300" dirty="0">
-              <a:solidFill>
-                <a:srgbClr val="193C7D"/>
-              </a:solidFill>
-              <a:latin typeface="Arial" panose="020B0604020202020204" pitchFamily="34" charset="0"/>
-              <a:cs typeface="Arial" panose="020B0604020202020204" pitchFamily="34" charset="0"/>
-            </a:endParaRPr>
-          </a:p>
-        </p:txBody>
-      </p:sp>
+          <a:extLst>
+            <a:ext uri="{909E8E84-426E-40DD-AFC4-6F175D3DCCD1}">
+              <a14:hiddenFill xmlns:a14="http://schemas.microsoft.com/office/drawing/2010/main">
+                <a:solidFill>
+                  <a:srgbClr val="FFFFFF"/>
+                </a:solidFill>
+              </a14:hiddenFill>
+            </a:ext>
+          </a:extLst>
+        </p:spPr>
+      </p:pic>
     </p:spTree>
     <p:extLst>
       <p:ext uri="{BB962C8B-B14F-4D97-AF65-F5344CB8AC3E}">
-        <p14:creationId xmlns:p14="http://schemas.microsoft.com/office/powerpoint/2010/main" val="3587914855"/>
+        <p14:creationId xmlns:p14="http://schemas.microsoft.com/office/powerpoint/2010/main" val="1205243765"/>
       </p:ext>
     </p:extLst>
   </p:cSld>
@@ -7156,10 +7762,10 @@
       </p:grpSpPr>
       <p:pic>
         <p:nvPicPr>
-          <p:cNvPr id="12290" name="Picture 2" descr="Twelve Chinese zodiac stencils">
-            <a:extLst>
-              <a:ext uri="{FF2B5EF4-FFF2-40B4-BE49-F238E27FC236}">
-                <a16:creationId xmlns:a16="http://schemas.microsoft.com/office/drawing/2014/main" id="{1E4CB55F-FAA7-0D5D-A46E-89DF9E349C08}"/>
+          <p:cNvPr id="12" name="Picture 2" descr="Image">
+            <a:extLst>
+              <a:ext uri="{FF2B5EF4-FFF2-40B4-BE49-F238E27FC236}">
+                <a16:creationId xmlns:a16="http://schemas.microsoft.com/office/drawing/2014/main" id="{F9599693-38F7-3097-432A-776886EBB2B8}"/>
               </a:ext>
             </a:extLst>
           </p:cNvPr>
@@ -7169,27 +7775,20 @@
           <p:nvPr/>
         </p:nvPicPr>
         <p:blipFill rotWithShape="1">
-          <a:blip r:embed="rId2">
-            <a:duotone>
-              <a:schemeClr val="accent3">
-                <a:shade val="45000"/>
-                <a:satMod val="135000"/>
-              </a:schemeClr>
-              <a:prstClr val="white"/>
-            </a:duotone>
+          <a:blip r:embed="rId3">
             <a:extLst>
               <a:ext uri="{28A0092B-C50C-407E-A947-70E740481C1C}">
                 <a14:useLocalDpi xmlns:a14="http://schemas.microsoft.com/office/drawing/2010/main" val="0"/>
               </a:ext>
             </a:extLst>
           </a:blip>
-          <a:srcRect l="4834" t="9346" r="73801" b="67561"/>
+          <a:srcRect r="63015"/>
           <a:stretch/>
         </p:blipFill>
         <p:spPr bwMode="auto">
           <a:xfrm>
-            <a:off x="311085" y="452486"/>
-            <a:ext cx="1791093" cy="1583703"/>
+            <a:off x="345686" y="1115587"/>
+            <a:ext cx="3806766" cy="4469498"/>
           </a:xfrm>
           <a:prstGeom prst="rect">
             <a:avLst/>
@@ -7208,10 +7807,10 @@
       </p:pic>
       <p:pic>
         <p:nvPicPr>
-          <p:cNvPr id="4" name="Picture 2" descr="Twelve Chinese zodiac stencils">
-            <a:extLst>
-              <a:ext uri="{FF2B5EF4-FFF2-40B4-BE49-F238E27FC236}">
-                <a16:creationId xmlns:a16="http://schemas.microsoft.com/office/drawing/2014/main" id="{16ABE129-6F43-4D6A-BAC4-F1D53C599275}"/>
+          <p:cNvPr id="15" name="Picture 2" descr="Image">
+            <a:extLst>
+              <a:ext uri="{FF2B5EF4-FFF2-40B4-BE49-F238E27FC236}">
+                <a16:creationId xmlns:a16="http://schemas.microsoft.com/office/drawing/2014/main" id="{8AF25FF2-3D53-F8B3-666A-101DC6E0FA78}"/>
               </a:ext>
             </a:extLst>
           </p:cNvPr>
@@ -7221,27 +7820,20 @@
           <p:nvPr/>
         </p:nvPicPr>
         <p:blipFill rotWithShape="1">
-          <a:blip r:embed="rId2">
-            <a:duotone>
-              <a:schemeClr val="accent3">
-                <a:shade val="45000"/>
-                <a:satMod val="135000"/>
-              </a:schemeClr>
-              <a:prstClr val="white"/>
-            </a:duotone>
+          <a:blip r:embed="rId3">
             <a:extLst>
               <a:ext uri="{28A0092B-C50C-407E-A947-70E740481C1C}">
                 <a14:useLocalDpi xmlns:a14="http://schemas.microsoft.com/office/drawing/2010/main" val="0"/>
               </a:ext>
             </a:extLst>
           </a:blip>
-          <a:srcRect l="28243" t="8934" r="50392" b="67973"/>
+          <a:srcRect r="47237"/>
           <a:stretch/>
         </p:blipFill>
         <p:spPr bwMode="auto">
           <a:xfrm>
-            <a:off x="2264006" y="452485"/>
-            <a:ext cx="1791093" cy="1583703"/>
+            <a:off x="345686" y="1115587"/>
+            <a:ext cx="5430646" cy="4469498"/>
           </a:xfrm>
           <a:prstGeom prst="rect">
             <a:avLst/>
@@ -7258,530 +7850,127 @@
           </a:extLst>
         </p:spPr>
       </p:pic>
+      <p:sp>
+        <p:nvSpPr>
+          <p:cNvPr id="11" name="TextBox 10">
+            <a:extLst>
+              <a:ext uri="{FF2B5EF4-FFF2-40B4-BE49-F238E27FC236}">
+                <a16:creationId xmlns:a16="http://schemas.microsoft.com/office/drawing/2014/main" id="{B90CB2AB-23C2-CC33-E4E7-A0C19758A6C2}"/>
+              </a:ext>
+            </a:extLst>
+          </p:cNvPr>
+          <p:cNvSpPr txBox="1"/>
+          <p:nvPr/>
+        </p:nvSpPr>
+        <p:spPr>
+          <a:xfrm>
+            <a:off x="11042143" y="1115587"/>
+            <a:ext cx="3360266" cy="2215991"/>
+          </a:xfrm>
+          <a:prstGeom prst="rect">
+            <a:avLst/>
+          </a:prstGeom>
+          <a:noFill/>
+        </p:spPr>
+        <p:txBody>
+          <a:bodyPr wrap="square" rtlCol="0">
+            <a:spAutoFit/>
+          </a:bodyPr>
+          <a:lstStyle/>
+          <a:p>
+            <a:r>
+              <a:rPr lang="ar-AE" sz="13800" spc="600" dirty="0">
+                <a:solidFill>
+                  <a:srgbClr val="EE7D30"/>
+                </a:solidFill>
+                <a:latin typeface="Arial" panose="020B0604020202020204" pitchFamily="34" charset="0"/>
+                <a:ea typeface="Osaka" panose="020B0600000000000000" pitchFamily="34" charset="-128"/>
+                <a:cs typeface="Arial" panose="020B0604020202020204" pitchFamily="34" charset="0"/>
+              </a:rPr>
+              <a:t>د.شو</a:t>
+            </a:r>
+          </a:p>
+        </p:txBody>
+      </p:sp>
+      <p:sp>
+        <p:nvSpPr>
+          <p:cNvPr id="13" name="TextBox 12">
+            <a:extLst>
+              <a:ext uri="{FF2B5EF4-FFF2-40B4-BE49-F238E27FC236}">
+                <a16:creationId xmlns:a16="http://schemas.microsoft.com/office/drawing/2014/main" id="{D615DA0C-1478-EABF-606D-85BA2D32DE73}"/>
+              </a:ext>
+            </a:extLst>
+          </p:cNvPr>
+          <p:cNvSpPr txBox="1"/>
+          <p:nvPr/>
+        </p:nvSpPr>
+        <p:spPr>
+          <a:xfrm>
+            <a:off x="11144065" y="2741884"/>
+            <a:ext cx="3258343" cy="2215991"/>
+          </a:xfrm>
+          <a:prstGeom prst="rect">
+            <a:avLst/>
+          </a:prstGeom>
+          <a:noFill/>
+        </p:spPr>
+        <p:txBody>
+          <a:bodyPr wrap="square">
+            <a:spAutoFit/>
+          </a:bodyPr>
+          <a:lstStyle/>
+          <a:p>
+            <a:r>
+              <a:rPr lang="ar-AE" sz="13800" spc="600" dirty="0">
+                <a:solidFill>
+                  <a:srgbClr val="193C7D"/>
+                </a:solidFill>
+                <a:latin typeface="Arial" panose="020B0604020202020204" pitchFamily="34" charset="0"/>
+                <a:cs typeface="Arial" panose="020B0604020202020204" pitchFamily="34" charset="0"/>
+              </a:rPr>
+              <a:t>هونغ</a:t>
+            </a:r>
+            <a:endParaRPr lang="en-US" sz="9600" spc="600" dirty="0">
+              <a:solidFill>
+                <a:srgbClr val="193C7D"/>
+              </a:solidFill>
+            </a:endParaRPr>
+          </a:p>
+        </p:txBody>
+      </p:sp>
       <p:pic>
         <p:nvPicPr>
-          <p:cNvPr id="5" name="Picture 2" descr="Twelve Chinese zodiac stencils">
-            <a:extLst>
-              <a:ext uri="{FF2B5EF4-FFF2-40B4-BE49-F238E27FC236}">
-                <a16:creationId xmlns:a16="http://schemas.microsoft.com/office/drawing/2014/main" id="{27F3BE3F-C8D5-2539-6683-E62C2871AB45}"/>
+          <p:cNvPr id="17" name="Picture 16">
+            <a:extLst>
+              <a:ext uri="{FF2B5EF4-FFF2-40B4-BE49-F238E27FC236}">
+                <a16:creationId xmlns:a16="http://schemas.microsoft.com/office/drawing/2014/main" id="{2BAF8D54-0234-AE59-E297-6F53B08F45BB}"/>
               </a:ext>
             </a:extLst>
           </p:cNvPr>
           <p:cNvPicPr>
-            <a:picLocks noChangeAspect="1" noChangeArrowheads="1"/>
+            <a:picLocks noChangeAspect="1"/>
           </p:cNvPicPr>
           <p:nvPr/>
         </p:nvPicPr>
         <p:blipFill rotWithShape="1">
-          <a:blip r:embed="rId2">
-            <a:duotone>
-              <a:schemeClr val="accent3">
-                <a:shade val="45000"/>
-                <a:satMod val="135000"/>
-              </a:schemeClr>
-              <a:prstClr val="white"/>
-            </a:duotone>
-            <a:extLst>
-              <a:ext uri="{28A0092B-C50C-407E-A947-70E740481C1C}">
-                <a14:useLocalDpi xmlns:a14="http://schemas.microsoft.com/office/drawing/2010/main" val="0"/>
-              </a:ext>
-            </a:extLst>
-          </a:blip>
-          <a:srcRect l="51351" t="9759" r="27284" b="67148"/>
+          <a:blip r:embed="rId4"/>
+          <a:srcRect l="14200" t="15198" r="25857" b="17307"/>
           <a:stretch/>
         </p:blipFill>
-        <p:spPr bwMode="auto">
-          <a:xfrm>
-            <a:off x="4304907" y="452485"/>
-            <a:ext cx="1791093" cy="1583703"/>
-          </a:xfrm>
-          <a:prstGeom prst="rect">
-            <a:avLst/>
-          </a:prstGeom>
-          <a:noFill/>
-          <a:extLst>
-            <a:ext uri="{909E8E84-426E-40DD-AFC4-6F175D3DCCD1}">
-              <a14:hiddenFill xmlns:a14="http://schemas.microsoft.com/office/drawing/2010/main">
-                <a:solidFill>
-                  <a:srgbClr val="FFFFFF"/>
-                </a:solidFill>
-              </a14:hiddenFill>
-            </a:ext>
-          </a:extLst>
-        </p:spPr>
-      </p:pic>
-      <p:pic>
-        <p:nvPicPr>
-          <p:cNvPr id="6" name="Picture 2" descr="Twelve Chinese zodiac stencils">
-            <a:extLst>
-              <a:ext uri="{FF2B5EF4-FFF2-40B4-BE49-F238E27FC236}">
-                <a16:creationId xmlns:a16="http://schemas.microsoft.com/office/drawing/2014/main" id="{9BF89BDB-691E-6A9E-CE9E-175E87223DF2}"/>
-              </a:ext>
-            </a:extLst>
-          </p:cNvPr>
-          <p:cNvPicPr>
-            <a:picLocks noChangeAspect="1" noChangeArrowheads="1"/>
-          </p:cNvPicPr>
-          <p:nvPr/>
-        </p:nvPicPr>
-        <p:blipFill rotWithShape="1">
-          <a:blip r:embed="rId2">
-            <a:duotone>
-              <a:schemeClr val="accent3">
-                <a:shade val="45000"/>
-                <a:satMod val="135000"/>
-              </a:schemeClr>
-              <a:prstClr val="white"/>
-            </a:duotone>
-            <a:extLst>
-              <a:ext uri="{28A0092B-C50C-407E-A947-70E740481C1C}">
-                <a14:useLocalDpi xmlns:a14="http://schemas.microsoft.com/office/drawing/2010/main" val="0"/>
-              </a:ext>
-            </a:extLst>
-          </a:blip>
-          <a:srcRect l="74852" t="9209" r="3783" b="67698"/>
-          <a:stretch/>
-        </p:blipFill>
-        <p:spPr bwMode="auto">
-          <a:xfrm>
-            <a:off x="6210691" y="452484"/>
-            <a:ext cx="1791093" cy="1583703"/>
-          </a:xfrm>
-          <a:prstGeom prst="rect">
-            <a:avLst/>
-          </a:prstGeom>
-          <a:noFill/>
-          <a:extLst>
-            <a:ext uri="{909E8E84-426E-40DD-AFC4-6F175D3DCCD1}">
-              <a14:hiddenFill xmlns:a14="http://schemas.microsoft.com/office/drawing/2010/main">
-                <a:solidFill>
-                  <a:srgbClr val="FFFFFF"/>
-                </a:solidFill>
-              </a14:hiddenFill>
-            </a:ext>
-          </a:extLst>
-        </p:spPr>
-      </p:pic>
-      <p:pic>
-        <p:nvPicPr>
-          <p:cNvPr id="7" name="Picture 2" descr="Twelve Chinese zodiac stencils">
-            <a:extLst>
-              <a:ext uri="{FF2B5EF4-FFF2-40B4-BE49-F238E27FC236}">
-                <a16:creationId xmlns:a16="http://schemas.microsoft.com/office/drawing/2014/main" id="{60BA9919-FA19-918A-CEE2-6F2618A24FC5}"/>
-              </a:ext>
-            </a:extLst>
-          </p:cNvPr>
-          <p:cNvPicPr>
-            <a:picLocks noChangeAspect="1" noChangeArrowheads="1"/>
-          </p:cNvPicPr>
-          <p:nvPr/>
-        </p:nvPicPr>
-        <p:blipFill rotWithShape="1">
-          <a:blip r:embed="rId2">
-            <a:duotone>
-              <a:schemeClr val="accent3">
-                <a:shade val="45000"/>
-                <a:satMod val="135000"/>
-              </a:schemeClr>
-              <a:prstClr val="white"/>
-            </a:duotone>
-            <a:extLst>
-              <a:ext uri="{28A0092B-C50C-407E-A947-70E740481C1C}">
-                <a14:useLocalDpi xmlns:a14="http://schemas.microsoft.com/office/drawing/2010/main" val="0"/>
-              </a:ext>
-            </a:extLst>
-          </a:blip>
-          <a:srcRect l="3971" t="37548" r="74664" b="39359"/>
-          <a:stretch/>
-        </p:blipFill>
-        <p:spPr bwMode="auto">
-          <a:xfrm>
-            <a:off x="8251592" y="538896"/>
-            <a:ext cx="1791093" cy="1583703"/>
-          </a:xfrm>
-          <a:prstGeom prst="rect">
-            <a:avLst/>
-          </a:prstGeom>
-          <a:noFill/>
-          <a:extLst>
-            <a:ext uri="{909E8E84-426E-40DD-AFC4-6F175D3DCCD1}">
-              <a14:hiddenFill xmlns:a14="http://schemas.microsoft.com/office/drawing/2010/main">
-                <a:solidFill>
-                  <a:srgbClr val="FFFFFF"/>
-                </a:solidFill>
-              </a14:hiddenFill>
-            </a:ext>
-          </a:extLst>
-        </p:spPr>
-      </p:pic>
-      <p:pic>
-        <p:nvPicPr>
-          <p:cNvPr id="8" name="Picture 2" descr="Twelve Chinese zodiac stencils">
-            <a:extLst>
-              <a:ext uri="{FF2B5EF4-FFF2-40B4-BE49-F238E27FC236}">
-                <a16:creationId xmlns:a16="http://schemas.microsoft.com/office/drawing/2014/main" id="{A4D6AC05-BD66-492F-734C-64FCB218B89A}"/>
-              </a:ext>
-            </a:extLst>
-          </p:cNvPr>
-          <p:cNvPicPr>
-            <a:picLocks noChangeAspect="1" noChangeArrowheads="1"/>
-          </p:cNvPicPr>
-          <p:nvPr/>
-        </p:nvPicPr>
-        <p:blipFill rotWithShape="1">
-          <a:blip r:embed="rId2">
-            <a:duotone>
-              <a:schemeClr val="accent3">
-                <a:shade val="45000"/>
-                <a:satMod val="135000"/>
-              </a:schemeClr>
-              <a:prstClr val="white"/>
-            </a:duotone>
-            <a:extLst>
-              <a:ext uri="{28A0092B-C50C-407E-A947-70E740481C1C}">
-                <a14:useLocalDpi xmlns:a14="http://schemas.microsoft.com/office/drawing/2010/main" val="0"/>
-              </a:ext>
-            </a:extLst>
-          </a:blip>
-          <a:srcRect l="28147" t="37548" r="50488" b="39359"/>
-          <a:stretch/>
-        </p:blipFill>
-        <p:spPr bwMode="auto">
-          <a:xfrm>
-            <a:off x="311084" y="2388121"/>
-            <a:ext cx="1791093" cy="1583703"/>
-          </a:xfrm>
-          <a:prstGeom prst="rect">
-            <a:avLst/>
-          </a:prstGeom>
-          <a:noFill/>
-          <a:extLst>
-            <a:ext uri="{909E8E84-426E-40DD-AFC4-6F175D3DCCD1}">
-              <a14:hiddenFill xmlns:a14="http://schemas.microsoft.com/office/drawing/2010/main">
-                <a:solidFill>
-                  <a:srgbClr val="FFFFFF"/>
-                </a:solidFill>
-              </a14:hiddenFill>
-            </a:ext>
-          </a:extLst>
-        </p:spPr>
-      </p:pic>
-      <p:pic>
-        <p:nvPicPr>
-          <p:cNvPr id="9" name="Picture 2" descr="Twelve Chinese zodiac stencils">
-            <a:extLst>
-              <a:ext uri="{FF2B5EF4-FFF2-40B4-BE49-F238E27FC236}">
-                <a16:creationId xmlns:a16="http://schemas.microsoft.com/office/drawing/2014/main" id="{66FECE2F-4EBC-1C9E-B1AA-4AFE59E0DD75}"/>
-              </a:ext>
-            </a:extLst>
-          </p:cNvPr>
-          <p:cNvPicPr>
-            <a:picLocks noChangeAspect="1" noChangeArrowheads="1"/>
-          </p:cNvPicPr>
-          <p:nvPr/>
-        </p:nvPicPr>
-        <p:blipFill rotWithShape="1">
-          <a:blip r:embed="rId2">
-            <a:duotone>
-              <a:schemeClr val="accent3">
-                <a:shade val="45000"/>
-                <a:satMod val="135000"/>
-              </a:schemeClr>
-              <a:prstClr val="white"/>
-            </a:duotone>
-            <a:extLst>
-              <a:ext uri="{28A0092B-C50C-407E-A947-70E740481C1C}">
-                <a14:useLocalDpi xmlns:a14="http://schemas.microsoft.com/office/drawing/2010/main" val="0"/>
-              </a:ext>
-            </a:extLst>
-          </a:blip>
-          <a:srcRect l="51311" t="37273" r="27324" b="39634"/>
-          <a:stretch/>
-        </p:blipFill>
-        <p:spPr bwMode="auto">
-          <a:xfrm>
-            <a:off x="2447826" y="2338630"/>
-            <a:ext cx="1791093" cy="1583703"/>
-          </a:xfrm>
-          <a:prstGeom prst="rect">
-            <a:avLst/>
-          </a:prstGeom>
-          <a:noFill/>
-          <a:extLst>
-            <a:ext uri="{909E8E84-426E-40DD-AFC4-6F175D3DCCD1}">
-              <a14:hiddenFill xmlns:a14="http://schemas.microsoft.com/office/drawing/2010/main">
-                <a:solidFill>
-                  <a:srgbClr val="FFFFFF"/>
-                </a:solidFill>
-              </a14:hiddenFill>
-            </a:ext>
-          </a:extLst>
-        </p:spPr>
-      </p:pic>
-      <p:pic>
-        <p:nvPicPr>
-          <p:cNvPr id="10" name="Picture 2" descr="Twelve Chinese zodiac stencils">
-            <a:extLst>
-              <a:ext uri="{FF2B5EF4-FFF2-40B4-BE49-F238E27FC236}">
-                <a16:creationId xmlns:a16="http://schemas.microsoft.com/office/drawing/2014/main" id="{6C165FCD-D923-E789-207C-3761E17156B2}"/>
-              </a:ext>
-            </a:extLst>
-          </p:cNvPr>
-          <p:cNvPicPr>
-            <a:picLocks noChangeAspect="1" noChangeArrowheads="1"/>
-          </p:cNvPicPr>
-          <p:nvPr/>
-        </p:nvPicPr>
-        <p:blipFill rotWithShape="1">
-          <a:blip r:embed="rId2">
-            <a:duotone>
-              <a:schemeClr val="accent3">
-                <a:shade val="45000"/>
-                <a:satMod val="135000"/>
-              </a:schemeClr>
-              <a:prstClr val="white"/>
-            </a:duotone>
-            <a:extLst>
-              <a:ext uri="{28A0092B-C50C-407E-A947-70E740481C1C}">
-                <a14:useLocalDpi xmlns:a14="http://schemas.microsoft.com/office/drawing/2010/main" val="0"/>
-              </a:ext>
-            </a:extLst>
-          </a:blip>
-          <a:srcRect l="74925" t="36448" r="3710" b="40459"/>
-          <a:stretch/>
-        </p:blipFill>
-        <p:spPr bwMode="auto">
-          <a:xfrm>
-            <a:off x="4664695" y="2338630"/>
-            <a:ext cx="1791093" cy="1583703"/>
-          </a:xfrm>
-          <a:prstGeom prst="rect">
-            <a:avLst/>
-          </a:prstGeom>
-          <a:noFill/>
-          <a:extLst>
-            <a:ext uri="{909E8E84-426E-40DD-AFC4-6F175D3DCCD1}">
-              <a14:hiddenFill xmlns:a14="http://schemas.microsoft.com/office/drawing/2010/main">
-                <a:solidFill>
-                  <a:srgbClr val="FFFFFF"/>
-                </a:solidFill>
-              </a14:hiddenFill>
-            </a:ext>
-          </a:extLst>
-        </p:spPr>
-      </p:pic>
-      <p:pic>
-        <p:nvPicPr>
-          <p:cNvPr id="11" name="Picture 2" descr="Twelve Chinese zodiac stencils">
-            <a:extLst>
-              <a:ext uri="{FF2B5EF4-FFF2-40B4-BE49-F238E27FC236}">
-                <a16:creationId xmlns:a16="http://schemas.microsoft.com/office/drawing/2014/main" id="{957A40A1-113A-D6A0-1813-42DA838ED061}"/>
-              </a:ext>
-            </a:extLst>
-          </p:cNvPr>
-          <p:cNvPicPr>
-            <a:picLocks noChangeAspect="1" noChangeArrowheads="1"/>
-          </p:cNvPicPr>
-          <p:nvPr/>
-        </p:nvPicPr>
-        <p:blipFill rotWithShape="1">
-          <a:blip r:embed="rId2">
-            <a:duotone>
-              <a:schemeClr val="accent3">
-                <a:shade val="45000"/>
-                <a:satMod val="135000"/>
-              </a:schemeClr>
-              <a:prstClr val="white"/>
-            </a:duotone>
-            <a:extLst>
-              <a:ext uri="{28A0092B-C50C-407E-A947-70E740481C1C}">
-                <a14:useLocalDpi xmlns:a14="http://schemas.microsoft.com/office/drawing/2010/main" val="0"/>
-              </a:ext>
-            </a:extLst>
-          </a:blip>
-          <a:srcRect l="3711" t="66930" r="74924" b="9977"/>
-          <a:stretch/>
-        </p:blipFill>
-        <p:spPr bwMode="auto">
-          <a:xfrm>
-            <a:off x="6881564" y="2491816"/>
-            <a:ext cx="1791093" cy="1583703"/>
-          </a:xfrm>
-          <a:prstGeom prst="rect">
-            <a:avLst/>
-          </a:prstGeom>
-          <a:noFill/>
-          <a:extLst>
-            <a:ext uri="{909E8E84-426E-40DD-AFC4-6F175D3DCCD1}">
-              <a14:hiddenFill xmlns:a14="http://schemas.microsoft.com/office/drawing/2010/main">
-                <a:solidFill>
-                  <a:srgbClr val="FFFFFF"/>
-                </a:solidFill>
-              </a14:hiddenFill>
-            </a:ext>
-          </a:extLst>
-        </p:spPr>
-      </p:pic>
-      <p:pic>
-        <p:nvPicPr>
-          <p:cNvPr id="12" name="Picture 2" descr="Twelve Chinese zodiac stencils">
-            <a:extLst>
-              <a:ext uri="{FF2B5EF4-FFF2-40B4-BE49-F238E27FC236}">
-                <a16:creationId xmlns:a16="http://schemas.microsoft.com/office/drawing/2014/main" id="{3BEE2AC9-30BB-A50F-85F9-05B59A224EF2}"/>
-              </a:ext>
-            </a:extLst>
-          </p:cNvPr>
-          <p:cNvPicPr>
-            <a:picLocks noChangeAspect="1" noChangeArrowheads="1"/>
-          </p:cNvPicPr>
-          <p:nvPr/>
-        </p:nvPicPr>
-        <p:blipFill rotWithShape="1">
-          <a:blip r:embed="rId2">
-            <a:duotone>
-              <a:schemeClr val="accent3">
-                <a:shade val="45000"/>
-                <a:satMod val="135000"/>
-              </a:schemeClr>
-              <a:prstClr val="white"/>
-            </a:duotone>
-            <a:extLst>
-              <a:ext uri="{28A0092B-C50C-407E-A947-70E740481C1C}">
-                <a14:useLocalDpi xmlns:a14="http://schemas.microsoft.com/office/drawing/2010/main" val="0"/>
-              </a:ext>
-            </a:extLst>
-          </a:blip>
-          <a:srcRect l="27681" t="66930" r="50954" b="9977"/>
-          <a:stretch/>
-        </p:blipFill>
-        <p:spPr bwMode="auto">
-          <a:xfrm>
-            <a:off x="8848627" y="2388121"/>
-            <a:ext cx="1791093" cy="1583703"/>
-          </a:xfrm>
-          <a:prstGeom prst="rect">
-            <a:avLst/>
-          </a:prstGeom>
-          <a:noFill/>
-          <a:extLst>
-            <a:ext uri="{909E8E84-426E-40DD-AFC4-6F175D3DCCD1}">
-              <a14:hiddenFill xmlns:a14="http://schemas.microsoft.com/office/drawing/2010/main">
-                <a:solidFill>
-                  <a:srgbClr val="FFFFFF"/>
-                </a:solidFill>
-              </a14:hiddenFill>
-            </a:ext>
-          </a:extLst>
-        </p:spPr>
-      </p:pic>
-      <p:pic>
-        <p:nvPicPr>
-          <p:cNvPr id="13" name="Picture 2" descr="Twelve Chinese zodiac stencils">
-            <a:extLst>
-              <a:ext uri="{FF2B5EF4-FFF2-40B4-BE49-F238E27FC236}">
-                <a16:creationId xmlns:a16="http://schemas.microsoft.com/office/drawing/2014/main" id="{68039463-ADCA-1A10-CD54-A56339448430}"/>
-              </a:ext>
-            </a:extLst>
-          </p:cNvPr>
-          <p:cNvPicPr>
-            <a:picLocks noChangeAspect="1" noChangeArrowheads="1"/>
-          </p:cNvPicPr>
-          <p:nvPr/>
-        </p:nvPicPr>
-        <p:blipFill rotWithShape="1">
-          <a:blip r:embed="rId2">
-            <a:duotone>
-              <a:schemeClr val="accent3">
-                <a:shade val="45000"/>
-                <a:satMod val="135000"/>
-              </a:schemeClr>
-              <a:prstClr val="white"/>
-            </a:duotone>
-            <a:extLst>
-              <a:ext uri="{28A0092B-C50C-407E-A947-70E740481C1C}">
-                <a14:useLocalDpi xmlns:a14="http://schemas.microsoft.com/office/drawing/2010/main" val="0"/>
-              </a:ext>
-            </a:extLst>
-          </a:blip>
-          <a:srcRect l="50776" t="67148" r="27859" b="9759"/>
-          <a:stretch/>
-        </p:blipFill>
-        <p:spPr bwMode="auto">
-          <a:xfrm>
-            <a:off x="311084" y="4501297"/>
-            <a:ext cx="1791093" cy="1583703"/>
-          </a:xfrm>
-          <a:prstGeom prst="rect">
-            <a:avLst/>
-          </a:prstGeom>
-          <a:noFill/>
-          <a:extLst>
-            <a:ext uri="{909E8E84-426E-40DD-AFC4-6F175D3DCCD1}">
-              <a14:hiddenFill xmlns:a14="http://schemas.microsoft.com/office/drawing/2010/main">
-                <a:solidFill>
-                  <a:srgbClr val="FFFFFF"/>
-                </a:solidFill>
-              </a14:hiddenFill>
-            </a:ext>
-          </a:extLst>
-        </p:spPr>
-      </p:pic>
-      <p:pic>
-        <p:nvPicPr>
-          <p:cNvPr id="14" name="Picture 2" descr="Twelve Chinese zodiac stencils">
-            <a:extLst>
-              <a:ext uri="{FF2B5EF4-FFF2-40B4-BE49-F238E27FC236}">
-                <a16:creationId xmlns:a16="http://schemas.microsoft.com/office/drawing/2014/main" id="{30F69029-45E5-BC7C-014A-CBB568BCE78B}"/>
-              </a:ext>
-            </a:extLst>
-          </p:cNvPr>
-          <p:cNvPicPr>
-            <a:picLocks noChangeAspect="1" noChangeArrowheads="1"/>
-          </p:cNvPicPr>
-          <p:nvPr/>
-        </p:nvPicPr>
-        <p:blipFill rotWithShape="1">
-          <a:blip r:embed="rId2">
-            <a:duotone>
-              <a:schemeClr val="accent3">
-                <a:shade val="45000"/>
-                <a:satMod val="135000"/>
-              </a:schemeClr>
-              <a:prstClr val="white"/>
-            </a:duotone>
-            <a:extLst>
-              <a:ext uri="{28A0092B-C50C-407E-A947-70E740481C1C}">
-                <a14:useLocalDpi xmlns:a14="http://schemas.microsoft.com/office/drawing/2010/main" val="0"/>
-              </a:ext>
-            </a:extLst>
-          </a:blip>
-          <a:srcRect l="74924" t="67640" r="3711" b="9267"/>
-          <a:stretch/>
-        </p:blipFill>
-        <p:spPr bwMode="auto">
-          <a:xfrm>
-            <a:off x="2447825" y="4568856"/>
-            <a:ext cx="1791093" cy="1583703"/>
-          </a:xfrm>
-          <a:prstGeom prst="rect">
-            <a:avLst/>
-          </a:prstGeom>
-          <a:noFill/>
-          <a:extLst>
-            <a:ext uri="{909E8E84-426E-40DD-AFC4-6F175D3DCCD1}">
-              <a14:hiddenFill xmlns:a14="http://schemas.microsoft.com/office/drawing/2010/main">
-                <a:solidFill>
-                  <a:srgbClr val="FFFFFF"/>
-                </a:solidFill>
-              </a14:hiddenFill>
-            </a:ext>
-          </a:extLst>
+        <p:spPr>
+          <a:xfrm>
+            <a:off x="5836626" y="1496780"/>
+            <a:ext cx="3448594" cy="3557328"/>
+          </a:xfrm>
+          <a:prstGeom prst="rect">
+            <a:avLst/>
+          </a:prstGeom>
         </p:spPr>
       </p:pic>
     </p:spTree>
     <p:extLst>
       <p:ext uri="{BB962C8B-B14F-4D97-AF65-F5344CB8AC3E}">
-        <p14:creationId xmlns:p14="http://schemas.microsoft.com/office/powerpoint/2010/main" val="3061156144"/>
+        <p14:creationId xmlns:p14="http://schemas.microsoft.com/office/powerpoint/2010/main" val="3709372373"/>
       </p:ext>
     </p:extLst>
   </p:cSld>
@@ -7792,7 +7981,7 @@
 </file>
 
 <file path=ppt/slides/slide18.xml><?xml version="1.0" encoding="utf-8"?>
-<p:sld xmlns:a="http://schemas.openxmlformats.org/drawingml/2006/main" xmlns:r="http://schemas.openxmlformats.org/officeDocument/2006/relationships" xmlns:p="http://schemas.openxmlformats.org/presentationml/2006/main" show="0">
+<p:sld xmlns:a="http://schemas.openxmlformats.org/drawingml/2006/main" xmlns:r="http://schemas.openxmlformats.org/officeDocument/2006/relationships" xmlns:p="http://schemas.openxmlformats.org/presentationml/2006/main">
   <p:cSld>
     <p:spTree>
       <p:nvGrpSpPr>
@@ -7823,20 +8012,20 @@
           <p:nvPr/>
         </p:nvPicPr>
         <p:blipFill rotWithShape="1">
-          <a:blip r:embed="rId2">
+          <a:blip r:embed="rId3">
             <a:extLst>
               <a:ext uri="{28A0092B-C50C-407E-A947-70E740481C1C}">
                 <a14:useLocalDpi xmlns:a14="http://schemas.microsoft.com/office/drawing/2010/main" val="0"/>
               </a:ext>
             </a:extLst>
           </a:blip>
-          <a:srcRect r="47237"/>
+          <a:srcRect r="63015"/>
           <a:stretch/>
         </p:blipFill>
         <p:spPr bwMode="auto">
           <a:xfrm>
             <a:off x="345686" y="1115587"/>
-            <a:ext cx="5430646" cy="4469498"/>
+            <a:ext cx="3806766" cy="4469498"/>
           </a:xfrm>
           <a:prstGeom prst="rect">
             <a:avLst/>
@@ -7853,12 +8042,188 @@
           </a:extLst>
         </p:spPr>
       </p:pic>
+      <p:sp>
+        <p:nvSpPr>
+          <p:cNvPr id="5" name="TextBox 4">
+            <a:extLst>
+              <a:ext uri="{FF2B5EF4-FFF2-40B4-BE49-F238E27FC236}">
+                <a16:creationId xmlns:a16="http://schemas.microsoft.com/office/drawing/2014/main" id="{5ED4859C-2D53-8683-880F-0AF20554C879}"/>
+              </a:ext>
+            </a:extLst>
+          </p:cNvPr>
+          <p:cNvSpPr txBox="1"/>
+          <p:nvPr/>
+        </p:nvSpPr>
+        <p:spPr>
+          <a:xfrm>
+            <a:off x="4517929" y="1502404"/>
+            <a:ext cx="4378633" cy="1862048"/>
+          </a:xfrm>
+          <a:prstGeom prst="rect">
+            <a:avLst/>
+          </a:prstGeom>
+          <a:noFill/>
+        </p:spPr>
+        <p:txBody>
+          <a:bodyPr wrap="square" rtlCol="0">
+            <a:spAutoFit/>
+          </a:bodyPr>
+          <a:lstStyle/>
+          <a:p>
+            <a:r>
+              <a:rPr lang="en-US" sz="11500" spc="-300" dirty="0">
+                <a:solidFill>
+                  <a:srgbClr val="EE7D30"/>
+                </a:solidFill>
+                <a:latin typeface="Arial" panose="020B0604020202020204" pitchFamily="34" charset="0"/>
+                <a:cs typeface="Arial" panose="020B0604020202020204" pitchFamily="34" charset="0"/>
+              </a:rPr>
+              <a:t>Dr.</a:t>
+            </a:r>
+            <a:r>
+              <a:rPr lang="en-US" sz="6600" spc="-300" dirty="0">
+                <a:solidFill>
+                  <a:srgbClr val="EE7D30"/>
+                </a:solidFill>
+                <a:latin typeface="Arial" panose="020B0604020202020204" pitchFamily="34" charset="0"/>
+                <a:cs typeface="Arial" panose="020B0604020202020204" pitchFamily="34" charset="0"/>
+              </a:rPr>
+              <a:t> </a:t>
+            </a:r>
+            <a:r>
+              <a:rPr lang="en-US" sz="11500" spc="-300" dirty="0">
+                <a:solidFill>
+                  <a:srgbClr val="EE7D30"/>
+                </a:solidFill>
+                <a:latin typeface="Arial" panose="020B0604020202020204" pitchFamily="34" charset="0"/>
+                <a:cs typeface="Arial" panose="020B0604020202020204" pitchFamily="34" charset="0"/>
+              </a:rPr>
+              <a:t>X</a:t>
+            </a:r>
+            <a:r>
+              <a:rPr lang="en-US" sz="8800" spc="-300" dirty="0">
+                <a:solidFill>
+                  <a:srgbClr val="EE7D30"/>
+                </a:solidFill>
+                <a:latin typeface="Arial" panose="020B0604020202020204" pitchFamily="34" charset="0"/>
+                <a:cs typeface="Arial" panose="020B0604020202020204" pitchFamily="34" charset="0"/>
+              </a:rPr>
+              <a:t>Ü</a:t>
+            </a:r>
+            <a:endParaRPr lang="en-US" sz="9600" spc="-300" dirty="0">
+              <a:solidFill>
+                <a:srgbClr val="EE7D30"/>
+              </a:solidFill>
+              <a:latin typeface="Arial" panose="020B0604020202020204" pitchFamily="34" charset="0"/>
+              <a:cs typeface="Arial" panose="020B0604020202020204" pitchFamily="34" charset="0"/>
+            </a:endParaRPr>
+          </a:p>
+        </p:txBody>
+      </p:sp>
+      <p:sp>
+        <p:nvSpPr>
+          <p:cNvPr id="6" name="TextBox 5">
+            <a:extLst>
+              <a:ext uri="{FF2B5EF4-FFF2-40B4-BE49-F238E27FC236}">
+                <a16:creationId xmlns:a16="http://schemas.microsoft.com/office/drawing/2014/main" id="{4DFBD53B-29E4-A9DB-B886-CF96C0991B6D}"/>
+              </a:ext>
+            </a:extLst>
+          </p:cNvPr>
+          <p:cNvSpPr txBox="1"/>
+          <p:nvPr/>
+        </p:nvSpPr>
+        <p:spPr>
+          <a:xfrm>
+            <a:off x="4517928" y="3020161"/>
+            <a:ext cx="4378634" cy="1862048"/>
+          </a:xfrm>
+          <a:prstGeom prst="rect">
+            <a:avLst/>
+          </a:prstGeom>
+          <a:noFill/>
+        </p:spPr>
+        <p:txBody>
+          <a:bodyPr wrap="square" rtlCol="0">
+            <a:spAutoFit/>
+          </a:bodyPr>
+          <a:lstStyle/>
+          <a:p>
+            <a:r>
+              <a:rPr lang="en-US" sz="11500" spc="300" dirty="0">
+                <a:solidFill>
+                  <a:srgbClr val="193C7D"/>
+                </a:solidFill>
+                <a:latin typeface="Arial" panose="020B0604020202020204" pitchFamily="34" charset="0"/>
+                <a:cs typeface="Arial" panose="020B0604020202020204" pitchFamily="34" charset="0"/>
+              </a:rPr>
+              <a:t>H</a:t>
+            </a:r>
+            <a:r>
+              <a:rPr lang="en-US" sz="8800" spc="300" dirty="0">
+                <a:solidFill>
+                  <a:srgbClr val="193C7D"/>
+                </a:solidFill>
+                <a:latin typeface="Arial" panose="020B0604020202020204" pitchFamily="34" charset="0"/>
+                <a:cs typeface="Arial" panose="020B0604020202020204" pitchFamily="34" charset="0"/>
+              </a:rPr>
+              <a:t>ONG</a:t>
+            </a:r>
+            <a:r>
+              <a:rPr lang="zh-CN" altLang="en-US" sz="9600" spc="300" dirty="0">
+                <a:solidFill>
+                  <a:srgbClr val="193C7D"/>
+                </a:solidFill>
+                <a:latin typeface="Arial" panose="020B0604020202020204" pitchFamily="34" charset="0"/>
+                <a:cs typeface="Arial" panose="020B0604020202020204" pitchFamily="34" charset="0"/>
+              </a:rPr>
+              <a:t> </a:t>
+            </a:r>
+            <a:endParaRPr lang="en-US" altLang="zh-CN" sz="9600" spc="300" dirty="0">
+              <a:solidFill>
+                <a:srgbClr val="193C7D"/>
+              </a:solidFill>
+              <a:latin typeface="Arial" panose="020B0604020202020204" pitchFamily="34" charset="0"/>
+              <a:cs typeface="Arial" panose="020B0604020202020204" pitchFamily="34" charset="0"/>
+            </a:endParaRPr>
+          </a:p>
+        </p:txBody>
+      </p:sp>
+    </p:spTree>
+    <p:extLst>
+      <p:ext uri="{BB962C8B-B14F-4D97-AF65-F5344CB8AC3E}">
+        <p14:creationId xmlns:p14="http://schemas.microsoft.com/office/powerpoint/2010/main" val="2364077987"/>
+      </p:ext>
+    </p:extLst>
+  </p:cSld>
+  <p:clrMapOvr>
+    <a:masterClrMapping/>
+  </p:clrMapOvr>
+</p:sld>
+</file>
+
+<file path=ppt/slides/slide19.xml><?xml version="1.0" encoding="utf-8"?>
+<p:sld xmlns:a="http://schemas.openxmlformats.org/drawingml/2006/main" xmlns:r="http://schemas.openxmlformats.org/officeDocument/2006/relationships" xmlns:p="http://schemas.openxmlformats.org/presentationml/2006/main">
+  <p:cSld>
+    <p:spTree>
+      <p:nvGrpSpPr>
+        <p:cNvPr id="1" name=""/>
+        <p:cNvGrpSpPr/>
+        <p:nvPr/>
+      </p:nvGrpSpPr>
+      <p:grpSpPr>
+        <a:xfrm>
+          <a:off x="0" y="0"/>
+          <a:ext cx="0" cy="0"/>
+          <a:chOff x="0" y="0"/>
+          <a:chExt cx="0" cy="0"/>
+        </a:xfrm>
+      </p:grpSpPr>
       <p:pic>
         <p:nvPicPr>
-          <p:cNvPr id="5" name="Picture 2" descr="Image">
-            <a:extLst>
-              <a:ext uri="{FF2B5EF4-FFF2-40B4-BE49-F238E27FC236}">
-                <a16:creationId xmlns:a16="http://schemas.microsoft.com/office/drawing/2014/main" id="{1D073A1F-A872-8518-14F2-52A74737B66F}"/>
+          <p:cNvPr id="1026" name="Picture 2" descr="Image">
+            <a:extLst>
+              <a:ext uri="{FF2B5EF4-FFF2-40B4-BE49-F238E27FC236}">
+                <a16:creationId xmlns:a16="http://schemas.microsoft.com/office/drawing/2014/main" id="{36D76745-1717-2F81-B8A8-05514344CC77}"/>
               </a:ext>
             </a:extLst>
           </p:cNvPr>
@@ -7868,20 +8233,20 @@
           <p:nvPr/>
         </p:nvPicPr>
         <p:blipFill rotWithShape="1">
-          <a:blip r:embed="rId2">
+          <a:blip r:embed="rId3">
             <a:extLst>
               <a:ext uri="{28A0092B-C50C-407E-A947-70E740481C1C}">
                 <a14:useLocalDpi xmlns:a14="http://schemas.microsoft.com/office/drawing/2010/main" val="0"/>
               </a:ext>
             </a:extLst>
           </a:blip>
-          <a:srcRect l="54152" r="344"/>
+          <a:srcRect r="63015"/>
           <a:stretch/>
         </p:blipFill>
         <p:spPr bwMode="auto">
           <a:xfrm>
-            <a:off x="7196595" y="1115587"/>
-            <a:ext cx="4685523" cy="4471416"/>
+            <a:off x="345686" y="1115587"/>
+            <a:ext cx="3806766" cy="4469498"/>
           </a:xfrm>
           <a:prstGeom prst="rect">
             <a:avLst/>
@@ -7900,10 +8265,10 @@
       </p:pic>
       <p:sp>
         <p:nvSpPr>
-          <p:cNvPr id="6" name="TextBox 5">
-            <a:extLst>
-              <a:ext uri="{FF2B5EF4-FFF2-40B4-BE49-F238E27FC236}">
-                <a16:creationId xmlns:a16="http://schemas.microsoft.com/office/drawing/2014/main" id="{F451CFEC-4921-39AC-4FDE-EB5D812E9EAA}"/>
+          <p:cNvPr id="5" name="TextBox 4">
+            <a:extLst>
+              <a:ext uri="{FF2B5EF4-FFF2-40B4-BE49-F238E27FC236}">
+                <a16:creationId xmlns:a16="http://schemas.microsoft.com/office/drawing/2014/main" id="{5ED4859C-2D53-8683-880F-0AF20554C879}"/>
               </a:ext>
             </a:extLst>
           </p:cNvPr>
@@ -7912,8 +8277,8 @@
         </p:nvSpPr>
         <p:spPr>
           <a:xfrm>
-            <a:off x="5787090" y="1897251"/>
-            <a:ext cx="1102834" cy="1274195"/>
+            <a:off x="4517929" y="1502404"/>
+            <a:ext cx="4378633" cy="1862048"/>
           </a:xfrm>
           <a:prstGeom prst="rect">
             <a:avLst/>
@@ -7926,30 +8291,62 @@
           </a:bodyPr>
           <a:lstStyle/>
           <a:p>
-            <a:pPr>
-              <a:lnSpc>
-                <a:spcPct val="80000"/>
-              </a:lnSpc>
-            </a:pPr>
-            <a:r>
-              <a:rPr lang="ko-KR" altLang="en-US" sz="9600" i="0" spc="-300" dirty="0">
+            <a:r>
+              <a:rPr lang="en-US" sz="11500" spc="-300" dirty="0">
                 <a:solidFill>
                   <a:srgbClr val="EE7D30"/>
                 </a:solidFill>
-                <a:effectLst/>
-                <a:latin typeface="Segoe UI" panose="020B0502040204020203" pitchFamily="34" charset="0"/>
-              </a:rPr>
-              <a:t>서</a:t>
-            </a:r>
-          </a:p>
-        </p:txBody>
-      </p:sp>
-      <p:sp>
-        <p:nvSpPr>
-          <p:cNvPr id="2" name="TextBox 1">
-            <a:extLst>
-              <a:ext uri="{FF2B5EF4-FFF2-40B4-BE49-F238E27FC236}">
-                <a16:creationId xmlns:a16="http://schemas.microsoft.com/office/drawing/2014/main" id="{9DEA104D-1DE7-5965-21DD-4F99C48DC2A5}"/>
+                <a:latin typeface="Arial" panose="020B0604020202020204" pitchFamily="34" charset="0"/>
+                <a:cs typeface="Arial" panose="020B0604020202020204" pitchFamily="34" charset="0"/>
+              </a:rPr>
+              <a:t>Dr.</a:t>
+            </a:r>
+            <a:r>
+              <a:rPr lang="en-US" sz="6600" spc="-300" dirty="0">
+                <a:solidFill>
+                  <a:srgbClr val="EE7D30"/>
+                </a:solidFill>
+                <a:latin typeface="Arial" panose="020B0604020202020204" pitchFamily="34" charset="0"/>
+                <a:cs typeface="Arial" panose="020B0604020202020204" pitchFamily="34" charset="0"/>
+              </a:rPr>
+              <a:t> </a:t>
+            </a:r>
+            <a:r>
+              <a:rPr lang="en-US" sz="11500" spc="-300" dirty="0">
+                <a:solidFill>
+                  <a:srgbClr val="EE7D30"/>
+                </a:solidFill>
+                <a:latin typeface="Arial" panose="020B0604020202020204" pitchFamily="34" charset="0"/>
+                <a:cs typeface="Arial" panose="020B0604020202020204" pitchFamily="34" charset="0"/>
+              </a:rPr>
+              <a:t>X</a:t>
+            </a:r>
+            <a:r>
+              <a:rPr lang="en-US" sz="8800" spc="-300" dirty="0">
+                <a:solidFill>
+                  <a:srgbClr val="EE7D30"/>
+                </a:solidFill>
+                <a:latin typeface="Arial" panose="020B0604020202020204" pitchFamily="34" charset="0"/>
+                <a:cs typeface="Arial" panose="020B0604020202020204" pitchFamily="34" charset="0"/>
+              </a:rPr>
+              <a:t>Ú</a:t>
+            </a:r>
+            <a:endParaRPr lang="en-US" sz="9600" spc="-300" dirty="0">
+              <a:solidFill>
+                <a:srgbClr val="EE7D30"/>
+              </a:solidFill>
+              <a:latin typeface="Arial" panose="020B0604020202020204" pitchFamily="34" charset="0"/>
+              <a:cs typeface="Arial" panose="020B0604020202020204" pitchFamily="34" charset="0"/>
+            </a:endParaRPr>
+          </a:p>
+        </p:txBody>
+      </p:sp>
+      <p:sp>
+        <p:nvSpPr>
+          <p:cNvPr id="6" name="TextBox 5">
+            <a:extLst>
+              <a:ext uri="{FF2B5EF4-FFF2-40B4-BE49-F238E27FC236}">
+                <a16:creationId xmlns:a16="http://schemas.microsoft.com/office/drawing/2014/main" id="{4DFBD53B-29E4-A9DB-B886-CF96C0991B6D}"/>
               </a:ext>
             </a:extLst>
           </p:cNvPr>
@@ -7958,8 +8355,8 @@
         </p:nvSpPr>
         <p:spPr>
           <a:xfrm>
-            <a:off x="5776332" y="3330594"/>
-            <a:ext cx="1102834" cy="1421928"/>
+            <a:off x="4517928" y="3020161"/>
+            <a:ext cx="4378633" cy="1862048"/>
           </a:xfrm>
           <a:prstGeom prst="rect">
             <a:avLst/>
@@ -7972,27 +8369,42 @@
           </a:bodyPr>
           <a:lstStyle/>
           <a:p>
-            <a:pPr>
-              <a:lnSpc>
-                <a:spcPct val="90000"/>
-              </a:lnSpc>
-            </a:pPr>
-            <a:r>
-              <a:rPr lang="ko-KR" altLang="en-US" sz="9600" i="0" spc="-300" dirty="0">
+            <a:r>
+              <a:rPr lang="en-US" sz="11500" spc="300" dirty="0">
                 <a:solidFill>
                   <a:srgbClr val="193C7D"/>
                 </a:solidFill>
-                <a:effectLst/>
-                <a:latin typeface="Segoe UI" panose="020B0502040204020203" pitchFamily="34" charset="0"/>
-              </a:rPr>
-              <a:t>홍</a:t>
-            </a:r>
-            <a:endParaRPr lang="ja-JP" altLang="en-US" sz="9600" i="0" spc="-300">
+                <a:latin typeface="Arial" panose="020B0604020202020204" pitchFamily="34" charset="0"/>
+                <a:cs typeface="Arial" panose="020B0604020202020204" pitchFamily="34" charset="0"/>
+              </a:rPr>
+              <a:t>H</a:t>
+            </a:r>
+            <a:r>
+              <a:rPr lang="en-US" sz="8800" spc="300" dirty="0">
+                <a:solidFill>
+                  <a:srgbClr val="193C7D"/>
+                </a:solidFill>
+                <a:latin typeface="Arial" panose="020B0604020202020204" pitchFamily="34" charset="0"/>
+                <a:cs typeface="Arial" panose="020B0604020202020204" pitchFamily="34" charset="0"/>
+              </a:rPr>
+              <a:t>ÓNG</a:t>
+            </a:r>
+            <a:r>
+              <a:rPr lang="zh-CN" altLang="en-US" sz="9600" spc="300" dirty="0">
+                <a:solidFill>
+                  <a:srgbClr val="193C7D"/>
+                </a:solidFill>
+                <a:latin typeface="Arial" panose="020B0604020202020204" pitchFamily="34" charset="0"/>
+                <a:cs typeface="Arial" panose="020B0604020202020204" pitchFamily="34" charset="0"/>
+              </a:rPr>
+              <a:t> </a:t>
+            </a:r>
+            <a:endParaRPr lang="en-US" altLang="zh-CN" sz="9600" spc="300" dirty="0">
               <a:solidFill>
                 <a:srgbClr val="193C7D"/>
               </a:solidFill>
-              <a:effectLst/>
-              <a:latin typeface="Segoe UI" panose="020B0502040204020203" pitchFamily="34" charset="0"/>
+              <a:latin typeface="Arial" panose="020B0604020202020204" pitchFamily="34" charset="0"/>
+              <a:cs typeface="Arial" panose="020B0604020202020204" pitchFamily="34" charset="0"/>
             </a:endParaRPr>
           </a:p>
         </p:txBody>
@@ -8000,7 +8412,7 @@
     </p:spTree>
     <p:extLst>
       <p:ext uri="{BB962C8B-B14F-4D97-AF65-F5344CB8AC3E}">
-        <p14:creationId xmlns:p14="http://schemas.microsoft.com/office/powerpoint/2010/main" val="3903416573"/>
+        <p14:creationId xmlns:p14="http://schemas.microsoft.com/office/powerpoint/2010/main" val="2453739998"/>
       </p:ext>
     </p:extLst>
   </p:cSld>
@@ -8344,6 +8756,1409 @@
 </p:sld>
 </file>
 
+<file path=ppt/slides/slide20.xml><?xml version="1.0" encoding="utf-8"?>
+<p:sld xmlns:a="http://schemas.openxmlformats.org/drawingml/2006/main" xmlns:r="http://schemas.openxmlformats.org/officeDocument/2006/relationships" xmlns:p="http://schemas.openxmlformats.org/presentationml/2006/main">
+  <p:cSld>
+    <p:spTree>
+      <p:nvGrpSpPr>
+        <p:cNvPr id="1" name=""/>
+        <p:cNvGrpSpPr/>
+        <p:nvPr/>
+      </p:nvGrpSpPr>
+      <p:grpSpPr>
+        <a:xfrm>
+          <a:off x="0" y="0"/>
+          <a:ext cx="0" cy="0"/>
+          <a:chOff x="0" y="0"/>
+          <a:chExt cx="0" cy="0"/>
+        </a:xfrm>
+      </p:grpSpPr>
+      <p:pic>
+        <p:nvPicPr>
+          <p:cNvPr id="1026" name="Picture 2" descr="Image">
+            <a:extLst>
+              <a:ext uri="{FF2B5EF4-FFF2-40B4-BE49-F238E27FC236}">
+                <a16:creationId xmlns:a16="http://schemas.microsoft.com/office/drawing/2014/main" id="{36D76745-1717-2F81-B8A8-05514344CC77}"/>
+              </a:ext>
+            </a:extLst>
+          </p:cNvPr>
+          <p:cNvPicPr>
+            <a:picLocks noChangeAspect="1" noChangeArrowheads="1"/>
+          </p:cNvPicPr>
+          <p:nvPr/>
+        </p:nvPicPr>
+        <p:blipFill rotWithShape="1">
+          <a:blip r:embed="rId3">
+            <a:extLst>
+              <a:ext uri="{28A0092B-C50C-407E-A947-70E740481C1C}">
+                <a14:useLocalDpi xmlns:a14="http://schemas.microsoft.com/office/drawing/2010/main" val="0"/>
+              </a:ext>
+            </a:extLst>
+          </a:blip>
+          <a:srcRect r="63015"/>
+          <a:stretch/>
+        </p:blipFill>
+        <p:spPr bwMode="auto">
+          <a:xfrm>
+            <a:off x="345686" y="1115587"/>
+            <a:ext cx="3806766" cy="4469498"/>
+          </a:xfrm>
+          <a:prstGeom prst="rect">
+            <a:avLst/>
+          </a:prstGeom>
+          <a:noFill/>
+          <a:extLst>
+            <a:ext uri="{909E8E84-426E-40DD-AFC4-6F175D3DCCD1}">
+              <a14:hiddenFill xmlns:a14="http://schemas.microsoft.com/office/drawing/2010/main">
+                <a:solidFill>
+                  <a:srgbClr val="FFFFFF"/>
+                </a:solidFill>
+              </a14:hiddenFill>
+            </a:ext>
+          </a:extLst>
+        </p:spPr>
+      </p:pic>
+      <p:sp>
+        <p:nvSpPr>
+          <p:cNvPr id="5" name="TextBox 4">
+            <a:extLst>
+              <a:ext uri="{FF2B5EF4-FFF2-40B4-BE49-F238E27FC236}">
+                <a16:creationId xmlns:a16="http://schemas.microsoft.com/office/drawing/2014/main" id="{5ED4859C-2D53-8683-880F-0AF20554C879}"/>
+              </a:ext>
+            </a:extLst>
+          </p:cNvPr>
+          <p:cNvSpPr txBox="1"/>
+          <p:nvPr/>
+        </p:nvSpPr>
+        <p:spPr>
+          <a:xfrm>
+            <a:off x="4517929" y="1502404"/>
+            <a:ext cx="4378633" cy="1862048"/>
+          </a:xfrm>
+          <a:prstGeom prst="rect">
+            <a:avLst/>
+          </a:prstGeom>
+          <a:noFill/>
+        </p:spPr>
+        <p:txBody>
+          <a:bodyPr wrap="square" rtlCol="0">
+            <a:spAutoFit/>
+          </a:bodyPr>
+          <a:lstStyle/>
+          <a:p>
+            <a:r>
+              <a:rPr lang="en-US" sz="11500" spc="-300" dirty="0">
+                <a:solidFill>
+                  <a:srgbClr val="EE7D30"/>
+                </a:solidFill>
+                <a:latin typeface="Arial" panose="020B0604020202020204" pitchFamily="34" charset="0"/>
+                <a:cs typeface="Arial" panose="020B0604020202020204" pitchFamily="34" charset="0"/>
+              </a:rPr>
+              <a:t>Dr.</a:t>
+            </a:r>
+            <a:r>
+              <a:rPr lang="en-US" sz="6600" spc="-300" dirty="0">
+                <a:solidFill>
+                  <a:srgbClr val="EE7D30"/>
+                </a:solidFill>
+                <a:latin typeface="Arial" panose="020B0604020202020204" pitchFamily="34" charset="0"/>
+                <a:cs typeface="Arial" panose="020B0604020202020204" pitchFamily="34" charset="0"/>
+              </a:rPr>
+              <a:t> </a:t>
+            </a:r>
+            <a:r>
+              <a:rPr lang="en-US" sz="11500" spc="-300" dirty="0">
+                <a:solidFill>
+                  <a:srgbClr val="EE7D30"/>
+                </a:solidFill>
+                <a:latin typeface="Arial" panose="020B0604020202020204" pitchFamily="34" charset="0"/>
+                <a:cs typeface="Arial" panose="020B0604020202020204" pitchFamily="34" charset="0"/>
+              </a:rPr>
+              <a:t>X</a:t>
+            </a:r>
+            <a:r>
+              <a:rPr lang="en-US" sz="8800" spc="-300" dirty="0">
+                <a:solidFill>
+                  <a:srgbClr val="EE7D30"/>
+                </a:solidFill>
+                <a:latin typeface="Arial" panose="020B0604020202020204" pitchFamily="34" charset="0"/>
+                <a:cs typeface="Arial" panose="020B0604020202020204" pitchFamily="34" charset="0"/>
+              </a:rPr>
+              <a:t>Ú</a:t>
+            </a:r>
+            <a:endParaRPr lang="en-US" sz="9600" spc="-300" dirty="0">
+              <a:solidFill>
+                <a:srgbClr val="EE7D30"/>
+              </a:solidFill>
+              <a:latin typeface="Arial" panose="020B0604020202020204" pitchFamily="34" charset="0"/>
+              <a:cs typeface="Arial" panose="020B0604020202020204" pitchFamily="34" charset="0"/>
+            </a:endParaRPr>
+          </a:p>
+        </p:txBody>
+      </p:sp>
+      <p:sp>
+        <p:nvSpPr>
+          <p:cNvPr id="6" name="TextBox 5">
+            <a:extLst>
+              <a:ext uri="{FF2B5EF4-FFF2-40B4-BE49-F238E27FC236}">
+                <a16:creationId xmlns:a16="http://schemas.microsoft.com/office/drawing/2014/main" id="{4DFBD53B-29E4-A9DB-B886-CF96C0991B6D}"/>
+              </a:ext>
+            </a:extLst>
+          </p:cNvPr>
+          <p:cNvSpPr txBox="1"/>
+          <p:nvPr/>
+        </p:nvSpPr>
+        <p:spPr>
+          <a:xfrm>
+            <a:off x="4517928" y="3020161"/>
+            <a:ext cx="4378633" cy="1862048"/>
+          </a:xfrm>
+          <a:prstGeom prst="rect">
+            <a:avLst/>
+          </a:prstGeom>
+          <a:noFill/>
+        </p:spPr>
+        <p:txBody>
+          <a:bodyPr wrap="square" rtlCol="0">
+            <a:spAutoFit/>
+          </a:bodyPr>
+          <a:lstStyle/>
+          <a:p>
+            <a:r>
+              <a:rPr lang="en-US" sz="11500" spc="300" dirty="0">
+                <a:solidFill>
+                  <a:srgbClr val="193C7D"/>
+                </a:solidFill>
+                <a:latin typeface="Arial" panose="020B0604020202020204" pitchFamily="34" charset="0"/>
+                <a:cs typeface="Arial" panose="020B0604020202020204" pitchFamily="34" charset="0"/>
+              </a:rPr>
+              <a:t>H</a:t>
+            </a:r>
+            <a:r>
+              <a:rPr lang="en-US" sz="8800" spc="300" dirty="0">
+                <a:solidFill>
+                  <a:srgbClr val="193C7D"/>
+                </a:solidFill>
+                <a:latin typeface="Arial" panose="020B0604020202020204" pitchFamily="34" charset="0"/>
+                <a:cs typeface="Arial" panose="020B0604020202020204" pitchFamily="34" charset="0"/>
+              </a:rPr>
+              <a:t>ONG</a:t>
+            </a:r>
+            <a:r>
+              <a:rPr lang="zh-CN" altLang="en-US" sz="9600" spc="300" dirty="0">
+                <a:solidFill>
+                  <a:srgbClr val="193C7D"/>
+                </a:solidFill>
+                <a:latin typeface="Arial" panose="020B0604020202020204" pitchFamily="34" charset="0"/>
+                <a:cs typeface="Arial" panose="020B0604020202020204" pitchFamily="34" charset="0"/>
+              </a:rPr>
+              <a:t> </a:t>
+            </a:r>
+            <a:endParaRPr lang="en-US" altLang="zh-CN" sz="9600" spc="300" dirty="0">
+              <a:solidFill>
+                <a:srgbClr val="193C7D"/>
+              </a:solidFill>
+              <a:latin typeface="Arial" panose="020B0604020202020204" pitchFamily="34" charset="0"/>
+              <a:cs typeface="Arial" panose="020B0604020202020204" pitchFamily="34" charset="0"/>
+            </a:endParaRPr>
+          </a:p>
+        </p:txBody>
+      </p:sp>
+    </p:spTree>
+    <p:extLst>
+      <p:ext uri="{BB962C8B-B14F-4D97-AF65-F5344CB8AC3E}">
+        <p14:creationId xmlns:p14="http://schemas.microsoft.com/office/powerpoint/2010/main" val="2573971696"/>
+      </p:ext>
+    </p:extLst>
+  </p:cSld>
+  <p:clrMapOvr>
+    <a:masterClrMapping/>
+  </p:clrMapOvr>
+</p:sld>
+</file>
+
+<file path=ppt/slides/slide21.xml><?xml version="1.0" encoding="utf-8"?>
+<p:sld xmlns:a="http://schemas.openxmlformats.org/drawingml/2006/main" xmlns:r="http://schemas.openxmlformats.org/officeDocument/2006/relationships" xmlns:p="http://schemas.openxmlformats.org/presentationml/2006/main">
+  <p:cSld>
+    <p:spTree>
+      <p:nvGrpSpPr>
+        <p:cNvPr id="1" name=""/>
+        <p:cNvGrpSpPr/>
+        <p:nvPr/>
+      </p:nvGrpSpPr>
+      <p:grpSpPr>
+        <a:xfrm>
+          <a:off x="0" y="0"/>
+          <a:ext cx="0" cy="0"/>
+          <a:chOff x="0" y="0"/>
+          <a:chExt cx="0" cy="0"/>
+        </a:xfrm>
+      </p:grpSpPr>
+      <p:pic>
+        <p:nvPicPr>
+          <p:cNvPr id="1026" name="Picture 2" descr="Image">
+            <a:extLst>
+              <a:ext uri="{FF2B5EF4-FFF2-40B4-BE49-F238E27FC236}">
+                <a16:creationId xmlns:a16="http://schemas.microsoft.com/office/drawing/2014/main" id="{36D76745-1717-2F81-B8A8-05514344CC77}"/>
+              </a:ext>
+            </a:extLst>
+          </p:cNvPr>
+          <p:cNvPicPr>
+            <a:picLocks noChangeAspect="1" noChangeArrowheads="1"/>
+          </p:cNvPicPr>
+          <p:nvPr/>
+        </p:nvPicPr>
+        <p:blipFill rotWithShape="1">
+          <a:blip r:embed="rId3">
+            <a:extLst>
+              <a:ext uri="{28A0092B-C50C-407E-A947-70E740481C1C}">
+                <a14:useLocalDpi xmlns:a14="http://schemas.microsoft.com/office/drawing/2010/main" val="0"/>
+              </a:ext>
+            </a:extLst>
+          </a:blip>
+          <a:srcRect r="63015"/>
+          <a:stretch/>
+        </p:blipFill>
+        <p:spPr bwMode="auto">
+          <a:xfrm>
+            <a:off x="345686" y="1115587"/>
+            <a:ext cx="3806766" cy="4469498"/>
+          </a:xfrm>
+          <a:prstGeom prst="rect">
+            <a:avLst/>
+          </a:prstGeom>
+          <a:noFill/>
+          <a:extLst>
+            <a:ext uri="{909E8E84-426E-40DD-AFC4-6F175D3DCCD1}">
+              <a14:hiddenFill xmlns:a14="http://schemas.microsoft.com/office/drawing/2010/main">
+                <a:solidFill>
+                  <a:srgbClr val="FFFFFF"/>
+                </a:solidFill>
+              </a14:hiddenFill>
+            </a:ext>
+          </a:extLst>
+        </p:spPr>
+      </p:pic>
+      <p:sp>
+        <p:nvSpPr>
+          <p:cNvPr id="6" name="TextBox 5">
+            <a:extLst>
+              <a:ext uri="{FF2B5EF4-FFF2-40B4-BE49-F238E27FC236}">
+                <a16:creationId xmlns:a16="http://schemas.microsoft.com/office/drawing/2014/main" id="{4DFBD53B-29E4-A9DB-B886-CF96C0991B6D}"/>
+              </a:ext>
+            </a:extLst>
+          </p:cNvPr>
+          <p:cNvSpPr txBox="1"/>
+          <p:nvPr/>
+        </p:nvSpPr>
+        <p:spPr>
+          <a:xfrm>
+            <a:off x="8831735" y="1223633"/>
+            <a:ext cx="3360266" cy="2215991"/>
+          </a:xfrm>
+          <a:prstGeom prst="rect">
+            <a:avLst/>
+          </a:prstGeom>
+          <a:noFill/>
+        </p:spPr>
+        <p:txBody>
+          <a:bodyPr wrap="square" rtlCol="0">
+            <a:spAutoFit/>
+          </a:bodyPr>
+          <a:lstStyle/>
+          <a:p>
+            <a:r>
+              <a:rPr lang="ar-AE" sz="13800" spc="-300" dirty="0">
+                <a:solidFill>
+                  <a:srgbClr val="EE7D30"/>
+                </a:solidFill>
+                <a:latin typeface="Arial" panose="020B0604020202020204" pitchFamily="34" charset="0"/>
+                <a:ea typeface="Osaka" panose="020B0600000000000000" pitchFamily="34" charset="-128"/>
+                <a:cs typeface="Arial" panose="020B0604020202020204" pitchFamily="34" charset="0"/>
+              </a:rPr>
+              <a:t>د.شو</a:t>
+            </a:r>
+          </a:p>
+        </p:txBody>
+      </p:sp>
+      <p:sp>
+        <p:nvSpPr>
+          <p:cNvPr id="3" name="TextBox 2">
+            <a:extLst>
+              <a:ext uri="{FF2B5EF4-FFF2-40B4-BE49-F238E27FC236}">
+                <a16:creationId xmlns:a16="http://schemas.microsoft.com/office/drawing/2014/main" id="{2C070E27-2E91-F385-8BE6-8C4138778241}"/>
+              </a:ext>
+            </a:extLst>
+          </p:cNvPr>
+          <p:cNvSpPr txBox="1"/>
+          <p:nvPr/>
+        </p:nvSpPr>
+        <p:spPr>
+          <a:xfrm>
+            <a:off x="8933657" y="2707258"/>
+            <a:ext cx="3258343" cy="2215991"/>
+          </a:xfrm>
+          <a:prstGeom prst="rect">
+            <a:avLst/>
+          </a:prstGeom>
+          <a:noFill/>
+        </p:spPr>
+        <p:txBody>
+          <a:bodyPr wrap="square">
+            <a:spAutoFit/>
+          </a:bodyPr>
+          <a:lstStyle/>
+          <a:p>
+            <a:r>
+              <a:rPr lang="ar-AE" sz="13800" spc="-300" dirty="0">
+                <a:solidFill>
+                  <a:srgbClr val="193C7D"/>
+                </a:solidFill>
+                <a:latin typeface="Arial" panose="020B0604020202020204" pitchFamily="34" charset="0"/>
+                <a:cs typeface="Arial" panose="020B0604020202020204" pitchFamily="34" charset="0"/>
+              </a:rPr>
+              <a:t>هونغ</a:t>
+            </a:r>
+            <a:endParaRPr lang="en-US" sz="9600" spc="-300" dirty="0">
+              <a:solidFill>
+                <a:srgbClr val="193C7D"/>
+              </a:solidFill>
+            </a:endParaRPr>
+          </a:p>
+        </p:txBody>
+      </p:sp>
+      <p:sp>
+        <p:nvSpPr>
+          <p:cNvPr id="2" name="TextBox 1">
+            <a:extLst>
+              <a:ext uri="{FF2B5EF4-FFF2-40B4-BE49-F238E27FC236}">
+                <a16:creationId xmlns:a16="http://schemas.microsoft.com/office/drawing/2014/main" id="{D8CA99EA-F7FA-9D28-1B27-056CD7FD5044}"/>
+              </a:ext>
+            </a:extLst>
+          </p:cNvPr>
+          <p:cNvSpPr txBox="1"/>
+          <p:nvPr/>
+        </p:nvSpPr>
+        <p:spPr>
+          <a:xfrm>
+            <a:off x="4517929" y="1502404"/>
+            <a:ext cx="4378633" cy="1862048"/>
+          </a:xfrm>
+          <a:prstGeom prst="rect">
+            <a:avLst/>
+          </a:prstGeom>
+          <a:noFill/>
+        </p:spPr>
+        <p:txBody>
+          <a:bodyPr wrap="square" rtlCol="0">
+            <a:spAutoFit/>
+          </a:bodyPr>
+          <a:lstStyle/>
+          <a:p>
+            <a:r>
+              <a:rPr lang="en-US" sz="11500" spc="-300" dirty="0">
+                <a:solidFill>
+                  <a:srgbClr val="EE7D30"/>
+                </a:solidFill>
+                <a:latin typeface="Arial" panose="020B0604020202020204" pitchFamily="34" charset="0"/>
+                <a:cs typeface="Arial" panose="020B0604020202020204" pitchFamily="34" charset="0"/>
+              </a:rPr>
+              <a:t>Dr.</a:t>
+            </a:r>
+            <a:r>
+              <a:rPr lang="en-US" sz="6600" spc="-300" dirty="0">
+                <a:solidFill>
+                  <a:srgbClr val="EE7D30"/>
+                </a:solidFill>
+                <a:latin typeface="Arial" panose="020B0604020202020204" pitchFamily="34" charset="0"/>
+                <a:cs typeface="Arial" panose="020B0604020202020204" pitchFamily="34" charset="0"/>
+              </a:rPr>
+              <a:t> </a:t>
+            </a:r>
+            <a:r>
+              <a:rPr lang="en-US" sz="11500" spc="-300" dirty="0">
+                <a:solidFill>
+                  <a:srgbClr val="EE7D30"/>
+                </a:solidFill>
+                <a:latin typeface="Arial" panose="020B0604020202020204" pitchFamily="34" charset="0"/>
+                <a:cs typeface="Arial" panose="020B0604020202020204" pitchFamily="34" charset="0"/>
+              </a:rPr>
+              <a:t>X</a:t>
+            </a:r>
+            <a:r>
+              <a:rPr lang="en-US" sz="8800" spc="-300" dirty="0">
+                <a:solidFill>
+                  <a:srgbClr val="EE7D30"/>
+                </a:solidFill>
+                <a:latin typeface="Arial" panose="020B0604020202020204" pitchFamily="34" charset="0"/>
+                <a:cs typeface="Arial" panose="020B0604020202020204" pitchFamily="34" charset="0"/>
+              </a:rPr>
+              <a:t>U</a:t>
+            </a:r>
+            <a:endParaRPr lang="en-US" sz="9600" spc="-300" dirty="0">
+              <a:solidFill>
+                <a:srgbClr val="EE7D30"/>
+              </a:solidFill>
+              <a:latin typeface="Arial" panose="020B0604020202020204" pitchFamily="34" charset="0"/>
+              <a:cs typeface="Arial" panose="020B0604020202020204" pitchFamily="34" charset="0"/>
+            </a:endParaRPr>
+          </a:p>
+        </p:txBody>
+      </p:sp>
+      <p:sp>
+        <p:nvSpPr>
+          <p:cNvPr id="5" name="TextBox 4">
+            <a:extLst>
+              <a:ext uri="{FF2B5EF4-FFF2-40B4-BE49-F238E27FC236}">
+                <a16:creationId xmlns:a16="http://schemas.microsoft.com/office/drawing/2014/main" id="{B79BC6B3-47FB-5E60-599C-7D91CC2A8ED5}"/>
+              </a:ext>
+            </a:extLst>
+          </p:cNvPr>
+          <p:cNvSpPr txBox="1"/>
+          <p:nvPr/>
+        </p:nvSpPr>
+        <p:spPr>
+          <a:xfrm>
+            <a:off x="4517928" y="3020161"/>
+            <a:ext cx="4378634" cy="1862048"/>
+          </a:xfrm>
+          <a:prstGeom prst="rect">
+            <a:avLst/>
+          </a:prstGeom>
+          <a:noFill/>
+        </p:spPr>
+        <p:txBody>
+          <a:bodyPr wrap="square" rtlCol="0">
+            <a:spAutoFit/>
+          </a:bodyPr>
+          <a:lstStyle/>
+          <a:p>
+            <a:r>
+              <a:rPr lang="en-US" sz="11500" spc="300" dirty="0">
+                <a:solidFill>
+                  <a:srgbClr val="193C7D"/>
+                </a:solidFill>
+                <a:latin typeface="Arial" panose="020B0604020202020204" pitchFamily="34" charset="0"/>
+                <a:cs typeface="Arial" panose="020B0604020202020204" pitchFamily="34" charset="0"/>
+              </a:rPr>
+              <a:t>H</a:t>
+            </a:r>
+            <a:r>
+              <a:rPr lang="en-US" sz="8800" spc="300" dirty="0">
+                <a:solidFill>
+                  <a:srgbClr val="193C7D"/>
+                </a:solidFill>
+                <a:latin typeface="Arial" panose="020B0604020202020204" pitchFamily="34" charset="0"/>
+                <a:cs typeface="Arial" panose="020B0604020202020204" pitchFamily="34" charset="0"/>
+              </a:rPr>
+              <a:t>ONG</a:t>
+            </a:r>
+            <a:r>
+              <a:rPr lang="zh-CN" altLang="en-US" sz="9600" spc="300" dirty="0">
+                <a:solidFill>
+                  <a:srgbClr val="193C7D"/>
+                </a:solidFill>
+                <a:latin typeface="Arial" panose="020B0604020202020204" pitchFamily="34" charset="0"/>
+                <a:cs typeface="Arial" panose="020B0604020202020204" pitchFamily="34" charset="0"/>
+              </a:rPr>
+              <a:t> </a:t>
+            </a:r>
+            <a:endParaRPr lang="en-US" altLang="zh-CN" sz="9600" spc="300" dirty="0">
+              <a:solidFill>
+                <a:srgbClr val="193C7D"/>
+              </a:solidFill>
+              <a:latin typeface="Arial" panose="020B0604020202020204" pitchFamily="34" charset="0"/>
+              <a:cs typeface="Arial" panose="020B0604020202020204" pitchFamily="34" charset="0"/>
+            </a:endParaRPr>
+          </a:p>
+        </p:txBody>
+      </p:sp>
+    </p:spTree>
+    <p:extLst>
+      <p:ext uri="{BB962C8B-B14F-4D97-AF65-F5344CB8AC3E}">
+        <p14:creationId xmlns:p14="http://schemas.microsoft.com/office/powerpoint/2010/main" val="3587914855"/>
+      </p:ext>
+    </p:extLst>
+  </p:cSld>
+  <p:clrMapOvr>
+    <a:masterClrMapping/>
+  </p:clrMapOvr>
+</p:sld>
+</file>
+
+<file path=ppt/slides/slide22.xml><?xml version="1.0" encoding="utf-8"?>
+<p:sld xmlns:a="http://schemas.openxmlformats.org/drawingml/2006/main" xmlns:r="http://schemas.openxmlformats.org/officeDocument/2006/relationships" xmlns:p="http://schemas.openxmlformats.org/presentationml/2006/main">
+  <p:cSld>
+    <p:spTree>
+      <p:nvGrpSpPr>
+        <p:cNvPr id="1" name=""/>
+        <p:cNvGrpSpPr/>
+        <p:nvPr/>
+      </p:nvGrpSpPr>
+      <p:grpSpPr>
+        <a:xfrm>
+          <a:off x="0" y="0"/>
+          <a:ext cx="0" cy="0"/>
+          <a:chOff x="0" y="0"/>
+          <a:chExt cx="0" cy="0"/>
+        </a:xfrm>
+      </p:grpSpPr>
+      <p:pic>
+        <p:nvPicPr>
+          <p:cNvPr id="12290" name="Picture 2" descr="Twelve Chinese zodiac stencils">
+            <a:extLst>
+              <a:ext uri="{FF2B5EF4-FFF2-40B4-BE49-F238E27FC236}">
+                <a16:creationId xmlns:a16="http://schemas.microsoft.com/office/drawing/2014/main" id="{1E4CB55F-FAA7-0D5D-A46E-89DF9E349C08}"/>
+              </a:ext>
+            </a:extLst>
+          </p:cNvPr>
+          <p:cNvPicPr>
+            <a:picLocks noChangeAspect="1" noChangeArrowheads="1"/>
+          </p:cNvPicPr>
+          <p:nvPr/>
+        </p:nvPicPr>
+        <p:blipFill rotWithShape="1">
+          <a:blip r:embed="rId2">
+            <a:duotone>
+              <a:schemeClr val="accent3">
+                <a:shade val="45000"/>
+                <a:satMod val="135000"/>
+              </a:schemeClr>
+              <a:prstClr val="white"/>
+            </a:duotone>
+            <a:extLst>
+              <a:ext uri="{28A0092B-C50C-407E-A947-70E740481C1C}">
+                <a14:useLocalDpi xmlns:a14="http://schemas.microsoft.com/office/drawing/2010/main" val="0"/>
+              </a:ext>
+            </a:extLst>
+          </a:blip>
+          <a:srcRect l="4834" t="9346" r="73801" b="67561"/>
+          <a:stretch/>
+        </p:blipFill>
+        <p:spPr bwMode="auto">
+          <a:xfrm>
+            <a:off x="311085" y="452486"/>
+            <a:ext cx="1791093" cy="1583703"/>
+          </a:xfrm>
+          <a:prstGeom prst="rect">
+            <a:avLst/>
+          </a:prstGeom>
+          <a:noFill/>
+          <a:extLst>
+            <a:ext uri="{909E8E84-426E-40DD-AFC4-6F175D3DCCD1}">
+              <a14:hiddenFill xmlns:a14="http://schemas.microsoft.com/office/drawing/2010/main">
+                <a:solidFill>
+                  <a:srgbClr val="FFFFFF"/>
+                </a:solidFill>
+              </a14:hiddenFill>
+            </a:ext>
+          </a:extLst>
+        </p:spPr>
+      </p:pic>
+      <p:pic>
+        <p:nvPicPr>
+          <p:cNvPr id="4" name="Picture 2" descr="Twelve Chinese zodiac stencils">
+            <a:extLst>
+              <a:ext uri="{FF2B5EF4-FFF2-40B4-BE49-F238E27FC236}">
+                <a16:creationId xmlns:a16="http://schemas.microsoft.com/office/drawing/2014/main" id="{16ABE129-6F43-4D6A-BAC4-F1D53C599275}"/>
+              </a:ext>
+            </a:extLst>
+          </p:cNvPr>
+          <p:cNvPicPr>
+            <a:picLocks noChangeAspect="1" noChangeArrowheads="1"/>
+          </p:cNvPicPr>
+          <p:nvPr/>
+        </p:nvPicPr>
+        <p:blipFill rotWithShape="1">
+          <a:blip r:embed="rId2">
+            <a:duotone>
+              <a:schemeClr val="accent3">
+                <a:shade val="45000"/>
+                <a:satMod val="135000"/>
+              </a:schemeClr>
+              <a:prstClr val="white"/>
+            </a:duotone>
+            <a:extLst>
+              <a:ext uri="{28A0092B-C50C-407E-A947-70E740481C1C}">
+                <a14:useLocalDpi xmlns:a14="http://schemas.microsoft.com/office/drawing/2010/main" val="0"/>
+              </a:ext>
+            </a:extLst>
+          </a:blip>
+          <a:srcRect l="28243" t="8934" r="50392" b="67973"/>
+          <a:stretch/>
+        </p:blipFill>
+        <p:spPr bwMode="auto">
+          <a:xfrm>
+            <a:off x="2264006" y="452485"/>
+            <a:ext cx="1791093" cy="1583703"/>
+          </a:xfrm>
+          <a:prstGeom prst="rect">
+            <a:avLst/>
+          </a:prstGeom>
+          <a:noFill/>
+          <a:extLst>
+            <a:ext uri="{909E8E84-426E-40DD-AFC4-6F175D3DCCD1}">
+              <a14:hiddenFill xmlns:a14="http://schemas.microsoft.com/office/drawing/2010/main">
+                <a:solidFill>
+                  <a:srgbClr val="FFFFFF"/>
+                </a:solidFill>
+              </a14:hiddenFill>
+            </a:ext>
+          </a:extLst>
+        </p:spPr>
+      </p:pic>
+      <p:pic>
+        <p:nvPicPr>
+          <p:cNvPr id="5" name="Picture 2" descr="Twelve Chinese zodiac stencils">
+            <a:extLst>
+              <a:ext uri="{FF2B5EF4-FFF2-40B4-BE49-F238E27FC236}">
+                <a16:creationId xmlns:a16="http://schemas.microsoft.com/office/drawing/2014/main" id="{27F3BE3F-C8D5-2539-6683-E62C2871AB45}"/>
+              </a:ext>
+            </a:extLst>
+          </p:cNvPr>
+          <p:cNvPicPr>
+            <a:picLocks noChangeAspect="1" noChangeArrowheads="1"/>
+          </p:cNvPicPr>
+          <p:nvPr/>
+        </p:nvPicPr>
+        <p:blipFill rotWithShape="1">
+          <a:blip r:embed="rId2">
+            <a:duotone>
+              <a:schemeClr val="accent3">
+                <a:shade val="45000"/>
+                <a:satMod val="135000"/>
+              </a:schemeClr>
+              <a:prstClr val="white"/>
+            </a:duotone>
+            <a:extLst>
+              <a:ext uri="{28A0092B-C50C-407E-A947-70E740481C1C}">
+                <a14:useLocalDpi xmlns:a14="http://schemas.microsoft.com/office/drawing/2010/main" val="0"/>
+              </a:ext>
+            </a:extLst>
+          </a:blip>
+          <a:srcRect l="51351" t="9759" r="27284" b="67148"/>
+          <a:stretch/>
+        </p:blipFill>
+        <p:spPr bwMode="auto">
+          <a:xfrm>
+            <a:off x="4304907" y="452485"/>
+            <a:ext cx="1791093" cy="1583703"/>
+          </a:xfrm>
+          <a:prstGeom prst="rect">
+            <a:avLst/>
+          </a:prstGeom>
+          <a:noFill/>
+          <a:extLst>
+            <a:ext uri="{909E8E84-426E-40DD-AFC4-6F175D3DCCD1}">
+              <a14:hiddenFill xmlns:a14="http://schemas.microsoft.com/office/drawing/2010/main">
+                <a:solidFill>
+                  <a:srgbClr val="FFFFFF"/>
+                </a:solidFill>
+              </a14:hiddenFill>
+            </a:ext>
+          </a:extLst>
+        </p:spPr>
+      </p:pic>
+      <p:pic>
+        <p:nvPicPr>
+          <p:cNvPr id="6" name="Picture 2" descr="Twelve Chinese zodiac stencils">
+            <a:extLst>
+              <a:ext uri="{FF2B5EF4-FFF2-40B4-BE49-F238E27FC236}">
+                <a16:creationId xmlns:a16="http://schemas.microsoft.com/office/drawing/2014/main" id="{9BF89BDB-691E-6A9E-CE9E-175E87223DF2}"/>
+              </a:ext>
+            </a:extLst>
+          </p:cNvPr>
+          <p:cNvPicPr>
+            <a:picLocks noChangeAspect="1" noChangeArrowheads="1"/>
+          </p:cNvPicPr>
+          <p:nvPr/>
+        </p:nvPicPr>
+        <p:blipFill rotWithShape="1">
+          <a:blip r:embed="rId2">
+            <a:duotone>
+              <a:schemeClr val="accent3">
+                <a:shade val="45000"/>
+                <a:satMod val="135000"/>
+              </a:schemeClr>
+              <a:prstClr val="white"/>
+            </a:duotone>
+            <a:extLst>
+              <a:ext uri="{28A0092B-C50C-407E-A947-70E740481C1C}">
+                <a14:useLocalDpi xmlns:a14="http://schemas.microsoft.com/office/drawing/2010/main" val="0"/>
+              </a:ext>
+            </a:extLst>
+          </a:blip>
+          <a:srcRect l="74852" t="9209" r="3783" b="67698"/>
+          <a:stretch/>
+        </p:blipFill>
+        <p:spPr bwMode="auto">
+          <a:xfrm>
+            <a:off x="6210691" y="452484"/>
+            <a:ext cx="1791093" cy="1583703"/>
+          </a:xfrm>
+          <a:prstGeom prst="rect">
+            <a:avLst/>
+          </a:prstGeom>
+          <a:noFill/>
+          <a:extLst>
+            <a:ext uri="{909E8E84-426E-40DD-AFC4-6F175D3DCCD1}">
+              <a14:hiddenFill xmlns:a14="http://schemas.microsoft.com/office/drawing/2010/main">
+                <a:solidFill>
+                  <a:srgbClr val="FFFFFF"/>
+                </a:solidFill>
+              </a14:hiddenFill>
+            </a:ext>
+          </a:extLst>
+        </p:spPr>
+      </p:pic>
+      <p:pic>
+        <p:nvPicPr>
+          <p:cNvPr id="7" name="Picture 2" descr="Twelve Chinese zodiac stencils">
+            <a:extLst>
+              <a:ext uri="{FF2B5EF4-FFF2-40B4-BE49-F238E27FC236}">
+                <a16:creationId xmlns:a16="http://schemas.microsoft.com/office/drawing/2014/main" id="{60BA9919-FA19-918A-CEE2-6F2618A24FC5}"/>
+              </a:ext>
+            </a:extLst>
+          </p:cNvPr>
+          <p:cNvPicPr>
+            <a:picLocks noChangeAspect="1" noChangeArrowheads="1"/>
+          </p:cNvPicPr>
+          <p:nvPr/>
+        </p:nvPicPr>
+        <p:blipFill rotWithShape="1">
+          <a:blip r:embed="rId2">
+            <a:duotone>
+              <a:schemeClr val="accent3">
+                <a:shade val="45000"/>
+                <a:satMod val="135000"/>
+              </a:schemeClr>
+              <a:prstClr val="white"/>
+            </a:duotone>
+            <a:extLst>
+              <a:ext uri="{28A0092B-C50C-407E-A947-70E740481C1C}">
+                <a14:useLocalDpi xmlns:a14="http://schemas.microsoft.com/office/drawing/2010/main" val="0"/>
+              </a:ext>
+            </a:extLst>
+          </a:blip>
+          <a:srcRect l="3971" t="37548" r="74664" b="39359"/>
+          <a:stretch/>
+        </p:blipFill>
+        <p:spPr bwMode="auto">
+          <a:xfrm>
+            <a:off x="8251592" y="538896"/>
+            <a:ext cx="1791093" cy="1583703"/>
+          </a:xfrm>
+          <a:prstGeom prst="rect">
+            <a:avLst/>
+          </a:prstGeom>
+          <a:noFill/>
+          <a:extLst>
+            <a:ext uri="{909E8E84-426E-40DD-AFC4-6F175D3DCCD1}">
+              <a14:hiddenFill xmlns:a14="http://schemas.microsoft.com/office/drawing/2010/main">
+                <a:solidFill>
+                  <a:srgbClr val="FFFFFF"/>
+                </a:solidFill>
+              </a14:hiddenFill>
+            </a:ext>
+          </a:extLst>
+        </p:spPr>
+      </p:pic>
+      <p:pic>
+        <p:nvPicPr>
+          <p:cNvPr id="8" name="Picture 2" descr="Twelve Chinese zodiac stencils">
+            <a:extLst>
+              <a:ext uri="{FF2B5EF4-FFF2-40B4-BE49-F238E27FC236}">
+                <a16:creationId xmlns:a16="http://schemas.microsoft.com/office/drawing/2014/main" id="{A4D6AC05-BD66-492F-734C-64FCB218B89A}"/>
+              </a:ext>
+            </a:extLst>
+          </p:cNvPr>
+          <p:cNvPicPr>
+            <a:picLocks noChangeAspect="1" noChangeArrowheads="1"/>
+          </p:cNvPicPr>
+          <p:nvPr/>
+        </p:nvPicPr>
+        <p:blipFill rotWithShape="1">
+          <a:blip r:embed="rId2">
+            <a:duotone>
+              <a:schemeClr val="accent3">
+                <a:shade val="45000"/>
+                <a:satMod val="135000"/>
+              </a:schemeClr>
+              <a:prstClr val="white"/>
+            </a:duotone>
+            <a:extLst>
+              <a:ext uri="{28A0092B-C50C-407E-A947-70E740481C1C}">
+                <a14:useLocalDpi xmlns:a14="http://schemas.microsoft.com/office/drawing/2010/main" val="0"/>
+              </a:ext>
+            </a:extLst>
+          </a:blip>
+          <a:srcRect l="28147" t="37548" r="50488" b="39359"/>
+          <a:stretch/>
+        </p:blipFill>
+        <p:spPr bwMode="auto">
+          <a:xfrm>
+            <a:off x="311084" y="2388121"/>
+            <a:ext cx="1791093" cy="1583703"/>
+          </a:xfrm>
+          <a:prstGeom prst="rect">
+            <a:avLst/>
+          </a:prstGeom>
+          <a:noFill/>
+          <a:extLst>
+            <a:ext uri="{909E8E84-426E-40DD-AFC4-6F175D3DCCD1}">
+              <a14:hiddenFill xmlns:a14="http://schemas.microsoft.com/office/drawing/2010/main">
+                <a:solidFill>
+                  <a:srgbClr val="FFFFFF"/>
+                </a:solidFill>
+              </a14:hiddenFill>
+            </a:ext>
+          </a:extLst>
+        </p:spPr>
+      </p:pic>
+      <p:pic>
+        <p:nvPicPr>
+          <p:cNvPr id="9" name="Picture 2" descr="Twelve Chinese zodiac stencils">
+            <a:extLst>
+              <a:ext uri="{FF2B5EF4-FFF2-40B4-BE49-F238E27FC236}">
+                <a16:creationId xmlns:a16="http://schemas.microsoft.com/office/drawing/2014/main" id="{66FECE2F-4EBC-1C9E-B1AA-4AFE59E0DD75}"/>
+              </a:ext>
+            </a:extLst>
+          </p:cNvPr>
+          <p:cNvPicPr>
+            <a:picLocks noChangeAspect="1" noChangeArrowheads="1"/>
+          </p:cNvPicPr>
+          <p:nvPr/>
+        </p:nvPicPr>
+        <p:blipFill rotWithShape="1">
+          <a:blip r:embed="rId2">
+            <a:duotone>
+              <a:schemeClr val="accent3">
+                <a:shade val="45000"/>
+                <a:satMod val="135000"/>
+              </a:schemeClr>
+              <a:prstClr val="white"/>
+            </a:duotone>
+            <a:extLst>
+              <a:ext uri="{28A0092B-C50C-407E-A947-70E740481C1C}">
+                <a14:useLocalDpi xmlns:a14="http://schemas.microsoft.com/office/drawing/2010/main" val="0"/>
+              </a:ext>
+            </a:extLst>
+          </a:blip>
+          <a:srcRect l="51311" t="37273" r="27324" b="39634"/>
+          <a:stretch/>
+        </p:blipFill>
+        <p:spPr bwMode="auto">
+          <a:xfrm>
+            <a:off x="2447826" y="2338630"/>
+            <a:ext cx="1791093" cy="1583703"/>
+          </a:xfrm>
+          <a:prstGeom prst="rect">
+            <a:avLst/>
+          </a:prstGeom>
+          <a:noFill/>
+          <a:extLst>
+            <a:ext uri="{909E8E84-426E-40DD-AFC4-6F175D3DCCD1}">
+              <a14:hiddenFill xmlns:a14="http://schemas.microsoft.com/office/drawing/2010/main">
+                <a:solidFill>
+                  <a:srgbClr val="FFFFFF"/>
+                </a:solidFill>
+              </a14:hiddenFill>
+            </a:ext>
+          </a:extLst>
+        </p:spPr>
+      </p:pic>
+      <p:pic>
+        <p:nvPicPr>
+          <p:cNvPr id="10" name="Picture 2" descr="Twelve Chinese zodiac stencils">
+            <a:extLst>
+              <a:ext uri="{FF2B5EF4-FFF2-40B4-BE49-F238E27FC236}">
+                <a16:creationId xmlns:a16="http://schemas.microsoft.com/office/drawing/2014/main" id="{6C165FCD-D923-E789-207C-3761E17156B2}"/>
+              </a:ext>
+            </a:extLst>
+          </p:cNvPr>
+          <p:cNvPicPr>
+            <a:picLocks noChangeAspect="1" noChangeArrowheads="1"/>
+          </p:cNvPicPr>
+          <p:nvPr/>
+        </p:nvPicPr>
+        <p:blipFill rotWithShape="1">
+          <a:blip r:embed="rId2">
+            <a:duotone>
+              <a:schemeClr val="accent3">
+                <a:shade val="45000"/>
+                <a:satMod val="135000"/>
+              </a:schemeClr>
+              <a:prstClr val="white"/>
+            </a:duotone>
+            <a:extLst>
+              <a:ext uri="{28A0092B-C50C-407E-A947-70E740481C1C}">
+                <a14:useLocalDpi xmlns:a14="http://schemas.microsoft.com/office/drawing/2010/main" val="0"/>
+              </a:ext>
+            </a:extLst>
+          </a:blip>
+          <a:srcRect l="74925" t="36448" r="3710" b="40459"/>
+          <a:stretch/>
+        </p:blipFill>
+        <p:spPr bwMode="auto">
+          <a:xfrm>
+            <a:off x="4664695" y="2338630"/>
+            <a:ext cx="1791093" cy="1583703"/>
+          </a:xfrm>
+          <a:prstGeom prst="rect">
+            <a:avLst/>
+          </a:prstGeom>
+          <a:noFill/>
+          <a:extLst>
+            <a:ext uri="{909E8E84-426E-40DD-AFC4-6F175D3DCCD1}">
+              <a14:hiddenFill xmlns:a14="http://schemas.microsoft.com/office/drawing/2010/main">
+                <a:solidFill>
+                  <a:srgbClr val="FFFFFF"/>
+                </a:solidFill>
+              </a14:hiddenFill>
+            </a:ext>
+          </a:extLst>
+        </p:spPr>
+      </p:pic>
+      <p:pic>
+        <p:nvPicPr>
+          <p:cNvPr id="11" name="Picture 2" descr="Twelve Chinese zodiac stencils">
+            <a:extLst>
+              <a:ext uri="{FF2B5EF4-FFF2-40B4-BE49-F238E27FC236}">
+                <a16:creationId xmlns:a16="http://schemas.microsoft.com/office/drawing/2014/main" id="{957A40A1-113A-D6A0-1813-42DA838ED061}"/>
+              </a:ext>
+            </a:extLst>
+          </p:cNvPr>
+          <p:cNvPicPr>
+            <a:picLocks noChangeAspect="1" noChangeArrowheads="1"/>
+          </p:cNvPicPr>
+          <p:nvPr/>
+        </p:nvPicPr>
+        <p:blipFill rotWithShape="1">
+          <a:blip r:embed="rId2">
+            <a:duotone>
+              <a:schemeClr val="accent3">
+                <a:shade val="45000"/>
+                <a:satMod val="135000"/>
+              </a:schemeClr>
+              <a:prstClr val="white"/>
+            </a:duotone>
+            <a:extLst>
+              <a:ext uri="{28A0092B-C50C-407E-A947-70E740481C1C}">
+                <a14:useLocalDpi xmlns:a14="http://schemas.microsoft.com/office/drawing/2010/main" val="0"/>
+              </a:ext>
+            </a:extLst>
+          </a:blip>
+          <a:srcRect l="3711" t="66930" r="74924" b="9977"/>
+          <a:stretch/>
+        </p:blipFill>
+        <p:spPr bwMode="auto">
+          <a:xfrm>
+            <a:off x="6881564" y="2491816"/>
+            <a:ext cx="1791093" cy="1583703"/>
+          </a:xfrm>
+          <a:prstGeom prst="rect">
+            <a:avLst/>
+          </a:prstGeom>
+          <a:noFill/>
+          <a:extLst>
+            <a:ext uri="{909E8E84-426E-40DD-AFC4-6F175D3DCCD1}">
+              <a14:hiddenFill xmlns:a14="http://schemas.microsoft.com/office/drawing/2010/main">
+                <a:solidFill>
+                  <a:srgbClr val="FFFFFF"/>
+                </a:solidFill>
+              </a14:hiddenFill>
+            </a:ext>
+          </a:extLst>
+        </p:spPr>
+      </p:pic>
+      <p:pic>
+        <p:nvPicPr>
+          <p:cNvPr id="12" name="Picture 2" descr="Twelve Chinese zodiac stencils">
+            <a:extLst>
+              <a:ext uri="{FF2B5EF4-FFF2-40B4-BE49-F238E27FC236}">
+                <a16:creationId xmlns:a16="http://schemas.microsoft.com/office/drawing/2014/main" id="{3BEE2AC9-30BB-A50F-85F9-05B59A224EF2}"/>
+              </a:ext>
+            </a:extLst>
+          </p:cNvPr>
+          <p:cNvPicPr>
+            <a:picLocks noChangeAspect="1" noChangeArrowheads="1"/>
+          </p:cNvPicPr>
+          <p:nvPr/>
+        </p:nvPicPr>
+        <p:blipFill rotWithShape="1">
+          <a:blip r:embed="rId2">
+            <a:duotone>
+              <a:schemeClr val="accent3">
+                <a:shade val="45000"/>
+                <a:satMod val="135000"/>
+              </a:schemeClr>
+              <a:prstClr val="white"/>
+            </a:duotone>
+            <a:extLst>
+              <a:ext uri="{28A0092B-C50C-407E-A947-70E740481C1C}">
+                <a14:useLocalDpi xmlns:a14="http://schemas.microsoft.com/office/drawing/2010/main" val="0"/>
+              </a:ext>
+            </a:extLst>
+          </a:blip>
+          <a:srcRect l="27681" t="66930" r="50954" b="9977"/>
+          <a:stretch/>
+        </p:blipFill>
+        <p:spPr bwMode="auto">
+          <a:xfrm>
+            <a:off x="8848627" y="2388121"/>
+            <a:ext cx="1791093" cy="1583703"/>
+          </a:xfrm>
+          <a:prstGeom prst="rect">
+            <a:avLst/>
+          </a:prstGeom>
+          <a:noFill/>
+          <a:extLst>
+            <a:ext uri="{909E8E84-426E-40DD-AFC4-6F175D3DCCD1}">
+              <a14:hiddenFill xmlns:a14="http://schemas.microsoft.com/office/drawing/2010/main">
+                <a:solidFill>
+                  <a:srgbClr val="FFFFFF"/>
+                </a:solidFill>
+              </a14:hiddenFill>
+            </a:ext>
+          </a:extLst>
+        </p:spPr>
+      </p:pic>
+      <p:pic>
+        <p:nvPicPr>
+          <p:cNvPr id="13" name="Picture 2" descr="Twelve Chinese zodiac stencils">
+            <a:extLst>
+              <a:ext uri="{FF2B5EF4-FFF2-40B4-BE49-F238E27FC236}">
+                <a16:creationId xmlns:a16="http://schemas.microsoft.com/office/drawing/2014/main" id="{68039463-ADCA-1A10-CD54-A56339448430}"/>
+              </a:ext>
+            </a:extLst>
+          </p:cNvPr>
+          <p:cNvPicPr>
+            <a:picLocks noChangeAspect="1" noChangeArrowheads="1"/>
+          </p:cNvPicPr>
+          <p:nvPr/>
+        </p:nvPicPr>
+        <p:blipFill rotWithShape="1">
+          <a:blip r:embed="rId2">
+            <a:duotone>
+              <a:schemeClr val="accent3">
+                <a:shade val="45000"/>
+                <a:satMod val="135000"/>
+              </a:schemeClr>
+              <a:prstClr val="white"/>
+            </a:duotone>
+            <a:extLst>
+              <a:ext uri="{28A0092B-C50C-407E-A947-70E740481C1C}">
+                <a14:useLocalDpi xmlns:a14="http://schemas.microsoft.com/office/drawing/2010/main" val="0"/>
+              </a:ext>
+            </a:extLst>
+          </a:blip>
+          <a:srcRect l="50776" t="67148" r="27859" b="9759"/>
+          <a:stretch/>
+        </p:blipFill>
+        <p:spPr bwMode="auto">
+          <a:xfrm>
+            <a:off x="311084" y="4501297"/>
+            <a:ext cx="1791093" cy="1583703"/>
+          </a:xfrm>
+          <a:prstGeom prst="rect">
+            <a:avLst/>
+          </a:prstGeom>
+          <a:noFill/>
+          <a:extLst>
+            <a:ext uri="{909E8E84-426E-40DD-AFC4-6F175D3DCCD1}">
+              <a14:hiddenFill xmlns:a14="http://schemas.microsoft.com/office/drawing/2010/main">
+                <a:solidFill>
+                  <a:srgbClr val="FFFFFF"/>
+                </a:solidFill>
+              </a14:hiddenFill>
+            </a:ext>
+          </a:extLst>
+        </p:spPr>
+      </p:pic>
+      <p:pic>
+        <p:nvPicPr>
+          <p:cNvPr id="14" name="Picture 2" descr="Twelve Chinese zodiac stencils">
+            <a:extLst>
+              <a:ext uri="{FF2B5EF4-FFF2-40B4-BE49-F238E27FC236}">
+                <a16:creationId xmlns:a16="http://schemas.microsoft.com/office/drawing/2014/main" id="{30F69029-45E5-BC7C-014A-CBB568BCE78B}"/>
+              </a:ext>
+            </a:extLst>
+          </p:cNvPr>
+          <p:cNvPicPr>
+            <a:picLocks noChangeAspect="1" noChangeArrowheads="1"/>
+          </p:cNvPicPr>
+          <p:nvPr/>
+        </p:nvPicPr>
+        <p:blipFill rotWithShape="1">
+          <a:blip r:embed="rId2">
+            <a:duotone>
+              <a:schemeClr val="accent3">
+                <a:shade val="45000"/>
+                <a:satMod val="135000"/>
+              </a:schemeClr>
+              <a:prstClr val="white"/>
+            </a:duotone>
+            <a:extLst>
+              <a:ext uri="{28A0092B-C50C-407E-A947-70E740481C1C}">
+                <a14:useLocalDpi xmlns:a14="http://schemas.microsoft.com/office/drawing/2010/main" val="0"/>
+              </a:ext>
+            </a:extLst>
+          </a:blip>
+          <a:srcRect l="74924" t="67640" r="3711" b="9267"/>
+          <a:stretch/>
+        </p:blipFill>
+        <p:spPr bwMode="auto">
+          <a:xfrm>
+            <a:off x="2447825" y="4568856"/>
+            <a:ext cx="1791093" cy="1583703"/>
+          </a:xfrm>
+          <a:prstGeom prst="rect">
+            <a:avLst/>
+          </a:prstGeom>
+          <a:noFill/>
+          <a:extLst>
+            <a:ext uri="{909E8E84-426E-40DD-AFC4-6F175D3DCCD1}">
+              <a14:hiddenFill xmlns:a14="http://schemas.microsoft.com/office/drawing/2010/main">
+                <a:solidFill>
+                  <a:srgbClr val="FFFFFF"/>
+                </a:solidFill>
+              </a14:hiddenFill>
+            </a:ext>
+          </a:extLst>
+        </p:spPr>
+      </p:pic>
+    </p:spTree>
+    <p:extLst>
+      <p:ext uri="{BB962C8B-B14F-4D97-AF65-F5344CB8AC3E}">
+        <p14:creationId xmlns:p14="http://schemas.microsoft.com/office/powerpoint/2010/main" val="3061156144"/>
+      </p:ext>
+    </p:extLst>
+  </p:cSld>
+  <p:clrMapOvr>
+    <a:masterClrMapping/>
+  </p:clrMapOvr>
+</p:sld>
+</file>
+
+<file path=ppt/slides/slide23.xml><?xml version="1.0" encoding="utf-8"?>
+<p:sld xmlns:a="http://schemas.openxmlformats.org/drawingml/2006/main" xmlns:r="http://schemas.openxmlformats.org/officeDocument/2006/relationships" xmlns:p="http://schemas.openxmlformats.org/presentationml/2006/main" show="0">
+  <p:cSld>
+    <p:spTree>
+      <p:nvGrpSpPr>
+        <p:cNvPr id="1" name=""/>
+        <p:cNvGrpSpPr/>
+        <p:nvPr/>
+      </p:nvGrpSpPr>
+      <p:grpSpPr>
+        <a:xfrm>
+          <a:off x="0" y="0"/>
+          <a:ext cx="0" cy="0"/>
+          <a:chOff x="0" y="0"/>
+          <a:chExt cx="0" cy="0"/>
+        </a:xfrm>
+      </p:grpSpPr>
+      <p:pic>
+        <p:nvPicPr>
+          <p:cNvPr id="1026" name="Picture 2" descr="Image">
+            <a:extLst>
+              <a:ext uri="{FF2B5EF4-FFF2-40B4-BE49-F238E27FC236}">
+                <a16:creationId xmlns:a16="http://schemas.microsoft.com/office/drawing/2014/main" id="{36D76745-1717-2F81-B8A8-05514344CC77}"/>
+              </a:ext>
+            </a:extLst>
+          </p:cNvPr>
+          <p:cNvPicPr>
+            <a:picLocks noChangeAspect="1" noChangeArrowheads="1"/>
+          </p:cNvPicPr>
+          <p:nvPr/>
+        </p:nvPicPr>
+        <p:blipFill rotWithShape="1">
+          <a:blip r:embed="rId2">
+            <a:extLst>
+              <a:ext uri="{28A0092B-C50C-407E-A947-70E740481C1C}">
+                <a14:useLocalDpi xmlns:a14="http://schemas.microsoft.com/office/drawing/2010/main" val="0"/>
+              </a:ext>
+            </a:extLst>
+          </a:blip>
+          <a:srcRect r="47237"/>
+          <a:stretch/>
+        </p:blipFill>
+        <p:spPr bwMode="auto">
+          <a:xfrm>
+            <a:off x="345686" y="1115587"/>
+            <a:ext cx="5430646" cy="4469498"/>
+          </a:xfrm>
+          <a:prstGeom prst="rect">
+            <a:avLst/>
+          </a:prstGeom>
+          <a:noFill/>
+          <a:extLst>
+            <a:ext uri="{909E8E84-426E-40DD-AFC4-6F175D3DCCD1}">
+              <a14:hiddenFill xmlns:a14="http://schemas.microsoft.com/office/drawing/2010/main">
+                <a:solidFill>
+                  <a:srgbClr val="FFFFFF"/>
+                </a:solidFill>
+              </a14:hiddenFill>
+            </a:ext>
+          </a:extLst>
+        </p:spPr>
+      </p:pic>
+      <p:pic>
+        <p:nvPicPr>
+          <p:cNvPr id="5" name="Picture 2" descr="Image">
+            <a:extLst>
+              <a:ext uri="{FF2B5EF4-FFF2-40B4-BE49-F238E27FC236}">
+                <a16:creationId xmlns:a16="http://schemas.microsoft.com/office/drawing/2014/main" id="{1D073A1F-A872-8518-14F2-52A74737B66F}"/>
+              </a:ext>
+            </a:extLst>
+          </p:cNvPr>
+          <p:cNvPicPr>
+            <a:picLocks noChangeAspect="1" noChangeArrowheads="1"/>
+          </p:cNvPicPr>
+          <p:nvPr/>
+        </p:nvPicPr>
+        <p:blipFill rotWithShape="1">
+          <a:blip r:embed="rId2">
+            <a:extLst>
+              <a:ext uri="{28A0092B-C50C-407E-A947-70E740481C1C}">
+                <a14:useLocalDpi xmlns:a14="http://schemas.microsoft.com/office/drawing/2010/main" val="0"/>
+              </a:ext>
+            </a:extLst>
+          </a:blip>
+          <a:srcRect l="54152" r="344"/>
+          <a:stretch/>
+        </p:blipFill>
+        <p:spPr bwMode="auto">
+          <a:xfrm>
+            <a:off x="7196595" y="1115587"/>
+            <a:ext cx="4685523" cy="4471416"/>
+          </a:xfrm>
+          <a:prstGeom prst="rect">
+            <a:avLst/>
+          </a:prstGeom>
+          <a:noFill/>
+          <a:extLst>
+            <a:ext uri="{909E8E84-426E-40DD-AFC4-6F175D3DCCD1}">
+              <a14:hiddenFill xmlns:a14="http://schemas.microsoft.com/office/drawing/2010/main">
+                <a:solidFill>
+                  <a:srgbClr val="FFFFFF"/>
+                </a:solidFill>
+              </a14:hiddenFill>
+            </a:ext>
+          </a:extLst>
+        </p:spPr>
+      </p:pic>
+      <p:sp>
+        <p:nvSpPr>
+          <p:cNvPr id="6" name="TextBox 5">
+            <a:extLst>
+              <a:ext uri="{FF2B5EF4-FFF2-40B4-BE49-F238E27FC236}">
+                <a16:creationId xmlns:a16="http://schemas.microsoft.com/office/drawing/2014/main" id="{F451CFEC-4921-39AC-4FDE-EB5D812E9EAA}"/>
+              </a:ext>
+            </a:extLst>
+          </p:cNvPr>
+          <p:cNvSpPr txBox="1"/>
+          <p:nvPr/>
+        </p:nvSpPr>
+        <p:spPr>
+          <a:xfrm>
+            <a:off x="5787090" y="1897251"/>
+            <a:ext cx="1102834" cy="1274195"/>
+          </a:xfrm>
+          <a:prstGeom prst="rect">
+            <a:avLst/>
+          </a:prstGeom>
+          <a:noFill/>
+        </p:spPr>
+        <p:txBody>
+          <a:bodyPr wrap="square" rtlCol="0">
+            <a:spAutoFit/>
+          </a:bodyPr>
+          <a:lstStyle/>
+          <a:p>
+            <a:pPr>
+              <a:lnSpc>
+                <a:spcPct val="80000"/>
+              </a:lnSpc>
+            </a:pPr>
+            <a:r>
+              <a:rPr lang="ko-KR" altLang="en-US" sz="9600" i="0" spc="-300" dirty="0">
+                <a:solidFill>
+                  <a:srgbClr val="EE7D30"/>
+                </a:solidFill>
+                <a:effectLst/>
+                <a:latin typeface="Segoe UI" panose="020B0502040204020203" pitchFamily="34" charset="0"/>
+              </a:rPr>
+              <a:t>서</a:t>
+            </a:r>
+          </a:p>
+        </p:txBody>
+      </p:sp>
+      <p:sp>
+        <p:nvSpPr>
+          <p:cNvPr id="2" name="TextBox 1">
+            <a:extLst>
+              <a:ext uri="{FF2B5EF4-FFF2-40B4-BE49-F238E27FC236}">
+                <a16:creationId xmlns:a16="http://schemas.microsoft.com/office/drawing/2014/main" id="{9DEA104D-1DE7-5965-21DD-4F99C48DC2A5}"/>
+              </a:ext>
+            </a:extLst>
+          </p:cNvPr>
+          <p:cNvSpPr txBox="1"/>
+          <p:nvPr/>
+        </p:nvSpPr>
+        <p:spPr>
+          <a:xfrm>
+            <a:off x="5776332" y="3330594"/>
+            <a:ext cx="1102834" cy="1421928"/>
+          </a:xfrm>
+          <a:prstGeom prst="rect">
+            <a:avLst/>
+          </a:prstGeom>
+          <a:noFill/>
+        </p:spPr>
+        <p:txBody>
+          <a:bodyPr wrap="square" rtlCol="0">
+            <a:spAutoFit/>
+          </a:bodyPr>
+          <a:lstStyle/>
+          <a:p>
+            <a:pPr>
+              <a:lnSpc>
+                <a:spcPct val="90000"/>
+              </a:lnSpc>
+            </a:pPr>
+            <a:r>
+              <a:rPr lang="ko-KR" altLang="en-US" sz="9600" i="0" spc="-300" dirty="0">
+                <a:solidFill>
+                  <a:srgbClr val="193C7D"/>
+                </a:solidFill>
+                <a:effectLst/>
+                <a:latin typeface="Segoe UI" panose="020B0502040204020203" pitchFamily="34" charset="0"/>
+              </a:rPr>
+              <a:t>홍</a:t>
+            </a:r>
+            <a:endParaRPr lang="ja-JP" altLang="en-US" sz="9600" i="0" spc="-300">
+              <a:solidFill>
+                <a:srgbClr val="193C7D"/>
+              </a:solidFill>
+              <a:effectLst/>
+              <a:latin typeface="Segoe UI" panose="020B0502040204020203" pitchFamily="34" charset="0"/>
+            </a:endParaRPr>
+          </a:p>
+        </p:txBody>
+      </p:sp>
+    </p:spTree>
+    <p:extLst>
+      <p:ext uri="{BB962C8B-B14F-4D97-AF65-F5344CB8AC3E}">
+        <p14:creationId xmlns:p14="http://schemas.microsoft.com/office/powerpoint/2010/main" val="3903416573"/>
+      </p:ext>
+    </p:extLst>
+  </p:cSld>
+  <p:clrMapOvr>
+    <a:masterClrMapping/>
+  </p:clrMapOvr>
+</p:sld>
+</file>
+
 <file path=ppt/slides/slide3.xml><?xml version="1.0" encoding="utf-8"?>
 <p:sld xmlns:a="http://schemas.openxmlformats.org/drawingml/2006/main" xmlns:r="http://schemas.openxmlformats.org/officeDocument/2006/relationships" xmlns:p="http://schemas.openxmlformats.org/presentationml/2006/main">
   <p:cSld>
@@ -8363,10 +10178,10 @@
       </p:grpSpPr>
       <p:pic>
         <p:nvPicPr>
-          <p:cNvPr id="1026" name="Picture 2" descr="Image">
-            <a:extLst>
-              <a:ext uri="{FF2B5EF4-FFF2-40B4-BE49-F238E27FC236}">
-                <a16:creationId xmlns:a16="http://schemas.microsoft.com/office/drawing/2014/main" id="{36D76745-1717-2F81-B8A8-05514344CC77}"/>
+          <p:cNvPr id="6" name="Picture 5" descr="Image">
+            <a:extLst>
+              <a:ext uri="{FF2B5EF4-FFF2-40B4-BE49-F238E27FC236}">
+                <a16:creationId xmlns:a16="http://schemas.microsoft.com/office/drawing/2014/main" id="{F823361B-1BCC-9F47-EB30-227A79AB7E31}"/>
               </a:ext>
             </a:extLst>
           </p:cNvPr>
@@ -8383,13 +10198,13 @@
               </a:ext>
             </a:extLst>
           </a:blip>
-          <a:srcRect r="47237"/>
+          <a:srcRect r="62270" b="4653"/>
           <a:stretch/>
         </p:blipFill>
         <p:spPr bwMode="auto">
           <a:xfrm>
-            <a:off x="345686" y="1115587"/>
-            <a:ext cx="5430646" cy="4469498"/>
+            <a:off x="544459" y="1664967"/>
+            <a:ext cx="3325405" cy="3649163"/>
           </a:xfrm>
           <a:prstGeom prst="rect">
             <a:avLst/>
@@ -8408,10 +10223,10 @@
       </p:pic>
       <p:sp>
         <p:nvSpPr>
-          <p:cNvPr id="6" name="TextBox 5">
-            <a:extLst>
-              <a:ext uri="{FF2B5EF4-FFF2-40B4-BE49-F238E27FC236}">
-                <a16:creationId xmlns:a16="http://schemas.microsoft.com/office/drawing/2014/main" id="{F451CFEC-4921-39AC-4FDE-EB5D812E9EAA}"/>
+          <p:cNvPr id="7" name="TextBox 6">
+            <a:extLst>
+              <a:ext uri="{FF2B5EF4-FFF2-40B4-BE49-F238E27FC236}">
+                <a16:creationId xmlns:a16="http://schemas.microsoft.com/office/drawing/2014/main" id="{CEC6B8CB-0481-C991-108E-41E1C6C79CF9}"/>
               </a:ext>
             </a:extLst>
           </p:cNvPr>
@@ -8420,8 +10235,8 @@
         </p:nvSpPr>
         <p:spPr>
           <a:xfrm>
-            <a:off x="5657996" y="1821944"/>
-            <a:ext cx="1102834" cy="1295932"/>
+            <a:off x="4243608" y="1543868"/>
+            <a:ext cx="6843491" cy="3770263"/>
           </a:xfrm>
           <a:prstGeom prst="rect">
             <a:avLst/>
@@ -8434,22 +10249,27 @@
           </a:bodyPr>
           <a:lstStyle/>
           <a:p>
-            <a:pPr>
-              <a:lnSpc>
-                <a:spcPct val="80000"/>
-              </a:lnSpc>
-            </a:pPr>
-            <a:r>
-              <a:rPr lang="ja-JP" altLang="en-US" sz="4800" b="1" i="0" spc="-300">
+            <a:r>
+              <a:rPr lang="en-US" sz="23900" dirty="0" err="1">
+                <a:solidFill>
+                  <a:srgbClr val="EE7D30"/>
+                </a:solidFill>
+                <a:latin typeface="PingFang HK" panose="020B0400000000000000" pitchFamily="34" charset="-120"/>
+                <a:ea typeface="PingFang HK" panose="020B0400000000000000" pitchFamily="34" charset="-120"/>
+              </a:rPr>
+              <a:t>徐</a:t>
+            </a:r>
+            <a:r>
+              <a:rPr lang="ko-KR" altLang="en-US" sz="16600" i="0" dirty="0">
                 <a:solidFill>
                   <a:srgbClr val="EE7D30"/>
                 </a:solidFill>
                 <a:effectLst/>
                 <a:latin typeface="Segoe UI" panose="020B0502040204020203" pitchFamily="34" charset="0"/>
               </a:rPr>
-              <a:t>じょ</a:t>
-            </a:r>
-            <a:endParaRPr lang="en-US" sz="4800" b="1" spc="-300" dirty="0">
+              <a:t>서</a:t>
+            </a:r>
+            <a:endParaRPr lang="en-US" sz="16600" dirty="0">
               <a:solidFill>
                 <a:srgbClr val="EE7D30"/>
               </a:solidFill>
@@ -8459,10 +10279,10 @@
       </p:sp>
       <p:sp>
         <p:nvSpPr>
-          <p:cNvPr id="2" name="TextBox 1">
-            <a:extLst>
-              <a:ext uri="{FF2B5EF4-FFF2-40B4-BE49-F238E27FC236}">
-                <a16:creationId xmlns:a16="http://schemas.microsoft.com/office/drawing/2014/main" id="{9DEA104D-1DE7-5965-21DD-4F99C48DC2A5}"/>
+          <p:cNvPr id="8" name="TextBox 7">
+            <a:extLst>
+              <a:ext uri="{FF2B5EF4-FFF2-40B4-BE49-F238E27FC236}">
+                <a16:creationId xmlns:a16="http://schemas.microsoft.com/office/drawing/2014/main" id="{D957FE77-70E0-2437-7C4E-32D8ACEC3231}"/>
               </a:ext>
             </a:extLst>
           </p:cNvPr>
@@ -8471,8 +10291,8 @@
         </p:nvSpPr>
         <p:spPr>
           <a:xfrm>
-            <a:off x="5668754" y="3309077"/>
-            <a:ext cx="1102834" cy="2086725"/>
+            <a:off x="9983632" y="2722999"/>
+            <a:ext cx="5713568" cy="2502673"/>
           </a:xfrm>
           <a:prstGeom prst="rect">
             <a:avLst/>
@@ -8487,27 +10307,30 @@
           <a:p>
             <a:pPr>
               <a:lnSpc>
-                <a:spcPct val="90000"/>
+                <a:spcPct val="55000"/>
               </a:lnSpc>
             </a:pPr>
             <a:r>
-              <a:rPr lang="ja-JP" altLang="en-US" sz="4800" b="1" i="0" spc="-300">
+              <a:rPr lang="en-US" sz="23900" dirty="0" err="1">
+                <a:solidFill>
+                  <a:srgbClr val="193C7D"/>
+                </a:solidFill>
+                <a:latin typeface="PingFang HK" panose="020B0400000000000000" pitchFamily="34" charset="-120"/>
+                <a:ea typeface="PingFang HK" panose="020B0400000000000000" pitchFamily="34" charset="-120"/>
+              </a:rPr>
+              <a:t>泓</a:t>
+            </a:r>
+            <a:r>
+              <a:rPr lang="ko-KR" altLang="en-US" sz="16600" i="0" dirty="0">
                 <a:solidFill>
                   <a:srgbClr val="193C7D"/>
                 </a:solidFill>
                 <a:effectLst/>
                 <a:latin typeface="Segoe UI" panose="020B0502040204020203" pitchFamily="34" charset="0"/>
               </a:rPr>
-              <a:t>おう</a:t>
-            </a:r>
-          </a:p>
-          <a:p>
-            <a:pPr>
-              <a:lnSpc>
-                <a:spcPct val="90000"/>
-              </a:lnSpc>
-            </a:pPr>
-            <a:endParaRPr lang="ja-JP" altLang="en-US" sz="4800" b="1" i="0" spc="-300">
+              <a:t>홍</a:t>
+            </a:r>
+            <a:endParaRPr lang="en-US" altLang="ko-KR" sz="23900" i="0" dirty="0">
               <a:solidFill>
                 <a:srgbClr val="193C7D"/>
               </a:solidFill>
@@ -8517,156 +10340,39 @@
           </a:p>
         </p:txBody>
       </p:sp>
-      <p:sp>
-        <p:nvSpPr>
-          <p:cNvPr id="11" name="TextBox 10">
-            <a:extLst>
-              <a:ext uri="{FF2B5EF4-FFF2-40B4-BE49-F238E27FC236}">
-                <a16:creationId xmlns:a16="http://schemas.microsoft.com/office/drawing/2014/main" id="{6434B2B9-3B60-1792-CE9E-195997CCB86D}"/>
-              </a:ext>
-            </a:extLst>
-          </p:cNvPr>
-          <p:cNvSpPr txBox="1"/>
+      <p:pic>
+        <p:nvPicPr>
+          <p:cNvPr id="9" name="Picture 8">
+            <a:extLst>
+              <a:ext uri="{FF2B5EF4-FFF2-40B4-BE49-F238E27FC236}">
+                <a16:creationId xmlns:a16="http://schemas.microsoft.com/office/drawing/2014/main" id="{7A3D54EE-182B-9A9B-A20C-3F353496C451}"/>
+              </a:ext>
+            </a:extLst>
+          </p:cNvPr>
+          <p:cNvPicPr>
+            <a:picLocks noChangeAspect="1"/>
+          </p:cNvPicPr>
           <p:nvPr/>
-        </p:nvSpPr>
+        </p:nvPicPr>
+        <p:blipFill rotWithShape="1">
+          <a:blip r:embed="rId3"/>
+          <a:srcRect t="15401" b="25350"/>
+          <a:stretch/>
+        </p:blipFill>
         <p:spPr>
           <a:xfrm>
-            <a:off x="6938402" y="1502404"/>
-            <a:ext cx="4378633" cy="1862048"/>
-          </a:xfrm>
-          <a:prstGeom prst="rect">
-            <a:avLst/>
-          </a:prstGeom>
-          <a:noFill/>
-        </p:spPr>
-        <p:txBody>
-          <a:bodyPr wrap="square" rtlCol="0">
-            <a:spAutoFit/>
-          </a:bodyPr>
-          <a:lstStyle/>
-          <a:p>
-            <a:r>
-              <a:rPr lang="en-US" sz="11500" spc="-300" dirty="0">
-                <a:solidFill>
-                  <a:srgbClr val="EE7D30"/>
-                </a:solidFill>
-                <a:latin typeface="Arial" panose="020B0604020202020204" pitchFamily="34" charset="0"/>
-                <a:cs typeface="Arial" panose="020B0604020202020204" pitchFamily="34" charset="0"/>
-              </a:rPr>
-              <a:t>Dr.</a:t>
-            </a:r>
-            <a:r>
-              <a:rPr lang="en-US" sz="6600" spc="-300" dirty="0">
-                <a:solidFill>
-                  <a:srgbClr val="EE7D30"/>
-                </a:solidFill>
-                <a:latin typeface="Arial" panose="020B0604020202020204" pitchFamily="34" charset="0"/>
-                <a:cs typeface="Arial" panose="020B0604020202020204" pitchFamily="34" charset="0"/>
-              </a:rPr>
-              <a:t> </a:t>
-            </a:r>
-            <a:r>
-              <a:rPr lang="en-US" sz="11500" spc="-300" dirty="0">
-                <a:solidFill>
-                  <a:srgbClr val="EE7D30"/>
-                </a:solidFill>
-                <a:latin typeface="Arial" panose="020B0604020202020204" pitchFamily="34" charset="0"/>
-                <a:cs typeface="Arial" panose="020B0604020202020204" pitchFamily="34" charset="0"/>
-              </a:rPr>
-              <a:t>X</a:t>
-            </a:r>
-            <a:r>
-              <a:rPr lang="en-US" sz="8800" spc="-300" dirty="0">
-                <a:solidFill>
-                  <a:srgbClr val="EE7D30"/>
-                </a:solidFill>
-                <a:latin typeface="Arial" panose="020B0604020202020204" pitchFamily="34" charset="0"/>
-                <a:cs typeface="Arial" panose="020B0604020202020204" pitchFamily="34" charset="0"/>
-              </a:rPr>
-              <a:t>U</a:t>
-            </a:r>
-            <a:endParaRPr lang="en-US" sz="9600" spc="-300" dirty="0">
-              <a:solidFill>
-                <a:srgbClr val="EE7D30"/>
-              </a:solidFill>
-              <a:latin typeface="Arial" panose="020B0604020202020204" pitchFamily="34" charset="0"/>
-              <a:cs typeface="Arial" panose="020B0604020202020204" pitchFamily="34" charset="0"/>
-            </a:endParaRPr>
-          </a:p>
-        </p:txBody>
-      </p:sp>
-      <p:sp>
-        <p:nvSpPr>
-          <p:cNvPr id="12" name="TextBox 11">
-            <a:extLst>
-              <a:ext uri="{FF2B5EF4-FFF2-40B4-BE49-F238E27FC236}">
-                <a16:creationId xmlns:a16="http://schemas.microsoft.com/office/drawing/2014/main" id="{9E1EC201-C2BB-F998-9DE8-9B0AE80AFB63}"/>
-              </a:ext>
-            </a:extLst>
-          </p:cNvPr>
-          <p:cNvSpPr txBox="1"/>
-          <p:nvPr/>
-        </p:nvSpPr>
-        <p:spPr>
-          <a:xfrm>
-            <a:off x="6938401" y="3020161"/>
-            <a:ext cx="4378634" cy="1862048"/>
-          </a:xfrm>
-          <a:prstGeom prst="rect">
-            <a:avLst/>
-          </a:prstGeom>
-          <a:noFill/>
-        </p:spPr>
-        <p:txBody>
-          <a:bodyPr wrap="square" rtlCol="0">
-            <a:spAutoFit/>
-          </a:bodyPr>
-          <a:lstStyle/>
-          <a:p>
-            <a:r>
-              <a:rPr lang="en-US" sz="11500" spc="300" dirty="0">
-                <a:solidFill>
-                  <a:srgbClr val="193C7D"/>
-                </a:solidFill>
-                <a:latin typeface="Arial" panose="020B0604020202020204" pitchFamily="34" charset="0"/>
-                <a:cs typeface="Arial" panose="020B0604020202020204" pitchFamily="34" charset="0"/>
-              </a:rPr>
-              <a:t>H</a:t>
-            </a:r>
-            <a:r>
-              <a:rPr lang="en-US" sz="8800" spc="300" dirty="0">
-                <a:solidFill>
-                  <a:srgbClr val="193C7D"/>
-                </a:solidFill>
-                <a:latin typeface="Arial" panose="020B0604020202020204" pitchFamily="34" charset="0"/>
-                <a:cs typeface="Arial" panose="020B0604020202020204" pitchFamily="34" charset="0"/>
-              </a:rPr>
-              <a:t>ONG</a:t>
-            </a:r>
-            <a:r>
-              <a:rPr lang="zh-CN" altLang="en-US" sz="9600" spc="300" dirty="0">
-                <a:solidFill>
-                  <a:srgbClr val="193C7D"/>
-                </a:solidFill>
-                <a:latin typeface="Arial" panose="020B0604020202020204" pitchFamily="34" charset="0"/>
-                <a:cs typeface="Arial" panose="020B0604020202020204" pitchFamily="34" charset="0"/>
-              </a:rPr>
-              <a:t> </a:t>
-            </a:r>
-            <a:endParaRPr lang="en-US" altLang="zh-CN" sz="9600" spc="300" dirty="0">
-              <a:solidFill>
-                <a:srgbClr val="193C7D"/>
-              </a:solidFill>
-              <a:latin typeface="Arial" panose="020B0604020202020204" pitchFamily="34" charset="0"/>
-              <a:cs typeface="Arial" panose="020B0604020202020204" pitchFamily="34" charset="0"/>
-            </a:endParaRPr>
-          </a:p>
-        </p:txBody>
-      </p:sp>
+            <a:off x="2211232" y="5314130"/>
+            <a:ext cx="7772400" cy="1867720"/>
+          </a:xfrm>
+          <a:prstGeom prst="rect">
+            <a:avLst/>
+          </a:prstGeom>
+        </p:spPr>
+      </p:pic>
     </p:spTree>
     <p:extLst>
       <p:ext uri="{BB962C8B-B14F-4D97-AF65-F5344CB8AC3E}">
-        <p14:creationId xmlns:p14="http://schemas.microsoft.com/office/powerpoint/2010/main" val="905723654"/>
+        <p14:creationId xmlns:p14="http://schemas.microsoft.com/office/powerpoint/2010/main" val="2330889733"/>
       </p:ext>
     </p:extLst>
   </p:cSld>
@@ -8708,7 +10414,7 @@
           <p:nvPr/>
         </p:nvPicPr>
         <p:blipFill rotWithShape="1">
-          <a:blip r:embed="rId3">
+          <a:blip r:embed="rId2">
             <a:extLst>
               <a:ext uri="{28A0092B-C50C-407E-A947-70E740481C1C}">
                 <a14:useLocalDpi xmlns:a14="http://schemas.microsoft.com/office/drawing/2010/main" val="0"/>
@@ -8772,22 +10478,19 @@
               </a:lnSpc>
             </a:pPr>
             <a:r>
-              <a:rPr lang="zh-CN" altLang="en-US" sz="4800" b="1" i="0" spc="-300" dirty="0">
+              <a:rPr lang="ja-JP" altLang="en-US" sz="4800" b="1" i="0" spc="-300">
                 <a:solidFill>
                   <a:srgbClr val="EE7D30"/>
                 </a:solidFill>
                 <a:effectLst/>
-                <a:latin typeface="Hiragino Sans W4" panose="020B0400000000000000" pitchFamily="34" charset="-128"/>
-                <a:ea typeface="Hiragino Sans W4" panose="020B0400000000000000" pitchFamily="34" charset="-128"/>
-              </a:rPr>
-              <a:t>ㄒㄩˊ</a:t>
+                <a:latin typeface="Segoe UI" panose="020B0502040204020203" pitchFamily="34" charset="0"/>
+              </a:rPr>
+              <a:t>じょ</a:t>
             </a:r>
             <a:endParaRPr lang="en-US" sz="4800" b="1" spc="-300" dirty="0">
               <a:solidFill>
                 <a:srgbClr val="EE7D30"/>
               </a:solidFill>
-              <a:latin typeface="Hiragino Sans W4" panose="020B0400000000000000" pitchFamily="34" charset="-128"/>
-              <a:ea typeface="Hiragino Sans W4" panose="020B0400000000000000" pitchFamily="34" charset="-128"/>
             </a:endParaRPr>
           </a:p>
         </p:txBody>
@@ -8806,8 +10509,8 @@
         </p:nvSpPr>
         <p:spPr>
           <a:xfrm>
-            <a:off x="5689997" y="3461274"/>
-            <a:ext cx="1102834" cy="1351396"/>
+            <a:off x="5668754" y="3309077"/>
+            <a:ext cx="1102834" cy="2086725"/>
           </a:xfrm>
           <a:prstGeom prst="rect">
             <a:avLst/>
@@ -8822,35 +10525,42 @@
           <a:p>
             <a:pPr>
               <a:lnSpc>
-                <a:spcPct val="55000"/>
+                <a:spcPct val="90000"/>
               </a:lnSpc>
             </a:pPr>
             <a:r>
-              <a:rPr lang="zh-CN" altLang="en-US" sz="4800" b="1" spc="-300" dirty="0">
+              <a:rPr lang="ja-JP" altLang="en-US" sz="4800" b="1" i="0" spc="-300">
                 <a:solidFill>
                   <a:srgbClr val="193C7D"/>
                 </a:solidFill>
-                <a:latin typeface="Hiragino Sans W4" panose="020B0400000000000000" pitchFamily="34" charset="-128"/>
-                <a:ea typeface="Hiragino Sans W4" panose="020B0400000000000000" pitchFamily="34" charset="-128"/>
-              </a:rPr>
-              <a:t>ㄏㄨㄥˊ</a:t>
-            </a:r>
-            <a:endParaRPr lang="ja-JP" altLang="en-US" sz="4800" b="1" spc="-300">
+                <a:effectLst/>
+                <a:latin typeface="Segoe UI" panose="020B0502040204020203" pitchFamily="34" charset="0"/>
+              </a:rPr>
+              <a:t>おう</a:t>
+            </a:r>
+          </a:p>
+          <a:p>
+            <a:pPr>
+              <a:lnSpc>
+                <a:spcPct val="90000"/>
+              </a:lnSpc>
+            </a:pPr>
+            <a:endParaRPr lang="ja-JP" altLang="en-US" sz="4800" b="1" i="0" spc="-300">
               <a:solidFill>
                 <a:srgbClr val="193C7D"/>
               </a:solidFill>
-              <a:latin typeface="Hiragino Sans W4" panose="020B0400000000000000" pitchFamily="34" charset="-128"/>
-              <a:ea typeface="Hiragino Sans W4" panose="020B0400000000000000" pitchFamily="34" charset="-128"/>
+              <a:effectLst/>
+              <a:latin typeface="Segoe UI" panose="020B0502040204020203" pitchFamily="34" charset="0"/>
             </a:endParaRPr>
           </a:p>
         </p:txBody>
       </p:sp>
       <p:sp>
         <p:nvSpPr>
-          <p:cNvPr id="3" name="TextBox 2">
-            <a:extLst>
-              <a:ext uri="{FF2B5EF4-FFF2-40B4-BE49-F238E27FC236}">
-                <a16:creationId xmlns:a16="http://schemas.microsoft.com/office/drawing/2014/main" id="{9D4119DE-545A-78C9-2E52-F9A5A7DAFB13}"/>
+          <p:cNvPr id="11" name="TextBox 10">
+            <a:extLst>
+              <a:ext uri="{FF2B5EF4-FFF2-40B4-BE49-F238E27FC236}">
+                <a16:creationId xmlns:a16="http://schemas.microsoft.com/office/drawing/2014/main" id="{6434B2B9-3B60-1792-CE9E-195997CCB86D}"/>
               </a:ext>
             </a:extLst>
           </p:cNvPr>
@@ -8859,7 +10569,7 @@
         </p:nvSpPr>
         <p:spPr>
           <a:xfrm>
-            <a:off x="6825509" y="1502404"/>
+            <a:off x="6938402" y="1502404"/>
             <a:ext cx="4378633" cy="1862048"/>
           </a:xfrm>
           <a:prstGeom prst="rect">
@@ -8911,7 +10621,7 @@
                 <a:latin typeface="Arial" panose="020B0604020202020204" pitchFamily="34" charset="0"/>
                 <a:cs typeface="Arial" panose="020B0604020202020204" pitchFamily="34" charset="0"/>
               </a:rPr>
-              <a:t>Ú</a:t>
+              <a:t>U</a:t>
             </a:r>
             <a:endParaRPr lang="en-US" sz="9600" spc="-300" dirty="0">
               <a:solidFill>
@@ -8925,10 +10635,10 @@
       </p:sp>
       <p:sp>
         <p:nvSpPr>
-          <p:cNvPr id="4" name="TextBox 3">
-            <a:extLst>
-              <a:ext uri="{FF2B5EF4-FFF2-40B4-BE49-F238E27FC236}">
-                <a16:creationId xmlns:a16="http://schemas.microsoft.com/office/drawing/2014/main" id="{144AE363-411A-F7E4-1098-15D99A84D2CD}"/>
+          <p:cNvPr id="12" name="TextBox 11">
+            <a:extLst>
+              <a:ext uri="{FF2B5EF4-FFF2-40B4-BE49-F238E27FC236}">
+                <a16:creationId xmlns:a16="http://schemas.microsoft.com/office/drawing/2014/main" id="{9E1EC201-C2BB-F998-9DE8-9B0AE80AFB63}"/>
               </a:ext>
             </a:extLst>
           </p:cNvPr>
@@ -8937,7 +10647,7 @@
         </p:nvSpPr>
         <p:spPr>
           <a:xfrm>
-            <a:off x="6825508" y="3020161"/>
+            <a:off x="6938401" y="3020161"/>
             <a:ext cx="4378634" cy="1862048"/>
           </a:xfrm>
           <a:prstGeom prst="rect">
@@ -8969,7 +10679,7 @@
                 <a:latin typeface="Arial" panose="020B0604020202020204" pitchFamily="34" charset="0"/>
                 <a:cs typeface="Arial" panose="020B0604020202020204" pitchFamily="34" charset="0"/>
               </a:rPr>
-              <a:t>ÓNG</a:t>
+              <a:t>ONG</a:t>
             </a:r>
             <a:r>
               <a:rPr lang="zh-CN" altLang="en-US" sz="9600" spc="300" dirty="0">
@@ -8994,7 +10704,7 @@
     </p:spTree>
     <p:extLst>
       <p:ext uri="{BB962C8B-B14F-4D97-AF65-F5344CB8AC3E}">
-        <p14:creationId xmlns:p14="http://schemas.microsoft.com/office/powerpoint/2010/main" val="4287759508"/>
+        <p14:creationId xmlns:p14="http://schemas.microsoft.com/office/powerpoint/2010/main" val="905723654"/>
       </p:ext>
     </p:extLst>
   </p:cSld>
@@ -9021,12 +10731,255 @@
           <a:chExt cx="0" cy="0"/>
         </a:xfrm>
       </p:grpSpPr>
+      <p:sp>
+        <p:nvSpPr>
+          <p:cNvPr id="6" name="TextBox 5">
+            <a:extLst>
+              <a:ext uri="{FF2B5EF4-FFF2-40B4-BE49-F238E27FC236}">
+                <a16:creationId xmlns:a16="http://schemas.microsoft.com/office/drawing/2014/main" id="{F451CFEC-4921-39AC-4FDE-EB5D812E9EAA}"/>
+              </a:ext>
+            </a:extLst>
+          </p:cNvPr>
+          <p:cNvSpPr txBox="1"/>
+          <p:nvPr/>
+        </p:nvSpPr>
+        <p:spPr>
+          <a:xfrm>
+            <a:off x="7362797" y="1950298"/>
+            <a:ext cx="1800727" cy="2975879"/>
+          </a:xfrm>
+          <a:prstGeom prst="rect">
+            <a:avLst/>
+          </a:prstGeom>
+          <a:noFill/>
+        </p:spPr>
+        <p:txBody>
+          <a:bodyPr wrap="square" rtlCol="0">
+            <a:spAutoFit/>
+          </a:bodyPr>
+          <a:lstStyle/>
+          <a:p>
+            <a:pPr>
+              <a:lnSpc>
+                <a:spcPct val="80000"/>
+              </a:lnSpc>
+            </a:pPr>
+            <a:r>
+              <a:rPr lang="ja-JP" altLang="en-US" sz="11500" b="1" i="0" spc="-300">
+                <a:solidFill>
+                  <a:srgbClr val="EE7D30"/>
+                </a:solidFill>
+                <a:effectLst/>
+                <a:latin typeface="Segoe UI" panose="020B0502040204020203" pitchFamily="34" charset="0"/>
+              </a:rPr>
+              <a:t>じょ</a:t>
+            </a:r>
+            <a:endParaRPr lang="en-US" sz="11500" b="1" spc="-300" dirty="0">
+              <a:solidFill>
+                <a:srgbClr val="EE7D30"/>
+              </a:solidFill>
+            </a:endParaRPr>
+          </a:p>
+        </p:txBody>
+      </p:sp>
+      <p:sp>
+        <p:nvSpPr>
+          <p:cNvPr id="2" name="TextBox 1">
+            <a:extLst>
+              <a:ext uri="{FF2B5EF4-FFF2-40B4-BE49-F238E27FC236}">
+                <a16:creationId xmlns:a16="http://schemas.microsoft.com/office/drawing/2014/main" id="{9DEA104D-1DE7-5965-21DD-4F99C48DC2A5}"/>
+              </a:ext>
+            </a:extLst>
+          </p:cNvPr>
+          <p:cNvSpPr txBox="1"/>
+          <p:nvPr/>
+        </p:nvSpPr>
+        <p:spPr>
+          <a:xfrm>
+            <a:off x="12581749" y="1830106"/>
+            <a:ext cx="1866553" cy="3000821"/>
+          </a:xfrm>
+          <a:prstGeom prst="rect">
+            <a:avLst/>
+          </a:prstGeom>
+          <a:noFill/>
+        </p:spPr>
+        <p:txBody>
+          <a:bodyPr wrap="square" rtlCol="0">
+            <a:spAutoFit/>
+          </a:bodyPr>
+          <a:lstStyle/>
+          <a:p>
+            <a:pPr>
+              <a:lnSpc>
+                <a:spcPct val="90000"/>
+              </a:lnSpc>
+            </a:pPr>
+            <a:r>
+              <a:rPr lang="ja-JP" altLang="en-US" sz="10500" b="1" i="0" spc="-300">
+                <a:solidFill>
+                  <a:srgbClr val="193C7D"/>
+                </a:solidFill>
+                <a:effectLst/>
+                <a:latin typeface="Segoe UI" panose="020B0502040204020203" pitchFamily="34" charset="0"/>
+              </a:rPr>
+              <a:t>おう</a:t>
+            </a:r>
+          </a:p>
+        </p:txBody>
+      </p:sp>
+      <p:sp>
+        <p:nvSpPr>
+          <p:cNvPr id="11" name="TextBox 10">
+            <a:extLst>
+              <a:ext uri="{FF2B5EF4-FFF2-40B4-BE49-F238E27FC236}">
+                <a16:creationId xmlns:a16="http://schemas.microsoft.com/office/drawing/2014/main" id="{6434B2B9-3B60-1792-CE9E-195997CCB86D}"/>
+              </a:ext>
+            </a:extLst>
+          </p:cNvPr>
+          <p:cNvSpPr txBox="1"/>
+          <p:nvPr/>
+        </p:nvSpPr>
+        <p:spPr>
+          <a:xfrm>
+            <a:off x="14520302" y="-2003849"/>
+            <a:ext cx="4378633" cy="1862048"/>
+          </a:xfrm>
+          <a:prstGeom prst="rect">
+            <a:avLst/>
+          </a:prstGeom>
+          <a:noFill/>
+        </p:spPr>
+        <p:txBody>
+          <a:bodyPr wrap="square" rtlCol="0">
+            <a:spAutoFit/>
+          </a:bodyPr>
+          <a:lstStyle/>
+          <a:p>
+            <a:r>
+              <a:rPr lang="en-US" sz="11500" spc="-300" dirty="0">
+                <a:solidFill>
+                  <a:srgbClr val="EE7D30"/>
+                </a:solidFill>
+                <a:latin typeface="Arial" panose="020B0604020202020204" pitchFamily="34" charset="0"/>
+                <a:cs typeface="Arial" panose="020B0604020202020204" pitchFamily="34" charset="0"/>
+              </a:rPr>
+              <a:t>Dr.</a:t>
+            </a:r>
+            <a:r>
+              <a:rPr lang="en-US" sz="6600" spc="-300" dirty="0">
+                <a:solidFill>
+                  <a:srgbClr val="EE7D30"/>
+                </a:solidFill>
+                <a:latin typeface="Arial" panose="020B0604020202020204" pitchFamily="34" charset="0"/>
+                <a:cs typeface="Arial" panose="020B0604020202020204" pitchFamily="34" charset="0"/>
+              </a:rPr>
+              <a:t> </a:t>
+            </a:r>
+            <a:r>
+              <a:rPr lang="en-US" sz="11500" spc="-300" dirty="0">
+                <a:solidFill>
+                  <a:srgbClr val="EE7D30"/>
+                </a:solidFill>
+                <a:latin typeface="Arial" panose="020B0604020202020204" pitchFamily="34" charset="0"/>
+                <a:cs typeface="Arial" panose="020B0604020202020204" pitchFamily="34" charset="0"/>
+              </a:rPr>
+              <a:t>X</a:t>
+            </a:r>
+            <a:r>
+              <a:rPr lang="en-US" sz="8800" spc="-300" dirty="0">
+                <a:solidFill>
+                  <a:srgbClr val="EE7D30"/>
+                </a:solidFill>
+                <a:latin typeface="Arial" panose="020B0604020202020204" pitchFamily="34" charset="0"/>
+                <a:cs typeface="Arial" panose="020B0604020202020204" pitchFamily="34" charset="0"/>
+              </a:rPr>
+              <a:t>U</a:t>
+            </a:r>
+            <a:endParaRPr lang="en-US" sz="9600" spc="-300" dirty="0">
+              <a:solidFill>
+                <a:srgbClr val="EE7D30"/>
+              </a:solidFill>
+              <a:latin typeface="Arial" panose="020B0604020202020204" pitchFamily="34" charset="0"/>
+              <a:cs typeface="Arial" panose="020B0604020202020204" pitchFamily="34" charset="0"/>
+            </a:endParaRPr>
+          </a:p>
+        </p:txBody>
+      </p:sp>
+      <p:sp>
+        <p:nvSpPr>
+          <p:cNvPr id="12" name="TextBox 11">
+            <a:extLst>
+              <a:ext uri="{FF2B5EF4-FFF2-40B4-BE49-F238E27FC236}">
+                <a16:creationId xmlns:a16="http://schemas.microsoft.com/office/drawing/2014/main" id="{9E1EC201-C2BB-F998-9DE8-9B0AE80AFB63}"/>
+              </a:ext>
+            </a:extLst>
+          </p:cNvPr>
+          <p:cNvSpPr txBox="1"/>
+          <p:nvPr/>
+        </p:nvSpPr>
+        <p:spPr>
+          <a:xfrm>
+            <a:off x="14520301" y="-486092"/>
+            <a:ext cx="4378634" cy="1862048"/>
+          </a:xfrm>
+          <a:prstGeom prst="rect">
+            <a:avLst/>
+          </a:prstGeom>
+          <a:noFill/>
+        </p:spPr>
+        <p:txBody>
+          <a:bodyPr wrap="square" rtlCol="0">
+            <a:spAutoFit/>
+          </a:bodyPr>
+          <a:lstStyle/>
+          <a:p>
+            <a:r>
+              <a:rPr lang="en-US" sz="11500" spc="300" dirty="0">
+                <a:solidFill>
+                  <a:srgbClr val="193C7D"/>
+                </a:solidFill>
+                <a:latin typeface="Arial" panose="020B0604020202020204" pitchFamily="34" charset="0"/>
+                <a:cs typeface="Arial" panose="020B0604020202020204" pitchFamily="34" charset="0"/>
+              </a:rPr>
+              <a:t>H</a:t>
+            </a:r>
+            <a:r>
+              <a:rPr lang="en-US" sz="8800" spc="300" dirty="0">
+                <a:solidFill>
+                  <a:srgbClr val="193C7D"/>
+                </a:solidFill>
+                <a:latin typeface="Arial" panose="020B0604020202020204" pitchFamily="34" charset="0"/>
+                <a:cs typeface="Arial" panose="020B0604020202020204" pitchFamily="34" charset="0"/>
+              </a:rPr>
+              <a:t>ONG</a:t>
+            </a:r>
+            <a:r>
+              <a:rPr lang="zh-CN" altLang="en-US" sz="9600" spc="300" dirty="0">
+                <a:solidFill>
+                  <a:srgbClr val="193C7D"/>
+                </a:solidFill>
+                <a:latin typeface="Arial" panose="020B0604020202020204" pitchFamily="34" charset="0"/>
+                <a:cs typeface="Arial" panose="020B0604020202020204" pitchFamily="34" charset="0"/>
+              </a:rPr>
+              <a:t> </a:t>
+            </a:r>
+            <a:endParaRPr lang="en-US" altLang="zh-CN" sz="9600" spc="300" dirty="0">
+              <a:solidFill>
+                <a:srgbClr val="193C7D"/>
+              </a:solidFill>
+              <a:latin typeface="Arial" panose="020B0604020202020204" pitchFamily="34" charset="0"/>
+              <a:cs typeface="Arial" panose="020B0604020202020204" pitchFamily="34" charset="0"/>
+            </a:endParaRPr>
+          </a:p>
+        </p:txBody>
+      </p:sp>
       <p:pic>
         <p:nvPicPr>
-          <p:cNvPr id="1026" name="Picture 2" descr="Image">
-            <a:extLst>
-              <a:ext uri="{FF2B5EF4-FFF2-40B4-BE49-F238E27FC236}">
-                <a16:creationId xmlns:a16="http://schemas.microsoft.com/office/drawing/2014/main" id="{36D76745-1717-2F81-B8A8-05514344CC77}"/>
+          <p:cNvPr id="3" name="Picture 2" descr="Image">
+            <a:extLst>
+              <a:ext uri="{FF2B5EF4-FFF2-40B4-BE49-F238E27FC236}">
+                <a16:creationId xmlns:a16="http://schemas.microsoft.com/office/drawing/2014/main" id="{5A33F263-7D5D-BDD8-6259-47776C7A184E}"/>
               </a:ext>
             </a:extLst>
           </p:cNvPr>
@@ -9036,20 +10989,20 @@
           <p:nvPr/>
         </p:nvPicPr>
         <p:blipFill rotWithShape="1">
-          <a:blip r:embed="rId3">
+          <a:blip r:embed="rId2">
             <a:extLst>
               <a:ext uri="{28A0092B-C50C-407E-A947-70E740481C1C}">
                 <a14:useLocalDpi xmlns:a14="http://schemas.microsoft.com/office/drawing/2010/main" val="0"/>
               </a:ext>
             </a:extLst>
           </a:blip>
-          <a:srcRect r="47237"/>
+          <a:srcRect r="62270" b="4653"/>
           <a:stretch/>
         </p:blipFill>
         <p:spPr bwMode="auto">
           <a:xfrm>
-            <a:off x="345686" y="1115587"/>
-            <a:ext cx="5430646" cy="4469498"/>
+            <a:off x="544459" y="1664967"/>
+            <a:ext cx="3325405" cy="3649163"/>
           </a:xfrm>
           <a:prstGeom prst="rect">
             <a:avLst/>
@@ -9068,10 +11021,10 @@
       </p:pic>
       <p:sp>
         <p:nvSpPr>
-          <p:cNvPr id="6" name="TextBox 5">
-            <a:extLst>
-              <a:ext uri="{FF2B5EF4-FFF2-40B4-BE49-F238E27FC236}">
-                <a16:creationId xmlns:a16="http://schemas.microsoft.com/office/drawing/2014/main" id="{F451CFEC-4921-39AC-4FDE-EB5D812E9EAA}"/>
+          <p:cNvPr id="4" name="TextBox 3">
+            <a:extLst>
+              <a:ext uri="{FF2B5EF4-FFF2-40B4-BE49-F238E27FC236}">
+                <a16:creationId xmlns:a16="http://schemas.microsoft.com/office/drawing/2014/main" id="{3562EC8A-F167-C77F-64DF-16436FD6A915}"/>
               </a:ext>
             </a:extLst>
           </p:cNvPr>
@@ -9080,8 +11033,8 @@
         </p:nvSpPr>
         <p:spPr>
           <a:xfrm>
-            <a:off x="5657996" y="1821944"/>
-            <a:ext cx="1102834" cy="1295932"/>
+            <a:off x="4243609" y="1543868"/>
+            <a:ext cx="4057652" cy="3770263"/>
           </a:xfrm>
           <a:prstGeom prst="rect">
             <a:avLst/>
@@ -9094,38 +11047,32 @@
           </a:bodyPr>
           <a:lstStyle/>
           <a:p>
-            <a:pPr>
-              <a:lnSpc>
-                <a:spcPct val="80000"/>
-              </a:lnSpc>
-            </a:pPr>
-            <a:r>
-              <a:rPr lang="zh-CN" altLang="en-US" sz="4800" b="1" i="0" spc="-300" dirty="0">
+            <a:r>
+              <a:rPr lang="en-US" sz="23900" dirty="0" err="1">
                 <a:solidFill>
                   <a:srgbClr val="EE7D30"/>
                 </a:solidFill>
-                <a:effectLst/>
-                <a:latin typeface="Hiragino Sans W4" panose="020B0400000000000000" pitchFamily="34" charset="-128"/>
-                <a:ea typeface="Hiragino Sans W4" panose="020B0400000000000000" pitchFamily="34" charset="-128"/>
-              </a:rPr>
-              <a:t>ㄒㄩˊ</a:t>
-            </a:r>
-            <a:endParaRPr lang="en-US" sz="4800" b="1" spc="-300" dirty="0">
+                <a:latin typeface="PingFang HK" panose="020B0400000000000000" pitchFamily="34" charset="-120"/>
+                <a:ea typeface="PingFang HK" panose="020B0400000000000000" pitchFamily="34" charset="-120"/>
+              </a:rPr>
+              <a:t>徐</a:t>
+            </a:r>
+            <a:endParaRPr lang="en-US" sz="23900" dirty="0">
               <a:solidFill>
                 <a:srgbClr val="EE7D30"/>
               </a:solidFill>
-              <a:latin typeface="Hiragino Sans W4" panose="020B0400000000000000" pitchFamily="34" charset="-128"/>
-              <a:ea typeface="Hiragino Sans W4" panose="020B0400000000000000" pitchFamily="34" charset="-128"/>
+              <a:latin typeface="PingFang HK" panose="020B0400000000000000" pitchFamily="34" charset="-120"/>
+              <a:ea typeface="PingFang HK" panose="020B0400000000000000" pitchFamily="34" charset="-120"/>
             </a:endParaRPr>
           </a:p>
         </p:txBody>
       </p:sp>
       <p:sp>
         <p:nvSpPr>
-          <p:cNvPr id="2" name="TextBox 1">
-            <a:extLst>
-              <a:ext uri="{FF2B5EF4-FFF2-40B4-BE49-F238E27FC236}">
-                <a16:creationId xmlns:a16="http://schemas.microsoft.com/office/drawing/2014/main" id="{9DEA104D-1DE7-5965-21DD-4F99C48DC2A5}"/>
+          <p:cNvPr id="5" name="TextBox 4">
+            <a:extLst>
+              <a:ext uri="{FF2B5EF4-FFF2-40B4-BE49-F238E27FC236}">
+                <a16:creationId xmlns:a16="http://schemas.microsoft.com/office/drawing/2014/main" id="{6966B030-1DA5-D14A-FE76-5B8AF2BB203E}"/>
               </a:ext>
             </a:extLst>
           </p:cNvPr>
@@ -9134,8 +11081,8 @@
         </p:nvSpPr>
         <p:spPr>
           <a:xfrm>
-            <a:off x="5689997" y="3461274"/>
-            <a:ext cx="1102834" cy="1351396"/>
+            <a:off x="9450232" y="1543867"/>
+            <a:ext cx="4016634" cy="3770263"/>
           </a:xfrm>
           <a:prstGeom prst="rect">
             <a:avLst/>
@@ -9148,161 +11095,59 @@
           </a:bodyPr>
           <a:lstStyle/>
           <a:p>
-            <a:pPr>
-              <a:lnSpc>
-                <a:spcPct val="55000"/>
-              </a:lnSpc>
-            </a:pPr>
-            <a:r>
-              <a:rPr lang="zh-CN" altLang="en-US" sz="4800" b="1" spc="-300" dirty="0">
+            <a:r>
+              <a:rPr lang="en-US" sz="23900" dirty="0" err="1">
                 <a:solidFill>
                   <a:srgbClr val="193C7D"/>
                 </a:solidFill>
-                <a:latin typeface="Hiragino Sans W4" panose="020B0400000000000000" pitchFamily="34" charset="-128"/>
-                <a:ea typeface="Hiragino Sans W4" panose="020B0400000000000000" pitchFamily="34" charset="-128"/>
-              </a:rPr>
-              <a:t>ㄏㄨㄥˊ</a:t>
-            </a:r>
-            <a:endParaRPr lang="ja-JP" altLang="en-US" sz="4800" b="1" spc="-300">
+                <a:latin typeface="PingFang HK" panose="020B0400000000000000" pitchFamily="34" charset="-120"/>
+                <a:ea typeface="PingFang HK" panose="020B0400000000000000" pitchFamily="34" charset="-120"/>
+              </a:rPr>
+              <a:t>泓</a:t>
+            </a:r>
+            <a:endParaRPr lang="en-US" sz="23900" dirty="0">
               <a:solidFill>
                 <a:srgbClr val="193C7D"/>
               </a:solidFill>
-              <a:latin typeface="Hiragino Sans W4" panose="020B0400000000000000" pitchFamily="34" charset="-128"/>
-              <a:ea typeface="Hiragino Sans W4" panose="020B0400000000000000" pitchFamily="34" charset="-128"/>
+              <a:latin typeface="PingFang HK" panose="020B0400000000000000" pitchFamily="34" charset="-120"/>
+              <a:ea typeface="PingFang HK" panose="020B0400000000000000" pitchFamily="34" charset="-120"/>
             </a:endParaRPr>
           </a:p>
         </p:txBody>
       </p:sp>
-      <p:sp>
-        <p:nvSpPr>
-          <p:cNvPr id="3" name="TextBox 2">
-            <a:extLst>
-              <a:ext uri="{FF2B5EF4-FFF2-40B4-BE49-F238E27FC236}">
-                <a16:creationId xmlns:a16="http://schemas.microsoft.com/office/drawing/2014/main" id="{9D4119DE-545A-78C9-2E52-F9A5A7DAFB13}"/>
-              </a:ext>
-            </a:extLst>
-          </p:cNvPr>
-          <p:cNvSpPr txBox="1"/>
+      <p:pic>
+        <p:nvPicPr>
+          <p:cNvPr id="8" name="Picture 7">
+            <a:extLst>
+              <a:ext uri="{FF2B5EF4-FFF2-40B4-BE49-F238E27FC236}">
+                <a16:creationId xmlns:a16="http://schemas.microsoft.com/office/drawing/2014/main" id="{12CA8C20-B7FC-56A5-AF46-74180AABDA8E}"/>
+              </a:ext>
+            </a:extLst>
+          </p:cNvPr>
+          <p:cNvPicPr>
+            <a:picLocks noChangeAspect="1"/>
+          </p:cNvPicPr>
           <p:nvPr/>
-        </p:nvSpPr>
+        </p:nvPicPr>
+        <p:blipFill rotWithShape="1">
+          <a:blip r:embed="rId3"/>
+          <a:srcRect t="11876" b="27870"/>
+          <a:stretch/>
+        </p:blipFill>
         <p:spPr>
           <a:xfrm>
-            <a:off x="6825509" y="1502404"/>
-            <a:ext cx="3860290" cy="1862048"/>
-          </a:xfrm>
-          <a:prstGeom prst="rect">
-            <a:avLst/>
-          </a:prstGeom>
-          <a:noFill/>
-        </p:spPr>
-        <p:txBody>
-          <a:bodyPr wrap="square" rtlCol="0">
-            <a:spAutoFit/>
-          </a:bodyPr>
-          <a:lstStyle/>
-          <a:p>
-            <a:r>
-              <a:rPr lang="en-US" sz="11500" spc="300" dirty="0">
-                <a:solidFill>
-                  <a:srgbClr val="EE7D30"/>
-                </a:solidFill>
-                <a:latin typeface="Arial" panose="020B0604020202020204" pitchFamily="34" charset="0"/>
-                <a:cs typeface="Arial" panose="020B0604020202020204" pitchFamily="34" charset="0"/>
-              </a:rPr>
-              <a:t>S</a:t>
-            </a:r>
-            <a:r>
-              <a:rPr lang="en-US" sz="8800" spc="300" dirty="0">
-                <a:solidFill>
-                  <a:srgbClr val="EE7D30"/>
-                </a:solidFill>
-                <a:latin typeface="Arial" panose="020B0604020202020204" pitchFamily="34" charset="0"/>
-                <a:cs typeface="Arial" panose="020B0604020202020204" pitchFamily="34" charset="0"/>
-              </a:rPr>
-              <a:t>HYÚ</a:t>
-            </a:r>
-            <a:endParaRPr lang="en-US" sz="9600" spc="300" dirty="0">
-              <a:solidFill>
-                <a:srgbClr val="EE7D30"/>
-              </a:solidFill>
-              <a:latin typeface="Arial" panose="020B0604020202020204" pitchFamily="34" charset="0"/>
-              <a:cs typeface="Arial" panose="020B0604020202020204" pitchFamily="34" charset="0"/>
-            </a:endParaRPr>
-          </a:p>
-        </p:txBody>
-      </p:sp>
-      <p:sp>
-        <p:nvSpPr>
-          <p:cNvPr id="4" name="TextBox 3">
-            <a:extLst>
-              <a:ext uri="{FF2B5EF4-FFF2-40B4-BE49-F238E27FC236}">
-                <a16:creationId xmlns:a16="http://schemas.microsoft.com/office/drawing/2014/main" id="{144AE363-411A-F7E4-1098-15D99A84D2CD}"/>
-              </a:ext>
-            </a:extLst>
-          </p:cNvPr>
-          <p:cNvSpPr txBox="1"/>
-          <p:nvPr/>
-        </p:nvSpPr>
-        <p:spPr>
-          <a:xfrm>
-            <a:off x="6825508" y="3020161"/>
-            <a:ext cx="3907012" cy="1862048"/>
-          </a:xfrm>
-          <a:prstGeom prst="rect">
-            <a:avLst/>
-          </a:prstGeom>
-          <a:noFill/>
-        </p:spPr>
-        <p:txBody>
-          <a:bodyPr wrap="square" rtlCol="0">
-            <a:spAutoFit/>
-          </a:bodyPr>
-          <a:lstStyle/>
-          <a:p>
-            <a:r>
-              <a:rPr lang="en-US" sz="11500" dirty="0">
-                <a:solidFill>
-                  <a:srgbClr val="193C7D"/>
-                </a:solidFill>
-                <a:latin typeface="Arial" panose="020B0604020202020204" pitchFamily="34" charset="0"/>
-                <a:cs typeface="Arial" panose="020B0604020202020204" pitchFamily="34" charset="0"/>
-              </a:rPr>
-              <a:t>H</a:t>
-            </a:r>
-            <a:r>
-              <a:rPr lang="en-US" sz="8800" dirty="0">
-                <a:solidFill>
-                  <a:srgbClr val="193C7D"/>
-                </a:solidFill>
-                <a:latin typeface="Arial" panose="020B0604020202020204" pitchFamily="34" charset="0"/>
-                <a:cs typeface="Arial" panose="020B0604020202020204" pitchFamily="34" charset="0"/>
-              </a:rPr>
-              <a:t>ÚNG</a:t>
-            </a:r>
-            <a:r>
-              <a:rPr lang="zh-CN" altLang="en-US" sz="9600" dirty="0">
-                <a:solidFill>
-                  <a:srgbClr val="193C7D"/>
-                </a:solidFill>
-                <a:latin typeface="Arial" panose="020B0604020202020204" pitchFamily="34" charset="0"/>
-                <a:cs typeface="Arial" panose="020B0604020202020204" pitchFamily="34" charset="0"/>
-              </a:rPr>
-              <a:t> </a:t>
-            </a:r>
-            <a:endParaRPr lang="en-US" altLang="zh-CN" sz="9600" dirty="0">
-              <a:solidFill>
-                <a:srgbClr val="193C7D"/>
-              </a:solidFill>
-              <a:latin typeface="Arial" panose="020B0604020202020204" pitchFamily="34" charset="0"/>
-              <a:cs typeface="Arial" panose="020B0604020202020204" pitchFamily="34" charset="0"/>
-            </a:endParaRPr>
-          </a:p>
-        </p:txBody>
-      </p:sp>
+            <a:off x="2838450" y="5193033"/>
+            <a:ext cx="7772400" cy="2103274"/>
+          </a:xfrm>
+          <a:prstGeom prst="rect">
+            <a:avLst/>
+          </a:prstGeom>
+        </p:spPr>
+      </p:pic>
     </p:spTree>
     <p:extLst>
       <p:ext uri="{BB962C8B-B14F-4D97-AF65-F5344CB8AC3E}">
-        <p14:creationId xmlns:p14="http://schemas.microsoft.com/office/powerpoint/2010/main" val="1397035240"/>
+        <p14:creationId xmlns:p14="http://schemas.microsoft.com/office/powerpoint/2010/main" val="1047362518"/>
       </p:ext>
     </p:extLst>
   </p:cSld>
@@ -9351,13 +11196,13 @@
               </a:ext>
             </a:extLst>
           </a:blip>
-          <a:srcRect r="63015"/>
+          <a:srcRect r="47237"/>
           <a:stretch/>
         </p:blipFill>
         <p:spPr bwMode="auto">
           <a:xfrm>
             <a:off x="345686" y="1115587"/>
-            <a:ext cx="3806766" cy="4469498"/>
+            <a:ext cx="5430646" cy="4469498"/>
           </a:xfrm>
           <a:prstGeom prst="rect">
             <a:avLst/>
@@ -9376,10 +11221,10 @@
       </p:pic>
       <p:sp>
         <p:nvSpPr>
-          <p:cNvPr id="9" name="TextBox 8">
-            <a:extLst>
-              <a:ext uri="{FF2B5EF4-FFF2-40B4-BE49-F238E27FC236}">
-                <a16:creationId xmlns:a16="http://schemas.microsoft.com/office/drawing/2014/main" id="{839B7A6C-C6D3-32A6-0EDB-E88D8EFB371D}"/>
+          <p:cNvPr id="6" name="TextBox 5">
+            <a:extLst>
+              <a:ext uri="{FF2B5EF4-FFF2-40B4-BE49-F238E27FC236}">
+                <a16:creationId xmlns:a16="http://schemas.microsoft.com/office/drawing/2014/main" id="{F451CFEC-4921-39AC-4FDE-EB5D812E9EAA}"/>
               </a:ext>
             </a:extLst>
           </p:cNvPr>
@@ -9388,7 +11233,114 @@
         </p:nvSpPr>
         <p:spPr>
           <a:xfrm>
-            <a:off x="6067869" y="1502404"/>
+            <a:off x="5657996" y="1821944"/>
+            <a:ext cx="1102834" cy="1295932"/>
+          </a:xfrm>
+          <a:prstGeom prst="rect">
+            <a:avLst/>
+          </a:prstGeom>
+          <a:noFill/>
+        </p:spPr>
+        <p:txBody>
+          <a:bodyPr wrap="square" rtlCol="0">
+            <a:spAutoFit/>
+          </a:bodyPr>
+          <a:lstStyle/>
+          <a:p>
+            <a:pPr>
+              <a:lnSpc>
+                <a:spcPct val="80000"/>
+              </a:lnSpc>
+            </a:pPr>
+            <a:r>
+              <a:rPr lang="zh-CN" altLang="en-US" sz="4800" b="1" i="0" spc="-300" dirty="0">
+                <a:solidFill>
+                  <a:srgbClr val="EE7D30"/>
+                </a:solidFill>
+                <a:effectLst/>
+                <a:latin typeface="Hiragino Sans W4" panose="020B0400000000000000" pitchFamily="34" charset="-128"/>
+                <a:ea typeface="Hiragino Sans W4" panose="020B0400000000000000" pitchFamily="34" charset="-128"/>
+              </a:rPr>
+              <a:t>ㄒㄩˊ</a:t>
+            </a:r>
+            <a:endParaRPr lang="en-US" sz="4800" b="1" spc="-300" dirty="0">
+              <a:solidFill>
+                <a:srgbClr val="EE7D30"/>
+              </a:solidFill>
+              <a:latin typeface="Hiragino Sans W4" panose="020B0400000000000000" pitchFamily="34" charset="-128"/>
+              <a:ea typeface="Hiragino Sans W4" panose="020B0400000000000000" pitchFamily="34" charset="-128"/>
+            </a:endParaRPr>
+          </a:p>
+        </p:txBody>
+      </p:sp>
+      <p:sp>
+        <p:nvSpPr>
+          <p:cNvPr id="2" name="TextBox 1">
+            <a:extLst>
+              <a:ext uri="{FF2B5EF4-FFF2-40B4-BE49-F238E27FC236}">
+                <a16:creationId xmlns:a16="http://schemas.microsoft.com/office/drawing/2014/main" id="{9DEA104D-1DE7-5965-21DD-4F99C48DC2A5}"/>
+              </a:ext>
+            </a:extLst>
+          </p:cNvPr>
+          <p:cNvSpPr txBox="1"/>
+          <p:nvPr/>
+        </p:nvSpPr>
+        <p:spPr>
+          <a:xfrm>
+            <a:off x="5689997" y="3461274"/>
+            <a:ext cx="1102834" cy="1351396"/>
+          </a:xfrm>
+          <a:prstGeom prst="rect">
+            <a:avLst/>
+          </a:prstGeom>
+          <a:noFill/>
+        </p:spPr>
+        <p:txBody>
+          <a:bodyPr wrap="square" rtlCol="0">
+            <a:spAutoFit/>
+          </a:bodyPr>
+          <a:lstStyle/>
+          <a:p>
+            <a:pPr>
+              <a:lnSpc>
+                <a:spcPct val="55000"/>
+              </a:lnSpc>
+            </a:pPr>
+            <a:r>
+              <a:rPr lang="zh-CN" altLang="en-US" sz="4800" b="1" spc="-300" dirty="0">
+                <a:solidFill>
+                  <a:srgbClr val="193C7D"/>
+                </a:solidFill>
+                <a:latin typeface="Hiragino Sans W4" panose="020B0400000000000000" pitchFamily="34" charset="-128"/>
+                <a:ea typeface="Hiragino Sans W4" panose="020B0400000000000000" pitchFamily="34" charset="-128"/>
+              </a:rPr>
+              <a:t>ㄏㄨㄥˊ</a:t>
+            </a:r>
+            <a:endParaRPr lang="ja-JP" altLang="en-US" sz="4800" b="1" spc="-300">
+              <a:solidFill>
+                <a:srgbClr val="193C7D"/>
+              </a:solidFill>
+              <a:latin typeface="Hiragino Sans W4" panose="020B0400000000000000" pitchFamily="34" charset="-128"/>
+              <a:ea typeface="Hiragino Sans W4" panose="020B0400000000000000" pitchFamily="34" charset="-128"/>
+            </a:endParaRPr>
+          </a:p>
+        </p:txBody>
+      </p:sp>
+      <p:sp>
+        <p:nvSpPr>
+          <p:cNvPr id="3" name="TextBox 2">
+            <a:extLst>
+              <a:ext uri="{FF2B5EF4-FFF2-40B4-BE49-F238E27FC236}">
+                <a16:creationId xmlns:a16="http://schemas.microsoft.com/office/drawing/2014/main" id="{9D4119DE-545A-78C9-2E52-F9A5A7DAFB13}"/>
+              </a:ext>
+            </a:extLst>
+          </p:cNvPr>
+          <p:cNvSpPr txBox="1"/>
+          <p:nvPr/>
+        </p:nvSpPr>
+        <p:spPr>
+          <a:xfrm>
+            <a:off x="6825509" y="1502404"/>
             <a:ext cx="4378633" cy="1862048"/>
           </a:xfrm>
           <a:prstGeom prst="rect">
@@ -9454,10 +11406,10 @@
       </p:sp>
       <p:sp>
         <p:nvSpPr>
-          <p:cNvPr id="10" name="TextBox 9">
-            <a:extLst>
-              <a:ext uri="{FF2B5EF4-FFF2-40B4-BE49-F238E27FC236}">
-                <a16:creationId xmlns:a16="http://schemas.microsoft.com/office/drawing/2014/main" id="{EF81F04B-E831-E708-9897-55FF13E576D7}"/>
+          <p:cNvPr id="4" name="TextBox 3">
+            <a:extLst>
+              <a:ext uri="{FF2B5EF4-FFF2-40B4-BE49-F238E27FC236}">
+                <a16:creationId xmlns:a16="http://schemas.microsoft.com/office/drawing/2014/main" id="{144AE363-411A-F7E4-1098-15D99A84D2CD}"/>
               </a:ext>
             </a:extLst>
           </p:cNvPr>
@@ -9466,7 +11418,7 @@
         </p:nvSpPr>
         <p:spPr>
           <a:xfrm>
-            <a:off x="6067868" y="3020161"/>
+            <a:off x="6825508" y="3020161"/>
             <a:ext cx="4378634" cy="1862048"/>
           </a:xfrm>
           <a:prstGeom prst="rect">
@@ -9520,218 +11472,10 @@
           </a:p>
         </p:txBody>
       </p:sp>
-      <p:sp>
-        <p:nvSpPr>
-          <p:cNvPr id="2" name="TextBox 1">
-            <a:extLst>
-              <a:ext uri="{FF2B5EF4-FFF2-40B4-BE49-F238E27FC236}">
-                <a16:creationId xmlns:a16="http://schemas.microsoft.com/office/drawing/2014/main" id="{8ACC2E12-BAF5-1435-CEC8-F161FAF7D8FB}"/>
-              </a:ext>
-            </a:extLst>
-          </p:cNvPr>
-          <p:cNvSpPr txBox="1"/>
-          <p:nvPr/>
-        </p:nvSpPr>
-        <p:spPr>
-          <a:xfrm>
-            <a:off x="10874673" y="1502404"/>
-            <a:ext cx="4378633" cy="1862048"/>
-          </a:xfrm>
-          <a:prstGeom prst="rect">
-            <a:avLst/>
-          </a:prstGeom>
-          <a:noFill/>
-        </p:spPr>
-        <p:txBody>
-          <a:bodyPr wrap="square" rtlCol="0">
-            <a:spAutoFit/>
-          </a:bodyPr>
-          <a:lstStyle/>
-          <a:p>
-            <a:r>
-              <a:rPr lang="en-US" sz="11500" spc="-300" dirty="0">
-                <a:solidFill>
-                  <a:srgbClr val="EE7D30"/>
-                </a:solidFill>
-                <a:latin typeface="Arial" panose="020B0604020202020204" pitchFamily="34" charset="0"/>
-                <a:ea typeface="Hiragino Sans W2" panose="020B0300000000000000" pitchFamily="34" charset="-128"/>
-                <a:cs typeface="Arial" panose="020B0604020202020204" pitchFamily="34" charset="0"/>
-              </a:rPr>
-              <a:t>Hsu</a:t>
-            </a:r>
-            <a:endParaRPr lang="en-US" sz="8800" spc="-300" dirty="0">
-              <a:solidFill>
-                <a:srgbClr val="EE7D30"/>
-              </a:solidFill>
-              <a:latin typeface="Arial" panose="020B0604020202020204" pitchFamily="34" charset="0"/>
-              <a:ea typeface="Hiragino Sans W2" panose="020B0300000000000000" pitchFamily="34" charset="-128"/>
-              <a:cs typeface="Arial" panose="020B0604020202020204" pitchFamily="34" charset="0"/>
-            </a:endParaRPr>
-          </a:p>
-        </p:txBody>
-      </p:sp>
-      <p:sp>
-        <p:nvSpPr>
-          <p:cNvPr id="3" name="TextBox 2">
-            <a:extLst>
-              <a:ext uri="{FF2B5EF4-FFF2-40B4-BE49-F238E27FC236}">
-                <a16:creationId xmlns:a16="http://schemas.microsoft.com/office/drawing/2014/main" id="{A216E084-5254-4252-8CEF-17262AB46251}"/>
-              </a:ext>
-            </a:extLst>
-          </p:cNvPr>
-          <p:cNvSpPr txBox="1"/>
-          <p:nvPr/>
-        </p:nvSpPr>
-        <p:spPr>
-          <a:xfrm>
-            <a:off x="10867414" y="3020161"/>
-            <a:ext cx="5849953" cy="1862048"/>
-          </a:xfrm>
-          <a:prstGeom prst="rect">
-            <a:avLst/>
-          </a:prstGeom>
-          <a:noFill/>
-        </p:spPr>
-        <p:txBody>
-          <a:bodyPr wrap="square" rtlCol="0">
-            <a:spAutoFit/>
-          </a:bodyPr>
-          <a:lstStyle/>
-          <a:p>
-            <a:r>
-              <a:rPr lang="en-US" sz="11500" spc="300" dirty="0">
-                <a:solidFill>
-                  <a:srgbClr val="193C7D"/>
-                </a:solidFill>
-                <a:latin typeface="Arial" panose="020B0604020202020204" pitchFamily="34" charset="0"/>
-                <a:ea typeface="Hiragino Sans W2" panose="020B0300000000000000" pitchFamily="34" charset="-128"/>
-                <a:cs typeface="Arial" panose="020B0604020202020204" pitchFamily="34" charset="0"/>
-              </a:rPr>
-              <a:t>H</a:t>
-            </a:r>
-            <a:r>
-              <a:rPr lang="en-US" sz="8800" spc="300" dirty="0">
-                <a:solidFill>
-                  <a:srgbClr val="193C7D"/>
-                </a:solidFill>
-                <a:latin typeface="Arial" panose="020B0604020202020204" pitchFamily="34" charset="0"/>
-                <a:ea typeface="Hiragino Sans W2" panose="020B0300000000000000" pitchFamily="34" charset="-128"/>
-                <a:cs typeface="Arial" panose="020B0604020202020204" pitchFamily="34" charset="0"/>
-              </a:rPr>
-              <a:t>ELIOS</a:t>
-            </a:r>
-            <a:r>
-              <a:rPr lang="zh-CN" altLang="en-US" sz="9600" spc="300" dirty="0">
-                <a:solidFill>
-                  <a:srgbClr val="193C7D"/>
-                </a:solidFill>
-                <a:latin typeface="Arial" panose="020B0604020202020204" pitchFamily="34" charset="0"/>
-                <a:cs typeface="Arial" panose="020B0604020202020204" pitchFamily="34" charset="0"/>
-              </a:rPr>
-              <a:t> </a:t>
-            </a:r>
-            <a:endParaRPr lang="en-US" altLang="zh-CN" sz="9600" spc="300" dirty="0">
-              <a:solidFill>
-                <a:srgbClr val="193C7D"/>
-              </a:solidFill>
-              <a:latin typeface="Arial" panose="020B0604020202020204" pitchFamily="34" charset="0"/>
-              <a:cs typeface="Arial" panose="020B0604020202020204" pitchFamily="34" charset="0"/>
-            </a:endParaRPr>
-          </a:p>
-        </p:txBody>
-      </p:sp>
-      <p:cxnSp>
-        <p:nvCxnSpPr>
-          <p:cNvPr id="5" name="Straight Connector 4">
-            <a:extLst>
-              <a:ext uri="{FF2B5EF4-FFF2-40B4-BE49-F238E27FC236}">
-                <a16:creationId xmlns:a16="http://schemas.microsoft.com/office/drawing/2014/main" id="{4A437575-06ED-BA35-2BD4-13DE33F5FD1C}"/>
-              </a:ext>
-            </a:extLst>
-          </p:cNvPr>
-          <p:cNvCxnSpPr/>
-          <p:nvPr/>
-        </p:nvCxnSpPr>
-        <p:spPr>
-          <a:xfrm>
-            <a:off x="10446502" y="1923142"/>
-            <a:ext cx="0" cy="2560320"/>
-          </a:xfrm>
-          <a:prstGeom prst="line">
-            <a:avLst/>
-          </a:prstGeom>
-          <a:ln w="19050">
-            <a:solidFill>
-              <a:schemeClr val="bg1">
-                <a:lumMod val="65000"/>
-              </a:schemeClr>
-            </a:solidFill>
-          </a:ln>
-        </p:spPr>
-        <p:style>
-          <a:lnRef idx="1">
-            <a:schemeClr val="accent1"/>
-          </a:lnRef>
-          <a:fillRef idx="0">
-            <a:schemeClr val="accent1"/>
-          </a:fillRef>
-          <a:effectRef idx="0">
-            <a:schemeClr val="accent1"/>
-          </a:effectRef>
-          <a:fontRef idx="minor">
-            <a:schemeClr val="tx1"/>
-          </a:fontRef>
-        </p:style>
-      </p:cxnSp>
-      <p:pic>
-        <p:nvPicPr>
-          <p:cNvPr id="7" name="Picture 2" descr="Image">
-            <a:extLst>
-              <a:ext uri="{FF2B5EF4-FFF2-40B4-BE49-F238E27FC236}">
-                <a16:creationId xmlns:a16="http://schemas.microsoft.com/office/drawing/2014/main" id="{23F2F615-820B-07C9-E672-5E46661DCF86}"/>
-              </a:ext>
-            </a:extLst>
-          </p:cNvPr>
-          <p:cNvPicPr>
-            <a:picLocks noChangeAspect="1" noChangeArrowheads="1"/>
-          </p:cNvPicPr>
-          <p:nvPr/>
-        </p:nvPicPr>
-        <p:blipFill rotWithShape="1">
-          <a:blip r:embed="rId3">
-            <a:extLst>
-              <a:ext uri="{28A0092B-C50C-407E-A947-70E740481C1C}">
-                <a14:useLocalDpi xmlns:a14="http://schemas.microsoft.com/office/drawing/2010/main" val="0"/>
-              </a:ext>
-            </a:extLst>
-          </a:blip>
-          <a:srcRect r="47237"/>
-          <a:stretch/>
-        </p:blipFill>
-        <p:spPr bwMode="auto">
-          <a:xfrm>
-            <a:off x="345686" y="1115587"/>
-            <a:ext cx="5430646" cy="4469498"/>
-          </a:xfrm>
-          <a:prstGeom prst="rect">
-            <a:avLst/>
-          </a:prstGeom>
-          <a:noFill/>
-          <a:extLst>
-            <a:ext uri="{909E8E84-426E-40DD-AFC4-6F175D3DCCD1}">
-              <a14:hiddenFill xmlns:a14="http://schemas.microsoft.com/office/drawing/2010/main">
-                <a:solidFill>
-                  <a:srgbClr val="FFFFFF"/>
-                </a:solidFill>
-              </a14:hiddenFill>
-            </a:ext>
-          </a:extLst>
-        </p:spPr>
-      </p:pic>
     </p:spTree>
     <p:extLst>
       <p:ext uri="{BB962C8B-B14F-4D97-AF65-F5344CB8AC3E}">
-        <p14:creationId xmlns:p14="http://schemas.microsoft.com/office/powerpoint/2010/main" val="3604812959"/>
+        <p14:creationId xmlns:p14="http://schemas.microsoft.com/office/powerpoint/2010/main" val="4287759508"/>
       </p:ext>
     </p:extLst>
   </p:cSld>
@@ -9780,13 +11524,13 @@
               </a:ext>
             </a:extLst>
           </a:blip>
-          <a:srcRect r="63015"/>
+          <a:srcRect r="47237"/>
           <a:stretch/>
         </p:blipFill>
         <p:spPr bwMode="auto">
           <a:xfrm>
             <a:off x="345686" y="1115587"/>
-            <a:ext cx="3806766" cy="4469498"/>
+            <a:ext cx="5430646" cy="4469498"/>
           </a:xfrm>
           <a:prstGeom prst="rect">
             <a:avLst/>
@@ -9805,10 +11549,10 @@
       </p:pic>
       <p:sp>
         <p:nvSpPr>
-          <p:cNvPr id="9" name="TextBox 8">
-            <a:extLst>
-              <a:ext uri="{FF2B5EF4-FFF2-40B4-BE49-F238E27FC236}">
-                <a16:creationId xmlns:a16="http://schemas.microsoft.com/office/drawing/2014/main" id="{839B7A6C-C6D3-32A6-0EDB-E88D8EFB371D}"/>
+          <p:cNvPr id="6" name="TextBox 5">
+            <a:extLst>
+              <a:ext uri="{FF2B5EF4-FFF2-40B4-BE49-F238E27FC236}">
+                <a16:creationId xmlns:a16="http://schemas.microsoft.com/office/drawing/2014/main" id="{F451CFEC-4921-39AC-4FDE-EB5D812E9EAA}"/>
               </a:ext>
             </a:extLst>
           </p:cNvPr>
@@ -9817,8 +11561,8 @@
         </p:nvSpPr>
         <p:spPr>
           <a:xfrm>
-            <a:off x="6067869" y="1502404"/>
-            <a:ext cx="4378633" cy="1862048"/>
+            <a:off x="5657996" y="1821944"/>
+            <a:ext cx="1102834" cy="1295932"/>
           </a:xfrm>
           <a:prstGeom prst="rect">
             <a:avLst/>
@@ -9831,47 +11575,134 @@
           </a:bodyPr>
           <a:lstStyle/>
           <a:p>
-            <a:r>
-              <a:rPr lang="en-US" sz="11500" spc="-300" dirty="0">
+            <a:pPr>
+              <a:lnSpc>
+                <a:spcPct val="80000"/>
+              </a:lnSpc>
+            </a:pPr>
+            <a:r>
+              <a:rPr lang="zh-CN" altLang="en-US" sz="4800" b="1" i="0" spc="-300" dirty="0">
                 <a:solidFill>
                   <a:srgbClr val="EE7D30"/>
                 </a:solidFill>
-                <a:latin typeface="Arial" panose="020B0604020202020204" pitchFamily="34" charset="0"/>
-                <a:cs typeface="Arial" panose="020B0604020202020204" pitchFamily="34" charset="0"/>
-              </a:rPr>
-              <a:t>Dr.</a:t>
-            </a:r>
-            <a:r>
-              <a:rPr lang="en-US" sz="6600" spc="-300" dirty="0">
+                <a:effectLst/>
+                <a:latin typeface="Hiragino Sans W4" panose="020B0400000000000000" pitchFamily="34" charset="-128"/>
+                <a:ea typeface="Hiragino Sans W4" panose="020B0400000000000000" pitchFamily="34" charset="-128"/>
+              </a:rPr>
+              <a:t>ㄒㄩˊ</a:t>
+            </a:r>
+            <a:endParaRPr lang="en-US" sz="4800" b="1" spc="-300" dirty="0">
+              <a:solidFill>
+                <a:srgbClr val="EE7D30"/>
+              </a:solidFill>
+              <a:latin typeface="Hiragino Sans W4" panose="020B0400000000000000" pitchFamily="34" charset="-128"/>
+              <a:ea typeface="Hiragino Sans W4" panose="020B0400000000000000" pitchFamily="34" charset="-128"/>
+            </a:endParaRPr>
+          </a:p>
+        </p:txBody>
+      </p:sp>
+      <p:sp>
+        <p:nvSpPr>
+          <p:cNvPr id="2" name="TextBox 1">
+            <a:extLst>
+              <a:ext uri="{FF2B5EF4-FFF2-40B4-BE49-F238E27FC236}">
+                <a16:creationId xmlns:a16="http://schemas.microsoft.com/office/drawing/2014/main" id="{9DEA104D-1DE7-5965-21DD-4F99C48DC2A5}"/>
+              </a:ext>
+            </a:extLst>
+          </p:cNvPr>
+          <p:cNvSpPr txBox="1"/>
+          <p:nvPr/>
+        </p:nvSpPr>
+        <p:spPr>
+          <a:xfrm>
+            <a:off x="5689997" y="3461274"/>
+            <a:ext cx="1102834" cy="1351396"/>
+          </a:xfrm>
+          <a:prstGeom prst="rect">
+            <a:avLst/>
+          </a:prstGeom>
+          <a:noFill/>
+        </p:spPr>
+        <p:txBody>
+          <a:bodyPr wrap="square" rtlCol="0">
+            <a:spAutoFit/>
+          </a:bodyPr>
+          <a:lstStyle/>
+          <a:p>
+            <a:pPr>
+              <a:lnSpc>
+                <a:spcPct val="55000"/>
+              </a:lnSpc>
+            </a:pPr>
+            <a:r>
+              <a:rPr lang="zh-CN" altLang="en-US" sz="4800" b="1" spc="-300" dirty="0">
+                <a:solidFill>
+                  <a:srgbClr val="193C7D"/>
+                </a:solidFill>
+                <a:latin typeface="Hiragino Sans W4" panose="020B0400000000000000" pitchFamily="34" charset="-128"/>
+                <a:ea typeface="Hiragino Sans W4" panose="020B0400000000000000" pitchFamily="34" charset="-128"/>
+              </a:rPr>
+              <a:t>ㄏㄨㄥˊ</a:t>
+            </a:r>
+            <a:endParaRPr lang="ja-JP" altLang="en-US" sz="4800" b="1" spc="-300">
+              <a:solidFill>
+                <a:srgbClr val="193C7D"/>
+              </a:solidFill>
+              <a:latin typeface="Hiragino Sans W4" panose="020B0400000000000000" pitchFamily="34" charset="-128"/>
+              <a:ea typeface="Hiragino Sans W4" panose="020B0400000000000000" pitchFamily="34" charset="-128"/>
+            </a:endParaRPr>
+          </a:p>
+        </p:txBody>
+      </p:sp>
+      <p:sp>
+        <p:nvSpPr>
+          <p:cNvPr id="3" name="TextBox 2">
+            <a:extLst>
+              <a:ext uri="{FF2B5EF4-FFF2-40B4-BE49-F238E27FC236}">
+                <a16:creationId xmlns:a16="http://schemas.microsoft.com/office/drawing/2014/main" id="{9D4119DE-545A-78C9-2E52-F9A5A7DAFB13}"/>
+              </a:ext>
+            </a:extLst>
+          </p:cNvPr>
+          <p:cNvSpPr txBox="1"/>
+          <p:nvPr/>
+        </p:nvSpPr>
+        <p:spPr>
+          <a:xfrm>
+            <a:off x="6825509" y="1502404"/>
+            <a:ext cx="3860290" cy="1862048"/>
+          </a:xfrm>
+          <a:prstGeom prst="rect">
+            <a:avLst/>
+          </a:prstGeom>
+          <a:noFill/>
+        </p:spPr>
+        <p:txBody>
+          <a:bodyPr wrap="square" rtlCol="0">
+            <a:spAutoFit/>
+          </a:bodyPr>
+          <a:lstStyle/>
+          <a:p>
+            <a:r>
+              <a:rPr lang="en-US" sz="11500" spc="300" dirty="0">
                 <a:solidFill>
                   <a:srgbClr val="EE7D30"/>
                 </a:solidFill>
                 <a:latin typeface="Arial" panose="020B0604020202020204" pitchFamily="34" charset="0"/>
                 <a:cs typeface="Arial" panose="020B0604020202020204" pitchFamily="34" charset="0"/>
               </a:rPr>
-              <a:t> </a:t>
-            </a:r>
-            <a:r>
-              <a:rPr lang="en-US" sz="11500" spc="-300" dirty="0">
+              <a:t>S</a:t>
+            </a:r>
+            <a:r>
+              <a:rPr lang="en-US" sz="8800" spc="300" dirty="0">
                 <a:solidFill>
                   <a:srgbClr val="EE7D30"/>
                 </a:solidFill>
                 <a:latin typeface="Arial" panose="020B0604020202020204" pitchFamily="34" charset="0"/>
                 <a:cs typeface="Arial" panose="020B0604020202020204" pitchFamily="34" charset="0"/>
               </a:rPr>
-              <a:t>X</a:t>
-            </a:r>
-            <a:r>
-              <a:rPr lang="en-US" sz="8800" spc="-300" dirty="0">
-                <a:solidFill>
-                  <a:srgbClr val="EE7D30"/>
-                </a:solidFill>
-                <a:latin typeface="Arial" panose="020B0604020202020204" pitchFamily="34" charset="0"/>
-                <a:cs typeface="Arial" panose="020B0604020202020204" pitchFamily="34" charset="0"/>
-              </a:rPr>
-              <a:t>U</a:t>
-            </a:r>
-            <a:endParaRPr lang="en-US" sz="9600" spc="-300" dirty="0">
+              <a:t>HYÚ</a:t>
+            </a:r>
+            <a:endParaRPr lang="en-US" sz="9600" spc="300" dirty="0">
               <a:solidFill>
                 <a:srgbClr val="EE7D30"/>
               </a:solidFill>
@@ -9883,10 +11714,10 @@
       </p:sp>
       <p:sp>
         <p:nvSpPr>
-          <p:cNvPr id="10" name="TextBox 9">
-            <a:extLst>
-              <a:ext uri="{FF2B5EF4-FFF2-40B4-BE49-F238E27FC236}">
-                <a16:creationId xmlns:a16="http://schemas.microsoft.com/office/drawing/2014/main" id="{EF81F04B-E831-E708-9897-55FF13E576D7}"/>
+          <p:cNvPr id="4" name="TextBox 3">
+            <a:extLst>
+              <a:ext uri="{FF2B5EF4-FFF2-40B4-BE49-F238E27FC236}">
+                <a16:creationId xmlns:a16="http://schemas.microsoft.com/office/drawing/2014/main" id="{144AE363-411A-F7E4-1098-15D99A84D2CD}"/>
               </a:ext>
             </a:extLst>
           </p:cNvPr>
@@ -9895,8 +11726,8 @@
         </p:nvSpPr>
         <p:spPr>
           <a:xfrm>
-            <a:off x="6067868" y="3020161"/>
-            <a:ext cx="4378634" cy="1862048"/>
+            <a:off x="6825508" y="3020161"/>
+            <a:ext cx="3907012" cy="1862048"/>
           </a:xfrm>
           <a:prstGeom prst="rect">
             <a:avLst/>
@@ -9910,7 +11741,7 @@
           <a:lstStyle/>
           <a:p>
             <a:r>
-              <a:rPr lang="en-US" sz="11500" spc="300" dirty="0">
+              <a:rPr lang="en-US" sz="11500" dirty="0">
                 <a:solidFill>
                   <a:srgbClr val="193C7D"/>
                 </a:solidFill>
@@ -9920,17 +11751,17 @@
               <a:t>H</a:t>
             </a:r>
             <a:r>
-              <a:rPr lang="en-US" sz="8800" spc="300" dirty="0">
+              <a:rPr lang="en-US" sz="8800" dirty="0">
                 <a:solidFill>
                   <a:srgbClr val="193C7D"/>
                 </a:solidFill>
                 <a:latin typeface="Arial" panose="020B0604020202020204" pitchFamily="34" charset="0"/>
                 <a:cs typeface="Arial" panose="020B0604020202020204" pitchFamily="34" charset="0"/>
               </a:rPr>
-              <a:t>ONG</a:t>
-            </a:r>
-            <a:r>
-              <a:rPr lang="zh-CN" altLang="en-US" sz="9600" spc="300" dirty="0">
+              <a:t>ÚNG</a:t>
+            </a:r>
+            <a:r>
+              <a:rPr lang="zh-CN" altLang="en-US" sz="9600" dirty="0">
                 <a:solidFill>
                   <a:srgbClr val="193C7D"/>
                 </a:solidFill>
@@ -9939,7 +11770,7 @@
               </a:rPr>
               <a:t> </a:t>
             </a:r>
-            <a:endParaRPr lang="en-US" altLang="zh-CN" sz="9600" spc="300" dirty="0">
+            <a:endParaRPr lang="en-US" altLang="zh-CN" sz="9600" dirty="0">
               <a:solidFill>
                 <a:srgbClr val="193C7D"/>
               </a:solidFill>
@@ -9949,218 +11780,10 @@
           </a:p>
         </p:txBody>
       </p:sp>
-      <p:sp>
-        <p:nvSpPr>
-          <p:cNvPr id="2" name="TextBox 1">
-            <a:extLst>
-              <a:ext uri="{FF2B5EF4-FFF2-40B4-BE49-F238E27FC236}">
-                <a16:creationId xmlns:a16="http://schemas.microsoft.com/office/drawing/2014/main" id="{8ACC2E12-BAF5-1435-CEC8-F161FAF7D8FB}"/>
-              </a:ext>
-            </a:extLst>
-          </p:cNvPr>
-          <p:cNvSpPr txBox="1"/>
-          <p:nvPr/>
-        </p:nvSpPr>
-        <p:spPr>
-          <a:xfrm>
-            <a:off x="10874673" y="1502404"/>
-            <a:ext cx="4378633" cy="1862048"/>
-          </a:xfrm>
-          <a:prstGeom prst="rect">
-            <a:avLst/>
-          </a:prstGeom>
-          <a:noFill/>
-        </p:spPr>
-        <p:txBody>
-          <a:bodyPr wrap="square" rtlCol="0">
-            <a:spAutoFit/>
-          </a:bodyPr>
-          <a:lstStyle/>
-          <a:p>
-            <a:r>
-              <a:rPr lang="en-US" sz="11500" spc="-300" dirty="0">
-                <a:solidFill>
-                  <a:srgbClr val="EE7D30"/>
-                </a:solidFill>
-                <a:latin typeface="Arial" panose="020B0604020202020204" pitchFamily="34" charset="0"/>
-                <a:ea typeface="Hiragino Sans W2" panose="020B0300000000000000" pitchFamily="34" charset="-128"/>
-                <a:cs typeface="Arial" panose="020B0604020202020204" pitchFamily="34" charset="0"/>
-              </a:rPr>
-              <a:t>Hsu</a:t>
-            </a:r>
-            <a:endParaRPr lang="en-US" sz="8800" spc="-300" dirty="0">
-              <a:solidFill>
-                <a:srgbClr val="EE7D30"/>
-              </a:solidFill>
-              <a:latin typeface="Arial" panose="020B0604020202020204" pitchFamily="34" charset="0"/>
-              <a:ea typeface="Hiragino Sans W2" panose="020B0300000000000000" pitchFamily="34" charset="-128"/>
-              <a:cs typeface="Arial" panose="020B0604020202020204" pitchFamily="34" charset="0"/>
-            </a:endParaRPr>
-          </a:p>
-        </p:txBody>
-      </p:sp>
-      <p:sp>
-        <p:nvSpPr>
-          <p:cNvPr id="3" name="TextBox 2">
-            <a:extLst>
-              <a:ext uri="{FF2B5EF4-FFF2-40B4-BE49-F238E27FC236}">
-                <a16:creationId xmlns:a16="http://schemas.microsoft.com/office/drawing/2014/main" id="{A216E084-5254-4252-8CEF-17262AB46251}"/>
-              </a:ext>
-            </a:extLst>
-          </p:cNvPr>
-          <p:cNvSpPr txBox="1"/>
-          <p:nvPr/>
-        </p:nvSpPr>
-        <p:spPr>
-          <a:xfrm>
-            <a:off x="10867414" y="3020161"/>
-            <a:ext cx="5849953" cy="1862048"/>
-          </a:xfrm>
-          <a:prstGeom prst="rect">
-            <a:avLst/>
-          </a:prstGeom>
-          <a:noFill/>
-        </p:spPr>
-        <p:txBody>
-          <a:bodyPr wrap="square" rtlCol="0">
-            <a:spAutoFit/>
-          </a:bodyPr>
-          <a:lstStyle/>
-          <a:p>
-            <a:r>
-              <a:rPr lang="en-US" sz="11500" spc="300" dirty="0">
-                <a:solidFill>
-                  <a:srgbClr val="193C7D"/>
-                </a:solidFill>
-                <a:latin typeface="Arial" panose="020B0604020202020204" pitchFamily="34" charset="0"/>
-                <a:ea typeface="Hiragino Sans W2" panose="020B0300000000000000" pitchFamily="34" charset="-128"/>
-                <a:cs typeface="Arial" panose="020B0604020202020204" pitchFamily="34" charset="0"/>
-              </a:rPr>
-              <a:t>H</a:t>
-            </a:r>
-            <a:r>
-              <a:rPr lang="en-US" sz="8800" spc="300" dirty="0">
-                <a:solidFill>
-                  <a:srgbClr val="193C7D"/>
-                </a:solidFill>
-                <a:latin typeface="Arial" panose="020B0604020202020204" pitchFamily="34" charset="0"/>
-                <a:ea typeface="Hiragino Sans W2" panose="020B0300000000000000" pitchFamily="34" charset="-128"/>
-                <a:cs typeface="Arial" panose="020B0604020202020204" pitchFamily="34" charset="0"/>
-              </a:rPr>
-              <a:t>ELIOS</a:t>
-            </a:r>
-            <a:r>
-              <a:rPr lang="zh-CN" altLang="en-US" sz="9600" spc="300" dirty="0">
-                <a:solidFill>
-                  <a:srgbClr val="193C7D"/>
-                </a:solidFill>
-                <a:latin typeface="Arial" panose="020B0604020202020204" pitchFamily="34" charset="0"/>
-                <a:cs typeface="Arial" panose="020B0604020202020204" pitchFamily="34" charset="0"/>
-              </a:rPr>
-              <a:t> </a:t>
-            </a:r>
-            <a:endParaRPr lang="en-US" altLang="zh-CN" sz="9600" spc="300" dirty="0">
-              <a:solidFill>
-                <a:srgbClr val="193C7D"/>
-              </a:solidFill>
-              <a:latin typeface="Arial" panose="020B0604020202020204" pitchFamily="34" charset="0"/>
-              <a:cs typeface="Arial" panose="020B0604020202020204" pitchFamily="34" charset="0"/>
-            </a:endParaRPr>
-          </a:p>
-        </p:txBody>
-      </p:sp>
-      <p:cxnSp>
-        <p:nvCxnSpPr>
-          <p:cNvPr id="5" name="Straight Connector 4">
-            <a:extLst>
-              <a:ext uri="{FF2B5EF4-FFF2-40B4-BE49-F238E27FC236}">
-                <a16:creationId xmlns:a16="http://schemas.microsoft.com/office/drawing/2014/main" id="{4A437575-06ED-BA35-2BD4-13DE33F5FD1C}"/>
-              </a:ext>
-            </a:extLst>
-          </p:cNvPr>
-          <p:cNvCxnSpPr/>
-          <p:nvPr/>
-        </p:nvCxnSpPr>
-        <p:spPr>
-          <a:xfrm>
-            <a:off x="10446502" y="1923142"/>
-            <a:ext cx="0" cy="2560320"/>
-          </a:xfrm>
-          <a:prstGeom prst="line">
-            <a:avLst/>
-          </a:prstGeom>
-          <a:ln w="19050">
-            <a:solidFill>
-              <a:schemeClr val="bg1">
-                <a:lumMod val="65000"/>
-              </a:schemeClr>
-            </a:solidFill>
-          </a:ln>
-        </p:spPr>
-        <p:style>
-          <a:lnRef idx="1">
-            <a:schemeClr val="accent1"/>
-          </a:lnRef>
-          <a:fillRef idx="0">
-            <a:schemeClr val="accent1"/>
-          </a:fillRef>
-          <a:effectRef idx="0">
-            <a:schemeClr val="accent1"/>
-          </a:effectRef>
-          <a:fontRef idx="minor">
-            <a:schemeClr val="tx1"/>
-          </a:fontRef>
-        </p:style>
-      </p:cxnSp>
-      <p:pic>
-        <p:nvPicPr>
-          <p:cNvPr id="7" name="Picture 2" descr="Image">
-            <a:extLst>
-              <a:ext uri="{FF2B5EF4-FFF2-40B4-BE49-F238E27FC236}">
-                <a16:creationId xmlns:a16="http://schemas.microsoft.com/office/drawing/2014/main" id="{23F2F615-820B-07C9-E672-5E46661DCF86}"/>
-              </a:ext>
-            </a:extLst>
-          </p:cNvPr>
-          <p:cNvPicPr>
-            <a:picLocks noChangeAspect="1" noChangeArrowheads="1"/>
-          </p:cNvPicPr>
-          <p:nvPr/>
-        </p:nvPicPr>
-        <p:blipFill rotWithShape="1">
-          <a:blip r:embed="rId3">
-            <a:extLst>
-              <a:ext uri="{28A0092B-C50C-407E-A947-70E740481C1C}">
-                <a14:useLocalDpi xmlns:a14="http://schemas.microsoft.com/office/drawing/2010/main" val="0"/>
-              </a:ext>
-            </a:extLst>
-          </a:blip>
-          <a:srcRect r="47237"/>
-          <a:stretch/>
-        </p:blipFill>
-        <p:spPr bwMode="auto">
-          <a:xfrm>
-            <a:off x="345686" y="1115587"/>
-            <a:ext cx="5430646" cy="4469498"/>
-          </a:xfrm>
-          <a:prstGeom prst="rect">
-            <a:avLst/>
-          </a:prstGeom>
-          <a:noFill/>
-          <a:extLst>
-            <a:ext uri="{909E8E84-426E-40DD-AFC4-6F175D3DCCD1}">
-              <a14:hiddenFill xmlns:a14="http://schemas.microsoft.com/office/drawing/2010/main">
-                <a:solidFill>
-                  <a:srgbClr val="FFFFFF"/>
-                </a:solidFill>
-              </a14:hiddenFill>
-            </a:ext>
-          </a:extLst>
-        </p:spPr>
-      </p:pic>
     </p:spTree>
     <p:extLst>
       <p:ext uri="{BB962C8B-B14F-4D97-AF65-F5344CB8AC3E}">
-        <p14:creationId xmlns:p14="http://schemas.microsoft.com/office/powerpoint/2010/main" val="3754308179"/>
+        <p14:creationId xmlns:p14="http://schemas.microsoft.com/office/powerpoint/2010/main" val="1397035240"/>
       </p:ext>
     </p:extLst>
   </p:cSld>
@@ -10298,7 +11921,7 @@
                 <a:latin typeface="Arial" panose="020B0604020202020204" pitchFamily="34" charset="0"/>
                 <a:cs typeface="Arial" panose="020B0604020202020204" pitchFamily="34" charset="0"/>
               </a:rPr>
-              <a:t>Ü</a:t>
+              <a:t>Ú</a:t>
             </a:r>
             <a:endParaRPr lang="en-US" sz="9600" spc="-300" dirty="0">
               <a:solidFill>
@@ -10356,7 +11979,7 @@
                 <a:latin typeface="Arial" panose="020B0604020202020204" pitchFamily="34" charset="0"/>
                 <a:cs typeface="Arial" panose="020B0604020202020204" pitchFamily="34" charset="0"/>
               </a:rPr>
-              <a:t>ONG</a:t>
+              <a:t>ÓNG</a:t>
             </a:r>
             <a:r>
               <a:rPr lang="zh-CN" altLang="en-US" sz="9600" spc="300" dirty="0">
@@ -10589,7 +12212,7 @@
     </p:spTree>
     <p:extLst>
       <p:ext uri="{BB962C8B-B14F-4D97-AF65-F5344CB8AC3E}">
-        <p14:creationId xmlns:p14="http://schemas.microsoft.com/office/powerpoint/2010/main" val="3801521842"/>
+        <p14:creationId xmlns:p14="http://schemas.microsoft.com/office/powerpoint/2010/main" val="3604812959"/>
       </p:ext>
     </p:extLst>
   </p:cSld>
@@ -10618,10 +12241,10 @@
       </p:grpSpPr>
       <p:pic>
         <p:nvPicPr>
-          <p:cNvPr id="1026" name="Picture 2" descr="Image">
-            <a:extLst>
-              <a:ext uri="{FF2B5EF4-FFF2-40B4-BE49-F238E27FC236}">
-                <a16:creationId xmlns:a16="http://schemas.microsoft.com/office/drawing/2014/main" id="{36D76745-1717-2F81-B8A8-05514344CC77}"/>
+          <p:cNvPr id="4" name="Picture 2" descr="Image">
+            <a:extLst>
+              <a:ext uri="{FF2B5EF4-FFF2-40B4-BE49-F238E27FC236}">
+                <a16:creationId xmlns:a16="http://schemas.microsoft.com/office/drawing/2014/main" id="{9548E81B-37BF-0B72-3947-32B374216AF6}"/>
               </a:ext>
             </a:extLst>
           </p:cNvPr>
@@ -10631,20 +12254,20 @@
           <p:nvPr/>
         </p:nvPicPr>
         <p:blipFill rotWithShape="1">
-          <a:blip r:embed="rId3">
+          <a:blip r:embed="rId2">
             <a:extLst>
               <a:ext uri="{28A0092B-C50C-407E-A947-70E740481C1C}">
                 <a14:useLocalDpi xmlns:a14="http://schemas.microsoft.com/office/drawing/2010/main" val="0"/>
               </a:ext>
             </a:extLst>
           </a:blip>
-          <a:srcRect r="63015"/>
+          <a:srcRect r="62270" b="4653"/>
           <a:stretch/>
         </p:blipFill>
         <p:spPr bwMode="auto">
           <a:xfrm>
-            <a:off x="345686" y="1115587"/>
-            <a:ext cx="3806766" cy="4469498"/>
+            <a:off x="468259" y="1341936"/>
+            <a:ext cx="3325405" cy="3649163"/>
           </a:xfrm>
           <a:prstGeom prst="rect">
             <a:avLst/>
@@ -10663,10 +12286,10 @@
       </p:pic>
       <p:sp>
         <p:nvSpPr>
-          <p:cNvPr id="9" name="TextBox 8">
-            <a:extLst>
-              <a:ext uri="{FF2B5EF4-FFF2-40B4-BE49-F238E27FC236}">
-                <a16:creationId xmlns:a16="http://schemas.microsoft.com/office/drawing/2014/main" id="{839B7A6C-C6D3-32A6-0EDB-E88D8EFB371D}"/>
+          <p:cNvPr id="5" name="TextBox 4">
+            <a:extLst>
+              <a:ext uri="{FF2B5EF4-FFF2-40B4-BE49-F238E27FC236}">
+                <a16:creationId xmlns:a16="http://schemas.microsoft.com/office/drawing/2014/main" id="{40C5A595-0502-93C5-52C5-DF209171E01F}"/>
               </a:ext>
             </a:extLst>
           </p:cNvPr>
@@ -10675,8 +12298,8 @@
         </p:nvSpPr>
         <p:spPr>
           <a:xfrm>
-            <a:off x="6067869" y="1502404"/>
-            <a:ext cx="4378633" cy="1862048"/>
+            <a:off x="10925618" y="1069676"/>
+            <a:ext cx="5152582" cy="2215991"/>
           </a:xfrm>
           <a:prstGeom prst="rect">
             <a:avLst/>
@@ -10690,7 +12313,7 @@
           <a:lstStyle/>
           <a:p>
             <a:r>
-              <a:rPr lang="en-US" sz="11500" spc="-300" dirty="0">
+              <a:rPr lang="en-US" sz="13800" spc="-300" dirty="0">
                 <a:solidFill>
                   <a:srgbClr val="EE7D30"/>
                 </a:solidFill>
@@ -10700,7 +12323,7 @@
               <a:t>Dr.</a:t>
             </a:r>
             <a:r>
-              <a:rPr lang="en-US" sz="6600" spc="-300" dirty="0">
+              <a:rPr lang="en-US" sz="7200" spc="-300" dirty="0">
                 <a:solidFill>
                   <a:srgbClr val="EE7D30"/>
                 </a:solidFill>
@@ -10710,7 +12333,7 @@
               <a:t> </a:t>
             </a:r>
             <a:r>
-              <a:rPr lang="en-US" sz="11500" spc="-300" dirty="0">
+              <a:rPr lang="en-US" sz="13800" spc="-300" dirty="0">
                 <a:solidFill>
                   <a:srgbClr val="EE7D30"/>
                 </a:solidFill>
@@ -10720,7 +12343,7 @@
               <a:t>X</a:t>
             </a:r>
             <a:r>
-              <a:rPr lang="en-US" sz="8800" spc="-300" dirty="0">
+              <a:rPr lang="en-US" sz="9600" spc="-300" dirty="0">
                 <a:solidFill>
                   <a:srgbClr val="EE7D30"/>
                 </a:solidFill>
@@ -10729,7 +12352,7 @@
               </a:rPr>
               <a:t>Ú</a:t>
             </a:r>
-            <a:endParaRPr lang="en-US" sz="9600" spc="-300" dirty="0">
+            <a:endParaRPr lang="en-US" sz="11500" spc="-300" dirty="0">
               <a:solidFill>
                 <a:srgbClr val="EE7D30"/>
               </a:solidFill>
@@ -10741,10 +12364,10 @@
       </p:sp>
       <p:sp>
         <p:nvSpPr>
-          <p:cNvPr id="10" name="TextBox 9">
-            <a:extLst>
-              <a:ext uri="{FF2B5EF4-FFF2-40B4-BE49-F238E27FC236}">
-                <a16:creationId xmlns:a16="http://schemas.microsoft.com/office/drawing/2014/main" id="{EF81F04B-E831-E708-9897-55FF13E576D7}"/>
+          <p:cNvPr id="6" name="TextBox 5">
+            <a:extLst>
+              <a:ext uri="{FF2B5EF4-FFF2-40B4-BE49-F238E27FC236}">
+                <a16:creationId xmlns:a16="http://schemas.microsoft.com/office/drawing/2014/main" id="{6A3A6191-1B89-E46E-486F-F0051677A067}"/>
               </a:ext>
             </a:extLst>
           </p:cNvPr>
@@ -10753,8 +12376,8 @@
         </p:nvSpPr>
         <p:spPr>
           <a:xfrm>
-            <a:off x="6067868" y="3020161"/>
-            <a:ext cx="4378634" cy="1862048"/>
+            <a:off x="10925618" y="2574374"/>
+            <a:ext cx="4981132" cy="2215991"/>
           </a:xfrm>
           <a:prstGeom prst="rect">
             <a:avLst/>
@@ -10768,7 +12391,7 @@
           <a:lstStyle/>
           <a:p>
             <a:r>
-              <a:rPr lang="en-US" sz="11500" spc="300" dirty="0">
+              <a:rPr lang="en-US" sz="13800" spc="900" dirty="0">
                 <a:solidFill>
                   <a:srgbClr val="193C7D"/>
                 </a:solidFill>
@@ -10778,7 +12401,7 @@
               <a:t>H</a:t>
             </a:r>
             <a:r>
-              <a:rPr lang="en-US" sz="8800" spc="300" dirty="0">
+              <a:rPr lang="en-US" sz="9600" spc="900" dirty="0">
                 <a:solidFill>
                   <a:srgbClr val="193C7D"/>
                 </a:solidFill>
@@ -10788,7 +12411,7 @@
               <a:t>ÓNG</a:t>
             </a:r>
             <a:r>
-              <a:rPr lang="zh-CN" altLang="en-US" sz="9600" spc="300" dirty="0">
+              <a:rPr lang="zh-CN" altLang="en-US" sz="11500" spc="900" dirty="0">
                 <a:solidFill>
                   <a:srgbClr val="193C7D"/>
                 </a:solidFill>
@@ -10797,7 +12420,7 @@
               </a:rPr>
               <a:t> </a:t>
             </a:r>
-            <a:endParaRPr lang="en-US" altLang="zh-CN" sz="9600" spc="300" dirty="0">
+            <a:endParaRPr lang="en-US" altLang="zh-CN" sz="11500" spc="900" dirty="0">
               <a:solidFill>
                 <a:srgbClr val="193C7D"/>
               </a:solidFill>
@@ -10807,175 +12430,12 @@
           </a:p>
         </p:txBody>
       </p:sp>
-      <p:sp>
-        <p:nvSpPr>
-          <p:cNvPr id="2" name="TextBox 1">
-            <a:extLst>
-              <a:ext uri="{FF2B5EF4-FFF2-40B4-BE49-F238E27FC236}">
-                <a16:creationId xmlns:a16="http://schemas.microsoft.com/office/drawing/2014/main" id="{8ACC2E12-BAF5-1435-CEC8-F161FAF7D8FB}"/>
-              </a:ext>
-            </a:extLst>
-          </p:cNvPr>
-          <p:cNvSpPr txBox="1"/>
-          <p:nvPr/>
-        </p:nvSpPr>
-        <p:spPr>
-          <a:xfrm>
-            <a:off x="10874673" y="1502404"/>
-            <a:ext cx="4378633" cy="1862048"/>
-          </a:xfrm>
-          <a:prstGeom prst="rect">
-            <a:avLst/>
-          </a:prstGeom>
-          <a:noFill/>
-        </p:spPr>
-        <p:txBody>
-          <a:bodyPr wrap="square" rtlCol="0">
-            <a:spAutoFit/>
-          </a:bodyPr>
-          <a:lstStyle/>
-          <a:p>
-            <a:r>
-              <a:rPr lang="en-US" sz="11500" spc="-300" dirty="0">
-                <a:solidFill>
-                  <a:srgbClr val="EE7D30"/>
-                </a:solidFill>
-                <a:latin typeface="Arial" panose="020B0604020202020204" pitchFamily="34" charset="0"/>
-                <a:ea typeface="Hiragino Sans W2" panose="020B0300000000000000" pitchFamily="34" charset="-128"/>
-                <a:cs typeface="Arial" panose="020B0604020202020204" pitchFamily="34" charset="0"/>
-              </a:rPr>
-              <a:t>Hsu</a:t>
-            </a:r>
-            <a:endParaRPr lang="en-US" sz="8800" spc="-300" dirty="0">
-              <a:solidFill>
-                <a:srgbClr val="EE7D30"/>
-              </a:solidFill>
-              <a:latin typeface="Arial" panose="020B0604020202020204" pitchFamily="34" charset="0"/>
-              <a:ea typeface="Hiragino Sans W2" panose="020B0300000000000000" pitchFamily="34" charset="-128"/>
-              <a:cs typeface="Arial" panose="020B0604020202020204" pitchFamily="34" charset="0"/>
-            </a:endParaRPr>
-          </a:p>
-        </p:txBody>
-      </p:sp>
-      <p:sp>
-        <p:nvSpPr>
-          <p:cNvPr id="3" name="TextBox 2">
-            <a:extLst>
-              <a:ext uri="{FF2B5EF4-FFF2-40B4-BE49-F238E27FC236}">
-                <a16:creationId xmlns:a16="http://schemas.microsoft.com/office/drawing/2014/main" id="{A216E084-5254-4252-8CEF-17262AB46251}"/>
-              </a:ext>
-            </a:extLst>
-          </p:cNvPr>
-          <p:cNvSpPr txBox="1"/>
-          <p:nvPr/>
-        </p:nvSpPr>
-        <p:spPr>
-          <a:xfrm>
-            <a:off x="10867414" y="3020161"/>
-            <a:ext cx="5849953" cy="1862048"/>
-          </a:xfrm>
-          <a:prstGeom prst="rect">
-            <a:avLst/>
-          </a:prstGeom>
-          <a:noFill/>
-        </p:spPr>
-        <p:txBody>
-          <a:bodyPr wrap="square" rtlCol="0">
-            <a:spAutoFit/>
-          </a:bodyPr>
-          <a:lstStyle/>
-          <a:p>
-            <a:r>
-              <a:rPr lang="en-US" sz="11500" spc="300" dirty="0">
-                <a:solidFill>
-                  <a:srgbClr val="193C7D"/>
-                </a:solidFill>
-                <a:latin typeface="Arial" panose="020B0604020202020204" pitchFamily="34" charset="0"/>
-                <a:ea typeface="Hiragino Sans W2" panose="020B0300000000000000" pitchFamily="34" charset="-128"/>
-                <a:cs typeface="Arial" panose="020B0604020202020204" pitchFamily="34" charset="0"/>
-              </a:rPr>
-              <a:t>H</a:t>
-            </a:r>
-            <a:r>
-              <a:rPr lang="en-US" sz="8800" spc="300" dirty="0">
-                <a:solidFill>
-                  <a:srgbClr val="193C7D"/>
-                </a:solidFill>
-                <a:latin typeface="Arial" panose="020B0604020202020204" pitchFamily="34" charset="0"/>
-                <a:ea typeface="Hiragino Sans W2" panose="020B0300000000000000" pitchFamily="34" charset="-128"/>
-                <a:cs typeface="Arial" panose="020B0604020202020204" pitchFamily="34" charset="0"/>
-              </a:rPr>
-              <a:t>ELIOS</a:t>
-            </a:r>
-            <a:r>
-              <a:rPr lang="zh-CN" altLang="en-US" sz="9600" spc="300" dirty="0">
-                <a:solidFill>
-                  <a:srgbClr val="193C7D"/>
-                </a:solidFill>
-                <a:latin typeface="Arial" panose="020B0604020202020204" pitchFamily="34" charset="0"/>
-                <a:cs typeface="Arial" panose="020B0604020202020204" pitchFamily="34" charset="0"/>
-              </a:rPr>
-              <a:t> </a:t>
-            </a:r>
-            <a:endParaRPr lang="en-US" altLang="zh-CN" sz="9600" spc="300" dirty="0">
-              <a:solidFill>
-                <a:srgbClr val="193C7D"/>
-              </a:solidFill>
-              <a:latin typeface="Arial" panose="020B0604020202020204" pitchFamily="34" charset="0"/>
-              <a:cs typeface="Arial" panose="020B0604020202020204" pitchFamily="34" charset="0"/>
-            </a:endParaRPr>
-          </a:p>
-        </p:txBody>
-      </p:sp>
-      <p:cxnSp>
-        <p:nvCxnSpPr>
-          <p:cNvPr id="5" name="Straight Connector 4">
-            <a:extLst>
-              <a:ext uri="{FF2B5EF4-FFF2-40B4-BE49-F238E27FC236}">
-                <a16:creationId xmlns:a16="http://schemas.microsoft.com/office/drawing/2014/main" id="{4A437575-06ED-BA35-2BD4-13DE33F5FD1C}"/>
-              </a:ext>
-            </a:extLst>
-          </p:cNvPr>
-          <p:cNvCxnSpPr/>
-          <p:nvPr/>
-        </p:nvCxnSpPr>
-        <p:spPr>
-          <a:xfrm>
-            <a:off x="10446502" y="1923142"/>
-            <a:ext cx="0" cy="2560320"/>
-          </a:xfrm>
-          <a:prstGeom prst="line">
-            <a:avLst/>
-          </a:prstGeom>
-          <a:ln w="19050">
-            <a:solidFill>
-              <a:schemeClr val="bg1">
-                <a:lumMod val="65000"/>
-              </a:schemeClr>
-            </a:solidFill>
-          </a:ln>
-        </p:spPr>
-        <p:style>
-          <a:lnRef idx="1">
-            <a:schemeClr val="accent1"/>
-          </a:lnRef>
-          <a:fillRef idx="0">
-            <a:schemeClr val="accent1"/>
-          </a:fillRef>
-          <a:effectRef idx="0">
-            <a:schemeClr val="accent1"/>
-          </a:effectRef>
-          <a:fontRef idx="minor">
-            <a:schemeClr val="tx1"/>
-          </a:fontRef>
-        </p:style>
-      </p:cxnSp>
       <p:pic>
         <p:nvPicPr>
           <p:cNvPr id="7" name="Picture 2" descr="Image">
             <a:extLst>
               <a:ext uri="{FF2B5EF4-FFF2-40B4-BE49-F238E27FC236}">
-                <a16:creationId xmlns:a16="http://schemas.microsoft.com/office/drawing/2014/main" id="{23F2F615-820B-07C9-E672-5E46661DCF86}"/>
+                <a16:creationId xmlns:a16="http://schemas.microsoft.com/office/drawing/2014/main" id="{771918BB-82DE-2CFA-47D5-21B5DF327AC8}"/>
               </a:ext>
             </a:extLst>
           </p:cNvPr>
@@ -10985,20 +12445,20 @@
           <p:nvPr/>
         </p:nvPicPr>
         <p:blipFill rotWithShape="1">
-          <a:blip r:embed="rId3">
+          <a:blip r:embed="rId2">
             <a:extLst>
               <a:ext uri="{28A0092B-C50C-407E-A947-70E740481C1C}">
                 <a14:useLocalDpi xmlns:a14="http://schemas.microsoft.com/office/drawing/2010/main" val="0"/>
               </a:ext>
             </a:extLst>
           </a:blip>
-          <a:srcRect r="47237"/>
+          <a:srcRect l="38539" t="49029" r="47237" b="22309"/>
           <a:stretch/>
         </p:blipFill>
         <p:spPr bwMode="auto">
           <a:xfrm>
-            <a:off x="345686" y="1115587"/>
-            <a:ext cx="5430646" cy="4469498"/>
+            <a:off x="6800850" y="-3084212"/>
+            <a:ext cx="3200400" cy="2800350"/>
           </a:xfrm>
           <a:prstGeom prst="rect">
             <a:avLst/>
@@ -11015,10 +12475,180 @@
           </a:extLst>
         </p:spPr>
       </p:pic>
+      <p:pic>
+        <p:nvPicPr>
+          <p:cNvPr id="8" name="Picture 2" descr="Image">
+            <a:extLst>
+              <a:ext uri="{FF2B5EF4-FFF2-40B4-BE49-F238E27FC236}">
+                <a16:creationId xmlns:a16="http://schemas.microsoft.com/office/drawing/2014/main" id="{CC9C345F-2541-5491-4095-DF46737A9CBB}"/>
+              </a:ext>
+            </a:extLst>
+          </p:cNvPr>
+          <p:cNvPicPr>
+            <a:picLocks noChangeAspect="1" noChangeArrowheads="1"/>
+          </p:cNvPicPr>
+          <p:nvPr/>
+        </p:nvPicPr>
+        <p:blipFill rotWithShape="1">
+          <a:blip r:embed="rId2">
+            <a:extLst>
+              <a:ext uri="{28A0092B-C50C-407E-A947-70E740481C1C}">
+                <a14:useLocalDpi xmlns:a14="http://schemas.microsoft.com/office/drawing/2010/main" val="0"/>
+              </a:ext>
+            </a:extLst>
+          </a:blip>
+          <a:srcRect l="38990" t="14173" r="46786" b="57164"/>
+          <a:stretch/>
+        </p:blipFill>
+        <p:spPr bwMode="auto">
+          <a:xfrm>
+            <a:off x="3790950" y="-3084212"/>
+            <a:ext cx="3200400" cy="2800350"/>
+          </a:xfrm>
+          <a:prstGeom prst="rect">
+            <a:avLst/>
+          </a:prstGeom>
+          <a:noFill/>
+          <a:extLst>
+            <a:ext uri="{909E8E84-426E-40DD-AFC4-6F175D3DCCD1}">
+              <a14:hiddenFill xmlns:a14="http://schemas.microsoft.com/office/drawing/2010/main">
+                <a:solidFill>
+                  <a:srgbClr val="FFFFFF"/>
+                </a:solidFill>
+              </a14:hiddenFill>
+            </a:ext>
+          </a:extLst>
+        </p:spPr>
+      </p:pic>
+      <p:sp>
+        <p:nvSpPr>
+          <p:cNvPr id="9" name="TextBox 8">
+            <a:extLst>
+              <a:ext uri="{FF2B5EF4-FFF2-40B4-BE49-F238E27FC236}">
+                <a16:creationId xmlns:a16="http://schemas.microsoft.com/office/drawing/2014/main" id="{50D0EE92-B453-48DB-BC35-6B3C6452BAF9}"/>
+              </a:ext>
+            </a:extLst>
+          </p:cNvPr>
+          <p:cNvSpPr txBox="1"/>
+          <p:nvPr/>
+        </p:nvSpPr>
+        <p:spPr>
+          <a:xfrm>
+            <a:off x="4167409" y="1220837"/>
+            <a:ext cx="4057652" cy="3770263"/>
+          </a:xfrm>
+          <a:prstGeom prst="rect">
+            <a:avLst/>
+          </a:prstGeom>
+          <a:noFill/>
+        </p:spPr>
+        <p:txBody>
+          <a:bodyPr wrap="square" rtlCol="0">
+            <a:spAutoFit/>
+          </a:bodyPr>
+          <a:lstStyle/>
+          <a:p>
+            <a:r>
+              <a:rPr lang="en-US" sz="23900" dirty="0" err="1">
+                <a:solidFill>
+                  <a:srgbClr val="EE7D30"/>
+                </a:solidFill>
+                <a:latin typeface="PingFang HK" panose="020B0400000000000000" pitchFamily="34" charset="-120"/>
+                <a:ea typeface="PingFang HK" panose="020B0400000000000000" pitchFamily="34" charset="-120"/>
+              </a:rPr>
+              <a:t>徐</a:t>
+            </a:r>
+            <a:endParaRPr lang="en-US" sz="23900" dirty="0">
+              <a:solidFill>
+                <a:srgbClr val="EE7D30"/>
+              </a:solidFill>
+              <a:latin typeface="PingFang HK" panose="020B0400000000000000" pitchFamily="34" charset="-120"/>
+              <a:ea typeface="PingFang HK" panose="020B0400000000000000" pitchFamily="34" charset="-120"/>
+            </a:endParaRPr>
+          </a:p>
+        </p:txBody>
+      </p:sp>
+      <p:sp>
+        <p:nvSpPr>
+          <p:cNvPr id="10" name="TextBox 9">
+            <a:extLst>
+              <a:ext uri="{FF2B5EF4-FFF2-40B4-BE49-F238E27FC236}">
+                <a16:creationId xmlns:a16="http://schemas.microsoft.com/office/drawing/2014/main" id="{4CB746EC-9ED6-7526-7151-277D8D931BF0}"/>
+              </a:ext>
+            </a:extLst>
+          </p:cNvPr>
+          <p:cNvSpPr txBox="1"/>
+          <p:nvPr/>
+        </p:nvSpPr>
+        <p:spPr>
+          <a:xfrm>
+            <a:off x="7435130" y="1220836"/>
+            <a:ext cx="4016634" cy="3770263"/>
+          </a:xfrm>
+          <a:prstGeom prst="rect">
+            <a:avLst/>
+          </a:prstGeom>
+          <a:noFill/>
+        </p:spPr>
+        <p:txBody>
+          <a:bodyPr wrap="square" rtlCol="0">
+            <a:spAutoFit/>
+          </a:bodyPr>
+          <a:lstStyle/>
+          <a:p>
+            <a:r>
+              <a:rPr lang="en-US" sz="23900" dirty="0" err="1">
+                <a:solidFill>
+                  <a:srgbClr val="193C7D"/>
+                </a:solidFill>
+                <a:latin typeface="PingFang HK" panose="020B0400000000000000" pitchFamily="34" charset="-120"/>
+                <a:ea typeface="PingFang HK" panose="020B0400000000000000" pitchFamily="34" charset="-120"/>
+              </a:rPr>
+              <a:t>泓</a:t>
+            </a:r>
+            <a:endParaRPr lang="en-US" sz="23900" dirty="0">
+              <a:solidFill>
+                <a:srgbClr val="193C7D"/>
+              </a:solidFill>
+              <a:latin typeface="PingFang HK" panose="020B0400000000000000" pitchFamily="34" charset="-120"/>
+              <a:ea typeface="PingFang HK" panose="020B0400000000000000" pitchFamily="34" charset="-120"/>
+            </a:endParaRPr>
+          </a:p>
+        </p:txBody>
+      </p:sp>
+      <p:pic>
+        <p:nvPicPr>
+          <p:cNvPr id="16" name="Picture 15">
+            <a:extLst>
+              <a:ext uri="{FF2B5EF4-FFF2-40B4-BE49-F238E27FC236}">
+                <a16:creationId xmlns:a16="http://schemas.microsoft.com/office/drawing/2014/main" id="{45E4E1C8-2EE4-8BAE-E44A-CE757685CEFD}"/>
+              </a:ext>
+            </a:extLst>
+          </p:cNvPr>
+          <p:cNvPicPr>
+            <a:picLocks noChangeAspect="1"/>
+          </p:cNvPicPr>
+          <p:nvPr/>
+        </p:nvPicPr>
+        <p:blipFill rotWithShape="1">
+          <a:blip r:embed="rId3"/>
+          <a:srcRect t="11141" b="25008"/>
+          <a:stretch/>
+        </p:blipFill>
+        <p:spPr>
+          <a:xfrm>
+            <a:off x="1671047" y="4882224"/>
+            <a:ext cx="7772400" cy="2012239"/>
+          </a:xfrm>
+          <a:prstGeom prst="rect">
+            <a:avLst/>
+          </a:prstGeom>
+        </p:spPr>
+      </p:pic>
     </p:spTree>
     <p:extLst>
       <p:ext uri="{BB962C8B-B14F-4D97-AF65-F5344CB8AC3E}">
-        <p14:creationId xmlns:p14="http://schemas.microsoft.com/office/powerpoint/2010/main" val="2153822212"/>
+        <p14:creationId xmlns:p14="http://schemas.microsoft.com/office/powerpoint/2010/main" val="1951366896"/>
       </p:ext>
     </p:extLst>
   </p:cSld>
